--- a/presentation/AI BASED MULTIPLAYER SNAKE GAME(mini project).pptx
+++ b/presentation/AI BASED MULTIPLAYER SNAKE GAME(mini project).pptx
@@ -6,14 +6,15 @@
   </p:sldMasterIdLst>
   <p:sldIdLst>
     <p:sldId id="256" r:id="rId2"/>
-    <p:sldId id="257" r:id="rId3"/>
-    <p:sldId id="258" r:id="rId4"/>
-    <p:sldId id="259" r:id="rId5"/>
-    <p:sldId id="260" r:id="rId6"/>
-    <p:sldId id="261" r:id="rId7"/>
-    <p:sldId id="262" r:id="rId8"/>
-    <p:sldId id="264" r:id="rId9"/>
-    <p:sldId id="263" r:id="rId10"/>
+    <p:sldId id="265" r:id="rId3"/>
+    <p:sldId id="257" r:id="rId4"/>
+    <p:sldId id="258" r:id="rId5"/>
+    <p:sldId id="259" r:id="rId6"/>
+    <p:sldId id="260" r:id="rId7"/>
+    <p:sldId id="261" r:id="rId8"/>
+    <p:sldId id="262" r:id="rId9"/>
+    <p:sldId id="264" r:id="rId10"/>
+    <p:sldId id="263" r:id="rId11"/>
   </p:sldIdLst>
   <p:sldSz cx="9144000" cy="6858000" type="screen4x3"/>
   <p:notesSz cx="6858000" cy="9144000"/>
@@ -3084,15 +3085,21 @@
           </a:xfrm>
         </p:spPr>
         <p:txBody>
-          <a:bodyPr/>
+          <a:bodyPr>
+            <a:normAutofit/>
+          </a:bodyPr>
           <a:lstStyle/>
           <a:p>
             <a:pPr algn="ctr"/>
             <a:r>
-              <a:rPr lang="en-US" dirty="0" smtClean="0"/>
-              <a:t>AI BASED MULTIPLAYER SNAKE GAME</a:t>
-            </a:r>
-            <a:endParaRPr lang="en-US" dirty="0"/>
+              <a:rPr lang="en-US" sz="4800" dirty="0" smtClean="0"/>
+              <a:t>MULTIPLAYER </a:t>
+            </a:r>
+            <a:r>
+              <a:rPr lang="en-US" sz="4800" dirty="0" smtClean="0"/>
+              <a:t>SNAKE GAME</a:t>
+            </a:r>
+            <a:endParaRPr lang="en-US" sz="4800" dirty="0"/>
           </a:p>
         </p:txBody>
       </p:sp>
@@ -3117,24 +3124,52 @@
           <a:lstStyle/>
           <a:p>
             <a:r>
-              <a:rPr lang="en-US" dirty="0" smtClean="0"/>
-              <a:t>By : Deepak </a:t>
-            </a:r>
-            <a:r>
-              <a:rPr lang="en-US" dirty="0" err="1" smtClean="0"/>
+              <a:rPr lang="en-US" dirty="0" smtClean="0">
+                <a:solidFill>
+                  <a:schemeClr val="tx1"/>
+                </a:solidFill>
+              </a:rPr>
+              <a:t>Deepak </a:t>
+            </a:r>
+            <a:r>
+              <a:rPr lang="en-US" dirty="0" err="1" smtClean="0">
+                <a:solidFill>
+                  <a:schemeClr val="tx1"/>
+                </a:solidFill>
+              </a:rPr>
               <a:t>Rajan</a:t>
             </a:r>
             <a:r>
-              <a:rPr lang="en-US" dirty="0" smtClean="0"/>
-              <a:t> S</a:t>
-            </a:r>
-          </a:p>
-          <a:p>
-            <a:r>
-              <a:rPr lang="en-US" dirty="0" smtClean="0"/>
-              <a:t>Roll no :160501039 </a:t>
-            </a:r>
-            <a:endParaRPr lang="en-US" dirty="0"/>
+              <a:rPr lang="en-US" dirty="0" smtClean="0">
+                <a:solidFill>
+                  <a:schemeClr val="tx1"/>
+                </a:solidFill>
+              </a:rPr>
+              <a:t> </a:t>
+            </a:r>
+            <a:r>
+              <a:rPr lang="en-US" dirty="0" smtClean="0">
+                <a:solidFill>
+                  <a:schemeClr val="tx1"/>
+                </a:solidFill>
+              </a:rPr>
+              <a:t>S (160501039 )</a:t>
+            </a:r>
+          </a:p>
+          <a:p>
+            <a:r>
+              <a:rPr lang="en-US" dirty="0" smtClean="0">
+                <a:solidFill>
+                  <a:schemeClr val="tx1"/>
+                </a:solidFill>
+              </a:rPr>
+              <a:t>(AI)Artificial Intelligence</a:t>
+            </a:r>
+            <a:endParaRPr lang="en-US" dirty="0">
+              <a:solidFill>
+                <a:schemeClr val="tx1"/>
+              </a:solidFill>
+            </a:endParaRPr>
           </a:p>
         </p:txBody>
       </p:sp>
@@ -3150,6 +3185,81 @@
       </p:par>
     </p:tnLst>
   </p:timing>
+</p:sld>
+</file>
+
+<file path=ppt/slides/slide10.xml><?xml version="1.0" encoding="utf-8"?>
+<p:sld xmlns:a="http://schemas.openxmlformats.org/drawingml/2006/main" xmlns:r="http://schemas.openxmlformats.org/officeDocument/2006/relationships" xmlns:p="http://schemas.openxmlformats.org/presentationml/2006/main">
+  <p:cSld>
+    <p:spTree>
+      <p:nvGrpSpPr>
+        <p:cNvPr id="1" name=""/>
+        <p:cNvGrpSpPr/>
+        <p:nvPr/>
+      </p:nvGrpSpPr>
+      <p:grpSpPr>
+        <a:xfrm>
+          <a:off x="0" y="0"/>
+          <a:ext cx="0" cy="0"/>
+          <a:chOff x="0" y="0"/>
+          <a:chExt cx="0" cy="0"/>
+        </a:xfrm>
+      </p:grpSpPr>
+      <p:sp>
+        <p:nvSpPr>
+          <p:cNvPr id="2" name="TextBox 1"/>
+          <p:cNvSpPr txBox="1"/>
+          <p:nvPr/>
+        </p:nvSpPr>
+        <p:spPr>
+          <a:xfrm>
+            <a:off x="381000" y="2895600"/>
+            <a:ext cx="8153400" cy="1107996"/>
+          </a:xfrm>
+          <a:prstGeom prst="rect">
+            <a:avLst/>
+          </a:prstGeom>
+        </p:spPr>
+        <p:style>
+          <a:lnRef idx="0">
+            <a:schemeClr val="dk1"/>
+          </a:lnRef>
+          <a:fillRef idx="3">
+            <a:schemeClr val="dk1"/>
+          </a:fillRef>
+          <a:effectRef idx="3">
+            <a:schemeClr val="dk1"/>
+          </a:effectRef>
+          <a:fontRef idx="minor">
+            <a:schemeClr val="lt1"/>
+          </a:fontRef>
+        </p:style>
+        <p:txBody>
+          <a:bodyPr wrap="square" rtlCol="0">
+            <a:spAutoFit/>
+          </a:bodyPr>
+          <a:lstStyle/>
+          <a:p>
+            <a:pPr algn="ctr"/>
+            <a:r>
+              <a:rPr lang="en-US" sz="6600" dirty="0" smtClean="0"/>
+              <a:t>THANK YOU </a:t>
+            </a:r>
+            <a:r>
+              <a:rPr lang="en-US" sz="6600" dirty="0" smtClean="0">
+                <a:sym typeface="Wingdings" pitchFamily="2" charset="2"/>
+              </a:rPr>
+              <a:t></a:t>
+            </a:r>
+            <a:endParaRPr lang="en-US" sz="6600" dirty="0"/>
+          </a:p>
+        </p:txBody>
+      </p:sp>
+    </p:spTree>
+  </p:cSld>
+  <p:clrMapOvr>
+    <a:masterClrMapping/>
+  </p:clrMapOvr>
 </p:sld>
 </file>
 
@@ -3172,138 +3282,245 @@
       </p:grpSpPr>
       <p:sp>
         <p:nvSpPr>
-          <p:cNvPr id="2" name="TextBox 1"/>
-          <p:cNvSpPr txBox="1"/>
-          <p:nvPr/>
+          <p:cNvPr id="2" name="Title 1"/>
+          <p:cNvSpPr>
+            <a:spLocks noGrp="1"/>
+          </p:cNvSpPr>
+          <p:nvPr>
+            <p:ph type="title"/>
+          </p:nvPr>
+        </p:nvSpPr>
+        <p:spPr/>
+        <p:txBody>
+          <a:bodyPr/>
+          <a:lstStyle/>
+          <a:p>
+            <a:r>
+              <a:rPr lang="en-US" dirty="0" smtClean="0"/>
+              <a:t>ABSTRACT</a:t>
+            </a:r>
+            <a:endParaRPr lang="en-US" dirty="0"/>
+          </a:p>
+        </p:txBody>
+      </p:sp>
+      <p:sp>
+        <p:nvSpPr>
+          <p:cNvPr id="3" name="Content Placeholder 2"/>
+          <p:cNvSpPr>
+            <a:spLocks noGrp="1"/>
+          </p:cNvSpPr>
+          <p:nvPr>
+            <p:ph idx="1"/>
+          </p:nvPr>
         </p:nvSpPr>
         <p:spPr>
           <a:xfrm>
-            <a:off x="304800" y="304800"/>
-            <a:ext cx="8458200" cy="523220"/>
+            <a:off x="457200" y="1600200"/>
+            <a:ext cx="8229600" cy="4525963"/>
           </a:xfrm>
-          <a:prstGeom prst="rect">
-            <a:avLst/>
-          </a:prstGeom>
         </p:spPr>
-        <p:style>
-          <a:lnRef idx="0">
-            <a:schemeClr val="accent1"/>
-          </a:lnRef>
-          <a:fillRef idx="3">
-            <a:schemeClr val="accent1"/>
-          </a:fillRef>
-          <a:effectRef idx="3">
-            <a:schemeClr val="accent1"/>
-          </a:effectRef>
-          <a:fontRef idx="minor">
-            <a:schemeClr val="lt1"/>
-          </a:fontRef>
-        </p:style>
-        <p:txBody>
-          <a:bodyPr wrap="square" rtlCol="0">
-            <a:spAutoFit/>
+        <p:txBody>
+          <a:bodyPr>
+            <a:normAutofit/>
           </a:bodyPr>
           <a:lstStyle/>
           <a:p>
-            <a:r>
-              <a:rPr lang="en-US" sz="2800" dirty="0" smtClean="0"/>
-              <a:t>SINGLE PLAYER SNAKE GAME:</a:t>
-            </a:r>
-            <a:endParaRPr lang="en-US" sz="2800" dirty="0"/>
-          </a:p>
-        </p:txBody>
-      </p:sp>
-      <p:sp>
-        <p:nvSpPr>
-          <p:cNvPr id="3" name="TextBox 2"/>
-          <p:cNvSpPr txBox="1"/>
-          <p:nvPr/>
-        </p:nvSpPr>
-        <p:spPr>
-          <a:xfrm>
-            <a:off x="381000" y="1143000"/>
-            <a:ext cx="8305800" cy="4893647"/>
-          </a:xfrm>
-          <a:prstGeom prst="rect">
-            <a:avLst/>
-          </a:prstGeom>
-          <a:noFill/>
-        </p:spPr>
-        <p:txBody>
-          <a:bodyPr wrap="square" rtlCol="0">
-            <a:spAutoFit/>
-          </a:bodyPr>
-          <a:lstStyle/>
-          <a:p>
-            <a:pPr>
-              <a:buFont typeface="Arial" pitchFamily="34" charset="0"/>
-              <a:buChar char="•"/>
+            <a:pPr algn="just">
+              <a:buNone/>
             </a:pPr>
             <a:r>
               <a:rPr lang="en-US" sz="2400" dirty="0" smtClean="0"/>
-              <a:t> Game board  consist of 2 dimensional space which has walls at the borders.</a:t>
-            </a:r>
-          </a:p>
-          <a:p>
+              <a:t>The purpose of this project is to make the player compete </a:t>
+            </a:r>
+            <a:r>
+              <a:rPr lang="en-US" sz="2400" dirty="0" smtClean="0"/>
+              <a:t>with</a:t>
+            </a:r>
+          </a:p>
+          <a:p>
+            <a:pPr algn="just">
+              <a:buNone/>
+            </a:pPr>
+            <a:r>
+              <a:rPr lang="en-US" sz="2400" dirty="0" smtClean="0"/>
+              <a:t>each </a:t>
+            </a:r>
+            <a:r>
+              <a:rPr lang="en-US" sz="2400" dirty="0" smtClean="0"/>
+              <a:t>on a multiplayer snake game and make the </a:t>
+            </a:r>
+            <a:r>
+              <a:rPr lang="en-US" sz="2400" dirty="0" smtClean="0"/>
+              <a:t>computer</a:t>
+            </a:r>
+          </a:p>
+          <a:p>
+            <a:pPr algn="just">
+              <a:buNone/>
+            </a:pPr>
+            <a:r>
+              <a:rPr lang="en-US" sz="2400" dirty="0" smtClean="0"/>
+              <a:t>reflect the moves that the players have used in their previous </a:t>
+            </a:r>
+          </a:p>
+          <a:p>
+            <a:pPr algn="just">
+              <a:buNone/>
+            </a:pPr>
+            <a:r>
+              <a:rPr lang="en-US" sz="2400" dirty="0" smtClean="0"/>
+              <a:t>games </a:t>
+            </a:r>
+            <a:r>
+              <a:rPr lang="en-US" sz="2400" dirty="0" smtClean="0"/>
+              <a:t>.The model is demonstrated in browser so this game is </a:t>
+            </a:r>
+          </a:p>
+          <a:p>
+            <a:pPr algn="just">
+              <a:buNone/>
+            </a:pPr>
+            <a:r>
+              <a:rPr lang="en-US" sz="2400" dirty="0" smtClean="0"/>
+              <a:t>developed using the basic SSE technology </a:t>
+            </a:r>
+            <a:r>
+              <a:rPr lang="en-US" sz="2400" dirty="0" smtClean="0"/>
+              <a:t>and </a:t>
+            </a:r>
+            <a:r>
+              <a:rPr lang="en-US" sz="2400" dirty="0" smtClean="0"/>
+              <a:t>record the </a:t>
+            </a:r>
+            <a:r>
+              <a:rPr lang="en-US" sz="2400" dirty="0" smtClean="0"/>
+              <a:t>player</a:t>
+            </a:r>
+          </a:p>
+          <a:p>
+            <a:pPr algn="just">
+              <a:buNone/>
+            </a:pPr>
+            <a:r>
+              <a:rPr lang="en-US" sz="2400" dirty="0" smtClean="0"/>
+              <a:t>move </a:t>
+            </a:r>
+            <a:r>
+              <a:rPr lang="en-US" sz="2400" dirty="0" smtClean="0"/>
+              <a:t>in a one on one battle with each </a:t>
+            </a:r>
+            <a:r>
+              <a:rPr lang="en-US" sz="2400" dirty="0" smtClean="0"/>
+              <a:t>and </a:t>
+            </a:r>
+            <a:r>
+              <a:rPr lang="en-US" sz="2400" dirty="0" smtClean="0"/>
+              <a:t>tries to use </a:t>
+            </a:r>
+            <a:r>
+              <a:rPr lang="en-US" sz="2400" dirty="0" smtClean="0"/>
+              <a:t>the</a:t>
+            </a:r>
+          </a:p>
+          <a:p>
+            <a:pPr algn="just">
+              <a:buNone/>
+            </a:pPr>
+            <a:r>
+              <a:rPr lang="en-US" sz="2400" dirty="0" smtClean="0"/>
+              <a:t>previous </a:t>
+            </a:r>
+            <a:r>
+              <a:rPr lang="en-US" sz="2400" dirty="0" smtClean="0"/>
+              <a:t>player’s move. The </a:t>
+            </a:r>
+            <a:r>
+              <a:rPr lang="en-US" sz="2400" dirty="0" smtClean="0"/>
+              <a:t>computer uses </a:t>
+            </a:r>
+            <a:r>
+              <a:rPr lang="en-US" sz="2400" dirty="0" smtClean="0"/>
+              <a:t>the shortest </a:t>
+            </a:r>
+            <a:r>
+              <a:rPr lang="en-US" sz="2400" dirty="0" smtClean="0"/>
+              <a:t>path</a:t>
+            </a:r>
+          </a:p>
+          <a:p>
+            <a:pPr algn="just">
+              <a:buNone/>
+            </a:pPr>
+            <a:r>
+              <a:rPr lang="en-US" sz="2400" dirty="0" smtClean="0"/>
+              <a:t>algorithm </a:t>
+            </a:r>
+            <a:r>
+              <a:rPr lang="en-US" sz="2400" dirty="0" smtClean="0"/>
+              <a:t>to reach the target with </a:t>
+            </a:r>
+            <a:r>
+              <a:rPr lang="en-US" sz="2400" dirty="0" smtClean="0"/>
+              <a:t>having self </a:t>
+            </a:r>
+            <a:r>
+              <a:rPr lang="en-US" sz="2400" dirty="0" smtClean="0"/>
+              <a:t>destructive </a:t>
+            </a:r>
+            <a:r>
+              <a:rPr lang="en-US" sz="2400" dirty="0" smtClean="0"/>
+              <a:t>moves</a:t>
+            </a:r>
+          </a:p>
+          <a:p>
+            <a:pPr algn="just">
+              <a:buNone/>
+            </a:pPr>
+            <a:r>
+              <a:rPr lang="en-US" sz="2400" dirty="0" smtClean="0"/>
+              <a:t>and </a:t>
+            </a:r>
+            <a:r>
+              <a:rPr lang="en-US" sz="2400" dirty="0" smtClean="0"/>
+              <a:t>tries to escape from the </a:t>
+            </a:r>
+            <a:r>
+              <a:rPr lang="en-US" sz="2400" dirty="0" smtClean="0"/>
+              <a:t>opponent’s attacking </a:t>
+            </a:r>
+            <a:r>
+              <a:rPr lang="en-US" sz="2400" dirty="0" smtClean="0"/>
+              <a:t>moves </a:t>
+            </a:r>
+            <a:r>
+              <a:rPr lang="en-US" sz="2400" dirty="0" smtClean="0"/>
+              <a:t>by</a:t>
+            </a:r>
+          </a:p>
+          <a:p>
+            <a:pPr algn="just">
+              <a:buNone/>
+            </a:pPr>
+            <a:r>
+              <a:rPr lang="en-US" sz="2400" dirty="0" smtClean="0"/>
+              <a:t>predicting </a:t>
+            </a:r>
+            <a:r>
+              <a:rPr lang="en-US" sz="2400" dirty="0" smtClean="0"/>
+              <a:t>it before.</a:t>
+            </a:r>
+          </a:p>
+          <a:p>
+            <a:pPr algn="just">
+              <a:buNone/>
+            </a:pPr>
             <a:endParaRPr lang="en-US" sz="2400" dirty="0" smtClean="0"/>
           </a:p>
           <a:p>
-            <a:pPr>
-              <a:buFont typeface="Arial" pitchFamily="34" charset="0"/>
-              <a:buChar char="•"/>
+            <a:pPr algn="just">
+              <a:buNone/>
             </a:pPr>
-            <a:r>
-              <a:rPr lang="en-US" sz="2400" dirty="0" smtClean="0"/>
-              <a:t> An User’s Snake is allowed to move around the 2-D space without dashing the wall.</a:t>
-            </a:r>
-          </a:p>
-          <a:p>
             <a:endParaRPr lang="en-US" sz="2400" dirty="0" smtClean="0"/>
-          </a:p>
-          <a:p>
-            <a:pPr>
-              <a:buFont typeface="Arial" pitchFamily="34" charset="0"/>
-              <a:buChar char="•"/>
-            </a:pPr>
-            <a:r>
-              <a:rPr lang="en-US" sz="2400" dirty="0" smtClean="0"/>
-              <a:t> A symbol denoting the food will randomly paced anywhere in the 2-D space.</a:t>
-            </a:r>
-          </a:p>
-          <a:p>
-            <a:endParaRPr lang="en-US" sz="2400" dirty="0" smtClean="0"/>
-          </a:p>
-          <a:p>
-            <a:pPr>
-              <a:buFont typeface="Arial" pitchFamily="34" charset="0"/>
-              <a:buChar char="•"/>
-            </a:pPr>
-            <a:r>
-              <a:rPr lang="en-US" sz="2400" dirty="0"/>
-              <a:t> </a:t>
-            </a:r>
-            <a:r>
-              <a:rPr lang="en-US" sz="2400" dirty="0" smtClean="0"/>
-              <a:t>If the user catch the food, length of the snake body increases</a:t>
-            </a:r>
-          </a:p>
-          <a:p>
-            <a:endParaRPr lang="en-US" sz="2400" dirty="0" smtClean="0"/>
-          </a:p>
-          <a:p>
-            <a:pPr>
-              <a:buFont typeface="Arial" pitchFamily="34" charset="0"/>
-              <a:buChar char="•"/>
-            </a:pPr>
-            <a:r>
-              <a:rPr lang="en-US" sz="2400" dirty="0"/>
-              <a:t> </a:t>
-            </a:r>
-            <a:r>
-              <a:rPr lang="en-US" sz="2400" dirty="0" smtClean="0"/>
-              <a:t>The food will be available only for few seconds.</a:t>
-            </a:r>
-            <a:endParaRPr lang="en-US" sz="2400" dirty="0"/>
           </a:p>
         </p:txBody>
       </p:sp>
@@ -3312,13 +3529,6 @@
   <p:clrMapOvr>
     <a:masterClrMapping/>
   </p:clrMapOvr>
-  <p:timing>
-    <p:tnLst>
-      <p:par>
-        <p:cTn id="1" dur="indefinite" restart="never" nodeType="tmRoot"/>
-      </p:par>
-    </p:tnLst>
-  </p:timing>
 </p:sld>
 </file>
 
@@ -3347,6 +3557,175 @@
         </p:nvSpPr>
         <p:spPr>
           <a:xfrm>
+            <a:off x="304800" y="304800"/>
+            <a:ext cx="8458200" cy="523220"/>
+          </a:xfrm>
+          <a:prstGeom prst="rect">
+            <a:avLst/>
+          </a:prstGeom>
+        </p:spPr>
+        <p:style>
+          <a:lnRef idx="2">
+            <a:schemeClr val="dk1"/>
+          </a:lnRef>
+          <a:fillRef idx="1">
+            <a:schemeClr val="lt1"/>
+          </a:fillRef>
+          <a:effectRef idx="0">
+            <a:schemeClr val="dk1"/>
+          </a:effectRef>
+          <a:fontRef idx="minor">
+            <a:schemeClr val="dk1"/>
+          </a:fontRef>
+        </p:style>
+        <p:txBody>
+          <a:bodyPr wrap="square" rtlCol="0">
+            <a:spAutoFit/>
+          </a:bodyPr>
+          <a:lstStyle/>
+          <a:p>
+            <a:r>
+              <a:rPr lang="en-US" sz="2800" dirty="0" smtClean="0"/>
+              <a:t>SINGLE PLAYER SNAKE GAME:</a:t>
+            </a:r>
+            <a:endParaRPr lang="en-US" sz="2800" dirty="0"/>
+          </a:p>
+        </p:txBody>
+      </p:sp>
+      <p:sp>
+        <p:nvSpPr>
+          <p:cNvPr id="3" name="TextBox 2"/>
+          <p:cNvSpPr txBox="1"/>
+          <p:nvPr/>
+        </p:nvSpPr>
+        <p:spPr>
+          <a:xfrm>
+            <a:off x="381000" y="1143000"/>
+            <a:ext cx="8305800" cy="4893647"/>
+          </a:xfrm>
+          <a:prstGeom prst="rect">
+            <a:avLst/>
+          </a:prstGeom>
+          <a:noFill/>
+        </p:spPr>
+        <p:txBody>
+          <a:bodyPr wrap="square" rtlCol="0">
+            <a:spAutoFit/>
+          </a:bodyPr>
+          <a:lstStyle/>
+          <a:p>
+            <a:pPr>
+              <a:buFont typeface="Arial" pitchFamily="34" charset="0"/>
+              <a:buChar char="•"/>
+            </a:pPr>
+            <a:r>
+              <a:rPr lang="en-US" sz="2400" dirty="0" smtClean="0"/>
+              <a:t> Game board  consist of 2 dimensional space which has walls at the borders.</a:t>
+            </a:r>
+          </a:p>
+          <a:p>
+            <a:endParaRPr lang="en-US" sz="2400" dirty="0" smtClean="0"/>
+          </a:p>
+          <a:p>
+            <a:pPr>
+              <a:buFont typeface="Arial" pitchFamily="34" charset="0"/>
+              <a:buChar char="•"/>
+            </a:pPr>
+            <a:r>
+              <a:rPr lang="en-US" sz="2400" dirty="0" smtClean="0"/>
+              <a:t> An User’s Snake is allowed to move around the 2-D space without dashing the wall.</a:t>
+            </a:r>
+          </a:p>
+          <a:p>
+            <a:endParaRPr lang="en-US" sz="2400" dirty="0" smtClean="0"/>
+          </a:p>
+          <a:p>
+            <a:pPr>
+              <a:buFont typeface="Arial" pitchFamily="34" charset="0"/>
+              <a:buChar char="•"/>
+            </a:pPr>
+            <a:r>
+              <a:rPr lang="en-US" sz="2400" dirty="0" smtClean="0"/>
+              <a:t> A symbol denoting the food will randomly paced anywhere in the 2-D space.</a:t>
+            </a:r>
+          </a:p>
+          <a:p>
+            <a:endParaRPr lang="en-US" sz="2400" dirty="0" smtClean="0"/>
+          </a:p>
+          <a:p>
+            <a:pPr>
+              <a:buFont typeface="Arial" pitchFamily="34" charset="0"/>
+              <a:buChar char="•"/>
+            </a:pPr>
+            <a:r>
+              <a:rPr lang="en-US" sz="2400" dirty="0"/>
+              <a:t> </a:t>
+            </a:r>
+            <a:r>
+              <a:rPr lang="en-US" sz="2400" dirty="0" smtClean="0"/>
+              <a:t>If the user catch the food, length of the snake body increases</a:t>
+            </a:r>
+          </a:p>
+          <a:p>
+            <a:endParaRPr lang="en-US" sz="2400" dirty="0" smtClean="0"/>
+          </a:p>
+          <a:p>
+            <a:pPr>
+              <a:buFont typeface="Arial" pitchFamily="34" charset="0"/>
+              <a:buChar char="•"/>
+            </a:pPr>
+            <a:r>
+              <a:rPr lang="en-US" sz="2400" dirty="0"/>
+              <a:t> </a:t>
+            </a:r>
+            <a:r>
+              <a:rPr lang="en-US" sz="2400" dirty="0" smtClean="0"/>
+              <a:t>The food will be available only for few seconds.</a:t>
+            </a:r>
+            <a:endParaRPr lang="en-US" sz="2400" dirty="0"/>
+          </a:p>
+        </p:txBody>
+      </p:sp>
+    </p:spTree>
+  </p:cSld>
+  <p:clrMapOvr>
+    <a:masterClrMapping/>
+  </p:clrMapOvr>
+  <p:timing>
+    <p:tnLst>
+      <p:par>
+        <p:cTn id="1" dur="indefinite" restart="never" nodeType="tmRoot"/>
+      </p:par>
+    </p:tnLst>
+  </p:timing>
+</p:sld>
+</file>
+
+<file path=ppt/slides/slide4.xml><?xml version="1.0" encoding="utf-8"?>
+<p:sld xmlns:a="http://schemas.openxmlformats.org/drawingml/2006/main" xmlns:r="http://schemas.openxmlformats.org/officeDocument/2006/relationships" xmlns:p="http://schemas.openxmlformats.org/presentationml/2006/main">
+  <p:cSld>
+    <p:spTree>
+      <p:nvGrpSpPr>
+        <p:cNvPr id="1" name=""/>
+        <p:cNvGrpSpPr/>
+        <p:nvPr/>
+      </p:nvGrpSpPr>
+      <p:grpSpPr>
+        <a:xfrm>
+          <a:off x="0" y="0"/>
+          <a:ext cx="0" cy="0"/>
+          <a:chOff x="0" y="0"/>
+          <a:chExt cx="0" cy="0"/>
+        </a:xfrm>
+      </p:grpSpPr>
+      <p:sp>
+        <p:nvSpPr>
+          <p:cNvPr id="2" name="TextBox 1"/>
+          <p:cNvSpPr txBox="1"/>
+          <p:nvPr/>
+        </p:nvSpPr>
+        <p:spPr>
+          <a:xfrm>
             <a:off x="457200" y="381000"/>
             <a:ext cx="8001000" cy="461665"/>
           </a:xfrm>
@@ -3355,17 +3734,17 @@
           </a:prstGeom>
         </p:spPr>
         <p:style>
-          <a:lnRef idx="0">
-            <a:schemeClr val="accent2"/>
+          <a:lnRef idx="2">
+            <a:schemeClr val="dk1"/>
           </a:lnRef>
-          <a:fillRef idx="3">
-            <a:schemeClr val="accent2"/>
+          <a:fillRef idx="1">
+            <a:schemeClr val="lt1"/>
           </a:fillRef>
-          <a:effectRef idx="3">
-            <a:schemeClr val="accent2"/>
+          <a:effectRef idx="0">
+            <a:schemeClr val="dk1"/>
           </a:effectRef>
           <a:fontRef idx="minor">
-            <a:schemeClr val="lt1"/>
+            <a:schemeClr val="dk1"/>
           </a:fontRef>
         </p:style>
         <p:txBody>
@@ -3375,10 +3754,18 @@
           <a:lstStyle/>
           <a:p>
             <a:r>
-              <a:rPr lang="en-US" sz="2400" dirty="0" smtClean="0"/>
+              <a:rPr lang="en-US" sz="2400" dirty="0" smtClean="0">
+                <a:solidFill>
+                  <a:schemeClr val="tx1"/>
+                </a:solidFill>
+              </a:rPr>
               <a:t>WINNING STAGE FOR SINGLE PLAYER GAME MODE</a:t>
             </a:r>
-            <a:endParaRPr lang="en-US" sz="2400" dirty="0"/>
+            <a:endParaRPr lang="en-US" sz="2400" dirty="0">
+              <a:solidFill>
+                <a:schemeClr val="tx1"/>
+              </a:solidFill>
+            </a:endParaRPr>
           </a:p>
         </p:txBody>
       </p:sp>
@@ -3508,7 +3895,7 @@
 </p:sld>
 </file>
 
-<file path=ppt/slides/slide4.xml><?xml version="1.0" encoding="utf-8"?>
+<file path=ppt/slides/slide5.xml><?xml version="1.0" encoding="utf-8"?>
 <p:sld xmlns:a="http://schemas.openxmlformats.org/drawingml/2006/main" xmlns:r="http://schemas.openxmlformats.org/officeDocument/2006/relationships" xmlns:p="http://schemas.openxmlformats.org/presentationml/2006/main">
   <p:cSld>
     <p:spTree>
@@ -3682,7 +4069,7 @@
 </p:sld>
 </file>
 
-<file path=ppt/slides/slide5.xml><?xml version="1.0" encoding="utf-8"?>
+<file path=ppt/slides/slide6.xml><?xml version="1.0" encoding="utf-8"?>
 <p:sld xmlns:a="http://schemas.openxmlformats.org/drawingml/2006/main" xmlns:r="http://schemas.openxmlformats.org/officeDocument/2006/relationships" xmlns:p="http://schemas.openxmlformats.org/presentationml/2006/main">
   <p:cSld>
     <p:spTree>
@@ -3849,7 +4236,7 @@
 </p:sld>
 </file>
 
-<file path=ppt/slides/slide6.xml><?xml version="1.0" encoding="utf-8"?>
+<file path=ppt/slides/slide7.xml><?xml version="1.0" encoding="utf-8"?>
 <p:sld xmlns:a="http://schemas.openxmlformats.org/drawingml/2006/main" xmlns:r="http://schemas.openxmlformats.org/officeDocument/2006/relationships" xmlns:p="http://schemas.openxmlformats.org/presentationml/2006/main">
   <p:cSld>
     <p:spTree>
@@ -4149,7 +4536,7 @@
 </p:sld>
 </file>
 
-<file path=ppt/slides/slide7.xml><?xml version="1.0" encoding="utf-8"?>
+<file path=ppt/slides/slide8.xml><?xml version="1.0" encoding="utf-8"?>
 <p:sld xmlns:a="http://schemas.openxmlformats.org/drawingml/2006/main" xmlns:r="http://schemas.openxmlformats.org/officeDocument/2006/relationships" xmlns:p="http://schemas.openxmlformats.org/presentationml/2006/main">
   <p:cSld>
     <p:spTree>
@@ -4300,7 +4687,7 @@
 </p:sld>
 </file>
 
-<file path=ppt/slides/slide8.xml><?xml version="1.0" encoding="utf-8"?>
+<file path=ppt/slides/slide9.xml><?xml version="1.0" encoding="utf-8"?>
 <p:sld xmlns:a="http://schemas.openxmlformats.org/drawingml/2006/main" xmlns:r="http://schemas.openxmlformats.org/officeDocument/2006/relationships" xmlns:p="http://schemas.openxmlformats.org/presentationml/2006/main">
   <p:cSld>
     <p:spTree>
@@ -4434,81 +4821,6 @@
               <a:buChar char="•"/>
             </a:pPr>
             <a:endParaRPr lang="en-US" dirty="0"/>
-          </a:p>
-        </p:txBody>
-      </p:sp>
-    </p:spTree>
-  </p:cSld>
-  <p:clrMapOvr>
-    <a:masterClrMapping/>
-  </p:clrMapOvr>
-</p:sld>
-</file>
-
-<file path=ppt/slides/slide9.xml><?xml version="1.0" encoding="utf-8"?>
-<p:sld xmlns:a="http://schemas.openxmlformats.org/drawingml/2006/main" xmlns:r="http://schemas.openxmlformats.org/officeDocument/2006/relationships" xmlns:p="http://schemas.openxmlformats.org/presentationml/2006/main">
-  <p:cSld>
-    <p:spTree>
-      <p:nvGrpSpPr>
-        <p:cNvPr id="1" name=""/>
-        <p:cNvGrpSpPr/>
-        <p:nvPr/>
-      </p:nvGrpSpPr>
-      <p:grpSpPr>
-        <a:xfrm>
-          <a:off x="0" y="0"/>
-          <a:ext cx="0" cy="0"/>
-          <a:chOff x="0" y="0"/>
-          <a:chExt cx="0" cy="0"/>
-        </a:xfrm>
-      </p:grpSpPr>
-      <p:sp>
-        <p:nvSpPr>
-          <p:cNvPr id="2" name="TextBox 1"/>
-          <p:cNvSpPr txBox="1"/>
-          <p:nvPr/>
-        </p:nvSpPr>
-        <p:spPr>
-          <a:xfrm>
-            <a:off x="381000" y="2895600"/>
-            <a:ext cx="8153400" cy="1107996"/>
-          </a:xfrm>
-          <a:prstGeom prst="rect">
-            <a:avLst/>
-          </a:prstGeom>
-        </p:spPr>
-        <p:style>
-          <a:lnRef idx="0">
-            <a:schemeClr val="dk1"/>
-          </a:lnRef>
-          <a:fillRef idx="3">
-            <a:schemeClr val="dk1"/>
-          </a:fillRef>
-          <a:effectRef idx="3">
-            <a:schemeClr val="dk1"/>
-          </a:effectRef>
-          <a:fontRef idx="minor">
-            <a:schemeClr val="lt1"/>
-          </a:fontRef>
-        </p:style>
-        <p:txBody>
-          <a:bodyPr wrap="square" rtlCol="0">
-            <a:spAutoFit/>
-          </a:bodyPr>
-          <a:lstStyle/>
-          <a:p>
-            <a:pPr algn="ctr"/>
-            <a:r>
-              <a:rPr lang="en-US" sz="6600" dirty="0" smtClean="0"/>
-              <a:t>THANK YOU </a:t>
-            </a:r>
-            <a:r>
-              <a:rPr lang="en-US" sz="6600" dirty="0" smtClean="0">
-                <a:sym typeface="Wingdings" pitchFamily="2" charset="2"/>
-              </a:rPr>
-              <a:t></a:t>
-            </a:r>
-            <a:endParaRPr lang="en-US" sz="6600" dirty="0"/>
           </a:p>
         </p:txBody>
       </p:sp>

--- a/presentation/AI BASED MULTIPLAYER SNAKE GAME(mini project).pptx
+++ b/presentation/AI BASED MULTIPLAYER SNAKE GAME(mini project).pptx
@@ -298,7 +298,7 @@
             <a:fld id="{08C12724-62BB-4F65-8CA4-4E731AE132FF}" type="datetimeFigureOut">
               <a:rPr lang="en-US" smtClean="0"/>
               <a:pPr/>
-              <a:t>06-Oct-19</a:t>
+              <a:t>06-10-2019</a:t>
             </a:fld>
             <a:endParaRPr lang="en-US"/>
           </a:p>
@@ -465,7 +465,7 @@
             <a:fld id="{08C12724-62BB-4F65-8CA4-4E731AE132FF}" type="datetimeFigureOut">
               <a:rPr lang="en-US" smtClean="0"/>
               <a:pPr/>
-              <a:t>06-Oct-19</a:t>
+              <a:t>06-10-2019</a:t>
             </a:fld>
             <a:endParaRPr lang="en-US"/>
           </a:p>
@@ -642,7 +642,7 @@
             <a:fld id="{08C12724-62BB-4F65-8CA4-4E731AE132FF}" type="datetimeFigureOut">
               <a:rPr lang="en-US" smtClean="0"/>
               <a:pPr/>
-              <a:t>06-Oct-19</a:t>
+              <a:t>06-10-2019</a:t>
             </a:fld>
             <a:endParaRPr lang="en-US"/>
           </a:p>
@@ -809,7 +809,7 @@
             <a:fld id="{08C12724-62BB-4F65-8CA4-4E731AE132FF}" type="datetimeFigureOut">
               <a:rPr lang="en-US" smtClean="0"/>
               <a:pPr/>
-              <a:t>06-Oct-19</a:t>
+              <a:t>06-10-2019</a:t>
             </a:fld>
             <a:endParaRPr lang="en-US"/>
           </a:p>
@@ -1052,7 +1052,7 @@
             <a:fld id="{08C12724-62BB-4F65-8CA4-4E731AE132FF}" type="datetimeFigureOut">
               <a:rPr lang="en-US" smtClean="0"/>
               <a:pPr/>
-              <a:t>06-Oct-19</a:t>
+              <a:t>06-10-2019</a:t>
             </a:fld>
             <a:endParaRPr lang="en-US"/>
           </a:p>
@@ -1337,7 +1337,7 @@
             <a:fld id="{08C12724-62BB-4F65-8CA4-4E731AE132FF}" type="datetimeFigureOut">
               <a:rPr lang="en-US" smtClean="0"/>
               <a:pPr/>
-              <a:t>06-Oct-19</a:t>
+              <a:t>06-10-2019</a:t>
             </a:fld>
             <a:endParaRPr lang="en-US"/>
           </a:p>
@@ -1756,7 +1756,7 @@
             <a:fld id="{08C12724-62BB-4F65-8CA4-4E731AE132FF}" type="datetimeFigureOut">
               <a:rPr lang="en-US" smtClean="0"/>
               <a:pPr/>
-              <a:t>06-Oct-19</a:t>
+              <a:t>06-10-2019</a:t>
             </a:fld>
             <a:endParaRPr lang="en-US"/>
           </a:p>
@@ -1871,7 +1871,7 @@
             <a:fld id="{08C12724-62BB-4F65-8CA4-4E731AE132FF}" type="datetimeFigureOut">
               <a:rPr lang="en-US" smtClean="0"/>
               <a:pPr/>
-              <a:t>06-Oct-19</a:t>
+              <a:t>06-10-2019</a:t>
             </a:fld>
             <a:endParaRPr lang="en-US"/>
           </a:p>
@@ -1963,7 +1963,7 @@
             <a:fld id="{08C12724-62BB-4F65-8CA4-4E731AE132FF}" type="datetimeFigureOut">
               <a:rPr lang="en-US" smtClean="0"/>
               <a:pPr/>
-              <a:t>06-Oct-19</a:t>
+              <a:t>06-10-2019</a:t>
             </a:fld>
             <a:endParaRPr lang="en-US"/>
           </a:p>
@@ -2237,7 +2237,7 @@
             <a:fld id="{08C12724-62BB-4F65-8CA4-4E731AE132FF}" type="datetimeFigureOut">
               <a:rPr lang="en-US" smtClean="0"/>
               <a:pPr/>
-              <a:t>06-Oct-19</a:t>
+              <a:t>06-10-2019</a:t>
             </a:fld>
             <a:endParaRPr lang="en-US"/>
           </a:p>
@@ -2487,7 +2487,7 @@
             <a:fld id="{08C12724-62BB-4F65-8CA4-4E731AE132FF}" type="datetimeFigureOut">
               <a:rPr lang="en-US" smtClean="0"/>
               <a:pPr/>
-              <a:t>06-Oct-19</a:t>
+              <a:t>06-10-2019</a:t>
             </a:fld>
             <a:endParaRPr lang="en-US"/>
           </a:p>
@@ -2697,7 +2697,7 @@
             <a:fld id="{08C12724-62BB-4F65-8CA4-4E731AE132FF}" type="datetimeFigureOut">
               <a:rPr lang="en-US" smtClean="0"/>
               <a:pPr/>
-              <a:t>06-Oct-19</a:t>
+              <a:t>06-10-2019</a:t>
             </a:fld>
             <a:endParaRPr lang="en-US"/>
           </a:p>
@@ -3093,11 +3093,7 @@
             <a:pPr algn="ctr"/>
             <a:r>
               <a:rPr lang="en-US" sz="4800" dirty="0" smtClean="0"/>
-              <a:t>MULTIPLAYER </a:t>
-            </a:r>
-            <a:r>
-              <a:rPr lang="en-US" sz="4800" dirty="0" smtClean="0"/>
-              <a:t>SNAKE GAME</a:t>
+              <a:t>MULTIPLAYER SNAKE GAME</a:t>
             </a:r>
             <a:endParaRPr lang="en-US" sz="4800" dirty="0"/>
           </a:p>
@@ -3145,15 +3141,7 @@
                   <a:schemeClr val="tx1"/>
                 </a:solidFill>
               </a:rPr>
-              <a:t> </a:t>
-            </a:r>
-            <a:r>
-              <a:rPr lang="en-US" dirty="0" smtClean="0">
-                <a:solidFill>
-                  <a:schemeClr val="tx1"/>
-                </a:solidFill>
-              </a:rPr>
-              <a:t>S (160501039 )</a:t>
+              <a:t> S (160501039 )</a:t>
             </a:r>
           </a:p>
           <a:p>
@@ -3330,28 +3318,16 @@
             </a:pPr>
             <a:r>
               <a:rPr lang="en-US" sz="2400" dirty="0" smtClean="0"/>
-              <a:t>The purpose of this project is to make the player compete </a:t>
-            </a:r>
+              <a:t>The purpose of this project is to make the player compete with</a:t>
+            </a:r>
+          </a:p>
+          <a:p>
+            <a:pPr algn="just">
+              <a:buNone/>
+            </a:pPr>
             <a:r>
               <a:rPr lang="en-US" sz="2400" dirty="0" smtClean="0"/>
-              <a:t>with</a:t>
-            </a:r>
-          </a:p>
-          <a:p>
-            <a:pPr algn="just">
-              <a:buNone/>
-            </a:pPr>
-            <a:r>
-              <a:rPr lang="en-US" sz="2400" dirty="0" smtClean="0"/>
-              <a:t>each </a:t>
-            </a:r>
-            <a:r>
-              <a:rPr lang="en-US" sz="2400" dirty="0" smtClean="0"/>
-              <a:t>on a multiplayer snake game and make the </a:t>
-            </a:r>
-            <a:r>
-              <a:rPr lang="en-US" sz="2400" dirty="0" smtClean="0"/>
-              <a:t>computer</a:t>
+              <a:t>each on a multiplayer snake game and make the computer</a:t>
             </a:r>
           </a:p>
           <a:p>
@@ -3369,11 +3345,16 @@
             </a:pPr>
             <a:r>
               <a:rPr lang="en-US" sz="2400" dirty="0" smtClean="0"/>
-              <a:t>games </a:t>
-            </a:r>
+              <a:t>games .The model is demonstrated in browser so this game is </a:t>
+            </a:r>
+          </a:p>
+          <a:p>
+            <a:pPr algn="just">
+              <a:buNone/>
+            </a:pPr>
             <a:r>
               <a:rPr lang="en-US" sz="2400" dirty="0" smtClean="0"/>
-              <a:t>.The model is demonstrated in browser so this game is </a:t>
+              <a:t>developed using the basic SSE technology and record the player</a:t>
             </a:r>
           </a:p>
           <a:p>
@@ -3382,19 +3363,34 @@
             </a:pPr>
             <a:r>
               <a:rPr lang="en-US" sz="2400" dirty="0" smtClean="0"/>
-              <a:t>developed using the basic SSE technology </a:t>
-            </a:r>
+              <a:t>move in a one on one battle with each and tries to use the</a:t>
+            </a:r>
+          </a:p>
+          <a:p>
+            <a:pPr algn="just">
+              <a:buNone/>
+            </a:pPr>
             <a:r>
               <a:rPr lang="en-US" sz="2400" dirty="0" smtClean="0"/>
-              <a:t>and </a:t>
-            </a:r>
+              <a:t>previous player’s move. The computer uses the shortest path</a:t>
+            </a:r>
+          </a:p>
+          <a:p>
+            <a:pPr algn="just">
+              <a:buNone/>
+            </a:pPr>
             <a:r>
               <a:rPr lang="en-US" sz="2400" dirty="0" smtClean="0"/>
-              <a:t>record the </a:t>
-            </a:r>
+              <a:t>algorithm to reach the target with having self destructive moves</a:t>
+            </a:r>
+          </a:p>
+          <a:p>
+            <a:pPr algn="just">
+              <a:buNone/>
+            </a:pPr>
             <a:r>
               <a:rPr lang="en-US" sz="2400" dirty="0" smtClean="0"/>
-              <a:t>player</a:t>
+              <a:t>and tries to escape from the opponent’s attacking moves by</a:t>
             </a:r>
           </a:p>
           <a:p>
@@ -3403,111 +3399,7 @@
             </a:pPr>
             <a:r>
               <a:rPr lang="en-US" sz="2400" dirty="0" smtClean="0"/>
-              <a:t>move </a:t>
-            </a:r>
-            <a:r>
-              <a:rPr lang="en-US" sz="2400" dirty="0" smtClean="0"/>
-              <a:t>in a one on one battle with each </a:t>
-            </a:r>
-            <a:r>
-              <a:rPr lang="en-US" sz="2400" dirty="0" smtClean="0"/>
-              <a:t>and </a:t>
-            </a:r>
-            <a:r>
-              <a:rPr lang="en-US" sz="2400" dirty="0" smtClean="0"/>
-              <a:t>tries to use </a:t>
-            </a:r>
-            <a:r>
-              <a:rPr lang="en-US" sz="2400" dirty="0" smtClean="0"/>
-              <a:t>the</a:t>
-            </a:r>
-          </a:p>
-          <a:p>
-            <a:pPr algn="just">
-              <a:buNone/>
-            </a:pPr>
-            <a:r>
-              <a:rPr lang="en-US" sz="2400" dirty="0" smtClean="0"/>
-              <a:t>previous </a:t>
-            </a:r>
-            <a:r>
-              <a:rPr lang="en-US" sz="2400" dirty="0" smtClean="0"/>
-              <a:t>player’s move. The </a:t>
-            </a:r>
-            <a:r>
-              <a:rPr lang="en-US" sz="2400" dirty="0" smtClean="0"/>
-              <a:t>computer uses </a:t>
-            </a:r>
-            <a:r>
-              <a:rPr lang="en-US" sz="2400" dirty="0" smtClean="0"/>
-              <a:t>the shortest </a:t>
-            </a:r>
-            <a:r>
-              <a:rPr lang="en-US" sz="2400" dirty="0" smtClean="0"/>
-              <a:t>path</a:t>
-            </a:r>
-          </a:p>
-          <a:p>
-            <a:pPr algn="just">
-              <a:buNone/>
-            </a:pPr>
-            <a:r>
-              <a:rPr lang="en-US" sz="2400" dirty="0" smtClean="0"/>
-              <a:t>algorithm </a:t>
-            </a:r>
-            <a:r>
-              <a:rPr lang="en-US" sz="2400" dirty="0" smtClean="0"/>
-              <a:t>to reach the target with </a:t>
-            </a:r>
-            <a:r>
-              <a:rPr lang="en-US" sz="2400" dirty="0" smtClean="0"/>
-              <a:t>having self </a:t>
-            </a:r>
-            <a:r>
-              <a:rPr lang="en-US" sz="2400" dirty="0" smtClean="0"/>
-              <a:t>destructive </a:t>
-            </a:r>
-            <a:r>
-              <a:rPr lang="en-US" sz="2400" dirty="0" smtClean="0"/>
-              <a:t>moves</a:t>
-            </a:r>
-          </a:p>
-          <a:p>
-            <a:pPr algn="just">
-              <a:buNone/>
-            </a:pPr>
-            <a:r>
-              <a:rPr lang="en-US" sz="2400" dirty="0" smtClean="0"/>
-              <a:t>and </a:t>
-            </a:r>
-            <a:r>
-              <a:rPr lang="en-US" sz="2400" dirty="0" smtClean="0"/>
-              <a:t>tries to escape from the </a:t>
-            </a:r>
-            <a:r>
-              <a:rPr lang="en-US" sz="2400" dirty="0" smtClean="0"/>
-              <a:t>opponent’s attacking </a:t>
-            </a:r>
-            <a:r>
-              <a:rPr lang="en-US" sz="2400" dirty="0" smtClean="0"/>
-              <a:t>moves </a:t>
-            </a:r>
-            <a:r>
-              <a:rPr lang="en-US" sz="2400" dirty="0" smtClean="0"/>
-              <a:t>by</a:t>
-            </a:r>
-          </a:p>
-          <a:p>
-            <a:pPr algn="just">
-              <a:buNone/>
-            </a:pPr>
-            <a:r>
-              <a:rPr lang="en-US" sz="2400" dirty="0" smtClean="0"/>
-              <a:t>predicting </a:t>
-            </a:r>
-            <a:r>
-              <a:rPr lang="en-US" sz="2400" dirty="0" smtClean="0"/>
-              <a:t>it before.</a:t>
+              <a:t>predicting it before.</a:t>
             </a:r>
           </a:p>
           <a:p>
@@ -3529,6 +3421,13 @@
   <p:clrMapOvr>
     <a:masterClrMapping/>
   </p:clrMapOvr>
+  <p:timing>
+    <p:tnLst>
+      <p:par>
+        <p:cTn id="1" dur="indefinite" restart="never" nodeType="tmRoot"/>
+      </p:par>
+    </p:tnLst>
+  </p:timing>
 </p:sld>
 </file>
 
@@ -3928,17 +3827,17 @@
           </a:prstGeom>
         </p:spPr>
         <p:style>
-          <a:lnRef idx="1">
-            <a:schemeClr val="accent2"/>
+          <a:lnRef idx="2">
+            <a:schemeClr val="dk1"/>
           </a:lnRef>
-          <a:fillRef idx="3">
-            <a:schemeClr val="accent2"/>
+          <a:fillRef idx="1">
+            <a:schemeClr val="lt1"/>
           </a:fillRef>
-          <a:effectRef idx="2">
-            <a:schemeClr val="accent2"/>
+          <a:effectRef idx="0">
+            <a:schemeClr val="dk1"/>
           </a:effectRef>
           <a:fontRef idx="minor">
-            <a:schemeClr val="lt1"/>
+            <a:schemeClr val="dk1"/>
           </a:fontRef>
         </p:style>
         <p:txBody>
@@ -4102,17 +4001,17 @@
           </a:prstGeom>
         </p:spPr>
         <p:style>
-          <a:lnRef idx="0">
-            <a:schemeClr val="accent4"/>
+          <a:lnRef idx="2">
+            <a:schemeClr val="dk1"/>
           </a:lnRef>
-          <a:fillRef idx="3">
-            <a:schemeClr val="accent4"/>
+          <a:fillRef idx="1">
+            <a:schemeClr val="lt1"/>
           </a:fillRef>
-          <a:effectRef idx="3">
-            <a:schemeClr val="accent4"/>
+          <a:effectRef idx="0">
+            <a:schemeClr val="dk1"/>
           </a:effectRef>
           <a:fontRef idx="minor">
-            <a:schemeClr val="lt1"/>
+            <a:schemeClr val="dk1"/>
           </a:fontRef>
         </p:style>
         <p:txBody>
@@ -4269,17 +4168,17 @@
           </a:prstGeom>
         </p:spPr>
         <p:style>
-          <a:lnRef idx="1">
-            <a:schemeClr val="accent4"/>
+          <a:lnRef idx="2">
+            <a:schemeClr val="dk1"/>
           </a:lnRef>
-          <a:fillRef idx="3">
-            <a:schemeClr val="accent4"/>
+          <a:fillRef idx="1">
+            <a:schemeClr val="lt1"/>
           </a:fillRef>
-          <a:effectRef idx="2">
-            <a:schemeClr val="accent4"/>
+          <a:effectRef idx="0">
+            <a:schemeClr val="dk1"/>
           </a:effectRef>
           <a:fontRef idx="minor">
-            <a:schemeClr val="lt1"/>
+            <a:schemeClr val="dk1"/>
           </a:fontRef>
         </p:style>
         <p:txBody>
@@ -4569,17 +4468,17 @@
           </a:prstGeom>
         </p:spPr>
         <p:style>
-          <a:lnRef idx="1">
-            <a:schemeClr val="accent5"/>
+          <a:lnRef idx="2">
+            <a:schemeClr val="dk1"/>
           </a:lnRef>
-          <a:fillRef idx="3">
-            <a:schemeClr val="accent5"/>
+          <a:fillRef idx="1">
+            <a:schemeClr val="lt1"/>
           </a:fillRef>
-          <a:effectRef idx="2">
-            <a:schemeClr val="accent5"/>
+          <a:effectRef idx="0">
+            <a:schemeClr val="dk1"/>
           </a:effectRef>
           <a:fontRef idx="minor">
-            <a:schemeClr val="lt1"/>
+            <a:schemeClr val="dk1"/>
           </a:fontRef>
         </p:style>
         <p:txBody>
@@ -4720,17 +4619,17 @@
           </a:prstGeom>
         </p:spPr>
         <p:style>
-          <a:lnRef idx="0">
-            <a:schemeClr val="accent6"/>
+          <a:lnRef idx="2">
+            <a:schemeClr val="dk1"/>
           </a:lnRef>
-          <a:fillRef idx="3">
-            <a:schemeClr val="accent6"/>
+          <a:fillRef idx="1">
+            <a:schemeClr val="lt1"/>
           </a:fillRef>
-          <a:effectRef idx="3">
-            <a:schemeClr val="accent6"/>
+          <a:effectRef idx="0">
+            <a:schemeClr val="dk1"/>
           </a:effectRef>
           <a:fontRef idx="minor">
-            <a:schemeClr val="lt1"/>
+            <a:schemeClr val="dk1"/>
           </a:fontRef>
         </p:style>
         <p:txBody>

--- a/presentation/AI BASED MULTIPLAYER SNAKE GAME(mini project).pptx
+++ b/presentation/AI BASED MULTIPLAYER SNAKE GAME(mini project).pptx
@@ -7,14 +7,23 @@
   <p:sldIdLst>
     <p:sldId id="256" r:id="rId2"/>
     <p:sldId id="265" r:id="rId3"/>
-    <p:sldId id="257" r:id="rId4"/>
-    <p:sldId id="258" r:id="rId5"/>
-    <p:sldId id="259" r:id="rId6"/>
-    <p:sldId id="260" r:id="rId7"/>
-    <p:sldId id="261" r:id="rId8"/>
-    <p:sldId id="262" r:id="rId9"/>
-    <p:sldId id="264" r:id="rId10"/>
-    <p:sldId id="263" r:id="rId11"/>
+    <p:sldId id="266" r:id="rId4"/>
+    <p:sldId id="257" r:id="rId5"/>
+    <p:sldId id="258" r:id="rId6"/>
+    <p:sldId id="259" r:id="rId7"/>
+    <p:sldId id="260" r:id="rId8"/>
+    <p:sldId id="261" r:id="rId9"/>
+    <p:sldId id="262" r:id="rId10"/>
+    <p:sldId id="264" r:id="rId11"/>
+    <p:sldId id="267" r:id="rId12"/>
+    <p:sldId id="268" r:id="rId13"/>
+    <p:sldId id="269" r:id="rId14"/>
+    <p:sldId id="270" r:id="rId15"/>
+    <p:sldId id="271" r:id="rId16"/>
+    <p:sldId id="272" r:id="rId17"/>
+    <p:sldId id="273" r:id="rId18"/>
+    <p:sldId id="274" r:id="rId19"/>
+    <p:sldId id="263" r:id="rId20"/>
   </p:sldIdLst>
   <p:sldSz cx="9144000" cy="6858000" type="screen4x3"/>
   <p:notesSz cx="6858000" cy="9144000"/>
@@ -298,7 +307,7 @@
             <a:fld id="{08C12724-62BB-4F65-8CA4-4E731AE132FF}" type="datetimeFigureOut">
               <a:rPr lang="en-US" smtClean="0"/>
               <a:pPr/>
-              <a:t>06-10-2019</a:t>
+              <a:t>06-Oct-19</a:t>
             </a:fld>
             <a:endParaRPr lang="en-US"/>
           </a:p>
@@ -465,7 +474,7 @@
             <a:fld id="{08C12724-62BB-4F65-8CA4-4E731AE132FF}" type="datetimeFigureOut">
               <a:rPr lang="en-US" smtClean="0"/>
               <a:pPr/>
-              <a:t>06-10-2019</a:t>
+              <a:t>06-Oct-19</a:t>
             </a:fld>
             <a:endParaRPr lang="en-US"/>
           </a:p>
@@ -642,7 +651,7 @@
             <a:fld id="{08C12724-62BB-4F65-8CA4-4E731AE132FF}" type="datetimeFigureOut">
               <a:rPr lang="en-US" smtClean="0"/>
               <a:pPr/>
-              <a:t>06-10-2019</a:t>
+              <a:t>06-Oct-19</a:t>
             </a:fld>
             <a:endParaRPr lang="en-US"/>
           </a:p>
@@ -809,7 +818,7 @@
             <a:fld id="{08C12724-62BB-4F65-8CA4-4E731AE132FF}" type="datetimeFigureOut">
               <a:rPr lang="en-US" smtClean="0"/>
               <a:pPr/>
-              <a:t>06-10-2019</a:t>
+              <a:t>06-Oct-19</a:t>
             </a:fld>
             <a:endParaRPr lang="en-US"/>
           </a:p>
@@ -1052,7 +1061,7 @@
             <a:fld id="{08C12724-62BB-4F65-8CA4-4E731AE132FF}" type="datetimeFigureOut">
               <a:rPr lang="en-US" smtClean="0"/>
               <a:pPr/>
-              <a:t>06-10-2019</a:t>
+              <a:t>06-Oct-19</a:t>
             </a:fld>
             <a:endParaRPr lang="en-US"/>
           </a:p>
@@ -1337,7 +1346,7 @@
             <a:fld id="{08C12724-62BB-4F65-8CA4-4E731AE132FF}" type="datetimeFigureOut">
               <a:rPr lang="en-US" smtClean="0"/>
               <a:pPr/>
-              <a:t>06-10-2019</a:t>
+              <a:t>06-Oct-19</a:t>
             </a:fld>
             <a:endParaRPr lang="en-US"/>
           </a:p>
@@ -1756,7 +1765,7 @@
             <a:fld id="{08C12724-62BB-4F65-8CA4-4E731AE132FF}" type="datetimeFigureOut">
               <a:rPr lang="en-US" smtClean="0"/>
               <a:pPr/>
-              <a:t>06-10-2019</a:t>
+              <a:t>06-Oct-19</a:t>
             </a:fld>
             <a:endParaRPr lang="en-US"/>
           </a:p>
@@ -1871,7 +1880,7 @@
             <a:fld id="{08C12724-62BB-4F65-8CA4-4E731AE132FF}" type="datetimeFigureOut">
               <a:rPr lang="en-US" smtClean="0"/>
               <a:pPr/>
-              <a:t>06-10-2019</a:t>
+              <a:t>06-Oct-19</a:t>
             </a:fld>
             <a:endParaRPr lang="en-US"/>
           </a:p>
@@ -1963,7 +1972,7 @@
             <a:fld id="{08C12724-62BB-4F65-8CA4-4E731AE132FF}" type="datetimeFigureOut">
               <a:rPr lang="en-US" smtClean="0"/>
               <a:pPr/>
-              <a:t>06-10-2019</a:t>
+              <a:t>06-Oct-19</a:t>
             </a:fld>
             <a:endParaRPr lang="en-US"/>
           </a:p>
@@ -2237,7 +2246,7 @@
             <a:fld id="{08C12724-62BB-4F65-8CA4-4E731AE132FF}" type="datetimeFigureOut">
               <a:rPr lang="en-US" smtClean="0"/>
               <a:pPr/>
-              <a:t>06-10-2019</a:t>
+              <a:t>06-Oct-19</a:t>
             </a:fld>
             <a:endParaRPr lang="en-US"/>
           </a:p>
@@ -2487,7 +2496,7 @@
             <a:fld id="{08C12724-62BB-4F65-8CA4-4E731AE132FF}" type="datetimeFigureOut">
               <a:rPr lang="en-US" smtClean="0"/>
               <a:pPr/>
-              <a:t>06-10-2019</a:t>
+              <a:t>06-Oct-19</a:t>
             </a:fld>
             <a:endParaRPr lang="en-US"/>
           </a:p>
@@ -2697,7 +2706,7 @@
             <a:fld id="{08C12724-62BB-4F65-8CA4-4E731AE132FF}" type="datetimeFigureOut">
               <a:rPr lang="en-US" smtClean="0"/>
               <a:pPr/>
-              <a:t>06-10-2019</a:t>
+              <a:t>06-Oct-19</a:t>
             </a:fld>
             <a:endParaRPr lang="en-US"/>
           </a:p>
@@ -3195,6 +3204,2975 @@
       </p:grpSpPr>
       <p:sp>
         <p:nvSpPr>
+          <p:cNvPr id="3" name="TextBox 2"/>
+          <p:cNvSpPr txBox="1"/>
+          <p:nvPr/>
+        </p:nvSpPr>
+        <p:spPr>
+          <a:xfrm>
+            <a:off x="228600" y="228600"/>
+            <a:ext cx="8305800" cy="523220"/>
+          </a:xfrm>
+          <a:prstGeom prst="rect">
+            <a:avLst/>
+          </a:prstGeom>
+        </p:spPr>
+        <p:style>
+          <a:lnRef idx="2">
+            <a:schemeClr val="dk1"/>
+          </a:lnRef>
+          <a:fillRef idx="1">
+            <a:schemeClr val="lt1"/>
+          </a:fillRef>
+          <a:effectRef idx="0">
+            <a:schemeClr val="dk1"/>
+          </a:effectRef>
+          <a:fontRef idx="minor">
+            <a:schemeClr val="dk1"/>
+          </a:fontRef>
+        </p:style>
+        <p:txBody>
+          <a:bodyPr wrap="square" rtlCol="0">
+            <a:spAutoFit/>
+          </a:bodyPr>
+          <a:lstStyle/>
+          <a:p>
+            <a:r>
+              <a:rPr lang="en-US" sz="2800" dirty="0" smtClean="0"/>
+              <a:t>CHALLENGES IN MULTIPLAYER SNAKE GAME</a:t>
+            </a:r>
+            <a:endParaRPr lang="en-US" sz="2800" dirty="0"/>
+          </a:p>
+        </p:txBody>
+      </p:sp>
+      <p:sp>
+        <p:nvSpPr>
+          <p:cNvPr id="4" name="TextBox 3"/>
+          <p:cNvSpPr txBox="1"/>
+          <p:nvPr/>
+        </p:nvSpPr>
+        <p:spPr>
+          <a:xfrm>
+            <a:off x="381000" y="1219200"/>
+            <a:ext cx="8305800" cy="3231654"/>
+          </a:xfrm>
+          <a:prstGeom prst="rect">
+            <a:avLst/>
+          </a:prstGeom>
+          <a:noFill/>
+        </p:spPr>
+        <p:txBody>
+          <a:bodyPr wrap="square" rtlCol="0">
+            <a:spAutoFit/>
+          </a:bodyPr>
+          <a:lstStyle/>
+          <a:p>
+            <a:pPr>
+              <a:buFont typeface="Arial" pitchFamily="34" charset="0"/>
+              <a:buChar char="•"/>
+            </a:pPr>
+            <a:r>
+              <a:rPr lang="en-US" sz="2400" dirty="0" smtClean="0"/>
+              <a:t> To predict the opponents next move</a:t>
+            </a:r>
+          </a:p>
+          <a:p>
+            <a:pPr>
+              <a:buFont typeface="Arial" pitchFamily="34" charset="0"/>
+              <a:buChar char="•"/>
+            </a:pPr>
+            <a:endParaRPr lang="en-US" sz="2400" dirty="0" smtClean="0"/>
+          </a:p>
+          <a:p>
+            <a:pPr>
+              <a:buFont typeface="Arial" pitchFamily="34" charset="0"/>
+              <a:buChar char="•"/>
+            </a:pPr>
+            <a:r>
+              <a:rPr lang="en-US" sz="2400" dirty="0" smtClean="0"/>
+              <a:t> To make decision whether to go for a food or try to attack the opponent.</a:t>
+            </a:r>
+          </a:p>
+          <a:p>
+            <a:pPr>
+              <a:buFont typeface="Arial" pitchFamily="34" charset="0"/>
+              <a:buChar char="•"/>
+            </a:pPr>
+            <a:endParaRPr lang="en-US" sz="2400" dirty="0" smtClean="0"/>
+          </a:p>
+          <a:p>
+            <a:pPr>
+              <a:buFont typeface="Arial" pitchFamily="34" charset="0"/>
+              <a:buChar char="•"/>
+            </a:pPr>
+            <a:r>
+              <a:rPr lang="en-US" sz="2400" dirty="0" smtClean="0"/>
+              <a:t> Reading the user’s move and making use of the previously collected data to make the next best move.</a:t>
+            </a:r>
+          </a:p>
+          <a:p>
+            <a:endParaRPr lang="en-US" dirty="0" smtClean="0"/>
+          </a:p>
+          <a:p>
+            <a:pPr>
+              <a:buFont typeface="Arial" pitchFamily="34" charset="0"/>
+              <a:buChar char="•"/>
+            </a:pPr>
+            <a:endParaRPr lang="en-US" dirty="0"/>
+          </a:p>
+        </p:txBody>
+      </p:sp>
+    </p:spTree>
+  </p:cSld>
+  <p:clrMapOvr>
+    <a:masterClrMapping/>
+  </p:clrMapOvr>
+</p:sld>
+</file>
+
+<file path=ppt/slides/slide11.xml><?xml version="1.0" encoding="utf-8"?>
+<p:sld xmlns:a="http://schemas.openxmlformats.org/drawingml/2006/main" xmlns:r="http://schemas.openxmlformats.org/officeDocument/2006/relationships" xmlns:p="http://schemas.openxmlformats.org/presentationml/2006/main">
+  <p:cSld>
+    <p:spTree>
+      <p:nvGrpSpPr>
+        <p:cNvPr id="1" name=""/>
+        <p:cNvGrpSpPr/>
+        <p:nvPr/>
+      </p:nvGrpSpPr>
+      <p:grpSpPr>
+        <a:xfrm>
+          <a:off x="0" y="0"/>
+          <a:ext cx="0" cy="0"/>
+          <a:chOff x="0" y="0"/>
+          <a:chExt cx="0" cy="0"/>
+        </a:xfrm>
+      </p:grpSpPr>
+      <p:sp>
+        <p:nvSpPr>
+          <p:cNvPr id="2" name="TextBox 1"/>
+          <p:cNvSpPr txBox="1"/>
+          <p:nvPr/>
+        </p:nvSpPr>
+        <p:spPr>
+          <a:xfrm>
+            <a:off x="533400" y="381000"/>
+            <a:ext cx="8001000" cy="523220"/>
+          </a:xfrm>
+          <a:prstGeom prst="rect">
+            <a:avLst/>
+          </a:prstGeom>
+        </p:spPr>
+        <p:style>
+          <a:lnRef idx="2">
+            <a:schemeClr val="dk1"/>
+          </a:lnRef>
+          <a:fillRef idx="1">
+            <a:schemeClr val="lt1"/>
+          </a:fillRef>
+          <a:effectRef idx="0">
+            <a:schemeClr val="dk1"/>
+          </a:effectRef>
+          <a:fontRef idx="minor">
+            <a:schemeClr val="dk1"/>
+          </a:fontRef>
+        </p:style>
+        <p:txBody>
+          <a:bodyPr wrap="square" rtlCol="0">
+            <a:spAutoFit/>
+          </a:bodyPr>
+          <a:lstStyle/>
+          <a:p>
+            <a:r>
+              <a:rPr lang="en-US" sz="2800" dirty="0" smtClean="0"/>
+              <a:t>PROPOSED SOLUTION - ARCHITECTURE DIAGRAM</a:t>
+            </a:r>
+            <a:endParaRPr lang="en-US" sz="2800" dirty="0"/>
+          </a:p>
+        </p:txBody>
+      </p:sp>
+      <p:sp>
+        <p:nvSpPr>
+          <p:cNvPr id="3" name="Rectangle 2"/>
+          <p:cNvSpPr/>
+          <p:nvPr/>
+        </p:nvSpPr>
+        <p:spPr>
+          <a:xfrm>
+            <a:off x="4038600" y="1219200"/>
+            <a:ext cx="1295400" cy="457200"/>
+          </a:xfrm>
+          <a:prstGeom prst="rect">
+            <a:avLst/>
+          </a:prstGeom>
+        </p:spPr>
+        <p:style>
+          <a:lnRef idx="2">
+            <a:schemeClr val="dk1"/>
+          </a:lnRef>
+          <a:fillRef idx="1">
+            <a:schemeClr val="lt1"/>
+          </a:fillRef>
+          <a:effectRef idx="0">
+            <a:schemeClr val="dk1"/>
+          </a:effectRef>
+          <a:fontRef idx="minor">
+            <a:schemeClr val="dk1"/>
+          </a:fontRef>
+        </p:style>
+        <p:txBody>
+          <a:bodyPr rtlCol="0" anchor="ctr"/>
+          <a:lstStyle/>
+          <a:p>
+            <a:pPr algn="ctr"/>
+            <a:r>
+              <a:rPr lang="en-US" dirty="0" smtClean="0"/>
+              <a:t>User U3</a:t>
+            </a:r>
+            <a:endParaRPr lang="en-US" dirty="0"/>
+          </a:p>
+        </p:txBody>
+      </p:sp>
+      <p:sp>
+        <p:nvSpPr>
+          <p:cNvPr id="5" name="Rectangle 4"/>
+          <p:cNvSpPr/>
+          <p:nvPr/>
+        </p:nvSpPr>
+        <p:spPr>
+          <a:xfrm>
+            <a:off x="6934200" y="1219200"/>
+            <a:ext cx="1295400" cy="457200"/>
+          </a:xfrm>
+          <a:prstGeom prst="rect">
+            <a:avLst/>
+          </a:prstGeom>
+        </p:spPr>
+        <p:style>
+          <a:lnRef idx="2">
+            <a:schemeClr val="dk1"/>
+          </a:lnRef>
+          <a:fillRef idx="1">
+            <a:schemeClr val="lt1"/>
+          </a:fillRef>
+          <a:effectRef idx="0">
+            <a:schemeClr val="dk1"/>
+          </a:effectRef>
+          <a:fontRef idx="minor">
+            <a:schemeClr val="dk1"/>
+          </a:fontRef>
+        </p:style>
+        <p:txBody>
+          <a:bodyPr rtlCol="0" anchor="ctr"/>
+          <a:lstStyle/>
+          <a:p>
+            <a:pPr algn="ctr"/>
+            <a:r>
+              <a:rPr lang="en-US" dirty="0" smtClean="0"/>
+              <a:t>User U1</a:t>
+            </a:r>
+            <a:endParaRPr lang="en-US" dirty="0"/>
+          </a:p>
+        </p:txBody>
+      </p:sp>
+      <p:sp>
+        <p:nvSpPr>
+          <p:cNvPr id="6" name="Rectangle 5"/>
+          <p:cNvSpPr/>
+          <p:nvPr/>
+        </p:nvSpPr>
+        <p:spPr>
+          <a:xfrm>
+            <a:off x="5486400" y="1219200"/>
+            <a:ext cx="1295400" cy="457200"/>
+          </a:xfrm>
+          <a:prstGeom prst="rect">
+            <a:avLst/>
+          </a:prstGeom>
+        </p:spPr>
+        <p:style>
+          <a:lnRef idx="2">
+            <a:schemeClr val="dk1"/>
+          </a:lnRef>
+          <a:fillRef idx="1">
+            <a:schemeClr val="lt1"/>
+          </a:fillRef>
+          <a:effectRef idx="0">
+            <a:schemeClr val="dk1"/>
+          </a:effectRef>
+          <a:fontRef idx="minor">
+            <a:schemeClr val="dk1"/>
+          </a:fontRef>
+        </p:style>
+        <p:txBody>
+          <a:bodyPr rtlCol="0" anchor="ctr"/>
+          <a:lstStyle/>
+          <a:p>
+            <a:pPr algn="ctr"/>
+            <a:r>
+              <a:rPr lang="en-US" dirty="0" smtClean="0"/>
+              <a:t>User U2</a:t>
+            </a:r>
+            <a:endParaRPr lang="en-US" dirty="0"/>
+          </a:p>
+        </p:txBody>
+      </p:sp>
+      <p:sp>
+        <p:nvSpPr>
+          <p:cNvPr id="7" name="Rounded Rectangle 6"/>
+          <p:cNvSpPr/>
+          <p:nvPr/>
+        </p:nvSpPr>
+        <p:spPr>
+          <a:xfrm>
+            <a:off x="4800600" y="2438400"/>
+            <a:ext cx="3886200" cy="1524000"/>
+          </a:xfrm>
+          <a:prstGeom prst="roundRect">
+            <a:avLst/>
+          </a:prstGeom>
+        </p:spPr>
+        <p:style>
+          <a:lnRef idx="2">
+            <a:schemeClr val="dk1"/>
+          </a:lnRef>
+          <a:fillRef idx="1">
+            <a:schemeClr val="lt1"/>
+          </a:fillRef>
+          <a:effectRef idx="0">
+            <a:schemeClr val="dk1"/>
+          </a:effectRef>
+          <a:fontRef idx="minor">
+            <a:schemeClr val="dk1"/>
+          </a:fontRef>
+        </p:style>
+        <p:txBody>
+          <a:bodyPr rtlCol="0" anchor="ctr"/>
+          <a:lstStyle/>
+          <a:p>
+            <a:pPr algn="ctr"/>
+            <a:endParaRPr lang="en-US" dirty="0" smtClean="0"/>
+          </a:p>
+          <a:p>
+            <a:pPr algn="ctr"/>
+            <a:endParaRPr lang="en-US" dirty="0" smtClean="0"/>
+          </a:p>
+          <a:p>
+            <a:pPr algn="ctr"/>
+            <a:r>
+              <a:rPr lang="en-US" b="1" dirty="0" smtClean="0"/>
+              <a:t>User Controller</a:t>
+            </a:r>
+            <a:endParaRPr lang="en-US" b="1" dirty="0"/>
+          </a:p>
+        </p:txBody>
+      </p:sp>
+      <p:sp>
+        <p:nvSpPr>
+          <p:cNvPr id="8" name="Rounded Rectangle 7"/>
+          <p:cNvSpPr/>
+          <p:nvPr/>
+        </p:nvSpPr>
+        <p:spPr>
+          <a:xfrm>
+            <a:off x="5105400" y="2590800"/>
+            <a:ext cx="1447800" cy="533400"/>
+          </a:xfrm>
+          <a:prstGeom prst="roundRect">
+            <a:avLst/>
+          </a:prstGeom>
+        </p:spPr>
+        <p:style>
+          <a:lnRef idx="2">
+            <a:schemeClr val="dk1"/>
+          </a:lnRef>
+          <a:fillRef idx="1">
+            <a:schemeClr val="lt1"/>
+          </a:fillRef>
+          <a:effectRef idx="0">
+            <a:schemeClr val="dk1"/>
+          </a:effectRef>
+          <a:fontRef idx="minor">
+            <a:schemeClr val="dk1"/>
+          </a:fontRef>
+        </p:style>
+        <p:txBody>
+          <a:bodyPr rtlCol="0" anchor="ctr"/>
+          <a:lstStyle/>
+          <a:p>
+            <a:pPr algn="ctr"/>
+            <a:r>
+              <a:rPr lang="en-US" dirty="0" smtClean="0"/>
+              <a:t>Request Handler</a:t>
+            </a:r>
+            <a:endParaRPr lang="en-US" dirty="0"/>
+          </a:p>
+        </p:txBody>
+      </p:sp>
+      <p:sp>
+        <p:nvSpPr>
+          <p:cNvPr id="10" name="Rounded Rectangle 9"/>
+          <p:cNvSpPr/>
+          <p:nvPr/>
+        </p:nvSpPr>
+        <p:spPr>
+          <a:xfrm>
+            <a:off x="6858000" y="2590800"/>
+            <a:ext cx="1447800" cy="533400"/>
+          </a:xfrm>
+          <a:prstGeom prst="roundRect">
+            <a:avLst/>
+          </a:prstGeom>
+        </p:spPr>
+        <p:style>
+          <a:lnRef idx="2">
+            <a:schemeClr val="dk1"/>
+          </a:lnRef>
+          <a:fillRef idx="1">
+            <a:schemeClr val="lt1"/>
+          </a:fillRef>
+          <a:effectRef idx="0">
+            <a:schemeClr val="dk1"/>
+          </a:effectRef>
+          <a:fontRef idx="minor">
+            <a:schemeClr val="dk1"/>
+          </a:fontRef>
+        </p:style>
+        <p:txBody>
+          <a:bodyPr rtlCol="0" anchor="ctr"/>
+          <a:lstStyle/>
+          <a:p>
+            <a:pPr algn="ctr"/>
+            <a:r>
+              <a:rPr lang="en-US" dirty="0" smtClean="0"/>
+              <a:t>Live User Lister</a:t>
+            </a:r>
+            <a:endParaRPr lang="en-US" dirty="0"/>
+          </a:p>
+        </p:txBody>
+      </p:sp>
+      <p:cxnSp>
+        <p:nvCxnSpPr>
+          <p:cNvPr id="12" name="Straight Arrow Connector 11"/>
+          <p:cNvCxnSpPr>
+            <a:stCxn id="10" idx="0"/>
+            <a:endCxn id="3" idx="2"/>
+          </p:cNvCxnSpPr>
+          <p:nvPr/>
+        </p:nvCxnSpPr>
+        <p:spPr>
+          <a:xfrm rot="16200000" flipV="1">
+            <a:off x="5676900" y="685800"/>
+            <a:ext cx="914400" cy="2895600"/>
+          </a:xfrm>
+          <a:prstGeom prst="straightConnector1">
+            <a:avLst/>
+          </a:prstGeom>
+          <a:ln>
+            <a:tailEnd type="arrow"/>
+          </a:ln>
+        </p:spPr>
+        <p:style>
+          <a:lnRef idx="1">
+            <a:schemeClr val="accent1"/>
+          </a:lnRef>
+          <a:fillRef idx="0">
+            <a:schemeClr val="accent1"/>
+          </a:fillRef>
+          <a:effectRef idx="0">
+            <a:schemeClr val="accent1"/>
+          </a:effectRef>
+          <a:fontRef idx="minor">
+            <a:schemeClr val="tx1"/>
+          </a:fontRef>
+        </p:style>
+      </p:cxnSp>
+      <p:cxnSp>
+        <p:nvCxnSpPr>
+          <p:cNvPr id="14" name="Straight Arrow Connector 13"/>
+          <p:cNvCxnSpPr>
+            <a:stCxn id="10" idx="0"/>
+            <a:endCxn id="6" idx="2"/>
+          </p:cNvCxnSpPr>
+          <p:nvPr/>
+        </p:nvCxnSpPr>
+        <p:spPr>
+          <a:xfrm rot="16200000" flipV="1">
+            <a:off x="6400800" y="1409700"/>
+            <a:ext cx="914400" cy="1447800"/>
+          </a:xfrm>
+          <a:prstGeom prst="straightConnector1">
+            <a:avLst/>
+          </a:prstGeom>
+          <a:ln>
+            <a:tailEnd type="arrow"/>
+          </a:ln>
+        </p:spPr>
+        <p:style>
+          <a:lnRef idx="1">
+            <a:schemeClr val="accent1"/>
+          </a:lnRef>
+          <a:fillRef idx="0">
+            <a:schemeClr val="accent1"/>
+          </a:fillRef>
+          <a:effectRef idx="0">
+            <a:schemeClr val="accent1"/>
+          </a:effectRef>
+          <a:fontRef idx="minor">
+            <a:schemeClr val="tx1"/>
+          </a:fontRef>
+        </p:style>
+      </p:cxnSp>
+      <p:cxnSp>
+        <p:nvCxnSpPr>
+          <p:cNvPr id="16" name="Straight Arrow Connector 15"/>
+          <p:cNvCxnSpPr>
+            <a:stCxn id="10" idx="0"/>
+            <a:endCxn id="5" idx="2"/>
+          </p:cNvCxnSpPr>
+          <p:nvPr/>
+        </p:nvCxnSpPr>
+        <p:spPr>
+          <a:xfrm rot="5400000" flipH="1" flipV="1">
+            <a:off x="7124700" y="2133600"/>
+            <a:ext cx="914400" cy="1588"/>
+          </a:xfrm>
+          <a:prstGeom prst="straightConnector1">
+            <a:avLst/>
+          </a:prstGeom>
+          <a:ln>
+            <a:tailEnd type="arrow"/>
+          </a:ln>
+        </p:spPr>
+        <p:style>
+          <a:lnRef idx="1">
+            <a:schemeClr val="accent1"/>
+          </a:lnRef>
+          <a:fillRef idx="0">
+            <a:schemeClr val="accent1"/>
+          </a:fillRef>
+          <a:effectRef idx="0">
+            <a:schemeClr val="accent1"/>
+          </a:effectRef>
+          <a:fontRef idx="minor">
+            <a:schemeClr val="tx1"/>
+          </a:fontRef>
+        </p:style>
+      </p:cxnSp>
+      <p:cxnSp>
+        <p:nvCxnSpPr>
+          <p:cNvPr id="25" name="Straight Arrow Connector 24"/>
+          <p:cNvCxnSpPr>
+            <a:stCxn id="5" idx="2"/>
+            <a:endCxn id="8" idx="0"/>
+          </p:cNvCxnSpPr>
+          <p:nvPr/>
+        </p:nvCxnSpPr>
+        <p:spPr>
+          <a:xfrm rot="5400000">
+            <a:off x="6248400" y="1257300"/>
+            <a:ext cx="914400" cy="1752600"/>
+          </a:xfrm>
+          <a:prstGeom prst="straightConnector1">
+            <a:avLst/>
+          </a:prstGeom>
+          <a:ln>
+            <a:headEnd type="arrow"/>
+            <a:tailEnd type="arrow"/>
+          </a:ln>
+        </p:spPr>
+        <p:style>
+          <a:lnRef idx="1">
+            <a:schemeClr val="accent1"/>
+          </a:lnRef>
+          <a:fillRef idx="0">
+            <a:schemeClr val="accent1"/>
+          </a:fillRef>
+          <a:effectRef idx="0">
+            <a:schemeClr val="accent1"/>
+          </a:effectRef>
+          <a:fontRef idx="minor">
+            <a:schemeClr val="tx1"/>
+          </a:fontRef>
+        </p:style>
+      </p:cxnSp>
+      <p:cxnSp>
+        <p:nvCxnSpPr>
+          <p:cNvPr id="27" name="Straight Arrow Connector 26"/>
+          <p:cNvCxnSpPr>
+            <a:stCxn id="8" idx="0"/>
+            <a:endCxn id="3" idx="2"/>
+          </p:cNvCxnSpPr>
+          <p:nvPr/>
+        </p:nvCxnSpPr>
+        <p:spPr>
+          <a:xfrm rot="16200000" flipV="1">
+            <a:off x="4800600" y="1562100"/>
+            <a:ext cx="914400" cy="1143000"/>
+          </a:xfrm>
+          <a:prstGeom prst="straightConnector1">
+            <a:avLst/>
+          </a:prstGeom>
+          <a:ln>
+            <a:headEnd type="arrow"/>
+            <a:tailEnd type="arrow"/>
+          </a:ln>
+        </p:spPr>
+        <p:style>
+          <a:lnRef idx="1">
+            <a:schemeClr val="accent1"/>
+          </a:lnRef>
+          <a:fillRef idx="0">
+            <a:schemeClr val="accent1"/>
+          </a:fillRef>
+          <a:effectRef idx="0">
+            <a:schemeClr val="accent1"/>
+          </a:effectRef>
+          <a:fontRef idx="minor">
+            <a:schemeClr val="tx1"/>
+          </a:fontRef>
+        </p:style>
+      </p:cxnSp>
+      <p:sp>
+        <p:nvSpPr>
+          <p:cNvPr id="28" name="Rounded Rectangle 27"/>
+          <p:cNvSpPr/>
+          <p:nvPr/>
+        </p:nvSpPr>
+        <p:spPr>
+          <a:xfrm>
+            <a:off x="228600" y="2438400"/>
+            <a:ext cx="4191000" cy="4114800"/>
+          </a:xfrm>
+          <a:prstGeom prst="roundRect">
+            <a:avLst/>
+          </a:prstGeom>
+        </p:spPr>
+        <p:style>
+          <a:lnRef idx="2">
+            <a:schemeClr val="dk1"/>
+          </a:lnRef>
+          <a:fillRef idx="1">
+            <a:schemeClr val="lt1"/>
+          </a:fillRef>
+          <a:effectRef idx="0">
+            <a:schemeClr val="dk1"/>
+          </a:effectRef>
+          <a:fontRef idx="minor">
+            <a:schemeClr val="dk1"/>
+          </a:fontRef>
+        </p:style>
+        <p:txBody>
+          <a:bodyPr rtlCol="0" anchor="ctr"/>
+          <a:lstStyle/>
+          <a:p>
+            <a:pPr algn="ctr"/>
+            <a:endParaRPr lang="en-US" dirty="0" smtClean="0"/>
+          </a:p>
+          <a:p>
+            <a:pPr algn="ctr"/>
+            <a:endParaRPr lang="en-US" dirty="0" smtClean="0"/>
+          </a:p>
+          <a:p>
+            <a:pPr algn="ctr"/>
+            <a:endParaRPr lang="en-US" dirty="0" smtClean="0"/>
+          </a:p>
+          <a:p>
+            <a:pPr algn="ctr"/>
+            <a:endParaRPr lang="en-US" dirty="0" smtClean="0"/>
+          </a:p>
+          <a:p>
+            <a:pPr algn="ctr"/>
+            <a:endParaRPr lang="en-US" dirty="0" smtClean="0"/>
+          </a:p>
+          <a:p>
+            <a:pPr algn="ctr"/>
+            <a:endParaRPr lang="en-US" dirty="0" smtClean="0"/>
+          </a:p>
+          <a:p>
+            <a:pPr algn="ctr"/>
+            <a:endParaRPr lang="en-US" dirty="0" smtClean="0"/>
+          </a:p>
+          <a:p>
+            <a:pPr algn="ctr"/>
+            <a:endParaRPr lang="en-US" dirty="0" smtClean="0"/>
+          </a:p>
+          <a:p>
+            <a:pPr algn="ctr"/>
+            <a:endParaRPr lang="en-US" dirty="0" smtClean="0"/>
+          </a:p>
+          <a:p>
+            <a:pPr algn="ctr"/>
+            <a:endParaRPr lang="en-US" dirty="0" smtClean="0"/>
+          </a:p>
+          <a:p>
+            <a:pPr algn="ctr"/>
+            <a:endParaRPr lang="en-US" dirty="0" smtClean="0"/>
+          </a:p>
+          <a:p>
+            <a:pPr algn="ctr"/>
+            <a:r>
+              <a:rPr lang="en-US" b="1" dirty="0" err="1" smtClean="0"/>
+              <a:t>GameBoard</a:t>
+            </a:r>
+            <a:r>
+              <a:rPr lang="en-US" b="1" dirty="0" smtClean="0"/>
+              <a:t> Controller</a:t>
+            </a:r>
+            <a:endParaRPr lang="en-US" b="1" dirty="0"/>
+          </a:p>
+        </p:txBody>
+      </p:sp>
+      <p:sp>
+        <p:nvSpPr>
+          <p:cNvPr id="29" name="Flowchart: Magnetic Disk 28"/>
+          <p:cNvSpPr/>
+          <p:nvPr/>
+        </p:nvSpPr>
+        <p:spPr>
+          <a:xfrm>
+            <a:off x="5867400" y="4419600"/>
+            <a:ext cx="2362200" cy="2209800"/>
+          </a:xfrm>
+          <a:prstGeom prst="flowChartMagneticDisk">
+            <a:avLst/>
+          </a:prstGeom>
+        </p:spPr>
+        <p:style>
+          <a:lnRef idx="2">
+            <a:schemeClr val="dk1"/>
+          </a:lnRef>
+          <a:fillRef idx="1">
+            <a:schemeClr val="lt1"/>
+          </a:fillRef>
+          <a:effectRef idx="0">
+            <a:schemeClr val="dk1"/>
+          </a:effectRef>
+          <a:fontRef idx="minor">
+            <a:schemeClr val="dk1"/>
+          </a:fontRef>
+        </p:style>
+        <p:txBody>
+          <a:bodyPr rtlCol="0" anchor="ctr"/>
+          <a:lstStyle/>
+          <a:p>
+            <a:pPr algn="ctr"/>
+            <a:r>
+              <a:rPr lang="en-US" b="1" dirty="0" smtClean="0"/>
+              <a:t>User moves database</a:t>
+            </a:r>
+            <a:endParaRPr lang="en-US" b="1" dirty="0"/>
+          </a:p>
+        </p:txBody>
+      </p:sp>
+      <p:sp>
+        <p:nvSpPr>
+          <p:cNvPr id="31" name="Rectangle 30"/>
+          <p:cNvSpPr/>
+          <p:nvPr/>
+        </p:nvSpPr>
+        <p:spPr>
+          <a:xfrm>
+            <a:off x="1676400" y="1219200"/>
+            <a:ext cx="1295400" cy="457200"/>
+          </a:xfrm>
+          <a:prstGeom prst="rect">
+            <a:avLst/>
+          </a:prstGeom>
+        </p:spPr>
+        <p:style>
+          <a:lnRef idx="2">
+            <a:schemeClr val="dk1"/>
+          </a:lnRef>
+          <a:fillRef idx="1">
+            <a:schemeClr val="lt1"/>
+          </a:fillRef>
+          <a:effectRef idx="0">
+            <a:schemeClr val="dk1"/>
+          </a:effectRef>
+          <a:fontRef idx="minor">
+            <a:schemeClr val="dk1"/>
+          </a:fontRef>
+        </p:style>
+        <p:txBody>
+          <a:bodyPr rtlCol="0" anchor="ctr"/>
+          <a:lstStyle/>
+          <a:p>
+            <a:pPr algn="ctr"/>
+            <a:r>
+              <a:rPr lang="en-US" dirty="0" smtClean="0"/>
+              <a:t>Computer</a:t>
+            </a:r>
+            <a:endParaRPr lang="en-US" dirty="0"/>
+          </a:p>
+        </p:txBody>
+      </p:sp>
+      <p:sp>
+        <p:nvSpPr>
+          <p:cNvPr id="37" name="Rounded Rectangle 36"/>
+          <p:cNvSpPr/>
+          <p:nvPr/>
+        </p:nvSpPr>
+        <p:spPr>
+          <a:xfrm>
+            <a:off x="1066800" y="2590800"/>
+            <a:ext cx="2438400" cy="609600"/>
+          </a:xfrm>
+          <a:prstGeom prst="roundRect">
+            <a:avLst/>
+          </a:prstGeom>
+        </p:spPr>
+        <p:style>
+          <a:lnRef idx="2">
+            <a:schemeClr val="dk1"/>
+          </a:lnRef>
+          <a:fillRef idx="1">
+            <a:schemeClr val="lt1"/>
+          </a:fillRef>
+          <a:effectRef idx="0">
+            <a:schemeClr val="dk1"/>
+          </a:effectRef>
+          <a:fontRef idx="minor">
+            <a:schemeClr val="dk1"/>
+          </a:fontRef>
+        </p:style>
+        <p:txBody>
+          <a:bodyPr rtlCol="0" anchor="ctr"/>
+          <a:lstStyle/>
+          <a:p>
+            <a:pPr algn="ctr"/>
+            <a:r>
+              <a:rPr lang="en-US" dirty="0" err="1" smtClean="0"/>
+              <a:t>GameBoard</a:t>
+            </a:r>
+            <a:r>
+              <a:rPr lang="en-US" dirty="0" smtClean="0"/>
+              <a:t> Manager</a:t>
+            </a:r>
+            <a:endParaRPr lang="en-US" dirty="0"/>
+          </a:p>
+        </p:txBody>
+      </p:sp>
+      <p:sp>
+        <p:nvSpPr>
+          <p:cNvPr id="46" name="Rounded Rectangle 45"/>
+          <p:cNvSpPr/>
+          <p:nvPr/>
+        </p:nvSpPr>
+        <p:spPr>
+          <a:xfrm>
+            <a:off x="990600" y="3581400"/>
+            <a:ext cx="2438400" cy="609600"/>
+          </a:xfrm>
+          <a:prstGeom prst="roundRect">
+            <a:avLst/>
+          </a:prstGeom>
+        </p:spPr>
+        <p:style>
+          <a:lnRef idx="2">
+            <a:schemeClr val="dk1"/>
+          </a:lnRef>
+          <a:fillRef idx="1">
+            <a:schemeClr val="lt1"/>
+          </a:fillRef>
+          <a:effectRef idx="0">
+            <a:schemeClr val="dk1"/>
+          </a:effectRef>
+          <a:fontRef idx="minor">
+            <a:schemeClr val="dk1"/>
+          </a:fontRef>
+        </p:style>
+        <p:txBody>
+          <a:bodyPr rtlCol="0" anchor="ctr"/>
+          <a:lstStyle/>
+          <a:p>
+            <a:pPr algn="ctr"/>
+            <a:r>
+              <a:rPr lang="en-US" dirty="0" smtClean="0"/>
+              <a:t>Data Collector</a:t>
+            </a:r>
+            <a:endParaRPr lang="en-US" dirty="0"/>
+          </a:p>
+        </p:txBody>
+      </p:sp>
+      <p:sp>
+        <p:nvSpPr>
+          <p:cNvPr id="49" name="Rounded Rectangle 48"/>
+          <p:cNvSpPr/>
+          <p:nvPr/>
+        </p:nvSpPr>
+        <p:spPr>
+          <a:xfrm>
+            <a:off x="990600" y="4495800"/>
+            <a:ext cx="2438400" cy="609600"/>
+          </a:xfrm>
+          <a:prstGeom prst="roundRect">
+            <a:avLst/>
+          </a:prstGeom>
+        </p:spPr>
+        <p:style>
+          <a:lnRef idx="2">
+            <a:schemeClr val="dk1"/>
+          </a:lnRef>
+          <a:fillRef idx="1">
+            <a:schemeClr val="lt1"/>
+          </a:fillRef>
+          <a:effectRef idx="0">
+            <a:schemeClr val="dk1"/>
+          </a:effectRef>
+          <a:fontRef idx="minor">
+            <a:schemeClr val="dk1"/>
+          </a:fontRef>
+        </p:style>
+        <p:txBody>
+          <a:bodyPr rtlCol="0" anchor="ctr"/>
+          <a:lstStyle/>
+          <a:p>
+            <a:pPr algn="ctr"/>
+            <a:r>
+              <a:rPr lang="en-US" dirty="0" err="1" smtClean="0"/>
+              <a:t>Analyser</a:t>
+            </a:r>
+            <a:endParaRPr lang="en-US" dirty="0"/>
+          </a:p>
+        </p:txBody>
+      </p:sp>
+      <p:cxnSp>
+        <p:nvCxnSpPr>
+          <p:cNvPr id="51" name="Straight Arrow Connector 50"/>
+          <p:cNvCxnSpPr>
+            <a:stCxn id="49" idx="3"/>
+            <a:endCxn id="29" idx="2"/>
+          </p:cNvCxnSpPr>
+          <p:nvPr/>
+        </p:nvCxnSpPr>
+        <p:spPr>
+          <a:xfrm>
+            <a:off x="3429000" y="4800600"/>
+            <a:ext cx="2438400" cy="723900"/>
+          </a:xfrm>
+          <a:prstGeom prst="straightConnector1">
+            <a:avLst/>
+          </a:prstGeom>
+          <a:ln>
+            <a:headEnd type="arrow"/>
+            <a:tailEnd type="arrow"/>
+          </a:ln>
+        </p:spPr>
+        <p:style>
+          <a:lnRef idx="1">
+            <a:schemeClr val="accent1"/>
+          </a:lnRef>
+          <a:fillRef idx="0">
+            <a:schemeClr val="accent1"/>
+          </a:fillRef>
+          <a:effectRef idx="0">
+            <a:schemeClr val="accent1"/>
+          </a:effectRef>
+          <a:fontRef idx="minor">
+            <a:schemeClr val="tx1"/>
+          </a:fontRef>
+        </p:style>
+      </p:cxnSp>
+      <p:cxnSp>
+        <p:nvCxnSpPr>
+          <p:cNvPr id="53" name="Straight Arrow Connector 52"/>
+          <p:cNvCxnSpPr>
+            <a:stCxn id="37" idx="2"/>
+            <a:endCxn id="46" idx="0"/>
+          </p:cNvCxnSpPr>
+          <p:nvPr/>
+        </p:nvCxnSpPr>
+        <p:spPr>
+          <a:xfrm rot="5400000">
+            <a:off x="2057400" y="3352800"/>
+            <a:ext cx="381000" cy="76200"/>
+          </a:xfrm>
+          <a:prstGeom prst="straightConnector1">
+            <a:avLst/>
+          </a:prstGeom>
+          <a:ln>
+            <a:tailEnd type="arrow"/>
+          </a:ln>
+        </p:spPr>
+        <p:style>
+          <a:lnRef idx="2">
+            <a:schemeClr val="dk1"/>
+          </a:lnRef>
+          <a:fillRef idx="0">
+            <a:schemeClr val="dk1"/>
+          </a:fillRef>
+          <a:effectRef idx="1">
+            <a:schemeClr val="dk1"/>
+          </a:effectRef>
+          <a:fontRef idx="minor">
+            <a:schemeClr val="tx1"/>
+          </a:fontRef>
+        </p:style>
+      </p:cxnSp>
+      <p:cxnSp>
+        <p:nvCxnSpPr>
+          <p:cNvPr id="55" name="Straight Arrow Connector 54"/>
+          <p:cNvCxnSpPr>
+            <a:stCxn id="46" idx="3"/>
+            <a:endCxn id="29" idx="2"/>
+          </p:cNvCxnSpPr>
+          <p:nvPr/>
+        </p:nvCxnSpPr>
+        <p:spPr>
+          <a:xfrm>
+            <a:off x="3429000" y="3886200"/>
+            <a:ext cx="2438400" cy="1638300"/>
+          </a:xfrm>
+          <a:prstGeom prst="straightConnector1">
+            <a:avLst/>
+          </a:prstGeom>
+          <a:ln>
+            <a:headEnd type="arrow"/>
+            <a:tailEnd type="arrow"/>
+          </a:ln>
+        </p:spPr>
+        <p:style>
+          <a:lnRef idx="1">
+            <a:schemeClr val="accent1"/>
+          </a:lnRef>
+          <a:fillRef idx="0">
+            <a:schemeClr val="accent1"/>
+          </a:fillRef>
+          <a:effectRef idx="0">
+            <a:schemeClr val="accent1"/>
+          </a:effectRef>
+          <a:fontRef idx="minor">
+            <a:schemeClr val="tx1"/>
+          </a:fontRef>
+        </p:style>
+      </p:cxnSp>
+      <p:cxnSp>
+        <p:nvCxnSpPr>
+          <p:cNvPr id="57" name="Curved Connector 56"/>
+          <p:cNvCxnSpPr>
+            <a:stCxn id="49" idx="1"/>
+            <a:endCxn id="37" idx="1"/>
+          </p:cNvCxnSpPr>
+          <p:nvPr/>
+        </p:nvCxnSpPr>
+        <p:spPr>
+          <a:xfrm rot="10800000" flipH="1">
+            <a:off x="990600" y="2895600"/>
+            <a:ext cx="76200" cy="1905000"/>
+          </a:xfrm>
+          <a:prstGeom prst="curvedConnector3">
+            <a:avLst>
+              <a:gd name="adj1" fmla="val -300000"/>
+            </a:avLst>
+          </a:prstGeom>
+          <a:ln>
+            <a:headEnd type="arrow"/>
+            <a:tailEnd type="arrow"/>
+          </a:ln>
+        </p:spPr>
+        <p:style>
+          <a:lnRef idx="2">
+            <a:schemeClr val="dk1"/>
+          </a:lnRef>
+          <a:fillRef idx="0">
+            <a:schemeClr val="dk1"/>
+          </a:fillRef>
+          <a:effectRef idx="1">
+            <a:schemeClr val="dk1"/>
+          </a:effectRef>
+          <a:fontRef idx="minor">
+            <a:schemeClr val="tx1"/>
+          </a:fontRef>
+        </p:style>
+      </p:cxnSp>
+      <p:cxnSp>
+        <p:nvCxnSpPr>
+          <p:cNvPr id="59" name="Straight Arrow Connector 58"/>
+          <p:cNvCxnSpPr>
+            <a:stCxn id="37" idx="0"/>
+            <a:endCxn id="31" idx="2"/>
+          </p:cNvCxnSpPr>
+          <p:nvPr/>
+        </p:nvCxnSpPr>
+        <p:spPr>
+          <a:xfrm rot="5400000" flipH="1" flipV="1">
+            <a:off x="1847850" y="2114550"/>
+            <a:ext cx="914400" cy="38100"/>
+          </a:xfrm>
+          <a:prstGeom prst="straightConnector1">
+            <a:avLst/>
+          </a:prstGeom>
+          <a:ln>
+            <a:tailEnd type="arrow"/>
+          </a:ln>
+        </p:spPr>
+        <p:style>
+          <a:lnRef idx="2">
+            <a:schemeClr val="dk1"/>
+          </a:lnRef>
+          <a:fillRef idx="0">
+            <a:schemeClr val="dk1"/>
+          </a:fillRef>
+          <a:effectRef idx="1">
+            <a:schemeClr val="dk1"/>
+          </a:effectRef>
+          <a:fontRef idx="minor">
+            <a:schemeClr val="tx1"/>
+          </a:fontRef>
+        </p:style>
+      </p:cxnSp>
+      <p:cxnSp>
+        <p:nvCxnSpPr>
+          <p:cNvPr id="61" name="Straight Arrow Connector 60"/>
+          <p:cNvCxnSpPr>
+            <a:stCxn id="37" idx="3"/>
+            <a:endCxn id="8" idx="1"/>
+          </p:cNvCxnSpPr>
+          <p:nvPr/>
+        </p:nvCxnSpPr>
+        <p:spPr>
+          <a:xfrm flipV="1">
+            <a:off x="3505200" y="2857500"/>
+            <a:ext cx="1600200" cy="38100"/>
+          </a:xfrm>
+          <a:prstGeom prst="straightConnector1">
+            <a:avLst/>
+          </a:prstGeom>
+          <a:ln>
+            <a:headEnd type="arrow"/>
+            <a:tailEnd type="arrow"/>
+          </a:ln>
+        </p:spPr>
+        <p:style>
+          <a:lnRef idx="2">
+            <a:schemeClr val="dk1"/>
+          </a:lnRef>
+          <a:fillRef idx="0">
+            <a:schemeClr val="dk1"/>
+          </a:fillRef>
+          <a:effectRef idx="1">
+            <a:schemeClr val="dk1"/>
+          </a:effectRef>
+          <a:fontRef idx="minor">
+            <a:schemeClr val="tx1"/>
+          </a:fontRef>
+        </p:style>
+      </p:cxnSp>
+    </p:spTree>
+  </p:cSld>
+  <p:clrMapOvr>
+    <a:masterClrMapping/>
+  </p:clrMapOvr>
+</p:sld>
+</file>
+
+<file path=ppt/slides/slide12.xml><?xml version="1.0" encoding="utf-8"?>
+<p:sld xmlns:a="http://schemas.openxmlformats.org/drawingml/2006/main" xmlns:r="http://schemas.openxmlformats.org/officeDocument/2006/relationships" xmlns:p="http://schemas.openxmlformats.org/presentationml/2006/main">
+  <p:cSld>
+    <p:spTree>
+      <p:nvGrpSpPr>
+        <p:cNvPr id="1" name=""/>
+        <p:cNvGrpSpPr/>
+        <p:nvPr/>
+      </p:nvGrpSpPr>
+      <p:grpSpPr>
+        <a:xfrm>
+          <a:off x="0" y="0"/>
+          <a:ext cx="0" cy="0"/>
+          <a:chOff x="0" y="0"/>
+          <a:chExt cx="0" cy="0"/>
+        </a:xfrm>
+      </p:grpSpPr>
+      <p:sp>
+        <p:nvSpPr>
+          <p:cNvPr id="2" name="TextBox 1"/>
+          <p:cNvSpPr txBox="1"/>
+          <p:nvPr/>
+        </p:nvSpPr>
+        <p:spPr>
+          <a:xfrm>
+            <a:off x="533400" y="304800"/>
+            <a:ext cx="7848600" cy="523220"/>
+          </a:xfrm>
+          <a:prstGeom prst="rect">
+            <a:avLst/>
+          </a:prstGeom>
+          <a:noFill/>
+        </p:spPr>
+        <p:txBody>
+          <a:bodyPr wrap="square" rtlCol="0">
+            <a:spAutoFit/>
+          </a:bodyPr>
+          <a:lstStyle/>
+          <a:p>
+            <a:pPr algn="ctr"/>
+            <a:r>
+              <a:rPr lang="en-US" sz="2800" dirty="0" smtClean="0"/>
+              <a:t>MODULES</a:t>
+            </a:r>
+            <a:endParaRPr lang="en-US" sz="2800" dirty="0"/>
+          </a:p>
+        </p:txBody>
+      </p:sp>
+      <p:sp>
+        <p:nvSpPr>
+          <p:cNvPr id="3" name="TextBox 2"/>
+          <p:cNvSpPr txBox="1"/>
+          <p:nvPr/>
+        </p:nvSpPr>
+        <p:spPr>
+          <a:xfrm>
+            <a:off x="381000" y="1143000"/>
+            <a:ext cx="8458200" cy="4893647"/>
+          </a:xfrm>
+          <a:prstGeom prst="rect">
+            <a:avLst/>
+          </a:prstGeom>
+          <a:noFill/>
+        </p:spPr>
+        <p:txBody>
+          <a:bodyPr wrap="square" rtlCol="0">
+            <a:spAutoFit/>
+          </a:bodyPr>
+          <a:lstStyle/>
+          <a:p>
+            <a:pPr marL="342900" indent="-342900">
+              <a:buFont typeface="+mj-lt"/>
+              <a:buAutoNum type="arabicPeriod"/>
+            </a:pPr>
+            <a:r>
+              <a:rPr lang="en-US" sz="2400" dirty="0" smtClean="0"/>
+              <a:t>Live User Listing Module.</a:t>
+            </a:r>
+          </a:p>
+          <a:p>
+            <a:pPr marL="342900" indent="-342900"/>
+            <a:endParaRPr lang="en-US" sz="2400" dirty="0" smtClean="0"/>
+          </a:p>
+          <a:p>
+            <a:pPr marL="342900" indent="-342900"/>
+            <a:r>
+              <a:rPr lang="en-US" sz="2400" dirty="0" smtClean="0"/>
+              <a:t>2. Game Controller Module</a:t>
+            </a:r>
+          </a:p>
+          <a:p>
+            <a:pPr marL="342900" indent="-342900"/>
+            <a:endParaRPr lang="en-US" sz="2400" dirty="0" smtClean="0"/>
+          </a:p>
+          <a:p>
+            <a:pPr marL="342900" indent="-342900"/>
+            <a:r>
+              <a:rPr lang="en-US" sz="2400" dirty="0" smtClean="0"/>
+              <a:t>3. User Controller Module</a:t>
+            </a:r>
+          </a:p>
+          <a:p>
+            <a:pPr marL="342900" indent="-342900"/>
+            <a:endParaRPr lang="en-US" sz="2400" dirty="0" smtClean="0"/>
+          </a:p>
+          <a:p>
+            <a:pPr marL="342900" indent="-342900"/>
+            <a:r>
+              <a:rPr lang="en-US" sz="2400" dirty="0" smtClean="0"/>
+              <a:t>4. Game Synchronizer Module.</a:t>
+            </a:r>
+          </a:p>
+          <a:p>
+            <a:pPr marL="342900" indent="-342900"/>
+            <a:endParaRPr lang="en-US" sz="2400" dirty="0" smtClean="0"/>
+          </a:p>
+          <a:p>
+            <a:pPr marL="342900" indent="-342900"/>
+            <a:r>
+              <a:rPr lang="en-US" sz="2400" dirty="0" smtClean="0"/>
+              <a:t>5</a:t>
+            </a:r>
+            <a:r>
+              <a:rPr lang="en-US" sz="2400" dirty="0" smtClean="0"/>
+              <a:t>. Data Collection Module.</a:t>
+            </a:r>
+          </a:p>
+          <a:p>
+            <a:pPr marL="342900" indent="-342900"/>
+            <a:endParaRPr lang="en-US" sz="2400" dirty="0" smtClean="0"/>
+          </a:p>
+          <a:p>
+            <a:pPr marL="342900" indent="-342900"/>
+            <a:r>
+              <a:rPr lang="en-US" sz="2400" dirty="0" smtClean="0"/>
+              <a:t>6</a:t>
+            </a:r>
+            <a:r>
+              <a:rPr lang="en-US" sz="2400" dirty="0" smtClean="0"/>
+              <a:t>. Analyzer Module</a:t>
+            </a:r>
+          </a:p>
+          <a:p>
+            <a:pPr marL="342900" indent="-342900"/>
+            <a:endParaRPr lang="en-US" sz="2400" dirty="0" smtClean="0"/>
+          </a:p>
+          <a:p>
+            <a:pPr marL="342900" indent="-342900"/>
+            <a:endParaRPr lang="en-US" sz="2400" dirty="0" smtClean="0"/>
+          </a:p>
+        </p:txBody>
+      </p:sp>
+    </p:spTree>
+  </p:cSld>
+  <p:clrMapOvr>
+    <a:masterClrMapping/>
+  </p:clrMapOvr>
+</p:sld>
+</file>
+
+<file path=ppt/slides/slide13.xml><?xml version="1.0" encoding="utf-8"?>
+<p:sld xmlns:a="http://schemas.openxmlformats.org/drawingml/2006/main" xmlns:r="http://schemas.openxmlformats.org/officeDocument/2006/relationships" xmlns:p="http://schemas.openxmlformats.org/presentationml/2006/main">
+  <p:cSld>
+    <p:spTree>
+      <p:nvGrpSpPr>
+        <p:cNvPr id="1" name=""/>
+        <p:cNvGrpSpPr/>
+        <p:nvPr/>
+      </p:nvGrpSpPr>
+      <p:grpSpPr>
+        <a:xfrm>
+          <a:off x="0" y="0"/>
+          <a:ext cx="0" cy="0"/>
+          <a:chOff x="0" y="0"/>
+          <a:chExt cx="0" cy="0"/>
+        </a:xfrm>
+      </p:grpSpPr>
+      <p:sp>
+        <p:nvSpPr>
+          <p:cNvPr id="2" name="TextBox 1"/>
+          <p:cNvSpPr txBox="1"/>
+          <p:nvPr/>
+        </p:nvSpPr>
+        <p:spPr>
+          <a:xfrm>
+            <a:off x="838200" y="381000"/>
+            <a:ext cx="7086600" cy="523220"/>
+          </a:xfrm>
+          <a:prstGeom prst="rect">
+            <a:avLst/>
+          </a:prstGeom>
+          <a:noFill/>
+        </p:spPr>
+        <p:txBody>
+          <a:bodyPr wrap="square" rtlCol="0">
+            <a:spAutoFit/>
+          </a:bodyPr>
+          <a:lstStyle/>
+          <a:p>
+            <a:r>
+              <a:rPr lang="en-US" sz="2800" dirty="0" smtClean="0"/>
+              <a:t>HOW DATA COLLECTION HAPPENS ?</a:t>
+            </a:r>
+            <a:endParaRPr lang="en-US" sz="2800" dirty="0"/>
+          </a:p>
+        </p:txBody>
+      </p:sp>
+      <p:sp>
+        <p:nvSpPr>
+          <p:cNvPr id="3" name="TextBox 2"/>
+          <p:cNvSpPr txBox="1"/>
+          <p:nvPr/>
+        </p:nvSpPr>
+        <p:spPr>
+          <a:xfrm>
+            <a:off x="304800" y="948690"/>
+            <a:ext cx="8305800" cy="5909310"/>
+          </a:xfrm>
+          <a:prstGeom prst="rect">
+            <a:avLst/>
+          </a:prstGeom>
+          <a:noFill/>
+        </p:spPr>
+        <p:txBody>
+          <a:bodyPr wrap="square" rtlCol="0">
+            <a:spAutoFit/>
+          </a:bodyPr>
+          <a:lstStyle/>
+          <a:p>
+            <a:pPr>
+              <a:buFont typeface="Arial" pitchFamily="34" charset="0"/>
+              <a:buChar char="•"/>
+            </a:pPr>
+            <a:r>
+              <a:rPr lang="en-US" dirty="0" smtClean="0"/>
+              <a:t> Data collection happens when a user changes his snake current moving direction.</a:t>
+            </a:r>
+          </a:p>
+          <a:p>
+            <a:pPr>
+              <a:buFont typeface="Arial" pitchFamily="34" charset="0"/>
+              <a:buChar char="•"/>
+            </a:pPr>
+            <a:endParaRPr lang="en-US" dirty="0" smtClean="0"/>
+          </a:p>
+          <a:p>
+            <a:pPr>
+              <a:buFont typeface="Arial" pitchFamily="34" charset="0"/>
+              <a:buChar char="•"/>
+            </a:pPr>
+            <a:r>
+              <a:rPr lang="en-US" dirty="0" smtClean="0"/>
+              <a:t>The next move column of the data sheet is determined by the move followed by the current move.</a:t>
+            </a:r>
+          </a:p>
+          <a:p>
+            <a:pPr>
+              <a:buFont typeface="Arial" pitchFamily="34" charset="0"/>
+              <a:buChar char="•"/>
+            </a:pPr>
+            <a:endParaRPr lang="en-US" dirty="0" smtClean="0"/>
+          </a:p>
+          <a:p>
+            <a:pPr>
+              <a:buFont typeface="Arial" pitchFamily="34" charset="0"/>
+              <a:buChar char="•"/>
+            </a:pPr>
+            <a:r>
+              <a:rPr lang="en-US" dirty="0" smtClean="0"/>
+              <a:t> When a user press a arrow key  an AJAX call with the following parameters are sent to the server for storing</a:t>
+            </a:r>
+          </a:p>
+          <a:p>
+            <a:pPr>
+              <a:buFont typeface="Arial" pitchFamily="34" charset="0"/>
+              <a:buChar char="•"/>
+            </a:pPr>
+            <a:endParaRPr lang="en-US" dirty="0" smtClean="0"/>
+          </a:p>
+          <a:p>
+            <a:pPr marL="800100" lvl="1" indent="-342900">
+              <a:buFont typeface="+mj-lt"/>
+              <a:buAutoNum type="arabicPeriod"/>
+            </a:pPr>
+            <a:r>
+              <a:rPr lang="en-US" dirty="0" smtClean="0"/>
+              <a:t>JSON Object of red snake.</a:t>
+            </a:r>
+          </a:p>
+          <a:p>
+            <a:pPr marL="800100" lvl="1" indent="-342900">
+              <a:buFont typeface="+mj-lt"/>
+              <a:buAutoNum type="arabicPeriod"/>
+            </a:pPr>
+            <a:r>
+              <a:rPr lang="en-US" dirty="0" smtClean="0"/>
+              <a:t>JSON Object of </a:t>
+            </a:r>
+            <a:r>
+              <a:rPr lang="en-US" dirty="0" smtClean="0"/>
+              <a:t>blue snake.</a:t>
+            </a:r>
+            <a:endParaRPr lang="en-US" dirty="0" smtClean="0"/>
+          </a:p>
+          <a:p>
+            <a:pPr marL="800100" lvl="1" indent="-342900">
+              <a:buFont typeface="+mj-lt"/>
+              <a:buAutoNum type="arabicPeriod"/>
+            </a:pPr>
+            <a:r>
+              <a:rPr lang="en-US" dirty="0" smtClean="0"/>
+              <a:t>Head position of red snake.</a:t>
+            </a:r>
+          </a:p>
+          <a:p>
+            <a:pPr marL="800100" lvl="1" indent="-342900">
+              <a:buFont typeface="+mj-lt"/>
+              <a:buAutoNum type="arabicPeriod"/>
+            </a:pPr>
+            <a:r>
+              <a:rPr lang="en-US" dirty="0" smtClean="0"/>
+              <a:t>Head position of </a:t>
+            </a:r>
+            <a:r>
+              <a:rPr lang="en-US" dirty="0" smtClean="0"/>
+              <a:t>blue snake.</a:t>
+            </a:r>
+          </a:p>
+          <a:p>
+            <a:pPr marL="800100" lvl="1" indent="-342900">
+              <a:buFont typeface="+mj-lt"/>
+              <a:buAutoNum type="arabicPeriod"/>
+            </a:pPr>
+            <a:r>
+              <a:rPr lang="en-US" dirty="0" smtClean="0"/>
+              <a:t>Length of  both the snake.</a:t>
+            </a:r>
+          </a:p>
+          <a:p>
+            <a:pPr marL="800100" lvl="1" indent="-342900">
+              <a:buFont typeface="+mj-lt"/>
+              <a:buAutoNum type="arabicPeriod"/>
+            </a:pPr>
+            <a:r>
+              <a:rPr lang="en-US" dirty="0" smtClean="0"/>
+              <a:t>Current moving  direction of both the snakes.</a:t>
+            </a:r>
+          </a:p>
+          <a:p>
+            <a:pPr marL="800100" lvl="1" indent="-342900">
+              <a:buFont typeface="+mj-lt"/>
+              <a:buAutoNum type="arabicPeriod"/>
+            </a:pPr>
+            <a:r>
+              <a:rPr lang="en-US" dirty="0" smtClean="0"/>
+              <a:t>Distance between the X co-ordinates of the snake heads.</a:t>
+            </a:r>
+          </a:p>
+          <a:p>
+            <a:pPr marL="800100" lvl="1" indent="-342900">
+              <a:buFont typeface="+mj-lt"/>
+              <a:buAutoNum type="arabicPeriod"/>
+            </a:pPr>
+            <a:r>
+              <a:rPr lang="en-US" dirty="0" smtClean="0"/>
+              <a:t>Distance between the </a:t>
+            </a:r>
+            <a:r>
+              <a:rPr lang="en-US" dirty="0" smtClean="0"/>
+              <a:t>Y </a:t>
+            </a:r>
+            <a:r>
+              <a:rPr lang="en-US" dirty="0" smtClean="0"/>
+              <a:t>co-ordinates of the snake heads</a:t>
+            </a:r>
+            <a:r>
+              <a:rPr lang="en-US" dirty="0" smtClean="0"/>
+              <a:t>.</a:t>
+            </a:r>
+          </a:p>
+          <a:p>
+            <a:pPr marL="800100" lvl="1" indent="-342900">
+              <a:buFont typeface="+mj-lt"/>
+              <a:buAutoNum type="arabicPeriod"/>
+            </a:pPr>
+            <a:r>
+              <a:rPr lang="en-US" dirty="0" smtClean="0"/>
+              <a:t>Distance between the food and the snakes.</a:t>
+            </a:r>
+          </a:p>
+          <a:p>
+            <a:pPr marL="800100" lvl="1" indent="-342900"/>
+            <a:endParaRPr lang="en-US" dirty="0" smtClean="0"/>
+          </a:p>
+          <a:p>
+            <a:pPr marL="800100" lvl="1" indent="-342900">
+              <a:buFont typeface="Arial" pitchFamily="34" charset="0"/>
+              <a:buChar char="•"/>
+            </a:pPr>
+            <a:endParaRPr lang="en-US" dirty="0" smtClean="0"/>
+          </a:p>
+          <a:p>
+            <a:pPr marL="800100" lvl="1" indent="-342900">
+              <a:buFont typeface="+mj-lt"/>
+              <a:buAutoNum type="arabicPeriod"/>
+            </a:pPr>
+            <a:endParaRPr lang="en-US" dirty="0" smtClean="0"/>
+          </a:p>
+          <a:p>
+            <a:pPr marL="800100" lvl="1" indent="-342900">
+              <a:buFont typeface="+mj-lt"/>
+              <a:buAutoNum type="arabicPeriod"/>
+            </a:pPr>
+            <a:endParaRPr lang="en-US" dirty="0"/>
+          </a:p>
+        </p:txBody>
+      </p:sp>
+    </p:spTree>
+  </p:cSld>
+  <p:clrMapOvr>
+    <a:masterClrMapping/>
+  </p:clrMapOvr>
+</p:sld>
+</file>
+
+<file path=ppt/slides/slide14.xml><?xml version="1.0" encoding="utf-8"?>
+<p:sld xmlns:a="http://schemas.openxmlformats.org/drawingml/2006/main" xmlns:r="http://schemas.openxmlformats.org/officeDocument/2006/relationships" xmlns:p="http://schemas.openxmlformats.org/presentationml/2006/main">
+  <p:cSld>
+    <p:spTree>
+      <p:nvGrpSpPr>
+        <p:cNvPr id="1" name=""/>
+        <p:cNvGrpSpPr/>
+        <p:nvPr/>
+      </p:nvGrpSpPr>
+      <p:grpSpPr>
+        <a:xfrm>
+          <a:off x="0" y="0"/>
+          <a:ext cx="0" cy="0"/>
+          <a:chOff x="0" y="0"/>
+          <a:chExt cx="0" cy="0"/>
+        </a:xfrm>
+      </p:grpSpPr>
+      <p:sp>
+        <p:nvSpPr>
+          <p:cNvPr id="2" name="TextBox 1"/>
+          <p:cNvSpPr txBox="1"/>
+          <p:nvPr/>
+        </p:nvSpPr>
+        <p:spPr>
+          <a:xfrm>
+            <a:off x="533400" y="381000"/>
+            <a:ext cx="7696200" cy="523220"/>
+          </a:xfrm>
+          <a:prstGeom prst="rect">
+            <a:avLst/>
+          </a:prstGeom>
+          <a:noFill/>
+        </p:spPr>
+        <p:txBody>
+          <a:bodyPr wrap="square" rtlCol="0">
+            <a:spAutoFit/>
+          </a:bodyPr>
+          <a:lstStyle/>
+          <a:p>
+            <a:pPr algn="ctr"/>
+            <a:r>
+              <a:rPr lang="en-US" sz="2800" dirty="0" smtClean="0"/>
+              <a:t>HARDWARE AND SOFTWARE REQUIREMENT </a:t>
+            </a:r>
+            <a:endParaRPr lang="en-US" sz="2800" dirty="0"/>
+          </a:p>
+        </p:txBody>
+      </p:sp>
+      <p:sp>
+        <p:nvSpPr>
+          <p:cNvPr id="3" name="TextBox 2"/>
+          <p:cNvSpPr txBox="1"/>
+          <p:nvPr/>
+        </p:nvSpPr>
+        <p:spPr>
+          <a:xfrm>
+            <a:off x="381000" y="1066800"/>
+            <a:ext cx="8305800" cy="2862322"/>
+          </a:xfrm>
+          <a:prstGeom prst="rect">
+            <a:avLst/>
+          </a:prstGeom>
+          <a:noFill/>
+        </p:spPr>
+        <p:txBody>
+          <a:bodyPr wrap="square" rtlCol="0">
+            <a:spAutoFit/>
+          </a:bodyPr>
+          <a:lstStyle/>
+          <a:p>
+            <a:pPr>
+              <a:buFont typeface="Arial" pitchFamily="34" charset="0"/>
+              <a:buChar char="•"/>
+            </a:pPr>
+            <a:r>
+              <a:rPr lang="en-US" dirty="0" smtClean="0"/>
+              <a:t> </a:t>
+            </a:r>
+            <a:r>
+              <a:rPr lang="en-US" dirty="0" smtClean="0"/>
+              <a:t>Hardware Requirements :</a:t>
+            </a:r>
+          </a:p>
+          <a:p>
+            <a:pPr lvl="1">
+              <a:buFont typeface="Arial" pitchFamily="34" charset="0"/>
+              <a:buChar char="•"/>
+            </a:pPr>
+            <a:endParaRPr lang="en-US" dirty="0" smtClean="0"/>
+          </a:p>
+          <a:p>
+            <a:pPr>
+              <a:buFont typeface="Arial" pitchFamily="34" charset="0"/>
+              <a:buChar char="•"/>
+            </a:pPr>
+            <a:r>
+              <a:rPr lang="en-US" dirty="0" smtClean="0"/>
+              <a:t> Software  Requirements :</a:t>
+            </a:r>
+          </a:p>
+          <a:p>
+            <a:pPr marL="800100" lvl="1" indent="-342900">
+              <a:buFont typeface="+mj-lt"/>
+              <a:buAutoNum type="arabicPeriod"/>
+            </a:pPr>
+            <a:r>
+              <a:rPr lang="en-US" dirty="0" smtClean="0"/>
+              <a:t> </a:t>
+            </a:r>
+            <a:r>
+              <a:rPr lang="en-US" dirty="0" smtClean="0"/>
+              <a:t>Java V1.8</a:t>
+            </a:r>
+          </a:p>
+          <a:p>
+            <a:pPr marL="800100" lvl="1" indent="-342900">
+              <a:buFont typeface="+mj-lt"/>
+              <a:buAutoNum type="arabicPeriod"/>
+            </a:pPr>
+            <a:r>
+              <a:rPr lang="en-US" dirty="0" smtClean="0"/>
+              <a:t>Tomcat </a:t>
+            </a:r>
+            <a:r>
+              <a:rPr lang="en-US" dirty="0" smtClean="0"/>
+              <a:t>Server</a:t>
+            </a:r>
+          </a:p>
+          <a:p>
+            <a:pPr marL="800100" lvl="1" indent="-342900">
+              <a:buFont typeface="+mj-lt"/>
+              <a:buAutoNum type="arabicPeriod"/>
+            </a:pPr>
+            <a:r>
+              <a:rPr lang="en-US" dirty="0" err="1" smtClean="0"/>
+              <a:t>MySQL</a:t>
+            </a:r>
+            <a:r>
+              <a:rPr lang="en-US" dirty="0" smtClean="0"/>
+              <a:t> server</a:t>
+            </a:r>
+          </a:p>
+          <a:p>
+            <a:pPr marL="800100" lvl="1" indent="-342900">
+              <a:buFont typeface="+mj-lt"/>
+              <a:buAutoNum type="arabicPeriod"/>
+            </a:pPr>
+            <a:r>
+              <a:rPr lang="en-US" dirty="0" err="1" smtClean="0"/>
+              <a:t>MySQL</a:t>
+            </a:r>
+            <a:r>
+              <a:rPr lang="en-US" dirty="0" smtClean="0"/>
+              <a:t> </a:t>
+            </a:r>
+            <a:r>
+              <a:rPr lang="en-US" dirty="0" err="1" smtClean="0"/>
+              <a:t>Jconnector</a:t>
+            </a:r>
+            <a:r>
+              <a:rPr lang="en-US" dirty="0" smtClean="0"/>
+              <a:t> API</a:t>
+            </a:r>
+          </a:p>
+          <a:p>
+            <a:pPr marL="800100" lvl="1" indent="-342900">
+              <a:buFont typeface="+mj-lt"/>
+              <a:buAutoNum type="arabicPeriod"/>
+            </a:pPr>
+            <a:r>
+              <a:rPr lang="en-US" dirty="0" err="1" smtClean="0"/>
+              <a:t>o</a:t>
+            </a:r>
+            <a:r>
+              <a:rPr lang="en-US" dirty="0" err="1" smtClean="0"/>
+              <a:t>rg.JSON</a:t>
+            </a:r>
+            <a:r>
+              <a:rPr lang="en-US" dirty="0" smtClean="0"/>
+              <a:t> API</a:t>
+            </a:r>
+          </a:p>
+          <a:p>
+            <a:pPr marL="800100" lvl="1" indent="-342900">
+              <a:buFont typeface="+mj-lt"/>
+              <a:buAutoNum type="arabicPeriod"/>
+            </a:pPr>
+            <a:r>
+              <a:rPr lang="en-US" dirty="0" err="1" smtClean="0"/>
+              <a:t>Servlet</a:t>
+            </a:r>
+            <a:r>
+              <a:rPr lang="en-US" dirty="0" smtClean="0"/>
+              <a:t> API</a:t>
+            </a:r>
+          </a:p>
+          <a:p>
+            <a:pPr marL="800100" lvl="1" indent="-342900">
+              <a:buFont typeface="+mj-lt"/>
+              <a:buAutoNum type="arabicPeriod"/>
+            </a:pPr>
+            <a:endParaRPr lang="en-US" dirty="0" smtClean="0"/>
+          </a:p>
+        </p:txBody>
+      </p:sp>
+    </p:spTree>
+  </p:cSld>
+  <p:clrMapOvr>
+    <a:masterClrMapping/>
+  </p:clrMapOvr>
+</p:sld>
+</file>
+
+<file path=ppt/slides/slide15.xml><?xml version="1.0" encoding="utf-8"?>
+<p:sld xmlns:a="http://schemas.openxmlformats.org/drawingml/2006/main" xmlns:r="http://schemas.openxmlformats.org/officeDocument/2006/relationships" xmlns:p="http://schemas.openxmlformats.org/presentationml/2006/main">
+  <p:cSld>
+    <p:spTree>
+      <p:nvGrpSpPr>
+        <p:cNvPr id="1" name=""/>
+        <p:cNvGrpSpPr/>
+        <p:nvPr/>
+      </p:nvGrpSpPr>
+      <p:grpSpPr>
+        <a:xfrm>
+          <a:off x="0" y="0"/>
+          <a:ext cx="0" cy="0"/>
+          <a:chOff x="0" y="0"/>
+          <a:chExt cx="0" cy="0"/>
+        </a:xfrm>
+      </p:grpSpPr>
+      <p:sp>
+        <p:nvSpPr>
+          <p:cNvPr id="2" name="TextBox 1"/>
+          <p:cNvSpPr txBox="1"/>
+          <p:nvPr/>
+        </p:nvSpPr>
+        <p:spPr>
+          <a:xfrm>
+            <a:off x="609600" y="228600"/>
+            <a:ext cx="8077200" cy="523220"/>
+          </a:xfrm>
+          <a:prstGeom prst="rect">
+            <a:avLst/>
+          </a:prstGeom>
+          <a:noFill/>
+        </p:spPr>
+        <p:txBody>
+          <a:bodyPr wrap="square" rtlCol="0">
+            <a:spAutoFit/>
+          </a:bodyPr>
+          <a:lstStyle/>
+          <a:p>
+            <a:pPr algn="ctr"/>
+            <a:r>
+              <a:rPr lang="en-US" sz="2800" dirty="0" smtClean="0"/>
+              <a:t>IMPLEMENTATION OF MODULES</a:t>
+            </a:r>
+            <a:endParaRPr lang="en-US" sz="2800" dirty="0"/>
+          </a:p>
+        </p:txBody>
+      </p:sp>
+      <p:sp>
+        <p:nvSpPr>
+          <p:cNvPr id="4" name="TextBox 3"/>
+          <p:cNvSpPr txBox="1"/>
+          <p:nvPr/>
+        </p:nvSpPr>
+        <p:spPr>
+          <a:xfrm>
+            <a:off x="533400" y="990600"/>
+            <a:ext cx="8229600" cy="4154984"/>
+          </a:xfrm>
+          <a:prstGeom prst="rect">
+            <a:avLst/>
+          </a:prstGeom>
+          <a:noFill/>
+        </p:spPr>
+        <p:txBody>
+          <a:bodyPr wrap="square" rtlCol="0">
+            <a:spAutoFit/>
+          </a:bodyPr>
+          <a:lstStyle/>
+          <a:p>
+            <a:r>
+              <a:rPr lang="en-US" sz="2400" dirty="0" smtClean="0"/>
+              <a:t>Live User Listing Module :</a:t>
+            </a:r>
+          </a:p>
+          <a:p>
+            <a:pPr lvl="1">
+              <a:buFont typeface="Arial" pitchFamily="34" charset="0"/>
+              <a:buChar char="•"/>
+            </a:pPr>
+            <a:r>
+              <a:rPr lang="en-US" sz="2400" dirty="0" smtClean="0"/>
+              <a:t> </a:t>
+            </a:r>
+            <a:r>
+              <a:rPr lang="en-US" sz="2400" dirty="0" smtClean="0"/>
+              <a:t> The live user listing module is server push process in which push the list of users available to play.</a:t>
+            </a:r>
+          </a:p>
+          <a:p>
+            <a:pPr lvl="1"/>
+            <a:endParaRPr lang="en-US" sz="2400" dirty="0" smtClean="0"/>
+          </a:p>
+          <a:p>
+            <a:pPr lvl="1">
+              <a:buFont typeface="Arial" pitchFamily="34" charset="0"/>
+              <a:buChar char="•"/>
+            </a:pPr>
+            <a:r>
+              <a:rPr lang="en-US" sz="2400" dirty="0" smtClean="0"/>
+              <a:t> The user continue keep track of the new user getting added to the game .</a:t>
+            </a:r>
+          </a:p>
+          <a:p>
+            <a:pPr lvl="1"/>
+            <a:endParaRPr lang="en-US" sz="2400" dirty="0" smtClean="0"/>
+          </a:p>
+          <a:p>
+            <a:pPr lvl="1">
+              <a:buFont typeface="Arial" pitchFamily="34" charset="0"/>
+              <a:buChar char="•"/>
+            </a:pPr>
+            <a:r>
+              <a:rPr lang="en-US" sz="2400" dirty="0" smtClean="0"/>
+              <a:t> It  sets the retry time as 110 milliseconds which quite enough to get instant updates of he live users.</a:t>
+            </a:r>
+          </a:p>
+          <a:p>
+            <a:pPr lvl="1"/>
+            <a:endParaRPr lang="en-US" sz="2400" dirty="0" smtClean="0"/>
+          </a:p>
+          <a:p>
+            <a:r>
+              <a:rPr lang="en-US" sz="2400" dirty="0" smtClean="0"/>
+              <a:t>	</a:t>
+            </a:r>
+            <a:endParaRPr lang="en-US" sz="2400" dirty="0"/>
+          </a:p>
+        </p:txBody>
+      </p:sp>
+      <p:sp>
+        <p:nvSpPr>
+          <p:cNvPr id="9" name="Rectangle 8"/>
+          <p:cNvSpPr/>
+          <p:nvPr/>
+        </p:nvSpPr>
+        <p:spPr>
+          <a:xfrm>
+            <a:off x="304800" y="4419600"/>
+            <a:ext cx="2286000" cy="2286000"/>
+          </a:xfrm>
+          <a:prstGeom prst="rect">
+            <a:avLst/>
+          </a:prstGeom>
+        </p:spPr>
+        <p:style>
+          <a:lnRef idx="2">
+            <a:schemeClr val="dk1"/>
+          </a:lnRef>
+          <a:fillRef idx="1">
+            <a:schemeClr val="lt1"/>
+          </a:fillRef>
+          <a:effectRef idx="0">
+            <a:schemeClr val="dk1"/>
+          </a:effectRef>
+          <a:fontRef idx="minor">
+            <a:schemeClr val="dk1"/>
+          </a:fontRef>
+        </p:style>
+        <p:txBody>
+          <a:bodyPr rtlCol="0" anchor="ctr"/>
+          <a:lstStyle/>
+          <a:p>
+            <a:pPr algn="ctr"/>
+            <a:endParaRPr lang="en-US"/>
+          </a:p>
+        </p:txBody>
+      </p:sp>
+      <p:pic>
+        <p:nvPicPr>
+          <p:cNvPr id="10" name="Picture 9" descr="user class.PNG"/>
+          <p:cNvPicPr>
+            <a:picLocks noChangeAspect="1"/>
+          </p:cNvPicPr>
+          <p:nvPr/>
+        </p:nvPicPr>
+        <p:blipFill>
+          <a:blip r:embed="rId2"/>
+          <a:stretch>
+            <a:fillRect/>
+          </a:stretch>
+        </p:blipFill>
+        <p:spPr>
+          <a:xfrm>
+            <a:off x="304800" y="4419600"/>
+            <a:ext cx="2263437" cy="2286000"/>
+          </a:xfrm>
+          <a:prstGeom prst="rect">
+            <a:avLst/>
+          </a:prstGeom>
+        </p:spPr>
+      </p:pic>
+      <p:sp>
+        <p:nvSpPr>
+          <p:cNvPr id="11" name="Rectangle 10"/>
+          <p:cNvSpPr/>
+          <p:nvPr/>
+        </p:nvSpPr>
+        <p:spPr>
+          <a:xfrm>
+            <a:off x="3429000" y="4419600"/>
+            <a:ext cx="2438400" cy="2286000"/>
+          </a:xfrm>
+          <a:prstGeom prst="rect">
+            <a:avLst/>
+          </a:prstGeom>
+        </p:spPr>
+        <p:style>
+          <a:lnRef idx="2">
+            <a:schemeClr val="dk1"/>
+          </a:lnRef>
+          <a:fillRef idx="1">
+            <a:schemeClr val="lt1"/>
+          </a:fillRef>
+          <a:effectRef idx="0">
+            <a:schemeClr val="dk1"/>
+          </a:effectRef>
+          <a:fontRef idx="minor">
+            <a:schemeClr val="dk1"/>
+          </a:fontRef>
+        </p:style>
+        <p:txBody>
+          <a:bodyPr rtlCol="0" anchor="ctr"/>
+          <a:lstStyle/>
+          <a:p>
+            <a:pPr algn="ctr"/>
+            <a:endParaRPr lang="en-US"/>
+          </a:p>
+        </p:txBody>
+      </p:sp>
+      <p:pic>
+        <p:nvPicPr>
+          <p:cNvPr id="12" name="Picture 11" descr="gameboard.PNG"/>
+          <p:cNvPicPr>
+            <a:picLocks noChangeAspect="1"/>
+          </p:cNvPicPr>
+          <p:nvPr/>
+        </p:nvPicPr>
+        <p:blipFill>
+          <a:blip r:embed="rId3"/>
+          <a:stretch>
+            <a:fillRect/>
+          </a:stretch>
+        </p:blipFill>
+        <p:spPr>
+          <a:xfrm>
+            <a:off x="3429000" y="4419600"/>
+            <a:ext cx="2438400" cy="2286000"/>
+          </a:xfrm>
+          <a:prstGeom prst="rect">
+            <a:avLst/>
+          </a:prstGeom>
+        </p:spPr>
+      </p:pic>
+      <p:sp>
+        <p:nvSpPr>
+          <p:cNvPr id="13" name="Rectangle 12"/>
+          <p:cNvSpPr/>
+          <p:nvPr/>
+        </p:nvSpPr>
+        <p:spPr>
+          <a:xfrm>
+            <a:off x="6324600" y="4724400"/>
+            <a:ext cx="2438400" cy="685800"/>
+          </a:xfrm>
+          <a:prstGeom prst="rect">
+            <a:avLst/>
+          </a:prstGeom>
+        </p:spPr>
+        <p:style>
+          <a:lnRef idx="2">
+            <a:schemeClr val="dk1"/>
+          </a:lnRef>
+          <a:fillRef idx="1">
+            <a:schemeClr val="lt1"/>
+          </a:fillRef>
+          <a:effectRef idx="0">
+            <a:schemeClr val="dk1"/>
+          </a:effectRef>
+          <a:fontRef idx="minor">
+            <a:schemeClr val="dk1"/>
+          </a:fontRef>
+        </p:style>
+        <p:txBody>
+          <a:bodyPr rtlCol="0" anchor="ctr"/>
+          <a:lstStyle/>
+          <a:p>
+            <a:pPr algn="ctr"/>
+            <a:endParaRPr lang="en-US"/>
+          </a:p>
+        </p:txBody>
+      </p:sp>
+      <p:pic>
+        <p:nvPicPr>
+          <p:cNvPr id="14" name="Picture 13" descr="Request.PNG"/>
+          <p:cNvPicPr>
+            <a:picLocks noChangeAspect="1"/>
+          </p:cNvPicPr>
+          <p:nvPr/>
+        </p:nvPicPr>
+        <p:blipFill>
+          <a:blip r:embed="rId4"/>
+          <a:stretch>
+            <a:fillRect/>
+          </a:stretch>
+        </p:blipFill>
+        <p:spPr>
+          <a:xfrm>
+            <a:off x="6324600" y="4724401"/>
+            <a:ext cx="2438400" cy="685800"/>
+          </a:xfrm>
+          <a:prstGeom prst="rect">
+            <a:avLst/>
+          </a:prstGeom>
+        </p:spPr>
+      </p:pic>
+    </p:spTree>
+  </p:cSld>
+  <p:clrMapOvr>
+    <a:masterClrMapping/>
+  </p:clrMapOvr>
+</p:sld>
+</file>
+
+<file path=ppt/slides/slide16.xml><?xml version="1.0" encoding="utf-8"?>
+<p:sld xmlns:a="http://schemas.openxmlformats.org/drawingml/2006/main" xmlns:r="http://schemas.openxmlformats.org/officeDocument/2006/relationships" xmlns:p="http://schemas.openxmlformats.org/presentationml/2006/main">
+  <p:cSld>
+    <p:spTree>
+      <p:nvGrpSpPr>
+        <p:cNvPr id="1" name=""/>
+        <p:cNvGrpSpPr/>
+        <p:nvPr/>
+      </p:nvGrpSpPr>
+      <p:grpSpPr>
+        <a:xfrm>
+          <a:off x="0" y="0"/>
+          <a:ext cx="0" cy="0"/>
+          <a:chOff x="0" y="0"/>
+          <a:chExt cx="0" cy="0"/>
+        </a:xfrm>
+      </p:grpSpPr>
+      <p:sp>
+        <p:nvSpPr>
+          <p:cNvPr id="2" name="TextBox 1"/>
+          <p:cNvSpPr txBox="1"/>
+          <p:nvPr/>
+        </p:nvSpPr>
+        <p:spPr>
+          <a:xfrm>
+            <a:off x="762000" y="228600"/>
+            <a:ext cx="7620000" cy="523220"/>
+          </a:xfrm>
+          <a:prstGeom prst="rect">
+            <a:avLst/>
+          </a:prstGeom>
+          <a:noFill/>
+        </p:spPr>
+        <p:txBody>
+          <a:bodyPr wrap="square" rtlCol="0">
+            <a:spAutoFit/>
+          </a:bodyPr>
+          <a:lstStyle/>
+          <a:p>
+            <a:pPr algn="ctr"/>
+            <a:r>
+              <a:rPr lang="en-US" sz="2800" dirty="0" smtClean="0"/>
+              <a:t>GAME CONTROLLER MODULE</a:t>
+            </a:r>
+            <a:endParaRPr lang="en-US" sz="2800" dirty="0"/>
+          </a:p>
+        </p:txBody>
+      </p:sp>
+      <p:sp>
+        <p:nvSpPr>
+          <p:cNvPr id="3" name="TextBox 2"/>
+          <p:cNvSpPr txBox="1"/>
+          <p:nvPr/>
+        </p:nvSpPr>
+        <p:spPr>
+          <a:xfrm>
+            <a:off x="304800" y="838200"/>
+            <a:ext cx="8534400" cy="4893647"/>
+          </a:xfrm>
+          <a:prstGeom prst="rect">
+            <a:avLst/>
+          </a:prstGeom>
+          <a:noFill/>
+        </p:spPr>
+        <p:txBody>
+          <a:bodyPr wrap="square" rtlCol="0">
+            <a:spAutoFit/>
+          </a:bodyPr>
+          <a:lstStyle/>
+          <a:p>
+            <a:pPr>
+              <a:buFont typeface="Arial" pitchFamily="34" charset="0"/>
+              <a:buChar char="•"/>
+            </a:pPr>
+            <a:r>
+              <a:rPr lang="en-US" sz="2400" dirty="0" smtClean="0"/>
+              <a:t> After the user get his id and assigns a name to him ,he will be redirected to a game page where he get to know the current live user .</a:t>
+            </a:r>
+          </a:p>
+          <a:p>
+            <a:pPr>
+              <a:buFont typeface="Arial" pitchFamily="34" charset="0"/>
+              <a:buChar char="•"/>
+            </a:pPr>
+            <a:endParaRPr lang="en-US" sz="2400" dirty="0" smtClean="0"/>
+          </a:p>
+          <a:p>
+            <a:pPr>
+              <a:buFont typeface="Arial" pitchFamily="34" charset="0"/>
+              <a:buChar char="•"/>
+            </a:pPr>
+            <a:r>
+              <a:rPr lang="en-US" sz="2400" dirty="0" smtClean="0"/>
+              <a:t> User can give Request to other  user by just clicking his name on live user bar</a:t>
+            </a:r>
+          </a:p>
+          <a:p>
+            <a:pPr>
+              <a:buFont typeface="Arial" pitchFamily="34" charset="0"/>
+              <a:buChar char="•"/>
+            </a:pPr>
+            <a:endParaRPr lang="en-US" sz="2400" dirty="0" smtClean="0"/>
+          </a:p>
+          <a:p>
+            <a:pPr>
+              <a:buFont typeface="Arial" pitchFamily="34" charset="0"/>
+              <a:buChar char="•"/>
+            </a:pPr>
+            <a:r>
+              <a:rPr lang="en-US" sz="2400" dirty="0" smtClean="0"/>
+              <a:t>Then the request is added to the request list of the recipient user.</a:t>
+            </a:r>
+          </a:p>
+          <a:p>
+            <a:pPr>
+              <a:buFont typeface="Arial" pitchFamily="34" charset="0"/>
+              <a:buChar char="•"/>
+            </a:pPr>
+            <a:endParaRPr lang="en-US" sz="2400" dirty="0" smtClean="0"/>
+          </a:p>
+          <a:p>
+            <a:pPr>
+              <a:buFont typeface="Arial" pitchFamily="34" charset="0"/>
+              <a:buChar char="•"/>
+            </a:pPr>
+            <a:r>
+              <a:rPr lang="en-US" sz="2400" dirty="0" smtClean="0"/>
+              <a:t> If the user on the other side click decline then  request disappears without taking any action else if he/she select accept button then the both users will get into the new game.</a:t>
+            </a:r>
+          </a:p>
+          <a:p>
+            <a:pPr>
+              <a:buFont typeface="Arial" pitchFamily="34" charset="0"/>
+              <a:buChar char="•"/>
+            </a:pPr>
+            <a:endParaRPr lang="en-US" sz="2400" dirty="0" smtClean="0"/>
+          </a:p>
+        </p:txBody>
+      </p:sp>
+    </p:spTree>
+  </p:cSld>
+  <p:clrMapOvr>
+    <a:masterClrMapping/>
+  </p:clrMapOvr>
+</p:sld>
+</file>
+
+<file path=ppt/slides/slide17.xml><?xml version="1.0" encoding="utf-8"?>
+<p:sld xmlns:a="http://schemas.openxmlformats.org/drawingml/2006/main" xmlns:r="http://schemas.openxmlformats.org/officeDocument/2006/relationships" xmlns:p="http://schemas.openxmlformats.org/presentationml/2006/main">
+  <p:cSld>
+    <p:spTree>
+      <p:nvGrpSpPr>
+        <p:cNvPr id="1" name=""/>
+        <p:cNvGrpSpPr/>
+        <p:nvPr/>
+      </p:nvGrpSpPr>
+      <p:grpSpPr>
+        <a:xfrm>
+          <a:off x="0" y="0"/>
+          <a:ext cx="0" cy="0"/>
+          <a:chOff x="0" y="0"/>
+          <a:chExt cx="0" cy="0"/>
+        </a:xfrm>
+      </p:grpSpPr>
+      <p:sp>
+        <p:nvSpPr>
+          <p:cNvPr id="2" name="TextBox 1"/>
+          <p:cNvSpPr txBox="1"/>
+          <p:nvPr/>
+        </p:nvSpPr>
+        <p:spPr>
+          <a:xfrm>
+            <a:off x="609600" y="304800"/>
+            <a:ext cx="6934200" cy="523220"/>
+          </a:xfrm>
+          <a:prstGeom prst="rect">
+            <a:avLst/>
+          </a:prstGeom>
+          <a:noFill/>
+        </p:spPr>
+        <p:txBody>
+          <a:bodyPr wrap="square" rtlCol="0">
+            <a:spAutoFit/>
+          </a:bodyPr>
+          <a:lstStyle/>
+          <a:p>
+            <a:pPr algn="ctr"/>
+            <a:r>
+              <a:rPr lang="en-US" sz="2800" dirty="0" smtClean="0"/>
+              <a:t>GAME CONTROLLER MODULE (</a:t>
+            </a:r>
+            <a:r>
+              <a:rPr lang="en-US" sz="2800" dirty="0" err="1" smtClean="0"/>
+              <a:t>Contd</a:t>
+            </a:r>
+            <a:r>
+              <a:rPr lang="en-US" sz="2800" dirty="0" smtClean="0"/>
+              <a:t>)</a:t>
+            </a:r>
+            <a:endParaRPr lang="en-US" sz="2800" dirty="0"/>
+          </a:p>
+        </p:txBody>
+      </p:sp>
+      <p:sp>
+        <p:nvSpPr>
+          <p:cNvPr id="3" name="TextBox 2"/>
+          <p:cNvSpPr txBox="1"/>
+          <p:nvPr/>
+        </p:nvSpPr>
+        <p:spPr>
+          <a:xfrm>
+            <a:off x="609600" y="1066800"/>
+            <a:ext cx="7543800" cy="4893647"/>
+          </a:xfrm>
+          <a:prstGeom prst="rect">
+            <a:avLst/>
+          </a:prstGeom>
+          <a:noFill/>
+        </p:spPr>
+        <p:txBody>
+          <a:bodyPr wrap="square" rtlCol="0">
+            <a:spAutoFit/>
+          </a:bodyPr>
+          <a:lstStyle/>
+          <a:p>
+            <a:pPr>
+              <a:buFont typeface="Arial" pitchFamily="34" charset="0"/>
+              <a:buChar char="•"/>
+            </a:pPr>
+            <a:r>
+              <a:rPr lang="en-US" dirty="0" smtClean="0"/>
+              <a:t> </a:t>
+            </a:r>
+            <a:r>
+              <a:rPr lang="en-US" sz="2400" dirty="0" smtClean="0"/>
+              <a:t>A single user can give request to n number of live user but once he get into play another user he/she cannot abort the game.</a:t>
+            </a:r>
+          </a:p>
+          <a:p>
+            <a:pPr>
+              <a:buFont typeface="Arial" pitchFamily="34" charset="0"/>
+              <a:buChar char="•"/>
+            </a:pPr>
+            <a:endParaRPr lang="en-US" sz="2400" dirty="0" smtClean="0"/>
+          </a:p>
+          <a:p>
+            <a:pPr>
+              <a:buFont typeface="Arial" pitchFamily="34" charset="0"/>
+              <a:buChar char="•"/>
+            </a:pPr>
+            <a:r>
+              <a:rPr lang="en-US" sz="2400" dirty="0" smtClean="0"/>
+              <a:t> If the user  wants to play with computer he can click  “PLAY WITH COMPUTER”  button </a:t>
+            </a:r>
+            <a:r>
+              <a:rPr lang="en-US" sz="2400" dirty="0" smtClean="0"/>
+              <a:t>.</a:t>
+            </a:r>
+          </a:p>
+          <a:p>
+            <a:pPr>
+              <a:buFont typeface="Arial" pitchFamily="34" charset="0"/>
+              <a:buChar char="•"/>
+            </a:pPr>
+            <a:endParaRPr lang="en-US" sz="2400" dirty="0" smtClean="0"/>
+          </a:p>
+          <a:p>
+            <a:pPr>
+              <a:buFont typeface="Arial" pitchFamily="34" charset="0"/>
+              <a:buChar char="•"/>
+            </a:pPr>
+            <a:r>
+              <a:rPr lang="en-US" sz="2400" dirty="0" smtClean="0"/>
+              <a:t>Once a user accepts the request the following operation takes place :</a:t>
+            </a:r>
+          </a:p>
+          <a:p>
+            <a:pPr marL="914400" lvl="1" indent="-457200">
+              <a:buFont typeface="+mj-lt"/>
+              <a:buAutoNum type="arabicPeriod"/>
+            </a:pPr>
+            <a:r>
+              <a:rPr lang="en-US" sz="2400" dirty="0" smtClean="0"/>
+              <a:t>A new game board is created</a:t>
+            </a:r>
+          </a:p>
+          <a:p>
+            <a:pPr marL="914400" lvl="1" indent="-457200">
+              <a:buFont typeface="+mj-lt"/>
+              <a:buAutoNum type="arabicPeriod"/>
+            </a:pPr>
+            <a:r>
+              <a:rPr lang="en-US" sz="2400" dirty="0" smtClean="0"/>
+              <a:t>Both user’s id is registered to particular </a:t>
+            </a:r>
+            <a:r>
+              <a:rPr lang="en-US" sz="2400" dirty="0" err="1" smtClean="0"/>
+              <a:t>gameboard</a:t>
+            </a:r>
+            <a:endParaRPr lang="en-US" sz="2400" dirty="0" smtClean="0"/>
+          </a:p>
+          <a:p>
+            <a:pPr marL="914400" lvl="1" indent="-457200">
+              <a:buFont typeface="+mj-lt"/>
+              <a:buAutoNum type="arabicPeriod"/>
+            </a:pPr>
+            <a:r>
+              <a:rPr lang="en-US" sz="2400" dirty="0" smtClean="0"/>
+              <a:t>Status of the both the user are set as ‘busy’</a:t>
+            </a:r>
+          </a:p>
+          <a:p>
+            <a:pPr marL="914400" lvl="1" indent="-457200">
+              <a:buFont typeface="+mj-lt"/>
+              <a:buAutoNum type="arabicPeriod"/>
+            </a:pPr>
+            <a:r>
+              <a:rPr lang="en-US" sz="2400" dirty="0" smtClean="0"/>
+              <a:t>Game start flag is set.</a:t>
+            </a:r>
+            <a:endParaRPr lang="en-US" sz="2400" dirty="0"/>
+          </a:p>
+        </p:txBody>
+      </p:sp>
+    </p:spTree>
+  </p:cSld>
+  <p:clrMapOvr>
+    <a:masterClrMapping/>
+  </p:clrMapOvr>
+</p:sld>
+</file>
+
+<file path=ppt/slides/slide18.xml><?xml version="1.0" encoding="utf-8"?>
+<p:sld xmlns:a="http://schemas.openxmlformats.org/drawingml/2006/main" xmlns:r="http://schemas.openxmlformats.org/officeDocument/2006/relationships" xmlns:p="http://schemas.openxmlformats.org/presentationml/2006/main">
+  <p:cSld>
+    <p:spTree>
+      <p:nvGrpSpPr>
+        <p:cNvPr id="1" name=""/>
+        <p:cNvGrpSpPr/>
+        <p:nvPr/>
+      </p:nvGrpSpPr>
+      <p:grpSpPr>
+        <a:xfrm>
+          <a:off x="0" y="0"/>
+          <a:ext cx="0" cy="0"/>
+          <a:chOff x="0" y="0"/>
+          <a:chExt cx="0" cy="0"/>
+        </a:xfrm>
+      </p:grpSpPr>
+      <p:sp>
+        <p:nvSpPr>
+          <p:cNvPr id="2" name="TextBox 1"/>
+          <p:cNvSpPr txBox="1"/>
+          <p:nvPr/>
+        </p:nvSpPr>
+        <p:spPr>
+          <a:xfrm>
+            <a:off x="685800" y="304801"/>
+            <a:ext cx="7315200" cy="954107"/>
+          </a:xfrm>
+          <a:prstGeom prst="rect">
+            <a:avLst/>
+          </a:prstGeom>
+          <a:noFill/>
+        </p:spPr>
+        <p:txBody>
+          <a:bodyPr wrap="square" rtlCol="0">
+            <a:spAutoFit/>
+          </a:bodyPr>
+          <a:lstStyle/>
+          <a:p>
+            <a:pPr algn="ctr"/>
+            <a:r>
+              <a:rPr lang="en-US" sz="2800" dirty="0" smtClean="0"/>
+              <a:t>GAME CONTROLLER MODULE (</a:t>
+            </a:r>
+            <a:r>
+              <a:rPr lang="en-US" sz="2800" dirty="0" err="1" smtClean="0"/>
+              <a:t>Contd</a:t>
+            </a:r>
+            <a:r>
+              <a:rPr lang="en-US" sz="2800" dirty="0" smtClean="0"/>
+              <a:t>)</a:t>
+            </a:r>
+          </a:p>
+          <a:p>
+            <a:pPr algn="ctr"/>
+            <a:endParaRPr lang="en-US" sz="2800" dirty="0"/>
+          </a:p>
+        </p:txBody>
+      </p:sp>
+      <p:sp>
+        <p:nvSpPr>
+          <p:cNvPr id="3" name="TextBox 2"/>
+          <p:cNvSpPr txBox="1"/>
+          <p:nvPr/>
+        </p:nvSpPr>
+        <p:spPr>
+          <a:xfrm>
+            <a:off x="533400" y="1524000"/>
+            <a:ext cx="8077200" cy="2308324"/>
+          </a:xfrm>
+          <a:prstGeom prst="rect">
+            <a:avLst/>
+          </a:prstGeom>
+          <a:noFill/>
+        </p:spPr>
+        <p:txBody>
+          <a:bodyPr wrap="square" rtlCol="0">
+            <a:spAutoFit/>
+          </a:bodyPr>
+          <a:lstStyle/>
+          <a:p>
+            <a:pPr>
+              <a:buFont typeface="Arial" pitchFamily="34" charset="0"/>
+              <a:buChar char="•"/>
+            </a:pPr>
+            <a:r>
+              <a:rPr lang="en-US" sz="2400" dirty="0" smtClean="0"/>
+              <a:t> If he/she decline the request then the particular request is removed from the receiving user’s request list.</a:t>
+            </a:r>
+          </a:p>
+          <a:p>
+            <a:pPr>
+              <a:buFont typeface="Arial" pitchFamily="34" charset="0"/>
+              <a:buChar char="•"/>
+            </a:pPr>
+            <a:endParaRPr lang="en-US" sz="2400" dirty="0" smtClean="0"/>
+          </a:p>
+          <a:p>
+            <a:pPr>
+              <a:buFont typeface="Arial" pitchFamily="34" charset="0"/>
+              <a:buChar char="•"/>
+            </a:pPr>
+            <a:r>
+              <a:rPr lang="en-US" sz="2400" dirty="0" smtClean="0"/>
+              <a:t>The above operation is done by the class called “ </a:t>
+            </a:r>
+            <a:r>
+              <a:rPr lang="en-US" sz="2400" dirty="0" err="1" smtClean="0"/>
+              <a:t>getid</a:t>
+            </a:r>
+            <a:r>
+              <a:rPr lang="en-US" sz="2400" dirty="0" smtClean="0"/>
+              <a:t> ” which has the operation for value of ‘ t ’</a:t>
+            </a:r>
+          </a:p>
+          <a:p>
+            <a:pPr>
+              <a:buFont typeface="Arial" pitchFamily="34" charset="0"/>
+              <a:buChar char="•"/>
+            </a:pPr>
+            <a:endParaRPr lang="en-US" sz="2400" dirty="0" smtClean="0"/>
+          </a:p>
+        </p:txBody>
+      </p:sp>
+      <p:graphicFrame>
+        <p:nvGraphicFramePr>
+          <p:cNvPr id="4" name="Table 3"/>
+          <p:cNvGraphicFramePr>
+            <a:graphicFrameLocks noGrp="1"/>
+          </p:cNvGraphicFramePr>
+          <p:nvPr/>
+        </p:nvGraphicFramePr>
+        <p:xfrm>
+          <a:off x="609600" y="3429000"/>
+          <a:ext cx="8229600" cy="3708400"/>
+        </p:xfrm>
+        <a:graphic>
+          <a:graphicData uri="http://schemas.openxmlformats.org/drawingml/2006/table">
+            <a:tbl>
+              <a:tblPr firstRow="1" bandRow="1">
+                <a:tableStyleId>{2D5ABB26-0587-4C30-8999-92F81FD0307C}</a:tableStyleId>
+              </a:tblPr>
+              <a:tblGrid>
+                <a:gridCol w="2743200"/>
+                <a:gridCol w="5486400"/>
+              </a:tblGrid>
+              <a:tr h="370840">
+                <a:tc>
+                  <a:txBody>
+                    <a:bodyPr/>
+                    <a:lstStyle/>
+                    <a:p>
+                      <a:pPr algn="ctr"/>
+                      <a:r>
+                        <a:rPr lang="en-US" dirty="0" smtClean="0"/>
+                        <a:t>Operation Code</a:t>
+                      </a:r>
+                      <a:endParaRPr lang="en-US" dirty="0"/>
+                    </a:p>
+                  </a:txBody>
+                  <a:tcPr/>
+                </a:tc>
+                <a:tc>
+                  <a:txBody>
+                    <a:bodyPr/>
+                    <a:lstStyle/>
+                    <a:p>
+                      <a:pPr algn="ctr"/>
+                      <a:r>
+                        <a:rPr lang="en-US" dirty="0" smtClean="0"/>
+                        <a:t>Action</a:t>
+                      </a:r>
+                      <a:endParaRPr lang="en-US" dirty="0"/>
+                    </a:p>
+                  </a:txBody>
+                  <a:tcPr/>
+                </a:tc>
+              </a:tr>
+              <a:tr h="370840">
+                <a:tc>
+                  <a:txBody>
+                    <a:bodyPr/>
+                    <a:lstStyle/>
+                    <a:p>
+                      <a:pPr algn="ctr"/>
+                      <a:r>
+                        <a:rPr lang="en-US" dirty="0" smtClean="0"/>
+                        <a:t>0</a:t>
+                      </a:r>
+                      <a:endParaRPr lang="en-US" dirty="0"/>
+                    </a:p>
+                  </a:txBody>
+                  <a:tcPr/>
+                </a:tc>
+                <a:tc>
+                  <a:txBody>
+                    <a:bodyPr/>
+                    <a:lstStyle/>
+                    <a:p>
+                      <a:pPr algn="ctr"/>
+                      <a:r>
+                        <a:rPr lang="en-US" dirty="0" smtClean="0"/>
+                        <a:t>Creating new user ID</a:t>
+                      </a:r>
+                      <a:endParaRPr lang="en-US" dirty="0"/>
+                    </a:p>
+                  </a:txBody>
+                  <a:tcPr/>
+                </a:tc>
+              </a:tr>
+              <a:tr h="370840">
+                <a:tc>
+                  <a:txBody>
+                    <a:bodyPr/>
+                    <a:lstStyle/>
+                    <a:p>
+                      <a:pPr algn="ctr"/>
+                      <a:r>
+                        <a:rPr lang="en-US" dirty="0" smtClean="0"/>
+                        <a:t>1</a:t>
+                      </a:r>
+                      <a:endParaRPr lang="en-US" dirty="0"/>
+                    </a:p>
+                  </a:txBody>
+                  <a:tcPr/>
+                </a:tc>
+                <a:tc>
+                  <a:txBody>
+                    <a:bodyPr/>
+                    <a:lstStyle/>
+                    <a:p>
+                      <a:pPr algn="ctr"/>
+                      <a:r>
+                        <a:rPr lang="en-US" dirty="0" smtClean="0"/>
+                        <a:t>adding request to recipient request queue</a:t>
+                      </a:r>
+                      <a:endParaRPr lang="en-US" dirty="0"/>
+                    </a:p>
+                  </a:txBody>
+                  <a:tcPr/>
+                </a:tc>
+              </a:tr>
+              <a:tr h="370840">
+                <a:tc>
+                  <a:txBody>
+                    <a:bodyPr/>
+                    <a:lstStyle/>
+                    <a:p>
+                      <a:pPr algn="ctr"/>
+                      <a:r>
+                        <a:rPr lang="en-US" dirty="0" smtClean="0"/>
+                        <a:t>2</a:t>
+                      </a:r>
+                      <a:endParaRPr lang="en-US" dirty="0"/>
+                    </a:p>
+                  </a:txBody>
+                  <a:tcPr/>
+                </a:tc>
+                <a:tc>
+                  <a:txBody>
+                    <a:bodyPr/>
+                    <a:lstStyle/>
+                    <a:p>
+                      <a:pPr algn="ctr"/>
+                      <a:r>
+                        <a:rPr lang="en-US" dirty="0" smtClean="0"/>
+                        <a:t>adding two users to game and starting it</a:t>
+                      </a:r>
+                      <a:endParaRPr lang="en-US" dirty="0"/>
+                    </a:p>
+                  </a:txBody>
+                  <a:tcPr/>
+                </a:tc>
+              </a:tr>
+              <a:tr h="370840">
+                <a:tc>
+                  <a:txBody>
+                    <a:bodyPr/>
+                    <a:lstStyle/>
+                    <a:p>
+                      <a:pPr algn="ctr"/>
+                      <a:r>
+                        <a:rPr lang="en-US" dirty="0" smtClean="0"/>
+                        <a:t>3</a:t>
+                      </a:r>
+                      <a:endParaRPr lang="en-US" dirty="0"/>
+                    </a:p>
+                  </a:txBody>
+                  <a:tcPr/>
+                </a:tc>
+                <a:tc>
+                  <a:txBody>
+                    <a:bodyPr/>
+                    <a:lstStyle/>
+                    <a:p>
+                      <a:pPr algn="ctr"/>
+                      <a:r>
+                        <a:rPr lang="en-US" dirty="0" smtClean="0"/>
+                        <a:t>Reports the snake status to server</a:t>
+                      </a:r>
+                      <a:endParaRPr lang="en-US" dirty="0"/>
+                    </a:p>
+                  </a:txBody>
+                  <a:tcPr/>
+                </a:tc>
+              </a:tr>
+              <a:tr h="370840">
+                <a:tc>
+                  <a:txBody>
+                    <a:bodyPr/>
+                    <a:lstStyle/>
+                    <a:p>
+                      <a:pPr algn="ctr"/>
+                      <a:r>
+                        <a:rPr lang="en-US" dirty="0" smtClean="0"/>
+                        <a:t>4</a:t>
+                      </a:r>
+                      <a:endParaRPr lang="en-US" dirty="0"/>
+                    </a:p>
+                  </a:txBody>
+                  <a:tcPr/>
+                </a:tc>
+                <a:tc>
+                  <a:txBody>
+                    <a:bodyPr/>
+                    <a:lstStyle/>
+                    <a:p>
+                      <a:pPr algn="ctr"/>
+                      <a:r>
+                        <a:rPr lang="en-US" dirty="0" smtClean="0"/>
+                        <a:t>food acquired signal</a:t>
+                      </a:r>
+                      <a:endParaRPr lang="en-US" dirty="0"/>
+                    </a:p>
+                  </a:txBody>
+                  <a:tcPr/>
+                </a:tc>
+              </a:tr>
+              <a:tr h="370840">
+                <a:tc>
+                  <a:txBody>
+                    <a:bodyPr/>
+                    <a:lstStyle/>
+                    <a:p>
+                      <a:pPr algn="ctr"/>
+                      <a:r>
+                        <a:rPr lang="en-US" dirty="0" smtClean="0"/>
+                        <a:t>5</a:t>
+                      </a:r>
+                      <a:endParaRPr lang="en-US" dirty="0"/>
+                    </a:p>
+                  </a:txBody>
+                  <a:tcPr/>
+                </a:tc>
+                <a:tc>
+                  <a:txBody>
+                    <a:bodyPr/>
+                    <a:lstStyle/>
+                    <a:p>
+                      <a:pPr algn="ctr"/>
+                      <a:r>
+                        <a:rPr lang="en-US" dirty="0" smtClean="0"/>
+                        <a:t>Report the </a:t>
+                      </a:r>
+                      <a:r>
+                        <a:rPr lang="en-US" dirty="0" err="1" smtClean="0"/>
+                        <a:t>addBodyPart</a:t>
+                      </a:r>
+                      <a:r>
+                        <a:rPr lang="en-US" dirty="0" smtClean="0"/>
+                        <a:t> or </a:t>
+                      </a:r>
+                      <a:r>
+                        <a:rPr lang="en-US" dirty="0" err="1" smtClean="0"/>
+                        <a:t>removeBodyPart</a:t>
+                      </a:r>
+                      <a:r>
+                        <a:rPr lang="en-US" dirty="0" smtClean="0"/>
+                        <a:t> Operation</a:t>
+                      </a:r>
+                      <a:endParaRPr lang="en-US" dirty="0"/>
+                    </a:p>
+                  </a:txBody>
+                  <a:tcPr/>
+                </a:tc>
+              </a:tr>
+              <a:tr h="370840">
+                <a:tc>
+                  <a:txBody>
+                    <a:bodyPr/>
+                    <a:lstStyle/>
+                    <a:p>
+                      <a:pPr algn="ctr"/>
+                      <a:r>
+                        <a:rPr lang="en-US" dirty="0" smtClean="0"/>
+                        <a:t>6</a:t>
+                      </a:r>
+                      <a:endParaRPr lang="en-US" dirty="0"/>
+                    </a:p>
+                  </a:txBody>
+                  <a:tcPr/>
+                </a:tc>
+                <a:tc>
+                  <a:txBody>
+                    <a:bodyPr/>
+                    <a:lstStyle/>
+                    <a:p>
+                      <a:pPr algn="ctr"/>
+                      <a:r>
+                        <a:rPr lang="en-US" dirty="0" smtClean="0"/>
+                        <a:t>save the current snake to database</a:t>
+                      </a:r>
+                      <a:endParaRPr lang="en-US" dirty="0"/>
+                    </a:p>
+                  </a:txBody>
+                  <a:tcPr/>
+                </a:tc>
+              </a:tr>
+              <a:tr h="370840">
+                <a:tc>
+                  <a:txBody>
+                    <a:bodyPr/>
+                    <a:lstStyle/>
+                    <a:p>
+                      <a:pPr algn="ctr"/>
+                      <a:r>
+                        <a:rPr lang="en-US" dirty="0" smtClean="0"/>
+                        <a:t>7</a:t>
+                      </a:r>
+                      <a:endParaRPr lang="en-US" dirty="0"/>
+                    </a:p>
+                  </a:txBody>
+                  <a:tcPr/>
+                </a:tc>
+                <a:tc>
+                  <a:txBody>
+                    <a:bodyPr/>
+                    <a:lstStyle/>
+                    <a:p>
+                      <a:pPr algn="ctr"/>
+                      <a:r>
+                        <a:rPr lang="en-US" dirty="0" smtClean="0"/>
+                        <a:t>flag reset signal</a:t>
+                      </a:r>
+                      <a:endParaRPr lang="en-US" dirty="0"/>
+                    </a:p>
+                  </a:txBody>
+                  <a:tcPr/>
+                </a:tc>
+              </a:tr>
+              <a:tr h="370840">
+                <a:tc>
+                  <a:txBody>
+                    <a:bodyPr/>
+                    <a:lstStyle/>
+                    <a:p>
+                      <a:pPr algn="ctr"/>
+                      <a:r>
+                        <a:rPr lang="en-US" dirty="0" smtClean="0"/>
+                        <a:t>8</a:t>
+                      </a:r>
+                      <a:endParaRPr lang="en-US" dirty="0"/>
+                    </a:p>
+                  </a:txBody>
+                  <a:tcPr/>
+                </a:tc>
+                <a:tc>
+                  <a:txBody>
+                    <a:bodyPr/>
+                    <a:lstStyle/>
+                    <a:p>
+                      <a:pPr algn="ctr"/>
+                      <a:r>
+                        <a:rPr lang="en-US" dirty="0" smtClean="0"/>
+                        <a:t>game end signal</a:t>
+                      </a:r>
+                      <a:endParaRPr lang="en-US" dirty="0"/>
+                    </a:p>
+                  </a:txBody>
+                  <a:tcPr/>
+                </a:tc>
+              </a:tr>
+            </a:tbl>
+          </a:graphicData>
+        </a:graphic>
+      </p:graphicFrame>
+    </p:spTree>
+  </p:cSld>
+  <p:clrMapOvr>
+    <a:masterClrMapping/>
+  </p:clrMapOvr>
+</p:sld>
+</file>
+
+<file path=ppt/slides/slide19.xml><?xml version="1.0" encoding="utf-8"?>
+<p:sld xmlns:a="http://schemas.openxmlformats.org/drawingml/2006/main" xmlns:r="http://schemas.openxmlformats.org/officeDocument/2006/relationships" xmlns:p="http://schemas.openxmlformats.org/presentationml/2006/main">
+  <p:cSld>
+    <p:spTree>
+      <p:nvGrpSpPr>
+        <p:cNvPr id="1" name=""/>
+        <p:cNvGrpSpPr/>
+        <p:nvPr/>
+      </p:nvGrpSpPr>
+      <p:grpSpPr>
+        <a:xfrm>
+          <a:off x="0" y="0"/>
+          <a:ext cx="0" cy="0"/>
+          <a:chOff x="0" y="0"/>
+          <a:chExt cx="0" cy="0"/>
+        </a:xfrm>
+      </p:grpSpPr>
+      <p:sp>
+        <p:nvSpPr>
           <p:cNvPr id="2" name="TextBox 1"/>
           <p:cNvSpPr txBox="1"/>
           <p:nvPr/>
@@ -3450,138 +6428,73 @@
       </p:grpSpPr>
       <p:sp>
         <p:nvSpPr>
-          <p:cNvPr id="2" name="TextBox 1"/>
-          <p:cNvSpPr txBox="1"/>
-          <p:nvPr/>
-        </p:nvSpPr>
-        <p:spPr>
-          <a:xfrm>
-            <a:off x="304800" y="304800"/>
-            <a:ext cx="8458200" cy="523220"/>
-          </a:xfrm>
-          <a:prstGeom prst="rect">
-            <a:avLst/>
-          </a:prstGeom>
-        </p:spPr>
-        <p:style>
-          <a:lnRef idx="2">
-            <a:schemeClr val="dk1"/>
-          </a:lnRef>
-          <a:fillRef idx="1">
-            <a:schemeClr val="lt1"/>
-          </a:fillRef>
-          <a:effectRef idx="0">
-            <a:schemeClr val="dk1"/>
-          </a:effectRef>
-          <a:fontRef idx="minor">
-            <a:schemeClr val="dk1"/>
-          </a:fontRef>
-        </p:style>
-        <p:txBody>
-          <a:bodyPr wrap="square" rtlCol="0">
-            <a:spAutoFit/>
+          <p:cNvPr id="2" name="Title 1"/>
+          <p:cNvSpPr>
+            <a:spLocks noGrp="1"/>
+          </p:cNvSpPr>
+          <p:nvPr>
+            <p:ph type="title"/>
+          </p:nvPr>
+        </p:nvSpPr>
+        <p:spPr/>
+        <p:txBody>
+          <a:bodyPr/>
+          <a:lstStyle/>
+          <a:p>
+            <a:r>
+              <a:rPr lang="en-US" dirty="0" smtClean="0"/>
+              <a:t>SCOPE AND JUSTIFICATION</a:t>
+            </a:r>
+            <a:endParaRPr lang="en-US" dirty="0"/>
+          </a:p>
+        </p:txBody>
+      </p:sp>
+      <p:sp>
+        <p:nvSpPr>
+          <p:cNvPr id="3" name="Content Placeholder 2"/>
+          <p:cNvSpPr>
+            <a:spLocks noGrp="1"/>
+          </p:cNvSpPr>
+          <p:nvPr>
+            <p:ph idx="1"/>
+          </p:nvPr>
+        </p:nvSpPr>
+        <p:spPr/>
+        <p:txBody>
+          <a:bodyPr>
+            <a:normAutofit lnSpcReduction="10000"/>
           </a:bodyPr>
           <a:lstStyle/>
           <a:p>
-            <a:r>
-              <a:rPr lang="en-US" sz="2800" dirty="0" smtClean="0"/>
-              <a:t>SINGLE PLAYER SNAKE GAME:</a:t>
-            </a:r>
-            <a:endParaRPr lang="en-US" sz="2800" dirty="0"/>
-          </a:p>
-        </p:txBody>
-      </p:sp>
-      <p:sp>
-        <p:nvSpPr>
-          <p:cNvPr id="3" name="TextBox 2"/>
-          <p:cNvSpPr txBox="1"/>
-          <p:nvPr/>
-        </p:nvSpPr>
-        <p:spPr>
-          <a:xfrm>
-            <a:off x="381000" y="1143000"/>
-            <a:ext cx="8305800" cy="4893647"/>
-          </a:xfrm>
-          <a:prstGeom prst="rect">
-            <a:avLst/>
-          </a:prstGeom>
-          <a:noFill/>
-        </p:spPr>
-        <p:txBody>
-          <a:bodyPr wrap="square" rtlCol="0">
-            <a:spAutoFit/>
-          </a:bodyPr>
-          <a:lstStyle/>
-          <a:p>
-            <a:pPr>
+            <a:pPr lvl="1">
               <a:buFont typeface="Arial" pitchFamily="34" charset="0"/>
               <a:buChar char="•"/>
             </a:pPr>
             <a:r>
-              <a:rPr lang="en-US" sz="2400" dirty="0" smtClean="0"/>
-              <a:t> Game board  consist of 2 dimensional space which has walls at the borders.</a:t>
-            </a:r>
-          </a:p>
-          <a:p>
-            <a:endParaRPr lang="en-US" sz="2400" dirty="0" smtClean="0"/>
-          </a:p>
-          <a:p>
-            <a:pPr>
+              <a:rPr lang="en-US" dirty="0" smtClean="0"/>
+              <a:t>To collect the data from user using a snake game and develop computer that plays like a human player </a:t>
+            </a:r>
+          </a:p>
+          <a:p>
+            <a:pPr lvl="1">
               <a:buFont typeface="Arial" pitchFamily="34" charset="0"/>
               <a:buChar char="•"/>
             </a:pPr>
             <a:r>
-              <a:rPr lang="en-US" sz="2400" dirty="0" smtClean="0"/>
-              <a:t> An User’s Snake is allowed to move around the 2-D space without dashing the wall.</a:t>
-            </a:r>
-          </a:p>
-          <a:p>
-            <a:endParaRPr lang="en-US" sz="2400" dirty="0" smtClean="0"/>
-          </a:p>
-          <a:p>
-            <a:pPr>
+              <a:rPr lang="en-US" dirty="0" smtClean="0"/>
+              <a:t>In this project the snake can detect shortest the path to the co-ordinates of the food and can predict the opponents move make a counter move escape from players attack.</a:t>
+            </a:r>
+          </a:p>
+          <a:p>
+            <a:pPr lvl="1">
               <a:buFont typeface="Arial" pitchFamily="34" charset="0"/>
               <a:buChar char="•"/>
             </a:pPr>
             <a:r>
-              <a:rPr lang="en-US" sz="2400" dirty="0" smtClean="0"/>
-              <a:t> A symbol denoting the food will randomly paced anywhere in the 2-D space.</a:t>
-            </a:r>
-          </a:p>
-          <a:p>
-            <a:endParaRPr lang="en-US" sz="2400" dirty="0" smtClean="0"/>
-          </a:p>
-          <a:p>
-            <a:pPr>
-              <a:buFont typeface="Arial" pitchFamily="34" charset="0"/>
-              <a:buChar char="•"/>
-            </a:pPr>
-            <a:r>
-              <a:rPr lang="en-US" sz="2400" dirty="0"/>
-              <a:t> </a:t>
-            </a:r>
-            <a:r>
-              <a:rPr lang="en-US" sz="2400" dirty="0" smtClean="0"/>
-              <a:t>If the user catch the food, length of the snake body increases</a:t>
-            </a:r>
-          </a:p>
-          <a:p>
-            <a:endParaRPr lang="en-US" sz="2400" dirty="0" smtClean="0"/>
-          </a:p>
-          <a:p>
-            <a:pPr>
-              <a:buFont typeface="Arial" pitchFamily="34" charset="0"/>
-              <a:buChar char="•"/>
-            </a:pPr>
-            <a:r>
-              <a:rPr lang="en-US" sz="2400" dirty="0"/>
-              <a:t> </a:t>
-            </a:r>
-            <a:r>
-              <a:rPr lang="en-US" sz="2400" dirty="0" smtClean="0"/>
-              <a:t>The food will be available only for few seconds.</a:t>
-            </a:r>
-            <a:endParaRPr lang="en-US" sz="2400" dirty="0"/>
+              <a:rPr lang="en-US" dirty="0" smtClean="0"/>
+              <a:t>The need to implement this project is to add feature to game by introducing a computer snake which can make more interesting.</a:t>
+            </a:r>
+            <a:endParaRPr lang="en-US" dirty="0"/>
           </a:p>
         </p:txBody>
       </p:sp>
@@ -3590,13 +6503,6 @@
   <p:clrMapOvr>
     <a:masterClrMapping/>
   </p:clrMapOvr>
-  <p:timing>
-    <p:tnLst>
-      <p:par>
-        <p:cTn id="1" dur="indefinite" restart="never" nodeType="tmRoot"/>
-      </p:par>
-    </p:tnLst>
-  </p:timing>
 </p:sld>
 </file>
 
@@ -3625,8 +6531,8 @@
         </p:nvSpPr>
         <p:spPr>
           <a:xfrm>
-            <a:off x="457200" y="381000"/>
-            <a:ext cx="8001000" cy="461665"/>
+            <a:off x="304800" y="304800"/>
+            <a:ext cx="8458200" cy="523220"/>
           </a:xfrm>
           <a:prstGeom prst="rect">
             <a:avLst/>
@@ -3653,18 +6559,10 @@
           <a:lstStyle/>
           <a:p>
             <a:r>
-              <a:rPr lang="en-US" sz="2400" dirty="0" smtClean="0">
-                <a:solidFill>
-                  <a:schemeClr val="tx1"/>
-                </a:solidFill>
-              </a:rPr>
-              <a:t>WINNING STAGE FOR SINGLE PLAYER GAME MODE</a:t>
-            </a:r>
-            <a:endParaRPr lang="en-US" sz="2400" dirty="0">
-              <a:solidFill>
-                <a:schemeClr val="tx1"/>
-              </a:solidFill>
-            </a:endParaRPr>
+              <a:rPr lang="en-US" sz="2800" dirty="0" smtClean="0"/>
+              <a:t>SINGLE PLAYER SNAKE GAME:</a:t>
+            </a:r>
+            <a:endParaRPr lang="en-US" sz="2800" dirty="0"/>
           </a:p>
         </p:txBody>
       </p:sp>
@@ -3676,8 +6574,8 @@
         </p:nvSpPr>
         <p:spPr>
           <a:xfrm>
-            <a:off x="457200" y="1295400"/>
-            <a:ext cx="8001000" cy="1938992"/>
+            <a:off x="381000" y="1143000"/>
+            <a:ext cx="8305800" cy="4893647"/>
           </a:xfrm>
           <a:prstGeom prst="rect">
             <a:avLst/>
@@ -3695,16 +6593,25 @@
               <a:buChar char="•"/>
             </a:pPr>
             <a:r>
-              <a:rPr lang="en-US" sz="2000" dirty="0" smtClean="0"/>
-              <a:t> There is no exact ending point for this mode ,The player can continue playing as long as he did not hit the wall or bites his own snake body.</a:t>
-            </a:r>
+              <a:rPr lang="en-US" sz="2400" dirty="0" smtClean="0"/>
+              <a:t> Game board  consist of 2 dimensional space which has walls at the borders.</a:t>
+            </a:r>
+          </a:p>
+          <a:p>
+            <a:endParaRPr lang="en-US" sz="2400" dirty="0" smtClean="0"/>
           </a:p>
           <a:p>
             <a:pPr>
               <a:buFont typeface="Arial" pitchFamily="34" charset="0"/>
               <a:buChar char="•"/>
             </a:pPr>
-            <a:endParaRPr lang="en-US" sz="2000" dirty="0" smtClean="0"/>
+            <a:r>
+              <a:rPr lang="en-US" sz="2400" dirty="0" smtClean="0"/>
+              <a:t> An User’s Snake is allowed to move around the 2-D space without dashing the wall.</a:t>
+            </a:r>
+          </a:p>
+          <a:p>
+            <a:endParaRPr lang="en-US" sz="2400" dirty="0" smtClean="0"/>
           </a:p>
           <a:p>
             <a:pPr>
@@ -3712,73 +6619,47 @@
               <a:buChar char="•"/>
             </a:pPr>
             <a:r>
-              <a:rPr lang="en-US" sz="2000" dirty="0" smtClean="0"/>
-              <a:t> So the major challenge in this type of game is to decide the correct path to get the food and to continue survival.</a:t>
-            </a:r>
-            <a:endParaRPr lang="en-US" sz="2000" dirty="0"/>
-          </a:p>
-        </p:txBody>
-      </p:sp>
-      <p:pic>
-        <p:nvPicPr>
-          <p:cNvPr id="4" name="Picture 3" descr="game over 1.png"/>
-          <p:cNvPicPr>
-            <a:picLocks noChangeAspect="1"/>
-          </p:cNvPicPr>
-          <p:nvPr/>
-        </p:nvPicPr>
-        <p:blipFill>
-          <a:blip r:embed="rId2"/>
-          <a:stretch>
-            <a:fillRect/>
-          </a:stretch>
-        </p:blipFill>
-        <p:spPr>
-          <a:xfrm>
-            <a:off x="457200" y="3810000"/>
-            <a:ext cx="3930316" cy="2286000"/>
-          </a:xfrm>
-          <a:prstGeom prst="rect">
-            <a:avLst/>
-          </a:prstGeom>
-          <a:ln>
-            <a:noFill/>
-          </a:ln>
-          <a:effectLst>
-            <a:softEdge rad="112500"/>
-          </a:effectLst>
-        </p:spPr>
-      </p:pic>
-      <p:pic>
-        <p:nvPicPr>
-          <p:cNvPr id="5" name="Picture 4" descr="game over 2.png"/>
-          <p:cNvPicPr>
-            <a:picLocks noChangeAspect="1"/>
-          </p:cNvPicPr>
-          <p:nvPr/>
-        </p:nvPicPr>
-        <p:blipFill>
-          <a:blip r:embed="rId3"/>
-          <a:stretch>
-            <a:fillRect/>
-          </a:stretch>
-        </p:blipFill>
-        <p:spPr>
-          <a:xfrm>
-            <a:off x="4724400" y="3886200"/>
-            <a:ext cx="3797300" cy="2133600"/>
-          </a:xfrm>
-          <a:prstGeom prst="rect">
-            <a:avLst/>
-          </a:prstGeom>
-          <a:ln>
-            <a:noFill/>
-          </a:ln>
-          <a:effectLst>
-            <a:softEdge rad="112500"/>
-          </a:effectLst>
-        </p:spPr>
-      </p:pic>
+              <a:rPr lang="en-US" sz="2400" dirty="0" smtClean="0"/>
+              <a:t> A symbol denoting the food will randomly paced anywhere in the 2-D space.</a:t>
+            </a:r>
+          </a:p>
+          <a:p>
+            <a:endParaRPr lang="en-US" sz="2400" dirty="0" smtClean="0"/>
+          </a:p>
+          <a:p>
+            <a:pPr>
+              <a:buFont typeface="Arial" pitchFamily="34" charset="0"/>
+              <a:buChar char="•"/>
+            </a:pPr>
+            <a:r>
+              <a:rPr lang="en-US" sz="2400" dirty="0"/>
+              <a:t> </a:t>
+            </a:r>
+            <a:r>
+              <a:rPr lang="en-US" sz="2400" dirty="0" smtClean="0"/>
+              <a:t>If the user catch the food, length of the snake body increases</a:t>
+            </a:r>
+          </a:p>
+          <a:p>
+            <a:endParaRPr lang="en-US" sz="2400" dirty="0" smtClean="0"/>
+          </a:p>
+          <a:p>
+            <a:pPr>
+              <a:buFont typeface="Arial" pitchFamily="34" charset="0"/>
+              <a:buChar char="•"/>
+            </a:pPr>
+            <a:r>
+              <a:rPr lang="en-US" sz="2400" dirty="0"/>
+              <a:t> </a:t>
+            </a:r>
+            <a:r>
+              <a:rPr lang="en-US" sz="2400" dirty="0" smtClean="0"/>
+              <a:t>The food will be available only for few seconds.</a:t>
+            </a:r>
+            <a:endParaRPr lang="en-US" sz="2400" dirty="0"/>
+          </a:p>
+        </p:txBody>
+      </p:sp>
     </p:spTree>
   </p:cSld>
   <p:clrMapOvr>
@@ -3819,8 +6700,8 @@
         </p:nvSpPr>
         <p:spPr>
           <a:xfrm>
-            <a:off x="457200" y="457200"/>
-            <a:ext cx="7696200" cy="523220"/>
+            <a:off x="457200" y="381000"/>
+            <a:ext cx="8001000" cy="461665"/>
           </a:xfrm>
           <a:prstGeom prst="rect">
             <a:avLst/>
@@ -3847,10 +6728,18 @@
           <a:lstStyle/>
           <a:p>
             <a:r>
-              <a:rPr lang="en-US" sz="2800" dirty="0" smtClean="0"/>
-              <a:t>ANOTHER BIG CHALLENEGE</a:t>
-            </a:r>
-            <a:endParaRPr lang="en-US" sz="2800" dirty="0"/>
+              <a:rPr lang="en-US" sz="2400" dirty="0" smtClean="0">
+                <a:solidFill>
+                  <a:schemeClr val="tx1"/>
+                </a:solidFill>
+              </a:rPr>
+              <a:t>WINNING STAGE FOR SINGLE PLAYER GAME MODE</a:t>
+            </a:r>
+            <a:endParaRPr lang="en-US" sz="2400" dirty="0">
+              <a:solidFill>
+                <a:schemeClr val="tx1"/>
+              </a:solidFill>
+            </a:endParaRPr>
           </a:p>
         </p:txBody>
       </p:sp>
@@ -3862,8 +6751,8 @@
         </p:nvSpPr>
         <p:spPr>
           <a:xfrm>
-            <a:off x="533400" y="1371600"/>
-            <a:ext cx="7467600" cy="1200329"/>
+            <a:off x="457200" y="1295400"/>
+            <a:ext cx="8001000" cy="1938992"/>
           </a:xfrm>
           <a:prstGeom prst="rect">
             <a:avLst/>
@@ -3881,33 +6770,33 @@
               <a:buChar char="•"/>
             </a:pPr>
             <a:r>
-              <a:rPr lang="en-US" sz="2400" dirty="0" smtClean="0"/>
-              <a:t> Playing the same snake game with obstacles.</a:t>
-            </a:r>
-          </a:p>
-          <a:p>
-            <a:endParaRPr lang="en-US" sz="2400" dirty="0" smtClean="0"/>
+              <a:rPr lang="en-US" sz="2000" dirty="0" smtClean="0"/>
+              <a:t> There is no exact ending point for this mode ,The player can continue playing as long as he did not hit the wall or bites his own snake body.</a:t>
+            </a:r>
           </a:p>
           <a:p>
             <a:pPr>
               <a:buFont typeface="Arial" pitchFamily="34" charset="0"/>
               <a:buChar char="•"/>
             </a:pPr>
-            <a:r>
-              <a:rPr lang="en-US" sz="2400" dirty="0"/>
-              <a:t> </a:t>
-            </a:r>
-            <a:r>
-              <a:rPr lang="en-US" sz="2400" dirty="0" smtClean="0"/>
-              <a:t>Here the obstacle play the role similar to walls</a:t>
-            </a:r>
-            <a:endParaRPr lang="en-US" sz="2400" dirty="0"/>
+            <a:endParaRPr lang="en-US" sz="2000" dirty="0" smtClean="0"/>
+          </a:p>
+          <a:p>
+            <a:pPr>
+              <a:buFont typeface="Arial" pitchFamily="34" charset="0"/>
+              <a:buChar char="•"/>
+            </a:pPr>
+            <a:r>
+              <a:rPr lang="en-US" sz="2000" dirty="0" smtClean="0"/>
+              <a:t> So the major challenge in this type of game is to decide the correct path to get the food and to continue survival.</a:t>
+            </a:r>
+            <a:endParaRPr lang="en-US" sz="2000" dirty="0"/>
           </a:p>
         </p:txBody>
       </p:sp>
       <p:pic>
         <p:nvPicPr>
-          <p:cNvPr id="4" name="Picture 3" descr="with obstacles.jpg"/>
+          <p:cNvPr id="4" name="Picture 3" descr="game over 1.png"/>
           <p:cNvPicPr>
             <a:picLocks noChangeAspect="1"/>
           </p:cNvPicPr>
@@ -3921,17 +6810,23 @@
         </p:blipFill>
         <p:spPr>
           <a:xfrm>
-            <a:off x="228600" y="3276600"/>
-            <a:ext cx="4429672" cy="2667000"/>
+            <a:off x="457200" y="3810000"/>
+            <a:ext cx="3930316" cy="2286000"/>
           </a:xfrm>
           <a:prstGeom prst="rect">
             <a:avLst/>
           </a:prstGeom>
+          <a:ln>
+            <a:noFill/>
+          </a:ln>
+          <a:effectLst>
+            <a:softEdge rad="112500"/>
+          </a:effectLst>
         </p:spPr>
       </p:pic>
       <p:pic>
         <p:nvPicPr>
-          <p:cNvPr id="5" name="Picture 4" descr="with obstacles 1.png"/>
+          <p:cNvPr id="5" name="Picture 4" descr="game over 2.png"/>
           <p:cNvPicPr>
             <a:picLocks noChangeAspect="1"/>
           </p:cNvPicPr>
@@ -3945,12 +6840,18 @@
         </p:blipFill>
         <p:spPr>
           <a:xfrm>
-            <a:off x="5029200" y="3276599"/>
-            <a:ext cx="3810000" cy="2682593"/>
+            <a:off x="4724400" y="3886200"/>
+            <a:ext cx="3797300" cy="2133600"/>
           </a:xfrm>
           <a:prstGeom prst="rect">
             <a:avLst/>
           </a:prstGeom>
+          <a:ln>
+            <a:noFill/>
+          </a:ln>
+          <a:effectLst>
+            <a:softEdge rad="112500"/>
+          </a:effectLst>
         </p:spPr>
       </p:pic>
     </p:spTree>
@@ -3993,8 +6894,8 @@
         </p:nvSpPr>
         <p:spPr>
           <a:xfrm>
-            <a:off x="304800" y="304800"/>
-            <a:ext cx="7772400" cy="461665"/>
+            <a:off x="457200" y="457200"/>
+            <a:ext cx="7696200" cy="523220"/>
           </a:xfrm>
           <a:prstGeom prst="rect">
             <a:avLst/>
@@ -4021,10 +6922,10 @@
           <a:lstStyle/>
           <a:p>
             <a:r>
-              <a:rPr lang="en-US" sz="2400" dirty="0" smtClean="0"/>
-              <a:t>ROLE OF AI IN SINGLE PLAYERE MODE</a:t>
-            </a:r>
-            <a:endParaRPr lang="en-US" sz="2400" dirty="0"/>
+              <a:rPr lang="en-US" sz="2800" dirty="0" smtClean="0"/>
+              <a:t>ANOTHER BIG CHALLENEGE</a:t>
+            </a:r>
+            <a:endParaRPr lang="en-US" sz="2800" dirty="0"/>
           </a:p>
         </p:txBody>
       </p:sp>
@@ -4036,8 +6937,8 @@
         </p:nvSpPr>
         <p:spPr>
           <a:xfrm>
-            <a:off x="381000" y="1066800"/>
-            <a:ext cx="8001000" cy="3046988"/>
+            <a:off x="533400" y="1371600"/>
+            <a:ext cx="7467600" cy="1200329"/>
           </a:xfrm>
           <a:prstGeom prst="rect">
             <a:avLst/>
@@ -4056,41 +6957,24 @@
             </a:pPr>
             <a:r>
               <a:rPr lang="en-US" sz="2400" dirty="0" smtClean="0"/>
-              <a:t> To find the optimal path to reach the food Co-ordinate with out hitting the wall or biting the body.</a:t>
-            </a:r>
+              <a:t> Playing the same snake game with obstacles.</a:t>
+            </a:r>
+          </a:p>
+          <a:p>
+            <a:endParaRPr lang="en-US" sz="2400" dirty="0" smtClean="0"/>
           </a:p>
           <a:p>
             <a:pPr>
               <a:buFont typeface="Arial" pitchFamily="34" charset="0"/>
               <a:buChar char="•"/>
             </a:pPr>
-            <a:endParaRPr lang="en-US" sz="2400" dirty="0"/>
-          </a:p>
-          <a:p>
-            <a:pPr>
-              <a:buFont typeface="Arial" pitchFamily="34" charset="0"/>
-              <a:buChar char="•"/>
-            </a:pPr>
+            <a:r>
+              <a:rPr lang="en-US" sz="2400" dirty="0"/>
+              <a:t> </a:t>
+            </a:r>
             <a:r>
               <a:rPr lang="en-US" sz="2400" dirty="0" smtClean="0"/>
-              <a:t> To avoid the failing situations and to increase the survival time .</a:t>
-            </a:r>
-          </a:p>
-          <a:p>
-            <a:pPr>
-              <a:buFont typeface="Arial" pitchFamily="34" charset="0"/>
-              <a:buChar char="•"/>
-            </a:pPr>
-            <a:endParaRPr lang="en-US" sz="2400" dirty="0"/>
-          </a:p>
-          <a:p>
-            <a:pPr>
-              <a:buFont typeface="Arial" pitchFamily="34" charset="0"/>
-              <a:buChar char="•"/>
-            </a:pPr>
-            <a:r>
-              <a:rPr lang="en-US" sz="2400" dirty="0" smtClean="0"/>
-              <a:t> To find a path that leads the snake to food by avoiding the obstacles.</a:t>
+              <a:t>Here the obstacle play the role similar to walls</a:t>
             </a:r>
             <a:endParaRPr lang="en-US" sz="2400" dirty="0"/>
           </a:p>
@@ -4098,7 +6982,7 @@
       </p:sp>
       <p:pic>
         <p:nvPicPr>
-          <p:cNvPr id="5" name="Picture 4" descr="snake game.gif"/>
+          <p:cNvPr id="4" name="Picture 3" descr="with obstacles.jpg"/>
           <p:cNvPicPr>
             <a:picLocks noChangeAspect="1"/>
           </p:cNvPicPr>
@@ -4112,8 +6996,32 @@
         </p:blipFill>
         <p:spPr>
           <a:xfrm>
-            <a:off x="4343400" y="3886200"/>
-            <a:ext cx="4419600" cy="2971800"/>
+            <a:off x="228600" y="3276600"/>
+            <a:ext cx="4429672" cy="2667000"/>
+          </a:xfrm>
+          <a:prstGeom prst="rect">
+            <a:avLst/>
+          </a:prstGeom>
+        </p:spPr>
+      </p:pic>
+      <p:pic>
+        <p:nvPicPr>
+          <p:cNvPr id="5" name="Picture 4" descr="with obstacles 1.png"/>
+          <p:cNvPicPr>
+            <a:picLocks noChangeAspect="1"/>
+          </p:cNvPicPr>
+          <p:nvPr/>
+        </p:nvPicPr>
+        <p:blipFill>
+          <a:blip r:embed="rId3"/>
+          <a:stretch>
+            <a:fillRect/>
+          </a:stretch>
+        </p:blipFill>
+        <p:spPr>
+          <a:xfrm>
+            <a:off x="5029200" y="3276599"/>
+            <a:ext cx="3810000" cy="2682593"/>
           </a:xfrm>
           <a:prstGeom prst="rect">
             <a:avLst/>
@@ -4160,8 +7068,8 @@
         </p:nvSpPr>
         <p:spPr>
           <a:xfrm>
-            <a:off x="228600" y="381000"/>
-            <a:ext cx="8229600" cy="523220"/>
+            <a:off x="304800" y="304800"/>
+            <a:ext cx="7772400" cy="461665"/>
           </a:xfrm>
           <a:prstGeom prst="rect">
             <a:avLst/>
@@ -4188,10 +7096,10 @@
           <a:lstStyle/>
           <a:p>
             <a:r>
-              <a:rPr lang="en-US" sz="2800" dirty="0" smtClean="0"/>
-              <a:t>ALGORITHMS TO FIND SHORTEST PATH </a:t>
-            </a:r>
-            <a:endParaRPr lang="en-US" sz="2800" dirty="0"/>
+              <a:rPr lang="en-US" sz="2400" dirty="0" smtClean="0"/>
+              <a:t>ROLE OF AI IN SINGLE PLAYERE MODE</a:t>
+            </a:r>
+            <a:endParaRPr lang="en-US" sz="2400" dirty="0"/>
           </a:p>
         </p:txBody>
       </p:sp>
@@ -4203,8 +7111,8 @@
         </p:nvSpPr>
         <p:spPr>
           <a:xfrm>
-            <a:off x="304800" y="1295400"/>
-            <a:ext cx="8382000" cy="1938992"/>
+            <a:off x="381000" y="1066800"/>
+            <a:ext cx="8001000" cy="3046988"/>
           </a:xfrm>
           <a:prstGeom prst="rect">
             <a:avLst/>
@@ -4217,39 +7125,47 @@
           </a:bodyPr>
           <a:lstStyle/>
           <a:p>
-            <a:pPr marL="342900" indent="-342900">
-              <a:buFont typeface="+mj-lt"/>
-              <a:buAutoNum type="arabicPeriod"/>
-            </a:pPr>
-            <a:r>
-              <a:rPr lang="en-US" sz="2400" dirty="0"/>
-              <a:t> </a:t>
-            </a:r>
+            <a:pPr>
+              <a:buFont typeface="Arial" pitchFamily="34" charset="0"/>
+              <a:buChar char="•"/>
+            </a:pPr>
             <a:r>
               <a:rPr lang="en-US" sz="2400" dirty="0" smtClean="0"/>
-              <a:t>Greedy Path Finder</a:t>
-            </a:r>
-          </a:p>
-          <a:p>
-            <a:pPr marL="342900" indent="-342900"/>
-            <a:endParaRPr lang="en-US" sz="2400" dirty="0" smtClean="0"/>
-          </a:p>
-          <a:p>
-            <a:pPr marL="342900" indent="-342900"/>
+              <a:t> To find the optimal path to reach the food Co-ordinate with out hitting the wall or biting the body.</a:t>
+            </a:r>
+          </a:p>
+          <a:p>
+            <a:pPr>
+              <a:buFont typeface="Arial" pitchFamily="34" charset="0"/>
+              <a:buChar char="•"/>
+            </a:pPr>
+            <a:endParaRPr lang="en-US" sz="2400" dirty="0"/>
+          </a:p>
+          <a:p>
+            <a:pPr>
+              <a:buFont typeface="Arial" pitchFamily="34" charset="0"/>
+              <a:buChar char="•"/>
+            </a:pPr>
             <a:r>
               <a:rPr lang="en-US" sz="2400" dirty="0" smtClean="0"/>
-              <a:t>2.  Hamilton Path finder</a:t>
-            </a:r>
-          </a:p>
-          <a:p>
-            <a:pPr marL="342900" indent="-342900"/>
-            <a:endParaRPr lang="en-US" sz="2400" dirty="0" smtClean="0"/>
-          </a:p>
-          <a:p>
-            <a:pPr marL="342900" indent="-342900"/>
+              <a:t> To avoid the failing situations and to increase the survival time .</a:t>
+            </a:r>
+          </a:p>
+          <a:p>
+            <a:pPr>
+              <a:buFont typeface="Arial" pitchFamily="34" charset="0"/>
+              <a:buChar char="•"/>
+            </a:pPr>
+            <a:endParaRPr lang="en-US" sz="2400" dirty="0"/>
+          </a:p>
+          <a:p>
+            <a:pPr>
+              <a:buFont typeface="Arial" pitchFamily="34" charset="0"/>
+              <a:buChar char="•"/>
+            </a:pPr>
             <a:r>
               <a:rPr lang="en-US" sz="2400" dirty="0" smtClean="0"/>
-              <a:t>3.  DQN Path Finder</a:t>
+              <a:t> To find a path that leads the snake to food by avoiding the obstacles.</a:t>
             </a:r>
             <a:endParaRPr lang="en-US" sz="2400" dirty="0"/>
           </a:p>
@@ -4257,7 +7173,7 @@
       </p:sp>
       <p:pic>
         <p:nvPicPr>
-          <p:cNvPr id="4" name="Picture 3" descr="greedy.gif"/>
+          <p:cNvPr id="5" name="Picture 4" descr="snake game.gif"/>
           <p:cNvPicPr>
             <a:picLocks noChangeAspect="1"/>
           </p:cNvPicPr>
@@ -4271,155 +7187,14 @@
         </p:blipFill>
         <p:spPr>
           <a:xfrm>
-            <a:off x="533400" y="3657600"/>
-            <a:ext cx="2362200" cy="2386553"/>
+            <a:off x="4343400" y="3886200"/>
+            <a:ext cx="4419600" cy="2971800"/>
           </a:xfrm>
           <a:prstGeom prst="rect">
             <a:avLst/>
           </a:prstGeom>
         </p:spPr>
       </p:pic>
-      <p:pic>
-        <p:nvPicPr>
-          <p:cNvPr id="5" name="Picture 4" descr="hamiltonian cycle.gif"/>
-          <p:cNvPicPr>
-            <a:picLocks noChangeAspect="1"/>
-          </p:cNvPicPr>
-          <p:nvPr/>
-        </p:nvPicPr>
-        <p:blipFill>
-          <a:blip r:embed="rId3"/>
-          <a:stretch>
-            <a:fillRect/>
-          </a:stretch>
-        </p:blipFill>
-        <p:spPr>
-          <a:xfrm>
-            <a:off x="3429000" y="3657600"/>
-            <a:ext cx="2362200" cy="2362200"/>
-          </a:xfrm>
-          <a:prstGeom prst="rect">
-            <a:avLst/>
-          </a:prstGeom>
-        </p:spPr>
-      </p:pic>
-      <p:pic>
-        <p:nvPicPr>
-          <p:cNvPr id="6" name="Picture 5" descr="dqn.gif"/>
-          <p:cNvPicPr>
-            <a:picLocks noChangeAspect="1"/>
-          </p:cNvPicPr>
-          <p:nvPr/>
-        </p:nvPicPr>
-        <p:blipFill>
-          <a:blip r:embed="rId4"/>
-          <a:stretch>
-            <a:fillRect/>
-          </a:stretch>
-        </p:blipFill>
-        <p:spPr>
-          <a:xfrm>
-            <a:off x="6248400" y="3657600"/>
-            <a:ext cx="2386806" cy="2362200"/>
-          </a:xfrm>
-          <a:prstGeom prst="rect">
-            <a:avLst/>
-          </a:prstGeom>
-        </p:spPr>
-      </p:pic>
-      <p:sp>
-        <p:nvSpPr>
-          <p:cNvPr id="7" name="TextBox 6"/>
-          <p:cNvSpPr txBox="1"/>
-          <p:nvPr/>
-        </p:nvSpPr>
-        <p:spPr>
-          <a:xfrm>
-            <a:off x="609600" y="6248400"/>
-            <a:ext cx="2133600" cy="381000"/>
-          </a:xfrm>
-          <a:prstGeom prst="rect">
-            <a:avLst/>
-          </a:prstGeom>
-          <a:noFill/>
-        </p:spPr>
-        <p:txBody>
-          <a:bodyPr wrap="square" rtlCol="0">
-            <a:spAutoFit/>
-          </a:bodyPr>
-          <a:lstStyle/>
-          <a:p>
-            <a:pPr algn="ctr"/>
-            <a:r>
-              <a:rPr lang="en-US" b="1" dirty="0" smtClean="0"/>
-              <a:t>GREEDY</a:t>
-            </a:r>
-            <a:endParaRPr lang="en-US" b="1" dirty="0"/>
-          </a:p>
-        </p:txBody>
-      </p:sp>
-      <p:sp>
-        <p:nvSpPr>
-          <p:cNvPr id="8" name="TextBox 7"/>
-          <p:cNvSpPr txBox="1"/>
-          <p:nvPr/>
-        </p:nvSpPr>
-        <p:spPr>
-          <a:xfrm>
-            <a:off x="3505200" y="6248400"/>
-            <a:ext cx="2209800" cy="369332"/>
-          </a:xfrm>
-          <a:prstGeom prst="rect">
-            <a:avLst/>
-          </a:prstGeom>
-          <a:noFill/>
-        </p:spPr>
-        <p:txBody>
-          <a:bodyPr wrap="square" rtlCol="0">
-            <a:spAutoFit/>
-          </a:bodyPr>
-          <a:lstStyle/>
-          <a:p>
-            <a:pPr algn="ctr"/>
-            <a:r>
-              <a:rPr lang="en-US" b="1" dirty="0" smtClean="0"/>
-              <a:t>HAMILTON</a:t>
-            </a:r>
-            <a:endParaRPr lang="en-US" b="1" dirty="0"/>
-          </a:p>
-        </p:txBody>
-      </p:sp>
-      <p:sp>
-        <p:nvSpPr>
-          <p:cNvPr id="9" name="TextBox 8"/>
-          <p:cNvSpPr txBox="1"/>
-          <p:nvPr/>
-        </p:nvSpPr>
-        <p:spPr>
-          <a:xfrm>
-            <a:off x="6248400" y="6172200"/>
-            <a:ext cx="2438400" cy="369332"/>
-          </a:xfrm>
-          <a:prstGeom prst="rect">
-            <a:avLst/>
-          </a:prstGeom>
-          <a:noFill/>
-        </p:spPr>
-        <p:txBody>
-          <a:bodyPr wrap="square" rtlCol="0">
-            <a:spAutoFit/>
-          </a:bodyPr>
-          <a:lstStyle/>
-          <a:p>
-            <a:pPr algn="ctr"/>
-            <a:r>
-              <a:rPr lang="en-US" b="1" dirty="0" smtClean="0"/>
-              <a:t>DQN</a:t>
-            </a:r>
-            <a:endParaRPr lang="en-US" b="1" dirty="0"/>
-          </a:p>
-        </p:txBody>
-      </p:sp>
     </p:spTree>
   </p:cSld>
   <p:clrMapOvr>
@@ -4460,7 +7235,7 @@
         </p:nvSpPr>
         <p:spPr>
           <a:xfrm>
-            <a:off x="228600" y="304800"/>
+            <a:off x="228600" y="381000"/>
             <a:ext cx="8229600" cy="523220"/>
           </a:xfrm>
           <a:prstGeom prst="rect">
@@ -4489,7 +7264,7 @@
           <a:p>
             <a:r>
               <a:rPr lang="en-US" sz="2800" dirty="0" smtClean="0"/>
-              <a:t>MULTIPLAYER SNAKE GAME (INSTRUCTIONS)</a:t>
+              <a:t>ALGORITHMS TO FIND SHORTEST PATH </a:t>
             </a:r>
             <a:endParaRPr lang="en-US" sz="2800" dirty="0"/>
           </a:p>
@@ -4503,8 +7278,8 @@
         </p:nvSpPr>
         <p:spPr>
           <a:xfrm>
-            <a:off x="228600" y="1143000"/>
-            <a:ext cx="8305800" cy="3416320"/>
+            <a:off x="304800" y="1295400"/>
+            <a:ext cx="8382000" cy="1938992"/>
           </a:xfrm>
           <a:prstGeom prst="rect">
             <a:avLst/>
@@ -4517,57 +7292,206 @@
           </a:bodyPr>
           <a:lstStyle/>
           <a:p>
-            <a:pPr>
-              <a:buFont typeface="Arial" pitchFamily="34" charset="0"/>
-              <a:buChar char="•"/>
-            </a:pPr>
+            <a:pPr marL="342900" indent="-342900">
+              <a:buFont typeface="+mj-lt"/>
+              <a:buAutoNum type="arabicPeriod"/>
+            </a:pPr>
+            <a:r>
+              <a:rPr lang="en-US" sz="2400" dirty="0"/>
+              <a:t> </a:t>
+            </a:r>
             <a:r>
               <a:rPr lang="en-US" sz="2400" dirty="0" smtClean="0"/>
-              <a:t> In this mode two snake move across the board simultaneously and they fight for the same food.</a:t>
-            </a:r>
-          </a:p>
-          <a:p>
-            <a:pPr>
-              <a:buFont typeface="Arial" pitchFamily="34" charset="0"/>
-              <a:buChar char="•"/>
-            </a:pPr>
+              <a:t>Greedy Path Finder</a:t>
+            </a:r>
+          </a:p>
+          <a:p>
+            <a:pPr marL="342900" indent="-342900"/>
             <a:endParaRPr lang="en-US" sz="2400" dirty="0" smtClean="0"/>
           </a:p>
           <a:p>
-            <a:pPr>
-              <a:buFont typeface="Arial" pitchFamily="34" charset="0"/>
-              <a:buChar char="•"/>
-            </a:pPr>
+            <a:pPr marL="342900" indent="-342900"/>
             <a:r>
               <a:rPr lang="en-US" sz="2400" dirty="0" smtClean="0"/>
-              <a:t> Like single player mode here also the snake’s body length increases when it gets the food.</a:t>
-            </a:r>
-          </a:p>
-          <a:p>
-            <a:pPr>
-              <a:buFont typeface="Arial" pitchFamily="34" charset="0"/>
-              <a:buChar char="•"/>
-            </a:pPr>
+              <a:t>2.  Hamilton Path finder</a:t>
+            </a:r>
+          </a:p>
+          <a:p>
+            <a:pPr marL="342900" indent="-342900"/>
             <a:endParaRPr lang="en-US" sz="2400" dirty="0" smtClean="0"/>
           </a:p>
           <a:p>
-            <a:pPr>
-              <a:buFont typeface="Arial" pitchFamily="34" charset="0"/>
-              <a:buChar char="•"/>
-            </a:pPr>
+            <a:pPr marL="342900" indent="-342900"/>
             <a:r>
               <a:rPr lang="en-US" sz="2400" dirty="0" smtClean="0"/>
-              <a:t> Advantage of the multiplayer over single player is that it has game bound  </a:t>
-            </a:r>
-            <a:r>
-              <a:rPr lang="en-US" sz="2400" dirty="0" err="1" smtClean="0"/>
-              <a:t>i.e</a:t>
-            </a:r>
-            <a:r>
-              <a:rPr lang="en-US" sz="2400" dirty="0" smtClean="0"/>
-              <a:t> when a snake bites the another snake’s head it wins.</a:t>
+              <a:t>3.  DQN Path Finder</a:t>
             </a:r>
             <a:endParaRPr lang="en-US" sz="2400" dirty="0"/>
+          </a:p>
+        </p:txBody>
+      </p:sp>
+      <p:pic>
+        <p:nvPicPr>
+          <p:cNvPr id="4" name="Picture 3" descr="greedy.gif"/>
+          <p:cNvPicPr>
+            <a:picLocks noChangeAspect="1"/>
+          </p:cNvPicPr>
+          <p:nvPr/>
+        </p:nvPicPr>
+        <p:blipFill>
+          <a:blip r:embed="rId2"/>
+          <a:stretch>
+            <a:fillRect/>
+          </a:stretch>
+        </p:blipFill>
+        <p:spPr>
+          <a:xfrm>
+            <a:off x="533400" y="3657600"/>
+            <a:ext cx="2362200" cy="2386553"/>
+          </a:xfrm>
+          <a:prstGeom prst="rect">
+            <a:avLst/>
+          </a:prstGeom>
+        </p:spPr>
+      </p:pic>
+      <p:pic>
+        <p:nvPicPr>
+          <p:cNvPr id="5" name="Picture 4" descr="hamiltonian cycle.gif"/>
+          <p:cNvPicPr>
+            <a:picLocks noChangeAspect="1"/>
+          </p:cNvPicPr>
+          <p:nvPr/>
+        </p:nvPicPr>
+        <p:blipFill>
+          <a:blip r:embed="rId3"/>
+          <a:stretch>
+            <a:fillRect/>
+          </a:stretch>
+        </p:blipFill>
+        <p:spPr>
+          <a:xfrm>
+            <a:off x="3429000" y="3657600"/>
+            <a:ext cx="2362200" cy="2362200"/>
+          </a:xfrm>
+          <a:prstGeom prst="rect">
+            <a:avLst/>
+          </a:prstGeom>
+        </p:spPr>
+      </p:pic>
+      <p:pic>
+        <p:nvPicPr>
+          <p:cNvPr id="6" name="Picture 5" descr="dqn.gif"/>
+          <p:cNvPicPr>
+            <a:picLocks noChangeAspect="1"/>
+          </p:cNvPicPr>
+          <p:nvPr/>
+        </p:nvPicPr>
+        <p:blipFill>
+          <a:blip r:embed="rId4"/>
+          <a:stretch>
+            <a:fillRect/>
+          </a:stretch>
+        </p:blipFill>
+        <p:spPr>
+          <a:xfrm>
+            <a:off x="6248400" y="3657600"/>
+            <a:ext cx="2386806" cy="2362200"/>
+          </a:xfrm>
+          <a:prstGeom prst="rect">
+            <a:avLst/>
+          </a:prstGeom>
+        </p:spPr>
+      </p:pic>
+      <p:sp>
+        <p:nvSpPr>
+          <p:cNvPr id="7" name="TextBox 6"/>
+          <p:cNvSpPr txBox="1"/>
+          <p:nvPr/>
+        </p:nvSpPr>
+        <p:spPr>
+          <a:xfrm>
+            <a:off x="609600" y="6248400"/>
+            <a:ext cx="2133600" cy="381000"/>
+          </a:xfrm>
+          <a:prstGeom prst="rect">
+            <a:avLst/>
+          </a:prstGeom>
+          <a:noFill/>
+        </p:spPr>
+        <p:txBody>
+          <a:bodyPr wrap="square" rtlCol="0">
+            <a:spAutoFit/>
+          </a:bodyPr>
+          <a:lstStyle/>
+          <a:p>
+            <a:pPr algn="ctr"/>
+            <a:r>
+              <a:rPr lang="en-US" b="1" dirty="0" smtClean="0"/>
+              <a:t>GREEDY</a:t>
+            </a:r>
+            <a:endParaRPr lang="en-US" b="1" dirty="0"/>
+          </a:p>
+        </p:txBody>
+      </p:sp>
+      <p:sp>
+        <p:nvSpPr>
+          <p:cNvPr id="8" name="TextBox 7"/>
+          <p:cNvSpPr txBox="1"/>
+          <p:nvPr/>
+        </p:nvSpPr>
+        <p:spPr>
+          <a:xfrm>
+            <a:off x="3505200" y="6248400"/>
+            <a:ext cx="2209800" cy="369332"/>
+          </a:xfrm>
+          <a:prstGeom prst="rect">
+            <a:avLst/>
+          </a:prstGeom>
+          <a:noFill/>
+        </p:spPr>
+        <p:txBody>
+          <a:bodyPr wrap="square" rtlCol="0">
+            <a:spAutoFit/>
+          </a:bodyPr>
+          <a:lstStyle/>
+          <a:p>
+            <a:pPr algn="ctr"/>
+            <a:r>
+              <a:rPr lang="en-US" b="1" dirty="0" smtClean="0"/>
+              <a:t>HAMILTON</a:t>
+            </a:r>
+            <a:endParaRPr lang="en-US" b="1" dirty="0"/>
+          </a:p>
+        </p:txBody>
+      </p:sp>
+      <p:sp>
+        <p:nvSpPr>
+          <p:cNvPr id="9" name="TextBox 8"/>
+          <p:cNvSpPr txBox="1"/>
+          <p:nvPr/>
+        </p:nvSpPr>
+        <p:spPr>
+          <a:xfrm>
+            <a:off x="6248400" y="6172200"/>
+            <a:ext cx="2438400" cy="369332"/>
+          </a:xfrm>
+          <a:prstGeom prst="rect">
+            <a:avLst/>
+          </a:prstGeom>
+          <a:noFill/>
+        </p:spPr>
+        <p:txBody>
+          <a:bodyPr wrap="square" rtlCol="0">
+            <a:spAutoFit/>
+          </a:bodyPr>
+          <a:lstStyle/>
+          <a:p>
+            <a:pPr algn="ctr"/>
+            <a:r>
+              <a:rPr lang="en-US" b="1" dirty="0" smtClean="0"/>
+              <a:t>DQN</a:t>
+            </a:r>
+            <a:endParaRPr lang="en-US" b="1" dirty="0"/>
           </a:p>
         </p:txBody>
       </p:sp>
@@ -4605,14 +7529,14 @@
       </p:grpSpPr>
       <p:sp>
         <p:nvSpPr>
-          <p:cNvPr id="3" name="TextBox 2"/>
+          <p:cNvPr id="2" name="TextBox 1"/>
           <p:cNvSpPr txBox="1"/>
           <p:nvPr/>
         </p:nvSpPr>
         <p:spPr>
           <a:xfrm>
-            <a:off x="228600" y="228600"/>
-            <a:ext cx="8305800" cy="523220"/>
+            <a:off x="228600" y="304800"/>
+            <a:ext cx="8229600" cy="523220"/>
           </a:xfrm>
           <a:prstGeom prst="rect">
             <a:avLst/>
@@ -4640,7 +7564,7 @@
           <a:p>
             <a:r>
               <a:rPr lang="en-US" sz="2800" dirty="0" smtClean="0"/>
-              <a:t>CHALLENGES IN MULTIPLAYER SNAKE GAME</a:t>
+              <a:t>MULTIPLAYER SNAKE GAME (INSTRUCTIONS)</a:t>
             </a:r>
             <a:endParaRPr lang="en-US" sz="2800" dirty="0"/>
           </a:p>
@@ -4648,14 +7572,14 @@
       </p:sp>
       <p:sp>
         <p:nvSpPr>
-          <p:cNvPr id="4" name="TextBox 3"/>
+          <p:cNvPr id="3" name="TextBox 2"/>
           <p:cNvSpPr txBox="1"/>
           <p:nvPr/>
         </p:nvSpPr>
         <p:spPr>
           <a:xfrm>
-            <a:off x="381000" y="1219200"/>
-            <a:ext cx="8305800" cy="3231654"/>
+            <a:off x="228600" y="1143000"/>
+            <a:ext cx="8305800" cy="3416320"/>
           </a:xfrm>
           <a:prstGeom prst="rect">
             <a:avLst/>
@@ -4674,7 +7598,7 @@
             </a:pPr>
             <a:r>
               <a:rPr lang="en-US" sz="2400" dirty="0" smtClean="0"/>
-              <a:t> To predict the opponents next move</a:t>
+              <a:t> In this mode two snake move across the board simultaneously and they fight for the same food.</a:t>
             </a:r>
           </a:p>
           <a:p>
@@ -4691,7 +7615,7 @@
             </a:pPr>
             <a:r>
               <a:rPr lang="en-US" sz="2400" dirty="0" smtClean="0"/>
-              <a:t> To make decision whether to go for a food or try to attack the opponent.</a:t>
+              <a:t> Like single player mode here also the snake’s body length increases when it gets the food.</a:t>
             </a:r>
           </a:p>
           <a:p>
@@ -4708,18 +7632,17 @@
             </a:pPr>
             <a:r>
               <a:rPr lang="en-US" sz="2400" dirty="0" smtClean="0"/>
-              <a:t> Reading the user’s move and making use of the previously collected data to make the next best move.</a:t>
-            </a:r>
-          </a:p>
-          <a:p>
-            <a:endParaRPr lang="en-US" dirty="0" smtClean="0"/>
-          </a:p>
-          <a:p>
-            <a:pPr>
-              <a:buFont typeface="Arial" pitchFamily="34" charset="0"/>
-              <a:buChar char="•"/>
-            </a:pPr>
-            <a:endParaRPr lang="en-US" dirty="0"/>
+              <a:t> Advantage of the multiplayer over single player is that it has game bound  </a:t>
+            </a:r>
+            <a:r>
+              <a:rPr lang="en-US" sz="2400" dirty="0" err="1" smtClean="0"/>
+              <a:t>i.e</a:t>
+            </a:r>
+            <a:r>
+              <a:rPr lang="en-US" sz="2400" dirty="0" smtClean="0"/>
+              <a:t> when a snake bites the another snake’s head it wins.</a:t>
+            </a:r>
+            <a:endParaRPr lang="en-US" sz="2400" dirty="0"/>
           </a:p>
         </p:txBody>
       </p:sp>
@@ -4728,6 +7651,13 @@
   <p:clrMapOvr>
     <a:masterClrMapping/>
   </p:clrMapOvr>
+  <p:timing>
+    <p:tnLst>
+      <p:par>
+        <p:cTn id="1" dur="indefinite" restart="never" nodeType="tmRoot"/>
+      </p:par>
+    </p:tnLst>
+  </p:timing>
 </p:sld>
 </file>
 

--- a/presentation/AI BASED MULTIPLAYER SNAKE GAME(mini project).pptx
+++ b/presentation/AI BASED MULTIPLAYER SNAKE GAME(mini project).pptx
@@ -23,7 +23,11 @@
     <p:sldId id="272" r:id="rId17"/>
     <p:sldId id="273" r:id="rId18"/>
     <p:sldId id="274" r:id="rId19"/>
-    <p:sldId id="263" r:id="rId20"/>
+    <p:sldId id="275" r:id="rId20"/>
+    <p:sldId id="276" r:id="rId21"/>
+    <p:sldId id="277" r:id="rId22"/>
+    <p:sldId id="278" r:id="rId23"/>
+    <p:sldId id="263" r:id="rId24"/>
   </p:sldIdLst>
   <p:sldSz cx="9144000" cy="6858000" type="screen4x3"/>
   <p:notesSz cx="6858000" cy="9144000"/>
@@ -309,7 +313,7 @@
               <a:pPr/>
               <a:t>06-Oct-19</a:t>
             </a:fld>
-            <a:endParaRPr lang="en-US"/>
+            <a:endParaRPr lang="en-US" dirty="0"/>
           </a:p>
         </p:txBody>
       </p:sp>
@@ -328,7 +332,7 @@
           <a:bodyPr/>
           <a:lstStyle/>
           <a:p>
-            <a:endParaRPr lang="en-US"/>
+            <a:endParaRPr lang="en-US" dirty="0"/>
           </a:p>
         </p:txBody>
       </p:sp>
@@ -352,7 +356,7 @@
               <a:pPr/>
               <a:t>‹#›</a:t>
             </a:fld>
-            <a:endParaRPr lang="en-US"/>
+            <a:endParaRPr lang="en-US" dirty="0"/>
           </a:p>
         </p:txBody>
       </p:sp>
@@ -476,7 +480,7 @@
               <a:pPr/>
               <a:t>06-Oct-19</a:t>
             </a:fld>
-            <a:endParaRPr lang="en-US"/>
+            <a:endParaRPr lang="en-US" dirty="0"/>
           </a:p>
         </p:txBody>
       </p:sp>
@@ -495,7 +499,7 @@
           <a:bodyPr/>
           <a:lstStyle/>
           <a:p>
-            <a:endParaRPr lang="en-US"/>
+            <a:endParaRPr lang="en-US" dirty="0"/>
           </a:p>
         </p:txBody>
       </p:sp>
@@ -519,7 +523,7 @@
               <a:pPr/>
               <a:t>‹#›</a:t>
             </a:fld>
-            <a:endParaRPr lang="en-US"/>
+            <a:endParaRPr lang="en-US" dirty="0"/>
           </a:p>
         </p:txBody>
       </p:sp>
@@ -653,7 +657,7 @@
               <a:pPr/>
               <a:t>06-Oct-19</a:t>
             </a:fld>
-            <a:endParaRPr lang="en-US"/>
+            <a:endParaRPr lang="en-US" dirty="0"/>
           </a:p>
         </p:txBody>
       </p:sp>
@@ -672,7 +676,7 @@
           <a:bodyPr/>
           <a:lstStyle/>
           <a:p>
-            <a:endParaRPr lang="en-US"/>
+            <a:endParaRPr lang="en-US" dirty="0"/>
           </a:p>
         </p:txBody>
       </p:sp>
@@ -696,7 +700,7 @@
               <a:pPr/>
               <a:t>‹#›</a:t>
             </a:fld>
-            <a:endParaRPr lang="en-US"/>
+            <a:endParaRPr lang="en-US" dirty="0"/>
           </a:p>
         </p:txBody>
       </p:sp>
@@ -820,7 +824,7 @@
               <a:pPr/>
               <a:t>06-Oct-19</a:t>
             </a:fld>
-            <a:endParaRPr lang="en-US"/>
+            <a:endParaRPr lang="en-US" dirty="0"/>
           </a:p>
         </p:txBody>
       </p:sp>
@@ -839,7 +843,7 @@
           <a:bodyPr/>
           <a:lstStyle/>
           <a:p>
-            <a:endParaRPr lang="en-US"/>
+            <a:endParaRPr lang="en-US" dirty="0"/>
           </a:p>
         </p:txBody>
       </p:sp>
@@ -863,7 +867,7 @@
               <a:pPr/>
               <a:t>‹#›</a:t>
             </a:fld>
-            <a:endParaRPr lang="en-US"/>
+            <a:endParaRPr lang="en-US" dirty="0"/>
           </a:p>
         </p:txBody>
       </p:sp>
@@ -1063,7 +1067,7 @@
               <a:pPr/>
               <a:t>06-Oct-19</a:t>
             </a:fld>
-            <a:endParaRPr lang="en-US"/>
+            <a:endParaRPr lang="en-US" dirty="0"/>
           </a:p>
         </p:txBody>
       </p:sp>
@@ -1082,7 +1086,7 @@
           <a:bodyPr/>
           <a:lstStyle/>
           <a:p>
-            <a:endParaRPr lang="en-US"/>
+            <a:endParaRPr lang="en-US" dirty="0"/>
           </a:p>
         </p:txBody>
       </p:sp>
@@ -1106,7 +1110,7 @@
               <a:pPr/>
               <a:t>‹#›</a:t>
             </a:fld>
-            <a:endParaRPr lang="en-US"/>
+            <a:endParaRPr lang="en-US" dirty="0"/>
           </a:p>
         </p:txBody>
       </p:sp>
@@ -1348,7 +1352,7 @@
               <a:pPr/>
               <a:t>06-Oct-19</a:t>
             </a:fld>
-            <a:endParaRPr lang="en-US"/>
+            <a:endParaRPr lang="en-US" dirty="0"/>
           </a:p>
         </p:txBody>
       </p:sp>
@@ -1367,7 +1371,7 @@
           <a:bodyPr/>
           <a:lstStyle/>
           <a:p>
-            <a:endParaRPr lang="en-US"/>
+            <a:endParaRPr lang="en-US" dirty="0"/>
           </a:p>
         </p:txBody>
       </p:sp>
@@ -1391,7 +1395,7 @@
               <a:pPr/>
               <a:t>‹#›</a:t>
             </a:fld>
-            <a:endParaRPr lang="en-US"/>
+            <a:endParaRPr lang="en-US" dirty="0"/>
           </a:p>
         </p:txBody>
       </p:sp>
@@ -1767,7 +1771,7 @@
               <a:pPr/>
               <a:t>06-Oct-19</a:t>
             </a:fld>
-            <a:endParaRPr lang="en-US"/>
+            <a:endParaRPr lang="en-US" dirty="0"/>
           </a:p>
         </p:txBody>
       </p:sp>
@@ -1786,7 +1790,7 @@
           <a:bodyPr/>
           <a:lstStyle/>
           <a:p>
-            <a:endParaRPr lang="en-US"/>
+            <a:endParaRPr lang="en-US" dirty="0"/>
           </a:p>
         </p:txBody>
       </p:sp>
@@ -1810,7 +1814,7 @@
               <a:pPr/>
               <a:t>‹#›</a:t>
             </a:fld>
-            <a:endParaRPr lang="en-US"/>
+            <a:endParaRPr lang="en-US" dirty="0"/>
           </a:p>
         </p:txBody>
       </p:sp>
@@ -1882,7 +1886,7 @@
               <a:pPr/>
               <a:t>06-Oct-19</a:t>
             </a:fld>
-            <a:endParaRPr lang="en-US"/>
+            <a:endParaRPr lang="en-US" dirty="0"/>
           </a:p>
         </p:txBody>
       </p:sp>
@@ -1901,7 +1905,7 @@
           <a:bodyPr/>
           <a:lstStyle/>
           <a:p>
-            <a:endParaRPr lang="en-US"/>
+            <a:endParaRPr lang="en-US" dirty="0"/>
           </a:p>
         </p:txBody>
       </p:sp>
@@ -1925,7 +1929,7 @@
               <a:pPr/>
               <a:t>‹#›</a:t>
             </a:fld>
-            <a:endParaRPr lang="en-US"/>
+            <a:endParaRPr lang="en-US" dirty="0"/>
           </a:p>
         </p:txBody>
       </p:sp>
@@ -1974,7 +1978,7 @@
               <a:pPr/>
               <a:t>06-Oct-19</a:t>
             </a:fld>
-            <a:endParaRPr lang="en-US"/>
+            <a:endParaRPr lang="en-US" dirty="0"/>
           </a:p>
         </p:txBody>
       </p:sp>
@@ -1993,7 +1997,7 @@
           <a:bodyPr/>
           <a:lstStyle/>
           <a:p>
-            <a:endParaRPr lang="en-US"/>
+            <a:endParaRPr lang="en-US" dirty="0"/>
           </a:p>
         </p:txBody>
       </p:sp>
@@ -2017,7 +2021,7 @@
               <a:pPr/>
               <a:t>‹#›</a:t>
             </a:fld>
-            <a:endParaRPr lang="en-US"/>
+            <a:endParaRPr lang="en-US" dirty="0"/>
           </a:p>
         </p:txBody>
       </p:sp>
@@ -2248,7 +2252,7 @@
               <a:pPr/>
               <a:t>06-Oct-19</a:t>
             </a:fld>
-            <a:endParaRPr lang="en-US"/>
+            <a:endParaRPr lang="en-US" dirty="0"/>
           </a:p>
         </p:txBody>
       </p:sp>
@@ -2267,7 +2271,7 @@
           <a:bodyPr/>
           <a:lstStyle/>
           <a:p>
-            <a:endParaRPr lang="en-US"/>
+            <a:endParaRPr lang="en-US" dirty="0"/>
           </a:p>
         </p:txBody>
       </p:sp>
@@ -2291,7 +2295,7 @@
               <a:pPr/>
               <a:t>‹#›</a:t>
             </a:fld>
-            <a:endParaRPr lang="en-US"/>
+            <a:endParaRPr lang="en-US" dirty="0"/>
           </a:p>
         </p:txBody>
       </p:sp>
@@ -2409,7 +2413,7 @@
             </a:lvl9pPr>
           </a:lstStyle>
           <a:p>
-            <a:endParaRPr lang="en-US"/>
+            <a:endParaRPr lang="en-US" dirty="0"/>
           </a:p>
         </p:txBody>
       </p:sp>
@@ -2498,7 +2502,7 @@
               <a:pPr/>
               <a:t>06-Oct-19</a:t>
             </a:fld>
-            <a:endParaRPr lang="en-US"/>
+            <a:endParaRPr lang="en-US" dirty="0"/>
           </a:p>
         </p:txBody>
       </p:sp>
@@ -2517,7 +2521,7 @@
           <a:bodyPr/>
           <a:lstStyle/>
           <a:p>
-            <a:endParaRPr lang="en-US"/>
+            <a:endParaRPr lang="en-US" dirty="0"/>
           </a:p>
         </p:txBody>
       </p:sp>
@@ -2541,7 +2545,7 @@
               <a:pPr/>
               <a:t>‹#›</a:t>
             </a:fld>
-            <a:endParaRPr lang="en-US"/>
+            <a:endParaRPr lang="en-US" dirty="0"/>
           </a:p>
         </p:txBody>
       </p:sp>
@@ -2708,7 +2712,7 @@
               <a:pPr/>
               <a:t>06-Oct-19</a:t>
             </a:fld>
-            <a:endParaRPr lang="en-US"/>
+            <a:endParaRPr lang="en-US" dirty="0"/>
           </a:p>
         </p:txBody>
       </p:sp>
@@ -2745,7 +2749,7 @@
             </a:lvl1pPr>
           </a:lstStyle>
           <a:p>
-            <a:endParaRPr lang="en-US"/>
+            <a:endParaRPr lang="en-US" dirty="0"/>
           </a:p>
         </p:txBody>
       </p:sp>
@@ -2787,7 +2791,7 @@
               <a:pPr/>
               <a:t>‹#›</a:t>
             </a:fld>
-            <a:endParaRPr lang="en-US"/>
+            <a:endParaRPr lang="en-US" dirty="0"/>
           </a:p>
         </p:txBody>
       </p:sp>
@@ -3101,10 +3105,10 @@
           <a:p>
             <a:pPr algn="ctr"/>
             <a:r>
-              <a:rPr lang="en-US" sz="4800" dirty="0" smtClean="0"/>
+              <a:rPr lang="en-US" sz="4800" b="1" dirty="0" smtClean="0"/>
               <a:t>MULTIPLAYER SNAKE GAME</a:t>
             </a:r>
-            <a:endParaRPr lang="en-US" sz="4800" dirty="0"/>
+            <a:endParaRPr lang="en-US" sz="4800" b="1" dirty="0"/>
           </a:p>
         </p:txBody>
       </p:sp>
@@ -3238,10 +3242,10 @@
           <a:lstStyle/>
           <a:p>
             <a:r>
-              <a:rPr lang="en-US" sz="2800" dirty="0" smtClean="0"/>
+              <a:rPr lang="en-US" sz="2800" b="1" dirty="0" smtClean="0"/>
               <a:t>CHALLENGES IN MULTIPLAYER SNAKE GAME</a:t>
             </a:r>
-            <a:endParaRPr lang="en-US" sz="2800" dirty="0"/>
+            <a:endParaRPr lang="en-US" sz="2800" b="1" dirty="0"/>
           </a:p>
         </p:txBody>
       </p:sp>
@@ -3383,10 +3387,10 @@
           <a:lstStyle/>
           <a:p>
             <a:r>
-              <a:rPr lang="en-US" sz="2800" dirty="0" smtClean="0"/>
+              <a:rPr lang="en-US" sz="2800" b="1" dirty="0" smtClean="0"/>
               <a:t>PROPOSED SOLUTION - ARCHITECTURE DIAGRAM</a:t>
             </a:r>
-            <a:endParaRPr lang="en-US" sz="2800" dirty="0"/>
+            <a:endParaRPr lang="en-US" sz="2800" b="1" dirty="0"/>
           </a:p>
         </p:txBody>
       </p:sp>
@@ -4407,10 +4411,10 @@
           <a:p>
             <a:pPr algn="ctr"/>
             <a:r>
-              <a:rPr lang="en-US" sz="2800" dirty="0" smtClean="0"/>
+              <a:rPr lang="en-US" sz="2800" b="1" dirty="0" smtClean="0"/>
               <a:t>MODULES</a:t>
             </a:r>
-            <a:endParaRPr lang="en-US" sz="2800" dirty="0"/>
+            <a:endParaRPr lang="en-US" sz="2800" b="1" dirty="0"/>
           </a:p>
         </p:txBody>
       </p:sp>
@@ -4464,7 +4468,23 @@
             <a:pPr marL="342900" indent="-342900"/>
             <a:r>
               <a:rPr lang="en-US" sz="2400" dirty="0" smtClean="0"/>
-              <a:t>3. User Controller Module</a:t>
+              <a:t>3. </a:t>
+            </a:r>
+            <a:r>
+              <a:rPr lang="en-US" sz="2400" dirty="0" smtClean="0"/>
+              <a:t>User s</a:t>
+            </a:r>
+            <a:r>
+              <a:rPr lang="en-US" sz="2400" dirty="0" smtClean="0"/>
+              <a:t>nake</a:t>
+            </a:r>
+            <a:r>
+              <a:rPr lang="en-US" sz="2400" dirty="0" smtClean="0"/>
+              <a:t> </a:t>
+            </a:r>
+            <a:r>
+              <a:rPr lang="en-US" sz="2400" dirty="0" smtClean="0"/>
+              <a:t>Controller Module</a:t>
             </a:r>
           </a:p>
           <a:p>
@@ -4486,11 +4506,7 @@
             <a:pPr marL="342900" indent="-342900"/>
             <a:r>
               <a:rPr lang="en-US" sz="2400" dirty="0" smtClean="0"/>
-              <a:t>5</a:t>
-            </a:r>
-            <a:r>
-              <a:rPr lang="en-US" sz="2400" dirty="0" smtClean="0"/>
-              <a:t>. Data Collection Module.</a:t>
+              <a:t>5. Data Collection Module.</a:t>
             </a:r>
           </a:p>
           <a:p>
@@ -4501,11 +4517,7 @@
             <a:pPr marL="342900" indent="-342900"/>
             <a:r>
               <a:rPr lang="en-US" sz="2400" dirty="0" smtClean="0"/>
-              <a:t>6</a:t>
-            </a:r>
-            <a:r>
-              <a:rPr lang="en-US" sz="2400" dirty="0" smtClean="0"/>
-              <a:t>. Analyzer Module</a:t>
+              <a:t>6. Analyzer Module</a:t>
             </a:r>
           </a:p>
           <a:p>
@@ -4566,10 +4578,18 @@
           <a:lstStyle/>
           <a:p>
             <a:r>
-              <a:rPr lang="en-US" sz="2800" dirty="0" smtClean="0"/>
-              <a:t>HOW DATA COLLECTION HAPPENS ?</a:t>
-            </a:r>
-            <a:endParaRPr lang="en-US" sz="2800" dirty="0"/>
+              <a:rPr lang="en-US" sz="2800" b="1" dirty="0" smtClean="0"/>
+              <a:t>DATA </a:t>
+            </a:r>
+            <a:r>
+              <a:rPr lang="en-US" sz="2800" b="1" dirty="0" smtClean="0"/>
+              <a:t>COLLECTION </a:t>
+            </a:r>
+            <a:r>
+              <a:rPr lang="en-US" sz="2800" b="1" dirty="0" smtClean="0"/>
+              <a:t>PHASE</a:t>
+            </a:r>
+            <a:endParaRPr lang="en-US" sz="2800" b="1" dirty="0"/>
           </a:p>
         </p:txBody>
       </p:sp>
@@ -4662,13 +4682,8 @@
             </a:pPr>
             <a:r>
               <a:rPr lang="en-US" dirty="0" smtClean="0"/>
-              <a:t>JSON Object of </a:t>
-            </a:r>
-            <a:r>
-              <a:rPr lang="en-US" dirty="0" smtClean="0"/>
-              <a:t>blue snake.</a:t>
-            </a:r>
-            <a:endParaRPr lang="en-US" dirty="0" smtClean="0"/>
+              <a:t>JSON Object of blue snake.</a:t>
+            </a:r>
           </a:p>
           <a:p>
             <a:pPr marL="800100" lvl="1" indent="-342900">
@@ -4687,11 +4702,7 @@
             </a:pPr>
             <a:r>
               <a:rPr lang="en-US" dirty="0" smtClean="0"/>
-              <a:t>Head position of </a:t>
-            </a:r>
-            <a:r>
-              <a:rPr lang="en-US" dirty="0" smtClean="0"/>
-              <a:t>blue snake.</a:t>
+              <a:t>Head position of blue snake.</a:t>
             </a:r>
           </a:p>
           <a:p>
@@ -4731,19 +4742,7 @@
             </a:pPr>
             <a:r>
               <a:rPr lang="en-US" dirty="0" smtClean="0"/>
-              <a:t>Distance between the </a:t>
-            </a:r>
-            <a:r>
-              <a:rPr lang="en-US" dirty="0" smtClean="0"/>
-              <a:t>Y </a:t>
-            </a:r>
-            <a:r>
-              <a:rPr lang="en-US" dirty="0" smtClean="0"/>
-              <a:t>co-ordinates of the snake heads</a:t>
-            </a:r>
-            <a:r>
-              <a:rPr lang="en-US" dirty="0" smtClean="0"/>
-              <a:t>.</a:t>
+              <a:t>Distance between the Y co-ordinates of the snake heads.</a:t>
             </a:r>
           </a:p>
           <a:p>
@@ -4832,10 +4831,10 @@
           <a:p>
             <a:pPr algn="ctr"/>
             <a:r>
-              <a:rPr lang="en-US" sz="2800" dirty="0" smtClean="0"/>
+              <a:rPr lang="en-US" sz="2800" b="1" dirty="0" smtClean="0"/>
               <a:t>HARDWARE AND SOFTWARE REQUIREMENT </a:t>
             </a:r>
-            <a:endParaRPr lang="en-US" sz="2800" dirty="0"/>
+            <a:endParaRPr lang="en-US" sz="2800" b="1" dirty="0"/>
           </a:p>
         </p:txBody>
       </p:sp>
@@ -4867,11 +4866,7 @@
             </a:pPr>
             <a:r>
               <a:rPr lang="en-US" dirty="0" smtClean="0"/>
-              <a:t> </a:t>
-            </a:r>
-            <a:r>
-              <a:rPr lang="en-US" dirty="0" smtClean="0"/>
-              <a:t>Hardware Requirements :</a:t>
+              <a:t> Hardware Requirements :</a:t>
             </a:r>
           </a:p>
           <a:p>
@@ -4898,11 +4893,7 @@
             </a:pPr>
             <a:r>
               <a:rPr lang="en-US" dirty="0" smtClean="0"/>
-              <a:t> </a:t>
-            </a:r>
-            <a:r>
-              <a:rPr lang="en-US" dirty="0" smtClean="0"/>
-              <a:t>Java V1.8</a:t>
+              <a:t> Java V1.8</a:t>
             </a:r>
           </a:p>
           <a:p>
@@ -4912,11 +4903,7 @@
             </a:pPr>
             <a:r>
               <a:rPr lang="en-US" dirty="0" smtClean="0"/>
-              <a:t>Tomcat </a:t>
-            </a:r>
-            <a:r>
-              <a:rPr lang="en-US" dirty="0" smtClean="0"/>
-              <a:t>Server</a:t>
+              <a:t>Tomcat Server</a:t>
             </a:r>
           </a:p>
           <a:p>
@@ -4962,11 +4949,7 @@
             </a:pPr>
             <a:r>
               <a:rPr lang="en-US" dirty="0" err="1" smtClean="0"/>
-              <a:t>o</a:t>
-            </a:r>
-            <a:r>
-              <a:rPr lang="en-US" dirty="0" err="1" smtClean="0"/>
-              <a:t>rg.JSON</a:t>
+              <a:t>org.JSON</a:t>
             </a:r>
             <a:r>
               <a:rPr lang="en-US" dirty="0" smtClean="0"/>
@@ -5045,10 +5028,10 @@
           <a:p>
             <a:pPr algn="ctr"/>
             <a:r>
-              <a:rPr lang="en-US" sz="2800" dirty="0" smtClean="0"/>
+              <a:rPr lang="en-US" sz="2800" b="1" dirty="0" smtClean="0"/>
               <a:t>IMPLEMENTATION OF MODULES</a:t>
             </a:r>
-            <a:endParaRPr lang="en-US" sz="2800" dirty="0"/>
+            <a:endParaRPr lang="en-US" sz="2800" b="1" dirty="0"/>
           </a:p>
         </p:txBody>
       </p:sp>
@@ -5086,11 +5069,7 @@
             </a:pPr>
             <a:r>
               <a:rPr lang="en-US" sz="2400" dirty="0" smtClean="0"/>
-              <a:t> </a:t>
-            </a:r>
-            <a:r>
-              <a:rPr lang="en-US" sz="2400" dirty="0" smtClean="0"/>
-              <a:t> The live user listing module is server push process in which push the list of users available to play.</a:t>
+              <a:t>  The live user listing module is server push process in which push the list of users available to play.</a:t>
             </a:r>
           </a:p>
           <a:p>
@@ -5369,10 +5348,10 @@
           <a:p>
             <a:pPr algn="ctr"/>
             <a:r>
-              <a:rPr lang="en-US" sz="2800" dirty="0" smtClean="0"/>
+              <a:rPr lang="en-US" sz="2800" b="1" dirty="0" smtClean="0"/>
               <a:t>GAME CONTROLLER MODULE</a:t>
             </a:r>
-            <a:endParaRPr lang="en-US" sz="2800" dirty="0"/>
+            <a:endParaRPr lang="en-US" sz="2800" b="1" dirty="0"/>
           </a:p>
         </p:txBody>
       </p:sp>
@@ -5516,18 +5495,18 @@
           <a:p>
             <a:pPr algn="ctr"/>
             <a:r>
-              <a:rPr lang="en-US" sz="2800" dirty="0" smtClean="0"/>
+              <a:rPr lang="en-US" sz="2800" b="1" dirty="0" smtClean="0"/>
               <a:t>GAME CONTROLLER MODULE (</a:t>
             </a:r>
             <a:r>
-              <a:rPr lang="en-US" sz="2800" dirty="0" err="1" smtClean="0"/>
+              <a:rPr lang="en-US" sz="2800" b="1" dirty="0" err="1" smtClean="0"/>
               <a:t>Contd</a:t>
             </a:r>
             <a:r>
-              <a:rPr lang="en-US" sz="2800" dirty="0" smtClean="0"/>
+              <a:rPr lang="en-US" sz="2800" b="1" dirty="0" smtClean="0"/>
               <a:t>)</a:t>
             </a:r>
-            <a:endParaRPr lang="en-US" sz="2800" dirty="0"/>
+            <a:endParaRPr lang="en-US" sz="2800" b="1" dirty="0"/>
           </a:p>
         </p:txBody>
       </p:sp>
@@ -5580,11 +5559,7 @@
             </a:pPr>
             <a:r>
               <a:rPr lang="en-US" sz="2400" dirty="0" smtClean="0"/>
-              <a:t> If the user  wants to play with computer he can click  “PLAY WITH COMPUTER”  button </a:t>
-            </a:r>
-            <a:r>
-              <a:rPr lang="en-US" sz="2400" dirty="0" smtClean="0"/>
-              <a:t>.</a:t>
+              <a:t> If the user  wants to play with computer he can click  “PLAY WITH COMPUTER”  button .</a:t>
             </a:r>
           </a:p>
           <a:p>
@@ -5685,8 +5660,8 @@
         </p:nvSpPr>
         <p:spPr>
           <a:xfrm>
-            <a:off x="685800" y="304801"/>
-            <a:ext cx="7315200" cy="954107"/>
+            <a:off x="685800" y="152400"/>
+            <a:ext cx="6934200" cy="954107"/>
           </a:xfrm>
           <a:prstGeom prst="rect">
             <a:avLst/>
@@ -5701,21 +5676,21 @@
           <a:p>
             <a:pPr algn="ctr"/>
             <a:r>
-              <a:rPr lang="en-US" sz="2800" dirty="0" smtClean="0"/>
+              <a:rPr lang="en-US" sz="2800" b="1" dirty="0" smtClean="0"/>
               <a:t>GAME CONTROLLER MODULE (</a:t>
             </a:r>
             <a:r>
-              <a:rPr lang="en-US" sz="2800" dirty="0" err="1" smtClean="0"/>
+              <a:rPr lang="en-US" sz="2800" b="1" dirty="0" err="1" smtClean="0"/>
               <a:t>Contd</a:t>
             </a:r>
             <a:r>
-              <a:rPr lang="en-US" sz="2800" dirty="0" smtClean="0"/>
+              <a:rPr lang="en-US" sz="2800" b="1" dirty="0" smtClean="0"/>
               <a:t>)</a:t>
             </a:r>
           </a:p>
           <a:p>
             <a:pPr algn="ctr"/>
-            <a:endParaRPr lang="en-US" sz="2800" dirty="0"/>
+            <a:endParaRPr lang="en-US" sz="2800" b="1" dirty="0"/>
           </a:p>
         </p:txBody>
       </p:sp>
@@ -5727,8 +5702,8 @@
         </p:nvSpPr>
         <p:spPr>
           <a:xfrm>
-            <a:off x="533400" y="1524000"/>
-            <a:ext cx="8077200" cy="2308324"/>
+            <a:off x="533400" y="1066800"/>
+            <a:ext cx="8077200" cy="1938992"/>
           </a:xfrm>
           <a:prstGeom prst="rect">
             <a:avLst/>
@@ -5747,7 +5722,11 @@
             </a:pPr>
             <a:r>
               <a:rPr lang="en-US" sz="2400" dirty="0" smtClean="0"/>
-              <a:t> If he/she decline the request then the particular request is removed from the receiving user’s request list.</a:t>
+              <a:t> If he/she decline the request then the particular request is removed from the receiving user’s request </a:t>
+            </a:r>
+            <a:r>
+              <a:rPr lang="en-US" sz="2400" dirty="0" smtClean="0"/>
+              <a:t>list.</a:t>
             </a:r>
           </a:p>
           <a:p>
@@ -5755,16 +5734,13 @@
               <a:buFont typeface="Arial" pitchFamily="34" charset="0"/>
               <a:buChar char="•"/>
             </a:pPr>
-            <a:endParaRPr lang="en-US" sz="2400" dirty="0" smtClean="0"/>
-          </a:p>
-          <a:p>
-            <a:pPr>
-              <a:buFont typeface="Arial" pitchFamily="34" charset="0"/>
-              <a:buChar char="•"/>
-            </a:pPr>
-            <a:r>
-              <a:rPr lang="en-US" sz="2400" dirty="0" smtClean="0"/>
-              <a:t>The above operation is done by the class called “ </a:t>
+            <a:r>
+              <a:rPr lang="en-US" sz="2400" dirty="0" smtClean="0"/>
+              <a:t>The </a:t>
+            </a:r>
+            <a:r>
+              <a:rPr lang="en-US" sz="2400" dirty="0" smtClean="0"/>
+              <a:t>above operation is done by the class called “ </a:t>
             </a:r>
             <a:r>
               <a:rPr lang="en-US" sz="2400" dirty="0" err="1" smtClean="0"/>
@@ -5793,7 +5769,7 @@
           <p:nvPr/>
         </p:nvGraphicFramePr>
         <p:xfrm>
-          <a:off x="609600" y="3429000"/>
+          <a:off x="533400" y="2667000"/>
           <a:ext cx="8229600" cy="3708400"/>
         </p:xfrm>
         <a:graphic>
@@ -5814,10 +5790,10 @@
                     <a:p>
                       <a:pPr algn="ctr"/>
                       <a:r>
-                        <a:rPr lang="en-US" dirty="0" smtClean="0"/>
+                        <a:rPr lang="en-US" b="1" dirty="0" smtClean="0"/>
                         <a:t>Operation Code</a:t>
                       </a:r>
-                      <a:endParaRPr lang="en-US" dirty="0"/>
+                      <a:endParaRPr lang="en-US" b="1" dirty="0"/>
                     </a:p>
                   </a:txBody>
                   <a:tcPr/>
@@ -5829,10 +5805,10 @@
                     <a:p>
                       <a:pPr algn="ctr"/>
                       <a:r>
-                        <a:rPr lang="en-US" dirty="0" smtClean="0"/>
+                        <a:rPr lang="en-US" b="1" dirty="0" smtClean="0"/>
                         <a:t>Action</a:t>
                       </a:r>
-                      <a:endParaRPr lang="en-US" dirty="0"/>
+                      <a:endParaRPr lang="en-US" b="1" dirty="0"/>
                     </a:p>
                   </a:txBody>
                   <a:tcPr/>
@@ -6173,33 +6149,20 @@
       </p:grpSpPr>
       <p:sp>
         <p:nvSpPr>
-          <p:cNvPr id="2" name="TextBox 1"/>
+          <p:cNvPr id="3" name="TextBox 2"/>
           <p:cNvSpPr txBox="1"/>
           <p:nvPr/>
         </p:nvSpPr>
         <p:spPr>
           <a:xfrm>
-            <a:off x="381000" y="2895600"/>
-            <a:ext cx="8153400" cy="1107996"/>
+            <a:off x="838200" y="228600"/>
+            <a:ext cx="7315200" cy="523220"/>
           </a:xfrm>
           <a:prstGeom prst="rect">
             <a:avLst/>
           </a:prstGeom>
-        </p:spPr>
-        <p:style>
-          <a:lnRef idx="0">
-            <a:schemeClr val="dk1"/>
-          </a:lnRef>
-          <a:fillRef idx="3">
-            <a:schemeClr val="dk1"/>
-          </a:fillRef>
-          <a:effectRef idx="3">
-            <a:schemeClr val="dk1"/>
-          </a:effectRef>
-          <a:fontRef idx="minor">
-            <a:schemeClr val="lt1"/>
-          </a:fontRef>
-        </p:style>
+          <a:noFill/>
+        </p:spPr>
         <p:txBody>
           <a:bodyPr wrap="square" rtlCol="0">
             <a:spAutoFit/>
@@ -6208,16 +6171,92 @@
           <a:p>
             <a:pPr algn="ctr"/>
             <a:r>
-              <a:rPr lang="en-US" sz="6600" dirty="0" smtClean="0"/>
-              <a:t>THANK YOU </a:t>
-            </a:r>
-            <a:r>
-              <a:rPr lang="en-US" sz="6600" dirty="0" smtClean="0">
-                <a:sym typeface="Wingdings" pitchFamily="2" charset="2"/>
-              </a:rPr>
-              <a:t></a:t>
-            </a:r>
-            <a:endParaRPr lang="en-US" sz="6600" dirty="0"/>
+              <a:rPr lang="en-US" sz="2800" b="1" dirty="0" smtClean="0"/>
+              <a:t>USER SNAKE CONTROLLER MODULE</a:t>
+            </a:r>
+            <a:endParaRPr lang="en-US" sz="2800" b="1" dirty="0"/>
+          </a:p>
+        </p:txBody>
+      </p:sp>
+      <p:sp>
+        <p:nvSpPr>
+          <p:cNvPr id="4" name="TextBox 3"/>
+          <p:cNvSpPr txBox="1"/>
+          <p:nvPr/>
+        </p:nvSpPr>
+        <p:spPr>
+          <a:xfrm>
+            <a:off x="457200" y="1143000"/>
+            <a:ext cx="8153400" cy="4154984"/>
+          </a:xfrm>
+          <a:prstGeom prst="rect">
+            <a:avLst/>
+          </a:prstGeom>
+          <a:noFill/>
+        </p:spPr>
+        <p:txBody>
+          <a:bodyPr wrap="square" rtlCol="0">
+            <a:spAutoFit/>
+          </a:bodyPr>
+          <a:lstStyle/>
+          <a:p>
+            <a:pPr>
+              <a:buFont typeface="Arial" pitchFamily="34" charset="0"/>
+              <a:buChar char="•"/>
+            </a:pPr>
+            <a:r>
+              <a:rPr lang="en-US" sz="2400" dirty="0" smtClean="0"/>
+              <a:t> Unlike the previous implementation of the game in which entire game data is maintained in the server ,in this model the snake movements are localized.</a:t>
+            </a:r>
+          </a:p>
+          <a:p>
+            <a:pPr>
+              <a:buFont typeface="Arial" pitchFamily="34" charset="0"/>
+              <a:buChar char="•"/>
+            </a:pPr>
+            <a:endParaRPr lang="en-US" sz="2400" dirty="0" smtClean="0"/>
+          </a:p>
+          <a:p>
+            <a:pPr>
+              <a:buFont typeface="Arial" pitchFamily="34" charset="0"/>
+              <a:buChar char="•"/>
+            </a:pPr>
+            <a:r>
+              <a:rPr lang="en-US" sz="2400" dirty="0" smtClean="0"/>
+              <a:t> In this game the user has four movement controls  left ( ← ) ,right ( → ) ,top ( ↑ ) and down ( ↓ ).</a:t>
+            </a:r>
+          </a:p>
+          <a:p>
+            <a:pPr>
+              <a:buFont typeface="Arial" pitchFamily="34" charset="0"/>
+              <a:buChar char="•"/>
+            </a:pPr>
+            <a:endParaRPr lang="en-US" sz="2400" dirty="0" smtClean="0"/>
+          </a:p>
+          <a:p>
+            <a:pPr>
+              <a:buFont typeface="Arial" pitchFamily="34" charset="0"/>
+              <a:buChar char="•"/>
+            </a:pPr>
+            <a:r>
+              <a:rPr lang="en-US" sz="2400" dirty="0" smtClean="0"/>
+              <a:t> On pressing any of these button a key code is sent to a function with in turn  checks the </a:t>
+            </a:r>
+            <a:r>
+              <a:rPr lang="en-US" sz="2400" b="1" dirty="0" smtClean="0"/>
+              <a:t>user’s id  </a:t>
+            </a:r>
+            <a:r>
+              <a:rPr lang="en-US" sz="2400" dirty="0" smtClean="0"/>
+              <a:t>and report the server about local changes of the snake .</a:t>
+            </a:r>
+          </a:p>
+          <a:p>
+            <a:pPr>
+              <a:buFont typeface="Arial" pitchFamily="34" charset="0"/>
+              <a:buChar char="•"/>
+            </a:pPr>
+            <a:endParaRPr lang="en-US" sz="2400" b="1" dirty="0" smtClean="0"/>
           </a:p>
         </p:txBody>
       </p:sp>
@@ -6262,10 +6301,10 @@
           <a:lstStyle/>
           <a:p>
             <a:r>
-              <a:rPr lang="en-US" dirty="0" smtClean="0"/>
+              <a:rPr lang="en-US" b="1" dirty="0" smtClean="0"/>
               <a:t>ABSTRACT</a:t>
             </a:r>
-            <a:endParaRPr lang="en-US" dirty="0"/>
+            <a:endParaRPr lang="en-US" b="1" dirty="0"/>
           </a:p>
         </p:txBody>
       </p:sp>
@@ -6305,7 +6344,27 @@
             </a:pPr>
             <a:r>
               <a:rPr lang="en-US" sz="2400" dirty="0" smtClean="0"/>
-              <a:t>each on a multiplayer snake game and make the computer</a:t>
+              <a:t>each </a:t>
+            </a:r>
+            <a:r>
+              <a:rPr lang="en-US" sz="2400" dirty="0" smtClean="0"/>
+              <a:t>other on </a:t>
+            </a:r>
+            <a:r>
+              <a:rPr lang="en-US" sz="2400" dirty="0" smtClean="0"/>
+              <a:t>a multiplayer </a:t>
+            </a:r>
+            <a:r>
+              <a:rPr lang="en-US" sz="2400" b="1" dirty="0" smtClean="0"/>
+              <a:t>snake game</a:t>
+            </a:r>
+            <a:r>
+              <a:rPr lang="en-US" sz="2400" dirty="0" smtClean="0"/>
+              <a:t> and </a:t>
+            </a:r>
+            <a:r>
+              <a:rPr lang="en-US" sz="2400" dirty="0" smtClean="0"/>
+              <a:t>make the computer</a:t>
             </a:r>
           </a:p>
           <a:p>
@@ -6332,7 +6391,15 @@
             </a:pPr>
             <a:r>
               <a:rPr lang="en-US" sz="2400" dirty="0" smtClean="0"/>
-              <a:t>developed using the basic SSE technology and record the player</a:t>
+              <a:t>developed using the basic </a:t>
+            </a:r>
+            <a:r>
+              <a:rPr lang="en-US" sz="2400" b="1" dirty="0" smtClean="0"/>
+              <a:t>SSE technology</a:t>
+            </a:r>
+            <a:r>
+              <a:rPr lang="en-US" sz="2400" dirty="0" smtClean="0"/>
+              <a:t> and record the player</a:t>
             </a:r>
           </a:p>
           <a:p>
@@ -6359,7 +6426,19 @@
             </a:pPr>
             <a:r>
               <a:rPr lang="en-US" sz="2400" dirty="0" smtClean="0"/>
-              <a:t>algorithm to reach the target with having self destructive moves</a:t>
+              <a:t>algorithm to reach the target </a:t>
+            </a:r>
+            <a:r>
+              <a:rPr lang="en-US" sz="2400" dirty="0" smtClean="0"/>
+              <a:t>with out </a:t>
+            </a:r>
+            <a:r>
+              <a:rPr lang="en-US" sz="2400" dirty="0" smtClean="0"/>
+              <a:t>having self </a:t>
+            </a:r>
+            <a:r>
+              <a:rPr lang="en-US" sz="2400" dirty="0" smtClean="0"/>
+              <a:t>destructive</a:t>
             </a:r>
           </a:p>
           <a:p>
@@ -6368,7 +6447,19 @@
             </a:pPr>
             <a:r>
               <a:rPr lang="en-US" sz="2400" dirty="0" smtClean="0"/>
-              <a:t>and tries to escape from the opponent’s attacking moves by</a:t>
+              <a:t>m</a:t>
+            </a:r>
+            <a:r>
+              <a:rPr lang="en-US" sz="2400" dirty="0" smtClean="0"/>
+              <a:t>oves and </a:t>
+            </a:r>
+            <a:r>
+              <a:rPr lang="en-US" sz="2400" dirty="0" smtClean="0"/>
+              <a:t>tries to escape from the opponent’s attacking </a:t>
+            </a:r>
+            <a:r>
+              <a:rPr lang="en-US" sz="2400" dirty="0" smtClean="0"/>
+              <a:t>moves</a:t>
             </a:r>
           </a:p>
           <a:p>
@@ -6377,7 +6468,19 @@
             </a:pPr>
             <a:r>
               <a:rPr lang="en-US" sz="2400" dirty="0" smtClean="0"/>
-              <a:t>predicting it before.</a:t>
+              <a:t>by</a:t>
+            </a:r>
+            <a:r>
+              <a:rPr lang="en-US" sz="2400" dirty="0" smtClean="0"/>
+              <a:t> </a:t>
+            </a:r>
+            <a:r>
+              <a:rPr lang="en-US" sz="2400" dirty="0" smtClean="0"/>
+              <a:t>predicting </a:t>
+            </a:r>
+            <a:r>
+              <a:rPr lang="en-US" sz="2400" dirty="0" smtClean="0"/>
+              <a:t>it before.</a:t>
             </a:r>
           </a:p>
           <a:p>
@@ -6406,6 +6509,543 @@
       </p:par>
     </p:tnLst>
   </p:timing>
+</p:sld>
+</file>
+
+<file path=ppt/slides/slide20.xml><?xml version="1.0" encoding="utf-8"?>
+<p:sld xmlns:a="http://schemas.openxmlformats.org/drawingml/2006/main" xmlns:r="http://schemas.openxmlformats.org/officeDocument/2006/relationships" xmlns:p="http://schemas.openxmlformats.org/presentationml/2006/main">
+  <p:cSld>
+    <p:spTree>
+      <p:nvGrpSpPr>
+        <p:cNvPr id="1" name=""/>
+        <p:cNvGrpSpPr/>
+        <p:nvPr/>
+      </p:nvGrpSpPr>
+      <p:grpSpPr>
+        <a:xfrm>
+          <a:off x="0" y="0"/>
+          <a:ext cx="0" cy="0"/>
+          <a:chOff x="0" y="0"/>
+          <a:chExt cx="0" cy="0"/>
+        </a:xfrm>
+      </p:grpSpPr>
+      <p:sp>
+        <p:nvSpPr>
+          <p:cNvPr id="2" name="TextBox 1"/>
+          <p:cNvSpPr txBox="1"/>
+          <p:nvPr/>
+        </p:nvSpPr>
+        <p:spPr>
+          <a:xfrm>
+            <a:off x="685800" y="228600"/>
+            <a:ext cx="7620000" cy="523220"/>
+          </a:xfrm>
+          <a:prstGeom prst="rect">
+            <a:avLst/>
+          </a:prstGeom>
+          <a:noFill/>
+        </p:spPr>
+        <p:txBody>
+          <a:bodyPr wrap="square" rtlCol="0">
+            <a:spAutoFit/>
+          </a:bodyPr>
+          <a:lstStyle/>
+          <a:p>
+            <a:pPr algn="ctr"/>
+            <a:r>
+              <a:rPr lang="en-US" sz="2800" b="1" dirty="0" smtClean="0"/>
+              <a:t>USER SNAKE CONTROLLER MODULE</a:t>
+            </a:r>
+            <a:endParaRPr lang="en-US" sz="2800" b="1" dirty="0"/>
+          </a:p>
+        </p:txBody>
+      </p:sp>
+      <p:sp>
+        <p:nvSpPr>
+          <p:cNvPr id="3" name="TextBox 2"/>
+          <p:cNvSpPr txBox="1"/>
+          <p:nvPr/>
+        </p:nvSpPr>
+        <p:spPr>
+          <a:xfrm>
+            <a:off x="533400" y="1143000"/>
+            <a:ext cx="7924800" cy="4801314"/>
+          </a:xfrm>
+          <a:prstGeom prst="rect">
+            <a:avLst/>
+          </a:prstGeom>
+          <a:noFill/>
+        </p:spPr>
+        <p:txBody>
+          <a:bodyPr wrap="square" rtlCol="0">
+            <a:spAutoFit/>
+          </a:bodyPr>
+          <a:lstStyle/>
+          <a:p>
+            <a:pPr>
+              <a:buFont typeface="Arial" pitchFamily="34" charset="0"/>
+              <a:buChar char="•"/>
+            </a:pPr>
+            <a:r>
+              <a:rPr lang="en-US" sz="2400" dirty="0" smtClean="0"/>
+              <a:t> The  receives the report and push it to its listeners and listeners gets the announcement from the server and makes the changes to the local game board.</a:t>
+            </a:r>
+          </a:p>
+          <a:p>
+            <a:pPr>
+              <a:buFont typeface="Arial" pitchFamily="34" charset="0"/>
+              <a:buChar char="•"/>
+            </a:pPr>
+            <a:endParaRPr lang="en-US" sz="2400" dirty="0" smtClean="0"/>
+          </a:p>
+          <a:p>
+            <a:pPr>
+              <a:buFont typeface="Arial" pitchFamily="34" charset="0"/>
+              <a:buChar char="•"/>
+            </a:pPr>
+            <a:r>
+              <a:rPr lang="en-US" sz="2400" dirty="0" smtClean="0"/>
+              <a:t> The following changes of the local game board is reported to the server </a:t>
+            </a:r>
+          </a:p>
+          <a:p>
+            <a:pPr lvl="1">
+              <a:buFont typeface="Arial" pitchFamily="34" charset="0"/>
+              <a:buChar char="•"/>
+            </a:pPr>
+            <a:endParaRPr lang="en-US" sz="2400" dirty="0" smtClean="0"/>
+          </a:p>
+          <a:p>
+            <a:pPr marL="1257300" lvl="2" indent="-342900">
+              <a:buFont typeface="+mj-lt"/>
+              <a:buAutoNum type="arabicPeriod"/>
+            </a:pPr>
+            <a:r>
+              <a:rPr lang="en-US" sz="2400" dirty="0" smtClean="0"/>
+              <a:t>Snake’s position changes</a:t>
+            </a:r>
+          </a:p>
+          <a:p>
+            <a:pPr marL="1257300" lvl="2" indent="-342900">
+              <a:buFont typeface="+mj-lt"/>
+              <a:buAutoNum type="arabicPeriod"/>
+            </a:pPr>
+            <a:r>
+              <a:rPr lang="en-US" sz="2400" dirty="0" smtClean="0"/>
+              <a:t>Addition of body part to a snake.</a:t>
+            </a:r>
+          </a:p>
+          <a:p>
+            <a:pPr marL="1257300" lvl="2" indent="-342900">
+              <a:buFont typeface="+mj-lt"/>
+              <a:buAutoNum type="arabicPeriod"/>
+            </a:pPr>
+            <a:r>
+              <a:rPr lang="en-US" sz="2400" dirty="0" smtClean="0"/>
+              <a:t>Removal of body part to a snake.</a:t>
+            </a:r>
+          </a:p>
+          <a:p>
+            <a:pPr marL="1257300" lvl="2" indent="-342900">
+              <a:buFont typeface="+mj-lt"/>
+              <a:buAutoNum type="arabicPeriod"/>
+            </a:pPr>
+            <a:r>
+              <a:rPr lang="en-US" sz="2400" dirty="0" smtClean="0"/>
+              <a:t>When body part count of any snake gets below THREE( 3 ).</a:t>
+            </a:r>
+          </a:p>
+          <a:p>
+            <a:endParaRPr lang="en-US" dirty="0"/>
+          </a:p>
+        </p:txBody>
+      </p:sp>
+    </p:spTree>
+  </p:cSld>
+  <p:clrMapOvr>
+    <a:masterClrMapping/>
+  </p:clrMapOvr>
+</p:sld>
+</file>
+
+<file path=ppt/slides/slide21.xml><?xml version="1.0" encoding="utf-8"?>
+<p:sld xmlns:a="http://schemas.openxmlformats.org/drawingml/2006/main" xmlns:r="http://schemas.openxmlformats.org/officeDocument/2006/relationships" xmlns:p="http://schemas.openxmlformats.org/presentationml/2006/main">
+  <p:cSld>
+    <p:spTree>
+      <p:nvGrpSpPr>
+        <p:cNvPr id="1" name=""/>
+        <p:cNvGrpSpPr/>
+        <p:nvPr/>
+      </p:nvGrpSpPr>
+      <p:grpSpPr>
+        <a:xfrm>
+          <a:off x="0" y="0"/>
+          <a:ext cx="0" cy="0"/>
+          <a:chOff x="0" y="0"/>
+          <a:chExt cx="0" cy="0"/>
+        </a:xfrm>
+      </p:grpSpPr>
+      <p:sp>
+        <p:nvSpPr>
+          <p:cNvPr id="2" name="TextBox 1"/>
+          <p:cNvSpPr txBox="1"/>
+          <p:nvPr/>
+        </p:nvSpPr>
+        <p:spPr>
+          <a:xfrm>
+            <a:off x="609600" y="304800"/>
+            <a:ext cx="7696200" cy="523220"/>
+          </a:xfrm>
+          <a:prstGeom prst="rect">
+            <a:avLst/>
+          </a:prstGeom>
+          <a:noFill/>
+        </p:spPr>
+        <p:txBody>
+          <a:bodyPr wrap="square" rtlCol="0">
+            <a:spAutoFit/>
+          </a:bodyPr>
+          <a:lstStyle/>
+          <a:p>
+            <a:pPr algn="ctr"/>
+            <a:r>
+              <a:rPr lang="en-US" sz="2800" b="1" dirty="0" smtClean="0"/>
+              <a:t>GAME SYNCHRONIZATION MODULE</a:t>
+            </a:r>
+            <a:endParaRPr lang="en-US" sz="2800" b="1" dirty="0"/>
+          </a:p>
+        </p:txBody>
+      </p:sp>
+      <p:sp>
+        <p:nvSpPr>
+          <p:cNvPr id="3" name="TextBox 2"/>
+          <p:cNvSpPr txBox="1"/>
+          <p:nvPr/>
+        </p:nvSpPr>
+        <p:spPr>
+          <a:xfrm>
+            <a:off x="533400" y="1143000"/>
+            <a:ext cx="8001000" cy="5262979"/>
+          </a:xfrm>
+          <a:prstGeom prst="rect">
+            <a:avLst/>
+          </a:prstGeom>
+          <a:noFill/>
+        </p:spPr>
+        <p:txBody>
+          <a:bodyPr wrap="square" rtlCol="0">
+            <a:spAutoFit/>
+          </a:bodyPr>
+          <a:lstStyle/>
+          <a:p>
+            <a:pPr>
+              <a:buFont typeface="Arial" pitchFamily="34" charset="0"/>
+              <a:buChar char="•"/>
+            </a:pPr>
+            <a:r>
+              <a:rPr lang="en-US" sz="2400" dirty="0" smtClean="0"/>
+              <a:t> The game synchronization is purely for synchronizing the user’s local game board on a particular event.</a:t>
+            </a:r>
+          </a:p>
+          <a:p>
+            <a:pPr>
+              <a:buFont typeface="Arial" pitchFamily="34" charset="0"/>
+              <a:buChar char="•"/>
+            </a:pPr>
+            <a:endParaRPr lang="en-US" sz="2400" dirty="0" smtClean="0"/>
+          </a:p>
+          <a:p>
+            <a:pPr>
+              <a:buFont typeface="Arial" pitchFamily="34" charset="0"/>
+              <a:buChar char="•"/>
+            </a:pPr>
+            <a:r>
+              <a:rPr lang="en-US" sz="2400" dirty="0" smtClean="0"/>
+              <a:t> What if the entire game is maintain in server side instead of  giving it to a client    agent like browsers ?</a:t>
+            </a:r>
+          </a:p>
+          <a:p>
+            <a:pPr>
+              <a:buFont typeface="Arial" pitchFamily="34" charset="0"/>
+              <a:buChar char="•"/>
+            </a:pPr>
+            <a:endParaRPr lang="en-US" sz="2400" dirty="0" smtClean="0"/>
+          </a:p>
+          <a:p>
+            <a:pPr>
+              <a:buFont typeface="Arial" pitchFamily="34" charset="0"/>
+              <a:buChar char="•"/>
+            </a:pPr>
+            <a:r>
+              <a:rPr lang="en-US" sz="2400" dirty="0" smtClean="0"/>
+              <a:t> Though when a game board on server side gives a perfect synchronization localization of game board is done.</a:t>
+            </a:r>
+          </a:p>
+          <a:p>
+            <a:pPr>
+              <a:buFont typeface="Arial" pitchFamily="34" charset="0"/>
+              <a:buChar char="•"/>
+            </a:pPr>
+            <a:endParaRPr lang="en-US" sz="2400" dirty="0" smtClean="0"/>
+          </a:p>
+          <a:p>
+            <a:pPr>
+              <a:buFont typeface="Arial" pitchFamily="34" charset="0"/>
+              <a:buChar char="•"/>
+            </a:pPr>
+            <a:r>
+              <a:rPr lang="en-US" sz="2400" dirty="0" smtClean="0"/>
+              <a:t> </a:t>
+            </a:r>
+            <a:r>
+              <a:rPr lang="en-US" sz="2400" dirty="0" smtClean="0"/>
+              <a:t>The reason is operational overhead  ,this is due snake’s movement in the game board is time consuming  ,if we make such a time consuming process run on the  server side then facilitating multiple game simultaneously will become a tedious task. </a:t>
+            </a:r>
+            <a:endParaRPr lang="en-US" sz="2400" dirty="0" smtClean="0"/>
+          </a:p>
+        </p:txBody>
+      </p:sp>
+    </p:spTree>
+  </p:cSld>
+  <p:clrMapOvr>
+    <a:masterClrMapping/>
+  </p:clrMapOvr>
+</p:sld>
+</file>
+
+<file path=ppt/slides/slide22.xml><?xml version="1.0" encoding="utf-8"?>
+<p:sld xmlns:a="http://schemas.openxmlformats.org/drawingml/2006/main" xmlns:r="http://schemas.openxmlformats.org/officeDocument/2006/relationships" xmlns:p="http://schemas.openxmlformats.org/presentationml/2006/main">
+  <p:cSld>
+    <p:spTree>
+      <p:nvGrpSpPr>
+        <p:cNvPr id="1" name=""/>
+        <p:cNvGrpSpPr/>
+        <p:nvPr/>
+      </p:nvGrpSpPr>
+      <p:grpSpPr>
+        <a:xfrm>
+          <a:off x="0" y="0"/>
+          <a:ext cx="0" cy="0"/>
+          <a:chOff x="0" y="0"/>
+          <a:chExt cx="0" cy="0"/>
+        </a:xfrm>
+      </p:grpSpPr>
+      <p:sp>
+        <p:nvSpPr>
+          <p:cNvPr id="3" name="TextBox 2"/>
+          <p:cNvSpPr txBox="1"/>
+          <p:nvPr/>
+        </p:nvSpPr>
+        <p:spPr>
+          <a:xfrm>
+            <a:off x="609600" y="304800"/>
+            <a:ext cx="8229600" cy="523220"/>
+          </a:xfrm>
+          <a:prstGeom prst="rect">
+            <a:avLst/>
+          </a:prstGeom>
+          <a:noFill/>
+        </p:spPr>
+        <p:txBody>
+          <a:bodyPr wrap="square" rtlCol="0">
+            <a:spAutoFit/>
+          </a:bodyPr>
+          <a:lstStyle/>
+          <a:p>
+            <a:pPr algn="ctr"/>
+            <a:r>
+              <a:rPr lang="en-US" sz="2800" b="1" dirty="0" smtClean="0"/>
+              <a:t>GAME SYNCHRONIZATION </a:t>
+            </a:r>
+            <a:r>
+              <a:rPr lang="en-US" sz="2800" b="1" dirty="0" smtClean="0"/>
+              <a:t>MODULE (</a:t>
+            </a:r>
+            <a:r>
+              <a:rPr lang="en-US" sz="2800" b="1" dirty="0" err="1" smtClean="0"/>
+              <a:t>Contd</a:t>
+            </a:r>
+            <a:r>
+              <a:rPr lang="en-US" sz="2800" b="1" dirty="0" smtClean="0"/>
+              <a:t>)</a:t>
+            </a:r>
+            <a:endParaRPr lang="en-US" sz="2800" b="1" dirty="0" smtClean="0"/>
+          </a:p>
+        </p:txBody>
+      </p:sp>
+      <p:sp>
+        <p:nvSpPr>
+          <p:cNvPr id="4" name="TextBox 3"/>
+          <p:cNvSpPr txBox="1"/>
+          <p:nvPr/>
+        </p:nvSpPr>
+        <p:spPr>
+          <a:xfrm>
+            <a:off x="304800" y="990600"/>
+            <a:ext cx="8534400" cy="2585323"/>
+          </a:xfrm>
+          <a:prstGeom prst="rect">
+            <a:avLst/>
+          </a:prstGeom>
+          <a:noFill/>
+        </p:spPr>
+        <p:txBody>
+          <a:bodyPr wrap="square" rtlCol="0">
+            <a:spAutoFit/>
+          </a:bodyPr>
+          <a:lstStyle/>
+          <a:p>
+            <a:pPr>
+              <a:buFont typeface="Arial" pitchFamily="34" charset="0"/>
+              <a:buChar char="•"/>
+            </a:pPr>
+            <a:r>
+              <a:rPr lang="en-US" dirty="0" smtClean="0"/>
+              <a:t> In this project the basic level of synchronization involves  an important task to be done ,that is </a:t>
+            </a:r>
+            <a:r>
+              <a:rPr lang="en-US" b="1" dirty="0" smtClean="0"/>
+              <a:t>start time calibration .</a:t>
+            </a:r>
+          </a:p>
+          <a:p>
+            <a:pPr>
+              <a:buFont typeface="Arial" pitchFamily="34" charset="0"/>
+              <a:buChar char="•"/>
+            </a:pPr>
+            <a:endParaRPr lang="en-US" b="1" dirty="0" smtClean="0"/>
+          </a:p>
+          <a:p>
+            <a:pPr>
+              <a:buFont typeface="Arial" pitchFamily="34" charset="0"/>
+              <a:buChar char="•"/>
+            </a:pPr>
+            <a:r>
+              <a:rPr lang="en-US" b="1" dirty="0" smtClean="0"/>
+              <a:t> START TIME CALIBRATION</a:t>
+            </a:r>
+          </a:p>
+          <a:p>
+            <a:pPr lvl="1">
+              <a:buFont typeface="Arial" pitchFamily="34" charset="0"/>
+              <a:buChar char="•"/>
+            </a:pPr>
+            <a:r>
+              <a:rPr lang="en-US" b="1" dirty="0" smtClean="0"/>
+              <a:t> </a:t>
+            </a:r>
+            <a:r>
+              <a:rPr lang="en-US" dirty="0" smtClean="0"/>
+              <a:t>The start time calibration process depends on the Timestamp of the listeners and the retry header of the event generated by the server.</a:t>
+            </a:r>
+          </a:p>
+          <a:p>
+            <a:pPr lvl="1">
+              <a:buFont typeface="Arial" pitchFamily="34" charset="0"/>
+              <a:buChar char="•"/>
+            </a:pPr>
+            <a:endParaRPr lang="en-US" b="1" dirty="0" smtClean="0"/>
+          </a:p>
+          <a:p>
+            <a:pPr lvl="1">
+              <a:buFont typeface="Arial" pitchFamily="34" charset="0"/>
+              <a:buChar char="•"/>
+            </a:pPr>
+            <a:r>
+              <a:rPr lang="en-US" dirty="0" smtClean="0"/>
+              <a:t> The entire calibration process is illustrated in the below diagram.</a:t>
+            </a:r>
+            <a:endParaRPr lang="en-US" smtClean="0"/>
+          </a:p>
+          <a:p>
+            <a:pPr lvl="1">
+              <a:buFont typeface="Arial" pitchFamily="34" charset="0"/>
+              <a:buChar char="•"/>
+            </a:pPr>
+            <a:endParaRPr lang="en-US" dirty="0"/>
+          </a:p>
+        </p:txBody>
+      </p:sp>
+    </p:spTree>
+  </p:cSld>
+  <p:clrMapOvr>
+    <a:masterClrMapping/>
+  </p:clrMapOvr>
+</p:sld>
+</file>
+
+<file path=ppt/slides/slide23.xml><?xml version="1.0" encoding="utf-8"?>
+<p:sld xmlns:a="http://schemas.openxmlformats.org/drawingml/2006/main" xmlns:r="http://schemas.openxmlformats.org/officeDocument/2006/relationships" xmlns:p="http://schemas.openxmlformats.org/presentationml/2006/main">
+  <p:cSld>
+    <p:spTree>
+      <p:nvGrpSpPr>
+        <p:cNvPr id="1" name=""/>
+        <p:cNvGrpSpPr/>
+        <p:nvPr/>
+      </p:nvGrpSpPr>
+      <p:grpSpPr>
+        <a:xfrm>
+          <a:off x="0" y="0"/>
+          <a:ext cx="0" cy="0"/>
+          <a:chOff x="0" y="0"/>
+          <a:chExt cx="0" cy="0"/>
+        </a:xfrm>
+      </p:grpSpPr>
+      <p:sp>
+        <p:nvSpPr>
+          <p:cNvPr id="2" name="TextBox 1"/>
+          <p:cNvSpPr txBox="1"/>
+          <p:nvPr/>
+        </p:nvSpPr>
+        <p:spPr>
+          <a:xfrm>
+            <a:off x="381000" y="2895600"/>
+            <a:ext cx="8153400" cy="1107996"/>
+          </a:xfrm>
+          <a:prstGeom prst="rect">
+            <a:avLst/>
+          </a:prstGeom>
+        </p:spPr>
+        <p:style>
+          <a:lnRef idx="0">
+            <a:schemeClr val="dk1"/>
+          </a:lnRef>
+          <a:fillRef idx="3">
+            <a:schemeClr val="dk1"/>
+          </a:fillRef>
+          <a:effectRef idx="3">
+            <a:schemeClr val="dk1"/>
+          </a:effectRef>
+          <a:fontRef idx="minor">
+            <a:schemeClr val="lt1"/>
+          </a:fontRef>
+        </p:style>
+        <p:txBody>
+          <a:bodyPr wrap="square" rtlCol="0">
+            <a:spAutoFit/>
+          </a:bodyPr>
+          <a:lstStyle/>
+          <a:p>
+            <a:pPr algn="ctr"/>
+            <a:r>
+              <a:rPr lang="en-US" sz="6600" dirty="0" smtClean="0"/>
+              <a:t>THANK YOU </a:t>
+            </a:r>
+            <a:r>
+              <a:rPr lang="en-US" sz="6600" dirty="0" smtClean="0">
+                <a:sym typeface="Wingdings" pitchFamily="2" charset="2"/>
+              </a:rPr>
+              <a:t></a:t>
+            </a:r>
+            <a:endParaRPr lang="en-US" sz="6600" dirty="0"/>
+          </a:p>
+        </p:txBody>
+      </p:sp>
+    </p:spTree>
+  </p:cSld>
+  <p:clrMapOvr>
+    <a:masterClrMapping/>
+  </p:clrMapOvr>
 </p:sld>
 </file>
 
@@ -6442,10 +7082,10 @@
           <a:lstStyle/>
           <a:p>
             <a:r>
-              <a:rPr lang="en-US" dirty="0" smtClean="0"/>
+              <a:rPr lang="en-US" b="1" dirty="0" smtClean="0"/>
               <a:t>SCOPE AND JUSTIFICATION</a:t>
             </a:r>
-            <a:endParaRPr lang="en-US" dirty="0"/>
+            <a:endParaRPr lang="en-US" b="1" dirty="0"/>
           </a:p>
         </p:txBody>
       </p:sp>
@@ -6503,6 +7143,13 @@
   <p:clrMapOvr>
     <a:masterClrMapping/>
   </p:clrMapOvr>
+  <p:timing>
+    <p:tnLst>
+      <p:par>
+        <p:cTn id="1" dur="indefinite" restart="never" nodeType="tmRoot"/>
+      </p:par>
+    </p:tnLst>
+  </p:timing>
 </p:sld>
 </file>
 
@@ -6559,10 +7206,10 @@
           <a:lstStyle/>
           <a:p>
             <a:r>
-              <a:rPr lang="en-US" sz="2800" dirty="0" smtClean="0"/>
+              <a:rPr lang="en-US" sz="2800" b="1" dirty="0" smtClean="0"/>
               <a:t>SINGLE PLAYER SNAKE GAME:</a:t>
             </a:r>
-            <a:endParaRPr lang="en-US" sz="2800" dirty="0"/>
+            <a:endParaRPr lang="en-US" sz="2800" b="1" dirty="0"/>
           </a:p>
         </p:txBody>
       </p:sp>
@@ -6728,14 +7375,14 @@
           <a:lstStyle/>
           <a:p>
             <a:r>
-              <a:rPr lang="en-US" sz="2400" dirty="0" smtClean="0">
+              <a:rPr lang="en-US" sz="2400" b="1" dirty="0" smtClean="0">
                 <a:solidFill>
                   <a:schemeClr val="tx1"/>
                 </a:solidFill>
               </a:rPr>
               <a:t>WINNING STAGE FOR SINGLE PLAYER GAME MODE</a:t>
             </a:r>
-            <a:endParaRPr lang="en-US" sz="2400" dirty="0">
+            <a:endParaRPr lang="en-US" sz="2400" b="1" dirty="0">
               <a:solidFill>
                 <a:schemeClr val="tx1"/>
               </a:solidFill>
@@ -6922,10 +7569,10 @@
           <a:lstStyle/>
           <a:p>
             <a:r>
-              <a:rPr lang="en-US" sz="2800" dirty="0" smtClean="0"/>
+              <a:rPr lang="en-US" sz="2800" b="1" dirty="0" smtClean="0"/>
               <a:t>ANOTHER BIG CHALLENEGE</a:t>
             </a:r>
-            <a:endParaRPr lang="en-US" sz="2800" dirty="0"/>
+            <a:endParaRPr lang="en-US" sz="2800" b="1" dirty="0"/>
           </a:p>
         </p:txBody>
       </p:sp>
@@ -7096,10 +7743,10 @@
           <a:lstStyle/>
           <a:p>
             <a:r>
-              <a:rPr lang="en-US" sz="2400" dirty="0" smtClean="0"/>
+              <a:rPr lang="en-US" sz="2400" b="1" dirty="0" smtClean="0"/>
               <a:t>ROLE OF AI IN SINGLE PLAYERE MODE</a:t>
             </a:r>
-            <a:endParaRPr lang="en-US" sz="2400" dirty="0"/>
+            <a:endParaRPr lang="en-US" sz="2400" b="1" dirty="0"/>
           </a:p>
         </p:txBody>
       </p:sp>
@@ -7563,10 +8210,10 @@
           <a:lstStyle/>
           <a:p>
             <a:r>
-              <a:rPr lang="en-US" sz="2800" dirty="0" smtClean="0"/>
+              <a:rPr lang="en-US" sz="2800" b="1" dirty="0" smtClean="0"/>
               <a:t>MULTIPLAYER SNAKE GAME (INSTRUCTIONS)</a:t>
             </a:r>
-            <a:endParaRPr lang="en-US" sz="2800" dirty="0"/>
+            <a:endParaRPr lang="en-US" sz="2800" b="1" dirty="0"/>
           </a:p>
         </p:txBody>
       </p:sp>

--- a/presentation/AI BASED MULTIPLAYER SNAKE GAME(mini project).pptx
+++ b/presentation/AI BASED MULTIPLAYER SNAKE GAME(mini project).pptx
@@ -27,7 +27,11 @@
     <p:sldId id="276" r:id="rId21"/>
     <p:sldId id="277" r:id="rId22"/>
     <p:sldId id="278" r:id="rId23"/>
-    <p:sldId id="263" r:id="rId24"/>
+    <p:sldId id="279" r:id="rId24"/>
+    <p:sldId id="280" r:id="rId25"/>
+    <p:sldId id="281" r:id="rId26"/>
+    <p:sldId id="282" r:id="rId27"/>
+    <p:sldId id="263" r:id="rId28"/>
   </p:sldIdLst>
   <p:sldSz cx="9144000" cy="6858000" type="screen4x3"/>
   <p:notesSz cx="6858000" cy="9144000"/>
@@ -4468,23 +4472,7 @@
             <a:pPr marL="342900" indent="-342900"/>
             <a:r>
               <a:rPr lang="en-US" sz="2400" dirty="0" smtClean="0"/>
-              <a:t>3. </a:t>
-            </a:r>
-            <a:r>
-              <a:rPr lang="en-US" sz="2400" dirty="0" smtClean="0"/>
-              <a:t>User s</a:t>
-            </a:r>
-            <a:r>
-              <a:rPr lang="en-US" sz="2400" dirty="0" smtClean="0"/>
-              <a:t>nake</a:t>
-            </a:r>
-            <a:r>
-              <a:rPr lang="en-US" sz="2400" dirty="0" smtClean="0"/>
-              <a:t> </a:t>
-            </a:r>
-            <a:r>
-              <a:rPr lang="en-US" sz="2400" dirty="0" smtClean="0"/>
-              <a:t>Controller Module</a:t>
+              <a:t>3. User snake Controller Module</a:t>
             </a:r>
           </a:p>
           <a:p>
@@ -4579,15 +4567,7 @@
           <a:p>
             <a:r>
               <a:rPr lang="en-US" sz="2800" b="1" dirty="0" smtClean="0"/>
-              <a:t>DATA </a:t>
-            </a:r>
-            <a:r>
-              <a:rPr lang="en-US" sz="2800" b="1" dirty="0" smtClean="0"/>
-              <a:t>COLLECTION </a:t>
-            </a:r>
-            <a:r>
-              <a:rPr lang="en-US" sz="2800" b="1" dirty="0" smtClean="0"/>
-              <a:t>PHASE</a:t>
+              <a:t>DATA COLLECTION PHASE</a:t>
             </a:r>
             <a:endParaRPr lang="en-US" sz="2800" b="1" dirty="0"/>
           </a:p>
@@ -5722,25 +5702,17 @@
             </a:pPr>
             <a:r>
               <a:rPr lang="en-US" sz="2400" dirty="0" smtClean="0"/>
-              <a:t> If he/she decline the request then the particular request is removed from the receiving user’s request </a:t>
-            </a:r>
-            <a:r>
-              <a:rPr lang="en-US" sz="2400" dirty="0" smtClean="0"/>
-              <a:t>list.</a:t>
-            </a:r>
-          </a:p>
-          <a:p>
-            <a:pPr>
-              <a:buFont typeface="Arial" pitchFamily="34" charset="0"/>
-              <a:buChar char="•"/>
-            </a:pPr>
-            <a:r>
-              <a:rPr lang="en-US" sz="2400" dirty="0" smtClean="0"/>
-              <a:t>The </a:t>
-            </a:r>
-            <a:r>
-              <a:rPr lang="en-US" sz="2400" dirty="0" smtClean="0"/>
-              <a:t>above operation is done by the class called “ </a:t>
+              <a:t> If he/she decline the request then the particular request is removed from the receiving user’s request list.</a:t>
+            </a:r>
+          </a:p>
+          <a:p>
+            <a:pPr>
+              <a:buFont typeface="Arial" pitchFamily="34" charset="0"/>
+              <a:buChar char="•"/>
+            </a:pPr>
+            <a:r>
+              <a:rPr lang="en-US" sz="2400" dirty="0" smtClean="0"/>
+              <a:t>The above operation is done by the class called “ </a:t>
             </a:r>
             <a:r>
               <a:rPr lang="en-US" sz="2400" dirty="0" err="1" smtClean="0"/>
@@ -6344,15 +6316,7 @@
             </a:pPr>
             <a:r>
               <a:rPr lang="en-US" sz="2400" dirty="0" smtClean="0"/>
-              <a:t>each </a:t>
-            </a:r>
-            <a:r>
-              <a:rPr lang="en-US" sz="2400" dirty="0" smtClean="0"/>
-              <a:t>other on </a:t>
-            </a:r>
-            <a:r>
-              <a:rPr lang="en-US" sz="2400" dirty="0" smtClean="0"/>
-              <a:t>a multiplayer </a:t>
+              <a:t>each other on a multiplayer </a:t>
             </a:r>
             <a:r>
               <a:rPr lang="en-US" sz="2400" b="1" dirty="0" smtClean="0"/>
@@ -6360,11 +6324,7 @@
             </a:r>
             <a:r>
               <a:rPr lang="en-US" sz="2400" dirty="0" smtClean="0"/>
-              <a:t> and </a:t>
-            </a:r>
-            <a:r>
-              <a:rPr lang="en-US" sz="2400" dirty="0" smtClean="0"/>
-              <a:t>make the computer</a:t>
+              <a:t> and make the computer</a:t>
             </a:r>
           </a:p>
           <a:p>
@@ -6426,19 +6386,7 @@
             </a:pPr>
             <a:r>
               <a:rPr lang="en-US" sz="2400" dirty="0" smtClean="0"/>
-              <a:t>algorithm to reach the target </a:t>
-            </a:r>
-            <a:r>
-              <a:rPr lang="en-US" sz="2400" dirty="0" smtClean="0"/>
-              <a:t>with out </a:t>
-            </a:r>
-            <a:r>
-              <a:rPr lang="en-US" sz="2400" dirty="0" smtClean="0"/>
-              <a:t>having self </a:t>
-            </a:r>
-            <a:r>
-              <a:rPr lang="en-US" sz="2400" dirty="0" smtClean="0"/>
-              <a:t>destructive</a:t>
+              <a:t>algorithm to reach the target with out having self destructive</a:t>
             </a:r>
           </a:p>
           <a:p>
@@ -6447,19 +6395,7 @@
             </a:pPr>
             <a:r>
               <a:rPr lang="en-US" sz="2400" dirty="0" smtClean="0"/>
-              <a:t>m</a:t>
-            </a:r>
-            <a:r>
-              <a:rPr lang="en-US" sz="2400" dirty="0" smtClean="0"/>
-              <a:t>oves and </a:t>
-            </a:r>
-            <a:r>
-              <a:rPr lang="en-US" sz="2400" dirty="0" smtClean="0"/>
-              <a:t>tries to escape from the opponent’s attacking </a:t>
-            </a:r>
-            <a:r>
-              <a:rPr lang="en-US" sz="2400" dirty="0" smtClean="0"/>
-              <a:t>moves</a:t>
+              <a:t>moves and tries to escape from the opponent’s attacking moves</a:t>
             </a:r>
           </a:p>
           <a:p>
@@ -6468,19 +6404,7 @@
             </a:pPr>
             <a:r>
               <a:rPr lang="en-US" sz="2400" dirty="0" smtClean="0"/>
-              <a:t>by</a:t>
-            </a:r>
-            <a:r>
-              <a:rPr lang="en-US" sz="2400" dirty="0" smtClean="0"/>
-              <a:t> </a:t>
-            </a:r>
-            <a:r>
-              <a:rPr lang="en-US" sz="2400" dirty="0" smtClean="0"/>
-              <a:t>predicting </a:t>
-            </a:r>
-            <a:r>
-              <a:rPr lang="en-US" sz="2400" dirty="0" smtClean="0"/>
-              <a:t>it before.</a:t>
+              <a:t>by predicting it before.</a:t>
             </a:r>
           </a:p>
           <a:p>
@@ -6795,13 +6719,8 @@
             </a:pPr>
             <a:r>
               <a:rPr lang="en-US" sz="2400" dirty="0" smtClean="0"/>
-              <a:t> </a:t>
-            </a:r>
-            <a:r>
-              <a:rPr lang="en-US" sz="2400" dirty="0" smtClean="0"/>
-              <a:t>The reason is operational overhead  ,this is due snake’s movement in the game board is time consuming  ,if we make such a time consuming process run on the  server side then facilitating multiple game simultaneously will become a tedious task. </a:t>
-            </a:r>
-            <a:endParaRPr lang="en-US" sz="2400" dirty="0" smtClean="0"/>
+              <a:t> The reason is operational overhead  ,this is due snake’s movement in the game board is time consuming  ,if we make such a time consuming process run on the  server side then facilitating multiple game simultaneously will become a tedious task. </a:t>
+            </a:r>
           </a:p>
         </p:txBody>
       </p:sp>
@@ -6855,11 +6774,7 @@
             <a:pPr algn="ctr"/>
             <a:r>
               <a:rPr lang="en-US" sz="2800" b="1" dirty="0" smtClean="0"/>
-              <a:t>GAME SYNCHRONIZATION </a:t>
-            </a:r>
-            <a:r>
-              <a:rPr lang="en-US" sz="2800" b="1" dirty="0" smtClean="0"/>
-              <a:t>MODULE (</a:t>
+              <a:t>GAME SYNCHRONIZATION MODULE (</a:t>
             </a:r>
             <a:r>
               <a:rPr lang="en-US" sz="2800" b="1" dirty="0" err="1" smtClean="0"/>
@@ -6869,7 +6784,6 @@
               <a:rPr lang="en-US" sz="2800" b="1" dirty="0" smtClean="0"/>
               <a:t>)</a:t>
             </a:r>
-            <a:endParaRPr lang="en-US" sz="2800" b="1" dirty="0" smtClean="0"/>
           </a:p>
         </p:txBody>
       </p:sp>
@@ -6882,7 +6796,7 @@
         <p:spPr>
           <a:xfrm>
             <a:off x="304800" y="990600"/>
-            <a:ext cx="8534400" cy="2585323"/>
+            <a:ext cx="8534400" cy="5816977"/>
           </a:xfrm>
           <a:prstGeom prst="rect">
             <a:avLst/>
@@ -6913,15 +6827,15 @@
               <a:buFont typeface="Arial" pitchFamily="34" charset="0"/>
               <a:buChar char="•"/>
             </a:pPr>
-            <a:endParaRPr lang="en-US" b="1" dirty="0" smtClean="0"/>
-          </a:p>
-          <a:p>
-            <a:pPr>
-              <a:buFont typeface="Arial" pitchFamily="34" charset="0"/>
-              <a:buChar char="•"/>
-            </a:pPr>
-            <a:r>
-              <a:rPr lang="en-US" b="1" dirty="0" smtClean="0"/>
+            <a:endParaRPr lang="en-US" sz="2000" b="1" dirty="0" smtClean="0"/>
+          </a:p>
+          <a:p>
+            <a:pPr>
+              <a:buFont typeface="Arial" pitchFamily="34" charset="0"/>
+              <a:buChar char="•"/>
+            </a:pPr>
+            <a:r>
+              <a:rPr lang="en-US" sz="2400" b="1" dirty="0" smtClean="0"/>
               <a:t> START TIME CALIBRATION</a:t>
             </a:r>
           </a:p>
@@ -6931,11 +6845,11 @@
               <a:buChar char="•"/>
             </a:pPr>
             <a:r>
-              <a:rPr lang="en-US" b="1" dirty="0" smtClean="0"/>
+              <a:rPr lang="en-US" sz="2400" b="1" dirty="0" smtClean="0"/>
               <a:t> </a:t>
             </a:r>
             <a:r>
-              <a:rPr lang="en-US" dirty="0" smtClean="0"/>
+              <a:rPr lang="en-US" sz="2400" dirty="0" smtClean="0"/>
               <a:t>The start time calibration process depends on the Timestamp of the listeners and the retry header of the event generated by the server.</a:t>
             </a:r>
           </a:p>
@@ -6944,7 +6858,7 @@
               <a:buFont typeface="Arial" pitchFamily="34" charset="0"/>
               <a:buChar char="•"/>
             </a:pPr>
-            <a:endParaRPr lang="en-US" b="1" dirty="0" smtClean="0"/>
+            <a:endParaRPr lang="en-US" sz="2400" b="1" dirty="0" smtClean="0"/>
           </a:p>
           <a:p>
             <a:pPr lvl="1">
@@ -6952,17 +6866,80 @@
               <a:buChar char="•"/>
             </a:pPr>
             <a:r>
-              <a:rPr lang="en-US" dirty="0" smtClean="0"/>
-              <a:t> The entire calibration process is illustrated in the below diagram.</a:t>
-            </a:r>
-            <a:endParaRPr lang="en-US" smtClean="0"/>
+              <a:rPr lang="en-US" sz="2400" dirty="0" smtClean="0"/>
+              <a:t> When one client starts listening  to the server too earlier then the other have to be calibrated the correct timestamp.</a:t>
+            </a:r>
           </a:p>
           <a:p>
             <a:pPr lvl="1">
               <a:buFont typeface="Arial" pitchFamily="34" charset="0"/>
               <a:buChar char="•"/>
             </a:pPr>
-            <a:endParaRPr lang="en-US" dirty="0"/>
+            <a:endParaRPr lang="en-US" sz="2400" dirty="0" smtClean="0"/>
+          </a:p>
+          <a:p>
+            <a:pPr lvl="1">
+              <a:buFont typeface="Arial" pitchFamily="34" charset="0"/>
+              <a:buChar char="•"/>
+            </a:pPr>
+            <a:r>
+              <a:rPr lang="en-US" sz="2400" dirty="0" smtClean="0"/>
+              <a:t> </a:t>
+            </a:r>
+            <a:r>
+              <a:rPr lang="en-US" sz="2400" dirty="0" smtClean="0"/>
+              <a:t>For example if the u1 start listening at 50</a:t>
+            </a:r>
+            <a:r>
+              <a:rPr lang="en-US" sz="2400" baseline="30000" dirty="0" smtClean="0"/>
+              <a:t>th </a:t>
+            </a:r>
+            <a:r>
+              <a:rPr lang="en-US" sz="2400" dirty="0" smtClean="0"/>
+              <a:t> ms and u2 starts listening from 80</a:t>
+            </a:r>
+            <a:r>
+              <a:rPr lang="en-US" sz="2400" baseline="30000" dirty="0" smtClean="0"/>
+              <a:t>th </a:t>
+            </a:r>
+            <a:r>
+              <a:rPr lang="en-US" sz="2400" dirty="0" smtClean="0"/>
+              <a:t> ms then (80-50)=30 ,so the retry time for u1 is 110 ms whereas for u2 it is (110-30) = 80ms.</a:t>
+            </a:r>
+          </a:p>
+          <a:p>
+            <a:pPr lvl="1">
+              <a:buFont typeface="Arial" pitchFamily="34" charset="0"/>
+              <a:buChar char="•"/>
+            </a:pPr>
+            <a:endParaRPr lang="en-US" sz="2400" dirty="0" smtClean="0"/>
+          </a:p>
+          <a:p>
+            <a:pPr lvl="1">
+              <a:buFont typeface="Arial" pitchFamily="34" charset="0"/>
+              <a:buChar char="•"/>
+            </a:pPr>
+            <a:r>
+              <a:rPr lang="en-US" sz="2400" dirty="0" smtClean="0"/>
+              <a:t> </a:t>
+            </a:r>
+            <a:r>
+              <a:rPr lang="en-US" sz="2400" dirty="0" smtClean="0"/>
+              <a:t>Thus next both will listen at 160</a:t>
+            </a:r>
+            <a:r>
+              <a:rPr lang="en-US" sz="2400" baseline="30000" dirty="0" smtClean="0"/>
+              <a:t>th </a:t>
+            </a:r>
+            <a:r>
+              <a:rPr lang="en-US" sz="2400" dirty="0" smtClean="0"/>
+              <a:t> </a:t>
+            </a:r>
+            <a:r>
+              <a:rPr lang="en-US" sz="2400" dirty="0" err="1" smtClean="0"/>
+              <a:t>ms.</a:t>
+            </a:r>
+            <a:endParaRPr lang="en-US" sz="2400" dirty="0"/>
           </a:p>
         </p:txBody>
       </p:sp>
@@ -6975,6 +6952,631 @@
 </file>
 
 <file path=ppt/slides/slide23.xml><?xml version="1.0" encoding="utf-8"?>
+<p:sld xmlns:a="http://schemas.openxmlformats.org/drawingml/2006/main" xmlns:r="http://schemas.openxmlformats.org/officeDocument/2006/relationships" xmlns:p="http://schemas.openxmlformats.org/presentationml/2006/main">
+  <p:cSld>
+    <p:spTree>
+      <p:nvGrpSpPr>
+        <p:cNvPr id="1" name=""/>
+        <p:cNvGrpSpPr/>
+        <p:nvPr/>
+      </p:nvGrpSpPr>
+      <p:grpSpPr>
+        <a:xfrm>
+          <a:off x="0" y="0"/>
+          <a:ext cx="0" cy="0"/>
+          <a:chOff x="0" y="0"/>
+          <a:chExt cx="0" cy="0"/>
+        </a:xfrm>
+      </p:grpSpPr>
+      <p:sp>
+        <p:nvSpPr>
+          <p:cNvPr id="2" name="TextBox 1"/>
+          <p:cNvSpPr txBox="1"/>
+          <p:nvPr/>
+        </p:nvSpPr>
+        <p:spPr>
+          <a:xfrm>
+            <a:off x="762000" y="304800"/>
+            <a:ext cx="7924800" cy="523220"/>
+          </a:xfrm>
+          <a:prstGeom prst="rect">
+            <a:avLst/>
+          </a:prstGeom>
+          <a:noFill/>
+        </p:spPr>
+        <p:txBody>
+          <a:bodyPr wrap="square" rtlCol="0">
+            <a:spAutoFit/>
+          </a:bodyPr>
+          <a:lstStyle/>
+          <a:p>
+            <a:pPr algn="ctr"/>
+            <a:r>
+              <a:rPr lang="en-US" sz="2800" b="1" dirty="0" smtClean="0"/>
+              <a:t>GAME SYNCHRONIZATION MODULE (</a:t>
+            </a:r>
+            <a:r>
+              <a:rPr lang="en-US" sz="2800" b="1" dirty="0" err="1" smtClean="0"/>
+              <a:t>Contd</a:t>
+            </a:r>
+            <a:r>
+              <a:rPr lang="en-US" sz="2800" b="1" dirty="0" smtClean="0"/>
+              <a:t>)</a:t>
+            </a:r>
+            <a:endParaRPr lang="en-US" sz="2800" b="1" dirty="0" smtClean="0"/>
+          </a:p>
+        </p:txBody>
+      </p:sp>
+      <p:pic>
+        <p:nvPicPr>
+          <p:cNvPr id="3" name="Picture 2" descr="timestamp calibration.jpg"/>
+          <p:cNvPicPr>
+            <a:picLocks noChangeAspect="1"/>
+          </p:cNvPicPr>
+          <p:nvPr/>
+        </p:nvPicPr>
+        <p:blipFill>
+          <a:blip r:embed="rId2"/>
+          <a:srcRect l="4719" t="10256" r="3263"/>
+          <a:stretch>
+            <a:fillRect/>
+          </a:stretch>
+        </p:blipFill>
+        <p:spPr>
+          <a:xfrm>
+            <a:off x="1524000" y="838200"/>
+            <a:ext cx="6324600" cy="5867400"/>
+          </a:xfrm>
+          <a:prstGeom prst="rect">
+            <a:avLst/>
+          </a:prstGeom>
+        </p:spPr>
+      </p:pic>
+    </p:spTree>
+  </p:cSld>
+  <p:clrMapOvr>
+    <a:masterClrMapping/>
+  </p:clrMapOvr>
+</p:sld>
+</file>
+
+<file path=ppt/slides/slide24.xml><?xml version="1.0" encoding="utf-8"?>
+<p:sld xmlns:a="http://schemas.openxmlformats.org/drawingml/2006/main" xmlns:r="http://schemas.openxmlformats.org/officeDocument/2006/relationships" xmlns:p="http://schemas.openxmlformats.org/presentationml/2006/main">
+  <p:cSld>
+    <p:spTree>
+      <p:nvGrpSpPr>
+        <p:cNvPr id="1" name=""/>
+        <p:cNvGrpSpPr/>
+        <p:nvPr/>
+      </p:nvGrpSpPr>
+      <p:grpSpPr>
+        <a:xfrm>
+          <a:off x="0" y="0"/>
+          <a:ext cx="0" cy="0"/>
+          <a:chOff x="0" y="0"/>
+          <a:chExt cx="0" cy="0"/>
+        </a:xfrm>
+      </p:grpSpPr>
+      <p:sp>
+        <p:nvSpPr>
+          <p:cNvPr id="2" name="TextBox 1"/>
+          <p:cNvSpPr txBox="1"/>
+          <p:nvPr/>
+        </p:nvSpPr>
+        <p:spPr>
+          <a:xfrm>
+            <a:off x="381000" y="304800"/>
+            <a:ext cx="8305800" cy="523220"/>
+          </a:xfrm>
+          <a:prstGeom prst="rect">
+            <a:avLst/>
+          </a:prstGeom>
+          <a:noFill/>
+        </p:spPr>
+        <p:txBody>
+          <a:bodyPr wrap="square" rtlCol="0">
+            <a:spAutoFit/>
+          </a:bodyPr>
+          <a:lstStyle/>
+          <a:p>
+            <a:pPr algn="ctr"/>
+            <a:r>
+              <a:rPr lang="en-US" sz="2800" b="1" dirty="0" smtClean="0"/>
+              <a:t>GAME SYNCHRONIZATION MODULE (</a:t>
+            </a:r>
+            <a:r>
+              <a:rPr lang="en-US" sz="2800" b="1" dirty="0" err="1" smtClean="0"/>
+              <a:t>Contd</a:t>
+            </a:r>
+            <a:r>
+              <a:rPr lang="en-US" sz="2800" b="1" dirty="0" smtClean="0"/>
+              <a:t>)</a:t>
+            </a:r>
+            <a:endParaRPr lang="en-US" sz="2800" b="1" dirty="0" smtClean="0"/>
+          </a:p>
+        </p:txBody>
+      </p:sp>
+      <p:sp>
+        <p:nvSpPr>
+          <p:cNvPr id="3" name="TextBox 2"/>
+          <p:cNvSpPr txBox="1"/>
+          <p:nvPr/>
+        </p:nvSpPr>
+        <p:spPr>
+          <a:xfrm>
+            <a:off x="457200" y="990600"/>
+            <a:ext cx="8153400" cy="6463308"/>
+          </a:xfrm>
+          <a:prstGeom prst="rect">
+            <a:avLst/>
+          </a:prstGeom>
+          <a:noFill/>
+        </p:spPr>
+        <p:txBody>
+          <a:bodyPr wrap="square" rtlCol="0">
+            <a:spAutoFit/>
+          </a:bodyPr>
+          <a:lstStyle/>
+          <a:p>
+            <a:pPr>
+              <a:buFont typeface="Arial" pitchFamily="34" charset="0"/>
+              <a:buChar char="•"/>
+            </a:pPr>
+            <a:r>
+              <a:rPr lang="en-US" sz="2400" dirty="0" smtClean="0"/>
+              <a:t> OTHER SYNCHRONIZATION REQUIRED :</a:t>
+            </a:r>
+          </a:p>
+          <a:p>
+            <a:r>
+              <a:rPr lang="en-US" sz="2400" dirty="0" smtClean="0"/>
+              <a:t>	1. Snake position synchronization</a:t>
+            </a:r>
+          </a:p>
+          <a:p>
+            <a:r>
+              <a:rPr lang="en-US" sz="2400" dirty="0" smtClean="0"/>
+              <a:t>	</a:t>
+            </a:r>
+            <a:r>
+              <a:rPr lang="en-US" sz="2400" dirty="0" smtClean="0"/>
+              <a:t>2. Body part change synchronization</a:t>
+            </a:r>
+          </a:p>
+          <a:p>
+            <a:r>
+              <a:rPr lang="en-US" sz="2400" dirty="0" smtClean="0"/>
+              <a:t>	3. Food Synchronization</a:t>
+            </a:r>
+          </a:p>
+          <a:p>
+            <a:endParaRPr lang="en-US" sz="2400" dirty="0" smtClean="0"/>
+          </a:p>
+          <a:p>
+            <a:pPr>
+              <a:buFont typeface="Arial" pitchFamily="34" charset="0"/>
+              <a:buChar char="•"/>
+            </a:pPr>
+            <a:r>
+              <a:rPr lang="en-US" sz="2400" dirty="0" smtClean="0"/>
+              <a:t> </a:t>
+            </a:r>
+            <a:r>
+              <a:rPr lang="en-US" sz="2400" dirty="0" smtClean="0"/>
+              <a:t>Every synchronization happens by flags .</a:t>
+            </a:r>
+          </a:p>
+          <a:p>
+            <a:pPr>
+              <a:buFont typeface="Arial" pitchFamily="34" charset="0"/>
+              <a:buChar char="•"/>
+            </a:pPr>
+            <a:endParaRPr lang="en-US" sz="2400" dirty="0" smtClean="0"/>
+          </a:p>
+          <a:p>
+            <a:pPr>
+              <a:buFont typeface="Arial" pitchFamily="34" charset="0"/>
+              <a:buChar char="•"/>
+            </a:pPr>
+            <a:r>
+              <a:rPr lang="en-US" sz="2400" dirty="0" smtClean="0"/>
+              <a:t> </a:t>
+            </a:r>
+            <a:r>
+              <a:rPr lang="en-US" sz="2400" dirty="0" smtClean="0"/>
+              <a:t>Both Snake position and body parts are synchronized by flag values and event stream sent by the server.</a:t>
+            </a:r>
+          </a:p>
+          <a:p>
+            <a:pPr>
+              <a:buFont typeface="Arial" pitchFamily="34" charset="0"/>
+              <a:buChar char="•"/>
+            </a:pPr>
+            <a:endParaRPr lang="en-US" sz="2400" dirty="0" smtClean="0"/>
+          </a:p>
+          <a:p>
+            <a:pPr>
+              <a:buFont typeface="Arial" pitchFamily="34" charset="0"/>
+              <a:buChar char="•"/>
+            </a:pPr>
+            <a:r>
+              <a:rPr lang="en-US" sz="2400" dirty="0" smtClean="0"/>
+              <a:t>But the food Synchronization is not implement using flag values it is fully dependent on the start time calibration ,incase of the timestamp not synchronized  then the game will be paused for both and will be started again once timestamp gets </a:t>
+            </a:r>
+            <a:r>
+              <a:rPr lang="en-US" sz="2400" dirty="0" err="1" smtClean="0"/>
+              <a:t>synxhronized</a:t>
+            </a:r>
+            <a:r>
+              <a:rPr lang="en-US" sz="2400" dirty="0" smtClean="0"/>
+              <a:t>.</a:t>
+            </a:r>
+          </a:p>
+          <a:p>
+            <a:pPr>
+              <a:buFont typeface="Arial" pitchFamily="34" charset="0"/>
+              <a:buChar char="•"/>
+            </a:pPr>
+            <a:endParaRPr lang="en-US" dirty="0" smtClean="0"/>
+          </a:p>
+          <a:p>
+            <a:pPr>
+              <a:buFont typeface="Arial" pitchFamily="34" charset="0"/>
+              <a:buChar char="•"/>
+            </a:pPr>
+            <a:endParaRPr lang="en-US" dirty="0" smtClean="0"/>
+          </a:p>
+          <a:p>
+            <a:endParaRPr lang="en-US" dirty="0"/>
+          </a:p>
+        </p:txBody>
+      </p:sp>
+    </p:spTree>
+  </p:cSld>
+  <p:clrMapOvr>
+    <a:masterClrMapping/>
+  </p:clrMapOvr>
+</p:sld>
+</file>
+
+<file path=ppt/slides/slide25.xml><?xml version="1.0" encoding="utf-8"?>
+<p:sld xmlns:a="http://schemas.openxmlformats.org/drawingml/2006/main" xmlns:r="http://schemas.openxmlformats.org/officeDocument/2006/relationships" xmlns:p="http://schemas.openxmlformats.org/presentationml/2006/main">
+  <p:cSld>
+    <p:spTree>
+      <p:nvGrpSpPr>
+        <p:cNvPr id="1" name=""/>
+        <p:cNvGrpSpPr/>
+        <p:nvPr/>
+      </p:nvGrpSpPr>
+      <p:grpSpPr>
+        <a:xfrm>
+          <a:off x="0" y="0"/>
+          <a:ext cx="0" cy="0"/>
+          <a:chOff x="0" y="0"/>
+          <a:chExt cx="0" cy="0"/>
+        </a:xfrm>
+      </p:grpSpPr>
+      <p:sp>
+        <p:nvSpPr>
+          <p:cNvPr id="2" name="TextBox 1"/>
+          <p:cNvSpPr txBox="1"/>
+          <p:nvPr/>
+        </p:nvSpPr>
+        <p:spPr>
+          <a:xfrm>
+            <a:off x="685800" y="304800"/>
+            <a:ext cx="7772400" cy="523220"/>
+          </a:xfrm>
+          <a:prstGeom prst="rect">
+            <a:avLst/>
+          </a:prstGeom>
+          <a:noFill/>
+        </p:spPr>
+        <p:txBody>
+          <a:bodyPr wrap="square" rtlCol="0">
+            <a:spAutoFit/>
+          </a:bodyPr>
+          <a:lstStyle/>
+          <a:p>
+            <a:pPr algn="ctr"/>
+            <a:r>
+              <a:rPr lang="en-US" sz="2800" b="1" dirty="0" smtClean="0"/>
+              <a:t>DATA COLLECTION MODULE</a:t>
+            </a:r>
+            <a:endParaRPr lang="en-US" sz="2800" b="1" dirty="0"/>
+          </a:p>
+        </p:txBody>
+      </p:sp>
+      <p:sp>
+        <p:nvSpPr>
+          <p:cNvPr id="3" name="TextBox 2"/>
+          <p:cNvSpPr txBox="1"/>
+          <p:nvPr/>
+        </p:nvSpPr>
+        <p:spPr>
+          <a:xfrm>
+            <a:off x="228600" y="838200"/>
+            <a:ext cx="8686800" cy="6001643"/>
+          </a:xfrm>
+          <a:prstGeom prst="rect">
+            <a:avLst/>
+          </a:prstGeom>
+          <a:noFill/>
+        </p:spPr>
+        <p:txBody>
+          <a:bodyPr wrap="square" rtlCol="0">
+            <a:spAutoFit/>
+          </a:bodyPr>
+          <a:lstStyle/>
+          <a:p>
+            <a:pPr>
+              <a:buFont typeface="Arial" pitchFamily="34" charset="0"/>
+              <a:buChar char="•"/>
+            </a:pPr>
+            <a:r>
+              <a:rPr lang="en-US" sz="2400" dirty="0" smtClean="0"/>
+              <a:t> The data collection module is a important module since the main objective of the project only on a good dataset..</a:t>
+            </a:r>
+          </a:p>
+          <a:p>
+            <a:pPr>
+              <a:buFont typeface="Arial" pitchFamily="34" charset="0"/>
+              <a:buChar char="•"/>
+            </a:pPr>
+            <a:endParaRPr lang="en-US" sz="2400" dirty="0" smtClean="0"/>
+          </a:p>
+          <a:p>
+            <a:pPr>
+              <a:buFont typeface="Arial" pitchFamily="34" charset="0"/>
+              <a:buChar char="•"/>
+            </a:pPr>
+            <a:r>
+              <a:rPr lang="en-US" sz="2400" dirty="0" smtClean="0"/>
+              <a:t> The data is collected every time when a player presses any of the arrow keys.</a:t>
+            </a:r>
+          </a:p>
+          <a:p>
+            <a:pPr>
+              <a:buFont typeface="Arial" pitchFamily="34" charset="0"/>
+              <a:buChar char="•"/>
+            </a:pPr>
+            <a:endParaRPr lang="en-US" sz="2400" dirty="0" smtClean="0"/>
+          </a:p>
+          <a:p>
+            <a:pPr>
+              <a:buFont typeface="Arial" pitchFamily="34" charset="0"/>
+              <a:buChar char="•"/>
+            </a:pPr>
+            <a:r>
+              <a:rPr lang="en-US" sz="2400" dirty="0" smtClean="0"/>
+              <a:t> Once the arrow key pressed the snake’s data and the food data is sent to </a:t>
+            </a:r>
+            <a:r>
+              <a:rPr lang="en-US" sz="2400" dirty="0" err="1" smtClean="0"/>
+              <a:t>getid</a:t>
+            </a:r>
+            <a:r>
+              <a:rPr lang="en-US" sz="2400" dirty="0" smtClean="0"/>
+              <a:t> module with a operation code ‘ 6 ’.</a:t>
+            </a:r>
+          </a:p>
+          <a:p>
+            <a:pPr>
+              <a:buFont typeface="Arial" pitchFamily="34" charset="0"/>
+              <a:buChar char="•"/>
+            </a:pPr>
+            <a:endParaRPr lang="en-US" sz="2400" dirty="0" smtClean="0"/>
+          </a:p>
+          <a:p>
+            <a:r>
+              <a:rPr lang="en-US" sz="2400" dirty="0" smtClean="0"/>
+              <a:t>METHOD USED TO RECORD THE USER’S NEXT MOVE IN TABLE</a:t>
+            </a:r>
+          </a:p>
+          <a:p>
+            <a:pPr>
+              <a:buFont typeface="Arial" pitchFamily="34" charset="0"/>
+              <a:buChar char="•"/>
+            </a:pPr>
+            <a:endParaRPr lang="en-US" sz="2400" dirty="0" smtClean="0"/>
+          </a:p>
+          <a:p>
+            <a:pPr>
+              <a:buFont typeface="Arial" pitchFamily="34" charset="0"/>
+              <a:buChar char="•"/>
+            </a:pPr>
+            <a:r>
+              <a:rPr lang="en-US" sz="2400" dirty="0" smtClean="0"/>
+              <a:t>Initially the next move column is set as ‘ -1 ’.</a:t>
+            </a:r>
+          </a:p>
+          <a:p>
+            <a:pPr>
+              <a:buFont typeface="Arial" pitchFamily="34" charset="0"/>
+              <a:buChar char="•"/>
+            </a:pPr>
+            <a:endParaRPr lang="en-US" sz="2400" dirty="0" smtClean="0"/>
+          </a:p>
+          <a:p>
+            <a:pPr>
+              <a:buFont typeface="Arial" pitchFamily="34" charset="0"/>
+              <a:buChar char="•"/>
+            </a:pPr>
+            <a:r>
+              <a:rPr lang="en-US" sz="2400" dirty="0" smtClean="0"/>
+              <a:t> Once the press any of the arrow key ,the server set update the table with the current direction value where the next move was set as ‘ -1 ’.</a:t>
+            </a:r>
+            <a:endParaRPr lang="en-US" sz="2400" dirty="0" smtClean="0"/>
+          </a:p>
+        </p:txBody>
+      </p:sp>
+    </p:spTree>
+  </p:cSld>
+  <p:clrMapOvr>
+    <a:masterClrMapping/>
+  </p:clrMapOvr>
+</p:sld>
+</file>
+
+<file path=ppt/slides/slide26.xml><?xml version="1.0" encoding="utf-8"?>
+<p:sld xmlns:a="http://schemas.openxmlformats.org/drawingml/2006/main" xmlns:r="http://schemas.openxmlformats.org/officeDocument/2006/relationships" xmlns:p="http://schemas.openxmlformats.org/presentationml/2006/main">
+  <p:cSld>
+    <p:spTree>
+      <p:nvGrpSpPr>
+        <p:cNvPr id="1" name=""/>
+        <p:cNvGrpSpPr/>
+        <p:nvPr/>
+      </p:nvGrpSpPr>
+      <p:grpSpPr>
+        <a:xfrm>
+          <a:off x="0" y="0"/>
+          <a:ext cx="0" cy="0"/>
+          <a:chOff x="0" y="0"/>
+          <a:chExt cx="0" cy="0"/>
+        </a:xfrm>
+      </p:grpSpPr>
+      <p:sp>
+        <p:nvSpPr>
+          <p:cNvPr id="2" name="TextBox 1"/>
+          <p:cNvSpPr txBox="1"/>
+          <p:nvPr/>
+        </p:nvSpPr>
+        <p:spPr>
+          <a:xfrm>
+            <a:off x="533400" y="304800"/>
+            <a:ext cx="7848600" cy="523220"/>
+          </a:xfrm>
+          <a:prstGeom prst="rect">
+            <a:avLst/>
+          </a:prstGeom>
+          <a:noFill/>
+        </p:spPr>
+        <p:txBody>
+          <a:bodyPr wrap="square" rtlCol="0">
+            <a:spAutoFit/>
+          </a:bodyPr>
+          <a:lstStyle/>
+          <a:p>
+            <a:pPr algn="ctr"/>
+            <a:r>
+              <a:rPr lang="en-US" sz="2800" b="1" dirty="0" smtClean="0"/>
+              <a:t>ANALYZER  MODULE</a:t>
+            </a:r>
+            <a:endParaRPr lang="en-US" sz="2800" b="1" dirty="0"/>
+          </a:p>
+        </p:txBody>
+      </p:sp>
+      <p:sp>
+        <p:nvSpPr>
+          <p:cNvPr id="3" name="TextBox 2"/>
+          <p:cNvSpPr txBox="1"/>
+          <p:nvPr/>
+        </p:nvSpPr>
+        <p:spPr>
+          <a:xfrm>
+            <a:off x="304800" y="990600"/>
+            <a:ext cx="8458200" cy="5262979"/>
+          </a:xfrm>
+          <a:prstGeom prst="rect">
+            <a:avLst/>
+          </a:prstGeom>
+          <a:noFill/>
+        </p:spPr>
+        <p:txBody>
+          <a:bodyPr wrap="square" rtlCol="0">
+            <a:spAutoFit/>
+          </a:bodyPr>
+          <a:lstStyle/>
+          <a:p>
+            <a:pPr>
+              <a:buFont typeface="Arial" pitchFamily="34" charset="0"/>
+              <a:buChar char="•"/>
+            </a:pPr>
+            <a:r>
+              <a:rPr lang="en-US" sz="2400" dirty="0" smtClean="0"/>
+              <a:t> The analyzer module is used to predict the next move of the player with the data collected from the previous games.</a:t>
+            </a:r>
+          </a:p>
+          <a:p>
+            <a:pPr>
+              <a:buFont typeface="Arial" pitchFamily="34" charset="0"/>
+              <a:buChar char="•"/>
+            </a:pPr>
+            <a:endParaRPr lang="en-US" sz="2400" dirty="0" smtClean="0"/>
+          </a:p>
+          <a:p>
+            <a:pPr>
+              <a:buFont typeface="Arial" pitchFamily="34" charset="0"/>
+              <a:buChar char="•"/>
+            </a:pPr>
+            <a:r>
+              <a:rPr lang="en-US" sz="2400" dirty="0" smtClean="0"/>
+              <a:t> The analyzer module returns the next predicted move of the player if possible else it will return ‘ -1 ’.</a:t>
+            </a:r>
+          </a:p>
+          <a:p>
+            <a:pPr>
+              <a:buFont typeface="Arial" pitchFamily="34" charset="0"/>
+              <a:buChar char="•"/>
+            </a:pPr>
+            <a:endParaRPr lang="en-US" sz="2400" dirty="0" smtClean="0"/>
+          </a:p>
+          <a:p>
+            <a:pPr>
+              <a:buFont typeface="Arial" pitchFamily="34" charset="0"/>
+              <a:buChar char="•"/>
+            </a:pPr>
+            <a:r>
+              <a:rPr lang="en-US" sz="2400" dirty="0" smtClean="0"/>
+              <a:t> On the client side the computer’s snake maintains an imaginary boundary around it to detect the opponent snake’s existence near it.</a:t>
+            </a:r>
+          </a:p>
+          <a:p>
+            <a:pPr>
+              <a:buFont typeface="Arial" pitchFamily="34" charset="0"/>
+              <a:buChar char="•"/>
+            </a:pPr>
+            <a:endParaRPr lang="en-US" sz="2400" dirty="0" smtClean="0"/>
+          </a:p>
+          <a:p>
+            <a:pPr>
+              <a:buFont typeface="Arial" pitchFamily="34" charset="0"/>
+              <a:buChar char="•"/>
+            </a:pPr>
+            <a:r>
+              <a:rPr lang="en-US" sz="2400" dirty="0" smtClean="0"/>
+              <a:t> Once the  opponent is detected within the boundary it send the current game board situation and gets the predicted move.</a:t>
+            </a:r>
+          </a:p>
+          <a:p>
+            <a:pPr>
+              <a:buFont typeface="Arial" pitchFamily="34" charset="0"/>
+              <a:buChar char="•"/>
+            </a:pPr>
+            <a:endParaRPr lang="en-US" sz="2400" dirty="0" smtClean="0"/>
+          </a:p>
+          <a:p>
+            <a:pPr>
+              <a:buFont typeface="Arial" pitchFamily="34" charset="0"/>
+              <a:buChar char="•"/>
+            </a:pPr>
+            <a:r>
+              <a:rPr lang="en-US" sz="2400" dirty="0" smtClean="0"/>
+              <a:t> The prediction is purely based on the probability values .</a:t>
+            </a:r>
+            <a:endParaRPr lang="en-US" sz="2400" dirty="0"/>
+          </a:p>
+        </p:txBody>
+      </p:sp>
+    </p:spTree>
+  </p:cSld>
+  <p:clrMapOvr>
+    <a:masterClrMapping/>
+  </p:clrMapOvr>
+</p:sld>
+</file>
+
+<file path=ppt/slides/slide27.xml><?xml version="1.0" encoding="utf-8"?>
 <p:sld xmlns:a="http://schemas.openxmlformats.org/drawingml/2006/main" xmlns:r="http://schemas.openxmlformats.org/officeDocument/2006/relationships" xmlns:p="http://schemas.openxmlformats.org/presentationml/2006/main">
   <p:cSld>
     <p:spTree>

--- a/presentation/AI BASED MULTIPLAYER SNAKE GAME(mini project).pptx
+++ b/presentation/AI BASED MULTIPLAYER SNAKE GAME(mini project).pptx
@@ -7,41 +7,43 @@
   <p:sldIdLst>
     <p:sldId id="256" r:id="rId2"/>
     <p:sldId id="265" r:id="rId3"/>
-    <p:sldId id="266" r:id="rId4"/>
-    <p:sldId id="289" r:id="rId5"/>
-    <p:sldId id="257" r:id="rId6"/>
-    <p:sldId id="258" r:id="rId7"/>
-    <p:sldId id="260" r:id="rId8"/>
-    <p:sldId id="261" r:id="rId9"/>
-    <p:sldId id="293" r:id="rId10"/>
-    <p:sldId id="262" r:id="rId11"/>
-    <p:sldId id="264" r:id="rId12"/>
-    <p:sldId id="267" r:id="rId13"/>
-    <p:sldId id="292" r:id="rId14"/>
-    <p:sldId id="268" r:id="rId15"/>
-    <p:sldId id="269" r:id="rId16"/>
-    <p:sldId id="290" r:id="rId17"/>
-    <p:sldId id="270" r:id="rId18"/>
-    <p:sldId id="291" r:id="rId19"/>
-    <p:sldId id="271" r:id="rId20"/>
-    <p:sldId id="272" r:id="rId21"/>
-    <p:sldId id="273" r:id="rId22"/>
-    <p:sldId id="274" r:id="rId23"/>
-    <p:sldId id="275" r:id="rId24"/>
-    <p:sldId id="276" r:id="rId25"/>
-    <p:sldId id="277" r:id="rId26"/>
-    <p:sldId id="278" r:id="rId27"/>
-    <p:sldId id="279" r:id="rId28"/>
-    <p:sldId id="280" r:id="rId29"/>
-    <p:sldId id="281" r:id="rId30"/>
-    <p:sldId id="282" r:id="rId31"/>
-    <p:sldId id="283" r:id="rId32"/>
-    <p:sldId id="284" r:id="rId33"/>
-    <p:sldId id="285" r:id="rId34"/>
-    <p:sldId id="286" r:id="rId35"/>
-    <p:sldId id="287" r:id="rId36"/>
-    <p:sldId id="288" r:id="rId37"/>
-    <p:sldId id="263" r:id="rId38"/>
+    <p:sldId id="295" r:id="rId4"/>
+    <p:sldId id="294" r:id="rId5"/>
+    <p:sldId id="266" r:id="rId6"/>
+    <p:sldId id="289" r:id="rId7"/>
+    <p:sldId id="257" r:id="rId8"/>
+    <p:sldId id="258" r:id="rId9"/>
+    <p:sldId id="260" r:id="rId10"/>
+    <p:sldId id="261" r:id="rId11"/>
+    <p:sldId id="293" r:id="rId12"/>
+    <p:sldId id="262" r:id="rId13"/>
+    <p:sldId id="264" r:id="rId14"/>
+    <p:sldId id="267" r:id="rId15"/>
+    <p:sldId id="292" r:id="rId16"/>
+    <p:sldId id="268" r:id="rId17"/>
+    <p:sldId id="269" r:id="rId18"/>
+    <p:sldId id="290" r:id="rId19"/>
+    <p:sldId id="270" r:id="rId20"/>
+    <p:sldId id="291" r:id="rId21"/>
+    <p:sldId id="271" r:id="rId22"/>
+    <p:sldId id="272" r:id="rId23"/>
+    <p:sldId id="273" r:id="rId24"/>
+    <p:sldId id="274" r:id="rId25"/>
+    <p:sldId id="275" r:id="rId26"/>
+    <p:sldId id="276" r:id="rId27"/>
+    <p:sldId id="277" r:id="rId28"/>
+    <p:sldId id="278" r:id="rId29"/>
+    <p:sldId id="279" r:id="rId30"/>
+    <p:sldId id="280" r:id="rId31"/>
+    <p:sldId id="281" r:id="rId32"/>
+    <p:sldId id="282" r:id="rId33"/>
+    <p:sldId id="283" r:id="rId34"/>
+    <p:sldId id="284" r:id="rId35"/>
+    <p:sldId id="285" r:id="rId36"/>
+    <p:sldId id="286" r:id="rId37"/>
+    <p:sldId id="287" r:id="rId38"/>
+    <p:sldId id="288" r:id="rId39"/>
+    <p:sldId id="263" r:id="rId40"/>
   </p:sldIdLst>
   <p:sldSz cx="9144000" cy="6858000" type="screen4x3"/>
   <p:notesSz cx="6858000" cy="9144000"/>
@@ -3792,19 +3794,7 @@
                           <a:cs typeface="Cambria"/>
                           <a:sym typeface="Cambria"/>
                         </a:rPr>
-                        <a:t> </a:t>
-                      </a:r>
-                      <a:r>
-                        <a:rPr lang="en-US" baseline="0" dirty="0" smtClean="0">
-                          <a:solidFill>
-                            <a:schemeClr val="dk1"/>
-                          </a:solidFill>
-                          <a:latin typeface="Cambria"/>
-                          <a:ea typeface="Cambria"/>
-                          <a:cs typeface="Cambria"/>
-                          <a:sym typeface="Cambria"/>
-                        </a:rPr>
-                        <a:t>Intelligence</a:t>
+                        <a:t> Intelligence</a:t>
                       </a:r>
                       <a:endParaRPr>
                         <a:solidFill>
@@ -4493,7 +4483,7 @@
         </p:nvSpPr>
         <p:spPr>
           <a:xfrm>
-            <a:off x="228600" y="304800"/>
+            <a:off x="228600" y="381000"/>
             <a:ext cx="8229600" cy="523220"/>
           </a:xfrm>
           <a:prstGeom prst="rect">
@@ -4524,10 +4514,10 @@
           <a:lstStyle/>
           <a:p>
             <a:r>
-              <a:rPr lang="en-US" sz="2800" b="1" dirty="0" smtClean="0"/>
-              <a:t>MULTIPLAYER SNAKE GAME (INSTRUCTIONS)</a:t>
-            </a:r>
-            <a:endParaRPr lang="en-US" sz="2800" b="1" dirty="0"/>
+              <a:rPr lang="en-US" sz="2800" dirty="0" smtClean="0"/>
+              <a:t>ALGORITHMS TO FIND SHORTEST PATH </a:t>
+            </a:r>
+            <a:endParaRPr lang="en-US" sz="2800" dirty="0"/>
           </a:p>
         </p:txBody>
       </p:sp>
@@ -4539,8 +4529,8 @@
         </p:nvSpPr>
         <p:spPr>
           <a:xfrm>
-            <a:off x="228600" y="1143000"/>
-            <a:ext cx="8305800" cy="3416320"/>
+            <a:off x="304800" y="1295400"/>
+            <a:ext cx="8382000" cy="4154984"/>
           </a:xfrm>
           <a:prstGeom prst="rect">
             <a:avLst/>
@@ -4553,55 +4543,90 @@
           </a:bodyPr>
           <a:lstStyle/>
           <a:p>
-            <a:pPr>
-              <a:buFont typeface="Arial" pitchFamily="34" charset="0"/>
-              <a:buChar char="•"/>
-            </a:pPr>
+            <a:pPr marL="342900" indent="-342900">
+              <a:buFont typeface="+mj-lt"/>
+              <a:buAutoNum type="arabicPeriod"/>
+            </a:pPr>
+            <a:r>
+              <a:rPr lang="en-US" sz="2400" dirty="0"/>
+              <a:t> </a:t>
+            </a:r>
             <a:r>
               <a:rPr lang="en-US" sz="2400" dirty="0" smtClean="0"/>
-              <a:t> In this mode two snake move across the board simultaneously and they fight for the same food.</a:t>
-            </a:r>
-          </a:p>
-          <a:p>
-            <a:pPr>
-              <a:buFont typeface="Arial" pitchFamily="34" charset="0"/>
-              <a:buChar char="•"/>
-            </a:pPr>
+              <a:t>Greedy Path Finder</a:t>
+            </a:r>
+          </a:p>
+          <a:p>
+            <a:pPr marL="342900" indent="-342900"/>
             <a:endParaRPr lang="en-US" sz="2400" dirty="0" smtClean="0"/>
           </a:p>
           <a:p>
-            <a:pPr>
-              <a:buFont typeface="Arial" pitchFamily="34" charset="0"/>
-              <a:buChar char="•"/>
-            </a:pPr>
+            <a:pPr marL="342900" indent="-342900"/>
             <a:r>
               <a:rPr lang="en-US" sz="2400" dirty="0" smtClean="0"/>
-              <a:t> Like single player mode here also the snake’s body length increases when it gets the food.</a:t>
-            </a:r>
-          </a:p>
-          <a:p>
-            <a:pPr>
-              <a:buFont typeface="Arial" pitchFamily="34" charset="0"/>
-              <a:buChar char="•"/>
-            </a:pPr>
+              <a:t>2.  Hamilton Path finder</a:t>
+            </a:r>
+          </a:p>
+          <a:p>
+            <a:pPr marL="342900" indent="-342900"/>
             <a:endParaRPr lang="en-US" sz="2400" dirty="0" smtClean="0"/>
           </a:p>
           <a:p>
-            <a:pPr>
-              <a:buFont typeface="Arial" pitchFamily="34" charset="0"/>
-              <a:buChar char="•"/>
+            <a:pPr marL="457200" indent="-457200">
+              <a:buAutoNum type="arabicPeriod" startAt="3"/>
             </a:pPr>
             <a:r>
               <a:rPr lang="en-US" sz="2400" dirty="0" smtClean="0"/>
-              <a:t> Advantage of the multiplayer over single player is that it has game bound  </a:t>
-            </a:r>
+              <a:t>DQN Path Finder</a:t>
+            </a:r>
+          </a:p>
+          <a:p>
+            <a:pPr marL="457200" indent="-457200">
+              <a:buAutoNum type="arabicPeriod" startAt="3"/>
+            </a:pPr>
+            <a:endParaRPr lang="en-US" sz="2400" dirty="0" smtClean="0"/>
+          </a:p>
+          <a:p>
+            <a:pPr marL="457200" indent="-457200">
+              <a:buAutoNum type="arabicPeriod" startAt="3"/>
+            </a:pPr>
+            <a:r>
+              <a:rPr lang="en-US" sz="2400" dirty="0" smtClean="0"/>
+              <a:t>Breadth First  Search</a:t>
+            </a:r>
+          </a:p>
+          <a:p>
+            <a:pPr marL="457200" indent="-457200">
+              <a:buAutoNum type="arabicPeriod" startAt="3"/>
+            </a:pPr>
+            <a:endParaRPr lang="en-US" sz="2400" dirty="0" smtClean="0"/>
+          </a:p>
+          <a:p>
+            <a:pPr marL="457200" indent="-457200">
+              <a:buAutoNum type="arabicPeriod" startAt="3"/>
+            </a:pPr>
+            <a:r>
+              <a:rPr lang="en-US" sz="2400" dirty="0" smtClean="0"/>
+              <a:t>Best First Search</a:t>
+            </a:r>
+          </a:p>
+          <a:p>
+            <a:pPr marL="457200" indent="-457200">
+              <a:buAutoNum type="arabicPeriod" startAt="3"/>
+            </a:pPr>
+            <a:endParaRPr lang="en-US" sz="2400" dirty="0" smtClean="0"/>
+          </a:p>
+          <a:p>
+            <a:pPr marL="457200" indent="-457200">
+              <a:buAutoNum type="arabicPeriod" startAt="3"/>
+            </a:pPr>
             <a:r>
               <a:rPr lang="en-US" sz="2400" dirty="0" err="1" smtClean="0"/>
-              <a:t>i.e</a:t>
+              <a:t>Dijkstra</a:t>
             </a:r>
             <a:r>
               <a:rPr lang="en-US" sz="2400" dirty="0" smtClean="0"/>
-              <a:t> when a snake bites the another snake’s head it wins.</a:t>
+              <a:t> </a:t>
             </a:r>
             <a:endParaRPr lang="en-US" sz="2400" dirty="0"/>
           </a:p>
@@ -4641,60 +4666,14 @@
       </p:grpSpPr>
       <p:sp>
         <p:nvSpPr>
-          <p:cNvPr id="3" name="TextBox 2"/>
+          <p:cNvPr id="2" name="TextBox 1"/>
           <p:cNvSpPr txBox="1"/>
           <p:nvPr/>
         </p:nvSpPr>
         <p:spPr>
           <a:xfrm>
-            <a:off x="228600" y="228600"/>
-            <a:ext cx="8305800" cy="523220"/>
-          </a:xfrm>
-          <a:prstGeom prst="rect">
-            <a:avLst/>
-          </a:prstGeom>
-          <a:ln>
-            <a:noFill/>
-          </a:ln>
-        </p:spPr>
-        <p:style>
-          <a:lnRef idx="2">
-            <a:schemeClr val="dk1"/>
-          </a:lnRef>
-          <a:fillRef idx="1">
-            <a:schemeClr val="lt1"/>
-          </a:fillRef>
-          <a:effectRef idx="0">
-            <a:schemeClr val="dk1"/>
-          </a:effectRef>
-          <a:fontRef idx="minor">
-            <a:schemeClr val="dk1"/>
-          </a:fontRef>
-        </p:style>
-        <p:txBody>
-          <a:bodyPr wrap="square" rtlCol="0">
-            <a:spAutoFit/>
-          </a:bodyPr>
-          <a:lstStyle/>
-          <a:p>
-            <a:r>
-              <a:rPr lang="en-US" sz="2800" b="1" dirty="0" smtClean="0"/>
-              <a:t>CHALLENGES IN MULTIPLAYER SNAKE GAME</a:t>
-            </a:r>
-            <a:endParaRPr lang="en-US" sz="2800" b="1" dirty="0"/>
-          </a:p>
-        </p:txBody>
-      </p:sp>
-      <p:sp>
-        <p:nvSpPr>
-          <p:cNvPr id="4" name="TextBox 3"/>
-          <p:cNvSpPr txBox="1"/>
-          <p:nvPr/>
-        </p:nvSpPr>
-        <p:spPr>
-          <a:xfrm>
-            <a:off x="381000" y="1219200"/>
-            <a:ext cx="8305800" cy="3231654"/>
+            <a:off x="609600" y="533400"/>
+            <a:ext cx="7543800" cy="523220"/>
           </a:xfrm>
           <a:prstGeom prst="rect">
             <a:avLst/>
@@ -4707,13 +4686,82 @@
           </a:bodyPr>
           <a:lstStyle/>
           <a:p>
+            <a:r>
+              <a:rPr lang="en-US" sz="2800" b="1" dirty="0" smtClean="0"/>
+              <a:t>PATH FINDER</a:t>
+            </a:r>
+            <a:endParaRPr lang="en-US" sz="2800" b="1" dirty="0"/>
+          </a:p>
+        </p:txBody>
+      </p:sp>
+      <p:sp>
+        <p:nvSpPr>
+          <p:cNvPr id="3" name="TextBox 2"/>
+          <p:cNvSpPr txBox="1"/>
+          <p:nvPr/>
+        </p:nvSpPr>
+        <p:spPr>
+          <a:xfrm>
+            <a:off x="457200" y="1524000"/>
+            <a:ext cx="8001000" cy="4339650"/>
+          </a:xfrm>
+          <a:prstGeom prst="rect">
+            <a:avLst/>
+          </a:prstGeom>
+          <a:noFill/>
+        </p:spPr>
+        <p:txBody>
+          <a:bodyPr wrap="square" rtlCol="0">
+            <a:spAutoFit/>
+          </a:bodyPr>
+          <a:lstStyle/>
+          <a:p>
+            <a:r>
+              <a:rPr lang="en-US" sz="2000" dirty="0" smtClean="0"/>
+              <a:t>This project uses the BFS Algorithm for finding the path in the game board grid</a:t>
+            </a:r>
+          </a:p>
+          <a:p>
+            <a:endParaRPr lang="en-US" sz="2000" dirty="0" smtClean="0"/>
+          </a:p>
+          <a:p>
+            <a:r>
+              <a:rPr lang="en-US" sz="2400" b="1" dirty="0" smtClean="0"/>
+              <a:t>Reasons to use the BFS :</a:t>
+            </a:r>
+          </a:p>
+          <a:p>
+            <a:r>
+              <a:rPr lang="en-US" sz="2000" b="1" dirty="0" smtClean="0"/>
+              <a:t>	</a:t>
+            </a:r>
+            <a:r>
+              <a:rPr lang="en-US" sz="2000" dirty="0" smtClean="0"/>
+              <a:t>The important reason to use the BFS algorithm is to maintain the movement of the computer snake. </a:t>
+            </a:r>
+            <a:endParaRPr lang="en-US" sz="2000" b="1" dirty="0" smtClean="0"/>
+          </a:p>
+          <a:p>
+            <a:endParaRPr lang="en-US" sz="2400" b="1" dirty="0" smtClean="0"/>
+          </a:p>
+          <a:p>
+            <a:r>
+              <a:rPr lang="en-US" sz="2400" b="1" dirty="0" smtClean="0"/>
+              <a:t>Reasons to use the BFS :</a:t>
+            </a:r>
+          </a:p>
+          <a:p>
             <a:pPr>
               <a:buFont typeface="Arial" pitchFamily="34" charset="0"/>
               <a:buChar char="•"/>
             </a:pPr>
             <a:r>
-              <a:rPr lang="en-US" sz="2400" dirty="0" smtClean="0"/>
-              <a:t> To predict the opponents next move</a:t>
+              <a:rPr lang="en-US" sz="2400" b="1" dirty="0" smtClean="0"/>
+              <a:t>  </a:t>
+            </a:r>
+            <a:r>
+              <a:rPr lang="en-US" dirty="0" smtClean="0"/>
+              <a:t>BFS provide the guaranteed  path if it exist.</a:t>
             </a:r>
           </a:p>
           <a:p>
@@ -4721,7 +4769,7 @@
               <a:buFont typeface="Arial" pitchFamily="34" charset="0"/>
               <a:buChar char="•"/>
             </a:pPr>
-            <a:endParaRPr lang="en-US" sz="2400" dirty="0" smtClean="0"/>
+            <a:endParaRPr lang="en-US" sz="2000" b="1" dirty="0" smtClean="0"/>
           </a:p>
           <a:p>
             <a:pPr>
@@ -4729,8 +4777,12 @@
               <a:buChar char="•"/>
             </a:pPr>
             <a:r>
-              <a:rPr lang="en-US" sz="2400" dirty="0" smtClean="0"/>
-              <a:t> To make decision whether to go for a food or try to attack the opponent.</a:t>
+              <a:rPr lang="en-US" sz="2000" b="1" dirty="0" smtClean="0"/>
+              <a:t>  </a:t>
+            </a:r>
+            <a:r>
+              <a:rPr lang="en-US" sz="2000" dirty="0" smtClean="0"/>
+              <a:t>It checks every possible path to reach the target.</a:t>
             </a:r>
           </a:p>
           <a:p>
@@ -4738,7 +4790,7 @@
               <a:buFont typeface="Arial" pitchFamily="34" charset="0"/>
               <a:buChar char="•"/>
             </a:pPr>
-            <a:endParaRPr lang="en-US" sz="2400" dirty="0" smtClean="0"/>
+            <a:endParaRPr lang="en-US" sz="2000" b="1" dirty="0" smtClean="0"/>
           </a:p>
           <a:p>
             <a:pPr>
@@ -4746,19 +4798,14 @@
               <a:buChar char="•"/>
             </a:pPr>
             <a:r>
-              <a:rPr lang="en-US" sz="2400" dirty="0" smtClean="0"/>
-              <a:t> Reading the user’s move and making use of the previously collected data to make the next best move.</a:t>
-            </a:r>
-          </a:p>
-          <a:p>
-            <a:endParaRPr lang="en-US" dirty="0" smtClean="0"/>
-          </a:p>
-          <a:p>
-            <a:pPr>
-              <a:buFont typeface="Arial" pitchFamily="34" charset="0"/>
-              <a:buChar char="•"/>
-            </a:pPr>
-            <a:endParaRPr lang="en-US" dirty="0"/>
+              <a:rPr lang="en-US" sz="2000" b="1" dirty="0" smtClean="0"/>
+              <a:t>  </a:t>
+            </a:r>
+            <a:r>
+              <a:rPr lang="en-US" sz="2000" dirty="0" smtClean="0"/>
+              <a:t>The first path found by this algorithm will be optimistic solution.</a:t>
+            </a:r>
+            <a:endParaRPr lang="en-US" sz="2000" b="1" dirty="0"/>
           </a:p>
         </p:txBody>
       </p:sp>
@@ -4767,13 +4814,6 @@
   <p:clrMapOvr>
     <a:masterClrMapping/>
   </p:clrMapOvr>
-  <p:timing>
-    <p:tnLst>
-      <p:par>
-        <p:cTn id="1" dur="indefinite" restart="never" nodeType="tmRoot"/>
-      </p:par>
-    </p:tnLst>
-  </p:timing>
 </p:sld>
 </file>
 
@@ -4802,8 +4842,8 @@
         </p:nvSpPr>
         <p:spPr>
           <a:xfrm>
-            <a:off x="533400" y="381000"/>
-            <a:ext cx="8001000" cy="523220"/>
+            <a:off x="228600" y="304800"/>
+            <a:ext cx="8229600" cy="523220"/>
           </a:xfrm>
           <a:prstGeom prst="rect">
             <a:avLst/>
@@ -4834,7 +4874,7 @@
           <a:p>
             <a:r>
               <a:rPr lang="en-US" sz="2800" b="1" dirty="0" smtClean="0"/>
-              <a:t>PROPOSED SOLUTION - ARCHITECTURE DIAGRAM</a:t>
+              <a:t>MULTIPLAYER SNAKE GAME (INSTRUCTIONS)</a:t>
             </a:r>
             <a:endParaRPr lang="en-US" sz="2800" b="1" dirty="0"/>
           </a:p>
@@ -4842,972 +4882,80 @@
       </p:sp>
       <p:sp>
         <p:nvSpPr>
-          <p:cNvPr id="3" name="Rectangle 2"/>
-          <p:cNvSpPr/>
+          <p:cNvPr id="3" name="TextBox 2"/>
+          <p:cNvSpPr txBox="1"/>
           <p:nvPr/>
         </p:nvSpPr>
         <p:spPr>
           <a:xfrm>
-            <a:off x="4038600" y="1219200"/>
-            <a:ext cx="1295400" cy="457200"/>
+            <a:off x="228600" y="1143000"/>
+            <a:ext cx="8305800" cy="3416320"/>
           </a:xfrm>
           <a:prstGeom prst="rect">
             <a:avLst/>
           </a:prstGeom>
-        </p:spPr>
-        <p:style>
-          <a:lnRef idx="2">
-            <a:schemeClr val="dk1"/>
-          </a:lnRef>
-          <a:fillRef idx="1">
-            <a:schemeClr val="lt1"/>
-          </a:fillRef>
-          <a:effectRef idx="0">
-            <a:schemeClr val="dk1"/>
-          </a:effectRef>
-          <a:fontRef idx="minor">
-            <a:schemeClr val="dk1"/>
-          </a:fontRef>
-        </p:style>
-        <p:txBody>
-          <a:bodyPr rtlCol="0" anchor="ctr"/>
-          <a:lstStyle/>
-          <a:p>
-            <a:pPr algn="ctr"/>
-            <a:r>
-              <a:rPr lang="en-US" dirty="0" smtClean="0"/>
-              <a:t>User U3</a:t>
-            </a:r>
-            <a:endParaRPr lang="en-US" dirty="0"/>
-          </a:p>
-        </p:txBody>
-      </p:sp>
-      <p:sp>
-        <p:nvSpPr>
-          <p:cNvPr id="5" name="Rectangle 4"/>
-          <p:cNvSpPr/>
-          <p:nvPr/>
-        </p:nvSpPr>
-        <p:spPr>
-          <a:xfrm>
-            <a:off x="6934200" y="1219200"/>
-            <a:ext cx="1295400" cy="457200"/>
-          </a:xfrm>
-          <a:prstGeom prst="rect">
-            <a:avLst/>
-          </a:prstGeom>
-        </p:spPr>
-        <p:style>
-          <a:lnRef idx="2">
-            <a:schemeClr val="dk1"/>
-          </a:lnRef>
-          <a:fillRef idx="1">
-            <a:schemeClr val="lt1"/>
-          </a:fillRef>
-          <a:effectRef idx="0">
-            <a:schemeClr val="dk1"/>
-          </a:effectRef>
-          <a:fontRef idx="minor">
-            <a:schemeClr val="dk1"/>
-          </a:fontRef>
-        </p:style>
-        <p:txBody>
-          <a:bodyPr rtlCol="0" anchor="ctr"/>
-          <a:lstStyle/>
-          <a:p>
-            <a:pPr algn="ctr"/>
-            <a:r>
-              <a:rPr lang="en-US" dirty="0" smtClean="0"/>
-              <a:t>User U1</a:t>
-            </a:r>
-            <a:endParaRPr lang="en-US" dirty="0"/>
-          </a:p>
-        </p:txBody>
-      </p:sp>
-      <p:sp>
-        <p:nvSpPr>
-          <p:cNvPr id="6" name="Rectangle 5"/>
-          <p:cNvSpPr/>
-          <p:nvPr/>
-        </p:nvSpPr>
-        <p:spPr>
-          <a:xfrm>
-            <a:off x="5486400" y="1219200"/>
-            <a:ext cx="1295400" cy="457200"/>
-          </a:xfrm>
-          <a:prstGeom prst="rect">
-            <a:avLst/>
-          </a:prstGeom>
-        </p:spPr>
-        <p:style>
-          <a:lnRef idx="2">
-            <a:schemeClr val="dk1"/>
-          </a:lnRef>
-          <a:fillRef idx="1">
-            <a:schemeClr val="lt1"/>
-          </a:fillRef>
-          <a:effectRef idx="0">
-            <a:schemeClr val="dk1"/>
-          </a:effectRef>
-          <a:fontRef idx="minor">
-            <a:schemeClr val="dk1"/>
-          </a:fontRef>
-        </p:style>
-        <p:txBody>
-          <a:bodyPr rtlCol="0" anchor="ctr"/>
-          <a:lstStyle/>
-          <a:p>
-            <a:pPr algn="ctr"/>
-            <a:r>
-              <a:rPr lang="en-US" dirty="0" smtClean="0"/>
-              <a:t>User U2</a:t>
-            </a:r>
-            <a:endParaRPr lang="en-US" dirty="0"/>
-          </a:p>
-        </p:txBody>
-      </p:sp>
-      <p:sp>
-        <p:nvSpPr>
-          <p:cNvPr id="7" name="Rounded Rectangle 6"/>
-          <p:cNvSpPr/>
-          <p:nvPr/>
-        </p:nvSpPr>
-        <p:spPr>
-          <a:xfrm>
-            <a:off x="4800600" y="2438400"/>
-            <a:ext cx="3886200" cy="1524000"/>
-          </a:xfrm>
-          <a:prstGeom prst="roundRect">
-            <a:avLst/>
-          </a:prstGeom>
-        </p:spPr>
-        <p:style>
-          <a:lnRef idx="2">
-            <a:schemeClr val="dk1"/>
-          </a:lnRef>
-          <a:fillRef idx="1">
-            <a:schemeClr val="lt1"/>
-          </a:fillRef>
-          <a:effectRef idx="0">
-            <a:schemeClr val="dk1"/>
-          </a:effectRef>
-          <a:fontRef idx="minor">
-            <a:schemeClr val="dk1"/>
-          </a:fontRef>
-        </p:style>
-        <p:txBody>
-          <a:bodyPr rtlCol="0" anchor="ctr"/>
-          <a:lstStyle/>
-          <a:p>
-            <a:pPr algn="ctr"/>
-            <a:endParaRPr lang="en-US" dirty="0" smtClean="0"/>
-          </a:p>
-          <a:p>
-            <a:pPr algn="ctr"/>
-            <a:endParaRPr lang="en-US" dirty="0" smtClean="0"/>
-          </a:p>
-          <a:p>
-            <a:pPr algn="ctr"/>
-            <a:r>
-              <a:rPr lang="en-US" b="1" dirty="0" smtClean="0"/>
-              <a:t>User Controller</a:t>
-            </a:r>
-            <a:endParaRPr lang="en-US" b="1" dirty="0"/>
-          </a:p>
-        </p:txBody>
-      </p:sp>
-      <p:sp>
-        <p:nvSpPr>
-          <p:cNvPr id="8" name="Rounded Rectangle 7"/>
-          <p:cNvSpPr/>
-          <p:nvPr/>
-        </p:nvSpPr>
-        <p:spPr>
-          <a:xfrm>
-            <a:off x="5105400" y="2590800"/>
-            <a:ext cx="1447800" cy="533400"/>
-          </a:xfrm>
-          <a:prstGeom prst="roundRect">
-            <a:avLst/>
-          </a:prstGeom>
-        </p:spPr>
-        <p:style>
-          <a:lnRef idx="2">
-            <a:schemeClr val="dk1"/>
-          </a:lnRef>
-          <a:fillRef idx="1">
-            <a:schemeClr val="lt1"/>
-          </a:fillRef>
-          <a:effectRef idx="0">
-            <a:schemeClr val="dk1"/>
-          </a:effectRef>
-          <a:fontRef idx="minor">
-            <a:schemeClr val="dk1"/>
-          </a:fontRef>
-        </p:style>
-        <p:txBody>
-          <a:bodyPr rtlCol="0" anchor="ctr"/>
-          <a:lstStyle/>
-          <a:p>
-            <a:pPr algn="ctr"/>
-            <a:r>
-              <a:rPr lang="en-US" dirty="0" smtClean="0"/>
-              <a:t>Request Handler</a:t>
-            </a:r>
-            <a:endParaRPr lang="en-US" dirty="0"/>
-          </a:p>
-        </p:txBody>
-      </p:sp>
-      <p:sp>
-        <p:nvSpPr>
-          <p:cNvPr id="10" name="Rounded Rectangle 9"/>
-          <p:cNvSpPr/>
-          <p:nvPr/>
-        </p:nvSpPr>
-        <p:spPr>
-          <a:xfrm>
-            <a:off x="6858000" y="2590800"/>
-            <a:ext cx="1447800" cy="533400"/>
-          </a:xfrm>
-          <a:prstGeom prst="roundRect">
-            <a:avLst/>
-          </a:prstGeom>
-        </p:spPr>
-        <p:style>
-          <a:lnRef idx="2">
-            <a:schemeClr val="dk1"/>
-          </a:lnRef>
-          <a:fillRef idx="1">
-            <a:schemeClr val="lt1"/>
-          </a:fillRef>
-          <a:effectRef idx="0">
-            <a:schemeClr val="dk1"/>
-          </a:effectRef>
-          <a:fontRef idx="minor">
-            <a:schemeClr val="dk1"/>
-          </a:fontRef>
-        </p:style>
-        <p:txBody>
-          <a:bodyPr rtlCol="0" anchor="ctr"/>
-          <a:lstStyle/>
-          <a:p>
-            <a:pPr algn="ctr"/>
-            <a:r>
-              <a:rPr lang="en-US" dirty="0" smtClean="0"/>
-              <a:t>Live User Lister</a:t>
-            </a:r>
-            <a:endParaRPr lang="en-US" dirty="0"/>
-          </a:p>
-        </p:txBody>
-      </p:sp>
-      <p:cxnSp>
-        <p:nvCxnSpPr>
-          <p:cNvPr id="12" name="Straight Arrow Connector 11"/>
-          <p:cNvCxnSpPr>
-            <a:stCxn id="10" idx="0"/>
-            <a:endCxn id="3" idx="2"/>
-          </p:cNvCxnSpPr>
-          <p:nvPr/>
-        </p:nvCxnSpPr>
-        <p:spPr>
-          <a:xfrm rot="16200000" flipV="1">
-            <a:off x="5676900" y="685800"/>
-            <a:ext cx="914400" cy="2895600"/>
-          </a:xfrm>
-          <a:prstGeom prst="straightConnector1">
-            <a:avLst/>
-          </a:prstGeom>
-          <a:ln>
-            <a:tailEnd type="arrow"/>
-          </a:ln>
-        </p:spPr>
-        <p:style>
-          <a:lnRef idx="1">
-            <a:schemeClr val="accent1"/>
-          </a:lnRef>
-          <a:fillRef idx="0">
-            <a:schemeClr val="accent1"/>
-          </a:fillRef>
-          <a:effectRef idx="0">
-            <a:schemeClr val="accent1"/>
-          </a:effectRef>
-          <a:fontRef idx="minor">
-            <a:schemeClr val="tx1"/>
-          </a:fontRef>
-        </p:style>
-      </p:cxnSp>
-      <p:cxnSp>
-        <p:nvCxnSpPr>
-          <p:cNvPr id="14" name="Straight Arrow Connector 13"/>
-          <p:cNvCxnSpPr>
-            <a:stCxn id="10" idx="0"/>
-            <a:endCxn id="6" idx="2"/>
-          </p:cNvCxnSpPr>
-          <p:nvPr/>
-        </p:nvCxnSpPr>
-        <p:spPr>
-          <a:xfrm rot="16200000" flipV="1">
-            <a:off x="6400800" y="1409700"/>
-            <a:ext cx="914400" cy="1447800"/>
-          </a:xfrm>
-          <a:prstGeom prst="straightConnector1">
-            <a:avLst/>
-          </a:prstGeom>
-          <a:ln>
-            <a:tailEnd type="arrow"/>
-          </a:ln>
-        </p:spPr>
-        <p:style>
-          <a:lnRef idx="1">
-            <a:schemeClr val="accent1"/>
-          </a:lnRef>
-          <a:fillRef idx="0">
-            <a:schemeClr val="accent1"/>
-          </a:fillRef>
-          <a:effectRef idx="0">
-            <a:schemeClr val="accent1"/>
-          </a:effectRef>
-          <a:fontRef idx="minor">
-            <a:schemeClr val="tx1"/>
-          </a:fontRef>
-        </p:style>
-      </p:cxnSp>
-      <p:cxnSp>
-        <p:nvCxnSpPr>
-          <p:cNvPr id="16" name="Straight Arrow Connector 15"/>
-          <p:cNvCxnSpPr>
-            <a:stCxn id="10" idx="0"/>
-            <a:endCxn id="5" idx="2"/>
-          </p:cNvCxnSpPr>
-          <p:nvPr/>
-        </p:nvCxnSpPr>
-        <p:spPr>
-          <a:xfrm rot="5400000" flipH="1" flipV="1">
-            <a:off x="7124700" y="2133600"/>
-            <a:ext cx="914400" cy="1588"/>
-          </a:xfrm>
-          <a:prstGeom prst="straightConnector1">
-            <a:avLst/>
-          </a:prstGeom>
-          <a:ln>
-            <a:tailEnd type="arrow"/>
-          </a:ln>
-        </p:spPr>
-        <p:style>
-          <a:lnRef idx="1">
-            <a:schemeClr val="accent1"/>
-          </a:lnRef>
-          <a:fillRef idx="0">
-            <a:schemeClr val="accent1"/>
-          </a:fillRef>
-          <a:effectRef idx="0">
-            <a:schemeClr val="accent1"/>
-          </a:effectRef>
-          <a:fontRef idx="minor">
-            <a:schemeClr val="tx1"/>
-          </a:fontRef>
-        </p:style>
-      </p:cxnSp>
-      <p:cxnSp>
-        <p:nvCxnSpPr>
-          <p:cNvPr id="25" name="Straight Arrow Connector 24"/>
-          <p:cNvCxnSpPr>
-            <a:stCxn id="5" idx="2"/>
-            <a:endCxn id="8" idx="0"/>
-          </p:cNvCxnSpPr>
-          <p:nvPr/>
-        </p:nvCxnSpPr>
-        <p:spPr>
-          <a:xfrm rot="5400000">
-            <a:off x="6248400" y="1257300"/>
-            <a:ext cx="914400" cy="1752600"/>
-          </a:xfrm>
-          <a:prstGeom prst="straightConnector1">
-            <a:avLst/>
-          </a:prstGeom>
-          <a:ln>
-            <a:headEnd type="arrow"/>
-            <a:tailEnd type="arrow"/>
-          </a:ln>
-        </p:spPr>
-        <p:style>
-          <a:lnRef idx="1">
-            <a:schemeClr val="accent1"/>
-          </a:lnRef>
-          <a:fillRef idx="0">
-            <a:schemeClr val="accent1"/>
-          </a:fillRef>
-          <a:effectRef idx="0">
-            <a:schemeClr val="accent1"/>
-          </a:effectRef>
-          <a:fontRef idx="minor">
-            <a:schemeClr val="tx1"/>
-          </a:fontRef>
-        </p:style>
-      </p:cxnSp>
-      <p:cxnSp>
-        <p:nvCxnSpPr>
-          <p:cNvPr id="27" name="Straight Arrow Connector 26"/>
-          <p:cNvCxnSpPr>
-            <a:stCxn id="8" idx="0"/>
-            <a:endCxn id="3" idx="2"/>
-          </p:cNvCxnSpPr>
-          <p:nvPr/>
-        </p:nvCxnSpPr>
-        <p:spPr>
-          <a:xfrm rot="16200000" flipV="1">
-            <a:off x="4800600" y="1562100"/>
-            <a:ext cx="914400" cy="1143000"/>
-          </a:xfrm>
-          <a:prstGeom prst="straightConnector1">
-            <a:avLst/>
-          </a:prstGeom>
-          <a:ln>
-            <a:headEnd type="arrow"/>
-            <a:tailEnd type="arrow"/>
-          </a:ln>
-        </p:spPr>
-        <p:style>
-          <a:lnRef idx="1">
-            <a:schemeClr val="accent1"/>
-          </a:lnRef>
-          <a:fillRef idx="0">
-            <a:schemeClr val="accent1"/>
-          </a:fillRef>
-          <a:effectRef idx="0">
-            <a:schemeClr val="accent1"/>
-          </a:effectRef>
-          <a:fontRef idx="minor">
-            <a:schemeClr val="tx1"/>
-          </a:fontRef>
-        </p:style>
-      </p:cxnSp>
-      <p:sp>
-        <p:nvSpPr>
-          <p:cNvPr id="28" name="Rounded Rectangle 27"/>
-          <p:cNvSpPr/>
-          <p:nvPr/>
-        </p:nvSpPr>
-        <p:spPr>
-          <a:xfrm>
-            <a:off x="228600" y="2438400"/>
-            <a:ext cx="4191000" cy="4114800"/>
-          </a:xfrm>
-          <a:prstGeom prst="roundRect">
-            <a:avLst/>
-          </a:prstGeom>
-        </p:spPr>
-        <p:style>
-          <a:lnRef idx="2">
-            <a:schemeClr val="dk1"/>
-          </a:lnRef>
-          <a:fillRef idx="1">
-            <a:schemeClr val="lt1"/>
-          </a:fillRef>
-          <a:effectRef idx="0">
-            <a:schemeClr val="dk1"/>
-          </a:effectRef>
-          <a:fontRef idx="minor">
-            <a:schemeClr val="dk1"/>
-          </a:fontRef>
-        </p:style>
-        <p:txBody>
-          <a:bodyPr rtlCol="0" anchor="ctr"/>
-          <a:lstStyle/>
-          <a:p>
-            <a:pPr algn="ctr"/>
-            <a:endParaRPr lang="en-US" dirty="0" smtClean="0"/>
-          </a:p>
-          <a:p>
-            <a:pPr algn="ctr"/>
-            <a:endParaRPr lang="en-US" dirty="0" smtClean="0"/>
-          </a:p>
-          <a:p>
-            <a:pPr algn="ctr"/>
-            <a:endParaRPr lang="en-US" dirty="0" smtClean="0"/>
-          </a:p>
-          <a:p>
-            <a:pPr algn="ctr"/>
-            <a:endParaRPr lang="en-US" dirty="0" smtClean="0"/>
-          </a:p>
-          <a:p>
-            <a:pPr algn="ctr"/>
-            <a:endParaRPr lang="en-US" dirty="0" smtClean="0"/>
-          </a:p>
-          <a:p>
-            <a:pPr algn="ctr"/>
-            <a:endParaRPr lang="en-US" dirty="0" smtClean="0"/>
-          </a:p>
-          <a:p>
-            <a:pPr algn="ctr"/>
-            <a:endParaRPr lang="en-US" dirty="0" smtClean="0"/>
-          </a:p>
-          <a:p>
-            <a:pPr algn="ctr"/>
-            <a:endParaRPr lang="en-US" dirty="0" smtClean="0"/>
-          </a:p>
-          <a:p>
-            <a:pPr algn="ctr"/>
-            <a:endParaRPr lang="en-US" dirty="0" smtClean="0"/>
-          </a:p>
-          <a:p>
-            <a:pPr algn="ctr"/>
-            <a:endParaRPr lang="en-US" dirty="0" smtClean="0"/>
-          </a:p>
-          <a:p>
-            <a:pPr algn="ctr"/>
-            <a:endParaRPr lang="en-US" dirty="0" smtClean="0"/>
-          </a:p>
-          <a:p>
-            <a:pPr algn="ctr"/>
-            <a:r>
-              <a:rPr lang="en-US" b="1" dirty="0" err="1" smtClean="0"/>
-              <a:t>GameBoard</a:t>
-            </a:r>
-            <a:r>
-              <a:rPr lang="en-US" b="1" dirty="0" smtClean="0"/>
-              <a:t> Controller</a:t>
-            </a:r>
-            <a:endParaRPr lang="en-US" b="1" dirty="0"/>
-          </a:p>
-        </p:txBody>
-      </p:sp>
-      <p:sp>
-        <p:nvSpPr>
-          <p:cNvPr id="29" name="Flowchart: Magnetic Disk 28"/>
-          <p:cNvSpPr/>
-          <p:nvPr/>
-        </p:nvSpPr>
-        <p:spPr>
-          <a:xfrm>
-            <a:off x="5867400" y="4419600"/>
-            <a:ext cx="2362200" cy="2209800"/>
-          </a:xfrm>
-          <a:prstGeom prst="flowChartMagneticDisk">
-            <a:avLst/>
-          </a:prstGeom>
-        </p:spPr>
-        <p:style>
-          <a:lnRef idx="2">
-            <a:schemeClr val="dk1"/>
-          </a:lnRef>
-          <a:fillRef idx="1">
-            <a:schemeClr val="lt1"/>
-          </a:fillRef>
-          <a:effectRef idx="0">
-            <a:schemeClr val="dk1"/>
-          </a:effectRef>
-          <a:fontRef idx="minor">
-            <a:schemeClr val="dk1"/>
-          </a:fontRef>
-        </p:style>
-        <p:txBody>
-          <a:bodyPr rtlCol="0" anchor="ctr"/>
-          <a:lstStyle/>
-          <a:p>
-            <a:pPr algn="ctr"/>
-            <a:r>
-              <a:rPr lang="en-US" b="1" dirty="0" smtClean="0"/>
-              <a:t>User moves database</a:t>
-            </a:r>
-            <a:endParaRPr lang="en-US" b="1" dirty="0"/>
-          </a:p>
-        </p:txBody>
-      </p:sp>
-      <p:sp>
-        <p:nvSpPr>
-          <p:cNvPr id="31" name="Rectangle 30"/>
-          <p:cNvSpPr/>
-          <p:nvPr/>
-        </p:nvSpPr>
-        <p:spPr>
-          <a:xfrm>
-            <a:off x="1676400" y="1219200"/>
-            <a:ext cx="1295400" cy="457200"/>
-          </a:xfrm>
-          <a:prstGeom prst="rect">
-            <a:avLst/>
-          </a:prstGeom>
-        </p:spPr>
-        <p:style>
-          <a:lnRef idx="2">
-            <a:schemeClr val="dk1"/>
-          </a:lnRef>
-          <a:fillRef idx="1">
-            <a:schemeClr val="lt1"/>
-          </a:fillRef>
-          <a:effectRef idx="0">
-            <a:schemeClr val="dk1"/>
-          </a:effectRef>
-          <a:fontRef idx="minor">
-            <a:schemeClr val="dk1"/>
-          </a:fontRef>
-        </p:style>
-        <p:txBody>
-          <a:bodyPr rtlCol="0" anchor="ctr"/>
-          <a:lstStyle/>
-          <a:p>
-            <a:pPr algn="ctr"/>
-            <a:r>
-              <a:rPr lang="en-US" dirty="0" smtClean="0"/>
-              <a:t>Computer</a:t>
-            </a:r>
-            <a:endParaRPr lang="en-US" dirty="0"/>
-          </a:p>
-        </p:txBody>
-      </p:sp>
-      <p:sp>
-        <p:nvSpPr>
-          <p:cNvPr id="37" name="Rounded Rectangle 36"/>
-          <p:cNvSpPr/>
-          <p:nvPr/>
-        </p:nvSpPr>
-        <p:spPr>
-          <a:xfrm>
-            <a:off x="1066800" y="2590800"/>
-            <a:ext cx="2438400" cy="609600"/>
-          </a:xfrm>
-          <a:prstGeom prst="roundRect">
-            <a:avLst/>
-          </a:prstGeom>
-        </p:spPr>
-        <p:style>
-          <a:lnRef idx="2">
-            <a:schemeClr val="dk1"/>
-          </a:lnRef>
-          <a:fillRef idx="1">
-            <a:schemeClr val="lt1"/>
-          </a:fillRef>
-          <a:effectRef idx="0">
-            <a:schemeClr val="dk1"/>
-          </a:effectRef>
-          <a:fontRef idx="minor">
-            <a:schemeClr val="dk1"/>
-          </a:fontRef>
-        </p:style>
-        <p:txBody>
-          <a:bodyPr rtlCol="0" anchor="ctr"/>
-          <a:lstStyle/>
-          <a:p>
-            <a:pPr algn="ctr"/>
-            <a:r>
-              <a:rPr lang="en-US" dirty="0" smtClean="0"/>
-              <a:t>Game Board </a:t>
-            </a:r>
-            <a:r>
-              <a:rPr lang="en-US" dirty="0" smtClean="0"/>
-              <a:t>Manager</a:t>
-            </a:r>
-            <a:endParaRPr lang="en-US" dirty="0"/>
-          </a:p>
-        </p:txBody>
-      </p:sp>
-      <p:sp>
-        <p:nvSpPr>
-          <p:cNvPr id="46" name="Rounded Rectangle 45"/>
-          <p:cNvSpPr/>
-          <p:nvPr/>
-        </p:nvSpPr>
-        <p:spPr>
-          <a:xfrm>
-            <a:off x="990600" y="3581400"/>
-            <a:ext cx="2438400" cy="609600"/>
-          </a:xfrm>
-          <a:prstGeom prst="roundRect">
-            <a:avLst/>
-          </a:prstGeom>
-        </p:spPr>
-        <p:style>
-          <a:lnRef idx="2">
-            <a:schemeClr val="dk1"/>
-          </a:lnRef>
-          <a:fillRef idx="1">
-            <a:schemeClr val="lt1"/>
-          </a:fillRef>
-          <a:effectRef idx="0">
-            <a:schemeClr val="dk1"/>
-          </a:effectRef>
-          <a:fontRef idx="minor">
-            <a:schemeClr val="dk1"/>
-          </a:fontRef>
-        </p:style>
-        <p:txBody>
-          <a:bodyPr rtlCol="0" anchor="ctr"/>
-          <a:lstStyle/>
-          <a:p>
-            <a:pPr algn="ctr"/>
-            <a:r>
-              <a:rPr lang="en-US" dirty="0" smtClean="0"/>
-              <a:t>Data Collector</a:t>
-            </a:r>
-            <a:endParaRPr lang="en-US" dirty="0"/>
-          </a:p>
-        </p:txBody>
-      </p:sp>
-      <p:sp>
-        <p:nvSpPr>
-          <p:cNvPr id="49" name="Rounded Rectangle 48"/>
-          <p:cNvSpPr/>
-          <p:nvPr/>
-        </p:nvSpPr>
-        <p:spPr>
-          <a:xfrm>
-            <a:off x="990600" y="4495800"/>
-            <a:ext cx="2438400" cy="609600"/>
-          </a:xfrm>
-          <a:prstGeom prst="roundRect">
-            <a:avLst/>
-          </a:prstGeom>
-        </p:spPr>
-        <p:style>
-          <a:lnRef idx="2">
-            <a:schemeClr val="dk1"/>
-          </a:lnRef>
-          <a:fillRef idx="1">
-            <a:schemeClr val="lt1"/>
-          </a:fillRef>
-          <a:effectRef idx="0">
-            <a:schemeClr val="dk1"/>
-          </a:effectRef>
-          <a:fontRef idx="minor">
-            <a:schemeClr val="dk1"/>
-          </a:fontRef>
-        </p:style>
-        <p:txBody>
-          <a:bodyPr rtlCol="0" anchor="ctr"/>
-          <a:lstStyle/>
-          <a:p>
-            <a:pPr algn="ctr"/>
-            <a:r>
-              <a:rPr lang="en-US" dirty="0" smtClean="0"/>
-              <a:t>Predictor</a:t>
-            </a:r>
-            <a:endParaRPr lang="en-US" dirty="0"/>
-          </a:p>
-        </p:txBody>
-      </p:sp>
-      <p:cxnSp>
-        <p:nvCxnSpPr>
-          <p:cNvPr id="51" name="Straight Arrow Connector 50"/>
-          <p:cNvCxnSpPr>
-            <a:stCxn id="49" idx="3"/>
-            <a:endCxn id="29" idx="2"/>
-          </p:cNvCxnSpPr>
-          <p:nvPr/>
-        </p:nvCxnSpPr>
-        <p:spPr>
-          <a:xfrm>
-            <a:off x="3429000" y="4800600"/>
-            <a:ext cx="2438400" cy="723900"/>
-          </a:xfrm>
-          <a:prstGeom prst="straightConnector1">
-            <a:avLst/>
-          </a:prstGeom>
-          <a:ln>
-            <a:headEnd type="arrow"/>
-            <a:tailEnd type="arrow"/>
-          </a:ln>
-        </p:spPr>
-        <p:style>
-          <a:lnRef idx="1">
-            <a:schemeClr val="accent1"/>
-          </a:lnRef>
-          <a:fillRef idx="0">
-            <a:schemeClr val="accent1"/>
-          </a:fillRef>
-          <a:effectRef idx="0">
-            <a:schemeClr val="accent1"/>
-          </a:effectRef>
-          <a:fontRef idx="minor">
-            <a:schemeClr val="tx1"/>
-          </a:fontRef>
-        </p:style>
-      </p:cxnSp>
-      <p:cxnSp>
-        <p:nvCxnSpPr>
-          <p:cNvPr id="53" name="Straight Arrow Connector 52"/>
-          <p:cNvCxnSpPr>
-            <a:stCxn id="37" idx="2"/>
-            <a:endCxn id="46" idx="0"/>
-          </p:cNvCxnSpPr>
-          <p:nvPr/>
-        </p:nvCxnSpPr>
-        <p:spPr>
-          <a:xfrm rot="5400000">
-            <a:off x="2057400" y="3352800"/>
-            <a:ext cx="381000" cy="76200"/>
-          </a:xfrm>
-          <a:prstGeom prst="straightConnector1">
-            <a:avLst/>
-          </a:prstGeom>
-          <a:ln>
-            <a:tailEnd type="arrow"/>
-          </a:ln>
-        </p:spPr>
-        <p:style>
-          <a:lnRef idx="2">
-            <a:schemeClr val="dk1"/>
-          </a:lnRef>
-          <a:fillRef idx="0">
-            <a:schemeClr val="dk1"/>
-          </a:fillRef>
-          <a:effectRef idx="1">
-            <a:schemeClr val="dk1"/>
-          </a:effectRef>
-          <a:fontRef idx="minor">
-            <a:schemeClr val="tx1"/>
-          </a:fontRef>
-        </p:style>
-      </p:cxnSp>
-      <p:cxnSp>
-        <p:nvCxnSpPr>
-          <p:cNvPr id="55" name="Straight Arrow Connector 54"/>
-          <p:cNvCxnSpPr>
-            <a:stCxn id="46" idx="3"/>
-            <a:endCxn id="29" idx="2"/>
-          </p:cNvCxnSpPr>
-          <p:nvPr/>
-        </p:nvCxnSpPr>
-        <p:spPr>
-          <a:xfrm>
-            <a:off x="3429000" y="3886200"/>
-            <a:ext cx="2438400" cy="1638300"/>
-          </a:xfrm>
-          <a:prstGeom prst="straightConnector1">
-            <a:avLst/>
-          </a:prstGeom>
-          <a:ln>
-            <a:headEnd type="arrow"/>
-            <a:tailEnd type="arrow"/>
-          </a:ln>
-        </p:spPr>
-        <p:style>
-          <a:lnRef idx="1">
-            <a:schemeClr val="accent1"/>
-          </a:lnRef>
-          <a:fillRef idx="0">
-            <a:schemeClr val="accent1"/>
-          </a:fillRef>
-          <a:effectRef idx="0">
-            <a:schemeClr val="accent1"/>
-          </a:effectRef>
-          <a:fontRef idx="minor">
-            <a:schemeClr val="tx1"/>
-          </a:fontRef>
-        </p:style>
-      </p:cxnSp>
-      <p:cxnSp>
-        <p:nvCxnSpPr>
-          <p:cNvPr id="57" name="Curved Connector 56"/>
-          <p:cNvCxnSpPr>
-            <a:stCxn id="49" idx="1"/>
-            <a:endCxn id="37" idx="1"/>
-          </p:cNvCxnSpPr>
-          <p:nvPr/>
-        </p:nvCxnSpPr>
-        <p:spPr>
-          <a:xfrm rot="10800000" flipH="1">
-            <a:off x="990600" y="2895600"/>
-            <a:ext cx="76200" cy="1905000"/>
-          </a:xfrm>
-          <a:prstGeom prst="curvedConnector3">
-            <a:avLst>
-              <a:gd name="adj1" fmla="val -300000"/>
-            </a:avLst>
-          </a:prstGeom>
-          <a:ln>
-            <a:headEnd type="arrow"/>
-            <a:tailEnd type="arrow"/>
-          </a:ln>
-        </p:spPr>
-        <p:style>
-          <a:lnRef idx="2">
-            <a:schemeClr val="dk1"/>
-          </a:lnRef>
-          <a:fillRef idx="0">
-            <a:schemeClr val="dk1"/>
-          </a:fillRef>
-          <a:effectRef idx="1">
-            <a:schemeClr val="dk1"/>
-          </a:effectRef>
-          <a:fontRef idx="minor">
-            <a:schemeClr val="tx1"/>
-          </a:fontRef>
-        </p:style>
-      </p:cxnSp>
-      <p:cxnSp>
-        <p:nvCxnSpPr>
-          <p:cNvPr id="59" name="Straight Arrow Connector 58"/>
-          <p:cNvCxnSpPr>
-            <a:stCxn id="37" idx="0"/>
-            <a:endCxn id="31" idx="2"/>
-          </p:cNvCxnSpPr>
-          <p:nvPr/>
-        </p:nvCxnSpPr>
-        <p:spPr>
-          <a:xfrm rot="5400000" flipH="1" flipV="1">
-            <a:off x="1847850" y="2114550"/>
-            <a:ext cx="914400" cy="38100"/>
-          </a:xfrm>
-          <a:prstGeom prst="straightConnector1">
-            <a:avLst/>
-          </a:prstGeom>
-          <a:ln>
-            <a:tailEnd type="arrow"/>
-          </a:ln>
-        </p:spPr>
-        <p:style>
-          <a:lnRef idx="2">
-            <a:schemeClr val="dk1"/>
-          </a:lnRef>
-          <a:fillRef idx="0">
-            <a:schemeClr val="dk1"/>
-          </a:fillRef>
-          <a:effectRef idx="1">
-            <a:schemeClr val="dk1"/>
-          </a:effectRef>
-          <a:fontRef idx="minor">
-            <a:schemeClr val="tx1"/>
-          </a:fontRef>
-        </p:style>
-      </p:cxnSp>
-      <p:cxnSp>
-        <p:nvCxnSpPr>
-          <p:cNvPr id="61" name="Straight Arrow Connector 60"/>
-          <p:cNvCxnSpPr>
-            <a:stCxn id="37" idx="3"/>
-            <a:endCxn id="8" idx="1"/>
-          </p:cNvCxnSpPr>
-          <p:nvPr/>
-        </p:nvCxnSpPr>
-        <p:spPr>
-          <a:xfrm flipV="1">
-            <a:off x="3505200" y="2857500"/>
-            <a:ext cx="1600200" cy="38100"/>
-          </a:xfrm>
-          <a:prstGeom prst="straightConnector1">
-            <a:avLst/>
-          </a:prstGeom>
-          <a:ln>
-            <a:headEnd type="arrow"/>
-            <a:tailEnd type="arrow"/>
-          </a:ln>
-        </p:spPr>
-        <p:style>
-          <a:lnRef idx="2">
-            <a:schemeClr val="dk1"/>
-          </a:lnRef>
-          <a:fillRef idx="0">
-            <a:schemeClr val="dk1"/>
-          </a:fillRef>
-          <a:effectRef idx="1">
-            <a:schemeClr val="dk1"/>
-          </a:effectRef>
-          <a:fontRef idx="minor">
-            <a:schemeClr val="tx1"/>
-          </a:fontRef>
-        </p:style>
-      </p:cxnSp>
+          <a:noFill/>
+        </p:spPr>
+        <p:txBody>
+          <a:bodyPr wrap="square" rtlCol="0">
+            <a:spAutoFit/>
+          </a:bodyPr>
+          <a:lstStyle/>
+          <a:p>
+            <a:pPr>
+              <a:buFont typeface="Arial" pitchFamily="34" charset="0"/>
+              <a:buChar char="•"/>
+            </a:pPr>
+            <a:r>
+              <a:rPr lang="en-US" sz="2400" dirty="0" smtClean="0"/>
+              <a:t> In this mode two snake move across the board simultaneously and they fight for the same food.</a:t>
+            </a:r>
+          </a:p>
+          <a:p>
+            <a:pPr>
+              <a:buFont typeface="Arial" pitchFamily="34" charset="0"/>
+              <a:buChar char="•"/>
+            </a:pPr>
+            <a:endParaRPr lang="en-US" sz="2400" dirty="0" smtClean="0"/>
+          </a:p>
+          <a:p>
+            <a:pPr>
+              <a:buFont typeface="Arial" pitchFamily="34" charset="0"/>
+              <a:buChar char="•"/>
+            </a:pPr>
+            <a:r>
+              <a:rPr lang="en-US" sz="2400" dirty="0" smtClean="0"/>
+              <a:t> Like single player mode here also the snake’s body length increases when it gets the food.</a:t>
+            </a:r>
+          </a:p>
+          <a:p>
+            <a:pPr>
+              <a:buFont typeface="Arial" pitchFamily="34" charset="0"/>
+              <a:buChar char="•"/>
+            </a:pPr>
+            <a:endParaRPr lang="en-US" sz="2400" dirty="0" smtClean="0"/>
+          </a:p>
+          <a:p>
+            <a:pPr>
+              <a:buFont typeface="Arial" pitchFamily="34" charset="0"/>
+              <a:buChar char="•"/>
+            </a:pPr>
+            <a:r>
+              <a:rPr lang="en-US" sz="2400" dirty="0" smtClean="0"/>
+              <a:t> Advantage of the multiplayer over single player is that it has game bound  </a:t>
+            </a:r>
+            <a:r>
+              <a:rPr lang="en-US" sz="2400" dirty="0" err="1" smtClean="0"/>
+              <a:t>i.e</a:t>
+            </a:r>
+            <a:r>
+              <a:rPr lang="en-US" sz="2400" dirty="0" smtClean="0"/>
+              <a:t> when a snake bites the another snake’s head it wins.</a:t>
+            </a:r>
+            <a:endParaRPr lang="en-US" sz="2400" dirty="0"/>
+          </a:p>
+        </p:txBody>
+      </p:sp>
     </p:spTree>
   </p:cSld>
   <p:clrMapOvr>
@@ -5842,14 +4990,60 @@
       </p:grpSpPr>
       <p:sp>
         <p:nvSpPr>
-          <p:cNvPr id="2" name="TextBox 1"/>
+          <p:cNvPr id="3" name="TextBox 2"/>
           <p:cNvSpPr txBox="1"/>
           <p:nvPr/>
         </p:nvSpPr>
         <p:spPr>
           <a:xfrm>
-            <a:off x="914400" y="2819400"/>
-            <a:ext cx="7086600" cy="1107996"/>
+            <a:off x="228600" y="228600"/>
+            <a:ext cx="8305800" cy="523220"/>
+          </a:xfrm>
+          <a:prstGeom prst="rect">
+            <a:avLst/>
+          </a:prstGeom>
+          <a:ln>
+            <a:noFill/>
+          </a:ln>
+        </p:spPr>
+        <p:style>
+          <a:lnRef idx="2">
+            <a:schemeClr val="dk1"/>
+          </a:lnRef>
+          <a:fillRef idx="1">
+            <a:schemeClr val="lt1"/>
+          </a:fillRef>
+          <a:effectRef idx="0">
+            <a:schemeClr val="dk1"/>
+          </a:effectRef>
+          <a:fontRef idx="minor">
+            <a:schemeClr val="dk1"/>
+          </a:fontRef>
+        </p:style>
+        <p:txBody>
+          <a:bodyPr wrap="square" rtlCol="0">
+            <a:spAutoFit/>
+          </a:bodyPr>
+          <a:lstStyle/>
+          <a:p>
+            <a:r>
+              <a:rPr lang="en-US" sz="2800" b="1" dirty="0" smtClean="0"/>
+              <a:t>CHALLENGES IN MULTIPLAYER SNAKE GAME</a:t>
+            </a:r>
+            <a:endParaRPr lang="en-US" sz="2800" b="1" dirty="0"/>
+          </a:p>
+        </p:txBody>
+      </p:sp>
+      <p:sp>
+        <p:nvSpPr>
+          <p:cNvPr id="4" name="TextBox 3"/>
+          <p:cNvSpPr txBox="1"/>
+          <p:nvPr/>
+        </p:nvSpPr>
+        <p:spPr>
+          <a:xfrm>
+            <a:off x="381000" y="1219200"/>
+            <a:ext cx="8305800" cy="3231654"/>
           </a:xfrm>
           <a:prstGeom prst="rect">
             <a:avLst/>
@@ -5862,12 +5056,58 @@
           </a:bodyPr>
           <a:lstStyle/>
           <a:p>
-            <a:pPr algn="ctr"/>
-            <a:r>
-              <a:rPr lang="en-US" sz="6600" b="1" dirty="0" smtClean="0"/>
-              <a:t>MODULES</a:t>
-            </a:r>
-            <a:endParaRPr lang="en-US" sz="6600" b="1" dirty="0"/>
+            <a:pPr>
+              <a:buFont typeface="Arial" pitchFamily="34" charset="0"/>
+              <a:buChar char="•"/>
+            </a:pPr>
+            <a:r>
+              <a:rPr lang="en-US" sz="2400" dirty="0" smtClean="0"/>
+              <a:t> To predict the opponents next move</a:t>
+            </a:r>
+          </a:p>
+          <a:p>
+            <a:pPr>
+              <a:buFont typeface="Arial" pitchFamily="34" charset="0"/>
+              <a:buChar char="•"/>
+            </a:pPr>
+            <a:endParaRPr lang="en-US" sz="2400" dirty="0" smtClean="0"/>
+          </a:p>
+          <a:p>
+            <a:pPr>
+              <a:buFont typeface="Arial" pitchFamily="34" charset="0"/>
+              <a:buChar char="•"/>
+            </a:pPr>
+            <a:r>
+              <a:rPr lang="en-US" sz="2400" dirty="0" smtClean="0"/>
+              <a:t> To make decision whether to go for a food or try to attack the opponent.</a:t>
+            </a:r>
+          </a:p>
+          <a:p>
+            <a:pPr>
+              <a:buFont typeface="Arial" pitchFamily="34" charset="0"/>
+              <a:buChar char="•"/>
+            </a:pPr>
+            <a:endParaRPr lang="en-US" sz="2400" dirty="0" smtClean="0"/>
+          </a:p>
+          <a:p>
+            <a:pPr>
+              <a:buFont typeface="Arial" pitchFamily="34" charset="0"/>
+              <a:buChar char="•"/>
+            </a:pPr>
+            <a:r>
+              <a:rPr lang="en-US" sz="2400" dirty="0" smtClean="0"/>
+              <a:t> Reading the user’s move and making use of the previously collected data to make the next best move.</a:t>
+            </a:r>
+          </a:p>
+          <a:p>
+            <a:endParaRPr lang="en-US" dirty="0" smtClean="0"/>
+          </a:p>
+          <a:p>
+            <a:pPr>
+              <a:buFont typeface="Arial" pitchFamily="34" charset="0"/>
+              <a:buChar char="•"/>
+            </a:pPr>
+            <a:endParaRPr lang="en-US" dirty="0"/>
           </a:p>
         </p:txBody>
       </p:sp>
@@ -5911,24 +5151,39 @@
         </p:nvSpPr>
         <p:spPr>
           <a:xfrm>
-            <a:off x="533400" y="304800"/>
-            <a:ext cx="7848600" cy="523220"/>
+            <a:off x="533400" y="381000"/>
+            <a:ext cx="8001000" cy="523220"/>
           </a:xfrm>
           <a:prstGeom prst="rect">
             <a:avLst/>
           </a:prstGeom>
-          <a:noFill/>
-        </p:spPr>
+          <a:ln>
+            <a:noFill/>
+          </a:ln>
+        </p:spPr>
+        <p:style>
+          <a:lnRef idx="2">
+            <a:schemeClr val="dk1"/>
+          </a:lnRef>
+          <a:fillRef idx="1">
+            <a:schemeClr val="lt1"/>
+          </a:fillRef>
+          <a:effectRef idx="0">
+            <a:schemeClr val="dk1"/>
+          </a:effectRef>
+          <a:fontRef idx="minor">
+            <a:schemeClr val="dk1"/>
+          </a:fontRef>
+        </p:style>
         <p:txBody>
           <a:bodyPr wrap="square" rtlCol="0">
             <a:spAutoFit/>
           </a:bodyPr>
           <a:lstStyle/>
           <a:p>
-            <a:pPr algn="ctr"/>
             <a:r>
               <a:rPr lang="en-US" sz="2800" b="1" dirty="0" smtClean="0"/>
-              <a:t>MODULES</a:t>
+              <a:t>PROPOSED SOLUTION - ARCHITECTURE DIAGRAM</a:t>
             </a:r>
             <a:endParaRPr lang="en-US" sz="2800" b="1" dirty="0"/>
           </a:p>
@@ -5936,105 +5191,968 @@
       </p:sp>
       <p:sp>
         <p:nvSpPr>
-          <p:cNvPr id="3" name="TextBox 2"/>
-          <p:cNvSpPr txBox="1"/>
+          <p:cNvPr id="3" name="Rectangle 2"/>
+          <p:cNvSpPr/>
           <p:nvPr/>
         </p:nvSpPr>
         <p:spPr>
           <a:xfrm>
-            <a:off x="381000" y="1143000"/>
-            <a:ext cx="8458200" cy="4893647"/>
+            <a:off x="4038600" y="1219200"/>
+            <a:ext cx="1295400" cy="457200"/>
           </a:xfrm>
           <a:prstGeom prst="rect">
             <a:avLst/>
           </a:prstGeom>
-          <a:noFill/>
-        </p:spPr>
-        <p:txBody>
-          <a:bodyPr wrap="square" rtlCol="0">
-            <a:spAutoFit/>
-          </a:bodyPr>
-          <a:lstStyle/>
-          <a:p>
-            <a:pPr marL="342900" indent="-342900">
-              <a:buFont typeface="+mj-lt"/>
-              <a:buAutoNum type="arabicPeriod"/>
-            </a:pPr>
-            <a:r>
-              <a:rPr lang="en-US" sz="2400" dirty="0" smtClean="0"/>
-              <a:t>Live User Listing Module.</a:t>
-            </a:r>
-          </a:p>
-          <a:p>
-            <a:pPr marL="342900" indent="-342900"/>
-            <a:endParaRPr lang="en-US" sz="2400" dirty="0" smtClean="0"/>
-          </a:p>
-          <a:p>
-            <a:pPr marL="342900" indent="-342900"/>
-            <a:r>
-              <a:rPr lang="en-US" sz="2400" dirty="0" smtClean="0"/>
-              <a:t>2. Game Controller Module</a:t>
-            </a:r>
-          </a:p>
-          <a:p>
-            <a:pPr marL="342900" indent="-342900"/>
-            <a:endParaRPr lang="en-US" sz="2400" dirty="0" smtClean="0"/>
-          </a:p>
-          <a:p>
-            <a:pPr marL="342900" indent="-342900"/>
-            <a:r>
-              <a:rPr lang="en-US" sz="2400" dirty="0" smtClean="0"/>
-              <a:t>3. User snake Controller Module</a:t>
-            </a:r>
-          </a:p>
-          <a:p>
-            <a:pPr marL="342900" indent="-342900"/>
-            <a:endParaRPr lang="en-US" sz="2400" dirty="0" smtClean="0"/>
-          </a:p>
-          <a:p>
-            <a:pPr marL="342900" indent="-342900"/>
-            <a:r>
-              <a:rPr lang="en-US" sz="2400" dirty="0" smtClean="0"/>
-              <a:t>4. Game Synchronizer Module.</a:t>
-            </a:r>
-          </a:p>
-          <a:p>
-            <a:pPr marL="342900" indent="-342900"/>
-            <a:endParaRPr lang="en-US" sz="2400" dirty="0" smtClean="0"/>
-          </a:p>
-          <a:p>
-            <a:pPr marL="342900" indent="-342900"/>
-            <a:r>
-              <a:rPr lang="en-US" sz="2400" dirty="0" smtClean="0"/>
-              <a:t>5. Data Collection Module.</a:t>
-            </a:r>
-          </a:p>
-          <a:p>
-            <a:pPr marL="342900" indent="-342900"/>
-            <a:endParaRPr lang="en-US" sz="2400" dirty="0" smtClean="0"/>
-          </a:p>
-          <a:p>
-            <a:pPr marL="342900" indent="-342900"/>
-            <a:r>
-              <a:rPr lang="en-US" sz="2400" dirty="0" smtClean="0"/>
-              <a:t>6. </a:t>
-            </a:r>
-            <a:r>
-              <a:rPr lang="en-US" sz="2400" dirty="0" smtClean="0"/>
-              <a:t>Prediction Module</a:t>
-            </a:r>
-            <a:endParaRPr lang="en-US" sz="2400" dirty="0" smtClean="0"/>
-          </a:p>
-          <a:p>
-            <a:pPr marL="342900" indent="-342900"/>
-            <a:endParaRPr lang="en-US" sz="2400" dirty="0" smtClean="0"/>
-          </a:p>
-          <a:p>
-            <a:pPr marL="342900" indent="-342900"/>
-            <a:endParaRPr lang="en-US" sz="2400" dirty="0" smtClean="0"/>
-          </a:p>
-        </p:txBody>
-      </p:sp>
+        </p:spPr>
+        <p:style>
+          <a:lnRef idx="2">
+            <a:schemeClr val="dk1"/>
+          </a:lnRef>
+          <a:fillRef idx="1">
+            <a:schemeClr val="lt1"/>
+          </a:fillRef>
+          <a:effectRef idx="0">
+            <a:schemeClr val="dk1"/>
+          </a:effectRef>
+          <a:fontRef idx="minor">
+            <a:schemeClr val="dk1"/>
+          </a:fontRef>
+        </p:style>
+        <p:txBody>
+          <a:bodyPr rtlCol="0" anchor="ctr"/>
+          <a:lstStyle/>
+          <a:p>
+            <a:pPr algn="ctr"/>
+            <a:r>
+              <a:rPr lang="en-US" dirty="0" smtClean="0"/>
+              <a:t>User U3</a:t>
+            </a:r>
+            <a:endParaRPr lang="en-US" dirty="0"/>
+          </a:p>
+        </p:txBody>
+      </p:sp>
+      <p:sp>
+        <p:nvSpPr>
+          <p:cNvPr id="5" name="Rectangle 4"/>
+          <p:cNvSpPr/>
+          <p:nvPr/>
+        </p:nvSpPr>
+        <p:spPr>
+          <a:xfrm>
+            <a:off x="6934200" y="1219200"/>
+            <a:ext cx="1295400" cy="457200"/>
+          </a:xfrm>
+          <a:prstGeom prst="rect">
+            <a:avLst/>
+          </a:prstGeom>
+        </p:spPr>
+        <p:style>
+          <a:lnRef idx="2">
+            <a:schemeClr val="dk1"/>
+          </a:lnRef>
+          <a:fillRef idx="1">
+            <a:schemeClr val="lt1"/>
+          </a:fillRef>
+          <a:effectRef idx="0">
+            <a:schemeClr val="dk1"/>
+          </a:effectRef>
+          <a:fontRef idx="minor">
+            <a:schemeClr val="dk1"/>
+          </a:fontRef>
+        </p:style>
+        <p:txBody>
+          <a:bodyPr rtlCol="0" anchor="ctr"/>
+          <a:lstStyle/>
+          <a:p>
+            <a:pPr algn="ctr"/>
+            <a:r>
+              <a:rPr lang="en-US" dirty="0" smtClean="0"/>
+              <a:t>User U1</a:t>
+            </a:r>
+            <a:endParaRPr lang="en-US" dirty="0"/>
+          </a:p>
+        </p:txBody>
+      </p:sp>
+      <p:sp>
+        <p:nvSpPr>
+          <p:cNvPr id="6" name="Rectangle 5"/>
+          <p:cNvSpPr/>
+          <p:nvPr/>
+        </p:nvSpPr>
+        <p:spPr>
+          <a:xfrm>
+            <a:off x="5486400" y="1219200"/>
+            <a:ext cx="1295400" cy="457200"/>
+          </a:xfrm>
+          <a:prstGeom prst="rect">
+            <a:avLst/>
+          </a:prstGeom>
+        </p:spPr>
+        <p:style>
+          <a:lnRef idx="2">
+            <a:schemeClr val="dk1"/>
+          </a:lnRef>
+          <a:fillRef idx="1">
+            <a:schemeClr val="lt1"/>
+          </a:fillRef>
+          <a:effectRef idx="0">
+            <a:schemeClr val="dk1"/>
+          </a:effectRef>
+          <a:fontRef idx="minor">
+            <a:schemeClr val="dk1"/>
+          </a:fontRef>
+        </p:style>
+        <p:txBody>
+          <a:bodyPr rtlCol="0" anchor="ctr"/>
+          <a:lstStyle/>
+          <a:p>
+            <a:pPr algn="ctr"/>
+            <a:r>
+              <a:rPr lang="en-US" dirty="0" smtClean="0"/>
+              <a:t>User U2</a:t>
+            </a:r>
+            <a:endParaRPr lang="en-US" dirty="0"/>
+          </a:p>
+        </p:txBody>
+      </p:sp>
+      <p:sp>
+        <p:nvSpPr>
+          <p:cNvPr id="7" name="Rounded Rectangle 6"/>
+          <p:cNvSpPr/>
+          <p:nvPr/>
+        </p:nvSpPr>
+        <p:spPr>
+          <a:xfrm>
+            <a:off x="4800600" y="2438400"/>
+            <a:ext cx="3886200" cy="1524000"/>
+          </a:xfrm>
+          <a:prstGeom prst="roundRect">
+            <a:avLst/>
+          </a:prstGeom>
+        </p:spPr>
+        <p:style>
+          <a:lnRef idx="2">
+            <a:schemeClr val="dk1"/>
+          </a:lnRef>
+          <a:fillRef idx="1">
+            <a:schemeClr val="lt1"/>
+          </a:fillRef>
+          <a:effectRef idx="0">
+            <a:schemeClr val="dk1"/>
+          </a:effectRef>
+          <a:fontRef idx="minor">
+            <a:schemeClr val="dk1"/>
+          </a:fontRef>
+        </p:style>
+        <p:txBody>
+          <a:bodyPr rtlCol="0" anchor="ctr"/>
+          <a:lstStyle/>
+          <a:p>
+            <a:pPr algn="ctr"/>
+            <a:endParaRPr lang="en-US" dirty="0" smtClean="0"/>
+          </a:p>
+          <a:p>
+            <a:pPr algn="ctr"/>
+            <a:endParaRPr lang="en-US" dirty="0" smtClean="0"/>
+          </a:p>
+          <a:p>
+            <a:pPr algn="ctr"/>
+            <a:r>
+              <a:rPr lang="en-US" b="1" dirty="0" smtClean="0"/>
+              <a:t>User Controller</a:t>
+            </a:r>
+            <a:endParaRPr lang="en-US" b="1" dirty="0"/>
+          </a:p>
+        </p:txBody>
+      </p:sp>
+      <p:sp>
+        <p:nvSpPr>
+          <p:cNvPr id="8" name="Rounded Rectangle 7"/>
+          <p:cNvSpPr/>
+          <p:nvPr/>
+        </p:nvSpPr>
+        <p:spPr>
+          <a:xfrm>
+            <a:off x="5105400" y="2590800"/>
+            <a:ext cx="1447800" cy="533400"/>
+          </a:xfrm>
+          <a:prstGeom prst="roundRect">
+            <a:avLst/>
+          </a:prstGeom>
+        </p:spPr>
+        <p:style>
+          <a:lnRef idx="2">
+            <a:schemeClr val="dk1"/>
+          </a:lnRef>
+          <a:fillRef idx="1">
+            <a:schemeClr val="lt1"/>
+          </a:fillRef>
+          <a:effectRef idx="0">
+            <a:schemeClr val="dk1"/>
+          </a:effectRef>
+          <a:fontRef idx="minor">
+            <a:schemeClr val="dk1"/>
+          </a:fontRef>
+        </p:style>
+        <p:txBody>
+          <a:bodyPr rtlCol="0" anchor="ctr"/>
+          <a:lstStyle/>
+          <a:p>
+            <a:pPr algn="ctr"/>
+            <a:r>
+              <a:rPr lang="en-US" dirty="0" smtClean="0"/>
+              <a:t>Request Handler</a:t>
+            </a:r>
+            <a:endParaRPr lang="en-US" dirty="0"/>
+          </a:p>
+        </p:txBody>
+      </p:sp>
+      <p:sp>
+        <p:nvSpPr>
+          <p:cNvPr id="10" name="Rounded Rectangle 9"/>
+          <p:cNvSpPr/>
+          <p:nvPr/>
+        </p:nvSpPr>
+        <p:spPr>
+          <a:xfrm>
+            <a:off x="6858000" y="2590800"/>
+            <a:ext cx="1447800" cy="533400"/>
+          </a:xfrm>
+          <a:prstGeom prst="roundRect">
+            <a:avLst/>
+          </a:prstGeom>
+        </p:spPr>
+        <p:style>
+          <a:lnRef idx="2">
+            <a:schemeClr val="dk1"/>
+          </a:lnRef>
+          <a:fillRef idx="1">
+            <a:schemeClr val="lt1"/>
+          </a:fillRef>
+          <a:effectRef idx="0">
+            <a:schemeClr val="dk1"/>
+          </a:effectRef>
+          <a:fontRef idx="minor">
+            <a:schemeClr val="dk1"/>
+          </a:fontRef>
+        </p:style>
+        <p:txBody>
+          <a:bodyPr rtlCol="0" anchor="ctr"/>
+          <a:lstStyle/>
+          <a:p>
+            <a:pPr algn="ctr"/>
+            <a:r>
+              <a:rPr lang="en-US" dirty="0" smtClean="0"/>
+              <a:t>Live User Lister</a:t>
+            </a:r>
+            <a:endParaRPr lang="en-US" dirty="0"/>
+          </a:p>
+        </p:txBody>
+      </p:sp>
+      <p:cxnSp>
+        <p:nvCxnSpPr>
+          <p:cNvPr id="12" name="Straight Arrow Connector 11"/>
+          <p:cNvCxnSpPr>
+            <a:stCxn id="10" idx="0"/>
+            <a:endCxn id="3" idx="2"/>
+          </p:cNvCxnSpPr>
+          <p:nvPr/>
+        </p:nvCxnSpPr>
+        <p:spPr>
+          <a:xfrm rot="16200000" flipV="1">
+            <a:off x="5676900" y="685800"/>
+            <a:ext cx="914400" cy="2895600"/>
+          </a:xfrm>
+          <a:prstGeom prst="straightConnector1">
+            <a:avLst/>
+          </a:prstGeom>
+          <a:ln>
+            <a:tailEnd type="arrow"/>
+          </a:ln>
+        </p:spPr>
+        <p:style>
+          <a:lnRef idx="1">
+            <a:schemeClr val="accent1"/>
+          </a:lnRef>
+          <a:fillRef idx="0">
+            <a:schemeClr val="accent1"/>
+          </a:fillRef>
+          <a:effectRef idx="0">
+            <a:schemeClr val="accent1"/>
+          </a:effectRef>
+          <a:fontRef idx="minor">
+            <a:schemeClr val="tx1"/>
+          </a:fontRef>
+        </p:style>
+      </p:cxnSp>
+      <p:cxnSp>
+        <p:nvCxnSpPr>
+          <p:cNvPr id="14" name="Straight Arrow Connector 13"/>
+          <p:cNvCxnSpPr>
+            <a:stCxn id="10" idx="0"/>
+            <a:endCxn id="6" idx="2"/>
+          </p:cNvCxnSpPr>
+          <p:nvPr/>
+        </p:nvCxnSpPr>
+        <p:spPr>
+          <a:xfrm rot="16200000" flipV="1">
+            <a:off x="6400800" y="1409700"/>
+            <a:ext cx="914400" cy="1447800"/>
+          </a:xfrm>
+          <a:prstGeom prst="straightConnector1">
+            <a:avLst/>
+          </a:prstGeom>
+          <a:ln>
+            <a:tailEnd type="arrow"/>
+          </a:ln>
+        </p:spPr>
+        <p:style>
+          <a:lnRef idx="1">
+            <a:schemeClr val="accent1"/>
+          </a:lnRef>
+          <a:fillRef idx="0">
+            <a:schemeClr val="accent1"/>
+          </a:fillRef>
+          <a:effectRef idx="0">
+            <a:schemeClr val="accent1"/>
+          </a:effectRef>
+          <a:fontRef idx="minor">
+            <a:schemeClr val="tx1"/>
+          </a:fontRef>
+        </p:style>
+      </p:cxnSp>
+      <p:cxnSp>
+        <p:nvCxnSpPr>
+          <p:cNvPr id="16" name="Straight Arrow Connector 15"/>
+          <p:cNvCxnSpPr>
+            <a:stCxn id="10" idx="0"/>
+            <a:endCxn id="5" idx="2"/>
+          </p:cNvCxnSpPr>
+          <p:nvPr/>
+        </p:nvCxnSpPr>
+        <p:spPr>
+          <a:xfrm rot="5400000" flipH="1" flipV="1">
+            <a:off x="7124700" y="2133600"/>
+            <a:ext cx="914400" cy="1588"/>
+          </a:xfrm>
+          <a:prstGeom prst="straightConnector1">
+            <a:avLst/>
+          </a:prstGeom>
+          <a:ln>
+            <a:tailEnd type="arrow"/>
+          </a:ln>
+        </p:spPr>
+        <p:style>
+          <a:lnRef idx="1">
+            <a:schemeClr val="accent1"/>
+          </a:lnRef>
+          <a:fillRef idx="0">
+            <a:schemeClr val="accent1"/>
+          </a:fillRef>
+          <a:effectRef idx="0">
+            <a:schemeClr val="accent1"/>
+          </a:effectRef>
+          <a:fontRef idx="minor">
+            <a:schemeClr val="tx1"/>
+          </a:fontRef>
+        </p:style>
+      </p:cxnSp>
+      <p:cxnSp>
+        <p:nvCxnSpPr>
+          <p:cNvPr id="25" name="Straight Arrow Connector 24"/>
+          <p:cNvCxnSpPr>
+            <a:stCxn id="5" idx="2"/>
+            <a:endCxn id="8" idx="0"/>
+          </p:cNvCxnSpPr>
+          <p:nvPr/>
+        </p:nvCxnSpPr>
+        <p:spPr>
+          <a:xfrm rot="5400000">
+            <a:off x="6248400" y="1257300"/>
+            <a:ext cx="914400" cy="1752600"/>
+          </a:xfrm>
+          <a:prstGeom prst="straightConnector1">
+            <a:avLst/>
+          </a:prstGeom>
+          <a:ln>
+            <a:headEnd type="arrow"/>
+            <a:tailEnd type="arrow"/>
+          </a:ln>
+        </p:spPr>
+        <p:style>
+          <a:lnRef idx="1">
+            <a:schemeClr val="accent1"/>
+          </a:lnRef>
+          <a:fillRef idx="0">
+            <a:schemeClr val="accent1"/>
+          </a:fillRef>
+          <a:effectRef idx="0">
+            <a:schemeClr val="accent1"/>
+          </a:effectRef>
+          <a:fontRef idx="minor">
+            <a:schemeClr val="tx1"/>
+          </a:fontRef>
+        </p:style>
+      </p:cxnSp>
+      <p:cxnSp>
+        <p:nvCxnSpPr>
+          <p:cNvPr id="27" name="Straight Arrow Connector 26"/>
+          <p:cNvCxnSpPr>
+            <a:stCxn id="8" idx="0"/>
+            <a:endCxn id="3" idx="2"/>
+          </p:cNvCxnSpPr>
+          <p:nvPr/>
+        </p:nvCxnSpPr>
+        <p:spPr>
+          <a:xfrm rot="16200000" flipV="1">
+            <a:off x="4800600" y="1562100"/>
+            <a:ext cx="914400" cy="1143000"/>
+          </a:xfrm>
+          <a:prstGeom prst="straightConnector1">
+            <a:avLst/>
+          </a:prstGeom>
+          <a:ln>
+            <a:headEnd type="arrow"/>
+            <a:tailEnd type="arrow"/>
+          </a:ln>
+        </p:spPr>
+        <p:style>
+          <a:lnRef idx="1">
+            <a:schemeClr val="accent1"/>
+          </a:lnRef>
+          <a:fillRef idx="0">
+            <a:schemeClr val="accent1"/>
+          </a:fillRef>
+          <a:effectRef idx="0">
+            <a:schemeClr val="accent1"/>
+          </a:effectRef>
+          <a:fontRef idx="minor">
+            <a:schemeClr val="tx1"/>
+          </a:fontRef>
+        </p:style>
+      </p:cxnSp>
+      <p:sp>
+        <p:nvSpPr>
+          <p:cNvPr id="28" name="Rounded Rectangle 27"/>
+          <p:cNvSpPr/>
+          <p:nvPr/>
+        </p:nvSpPr>
+        <p:spPr>
+          <a:xfrm>
+            <a:off x="228600" y="2438400"/>
+            <a:ext cx="4191000" cy="4114800"/>
+          </a:xfrm>
+          <a:prstGeom prst="roundRect">
+            <a:avLst/>
+          </a:prstGeom>
+        </p:spPr>
+        <p:style>
+          <a:lnRef idx="2">
+            <a:schemeClr val="dk1"/>
+          </a:lnRef>
+          <a:fillRef idx="1">
+            <a:schemeClr val="lt1"/>
+          </a:fillRef>
+          <a:effectRef idx="0">
+            <a:schemeClr val="dk1"/>
+          </a:effectRef>
+          <a:fontRef idx="minor">
+            <a:schemeClr val="dk1"/>
+          </a:fontRef>
+        </p:style>
+        <p:txBody>
+          <a:bodyPr rtlCol="0" anchor="ctr"/>
+          <a:lstStyle/>
+          <a:p>
+            <a:pPr algn="ctr"/>
+            <a:endParaRPr lang="en-US" dirty="0" smtClean="0"/>
+          </a:p>
+          <a:p>
+            <a:pPr algn="ctr"/>
+            <a:endParaRPr lang="en-US" dirty="0" smtClean="0"/>
+          </a:p>
+          <a:p>
+            <a:pPr algn="ctr"/>
+            <a:endParaRPr lang="en-US" dirty="0" smtClean="0"/>
+          </a:p>
+          <a:p>
+            <a:pPr algn="ctr"/>
+            <a:endParaRPr lang="en-US" dirty="0" smtClean="0"/>
+          </a:p>
+          <a:p>
+            <a:pPr algn="ctr"/>
+            <a:endParaRPr lang="en-US" dirty="0" smtClean="0"/>
+          </a:p>
+          <a:p>
+            <a:pPr algn="ctr"/>
+            <a:endParaRPr lang="en-US" dirty="0" smtClean="0"/>
+          </a:p>
+          <a:p>
+            <a:pPr algn="ctr"/>
+            <a:endParaRPr lang="en-US" dirty="0" smtClean="0"/>
+          </a:p>
+          <a:p>
+            <a:pPr algn="ctr"/>
+            <a:endParaRPr lang="en-US" dirty="0" smtClean="0"/>
+          </a:p>
+          <a:p>
+            <a:pPr algn="ctr"/>
+            <a:endParaRPr lang="en-US" dirty="0" smtClean="0"/>
+          </a:p>
+          <a:p>
+            <a:pPr algn="ctr"/>
+            <a:endParaRPr lang="en-US" dirty="0" smtClean="0"/>
+          </a:p>
+          <a:p>
+            <a:pPr algn="ctr"/>
+            <a:endParaRPr lang="en-US" dirty="0" smtClean="0"/>
+          </a:p>
+          <a:p>
+            <a:pPr algn="ctr"/>
+            <a:r>
+              <a:rPr lang="en-US" b="1" dirty="0" err="1" smtClean="0"/>
+              <a:t>GameBoard</a:t>
+            </a:r>
+            <a:r>
+              <a:rPr lang="en-US" b="1" dirty="0" smtClean="0"/>
+              <a:t> Controller</a:t>
+            </a:r>
+            <a:endParaRPr lang="en-US" b="1" dirty="0"/>
+          </a:p>
+        </p:txBody>
+      </p:sp>
+      <p:sp>
+        <p:nvSpPr>
+          <p:cNvPr id="29" name="Flowchart: Magnetic Disk 28"/>
+          <p:cNvSpPr/>
+          <p:nvPr/>
+        </p:nvSpPr>
+        <p:spPr>
+          <a:xfrm>
+            <a:off x="5867400" y="4419600"/>
+            <a:ext cx="2362200" cy="2209800"/>
+          </a:xfrm>
+          <a:prstGeom prst="flowChartMagneticDisk">
+            <a:avLst/>
+          </a:prstGeom>
+        </p:spPr>
+        <p:style>
+          <a:lnRef idx="2">
+            <a:schemeClr val="dk1"/>
+          </a:lnRef>
+          <a:fillRef idx="1">
+            <a:schemeClr val="lt1"/>
+          </a:fillRef>
+          <a:effectRef idx="0">
+            <a:schemeClr val="dk1"/>
+          </a:effectRef>
+          <a:fontRef idx="minor">
+            <a:schemeClr val="dk1"/>
+          </a:fontRef>
+        </p:style>
+        <p:txBody>
+          <a:bodyPr rtlCol="0" anchor="ctr"/>
+          <a:lstStyle/>
+          <a:p>
+            <a:pPr algn="ctr"/>
+            <a:r>
+              <a:rPr lang="en-US" b="1" dirty="0" smtClean="0"/>
+              <a:t>User moves database</a:t>
+            </a:r>
+            <a:endParaRPr lang="en-US" b="1" dirty="0"/>
+          </a:p>
+        </p:txBody>
+      </p:sp>
+      <p:sp>
+        <p:nvSpPr>
+          <p:cNvPr id="31" name="Rectangle 30"/>
+          <p:cNvSpPr/>
+          <p:nvPr/>
+        </p:nvSpPr>
+        <p:spPr>
+          <a:xfrm>
+            <a:off x="1676400" y="1219200"/>
+            <a:ext cx="1295400" cy="457200"/>
+          </a:xfrm>
+          <a:prstGeom prst="rect">
+            <a:avLst/>
+          </a:prstGeom>
+        </p:spPr>
+        <p:style>
+          <a:lnRef idx="2">
+            <a:schemeClr val="dk1"/>
+          </a:lnRef>
+          <a:fillRef idx="1">
+            <a:schemeClr val="lt1"/>
+          </a:fillRef>
+          <a:effectRef idx="0">
+            <a:schemeClr val="dk1"/>
+          </a:effectRef>
+          <a:fontRef idx="minor">
+            <a:schemeClr val="dk1"/>
+          </a:fontRef>
+        </p:style>
+        <p:txBody>
+          <a:bodyPr rtlCol="0" anchor="ctr"/>
+          <a:lstStyle/>
+          <a:p>
+            <a:pPr algn="ctr"/>
+            <a:r>
+              <a:rPr lang="en-US" dirty="0" smtClean="0"/>
+              <a:t>Computer</a:t>
+            </a:r>
+            <a:endParaRPr lang="en-US" dirty="0"/>
+          </a:p>
+        </p:txBody>
+      </p:sp>
+      <p:sp>
+        <p:nvSpPr>
+          <p:cNvPr id="37" name="Rounded Rectangle 36"/>
+          <p:cNvSpPr/>
+          <p:nvPr/>
+        </p:nvSpPr>
+        <p:spPr>
+          <a:xfrm>
+            <a:off x="1066800" y="2590800"/>
+            <a:ext cx="2438400" cy="609600"/>
+          </a:xfrm>
+          <a:prstGeom prst="roundRect">
+            <a:avLst/>
+          </a:prstGeom>
+        </p:spPr>
+        <p:style>
+          <a:lnRef idx="2">
+            <a:schemeClr val="dk1"/>
+          </a:lnRef>
+          <a:fillRef idx="1">
+            <a:schemeClr val="lt1"/>
+          </a:fillRef>
+          <a:effectRef idx="0">
+            <a:schemeClr val="dk1"/>
+          </a:effectRef>
+          <a:fontRef idx="minor">
+            <a:schemeClr val="dk1"/>
+          </a:fontRef>
+        </p:style>
+        <p:txBody>
+          <a:bodyPr rtlCol="0" anchor="ctr"/>
+          <a:lstStyle/>
+          <a:p>
+            <a:pPr algn="ctr"/>
+            <a:r>
+              <a:rPr lang="en-US" dirty="0" smtClean="0"/>
+              <a:t>Game Board Manager</a:t>
+            </a:r>
+            <a:endParaRPr lang="en-US" dirty="0"/>
+          </a:p>
+        </p:txBody>
+      </p:sp>
+      <p:sp>
+        <p:nvSpPr>
+          <p:cNvPr id="46" name="Rounded Rectangle 45"/>
+          <p:cNvSpPr/>
+          <p:nvPr/>
+        </p:nvSpPr>
+        <p:spPr>
+          <a:xfrm>
+            <a:off x="990600" y="3581400"/>
+            <a:ext cx="2438400" cy="609600"/>
+          </a:xfrm>
+          <a:prstGeom prst="roundRect">
+            <a:avLst/>
+          </a:prstGeom>
+        </p:spPr>
+        <p:style>
+          <a:lnRef idx="2">
+            <a:schemeClr val="dk1"/>
+          </a:lnRef>
+          <a:fillRef idx="1">
+            <a:schemeClr val="lt1"/>
+          </a:fillRef>
+          <a:effectRef idx="0">
+            <a:schemeClr val="dk1"/>
+          </a:effectRef>
+          <a:fontRef idx="minor">
+            <a:schemeClr val="dk1"/>
+          </a:fontRef>
+        </p:style>
+        <p:txBody>
+          <a:bodyPr rtlCol="0" anchor="ctr"/>
+          <a:lstStyle/>
+          <a:p>
+            <a:pPr algn="ctr"/>
+            <a:r>
+              <a:rPr lang="en-US" dirty="0" smtClean="0"/>
+              <a:t>Data Collector</a:t>
+            </a:r>
+            <a:endParaRPr lang="en-US" dirty="0"/>
+          </a:p>
+        </p:txBody>
+      </p:sp>
+      <p:sp>
+        <p:nvSpPr>
+          <p:cNvPr id="49" name="Rounded Rectangle 48"/>
+          <p:cNvSpPr/>
+          <p:nvPr/>
+        </p:nvSpPr>
+        <p:spPr>
+          <a:xfrm>
+            <a:off x="990600" y="4495800"/>
+            <a:ext cx="2438400" cy="609600"/>
+          </a:xfrm>
+          <a:prstGeom prst="roundRect">
+            <a:avLst/>
+          </a:prstGeom>
+        </p:spPr>
+        <p:style>
+          <a:lnRef idx="2">
+            <a:schemeClr val="dk1"/>
+          </a:lnRef>
+          <a:fillRef idx="1">
+            <a:schemeClr val="lt1"/>
+          </a:fillRef>
+          <a:effectRef idx="0">
+            <a:schemeClr val="dk1"/>
+          </a:effectRef>
+          <a:fontRef idx="minor">
+            <a:schemeClr val="dk1"/>
+          </a:fontRef>
+        </p:style>
+        <p:txBody>
+          <a:bodyPr rtlCol="0" anchor="ctr"/>
+          <a:lstStyle/>
+          <a:p>
+            <a:pPr algn="ctr"/>
+            <a:r>
+              <a:rPr lang="en-US" dirty="0" smtClean="0"/>
+              <a:t>Predictor</a:t>
+            </a:r>
+            <a:endParaRPr lang="en-US" dirty="0"/>
+          </a:p>
+        </p:txBody>
+      </p:sp>
+      <p:cxnSp>
+        <p:nvCxnSpPr>
+          <p:cNvPr id="51" name="Straight Arrow Connector 50"/>
+          <p:cNvCxnSpPr>
+            <a:stCxn id="49" idx="3"/>
+            <a:endCxn id="29" idx="2"/>
+          </p:cNvCxnSpPr>
+          <p:nvPr/>
+        </p:nvCxnSpPr>
+        <p:spPr>
+          <a:xfrm>
+            <a:off x="3429000" y="4800600"/>
+            <a:ext cx="2438400" cy="723900"/>
+          </a:xfrm>
+          <a:prstGeom prst="straightConnector1">
+            <a:avLst/>
+          </a:prstGeom>
+          <a:ln>
+            <a:headEnd type="arrow"/>
+            <a:tailEnd type="arrow"/>
+          </a:ln>
+        </p:spPr>
+        <p:style>
+          <a:lnRef idx="1">
+            <a:schemeClr val="accent1"/>
+          </a:lnRef>
+          <a:fillRef idx="0">
+            <a:schemeClr val="accent1"/>
+          </a:fillRef>
+          <a:effectRef idx="0">
+            <a:schemeClr val="accent1"/>
+          </a:effectRef>
+          <a:fontRef idx="minor">
+            <a:schemeClr val="tx1"/>
+          </a:fontRef>
+        </p:style>
+      </p:cxnSp>
+      <p:cxnSp>
+        <p:nvCxnSpPr>
+          <p:cNvPr id="53" name="Straight Arrow Connector 52"/>
+          <p:cNvCxnSpPr>
+            <a:stCxn id="37" idx="2"/>
+            <a:endCxn id="46" idx="0"/>
+          </p:cNvCxnSpPr>
+          <p:nvPr/>
+        </p:nvCxnSpPr>
+        <p:spPr>
+          <a:xfrm rot="5400000">
+            <a:off x="2057400" y="3352800"/>
+            <a:ext cx="381000" cy="76200"/>
+          </a:xfrm>
+          <a:prstGeom prst="straightConnector1">
+            <a:avLst/>
+          </a:prstGeom>
+          <a:ln>
+            <a:tailEnd type="arrow"/>
+          </a:ln>
+        </p:spPr>
+        <p:style>
+          <a:lnRef idx="2">
+            <a:schemeClr val="dk1"/>
+          </a:lnRef>
+          <a:fillRef idx="0">
+            <a:schemeClr val="dk1"/>
+          </a:fillRef>
+          <a:effectRef idx="1">
+            <a:schemeClr val="dk1"/>
+          </a:effectRef>
+          <a:fontRef idx="minor">
+            <a:schemeClr val="tx1"/>
+          </a:fontRef>
+        </p:style>
+      </p:cxnSp>
+      <p:cxnSp>
+        <p:nvCxnSpPr>
+          <p:cNvPr id="55" name="Straight Arrow Connector 54"/>
+          <p:cNvCxnSpPr>
+            <a:stCxn id="46" idx="3"/>
+            <a:endCxn id="29" idx="2"/>
+          </p:cNvCxnSpPr>
+          <p:nvPr/>
+        </p:nvCxnSpPr>
+        <p:spPr>
+          <a:xfrm>
+            <a:off x="3429000" y="3886200"/>
+            <a:ext cx="2438400" cy="1638300"/>
+          </a:xfrm>
+          <a:prstGeom prst="straightConnector1">
+            <a:avLst/>
+          </a:prstGeom>
+          <a:ln>
+            <a:headEnd type="arrow"/>
+            <a:tailEnd type="arrow"/>
+          </a:ln>
+        </p:spPr>
+        <p:style>
+          <a:lnRef idx="1">
+            <a:schemeClr val="accent1"/>
+          </a:lnRef>
+          <a:fillRef idx="0">
+            <a:schemeClr val="accent1"/>
+          </a:fillRef>
+          <a:effectRef idx="0">
+            <a:schemeClr val="accent1"/>
+          </a:effectRef>
+          <a:fontRef idx="minor">
+            <a:schemeClr val="tx1"/>
+          </a:fontRef>
+        </p:style>
+      </p:cxnSp>
+      <p:cxnSp>
+        <p:nvCxnSpPr>
+          <p:cNvPr id="57" name="Curved Connector 56"/>
+          <p:cNvCxnSpPr>
+            <a:stCxn id="49" idx="1"/>
+            <a:endCxn id="37" idx="1"/>
+          </p:cNvCxnSpPr>
+          <p:nvPr/>
+        </p:nvCxnSpPr>
+        <p:spPr>
+          <a:xfrm rot="10800000" flipH="1">
+            <a:off x="990600" y="2895600"/>
+            <a:ext cx="76200" cy="1905000"/>
+          </a:xfrm>
+          <a:prstGeom prst="curvedConnector3">
+            <a:avLst>
+              <a:gd name="adj1" fmla="val -300000"/>
+            </a:avLst>
+          </a:prstGeom>
+          <a:ln>
+            <a:headEnd type="arrow"/>
+            <a:tailEnd type="arrow"/>
+          </a:ln>
+        </p:spPr>
+        <p:style>
+          <a:lnRef idx="2">
+            <a:schemeClr val="dk1"/>
+          </a:lnRef>
+          <a:fillRef idx="0">
+            <a:schemeClr val="dk1"/>
+          </a:fillRef>
+          <a:effectRef idx="1">
+            <a:schemeClr val="dk1"/>
+          </a:effectRef>
+          <a:fontRef idx="minor">
+            <a:schemeClr val="tx1"/>
+          </a:fontRef>
+        </p:style>
+      </p:cxnSp>
+      <p:cxnSp>
+        <p:nvCxnSpPr>
+          <p:cNvPr id="59" name="Straight Arrow Connector 58"/>
+          <p:cNvCxnSpPr>
+            <a:stCxn id="37" idx="0"/>
+            <a:endCxn id="31" idx="2"/>
+          </p:cNvCxnSpPr>
+          <p:nvPr/>
+        </p:nvCxnSpPr>
+        <p:spPr>
+          <a:xfrm rot="5400000" flipH="1" flipV="1">
+            <a:off x="1847850" y="2114550"/>
+            <a:ext cx="914400" cy="38100"/>
+          </a:xfrm>
+          <a:prstGeom prst="straightConnector1">
+            <a:avLst/>
+          </a:prstGeom>
+          <a:ln>
+            <a:tailEnd type="arrow"/>
+          </a:ln>
+        </p:spPr>
+        <p:style>
+          <a:lnRef idx="2">
+            <a:schemeClr val="dk1"/>
+          </a:lnRef>
+          <a:fillRef idx="0">
+            <a:schemeClr val="dk1"/>
+          </a:fillRef>
+          <a:effectRef idx="1">
+            <a:schemeClr val="dk1"/>
+          </a:effectRef>
+          <a:fontRef idx="minor">
+            <a:schemeClr val="tx1"/>
+          </a:fontRef>
+        </p:style>
+      </p:cxnSp>
+      <p:cxnSp>
+        <p:nvCxnSpPr>
+          <p:cNvPr id="61" name="Straight Arrow Connector 60"/>
+          <p:cNvCxnSpPr>
+            <a:stCxn id="37" idx="3"/>
+            <a:endCxn id="8" idx="1"/>
+          </p:cNvCxnSpPr>
+          <p:nvPr/>
+        </p:nvCxnSpPr>
+        <p:spPr>
+          <a:xfrm flipV="1">
+            <a:off x="3505200" y="2857500"/>
+            <a:ext cx="1600200" cy="38100"/>
+          </a:xfrm>
+          <a:prstGeom prst="straightConnector1">
+            <a:avLst/>
+          </a:prstGeom>
+          <a:ln>
+            <a:headEnd type="arrow"/>
+            <a:tailEnd type="arrow"/>
+          </a:ln>
+        </p:spPr>
+        <p:style>
+          <a:lnRef idx="2">
+            <a:schemeClr val="dk1"/>
+          </a:lnRef>
+          <a:fillRef idx="0">
+            <a:schemeClr val="dk1"/>
+          </a:fillRef>
+          <a:effectRef idx="1">
+            <a:schemeClr val="dk1"/>
+          </a:effectRef>
+          <a:fontRef idx="minor">
+            <a:schemeClr val="tx1"/>
+          </a:fontRef>
+        </p:style>
+      </p:cxnSp>
     </p:spTree>
   </p:cSld>
   <p:clrMapOvr>
@@ -6075,8 +6193,8 @@
         </p:nvSpPr>
         <p:spPr>
           <a:xfrm>
-            <a:off x="838200" y="381000"/>
-            <a:ext cx="7086600" cy="523220"/>
+            <a:off x="914400" y="2819400"/>
+            <a:ext cx="7086600" cy="1107996"/>
           </a:xfrm>
           <a:prstGeom prst="rect">
             <a:avLst/>
@@ -6089,200 +6207,12 @@
           </a:bodyPr>
           <a:lstStyle/>
           <a:p>
-            <a:r>
-              <a:rPr lang="en-US" sz="2800" b="1" dirty="0" smtClean="0"/>
-              <a:t>DATA COLLECTION PHASE</a:t>
-            </a:r>
-            <a:endParaRPr lang="en-US" sz="2800" b="1" dirty="0"/>
-          </a:p>
-        </p:txBody>
-      </p:sp>
-      <p:sp>
-        <p:nvSpPr>
-          <p:cNvPr id="3" name="TextBox 2"/>
-          <p:cNvSpPr txBox="1"/>
-          <p:nvPr/>
-        </p:nvSpPr>
-        <p:spPr>
-          <a:xfrm>
-            <a:off x="304800" y="948690"/>
-            <a:ext cx="8305800" cy="5909310"/>
-          </a:xfrm>
-          <a:prstGeom prst="rect">
-            <a:avLst/>
-          </a:prstGeom>
-          <a:noFill/>
-        </p:spPr>
-        <p:txBody>
-          <a:bodyPr wrap="square" rtlCol="0">
-            <a:spAutoFit/>
-          </a:bodyPr>
-          <a:lstStyle/>
-          <a:p>
-            <a:pPr>
-              <a:buFont typeface="Arial" pitchFamily="34" charset="0"/>
-              <a:buChar char="•"/>
-            </a:pPr>
-            <a:r>
-              <a:rPr lang="en-US" dirty="0" smtClean="0"/>
-              <a:t> Data collection happens when a user changes his snake current moving direction.</a:t>
-            </a:r>
-          </a:p>
-          <a:p>
-            <a:pPr>
-              <a:buFont typeface="Arial" pitchFamily="34" charset="0"/>
-              <a:buChar char="•"/>
-            </a:pPr>
-            <a:endParaRPr lang="en-US" dirty="0" smtClean="0"/>
-          </a:p>
-          <a:p>
-            <a:pPr>
-              <a:buFont typeface="Arial" pitchFamily="34" charset="0"/>
-              <a:buChar char="•"/>
-            </a:pPr>
-            <a:r>
-              <a:rPr lang="en-US" dirty="0" smtClean="0"/>
-              <a:t>The next move column of the data sheet is determined by the move followed by the current move.</a:t>
-            </a:r>
-          </a:p>
-          <a:p>
-            <a:pPr>
-              <a:buFont typeface="Arial" pitchFamily="34" charset="0"/>
-              <a:buChar char="•"/>
-            </a:pPr>
-            <a:endParaRPr lang="en-US" dirty="0" smtClean="0"/>
-          </a:p>
-          <a:p>
-            <a:pPr>
-              <a:buFont typeface="Arial" pitchFamily="34" charset="0"/>
-              <a:buChar char="•"/>
-            </a:pPr>
-            <a:r>
-              <a:rPr lang="en-US" dirty="0" smtClean="0"/>
-              <a:t> When a user press a arrow key  an AJAX call with the following parameters are sent to the server for storing</a:t>
-            </a:r>
-          </a:p>
-          <a:p>
-            <a:pPr>
-              <a:buFont typeface="Arial" pitchFamily="34" charset="0"/>
-              <a:buChar char="•"/>
-            </a:pPr>
-            <a:endParaRPr lang="en-US" dirty="0" smtClean="0"/>
-          </a:p>
-          <a:p>
-            <a:pPr marL="800100" lvl="1" indent="-342900">
-              <a:buFont typeface="+mj-lt"/>
-              <a:buAutoNum type="arabicPeriod"/>
-            </a:pPr>
-            <a:r>
-              <a:rPr lang="en-US" dirty="0" smtClean="0"/>
-              <a:t>JSON Object of red snake.</a:t>
-            </a:r>
-          </a:p>
-          <a:p>
-            <a:pPr marL="800100" lvl="1" indent="-342900">
-              <a:buFont typeface="+mj-lt"/>
-              <a:buAutoNum type="arabicPeriod"/>
-            </a:pPr>
-            <a:r>
-              <a:rPr lang="en-US" dirty="0" smtClean="0"/>
-              <a:t>JSON Object of blue snake.</a:t>
-            </a:r>
-          </a:p>
-          <a:p>
-            <a:pPr marL="800100" lvl="1" indent="-342900">
-              <a:buFont typeface="+mj-lt"/>
-              <a:buAutoNum type="arabicPeriod"/>
-            </a:pPr>
-            <a:r>
-              <a:rPr lang="en-US" dirty="0" smtClean="0"/>
-              <a:t>Head position of red snake.</a:t>
-            </a:r>
-          </a:p>
-          <a:p>
-            <a:pPr marL="800100" lvl="1" indent="-342900">
-              <a:buFont typeface="+mj-lt"/>
-              <a:buAutoNum type="arabicPeriod"/>
-            </a:pPr>
-            <a:r>
-              <a:rPr lang="en-US" dirty="0" smtClean="0"/>
-              <a:t>Head position of blue snake.</a:t>
-            </a:r>
-          </a:p>
-          <a:p>
-            <a:pPr marL="800100" lvl="1" indent="-342900">
-              <a:buFont typeface="+mj-lt"/>
-              <a:buAutoNum type="arabicPeriod"/>
-            </a:pPr>
-            <a:r>
-              <a:rPr lang="en-US" dirty="0" smtClean="0"/>
-              <a:t>Length of  both the snake.</a:t>
-            </a:r>
-          </a:p>
-          <a:p>
-            <a:pPr marL="800100" lvl="1" indent="-342900">
-              <a:buFont typeface="+mj-lt"/>
-              <a:buAutoNum type="arabicPeriod"/>
-            </a:pPr>
-            <a:r>
-              <a:rPr lang="en-US" dirty="0" smtClean="0"/>
-              <a:t>Current moving  direction of both the snakes.</a:t>
-            </a:r>
-          </a:p>
-          <a:p>
-            <a:pPr marL="800100" lvl="1" indent="-342900">
-              <a:buFont typeface="+mj-lt"/>
-              <a:buAutoNum type="arabicPeriod"/>
-            </a:pPr>
-            <a:r>
-              <a:rPr lang="en-US" dirty="0" smtClean="0"/>
-              <a:t>Distance between the X co-ordinates of the snake heads.</a:t>
-            </a:r>
-          </a:p>
-          <a:p>
-            <a:pPr marL="800100" lvl="1" indent="-342900">
-              <a:buFont typeface="+mj-lt"/>
-              <a:buAutoNum type="arabicPeriod"/>
-            </a:pPr>
-            <a:r>
-              <a:rPr lang="en-US" dirty="0" smtClean="0"/>
-              <a:t>Distance between the Y co-ordinates of the snake heads.</a:t>
-            </a:r>
-          </a:p>
-          <a:p>
-            <a:pPr marL="800100" lvl="1" indent="-342900">
-              <a:buFont typeface="+mj-lt"/>
-              <a:buAutoNum type="arabicPeriod"/>
-            </a:pPr>
-            <a:r>
-              <a:rPr lang="en-US" dirty="0" smtClean="0"/>
-              <a:t>Distance between the food and the snakes.</a:t>
-            </a:r>
-          </a:p>
-          <a:p>
-            <a:pPr marL="800100" lvl="1" indent="-342900"/>
-            <a:endParaRPr lang="en-US" dirty="0" smtClean="0"/>
-          </a:p>
-          <a:p>
-            <a:pPr marL="800100" lvl="1" indent="-342900">
-              <a:buFont typeface="Arial" pitchFamily="34" charset="0"/>
-              <a:buChar char="•"/>
-            </a:pPr>
-            <a:endParaRPr lang="en-US" dirty="0" smtClean="0"/>
-          </a:p>
-          <a:p>
-            <a:pPr marL="800100" lvl="1" indent="-342900">
-              <a:buFont typeface="+mj-lt"/>
-              <a:buAutoNum type="arabicPeriod"/>
-            </a:pPr>
-            <a:endParaRPr lang="en-US" dirty="0" smtClean="0"/>
-          </a:p>
-          <a:p>
-            <a:pPr marL="800100" lvl="1" indent="-342900">
-              <a:buFont typeface="+mj-lt"/>
-              <a:buAutoNum type="arabicPeriod"/>
-            </a:pPr>
-            <a:endParaRPr lang="en-US" dirty="0"/>
+            <a:pPr algn="ctr"/>
+            <a:r>
+              <a:rPr lang="en-US" sz="6600" b="1" dirty="0" smtClean="0"/>
+              <a:t>MODULES</a:t>
+            </a:r>
+            <a:endParaRPr lang="en-US" sz="6600" b="1" dirty="0"/>
           </a:p>
         </p:txBody>
       </p:sp>
@@ -6326,8 +6256,8 @@
         </p:nvSpPr>
         <p:spPr>
           <a:xfrm>
-            <a:off x="685800" y="2819400"/>
-            <a:ext cx="7543800" cy="923330"/>
+            <a:off x="533400" y="304800"/>
+            <a:ext cx="7848600" cy="523220"/>
           </a:xfrm>
           <a:prstGeom prst="rect">
             <a:avLst/>
@@ -6342,14 +6272,106 @@
           <a:p>
             <a:pPr algn="ctr"/>
             <a:r>
-              <a:rPr lang="en-US" sz="5400" b="1" dirty="0" smtClean="0">
-                <a:latin typeface="+mj-lt"/>
-              </a:rPr>
-              <a:t>SYSTEM REQUIREMENT</a:t>
-            </a:r>
-            <a:endParaRPr lang="en-US" sz="5400" b="1" dirty="0">
-              <a:latin typeface="+mj-lt"/>
-            </a:endParaRPr>
+              <a:rPr lang="en-US" sz="2800" b="1" dirty="0" smtClean="0"/>
+              <a:t>MODULES</a:t>
+            </a:r>
+            <a:endParaRPr lang="en-US" sz="2800" b="1" dirty="0"/>
+          </a:p>
+        </p:txBody>
+      </p:sp>
+      <p:sp>
+        <p:nvSpPr>
+          <p:cNvPr id="3" name="TextBox 2"/>
+          <p:cNvSpPr txBox="1"/>
+          <p:nvPr/>
+        </p:nvSpPr>
+        <p:spPr>
+          <a:xfrm>
+            <a:off x="381000" y="1143000"/>
+            <a:ext cx="8458200" cy="4893647"/>
+          </a:xfrm>
+          <a:prstGeom prst="rect">
+            <a:avLst/>
+          </a:prstGeom>
+          <a:noFill/>
+        </p:spPr>
+        <p:txBody>
+          <a:bodyPr wrap="square" rtlCol="0">
+            <a:spAutoFit/>
+          </a:bodyPr>
+          <a:lstStyle/>
+          <a:p>
+            <a:pPr marL="342900" indent="-342900">
+              <a:buFont typeface="+mj-lt"/>
+              <a:buAutoNum type="arabicPeriod"/>
+            </a:pPr>
+            <a:r>
+              <a:rPr lang="en-US" sz="2400" dirty="0" smtClean="0"/>
+              <a:t>Live User Listing Module.</a:t>
+            </a:r>
+          </a:p>
+          <a:p>
+            <a:pPr marL="342900" indent="-342900"/>
+            <a:endParaRPr lang="en-US" sz="2400" dirty="0" smtClean="0"/>
+          </a:p>
+          <a:p>
+            <a:pPr marL="342900" indent="-342900"/>
+            <a:r>
+              <a:rPr lang="en-US" sz="2400" dirty="0" smtClean="0"/>
+              <a:t>2. Game Controller Module</a:t>
+            </a:r>
+          </a:p>
+          <a:p>
+            <a:pPr marL="342900" indent="-342900"/>
+            <a:endParaRPr lang="en-US" sz="2400" dirty="0" smtClean="0"/>
+          </a:p>
+          <a:p>
+            <a:pPr marL="342900" indent="-342900"/>
+            <a:r>
+              <a:rPr lang="en-US" sz="2400" dirty="0" smtClean="0"/>
+              <a:t>3. User snake Controller Module</a:t>
+            </a:r>
+          </a:p>
+          <a:p>
+            <a:pPr marL="342900" indent="-342900"/>
+            <a:endParaRPr lang="en-US" sz="2400" dirty="0" smtClean="0"/>
+          </a:p>
+          <a:p>
+            <a:pPr marL="342900" indent="-342900"/>
+            <a:r>
+              <a:rPr lang="en-US" sz="2400" dirty="0" smtClean="0"/>
+              <a:t>4. Game Synchronizer Module.</a:t>
+            </a:r>
+          </a:p>
+          <a:p>
+            <a:pPr marL="342900" indent="-342900"/>
+            <a:endParaRPr lang="en-US" sz="2400" dirty="0" smtClean="0"/>
+          </a:p>
+          <a:p>
+            <a:pPr marL="342900" indent="-342900"/>
+            <a:r>
+              <a:rPr lang="en-US" sz="2400" dirty="0" smtClean="0"/>
+              <a:t>5. Data Collection Module.</a:t>
+            </a:r>
+          </a:p>
+          <a:p>
+            <a:pPr marL="342900" indent="-342900"/>
+            <a:endParaRPr lang="en-US" sz="2400" dirty="0" smtClean="0"/>
+          </a:p>
+          <a:p>
+            <a:pPr marL="342900" indent="-342900"/>
+            <a:r>
+              <a:rPr lang="en-US" sz="2400" dirty="0" smtClean="0"/>
+              <a:t>6. Prediction Module</a:t>
+            </a:r>
+          </a:p>
+          <a:p>
+            <a:pPr marL="342900" indent="-342900"/>
+            <a:endParaRPr lang="en-US" sz="2400" dirty="0" smtClean="0"/>
+          </a:p>
+          <a:p>
+            <a:pPr marL="342900" indent="-342900"/>
+            <a:endParaRPr lang="en-US" sz="2400" dirty="0" smtClean="0"/>
           </a:p>
         </p:txBody>
       </p:sp>
@@ -6393,8 +6415,8 @@
         </p:nvSpPr>
         <p:spPr>
           <a:xfrm>
-            <a:off x="533400" y="381000"/>
-            <a:ext cx="7696200" cy="523220"/>
+            <a:off x="838200" y="381000"/>
+            <a:ext cx="7086600" cy="523220"/>
           </a:xfrm>
           <a:prstGeom prst="rect">
             <a:avLst/>
@@ -6407,10 +6429,9 @@
           </a:bodyPr>
           <a:lstStyle/>
           <a:p>
-            <a:pPr algn="ctr"/>
             <a:r>
               <a:rPr lang="en-US" sz="2800" b="1" dirty="0" smtClean="0"/>
-              <a:t>HARDWARE AND SOFTWARE REQUIREMENT </a:t>
+              <a:t>DATA COLLECTION PHASE</a:t>
             </a:r>
             <a:endParaRPr lang="en-US" sz="2800" b="1" dirty="0"/>
           </a:p>
@@ -6424,8 +6445,8 @@
         </p:nvSpPr>
         <p:spPr>
           <a:xfrm>
-            <a:off x="381000" y="1066800"/>
-            <a:ext cx="8305800" cy="3724096"/>
+            <a:off x="304800" y="948690"/>
+            <a:ext cx="8305800" cy="5909310"/>
           </a:xfrm>
           <a:prstGeom prst="rect">
             <a:avLst/>
@@ -6443,41 +6464,50 @@
               <a:buChar char="•"/>
             </a:pPr>
             <a:r>
-              <a:rPr lang="en-US" sz="2000" dirty="0" smtClean="0"/>
-              <a:t> Hardware Requirements :</a:t>
-            </a:r>
-          </a:p>
-          <a:p>
-            <a:pPr lvl="1"/>
-            <a:r>
-              <a:rPr lang="en-US" sz="2000" dirty="0" smtClean="0"/>
-              <a:t>1.  RAM:2GB</a:t>
-            </a:r>
-          </a:p>
-          <a:p>
-            <a:pPr marL="800100" lvl="1" indent="-342900"/>
-            <a:r>
-              <a:rPr lang="en-US" sz="2000" dirty="0" smtClean="0"/>
-              <a:t>2.  PROCESSOR </a:t>
-            </a:r>
-            <a:r>
-              <a:rPr lang="en-US" sz="2000" dirty="0" smtClean="0"/>
-              <a:t>: 2.50 GHz</a:t>
-            </a:r>
-          </a:p>
-          <a:p>
-            <a:pPr marL="800100" lvl="1" indent="-342900"/>
-            <a:endParaRPr lang="en-US" sz="2000" dirty="0" smtClean="0"/>
+              <a:rPr lang="en-US" dirty="0" smtClean="0"/>
+              <a:t> Data collection happens when a user changes his snake current moving direction.</a:t>
+            </a:r>
           </a:p>
           <a:p>
             <a:pPr>
               <a:buFont typeface="Arial" pitchFamily="34" charset="0"/>
               <a:buChar char="•"/>
             </a:pPr>
-            <a:r>
-              <a:rPr lang="en-US" sz="2000" dirty="0" smtClean="0"/>
-              <a:t> Software  Requirements :</a:t>
-            </a:r>
+            <a:endParaRPr lang="en-US" dirty="0" smtClean="0"/>
+          </a:p>
+          <a:p>
+            <a:pPr>
+              <a:buFont typeface="Arial" pitchFamily="34" charset="0"/>
+              <a:buChar char="•"/>
+            </a:pPr>
+            <a:r>
+              <a:rPr lang="en-US" dirty="0" smtClean="0"/>
+              <a:t>The next move column of the data sheet is determined by the move followed by the current move.</a:t>
+            </a:r>
+          </a:p>
+          <a:p>
+            <a:pPr>
+              <a:buFont typeface="Arial" pitchFamily="34" charset="0"/>
+              <a:buChar char="•"/>
+            </a:pPr>
+            <a:endParaRPr lang="en-US" dirty="0" smtClean="0"/>
+          </a:p>
+          <a:p>
+            <a:pPr>
+              <a:buFont typeface="Arial" pitchFamily="34" charset="0"/>
+              <a:buChar char="•"/>
+            </a:pPr>
+            <a:r>
+              <a:rPr lang="en-US" dirty="0" smtClean="0"/>
+              <a:t> When a user press a arrow key  an AJAX call with the following parameters are sent to the server for storing</a:t>
+            </a:r>
+          </a:p>
+          <a:p>
+            <a:pPr>
+              <a:buFont typeface="Arial" pitchFamily="34" charset="0"/>
+              <a:buChar char="•"/>
+            </a:pPr>
+            <a:endParaRPr lang="en-US" dirty="0" smtClean="0"/>
           </a:p>
           <a:p>
             <a:pPr marL="800100" lvl="1" indent="-342900">
@@ -6485,8 +6515,8 @@
               <a:buAutoNum type="arabicPeriod"/>
             </a:pPr>
             <a:r>
-              <a:rPr lang="en-US" sz="2000" dirty="0" smtClean="0"/>
-              <a:t> Java V1.8</a:t>
+              <a:rPr lang="en-US" dirty="0" smtClean="0"/>
+              <a:t>JSON Object of red snake.</a:t>
             </a:r>
           </a:p>
           <a:p>
@@ -6495,8 +6525,8 @@
               <a:buAutoNum type="arabicPeriod"/>
             </a:pPr>
             <a:r>
-              <a:rPr lang="en-US" sz="2000" dirty="0" smtClean="0"/>
-              <a:t>Tomcat Server</a:t>
+              <a:rPr lang="en-US" dirty="0" smtClean="0"/>
+              <a:t>JSON Object of blue snake.</a:t>
             </a:r>
           </a:p>
           <a:p>
@@ -6505,12 +6535,8 @@
               <a:buAutoNum type="arabicPeriod"/>
             </a:pPr>
             <a:r>
-              <a:rPr lang="en-US" sz="2000" dirty="0" err="1" smtClean="0"/>
-              <a:t>MySQL</a:t>
-            </a:r>
-            <a:r>
-              <a:rPr lang="en-US" sz="2000" dirty="0" smtClean="0"/>
-              <a:t> server</a:t>
+              <a:rPr lang="en-US" dirty="0" smtClean="0"/>
+              <a:t>Head position of red snake.</a:t>
             </a:r>
           </a:p>
           <a:p>
@@ -6519,20 +6545,8 @@
               <a:buAutoNum type="arabicPeriod"/>
             </a:pPr>
             <a:r>
-              <a:rPr lang="en-US" sz="2000" dirty="0" err="1" smtClean="0"/>
-              <a:t>MySQL</a:t>
-            </a:r>
-            <a:r>
-              <a:rPr lang="en-US" sz="2000" dirty="0" smtClean="0"/>
-              <a:t> </a:t>
-            </a:r>
-            <a:r>
-              <a:rPr lang="en-US" sz="2000" dirty="0" err="1" smtClean="0"/>
-              <a:t>Jconnector</a:t>
-            </a:r>
-            <a:r>
-              <a:rPr lang="en-US" sz="2000" dirty="0" smtClean="0"/>
-              <a:t> API</a:t>
+              <a:rPr lang="en-US" dirty="0" smtClean="0"/>
+              <a:t>Head position of blue snake.</a:t>
             </a:r>
           </a:p>
           <a:p>
@@ -6541,12 +6555,8 @@
               <a:buAutoNum type="arabicPeriod"/>
             </a:pPr>
             <a:r>
-              <a:rPr lang="en-US" sz="2000" dirty="0" err="1" smtClean="0"/>
-              <a:t>org.JSON</a:t>
-            </a:r>
-            <a:r>
-              <a:rPr lang="en-US" sz="2000" dirty="0" smtClean="0"/>
-              <a:t> API</a:t>
+              <a:rPr lang="en-US" dirty="0" smtClean="0"/>
+              <a:t>Length of  both the snake.</a:t>
             </a:r>
           </a:p>
           <a:p>
@@ -6555,12 +6565,8 @@
               <a:buAutoNum type="arabicPeriod"/>
             </a:pPr>
             <a:r>
-              <a:rPr lang="en-US" sz="2000" dirty="0" err="1" smtClean="0"/>
-              <a:t>Servlet</a:t>
-            </a:r>
-            <a:r>
-              <a:rPr lang="en-US" sz="2000" dirty="0" smtClean="0"/>
-              <a:t> API</a:t>
+              <a:rPr lang="en-US" dirty="0" smtClean="0"/>
+              <a:t>Current moving  direction of both the snakes.</a:t>
             </a:r>
           </a:p>
           <a:p>
@@ -6568,7 +6574,55 @@
               <a:buFont typeface="+mj-lt"/>
               <a:buAutoNum type="arabicPeriod"/>
             </a:pPr>
+            <a:r>
+              <a:rPr lang="en-US" dirty="0" smtClean="0"/>
+              <a:t>Distance between the X co-ordinates of the snake heads.</a:t>
+            </a:r>
+          </a:p>
+          <a:p>
+            <a:pPr marL="800100" lvl="1" indent="-342900">
+              <a:buFont typeface="+mj-lt"/>
+              <a:buAutoNum type="arabicPeriod"/>
+            </a:pPr>
+            <a:r>
+              <a:rPr lang="en-US" dirty="0" smtClean="0"/>
+              <a:t>Distance between the Y co-ordinates of the snake heads.</a:t>
+            </a:r>
+          </a:p>
+          <a:p>
+            <a:pPr marL="800100" lvl="1" indent="-342900">
+              <a:buFont typeface="+mj-lt"/>
+              <a:buAutoNum type="arabicPeriod"/>
+            </a:pPr>
+            <a:r>
+              <a:rPr lang="en-US" dirty="0" smtClean="0"/>
+              <a:t>Distance between the food and the snakes.</a:t>
+            </a:r>
+          </a:p>
+          <a:p>
+            <a:pPr marL="800100" lvl="1" indent="-342900"/>
             <a:endParaRPr lang="en-US" dirty="0" smtClean="0"/>
+          </a:p>
+          <a:p>
+            <a:pPr marL="800100" lvl="1" indent="-342900">
+              <a:buFont typeface="Arial" pitchFamily="34" charset="0"/>
+              <a:buChar char="•"/>
+            </a:pPr>
+            <a:endParaRPr lang="en-US" dirty="0" smtClean="0"/>
+          </a:p>
+          <a:p>
+            <a:pPr marL="800100" lvl="1" indent="-342900">
+              <a:buFont typeface="+mj-lt"/>
+              <a:buAutoNum type="arabicPeriod"/>
+            </a:pPr>
+            <a:endParaRPr lang="en-US" dirty="0" smtClean="0"/>
+          </a:p>
+          <a:p>
+            <a:pPr marL="800100" lvl="1" indent="-342900">
+              <a:buFont typeface="+mj-lt"/>
+              <a:buAutoNum type="arabicPeriod"/>
+            </a:pPr>
+            <a:endParaRPr lang="en-US" dirty="0"/>
           </a:p>
         </p:txBody>
       </p:sp>
@@ -6612,8 +6666,8 @@
         </p:nvSpPr>
         <p:spPr>
           <a:xfrm>
-            <a:off x="762000" y="2133600"/>
-            <a:ext cx="7620000" cy="1938992"/>
+            <a:off x="685800" y="2819400"/>
+            <a:ext cx="7543800" cy="923330"/>
           </a:xfrm>
           <a:prstGeom prst="rect">
             <a:avLst/>
@@ -6628,10 +6682,14 @@
           <a:p>
             <a:pPr algn="ctr"/>
             <a:r>
-              <a:rPr lang="en-US" sz="6000" b="1" dirty="0" smtClean="0"/>
-              <a:t>IMPLEMENTATION OF MODULES</a:t>
-            </a:r>
-            <a:endParaRPr lang="en-US" sz="6000" b="1" dirty="0"/>
+              <a:rPr lang="en-US" sz="5400" b="1" dirty="0" smtClean="0">
+                <a:latin typeface="+mj-lt"/>
+              </a:rPr>
+              <a:t>SYSTEM REQUIREMENT</a:t>
+            </a:r>
+            <a:endParaRPr lang="en-US" sz="5400" b="1" dirty="0">
+              <a:latin typeface="+mj-lt"/>
+            </a:endParaRPr>
           </a:p>
         </p:txBody>
       </p:sp>
@@ -6675,8 +6733,8 @@
         </p:nvSpPr>
         <p:spPr>
           <a:xfrm>
-            <a:off x="609600" y="228600"/>
-            <a:ext cx="8077200" cy="523220"/>
+            <a:off x="533400" y="381000"/>
+            <a:ext cx="7696200" cy="523220"/>
           </a:xfrm>
           <a:prstGeom prst="rect">
             <a:avLst/>
@@ -6692,7 +6750,7 @@
             <a:pPr algn="ctr"/>
             <a:r>
               <a:rPr lang="en-US" sz="2800" b="1" dirty="0" smtClean="0"/>
-              <a:t>IMPLEMENTATION OF MODULES</a:t>
+              <a:t>HARDWARE AND SOFTWARE REQUIREMENT </a:t>
             </a:r>
             <a:endParaRPr lang="en-US" sz="2800" b="1" dirty="0"/>
           </a:p>
@@ -6700,14 +6758,14 @@
       </p:sp>
       <p:sp>
         <p:nvSpPr>
-          <p:cNvPr id="4" name="TextBox 3"/>
+          <p:cNvPr id="3" name="TextBox 2"/>
           <p:cNvSpPr txBox="1"/>
           <p:nvPr/>
         </p:nvSpPr>
         <p:spPr>
           <a:xfrm>
-            <a:off x="533400" y="990600"/>
-            <a:ext cx="8229600" cy="4154984"/>
+            <a:off x="381000" y="1066800"/>
+            <a:ext cx="8305800" cy="3724096"/>
           </a:xfrm>
           <a:prstGeom prst="rect">
             <a:avLst/>
@@ -6720,248 +6778,136 @@
           </a:bodyPr>
           <a:lstStyle/>
           <a:p>
-            <a:r>
-              <a:rPr lang="en-US" sz="2400" dirty="0" smtClean="0"/>
-              <a:t>Live User Listing Module :</a:t>
-            </a:r>
-          </a:p>
-          <a:p>
-            <a:pPr lvl="1">
-              <a:buFont typeface="Arial" pitchFamily="34" charset="0"/>
-              <a:buChar char="•"/>
-            </a:pPr>
-            <a:r>
-              <a:rPr lang="en-US" sz="2400" dirty="0" smtClean="0"/>
-              <a:t>  The live user listing module is server push process in which push the list of users available to play.</a:t>
+            <a:pPr>
+              <a:buFont typeface="Arial" pitchFamily="34" charset="0"/>
+              <a:buChar char="•"/>
+            </a:pPr>
+            <a:r>
+              <a:rPr lang="en-US" sz="2000" dirty="0" smtClean="0"/>
+              <a:t> Hardware Requirements :</a:t>
             </a:r>
           </a:p>
           <a:p>
             <a:pPr lvl="1"/>
-            <a:endParaRPr lang="en-US" sz="2400" dirty="0" smtClean="0"/>
-          </a:p>
-          <a:p>
-            <a:pPr lvl="1">
-              <a:buFont typeface="Arial" pitchFamily="34" charset="0"/>
-              <a:buChar char="•"/>
-            </a:pPr>
-            <a:r>
-              <a:rPr lang="en-US" sz="2400" dirty="0" smtClean="0"/>
-              <a:t> The user continue keep track of the new user getting added to the game .</a:t>
-            </a:r>
-          </a:p>
-          <a:p>
-            <a:pPr lvl="1"/>
-            <a:endParaRPr lang="en-US" sz="2400" dirty="0" smtClean="0"/>
-          </a:p>
-          <a:p>
-            <a:pPr lvl="1">
-              <a:buFont typeface="Arial" pitchFamily="34" charset="0"/>
-              <a:buChar char="•"/>
-            </a:pPr>
-            <a:r>
-              <a:rPr lang="en-US" sz="2400" dirty="0" smtClean="0"/>
-              <a:t> It  sets the retry time as 110 milliseconds which quite enough to get instant updates of he live users.</a:t>
-            </a:r>
-          </a:p>
-          <a:p>
-            <a:pPr lvl="1"/>
-            <a:endParaRPr lang="en-US" sz="2400" dirty="0" smtClean="0"/>
-          </a:p>
-          <a:p>
-            <a:r>
-              <a:rPr lang="en-US" sz="2400" dirty="0" smtClean="0"/>
-              <a:t>	</a:t>
-            </a:r>
-            <a:endParaRPr lang="en-US" sz="2400" dirty="0"/>
-          </a:p>
-        </p:txBody>
-      </p:sp>
-      <p:sp>
-        <p:nvSpPr>
-          <p:cNvPr id="9" name="Rectangle 8"/>
-          <p:cNvSpPr/>
-          <p:nvPr/>
-        </p:nvSpPr>
-        <p:spPr>
-          <a:xfrm>
-            <a:off x="304800" y="4419600"/>
-            <a:ext cx="2286000" cy="2286000"/>
-          </a:xfrm>
-          <a:prstGeom prst="rect">
-            <a:avLst/>
-          </a:prstGeom>
-        </p:spPr>
-        <p:style>
-          <a:lnRef idx="2">
-            <a:schemeClr val="dk1"/>
-          </a:lnRef>
-          <a:fillRef idx="1">
-            <a:schemeClr val="lt1"/>
-          </a:fillRef>
-          <a:effectRef idx="0">
-            <a:schemeClr val="dk1"/>
-          </a:effectRef>
-          <a:fontRef idx="minor">
-            <a:schemeClr val="dk1"/>
-          </a:fontRef>
-        </p:style>
-        <p:txBody>
-          <a:bodyPr rtlCol="0" anchor="ctr"/>
-          <a:lstStyle/>
-          <a:p>
-            <a:pPr algn="ctr"/>
-            <a:endParaRPr lang="en-US"/>
-          </a:p>
-        </p:txBody>
-      </p:sp>
-      <p:pic>
-        <p:nvPicPr>
-          <p:cNvPr id="10" name="Picture 9" descr="user class.PNG"/>
-          <p:cNvPicPr>
-            <a:picLocks noChangeAspect="1"/>
-          </p:cNvPicPr>
-          <p:nvPr/>
-        </p:nvPicPr>
-        <p:blipFill>
-          <a:blip r:embed="rId2"/>
-          <a:stretch>
-            <a:fillRect/>
-          </a:stretch>
-        </p:blipFill>
-        <p:spPr>
-          <a:xfrm>
-            <a:off x="304800" y="4419600"/>
-            <a:ext cx="2263437" cy="2286000"/>
-          </a:xfrm>
-          <a:prstGeom prst="rect">
-            <a:avLst/>
-          </a:prstGeom>
-        </p:spPr>
-      </p:pic>
-      <p:sp>
-        <p:nvSpPr>
-          <p:cNvPr id="11" name="Rectangle 10"/>
-          <p:cNvSpPr/>
-          <p:nvPr/>
-        </p:nvSpPr>
-        <p:spPr>
-          <a:xfrm>
-            <a:off x="3429000" y="4419600"/>
-            <a:ext cx="2438400" cy="2286000"/>
-          </a:xfrm>
-          <a:prstGeom prst="rect">
-            <a:avLst/>
-          </a:prstGeom>
-        </p:spPr>
-        <p:style>
-          <a:lnRef idx="2">
-            <a:schemeClr val="dk1"/>
-          </a:lnRef>
-          <a:fillRef idx="1">
-            <a:schemeClr val="lt1"/>
-          </a:fillRef>
-          <a:effectRef idx="0">
-            <a:schemeClr val="dk1"/>
-          </a:effectRef>
-          <a:fontRef idx="minor">
-            <a:schemeClr val="dk1"/>
-          </a:fontRef>
-        </p:style>
-        <p:txBody>
-          <a:bodyPr rtlCol="0" anchor="ctr"/>
-          <a:lstStyle/>
-          <a:p>
-            <a:pPr algn="ctr"/>
-            <a:endParaRPr lang="en-US"/>
-          </a:p>
-        </p:txBody>
-      </p:sp>
-      <p:pic>
-        <p:nvPicPr>
-          <p:cNvPr id="12" name="Picture 11" descr="gameboard.PNG"/>
-          <p:cNvPicPr>
-            <a:picLocks noChangeAspect="1"/>
-          </p:cNvPicPr>
-          <p:nvPr/>
-        </p:nvPicPr>
-        <p:blipFill>
-          <a:blip r:embed="rId3"/>
-          <a:stretch>
-            <a:fillRect/>
-          </a:stretch>
-        </p:blipFill>
-        <p:spPr>
-          <a:xfrm>
-            <a:off x="3429000" y="4419600"/>
-            <a:ext cx="2438400" cy="2286000"/>
-          </a:xfrm>
-          <a:prstGeom prst="rect">
-            <a:avLst/>
-          </a:prstGeom>
-        </p:spPr>
-      </p:pic>
-      <p:sp>
-        <p:nvSpPr>
-          <p:cNvPr id="13" name="Rectangle 12"/>
-          <p:cNvSpPr/>
-          <p:nvPr/>
-        </p:nvSpPr>
-        <p:spPr>
-          <a:xfrm>
-            <a:off x="6324600" y="4724400"/>
-            <a:ext cx="2438400" cy="685800"/>
-          </a:xfrm>
-          <a:prstGeom prst="rect">
-            <a:avLst/>
-          </a:prstGeom>
-        </p:spPr>
-        <p:style>
-          <a:lnRef idx="2">
-            <a:schemeClr val="dk1"/>
-          </a:lnRef>
-          <a:fillRef idx="1">
-            <a:schemeClr val="lt1"/>
-          </a:fillRef>
-          <a:effectRef idx="0">
-            <a:schemeClr val="dk1"/>
-          </a:effectRef>
-          <a:fontRef idx="minor">
-            <a:schemeClr val="dk1"/>
-          </a:fontRef>
-        </p:style>
-        <p:txBody>
-          <a:bodyPr rtlCol="0" anchor="ctr"/>
-          <a:lstStyle/>
-          <a:p>
-            <a:pPr algn="ctr"/>
-            <a:endParaRPr lang="en-US"/>
-          </a:p>
-        </p:txBody>
-      </p:sp>
-      <p:pic>
-        <p:nvPicPr>
-          <p:cNvPr id="14" name="Picture 13" descr="Request.PNG"/>
-          <p:cNvPicPr>
-            <a:picLocks noChangeAspect="1"/>
-          </p:cNvPicPr>
-          <p:nvPr/>
-        </p:nvPicPr>
-        <p:blipFill>
-          <a:blip r:embed="rId4"/>
-          <a:stretch>
-            <a:fillRect/>
-          </a:stretch>
-        </p:blipFill>
-        <p:spPr>
-          <a:xfrm>
-            <a:off x="6324600" y="4724401"/>
-            <a:ext cx="2438400" cy="685800"/>
-          </a:xfrm>
-          <a:prstGeom prst="rect">
-            <a:avLst/>
-          </a:prstGeom>
-        </p:spPr>
-      </p:pic>
+            <a:r>
+              <a:rPr lang="en-US" sz="2000" dirty="0" smtClean="0"/>
+              <a:t>1.  RAM:2GB</a:t>
+            </a:r>
+          </a:p>
+          <a:p>
+            <a:pPr marL="800100" lvl="1" indent="-342900"/>
+            <a:r>
+              <a:rPr lang="en-US" sz="2000" dirty="0" smtClean="0"/>
+              <a:t>2.  PROCESSOR : 2.50 GHz</a:t>
+            </a:r>
+          </a:p>
+          <a:p>
+            <a:pPr marL="800100" lvl="1" indent="-342900"/>
+            <a:endParaRPr lang="en-US" sz="2000" dirty="0" smtClean="0"/>
+          </a:p>
+          <a:p>
+            <a:pPr>
+              <a:buFont typeface="Arial" pitchFamily="34" charset="0"/>
+              <a:buChar char="•"/>
+            </a:pPr>
+            <a:r>
+              <a:rPr lang="en-US" sz="2000" dirty="0" smtClean="0"/>
+              <a:t> Software  Requirements :</a:t>
+            </a:r>
+          </a:p>
+          <a:p>
+            <a:pPr marL="800100" lvl="1" indent="-342900">
+              <a:buFont typeface="+mj-lt"/>
+              <a:buAutoNum type="arabicPeriod"/>
+            </a:pPr>
+            <a:r>
+              <a:rPr lang="en-US" sz="2000" dirty="0" smtClean="0"/>
+              <a:t> Java V1.8</a:t>
+            </a:r>
+          </a:p>
+          <a:p>
+            <a:pPr marL="800100" lvl="1" indent="-342900">
+              <a:buFont typeface="+mj-lt"/>
+              <a:buAutoNum type="arabicPeriod"/>
+            </a:pPr>
+            <a:r>
+              <a:rPr lang="en-US" sz="2000" dirty="0" smtClean="0"/>
+              <a:t>Tomcat Server</a:t>
+            </a:r>
+          </a:p>
+          <a:p>
+            <a:pPr marL="800100" lvl="1" indent="-342900">
+              <a:buFont typeface="+mj-lt"/>
+              <a:buAutoNum type="arabicPeriod"/>
+            </a:pPr>
+            <a:r>
+              <a:rPr lang="en-US" sz="2000" dirty="0" err="1" smtClean="0"/>
+              <a:t>MySQL</a:t>
+            </a:r>
+            <a:r>
+              <a:rPr lang="en-US" sz="2000" dirty="0" smtClean="0"/>
+              <a:t> server</a:t>
+            </a:r>
+          </a:p>
+          <a:p>
+            <a:pPr marL="800100" lvl="1" indent="-342900">
+              <a:buFont typeface="+mj-lt"/>
+              <a:buAutoNum type="arabicPeriod"/>
+            </a:pPr>
+            <a:r>
+              <a:rPr lang="en-US" sz="2000" dirty="0" err="1" smtClean="0"/>
+              <a:t>MySQL</a:t>
+            </a:r>
+            <a:r>
+              <a:rPr lang="en-US" sz="2000" dirty="0" smtClean="0"/>
+              <a:t> </a:t>
+            </a:r>
+            <a:r>
+              <a:rPr lang="en-US" sz="2000" dirty="0" err="1" smtClean="0"/>
+              <a:t>Jconnector</a:t>
+            </a:r>
+            <a:r>
+              <a:rPr lang="en-US" sz="2000" dirty="0" smtClean="0"/>
+              <a:t> API</a:t>
+            </a:r>
+          </a:p>
+          <a:p>
+            <a:pPr marL="800100" lvl="1" indent="-342900">
+              <a:buFont typeface="+mj-lt"/>
+              <a:buAutoNum type="arabicPeriod"/>
+            </a:pPr>
+            <a:r>
+              <a:rPr lang="en-US" sz="2000" dirty="0" err="1" smtClean="0"/>
+              <a:t>org.JSON</a:t>
+            </a:r>
+            <a:r>
+              <a:rPr lang="en-US" sz="2000" dirty="0" smtClean="0"/>
+              <a:t> API</a:t>
+            </a:r>
+          </a:p>
+          <a:p>
+            <a:pPr marL="800100" lvl="1" indent="-342900">
+              <a:buFont typeface="+mj-lt"/>
+              <a:buAutoNum type="arabicPeriod"/>
+            </a:pPr>
+            <a:r>
+              <a:rPr lang="en-US" sz="2000" dirty="0" err="1" smtClean="0"/>
+              <a:t>Servlet</a:t>
+            </a:r>
+            <a:r>
+              <a:rPr lang="en-US" sz="2000" dirty="0" smtClean="0"/>
+              <a:t> API</a:t>
+            </a:r>
+          </a:p>
+          <a:p>
+            <a:pPr marL="800100" lvl="1" indent="-342900">
+              <a:buFont typeface="+mj-lt"/>
+              <a:buAutoNum type="arabicPeriod"/>
+            </a:pPr>
+            <a:endParaRPr lang="en-US" dirty="0" smtClean="0"/>
+          </a:p>
+        </p:txBody>
+      </p:sp>
     </p:spTree>
   </p:cSld>
   <p:clrMapOvr>
@@ -7093,11 +7039,11 @@
             </a:r>
             <a:r>
               <a:rPr lang="en-US" sz="2400" b="1" dirty="0" smtClean="0"/>
-              <a:t>SSE technology</a:t>
+              <a:t>SSE server push mechanism</a:t>
             </a:r>
             <a:r>
               <a:rPr lang="en-US" sz="2400" dirty="0" smtClean="0"/>
-              <a:t> and record the player</a:t>
+              <a:t> and</a:t>
             </a:r>
           </a:p>
           <a:p>
@@ -7106,7 +7052,7 @@
             </a:pPr>
             <a:r>
               <a:rPr lang="en-US" sz="2400" dirty="0" smtClean="0"/>
-              <a:t>move in a one on one battle with each and tries to use the</a:t>
+              <a:t>record the player move in a one on one battle with each and</a:t>
             </a:r>
           </a:p>
           <a:p>
@@ -7115,7 +7061,7 @@
             </a:pPr>
             <a:r>
               <a:rPr lang="en-US" sz="2400" dirty="0" smtClean="0"/>
-              <a:t>previous player’s move. The computer uses the shortest path</a:t>
+              <a:t>tries to use the previous player’s move. The computer uses the</a:t>
             </a:r>
           </a:p>
           <a:p>
@@ -7124,7 +7070,7 @@
             </a:pPr>
             <a:r>
               <a:rPr lang="en-US" sz="2400" dirty="0" smtClean="0"/>
-              <a:t>algorithm to reach the target with out having self destructive</a:t>
+              <a:t>shortest path algorithm to reach the target with out having self</a:t>
             </a:r>
           </a:p>
           <a:p>
@@ -7133,7 +7079,7 @@
             </a:pPr>
             <a:r>
               <a:rPr lang="en-US" sz="2400" dirty="0" smtClean="0"/>
-              <a:t>moves and tries to escape from the opponent’s attacking moves</a:t>
+              <a:t>Destructive moves and tries to escape from the opponent’s</a:t>
             </a:r>
           </a:p>
           <a:p>
@@ -7142,7 +7088,7 @@
             </a:pPr>
             <a:r>
               <a:rPr lang="en-US" sz="2400" dirty="0" smtClean="0"/>
-              <a:t>by predicting it before.</a:t>
+              <a:t>attacking moves by predicting it before.</a:t>
             </a:r>
           </a:p>
           <a:p>
@@ -7199,8 +7145,8 @@
         </p:nvSpPr>
         <p:spPr>
           <a:xfrm>
-            <a:off x="762000" y="228600"/>
-            <a:ext cx="7620000" cy="523220"/>
+            <a:off x="762000" y="2133600"/>
+            <a:ext cx="7620000" cy="1938992"/>
           </a:xfrm>
           <a:prstGeom prst="rect">
             <a:avLst/>
@@ -7215,101 +7161,10 @@
           <a:p>
             <a:pPr algn="ctr"/>
             <a:r>
-              <a:rPr lang="en-US" sz="2800" b="1" dirty="0" smtClean="0"/>
-              <a:t>GAME CONTROLLER MODULE</a:t>
-            </a:r>
-            <a:endParaRPr lang="en-US" sz="2800" b="1" dirty="0"/>
-          </a:p>
-        </p:txBody>
-      </p:sp>
-      <p:sp>
-        <p:nvSpPr>
-          <p:cNvPr id="3" name="TextBox 2"/>
-          <p:cNvSpPr txBox="1"/>
-          <p:nvPr/>
-        </p:nvSpPr>
-        <p:spPr>
-          <a:xfrm>
-            <a:off x="304800" y="838200"/>
-            <a:ext cx="8534400" cy="4893647"/>
-          </a:xfrm>
-          <a:prstGeom prst="rect">
-            <a:avLst/>
-          </a:prstGeom>
-          <a:noFill/>
-        </p:spPr>
-        <p:txBody>
-          <a:bodyPr wrap="square" rtlCol="0">
-            <a:spAutoFit/>
-          </a:bodyPr>
-          <a:lstStyle/>
-          <a:p>
-            <a:pPr>
-              <a:buFont typeface="Arial" pitchFamily="34" charset="0"/>
-              <a:buChar char="•"/>
-            </a:pPr>
-            <a:r>
-              <a:rPr lang="en-US" sz="2400" dirty="0" smtClean="0"/>
-              <a:t> After the user get his id and assigns a name to him ,he will be redirected to a game page where he get to know the current live user .</a:t>
-            </a:r>
-          </a:p>
-          <a:p>
-            <a:pPr>
-              <a:buFont typeface="Arial" pitchFamily="34" charset="0"/>
-              <a:buChar char="•"/>
-            </a:pPr>
-            <a:endParaRPr lang="en-US" sz="2400" dirty="0" smtClean="0"/>
-          </a:p>
-          <a:p>
-            <a:pPr>
-              <a:buFont typeface="Arial" pitchFamily="34" charset="0"/>
-              <a:buChar char="•"/>
-            </a:pPr>
-            <a:r>
-              <a:rPr lang="en-US" sz="2400" dirty="0" smtClean="0"/>
-              <a:t> User can give Request to other  user by just clicking his name on live user bar</a:t>
-            </a:r>
-          </a:p>
-          <a:p>
-            <a:pPr>
-              <a:buFont typeface="Arial" pitchFamily="34" charset="0"/>
-              <a:buChar char="•"/>
-            </a:pPr>
-            <a:endParaRPr lang="en-US" sz="2400" dirty="0" smtClean="0"/>
-          </a:p>
-          <a:p>
-            <a:pPr>
-              <a:buFont typeface="Arial" pitchFamily="34" charset="0"/>
-              <a:buChar char="•"/>
-            </a:pPr>
-            <a:r>
-              <a:rPr lang="en-US" sz="2400" dirty="0" smtClean="0"/>
-              <a:t>Then the request is added to the request list of the recipient user.</a:t>
-            </a:r>
-          </a:p>
-          <a:p>
-            <a:pPr>
-              <a:buFont typeface="Arial" pitchFamily="34" charset="0"/>
-              <a:buChar char="•"/>
-            </a:pPr>
-            <a:endParaRPr lang="en-US" sz="2400" dirty="0" smtClean="0"/>
-          </a:p>
-          <a:p>
-            <a:pPr>
-              <a:buFont typeface="Arial" pitchFamily="34" charset="0"/>
-              <a:buChar char="•"/>
-            </a:pPr>
-            <a:r>
-              <a:rPr lang="en-US" sz="2400" dirty="0" smtClean="0"/>
-              <a:t> If the user on the other side click decline then  request disappears without taking any action else if he/she select accept button then the both users will get into the new game.</a:t>
-            </a:r>
-          </a:p>
-          <a:p>
-            <a:pPr>
-              <a:buFont typeface="Arial" pitchFamily="34" charset="0"/>
-              <a:buChar char="•"/>
-            </a:pPr>
-            <a:endParaRPr lang="en-US" sz="2400" dirty="0" smtClean="0"/>
+              <a:rPr lang="en-US" sz="6000" b="1" dirty="0" smtClean="0"/>
+              <a:t>IMPLEMENTATION OF MODULES</a:t>
+            </a:r>
+            <a:endParaRPr lang="en-US" sz="6000" b="1" dirty="0"/>
           </a:p>
         </p:txBody>
       </p:sp>
@@ -7353,8 +7208,8 @@
         </p:nvSpPr>
         <p:spPr>
           <a:xfrm>
-            <a:off x="609600" y="304800"/>
-            <a:ext cx="6934200" cy="523220"/>
+            <a:off x="609600" y="228600"/>
+            <a:ext cx="8077200" cy="523220"/>
           </a:xfrm>
           <a:prstGeom prst="rect">
             <a:avLst/>
@@ -7370,15 +7225,7 @@
             <a:pPr algn="ctr"/>
             <a:r>
               <a:rPr lang="en-US" sz="2800" b="1" dirty="0" smtClean="0"/>
-              <a:t>GAME CONTROLLER MODULE (</a:t>
-            </a:r>
-            <a:r>
-              <a:rPr lang="en-US" sz="2800" b="1" dirty="0" err="1" smtClean="0"/>
-              <a:t>Contd</a:t>
-            </a:r>
-            <a:r>
-              <a:rPr lang="en-US" sz="2800" b="1" dirty="0" smtClean="0"/>
-              <a:t>)</a:t>
+              <a:t>IMPLEMENTATION OF MODULES</a:t>
             </a:r>
             <a:endParaRPr lang="en-US" sz="2800" b="1" dirty="0"/>
           </a:p>
@@ -7386,14 +7233,14 @@
       </p:sp>
       <p:sp>
         <p:nvSpPr>
-          <p:cNvPr id="3" name="TextBox 2"/>
+          <p:cNvPr id="4" name="TextBox 3"/>
           <p:cNvSpPr txBox="1"/>
           <p:nvPr/>
         </p:nvSpPr>
         <p:spPr>
           <a:xfrm>
-            <a:off x="609600" y="1066800"/>
-            <a:ext cx="7543800" cy="4893647"/>
+            <a:off x="533400" y="990600"/>
+            <a:ext cx="8229600" cy="4154984"/>
           </a:xfrm>
           <a:prstGeom prst="rect">
             <a:avLst/>
@@ -7406,101 +7253,248 @@
           </a:bodyPr>
           <a:lstStyle/>
           <a:p>
-            <a:pPr>
-              <a:buFont typeface="Arial" pitchFamily="34" charset="0"/>
-              <a:buChar char="•"/>
-            </a:pPr>
-            <a:r>
-              <a:rPr lang="en-US" dirty="0" smtClean="0"/>
-              <a:t> </a:t>
-            </a:r>
             <a:r>
               <a:rPr lang="en-US" sz="2400" dirty="0" smtClean="0"/>
-              <a:t>A single user can give request to n number of live user but once he get into play another user he/she cannot abort the game.</a:t>
-            </a:r>
-          </a:p>
-          <a:p>
-            <a:pPr>
-              <a:buFont typeface="Arial" pitchFamily="34" charset="0"/>
-              <a:buChar char="•"/>
-            </a:pPr>
+              <a:t>Live User Listing Module :</a:t>
+            </a:r>
+          </a:p>
+          <a:p>
+            <a:pPr lvl="1">
+              <a:buFont typeface="Arial" pitchFamily="34" charset="0"/>
+              <a:buChar char="•"/>
+            </a:pPr>
+            <a:r>
+              <a:rPr lang="en-US" sz="2400" dirty="0" smtClean="0"/>
+              <a:t>  The live user listing module is server push process in which push the list of users available to play.</a:t>
+            </a:r>
+          </a:p>
+          <a:p>
+            <a:pPr lvl="1"/>
             <a:endParaRPr lang="en-US" sz="2400" dirty="0" smtClean="0"/>
           </a:p>
           <a:p>
-            <a:pPr>
+            <a:pPr lvl="1">
               <a:buFont typeface="Arial" pitchFamily="34" charset="0"/>
               <a:buChar char="•"/>
             </a:pPr>
             <a:r>
               <a:rPr lang="en-US" sz="2400" dirty="0" smtClean="0"/>
-              <a:t> If the user  wants to play with computer he can click  “PLAY WITH COMPUTER”  button .</a:t>
-            </a:r>
-          </a:p>
-          <a:p>
-            <a:pPr>
-              <a:buFont typeface="Arial" pitchFamily="34" charset="0"/>
-              <a:buChar char="•"/>
-            </a:pPr>
+              <a:t> The user continue keep track of the new user getting added to the game .</a:t>
+            </a:r>
+          </a:p>
+          <a:p>
+            <a:pPr lvl="1"/>
             <a:endParaRPr lang="en-US" sz="2400" dirty="0" smtClean="0"/>
           </a:p>
           <a:p>
-            <a:pPr>
+            <a:pPr lvl="1">
               <a:buFont typeface="Arial" pitchFamily="34" charset="0"/>
               <a:buChar char="•"/>
             </a:pPr>
             <a:r>
               <a:rPr lang="en-US" sz="2400" dirty="0" smtClean="0"/>
-              <a:t>Once a user accepts the request the following operation takes place :</a:t>
-            </a:r>
-          </a:p>
-          <a:p>
-            <a:pPr marL="914400" lvl="1" indent="-457200">
-              <a:buFont typeface="+mj-lt"/>
-              <a:buAutoNum type="arabicPeriod"/>
-            </a:pPr>
+              <a:t> It  sets the retry time as 110 milliseconds which quite enough to get instant updates of he live users.</a:t>
+            </a:r>
+          </a:p>
+          <a:p>
+            <a:pPr lvl="1"/>
+            <a:endParaRPr lang="en-US" sz="2400" dirty="0" smtClean="0"/>
+          </a:p>
+          <a:p>
             <a:r>
               <a:rPr lang="en-US" sz="2400" dirty="0" smtClean="0"/>
-              <a:t>A new game board is created</a:t>
-            </a:r>
-          </a:p>
-          <a:p>
-            <a:pPr marL="914400" lvl="1" indent="-457200">
-              <a:buFont typeface="+mj-lt"/>
-              <a:buAutoNum type="arabicPeriod"/>
-            </a:pPr>
-            <a:r>
-              <a:rPr lang="en-US" sz="2400" dirty="0" smtClean="0"/>
-              <a:t>Both user’s id is registered to particular </a:t>
-            </a:r>
-            <a:r>
-              <a:rPr lang="en-US" sz="2400" dirty="0" err="1" smtClean="0"/>
-              <a:t>gameboard</a:t>
-            </a:r>
-            <a:endParaRPr lang="en-US" sz="2400" dirty="0" smtClean="0"/>
-          </a:p>
-          <a:p>
-            <a:pPr marL="914400" lvl="1" indent="-457200">
-              <a:buFont typeface="+mj-lt"/>
-              <a:buAutoNum type="arabicPeriod"/>
-            </a:pPr>
-            <a:r>
-              <a:rPr lang="en-US" sz="2400" dirty="0" smtClean="0"/>
-              <a:t>Status of the both the user are set as ‘busy’</a:t>
-            </a:r>
-          </a:p>
-          <a:p>
-            <a:pPr marL="914400" lvl="1" indent="-457200">
-              <a:buFont typeface="+mj-lt"/>
-              <a:buAutoNum type="arabicPeriod"/>
-            </a:pPr>
-            <a:r>
-              <a:rPr lang="en-US" sz="2400" dirty="0" smtClean="0"/>
-              <a:t>Game start flag is set.</a:t>
+              <a:t>	</a:t>
             </a:r>
             <a:endParaRPr lang="en-US" sz="2400" dirty="0"/>
           </a:p>
         </p:txBody>
       </p:sp>
+      <p:sp>
+        <p:nvSpPr>
+          <p:cNvPr id="9" name="Rectangle 8"/>
+          <p:cNvSpPr/>
+          <p:nvPr/>
+        </p:nvSpPr>
+        <p:spPr>
+          <a:xfrm>
+            <a:off x="304800" y="4419600"/>
+            <a:ext cx="2286000" cy="2286000"/>
+          </a:xfrm>
+          <a:prstGeom prst="rect">
+            <a:avLst/>
+          </a:prstGeom>
+        </p:spPr>
+        <p:style>
+          <a:lnRef idx="2">
+            <a:schemeClr val="dk1"/>
+          </a:lnRef>
+          <a:fillRef idx="1">
+            <a:schemeClr val="lt1"/>
+          </a:fillRef>
+          <a:effectRef idx="0">
+            <a:schemeClr val="dk1"/>
+          </a:effectRef>
+          <a:fontRef idx="minor">
+            <a:schemeClr val="dk1"/>
+          </a:fontRef>
+        </p:style>
+        <p:txBody>
+          <a:bodyPr rtlCol="0" anchor="ctr"/>
+          <a:lstStyle/>
+          <a:p>
+            <a:pPr algn="ctr"/>
+            <a:endParaRPr lang="en-US"/>
+          </a:p>
+        </p:txBody>
+      </p:sp>
+      <p:pic>
+        <p:nvPicPr>
+          <p:cNvPr id="10" name="Picture 9" descr="user class.PNG"/>
+          <p:cNvPicPr>
+            <a:picLocks noChangeAspect="1"/>
+          </p:cNvPicPr>
+          <p:nvPr/>
+        </p:nvPicPr>
+        <p:blipFill>
+          <a:blip r:embed="rId2"/>
+          <a:stretch>
+            <a:fillRect/>
+          </a:stretch>
+        </p:blipFill>
+        <p:spPr>
+          <a:xfrm>
+            <a:off x="304800" y="4419600"/>
+            <a:ext cx="2263437" cy="2286000"/>
+          </a:xfrm>
+          <a:prstGeom prst="rect">
+            <a:avLst/>
+          </a:prstGeom>
+        </p:spPr>
+      </p:pic>
+      <p:sp>
+        <p:nvSpPr>
+          <p:cNvPr id="11" name="Rectangle 10"/>
+          <p:cNvSpPr/>
+          <p:nvPr/>
+        </p:nvSpPr>
+        <p:spPr>
+          <a:xfrm>
+            <a:off x="3429000" y="4419600"/>
+            <a:ext cx="2438400" cy="2286000"/>
+          </a:xfrm>
+          <a:prstGeom prst="rect">
+            <a:avLst/>
+          </a:prstGeom>
+        </p:spPr>
+        <p:style>
+          <a:lnRef idx="2">
+            <a:schemeClr val="dk1"/>
+          </a:lnRef>
+          <a:fillRef idx="1">
+            <a:schemeClr val="lt1"/>
+          </a:fillRef>
+          <a:effectRef idx="0">
+            <a:schemeClr val="dk1"/>
+          </a:effectRef>
+          <a:fontRef idx="minor">
+            <a:schemeClr val="dk1"/>
+          </a:fontRef>
+        </p:style>
+        <p:txBody>
+          <a:bodyPr rtlCol="0" anchor="ctr"/>
+          <a:lstStyle/>
+          <a:p>
+            <a:pPr algn="ctr"/>
+            <a:endParaRPr lang="en-US"/>
+          </a:p>
+        </p:txBody>
+      </p:sp>
+      <p:pic>
+        <p:nvPicPr>
+          <p:cNvPr id="12" name="Picture 11" descr="gameboard.PNG"/>
+          <p:cNvPicPr>
+            <a:picLocks noChangeAspect="1"/>
+          </p:cNvPicPr>
+          <p:nvPr/>
+        </p:nvPicPr>
+        <p:blipFill>
+          <a:blip r:embed="rId3"/>
+          <a:stretch>
+            <a:fillRect/>
+          </a:stretch>
+        </p:blipFill>
+        <p:spPr>
+          <a:xfrm>
+            <a:off x="3429000" y="4419600"/>
+            <a:ext cx="2438400" cy="2286000"/>
+          </a:xfrm>
+          <a:prstGeom prst="rect">
+            <a:avLst/>
+          </a:prstGeom>
+        </p:spPr>
+      </p:pic>
+      <p:sp>
+        <p:nvSpPr>
+          <p:cNvPr id="13" name="Rectangle 12"/>
+          <p:cNvSpPr/>
+          <p:nvPr/>
+        </p:nvSpPr>
+        <p:spPr>
+          <a:xfrm>
+            <a:off x="6324600" y="4724400"/>
+            <a:ext cx="2438400" cy="685800"/>
+          </a:xfrm>
+          <a:prstGeom prst="rect">
+            <a:avLst/>
+          </a:prstGeom>
+        </p:spPr>
+        <p:style>
+          <a:lnRef idx="2">
+            <a:schemeClr val="dk1"/>
+          </a:lnRef>
+          <a:fillRef idx="1">
+            <a:schemeClr val="lt1"/>
+          </a:fillRef>
+          <a:effectRef idx="0">
+            <a:schemeClr val="dk1"/>
+          </a:effectRef>
+          <a:fontRef idx="minor">
+            <a:schemeClr val="dk1"/>
+          </a:fontRef>
+        </p:style>
+        <p:txBody>
+          <a:bodyPr rtlCol="0" anchor="ctr"/>
+          <a:lstStyle/>
+          <a:p>
+            <a:pPr algn="ctr"/>
+            <a:endParaRPr lang="en-US"/>
+          </a:p>
+        </p:txBody>
+      </p:sp>
+      <p:pic>
+        <p:nvPicPr>
+          <p:cNvPr id="14" name="Picture 13" descr="Request.PNG"/>
+          <p:cNvPicPr>
+            <a:picLocks noChangeAspect="1"/>
+          </p:cNvPicPr>
+          <p:nvPr/>
+        </p:nvPicPr>
+        <p:blipFill>
+          <a:blip r:embed="rId4"/>
+          <a:stretch>
+            <a:fillRect/>
+          </a:stretch>
+        </p:blipFill>
+        <p:spPr>
+          <a:xfrm>
+            <a:off x="6324600" y="4724401"/>
+            <a:ext cx="2438400" cy="685800"/>
+          </a:xfrm>
+          <a:prstGeom prst="rect">
+            <a:avLst/>
+          </a:prstGeom>
+        </p:spPr>
+      </p:pic>
     </p:spTree>
   </p:cSld>
   <p:clrMapOvr>
@@ -7517,6 +7511,348 @@
 </file>
 
 <file path=ppt/slides/slide22.xml><?xml version="1.0" encoding="utf-8"?>
+<p:sld xmlns:a="http://schemas.openxmlformats.org/drawingml/2006/main" xmlns:r="http://schemas.openxmlformats.org/officeDocument/2006/relationships" xmlns:p="http://schemas.openxmlformats.org/presentationml/2006/main">
+  <p:cSld>
+    <p:spTree>
+      <p:nvGrpSpPr>
+        <p:cNvPr id="1" name=""/>
+        <p:cNvGrpSpPr/>
+        <p:nvPr/>
+      </p:nvGrpSpPr>
+      <p:grpSpPr>
+        <a:xfrm>
+          <a:off x="0" y="0"/>
+          <a:ext cx="0" cy="0"/>
+          <a:chOff x="0" y="0"/>
+          <a:chExt cx="0" cy="0"/>
+        </a:xfrm>
+      </p:grpSpPr>
+      <p:sp>
+        <p:nvSpPr>
+          <p:cNvPr id="2" name="TextBox 1"/>
+          <p:cNvSpPr txBox="1"/>
+          <p:nvPr/>
+        </p:nvSpPr>
+        <p:spPr>
+          <a:xfrm>
+            <a:off x="762000" y="228600"/>
+            <a:ext cx="7620000" cy="523220"/>
+          </a:xfrm>
+          <a:prstGeom prst="rect">
+            <a:avLst/>
+          </a:prstGeom>
+          <a:noFill/>
+        </p:spPr>
+        <p:txBody>
+          <a:bodyPr wrap="square" rtlCol="0">
+            <a:spAutoFit/>
+          </a:bodyPr>
+          <a:lstStyle/>
+          <a:p>
+            <a:pPr algn="ctr"/>
+            <a:r>
+              <a:rPr lang="en-US" sz="2800" b="1" dirty="0" smtClean="0"/>
+              <a:t>GAME CONTROLLER MODULE</a:t>
+            </a:r>
+            <a:endParaRPr lang="en-US" sz="2800" b="1" dirty="0"/>
+          </a:p>
+        </p:txBody>
+      </p:sp>
+      <p:sp>
+        <p:nvSpPr>
+          <p:cNvPr id="3" name="TextBox 2"/>
+          <p:cNvSpPr txBox="1"/>
+          <p:nvPr/>
+        </p:nvSpPr>
+        <p:spPr>
+          <a:xfrm>
+            <a:off x="304800" y="838200"/>
+            <a:ext cx="8534400" cy="4893647"/>
+          </a:xfrm>
+          <a:prstGeom prst="rect">
+            <a:avLst/>
+          </a:prstGeom>
+          <a:noFill/>
+        </p:spPr>
+        <p:txBody>
+          <a:bodyPr wrap="square" rtlCol="0">
+            <a:spAutoFit/>
+          </a:bodyPr>
+          <a:lstStyle/>
+          <a:p>
+            <a:pPr>
+              <a:buFont typeface="Arial" pitchFamily="34" charset="0"/>
+              <a:buChar char="•"/>
+            </a:pPr>
+            <a:r>
+              <a:rPr lang="en-US" sz="2400" dirty="0" smtClean="0"/>
+              <a:t> After the user get his id and assigns a name to him ,he will be redirected to a game page where he get to know the current live user .</a:t>
+            </a:r>
+          </a:p>
+          <a:p>
+            <a:pPr>
+              <a:buFont typeface="Arial" pitchFamily="34" charset="0"/>
+              <a:buChar char="•"/>
+            </a:pPr>
+            <a:endParaRPr lang="en-US" sz="2400" dirty="0" smtClean="0"/>
+          </a:p>
+          <a:p>
+            <a:pPr>
+              <a:buFont typeface="Arial" pitchFamily="34" charset="0"/>
+              <a:buChar char="•"/>
+            </a:pPr>
+            <a:r>
+              <a:rPr lang="en-US" sz="2400" dirty="0" smtClean="0"/>
+              <a:t> User can give Request to other  user by just clicking his name on live user bar</a:t>
+            </a:r>
+          </a:p>
+          <a:p>
+            <a:pPr>
+              <a:buFont typeface="Arial" pitchFamily="34" charset="0"/>
+              <a:buChar char="•"/>
+            </a:pPr>
+            <a:endParaRPr lang="en-US" sz="2400" dirty="0" smtClean="0"/>
+          </a:p>
+          <a:p>
+            <a:pPr>
+              <a:buFont typeface="Arial" pitchFamily="34" charset="0"/>
+              <a:buChar char="•"/>
+            </a:pPr>
+            <a:r>
+              <a:rPr lang="en-US" sz="2400" dirty="0" smtClean="0"/>
+              <a:t>Then the request is added to the request list of the recipient user.</a:t>
+            </a:r>
+          </a:p>
+          <a:p>
+            <a:pPr>
+              <a:buFont typeface="Arial" pitchFamily="34" charset="0"/>
+              <a:buChar char="•"/>
+            </a:pPr>
+            <a:endParaRPr lang="en-US" sz="2400" dirty="0" smtClean="0"/>
+          </a:p>
+          <a:p>
+            <a:pPr>
+              <a:buFont typeface="Arial" pitchFamily="34" charset="0"/>
+              <a:buChar char="•"/>
+            </a:pPr>
+            <a:r>
+              <a:rPr lang="en-US" sz="2400" dirty="0" smtClean="0"/>
+              <a:t> If the user on the other side click decline then  request disappears without taking any action else if he/she select accept button then the both users will get into the new game.</a:t>
+            </a:r>
+          </a:p>
+          <a:p>
+            <a:pPr>
+              <a:buFont typeface="Arial" pitchFamily="34" charset="0"/>
+              <a:buChar char="•"/>
+            </a:pPr>
+            <a:endParaRPr lang="en-US" sz="2400" dirty="0" smtClean="0"/>
+          </a:p>
+        </p:txBody>
+      </p:sp>
+    </p:spTree>
+  </p:cSld>
+  <p:clrMapOvr>
+    <a:masterClrMapping/>
+  </p:clrMapOvr>
+  <p:timing>
+    <p:tnLst>
+      <p:par>
+        <p:cTn id="1" dur="indefinite" restart="never" nodeType="tmRoot"/>
+      </p:par>
+    </p:tnLst>
+  </p:timing>
+</p:sld>
+</file>
+
+<file path=ppt/slides/slide23.xml><?xml version="1.0" encoding="utf-8"?>
+<p:sld xmlns:a="http://schemas.openxmlformats.org/drawingml/2006/main" xmlns:r="http://schemas.openxmlformats.org/officeDocument/2006/relationships" xmlns:p="http://schemas.openxmlformats.org/presentationml/2006/main">
+  <p:cSld>
+    <p:spTree>
+      <p:nvGrpSpPr>
+        <p:cNvPr id="1" name=""/>
+        <p:cNvGrpSpPr/>
+        <p:nvPr/>
+      </p:nvGrpSpPr>
+      <p:grpSpPr>
+        <a:xfrm>
+          <a:off x="0" y="0"/>
+          <a:ext cx="0" cy="0"/>
+          <a:chOff x="0" y="0"/>
+          <a:chExt cx="0" cy="0"/>
+        </a:xfrm>
+      </p:grpSpPr>
+      <p:sp>
+        <p:nvSpPr>
+          <p:cNvPr id="2" name="TextBox 1"/>
+          <p:cNvSpPr txBox="1"/>
+          <p:nvPr/>
+        </p:nvSpPr>
+        <p:spPr>
+          <a:xfrm>
+            <a:off x="609600" y="304800"/>
+            <a:ext cx="6934200" cy="523220"/>
+          </a:xfrm>
+          <a:prstGeom prst="rect">
+            <a:avLst/>
+          </a:prstGeom>
+          <a:noFill/>
+        </p:spPr>
+        <p:txBody>
+          <a:bodyPr wrap="square" rtlCol="0">
+            <a:spAutoFit/>
+          </a:bodyPr>
+          <a:lstStyle/>
+          <a:p>
+            <a:pPr algn="ctr"/>
+            <a:r>
+              <a:rPr lang="en-US" sz="2800" b="1" dirty="0" smtClean="0"/>
+              <a:t>GAME CONTROLLER MODULE (</a:t>
+            </a:r>
+            <a:r>
+              <a:rPr lang="en-US" sz="2800" b="1" dirty="0" err="1" smtClean="0"/>
+              <a:t>Contd</a:t>
+            </a:r>
+            <a:r>
+              <a:rPr lang="en-US" sz="2800" b="1" dirty="0" smtClean="0"/>
+              <a:t>)</a:t>
+            </a:r>
+            <a:endParaRPr lang="en-US" sz="2800" b="1" dirty="0"/>
+          </a:p>
+        </p:txBody>
+      </p:sp>
+      <p:sp>
+        <p:nvSpPr>
+          <p:cNvPr id="3" name="TextBox 2"/>
+          <p:cNvSpPr txBox="1"/>
+          <p:nvPr/>
+        </p:nvSpPr>
+        <p:spPr>
+          <a:xfrm>
+            <a:off x="609600" y="1066800"/>
+            <a:ext cx="7543800" cy="4893647"/>
+          </a:xfrm>
+          <a:prstGeom prst="rect">
+            <a:avLst/>
+          </a:prstGeom>
+          <a:noFill/>
+        </p:spPr>
+        <p:txBody>
+          <a:bodyPr wrap="square" rtlCol="0">
+            <a:spAutoFit/>
+          </a:bodyPr>
+          <a:lstStyle/>
+          <a:p>
+            <a:pPr>
+              <a:buFont typeface="Arial" pitchFamily="34" charset="0"/>
+              <a:buChar char="•"/>
+            </a:pPr>
+            <a:r>
+              <a:rPr lang="en-US" dirty="0" smtClean="0"/>
+              <a:t> </a:t>
+            </a:r>
+            <a:r>
+              <a:rPr lang="en-US" sz="2400" dirty="0" smtClean="0"/>
+              <a:t>A single user can give request to n number of live user but once he get into play another user he/she cannot abort the game.</a:t>
+            </a:r>
+          </a:p>
+          <a:p>
+            <a:pPr>
+              <a:buFont typeface="Arial" pitchFamily="34" charset="0"/>
+              <a:buChar char="•"/>
+            </a:pPr>
+            <a:endParaRPr lang="en-US" sz="2400" dirty="0" smtClean="0"/>
+          </a:p>
+          <a:p>
+            <a:pPr>
+              <a:buFont typeface="Arial" pitchFamily="34" charset="0"/>
+              <a:buChar char="•"/>
+            </a:pPr>
+            <a:r>
+              <a:rPr lang="en-US" sz="2400" dirty="0" smtClean="0"/>
+              <a:t> If the user  wants to play with computer he can click  “PLAY WITH COMPUTER”  button .</a:t>
+            </a:r>
+          </a:p>
+          <a:p>
+            <a:pPr>
+              <a:buFont typeface="Arial" pitchFamily="34" charset="0"/>
+              <a:buChar char="•"/>
+            </a:pPr>
+            <a:endParaRPr lang="en-US" sz="2400" dirty="0" smtClean="0"/>
+          </a:p>
+          <a:p>
+            <a:pPr>
+              <a:buFont typeface="Arial" pitchFamily="34" charset="0"/>
+              <a:buChar char="•"/>
+            </a:pPr>
+            <a:r>
+              <a:rPr lang="en-US" sz="2400" dirty="0" smtClean="0"/>
+              <a:t>Once a user accepts the request the following operation takes place :</a:t>
+            </a:r>
+          </a:p>
+          <a:p>
+            <a:pPr marL="914400" lvl="1" indent="-457200">
+              <a:buFont typeface="+mj-lt"/>
+              <a:buAutoNum type="arabicPeriod"/>
+            </a:pPr>
+            <a:r>
+              <a:rPr lang="en-US" sz="2400" dirty="0" smtClean="0"/>
+              <a:t>A new game board is created</a:t>
+            </a:r>
+          </a:p>
+          <a:p>
+            <a:pPr marL="914400" lvl="1" indent="-457200">
+              <a:buFont typeface="+mj-lt"/>
+              <a:buAutoNum type="arabicPeriod"/>
+            </a:pPr>
+            <a:r>
+              <a:rPr lang="en-US" sz="2400" dirty="0" smtClean="0"/>
+              <a:t>Both user’s id is registered to particular </a:t>
+            </a:r>
+            <a:r>
+              <a:rPr lang="en-US" sz="2400" dirty="0" err="1" smtClean="0"/>
+              <a:t>gameboard</a:t>
+            </a:r>
+            <a:endParaRPr lang="en-US" sz="2400" dirty="0" smtClean="0"/>
+          </a:p>
+          <a:p>
+            <a:pPr marL="914400" lvl="1" indent="-457200">
+              <a:buFont typeface="+mj-lt"/>
+              <a:buAutoNum type="arabicPeriod"/>
+            </a:pPr>
+            <a:r>
+              <a:rPr lang="en-US" sz="2400" dirty="0" smtClean="0"/>
+              <a:t>Status of the both the user are set as ‘busy’</a:t>
+            </a:r>
+          </a:p>
+          <a:p>
+            <a:pPr marL="914400" lvl="1" indent="-457200">
+              <a:buFont typeface="+mj-lt"/>
+              <a:buAutoNum type="arabicPeriod"/>
+            </a:pPr>
+            <a:r>
+              <a:rPr lang="en-US" sz="2400" dirty="0" smtClean="0"/>
+              <a:t>Game start flag is set.</a:t>
+            </a:r>
+            <a:endParaRPr lang="en-US" sz="2400" dirty="0"/>
+          </a:p>
+        </p:txBody>
+      </p:sp>
+    </p:spTree>
+  </p:cSld>
+  <p:clrMapOvr>
+    <a:masterClrMapping/>
+  </p:clrMapOvr>
+  <p:timing>
+    <p:tnLst>
+      <p:par>
+        <p:cTn id="1" dur="indefinite" restart="never" nodeType="tmRoot"/>
+      </p:par>
+    </p:tnLst>
+  </p:timing>
+</p:sld>
+</file>
+
+<file path=ppt/slides/slide24.xml><?xml version="1.0" encoding="utf-8"?>
 <p:sld xmlns:a="http://schemas.openxmlformats.org/drawingml/2006/main" xmlns:r="http://schemas.openxmlformats.org/officeDocument/2006/relationships" xmlns:p="http://schemas.openxmlformats.org/presentationml/2006/main">
   <p:cSld>
     <p:spTree>
@@ -8010,314 +8346,6 @@
 </p:sld>
 </file>
 
-<file path=ppt/slides/slide23.xml><?xml version="1.0" encoding="utf-8"?>
-<p:sld xmlns:a="http://schemas.openxmlformats.org/drawingml/2006/main" xmlns:r="http://schemas.openxmlformats.org/officeDocument/2006/relationships" xmlns:p="http://schemas.openxmlformats.org/presentationml/2006/main">
-  <p:cSld>
-    <p:spTree>
-      <p:nvGrpSpPr>
-        <p:cNvPr id="1" name=""/>
-        <p:cNvGrpSpPr/>
-        <p:nvPr/>
-      </p:nvGrpSpPr>
-      <p:grpSpPr>
-        <a:xfrm>
-          <a:off x="0" y="0"/>
-          <a:ext cx="0" cy="0"/>
-          <a:chOff x="0" y="0"/>
-          <a:chExt cx="0" cy="0"/>
-        </a:xfrm>
-      </p:grpSpPr>
-      <p:sp>
-        <p:nvSpPr>
-          <p:cNvPr id="3" name="TextBox 2"/>
-          <p:cNvSpPr txBox="1"/>
-          <p:nvPr/>
-        </p:nvSpPr>
-        <p:spPr>
-          <a:xfrm>
-            <a:off x="838200" y="228600"/>
-            <a:ext cx="7315200" cy="523220"/>
-          </a:xfrm>
-          <a:prstGeom prst="rect">
-            <a:avLst/>
-          </a:prstGeom>
-          <a:noFill/>
-        </p:spPr>
-        <p:txBody>
-          <a:bodyPr wrap="square" rtlCol="0">
-            <a:spAutoFit/>
-          </a:bodyPr>
-          <a:lstStyle/>
-          <a:p>
-            <a:pPr algn="ctr"/>
-            <a:r>
-              <a:rPr lang="en-US" sz="2800" b="1" dirty="0" smtClean="0"/>
-              <a:t>USER SNAKE CONTROLLER MODULE</a:t>
-            </a:r>
-            <a:endParaRPr lang="en-US" sz="2800" b="1" dirty="0"/>
-          </a:p>
-        </p:txBody>
-      </p:sp>
-      <p:sp>
-        <p:nvSpPr>
-          <p:cNvPr id="4" name="TextBox 3"/>
-          <p:cNvSpPr txBox="1"/>
-          <p:nvPr/>
-        </p:nvSpPr>
-        <p:spPr>
-          <a:xfrm>
-            <a:off x="457200" y="1143000"/>
-            <a:ext cx="8153400" cy="4154984"/>
-          </a:xfrm>
-          <a:prstGeom prst="rect">
-            <a:avLst/>
-          </a:prstGeom>
-          <a:noFill/>
-        </p:spPr>
-        <p:txBody>
-          <a:bodyPr wrap="square" rtlCol="0">
-            <a:spAutoFit/>
-          </a:bodyPr>
-          <a:lstStyle/>
-          <a:p>
-            <a:pPr>
-              <a:buFont typeface="Arial" pitchFamily="34" charset="0"/>
-              <a:buChar char="•"/>
-            </a:pPr>
-            <a:r>
-              <a:rPr lang="en-US" sz="2400" dirty="0" smtClean="0"/>
-              <a:t> Unlike the previous implementation of the game in which entire game data is maintained in the server ,in this model the snake movements are localized.</a:t>
-            </a:r>
-          </a:p>
-          <a:p>
-            <a:pPr>
-              <a:buFont typeface="Arial" pitchFamily="34" charset="0"/>
-              <a:buChar char="•"/>
-            </a:pPr>
-            <a:endParaRPr lang="en-US" sz="2400" dirty="0" smtClean="0"/>
-          </a:p>
-          <a:p>
-            <a:pPr>
-              <a:buFont typeface="Arial" pitchFamily="34" charset="0"/>
-              <a:buChar char="•"/>
-            </a:pPr>
-            <a:r>
-              <a:rPr lang="en-US" sz="2400" dirty="0" smtClean="0"/>
-              <a:t> In this game the user has four movement controls  left ( ← ) ,right ( → ) ,top ( ↑ ) and down ( ↓ ).</a:t>
-            </a:r>
-          </a:p>
-          <a:p>
-            <a:pPr>
-              <a:buFont typeface="Arial" pitchFamily="34" charset="0"/>
-              <a:buChar char="•"/>
-            </a:pPr>
-            <a:endParaRPr lang="en-US" sz="2400" dirty="0" smtClean="0"/>
-          </a:p>
-          <a:p>
-            <a:pPr>
-              <a:buFont typeface="Arial" pitchFamily="34" charset="0"/>
-              <a:buChar char="•"/>
-            </a:pPr>
-            <a:r>
-              <a:rPr lang="en-US" sz="2400" dirty="0" smtClean="0"/>
-              <a:t> On pressing any of these button a key code is sent to a function with in turn  checks the </a:t>
-            </a:r>
-            <a:r>
-              <a:rPr lang="en-US" sz="2400" b="1" dirty="0" smtClean="0"/>
-              <a:t>user’s id  </a:t>
-            </a:r>
-            <a:r>
-              <a:rPr lang="en-US" sz="2400" dirty="0" smtClean="0"/>
-              <a:t>and report the server about local changes of the snake .</a:t>
-            </a:r>
-          </a:p>
-          <a:p>
-            <a:pPr>
-              <a:buFont typeface="Arial" pitchFamily="34" charset="0"/>
-              <a:buChar char="•"/>
-            </a:pPr>
-            <a:endParaRPr lang="en-US" sz="2400" b="1" dirty="0" smtClean="0"/>
-          </a:p>
-        </p:txBody>
-      </p:sp>
-    </p:spTree>
-  </p:cSld>
-  <p:clrMapOvr>
-    <a:masterClrMapping/>
-  </p:clrMapOvr>
-  <p:timing>
-    <p:tnLst>
-      <p:par>
-        <p:cTn id="1" dur="indefinite" restart="never" nodeType="tmRoot"/>
-      </p:par>
-    </p:tnLst>
-  </p:timing>
-</p:sld>
-</file>
-
-<file path=ppt/slides/slide24.xml><?xml version="1.0" encoding="utf-8"?>
-<p:sld xmlns:a="http://schemas.openxmlformats.org/drawingml/2006/main" xmlns:r="http://schemas.openxmlformats.org/officeDocument/2006/relationships" xmlns:p="http://schemas.openxmlformats.org/presentationml/2006/main">
-  <p:cSld>
-    <p:spTree>
-      <p:nvGrpSpPr>
-        <p:cNvPr id="1" name=""/>
-        <p:cNvGrpSpPr/>
-        <p:nvPr/>
-      </p:nvGrpSpPr>
-      <p:grpSpPr>
-        <a:xfrm>
-          <a:off x="0" y="0"/>
-          <a:ext cx="0" cy="0"/>
-          <a:chOff x="0" y="0"/>
-          <a:chExt cx="0" cy="0"/>
-        </a:xfrm>
-      </p:grpSpPr>
-      <p:sp>
-        <p:nvSpPr>
-          <p:cNvPr id="2" name="TextBox 1"/>
-          <p:cNvSpPr txBox="1"/>
-          <p:nvPr/>
-        </p:nvSpPr>
-        <p:spPr>
-          <a:xfrm>
-            <a:off x="685800" y="228600"/>
-            <a:ext cx="7620000" cy="523220"/>
-          </a:xfrm>
-          <a:prstGeom prst="rect">
-            <a:avLst/>
-          </a:prstGeom>
-          <a:noFill/>
-        </p:spPr>
-        <p:txBody>
-          <a:bodyPr wrap="square" rtlCol="0">
-            <a:spAutoFit/>
-          </a:bodyPr>
-          <a:lstStyle/>
-          <a:p>
-            <a:pPr algn="ctr"/>
-            <a:r>
-              <a:rPr lang="en-US" sz="2800" b="1" dirty="0" smtClean="0"/>
-              <a:t>USER SNAKE CONTROLLER MODULE</a:t>
-            </a:r>
-            <a:endParaRPr lang="en-US" sz="2800" b="1" dirty="0"/>
-          </a:p>
-        </p:txBody>
-      </p:sp>
-      <p:sp>
-        <p:nvSpPr>
-          <p:cNvPr id="3" name="TextBox 2"/>
-          <p:cNvSpPr txBox="1"/>
-          <p:nvPr/>
-        </p:nvSpPr>
-        <p:spPr>
-          <a:xfrm>
-            <a:off x="533400" y="1143000"/>
-            <a:ext cx="7924800" cy="4801314"/>
-          </a:xfrm>
-          <a:prstGeom prst="rect">
-            <a:avLst/>
-          </a:prstGeom>
-          <a:noFill/>
-        </p:spPr>
-        <p:txBody>
-          <a:bodyPr wrap="square" rtlCol="0">
-            <a:spAutoFit/>
-          </a:bodyPr>
-          <a:lstStyle/>
-          <a:p>
-            <a:pPr>
-              <a:buFont typeface="Arial" pitchFamily="34" charset="0"/>
-              <a:buChar char="•"/>
-            </a:pPr>
-            <a:r>
-              <a:rPr lang="en-US" sz="2400" dirty="0" smtClean="0"/>
-              <a:t> The  receives the report and push it to its listeners and listeners gets the announcement from the server and makes the changes to the local game board.</a:t>
-            </a:r>
-          </a:p>
-          <a:p>
-            <a:pPr>
-              <a:buFont typeface="Arial" pitchFamily="34" charset="0"/>
-              <a:buChar char="•"/>
-            </a:pPr>
-            <a:endParaRPr lang="en-US" sz="2400" dirty="0" smtClean="0"/>
-          </a:p>
-          <a:p>
-            <a:pPr>
-              <a:buFont typeface="Arial" pitchFamily="34" charset="0"/>
-              <a:buChar char="•"/>
-            </a:pPr>
-            <a:r>
-              <a:rPr lang="en-US" sz="2400" dirty="0" smtClean="0"/>
-              <a:t> The following changes of the local game board is reported to the server </a:t>
-            </a:r>
-          </a:p>
-          <a:p>
-            <a:pPr lvl="1">
-              <a:buFont typeface="Arial" pitchFamily="34" charset="0"/>
-              <a:buChar char="•"/>
-            </a:pPr>
-            <a:endParaRPr lang="en-US" sz="2400" dirty="0" smtClean="0"/>
-          </a:p>
-          <a:p>
-            <a:pPr marL="1257300" lvl="2" indent="-342900">
-              <a:buFont typeface="+mj-lt"/>
-              <a:buAutoNum type="arabicPeriod"/>
-            </a:pPr>
-            <a:r>
-              <a:rPr lang="en-US" sz="2400" dirty="0" smtClean="0"/>
-              <a:t>Snake’s position changes</a:t>
-            </a:r>
-          </a:p>
-          <a:p>
-            <a:pPr marL="1257300" lvl="2" indent="-342900">
-              <a:buFont typeface="+mj-lt"/>
-              <a:buAutoNum type="arabicPeriod"/>
-            </a:pPr>
-            <a:r>
-              <a:rPr lang="en-US" sz="2400" dirty="0" smtClean="0"/>
-              <a:t>Addition of body part to a snake.</a:t>
-            </a:r>
-          </a:p>
-          <a:p>
-            <a:pPr marL="1257300" lvl="2" indent="-342900">
-              <a:buFont typeface="+mj-lt"/>
-              <a:buAutoNum type="arabicPeriod"/>
-            </a:pPr>
-            <a:r>
-              <a:rPr lang="en-US" sz="2400" dirty="0" smtClean="0"/>
-              <a:t>Removal of body part to a snake.</a:t>
-            </a:r>
-          </a:p>
-          <a:p>
-            <a:pPr marL="1257300" lvl="2" indent="-342900">
-              <a:buFont typeface="+mj-lt"/>
-              <a:buAutoNum type="arabicPeriod"/>
-            </a:pPr>
-            <a:r>
-              <a:rPr lang="en-US" sz="2400" dirty="0" smtClean="0"/>
-              <a:t>When body part count of any snake gets below THREE( 3 ).</a:t>
-            </a:r>
-          </a:p>
-          <a:p>
-            <a:endParaRPr lang="en-US" dirty="0"/>
-          </a:p>
-        </p:txBody>
-      </p:sp>
-    </p:spTree>
-  </p:cSld>
-  <p:clrMapOvr>
-    <a:masterClrMapping/>
-  </p:clrMapOvr>
-  <p:timing>
-    <p:tnLst>
-      <p:par>
-        <p:cTn id="1" dur="indefinite" restart="never" nodeType="tmRoot"/>
-      </p:par>
-    </p:tnLst>
-  </p:timing>
-</p:sld>
-</file>
-
 <file path=ppt/slides/slide25.xml><?xml version="1.0" encoding="utf-8"?>
 <p:sld xmlns:a="http://schemas.openxmlformats.org/drawingml/2006/main" xmlns:r="http://schemas.openxmlformats.org/officeDocument/2006/relationships" xmlns:p="http://schemas.openxmlformats.org/presentationml/2006/main">
   <p:cSld>
@@ -8337,14 +8365,14 @@
       </p:grpSpPr>
       <p:sp>
         <p:nvSpPr>
-          <p:cNvPr id="2" name="TextBox 1"/>
+          <p:cNvPr id="3" name="TextBox 2"/>
           <p:cNvSpPr txBox="1"/>
           <p:nvPr/>
         </p:nvSpPr>
         <p:spPr>
           <a:xfrm>
-            <a:off x="609600" y="304800"/>
-            <a:ext cx="7696200" cy="523220"/>
+            <a:off x="838200" y="228600"/>
+            <a:ext cx="7315200" cy="523220"/>
           </a:xfrm>
           <a:prstGeom prst="rect">
             <a:avLst/>
@@ -8360,7 +8388,7 @@
             <a:pPr algn="ctr"/>
             <a:r>
               <a:rPr lang="en-US" sz="2800" b="1" dirty="0" smtClean="0"/>
-              <a:t>GAME SYNCHRONIZATION MODULE</a:t>
+              <a:t>USER SNAKE CONTROLLER MODULE</a:t>
             </a:r>
             <a:endParaRPr lang="en-US" sz="2800" b="1" dirty="0"/>
           </a:p>
@@ -8368,14 +8396,14 @@
       </p:sp>
       <p:sp>
         <p:nvSpPr>
-          <p:cNvPr id="3" name="TextBox 2"/>
+          <p:cNvPr id="4" name="TextBox 3"/>
           <p:cNvSpPr txBox="1"/>
           <p:nvPr/>
         </p:nvSpPr>
         <p:spPr>
           <a:xfrm>
-            <a:off x="533400" y="1143000"/>
-            <a:ext cx="8001000" cy="5262979"/>
+            <a:off x="457200" y="1143000"/>
+            <a:ext cx="8153400" cy="4154984"/>
           </a:xfrm>
           <a:prstGeom prst="rect">
             <a:avLst/>
@@ -8394,7 +8422,7 @@
             </a:pPr>
             <a:r>
               <a:rPr lang="en-US" sz="2400" dirty="0" smtClean="0"/>
-              <a:t> The game synchronization is purely for synchronizing the user’s local game board on a particular event.</a:t>
+              <a:t> Unlike the previous implementation of the game in which entire game data is maintained in the server ,in this model the snake movements are localized.</a:t>
             </a:r>
           </a:p>
           <a:p>
@@ -8411,7 +8439,7 @@
             </a:pPr>
             <a:r>
               <a:rPr lang="en-US" sz="2400" dirty="0" smtClean="0"/>
-              <a:t> What if the entire game is maintain in server side instead of  giving it to a client    agent like browsers ?</a:t>
+              <a:t> In this game the user has four movement controls  left ( ← ) ,right ( → ) ,top ( ↑ ) and down ( ↓ ).</a:t>
             </a:r>
           </a:p>
           <a:p>
@@ -8428,7 +8456,15 @@
             </a:pPr>
             <a:r>
               <a:rPr lang="en-US" sz="2400" dirty="0" smtClean="0"/>
-              <a:t> Though when a game board on server side gives a perfect synchronization localization of game board is done.</a:t>
+              <a:t> On pressing any of these button a key code is sent to a function with in turn  checks the </a:t>
+            </a:r>
+            <a:r>
+              <a:rPr lang="en-US" sz="2400" b="1" dirty="0" smtClean="0"/>
+              <a:t>user’s id  </a:t>
+            </a:r>
+            <a:r>
+              <a:rPr lang="en-US" sz="2400" dirty="0" smtClean="0"/>
+              <a:t>and report the server about local changes of the snake .</a:t>
             </a:r>
           </a:p>
           <a:p>
@@ -8436,17 +8472,7 @@
               <a:buFont typeface="Arial" pitchFamily="34" charset="0"/>
               <a:buChar char="•"/>
             </a:pPr>
-            <a:endParaRPr lang="en-US" sz="2400" dirty="0" smtClean="0"/>
-          </a:p>
-          <a:p>
-            <a:pPr>
-              <a:buFont typeface="Arial" pitchFamily="34" charset="0"/>
-              <a:buChar char="•"/>
-            </a:pPr>
-            <a:r>
-              <a:rPr lang="en-US" sz="2400" dirty="0" smtClean="0"/>
-              <a:t> The reason is operational overhead  ,this is due snake’s movement in the game board is time consuming  ,if we make such a time consuming process run on the  server side then facilitating multiple game simultaneously will become a tedious task. </a:t>
-            </a:r>
+            <a:endParaRPr lang="en-US" sz="2400" b="1" dirty="0" smtClean="0"/>
           </a:p>
         </p:txBody>
       </p:sp>
@@ -8484,14 +8510,14 @@
       </p:grpSpPr>
       <p:sp>
         <p:nvSpPr>
-          <p:cNvPr id="3" name="TextBox 2"/>
+          <p:cNvPr id="2" name="TextBox 1"/>
           <p:cNvSpPr txBox="1"/>
           <p:nvPr/>
         </p:nvSpPr>
         <p:spPr>
           <a:xfrm>
-            <a:off x="609600" y="304800"/>
-            <a:ext cx="8229600" cy="523220"/>
+            <a:off x="685800" y="228600"/>
+            <a:ext cx="7620000" cy="523220"/>
           </a:xfrm>
           <a:prstGeom prst="rect">
             <a:avLst/>
@@ -8507,29 +8533,22 @@
             <a:pPr algn="ctr"/>
             <a:r>
               <a:rPr lang="en-US" sz="2800" b="1" dirty="0" smtClean="0"/>
-              <a:t>GAME SYNCHRONIZATION MODULE (</a:t>
-            </a:r>
-            <a:r>
-              <a:rPr lang="en-US" sz="2800" b="1" dirty="0" err="1" smtClean="0"/>
-              <a:t>Contd</a:t>
-            </a:r>
-            <a:r>
-              <a:rPr lang="en-US" sz="2800" b="1" dirty="0" smtClean="0"/>
-              <a:t>)</a:t>
-            </a:r>
-          </a:p>
-        </p:txBody>
-      </p:sp>
-      <p:sp>
-        <p:nvSpPr>
-          <p:cNvPr id="4" name="TextBox 3"/>
+              <a:t>USER SNAKE CONTROLLER MODULE</a:t>
+            </a:r>
+            <a:endParaRPr lang="en-US" sz="2800" b="1" dirty="0"/>
+          </a:p>
+        </p:txBody>
+      </p:sp>
+      <p:sp>
+        <p:nvSpPr>
+          <p:cNvPr id="3" name="TextBox 2"/>
           <p:cNvSpPr txBox="1"/>
           <p:nvPr/>
         </p:nvSpPr>
         <p:spPr>
           <a:xfrm>
-            <a:off x="304800" y="990600"/>
-            <a:ext cx="8534400" cy="5816977"/>
+            <a:off x="533400" y="1143000"/>
+            <a:ext cx="7924800" cy="4801314"/>
           </a:xfrm>
           <a:prstGeom prst="rect">
             <a:avLst/>
@@ -8547,12 +8566,8 @@
               <a:buChar char="•"/>
             </a:pPr>
             <a:r>
-              <a:rPr lang="en-US" dirty="0" smtClean="0"/>
-              <a:t> In this project the basic level of synchronization involves  an important task to be done ,that is </a:t>
-            </a:r>
-            <a:r>
-              <a:rPr lang="en-US" b="1" dirty="0" smtClean="0"/>
-              <a:t>start time calibration .</a:t>
+              <a:rPr lang="en-US" sz="2400" dirty="0" smtClean="0"/>
+              <a:t> The  receives the report and push it to its listeners and listeners gets the announcement from the server and makes the changes to the local game board.</a:t>
             </a:r>
           </a:p>
           <a:p>
@@ -8560,7 +8575,7 @@
               <a:buFont typeface="Arial" pitchFamily="34" charset="0"/>
               <a:buChar char="•"/>
             </a:pPr>
-            <a:endParaRPr lang="en-US" sz="2000" b="1" dirty="0" smtClean="0"/>
+            <a:endParaRPr lang="en-US" sz="2400" dirty="0" smtClean="0"/>
           </a:p>
           <a:p>
             <a:pPr>
@@ -8568,8 +8583,8 @@
               <a:buChar char="•"/>
             </a:pPr>
             <a:r>
-              <a:rPr lang="en-US" sz="2400" b="1" dirty="0" smtClean="0"/>
-              <a:t> START TIME CALIBRATION</a:t>
+              <a:rPr lang="en-US" sz="2400" dirty="0" smtClean="0"/>
+              <a:t> The following changes of the local game board is reported to the server </a:t>
             </a:r>
           </a:p>
           <a:p>
@@ -8577,94 +8592,50 @@
               <a:buFont typeface="Arial" pitchFamily="34" charset="0"/>
               <a:buChar char="•"/>
             </a:pPr>
-            <a:r>
-              <a:rPr lang="en-US" sz="2400" b="1" dirty="0" smtClean="0"/>
-              <a:t> </a:t>
-            </a:r>
+            <a:endParaRPr lang="en-US" sz="2400" dirty="0" smtClean="0"/>
+          </a:p>
+          <a:p>
+            <a:pPr marL="1257300" lvl="2" indent="-342900">
+              <a:buFont typeface="+mj-lt"/>
+              <a:buAutoNum type="arabicPeriod"/>
+            </a:pPr>
             <a:r>
               <a:rPr lang="en-US" sz="2400" dirty="0" smtClean="0"/>
-              <a:t>The start time calibration process depends on the Timestamp of the listeners and the retry header of the event generated by the server.</a:t>
-            </a:r>
-          </a:p>
-          <a:p>
-            <a:pPr lvl="1">
-              <a:buFont typeface="Arial" pitchFamily="34" charset="0"/>
-              <a:buChar char="•"/>
-            </a:pPr>
-            <a:endParaRPr lang="en-US" sz="2400" b="1" dirty="0" smtClean="0"/>
-          </a:p>
-          <a:p>
-            <a:pPr lvl="1">
-              <a:buFont typeface="Arial" pitchFamily="34" charset="0"/>
-              <a:buChar char="•"/>
+              <a:t>Snake’s position changes</a:t>
+            </a:r>
+          </a:p>
+          <a:p>
+            <a:pPr marL="1257300" lvl="2" indent="-342900">
+              <a:buFont typeface="+mj-lt"/>
+              <a:buAutoNum type="arabicPeriod"/>
             </a:pPr>
             <a:r>
               <a:rPr lang="en-US" sz="2400" dirty="0" smtClean="0"/>
-              <a:t> When one client starts listening  to the server too earlier then the other have to be calibrated the correct timestamp.</a:t>
-            </a:r>
-          </a:p>
-          <a:p>
-            <a:pPr lvl="1">
-              <a:buFont typeface="Arial" pitchFamily="34" charset="0"/>
-              <a:buChar char="•"/>
-            </a:pPr>
-            <a:endParaRPr lang="en-US" sz="2400" dirty="0" smtClean="0"/>
-          </a:p>
-          <a:p>
-            <a:pPr lvl="1">
-              <a:buFont typeface="Arial" pitchFamily="34" charset="0"/>
-              <a:buChar char="•"/>
+              <a:t>Addition of body part to a snake.</a:t>
+            </a:r>
+          </a:p>
+          <a:p>
+            <a:pPr marL="1257300" lvl="2" indent="-342900">
+              <a:buFont typeface="+mj-lt"/>
+              <a:buAutoNum type="arabicPeriod"/>
             </a:pPr>
             <a:r>
               <a:rPr lang="en-US" sz="2400" dirty="0" smtClean="0"/>
-              <a:t> For example if the u1 start listening at 50</a:t>
-            </a:r>
-            <a:r>
-              <a:rPr lang="en-US" sz="2400" baseline="30000" dirty="0" smtClean="0"/>
-              <a:t>th </a:t>
-            </a:r>
+              <a:t>Removal of body part to a snake.</a:t>
+            </a:r>
+          </a:p>
+          <a:p>
+            <a:pPr marL="1257300" lvl="2" indent="-342900">
+              <a:buFont typeface="+mj-lt"/>
+              <a:buAutoNum type="arabicPeriod"/>
+            </a:pPr>
             <a:r>
               <a:rPr lang="en-US" sz="2400" dirty="0" smtClean="0"/>
-              <a:t> ms and u2 starts listening from 80</a:t>
-            </a:r>
-            <a:r>
-              <a:rPr lang="en-US" sz="2400" baseline="30000" dirty="0" smtClean="0"/>
-              <a:t>th </a:t>
-            </a:r>
-            <a:r>
-              <a:rPr lang="en-US" sz="2400" dirty="0" smtClean="0"/>
-              <a:t> ms then (80-50)=30 ,so the retry time for u1 is 110 ms whereas for u2 it is (110-30) = 80ms.</a:t>
-            </a:r>
-          </a:p>
-          <a:p>
-            <a:pPr lvl="1">
-              <a:buFont typeface="Arial" pitchFamily="34" charset="0"/>
-              <a:buChar char="•"/>
-            </a:pPr>
-            <a:endParaRPr lang="en-US" sz="2400" dirty="0" smtClean="0"/>
-          </a:p>
-          <a:p>
-            <a:pPr lvl="1">
-              <a:buFont typeface="Arial" pitchFamily="34" charset="0"/>
-              <a:buChar char="•"/>
-            </a:pPr>
-            <a:r>
-              <a:rPr lang="en-US" sz="2400" dirty="0" smtClean="0"/>
-              <a:t> Thus next both will listen at 160</a:t>
-            </a:r>
-            <a:r>
-              <a:rPr lang="en-US" sz="2400" baseline="30000" dirty="0" smtClean="0"/>
-              <a:t>th </a:t>
-            </a:r>
-            <a:r>
-              <a:rPr lang="en-US" sz="2400" dirty="0" smtClean="0"/>
-              <a:t> </a:t>
-            </a:r>
-            <a:r>
-              <a:rPr lang="en-US" sz="2400" dirty="0" err="1" smtClean="0"/>
-              <a:t>ms.</a:t>
-            </a:r>
-            <a:endParaRPr lang="en-US" sz="2400" dirty="0"/>
+              <a:t>When body part count of any snake gets below THREE( 3 ).</a:t>
+            </a:r>
+          </a:p>
+          <a:p>
+            <a:endParaRPr lang="en-US" dirty="0"/>
           </a:p>
         </p:txBody>
       </p:sp>
@@ -8708,8 +8679,8 @@
         </p:nvSpPr>
         <p:spPr>
           <a:xfrm>
-            <a:off x="762000" y="304800"/>
-            <a:ext cx="7924800" cy="523220"/>
+            <a:off x="609600" y="304800"/>
+            <a:ext cx="7696200" cy="523220"/>
           </a:xfrm>
           <a:prstGeom prst="rect">
             <a:avLst/>
@@ -8725,44 +8696,96 @@
             <a:pPr algn="ctr"/>
             <a:r>
               <a:rPr lang="en-US" sz="2800" b="1" dirty="0" smtClean="0"/>
-              <a:t>GAME SYNCHRONIZATION MODULE (</a:t>
-            </a:r>
-            <a:r>
-              <a:rPr lang="en-US" sz="2800" b="1" dirty="0" err="1" smtClean="0"/>
-              <a:t>Contd</a:t>
-            </a:r>
-            <a:r>
-              <a:rPr lang="en-US" sz="2800" b="1" dirty="0" smtClean="0"/>
-              <a:t>)</a:t>
-            </a:r>
-          </a:p>
-        </p:txBody>
-      </p:sp>
-      <p:pic>
-        <p:nvPicPr>
-          <p:cNvPr id="3" name="Picture 2" descr="timestamp calibration.jpg"/>
-          <p:cNvPicPr>
-            <a:picLocks noChangeAspect="1"/>
-          </p:cNvPicPr>
+              <a:t>GAME SYNCHRONIZATION MODULE</a:t>
+            </a:r>
+            <a:endParaRPr lang="en-US" sz="2800" b="1" dirty="0"/>
+          </a:p>
+        </p:txBody>
+      </p:sp>
+      <p:sp>
+        <p:nvSpPr>
+          <p:cNvPr id="3" name="TextBox 2"/>
+          <p:cNvSpPr txBox="1"/>
           <p:nvPr/>
-        </p:nvPicPr>
-        <p:blipFill>
-          <a:blip r:embed="rId2"/>
-          <a:srcRect l="4719" t="10256" r="3263"/>
-          <a:stretch>
-            <a:fillRect/>
-          </a:stretch>
-        </p:blipFill>
-        <p:spPr>
-          <a:xfrm>
-            <a:off x="1524000" y="838200"/>
-            <a:ext cx="6324600" cy="5867400"/>
+        </p:nvSpPr>
+        <p:spPr>
+          <a:xfrm>
+            <a:off x="533400" y="1143000"/>
+            <a:ext cx="8001000" cy="5262979"/>
           </a:xfrm>
           <a:prstGeom prst="rect">
             <a:avLst/>
           </a:prstGeom>
-        </p:spPr>
-      </p:pic>
+          <a:noFill/>
+        </p:spPr>
+        <p:txBody>
+          <a:bodyPr wrap="square" rtlCol="0">
+            <a:spAutoFit/>
+          </a:bodyPr>
+          <a:lstStyle/>
+          <a:p>
+            <a:pPr>
+              <a:buFont typeface="Arial" pitchFamily="34" charset="0"/>
+              <a:buChar char="•"/>
+            </a:pPr>
+            <a:r>
+              <a:rPr lang="en-US" sz="2400" dirty="0" smtClean="0"/>
+              <a:t> The game synchronization is purely for synchronizing the user’s local game board on a particular event.</a:t>
+            </a:r>
+          </a:p>
+          <a:p>
+            <a:pPr>
+              <a:buFont typeface="Arial" pitchFamily="34" charset="0"/>
+              <a:buChar char="•"/>
+            </a:pPr>
+            <a:endParaRPr lang="en-US" sz="2400" dirty="0" smtClean="0"/>
+          </a:p>
+          <a:p>
+            <a:pPr>
+              <a:buFont typeface="Arial" pitchFamily="34" charset="0"/>
+              <a:buChar char="•"/>
+            </a:pPr>
+            <a:r>
+              <a:rPr lang="en-US" sz="2400" dirty="0" smtClean="0"/>
+              <a:t> What if the entire game is maintain in server side instead of  giving it to a client    agent like browsers ?</a:t>
+            </a:r>
+          </a:p>
+          <a:p>
+            <a:pPr>
+              <a:buFont typeface="Arial" pitchFamily="34" charset="0"/>
+              <a:buChar char="•"/>
+            </a:pPr>
+            <a:endParaRPr lang="en-US" sz="2400" dirty="0" smtClean="0"/>
+          </a:p>
+          <a:p>
+            <a:pPr>
+              <a:buFont typeface="Arial" pitchFamily="34" charset="0"/>
+              <a:buChar char="•"/>
+            </a:pPr>
+            <a:r>
+              <a:rPr lang="en-US" sz="2400" dirty="0" smtClean="0"/>
+              <a:t> Though when a game board on server side gives a perfect synchronization localization of game board is done.</a:t>
+            </a:r>
+          </a:p>
+          <a:p>
+            <a:pPr>
+              <a:buFont typeface="Arial" pitchFamily="34" charset="0"/>
+              <a:buChar char="•"/>
+            </a:pPr>
+            <a:endParaRPr lang="en-US" sz="2400" dirty="0" smtClean="0"/>
+          </a:p>
+          <a:p>
+            <a:pPr>
+              <a:buFont typeface="Arial" pitchFamily="34" charset="0"/>
+              <a:buChar char="•"/>
+            </a:pPr>
+            <a:r>
+              <a:rPr lang="en-US" sz="2400" dirty="0" smtClean="0"/>
+              <a:t> The reason is operational overhead  ,this is due snake’s movement in the game board is time consuming  ,if we make such a time consuming process run on the  server side then facilitating multiple game simultaneously will become a tedious task. </a:t>
+            </a:r>
+          </a:p>
+        </p:txBody>
+      </p:sp>
     </p:spTree>
   </p:cSld>
   <p:clrMapOvr>
@@ -8797,14 +8820,14 @@
       </p:grpSpPr>
       <p:sp>
         <p:nvSpPr>
-          <p:cNvPr id="2" name="TextBox 1"/>
+          <p:cNvPr id="3" name="TextBox 2"/>
           <p:cNvSpPr txBox="1"/>
           <p:nvPr/>
         </p:nvSpPr>
         <p:spPr>
           <a:xfrm>
-            <a:off x="381000" y="304800"/>
-            <a:ext cx="8305800" cy="523220"/>
+            <a:off x="609600" y="304800"/>
+            <a:ext cx="8229600" cy="523220"/>
           </a:xfrm>
           <a:prstGeom prst="rect">
             <a:avLst/>
@@ -8835,14 +8858,14 @@
       </p:sp>
       <p:sp>
         <p:nvSpPr>
-          <p:cNvPr id="3" name="TextBox 2"/>
+          <p:cNvPr id="4" name="TextBox 3"/>
           <p:cNvSpPr txBox="1"/>
           <p:nvPr/>
         </p:nvSpPr>
         <p:spPr>
           <a:xfrm>
-            <a:off x="457200" y="990600"/>
-            <a:ext cx="8153400" cy="6463308"/>
+            <a:off x="304800" y="990600"/>
+            <a:ext cx="8534400" cy="5816977"/>
           </a:xfrm>
           <a:prstGeom prst="rect">
             <a:avLst/>
@@ -8860,99 +8883,124 @@
               <a:buChar char="•"/>
             </a:pPr>
             <a:r>
+              <a:rPr lang="en-US" dirty="0" smtClean="0"/>
+              <a:t> In this project the basic level of synchronization involves  an important task to be done ,that is </a:t>
+            </a:r>
+            <a:r>
+              <a:rPr lang="en-US" b="1" dirty="0" smtClean="0"/>
+              <a:t>start time calibration .</a:t>
+            </a:r>
+          </a:p>
+          <a:p>
+            <a:pPr>
+              <a:buFont typeface="Arial" pitchFamily="34" charset="0"/>
+              <a:buChar char="•"/>
+            </a:pPr>
+            <a:endParaRPr lang="en-US" sz="2000" b="1" dirty="0" smtClean="0"/>
+          </a:p>
+          <a:p>
+            <a:pPr>
+              <a:buFont typeface="Arial" pitchFamily="34" charset="0"/>
+              <a:buChar char="•"/>
+            </a:pPr>
+            <a:r>
+              <a:rPr lang="en-US" sz="2400" b="1" dirty="0" smtClean="0"/>
+              <a:t> START TIME CALIBRATION</a:t>
+            </a:r>
+          </a:p>
+          <a:p>
+            <a:pPr lvl="1">
+              <a:buFont typeface="Arial" pitchFamily="34" charset="0"/>
+              <a:buChar char="•"/>
+            </a:pPr>
+            <a:r>
+              <a:rPr lang="en-US" sz="2400" b="1" dirty="0" smtClean="0"/>
+              <a:t> </a:t>
+            </a:r>
+            <a:r>
               <a:rPr lang="en-US" sz="2400" dirty="0" smtClean="0"/>
-              <a:t> OTHER SYNCHRONIZATION REQUIRED :</a:t>
-            </a:r>
-          </a:p>
-          <a:p>
+              <a:t>The start time calibration process depends on the Timestamp of the listeners and the retry header of the event generated by the server.</a:t>
+            </a:r>
+          </a:p>
+          <a:p>
+            <a:pPr lvl="1">
+              <a:buFont typeface="Arial" pitchFamily="34" charset="0"/>
+              <a:buChar char="•"/>
+            </a:pPr>
+            <a:endParaRPr lang="en-US" sz="2400" b="1" dirty="0" smtClean="0"/>
+          </a:p>
+          <a:p>
+            <a:pPr lvl="1">
+              <a:buFont typeface="Arial" pitchFamily="34" charset="0"/>
+              <a:buChar char="•"/>
+            </a:pPr>
             <a:r>
               <a:rPr lang="en-US" sz="2400" dirty="0" smtClean="0"/>
-              <a:t>	1. Snake position synchronization</a:t>
-            </a:r>
-          </a:p>
-          <a:p>
+              <a:t> When one client starts listening  to the server too earlier then the other have to be calibrated the correct timestamp.</a:t>
+            </a:r>
+          </a:p>
+          <a:p>
+            <a:pPr lvl="1">
+              <a:buFont typeface="Arial" pitchFamily="34" charset="0"/>
+              <a:buChar char="•"/>
+            </a:pPr>
+            <a:endParaRPr lang="en-US" sz="2400" dirty="0" smtClean="0"/>
+          </a:p>
+          <a:p>
+            <a:pPr lvl="1">
+              <a:buFont typeface="Arial" pitchFamily="34" charset="0"/>
+              <a:buChar char="•"/>
+            </a:pPr>
             <a:r>
               <a:rPr lang="en-US" sz="2400" dirty="0" smtClean="0"/>
-              <a:t>	2. Body part change synchronization</a:t>
-            </a:r>
-          </a:p>
-          <a:p>
+              <a:t> For example if the u1 start listening at 50</a:t>
+            </a:r>
+            <a:r>
+              <a:rPr lang="en-US" sz="2400" baseline="30000" dirty="0" smtClean="0"/>
+              <a:t>th </a:t>
+            </a:r>
             <a:r>
               <a:rPr lang="en-US" sz="2400" dirty="0" smtClean="0"/>
-              <a:t>	3. Food Synchronization</a:t>
-            </a:r>
-          </a:p>
-          <a:p>
+              <a:t> ms and u2 starts listening from 80</a:t>
+            </a:r>
+            <a:r>
+              <a:rPr lang="en-US" sz="2400" baseline="30000" dirty="0" smtClean="0"/>
+              <a:t>th </a:t>
+            </a:r>
+            <a:r>
+              <a:rPr lang="en-US" sz="2400" dirty="0" smtClean="0"/>
+              <a:t> ms then (80-50)=30 ,so the retry time for u1 is 110 ms whereas for u2 it is (110-30) = 80ms.</a:t>
+            </a:r>
+          </a:p>
+          <a:p>
+            <a:pPr lvl="1">
+              <a:buFont typeface="Arial" pitchFamily="34" charset="0"/>
+              <a:buChar char="•"/>
+            </a:pPr>
             <a:endParaRPr lang="en-US" sz="2400" dirty="0" smtClean="0"/>
           </a:p>
           <a:p>
-            <a:pPr>
+            <a:pPr lvl="1">
               <a:buFont typeface="Arial" pitchFamily="34" charset="0"/>
               <a:buChar char="•"/>
             </a:pPr>
             <a:r>
               <a:rPr lang="en-US" sz="2400" dirty="0" smtClean="0"/>
-              <a:t> Every synchronization happens by flags .</a:t>
-            </a:r>
-          </a:p>
-          <a:p>
-            <a:pPr>
-              <a:buFont typeface="Arial" pitchFamily="34" charset="0"/>
-              <a:buChar char="•"/>
-            </a:pPr>
-            <a:endParaRPr lang="en-US" sz="2400" dirty="0" smtClean="0"/>
-          </a:p>
-          <a:p>
-            <a:pPr>
-              <a:buFont typeface="Arial" pitchFamily="34" charset="0"/>
-              <a:buChar char="•"/>
-            </a:pPr>
+              <a:t> Thus next both will listen at 160</a:t>
+            </a:r>
+            <a:r>
+              <a:rPr lang="en-US" sz="2400" baseline="30000" dirty="0" smtClean="0"/>
+              <a:t>th </a:t>
+            </a:r>
             <a:r>
               <a:rPr lang="en-US" sz="2400" dirty="0" smtClean="0"/>
-              <a:t> Both Snake position and body parts are synchronized by flag values and event stream sent by the server.</a:t>
-            </a:r>
-          </a:p>
-          <a:p>
-            <a:pPr>
-              <a:buFont typeface="Arial" pitchFamily="34" charset="0"/>
-              <a:buChar char="•"/>
-            </a:pPr>
-            <a:endParaRPr lang="en-US" sz="2400" dirty="0" smtClean="0"/>
-          </a:p>
-          <a:p>
-            <a:pPr>
-              <a:buFont typeface="Arial" pitchFamily="34" charset="0"/>
-              <a:buChar char="•"/>
-            </a:pPr>
-            <a:r>
-              <a:rPr lang="en-US" sz="2400" dirty="0" smtClean="0"/>
-              <a:t>But the food Synchronization is not implement using flag values it is fully dependent on the start time calibration ,incase of the timestamp not synchronized  then the game will be paused for both and will be started again once timestamp gets </a:t>
+              <a:t> </a:t>
             </a:r>
             <a:r>
               <a:rPr lang="en-US" sz="2400" dirty="0" err="1" smtClean="0"/>
-              <a:t>synxhronized</a:t>
-            </a:r>
-            <a:r>
-              <a:rPr lang="en-US" sz="2400" dirty="0" smtClean="0"/>
-              <a:t>.</a:t>
-            </a:r>
-          </a:p>
-          <a:p>
-            <a:pPr>
-              <a:buFont typeface="Arial" pitchFamily="34" charset="0"/>
-              <a:buChar char="•"/>
-            </a:pPr>
-            <a:endParaRPr lang="en-US" dirty="0" smtClean="0"/>
-          </a:p>
-          <a:p>
-            <a:pPr>
-              <a:buFont typeface="Arial" pitchFamily="34" charset="0"/>
-              <a:buChar char="•"/>
-            </a:pPr>
-            <a:endParaRPr lang="en-US" dirty="0" smtClean="0"/>
-          </a:p>
-          <a:p>
-            <a:endParaRPr lang="en-US" dirty="0"/>
+              <a:t>ms.</a:t>
+            </a:r>
+            <a:endParaRPr lang="en-US" sz="2400" dirty="0"/>
           </a:p>
         </p:txBody>
       </p:sp>
@@ -8996,8 +9044,8 @@
         </p:nvSpPr>
         <p:spPr>
           <a:xfrm>
-            <a:off x="685800" y="304800"/>
-            <a:ext cx="7772400" cy="523220"/>
+            <a:off x="762000" y="304800"/>
+            <a:ext cx="7924800" cy="523220"/>
           </a:xfrm>
           <a:prstGeom prst="rect">
             <a:avLst/>
@@ -9013,134 +9061,44 @@
             <a:pPr algn="ctr"/>
             <a:r>
               <a:rPr lang="en-US" sz="2800" b="1" dirty="0" smtClean="0"/>
-              <a:t>DATA COLLECTION MODULE</a:t>
-            </a:r>
-            <a:endParaRPr lang="en-US" sz="2800" b="1" dirty="0"/>
-          </a:p>
-        </p:txBody>
-      </p:sp>
-      <p:sp>
-        <p:nvSpPr>
-          <p:cNvPr id="3" name="TextBox 2"/>
-          <p:cNvSpPr txBox="1"/>
+              <a:t>GAME SYNCHRONIZATION MODULE (</a:t>
+            </a:r>
+            <a:r>
+              <a:rPr lang="en-US" sz="2800" b="1" dirty="0" err="1" smtClean="0"/>
+              <a:t>Contd</a:t>
+            </a:r>
+            <a:r>
+              <a:rPr lang="en-US" sz="2800" b="1" dirty="0" smtClean="0"/>
+              <a:t>)</a:t>
+            </a:r>
+          </a:p>
+        </p:txBody>
+      </p:sp>
+      <p:pic>
+        <p:nvPicPr>
+          <p:cNvPr id="3" name="Picture 2" descr="timestamp calibration.jpg"/>
+          <p:cNvPicPr>
+            <a:picLocks noChangeAspect="1"/>
+          </p:cNvPicPr>
           <p:nvPr/>
-        </p:nvSpPr>
-        <p:spPr>
-          <a:xfrm>
-            <a:off x="228600" y="838200"/>
-            <a:ext cx="8686800" cy="6001643"/>
+        </p:nvPicPr>
+        <p:blipFill>
+          <a:blip r:embed="rId2"/>
+          <a:srcRect l="4719" t="10256" r="3263"/>
+          <a:stretch>
+            <a:fillRect/>
+          </a:stretch>
+        </p:blipFill>
+        <p:spPr>
+          <a:xfrm>
+            <a:off x="1524000" y="838200"/>
+            <a:ext cx="6324600" cy="5867400"/>
           </a:xfrm>
           <a:prstGeom prst="rect">
             <a:avLst/>
           </a:prstGeom>
-          <a:noFill/>
-        </p:spPr>
-        <p:txBody>
-          <a:bodyPr wrap="square" rtlCol="0">
-            <a:spAutoFit/>
-          </a:bodyPr>
-          <a:lstStyle/>
-          <a:p>
-            <a:pPr>
-              <a:buFont typeface="Arial" pitchFamily="34" charset="0"/>
-              <a:buChar char="•"/>
-            </a:pPr>
-            <a:r>
-              <a:rPr lang="en-US" sz="2400" dirty="0" smtClean="0"/>
-              <a:t> The data collection module is a important module since the main objective of the project only on a good dataset..</a:t>
-            </a:r>
-          </a:p>
-          <a:p>
-            <a:pPr>
-              <a:buFont typeface="Arial" pitchFamily="34" charset="0"/>
-              <a:buChar char="•"/>
-            </a:pPr>
-            <a:endParaRPr lang="en-US" sz="2400" dirty="0" smtClean="0"/>
-          </a:p>
-          <a:p>
-            <a:pPr>
-              <a:buFont typeface="Arial" pitchFamily="34" charset="0"/>
-              <a:buChar char="•"/>
-            </a:pPr>
-            <a:r>
-              <a:rPr lang="en-US" sz="2400" dirty="0" smtClean="0"/>
-              <a:t> The data is collected every time when a player presses any of the arrow keys.</a:t>
-            </a:r>
-          </a:p>
-          <a:p>
-            <a:pPr>
-              <a:buFont typeface="Arial" pitchFamily="34" charset="0"/>
-              <a:buChar char="•"/>
-            </a:pPr>
-            <a:endParaRPr lang="en-US" sz="2400" dirty="0" smtClean="0"/>
-          </a:p>
-          <a:p>
-            <a:pPr>
-              <a:buFont typeface="Arial" pitchFamily="34" charset="0"/>
-              <a:buChar char="•"/>
-            </a:pPr>
-            <a:r>
-              <a:rPr lang="en-US" sz="2400" dirty="0" smtClean="0"/>
-              <a:t> Once the arrow key pressed the snake’s data and the food data is sent to </a:t>
-            </a:r>
-            <a:r>
-              <a:rPr lang="en-US" sz="2400" dirty="0" err="1" smtClean="0"/>
-              <a:t>getid</a:t>
-            </a:r>
-            <a:r>
-              <a:rPr lang="en-US" sz="2400" dirty="0" smtClean="0"/>
-              <a:t> module with a operation code ‘ 6 ’.</a:t>
-            </a:r>
-          </a:p>
-          <a:p>
-            <a:pPr>
-              <a:buFont typeface="Arial" pitchFamily="34" charset="0"/>
-              <a:buChar char="•"/>
-            </a:pPr>
-            <a:endParaRPr lang="en-US" sz="2400" dirty="0" smtClean="0"/>
-          </a:p>
-          <a:p>
-            <a:r>
-              <a:rPr lang="en-US" sz="2400" dirty="0" smtClean="0"/>
-              <a:t>METHOD USED TO RECORD THE USER’S NEXT MOVE IN TABLE</a:t>
-            </a:r>
-          </a:p>
-          <a:p>
-            <a:pPr>
-              <a:buFont typeface="Arial" pitchFamily="34" charset="0"/>
-              <a:buChar char="•"/>
-            </a:pPr>
-            <a:endParaRPr lang="en-US" sz="2400" dirty="0" smtClean="0"/>
-          </a:p>
-          <a:p>
-            <a:pPr>
-              <a:buFont typeface="Arial" pitchFamily="34" charset="0"/>
-              <a:buChar char="•"/>
-            </a:pPr>
-            <a:r>
-              <a:rPr lang="en-US" sz="2400" dirty="0" smtClean="0"/>
-              <a:t>Initially the next move column is set as ‘ -1 ’.</a:t>
-            </a:r>
-          </a:p>
-          <a:p>
-            <a:pPr>
-              <a:buFont typeface="Arial" pitchFamily="34" charset="0"/>
-              <a:buChar char="•"/>
-            </a:pPr>
-            <a:endParaRPr lang="en-US" sz="2400" dirty="0" smtClean="0"/>
-          </a:p>
-          <a:p>
-            <a:pPr>
-              <a:buFont typeface="Arial" pitchFamily="34" charset="0"/>
-              <a:buChar char="•"/>
-            </a:pPr>
-            <a:r>
-              <a:rPr lang="en-US" sz="2400" dirty="0" smtClean="0"/>
-              <a:t> Once the press any of the arrow key ,the server set update the table with the current direction value where the next move was set as ‘ -1 ’.</a:t>
-            </a:r>
-          </a:p>
-        </p:txBody>
-      </p:sp>
+        </p:spPr>
+      </p:pic>
     </p:spTree>
   </p:cSld>
   <p:clrMapOvr>
@@ -9175,74 +9133,36 @@
       </p:grpSpPr>
       <p:sp>
         <p:nvSpPr>
-          <p:cNvPr id="2" name="Title 1"/>
-          <p:cNvSpPr>
-            <a:spLocks noGrp="1"/>
-          </p:cNvSpPr>
-          <p:nvPr>
-            <p:ph type="title"/>
-          </p:nvPr>
-        </p:nvSpPr>
-        <p:spPr/>
-        <p:txBody>
-          <a:bodyPr/>
-          <a:lstStyle/>
-          <a:p>
-            <a:pPr algn="l"/>
-            <a:r>
-              <a:rPr lang="en-US" dirty="0" smtClean="0"/>
-              <a:t>SCOPE AND JUSTIFICATION</a:t>
-            </a:r>
-            <a:endParaRPr lang="en-US" dirty="0"/>
-          </a:p>
-        </p:txBody>
-      </p:sp>
-      <p:sp>
-        <p:nvSpPr>
-          <p:cNvPr id="3" name="Content Placeholder 2"/>
-          <p:cNvSpPr>
-            <a:spLocks noGrp="1"/>
-          </p:cNvSpPr>
-          <p:nvPr>
-            <p:ph idx="1"/>
-          </p:nvPr>
-        </p:nvSpPr>
-        <p:spPr/>
-        <p:txBody>
-          <a:bodyPr>
-            <a:normAutofit lnSpcReduction="10000"/>
+          <p:cNvPr id="2" name="TextBox 1"/>
+          <p:cNvSpPr txBox="1"/>
+          <p:nvPr/>
+        </p:nvSpPr>
+        <p:spPr>
+          <a:xfrm>
+            <a:off x="457200" y="2743200"/>
+            <a:ext cx="8229600" cy="1107996"/>
+          </a:xfrm>
+          <a:prstGeom prst="rect">
+            <a:avLst/>
+          </a:prstGeom>
+          <a:noFill/>
+        </p:spPr>
+        <p:txBody>
+          <a:bodyPr wrap="square" rtlCol="0">
+            <a:spAutoFit/>
           </a:bodyPr>
           <a:lstStyle/>
           <a:p>
-            <a:pPr lvl="1">
-              <a:buFont typeface="Arial" pitchFamily="34" charset="0"/>
-              <a:buChar char="•"/>
-            </a:pPr>
-            <a:r>
-              <a:rPr lang="en-US" dirty="0" smtClean="0"/>
-              <a:t>To collect the data from user using a snake game and develop computer that plays like a human player </a:t>
-            </a:r>
-          </a:p>
-          <a:p>
-            <a:pPr lvl="1">
-              <a:buFont typeface="Arial" pitchFamily="34" charset="0"/>
-              <a:buChar char="•"/>
-            </a:pPr>
-            <a:r>
-              <a:rPr lang="en-US" dirty="0" smtClean="0"/>
-              <a:t>In this project the snake can detect shortest the path to the co-ordinates of the food and can predict the opponents move make a counter move escape from players attack.</a:t>
-            </a:r>
-          </a:p>
-          <a:p>
-            <a:pPr lvl="1">
-              <a:buFont typeface="Arial" pitchFamily="34" charset="0"/>
-              <a:buChar char="•"/>
-            </a:pPr>
-            <a:r>
-              <a:rPr lang="en-US" dirty="0" smtClean="0"/>
-              <a:t>The need to implement this project is to add feature to game by introducing a computer snake which can make more interesting.</a:t>
-            </a:r>
-            <a:endParaRPr lang="en-US" dirty="0"/>
+            <a:pPr algn="ctr"/>
+            <a:r>
+              <a:rPr lang="en-US" sz="6600" b="1" dirty="0" smtClean="0">
+                <a:latin typeface="+mj-lt"/>
+              </a:rPr>
+              <a:t>PROBLEM STATEMENT</a:t>
+            </a:r>
+            <a:endParaRPr lang="en-US" sz="6600" b="1" dirty="0">
+              <a:latin typeface="+mj-lt"/>
+            </a:endParaRPr>
           </a:p>
         </p:txBody>
       </p:sp>
@@ -9251,13 +9171,6 @@
   <p:clrMapOvr>
     <a:masterClrMapping/>
   </p:clrMapOvr>
-  <p:timing>
-    <p:tnLst>
-      <p:par>
-        <p:cTn id="1" dur="indefinite" restart="never" nodeType="tmRoot"/>
-      </p:par>
-    </p:tnLst>
-  </p:timing>
 </p:sld>
 </file>
 
@@ -9286,8 +9199,8 @@
         </p:nvSpPr>
         <p:spPr>
           <a:xfrm>
-            <a:off x="533400" y="304800"/>
-            <a:ext cx="7848600" cy="523220"/>
+            <a:off x="381000" y="304800"/>
+            <a:ext cx="8305800" cy="523220"/>
           </a:xfrm>
           <a:prstGeom prst="rect">
             <a:avLst/>
@@ -9303,13 +9216,16 @@
             <a:pPr algn="ctr"/>
             <a:r>
               <a:rPr lang="en-US" sz="2800" b="1" dirty="0" smtClean="0"/>
-              <a:t>PREDICTION </a:t>
+              <a:t>GAME SYNCHRONIZATION MODULE (</a:t>
+            </a:r>
+            <a:r>
+              <a:rPr lang="en-US" sz="2800" b="1" dirty="0" err="1" smtClean="0"/>
+              <a:t>Contd</a:t>
             </a:r>
             <a:r>
               <a:rPr lang="en-US" sz="2800" b="1" dirty="0" smtClean="0"/>
-              <a:t>MODULE</a:t>
-            </a:r>
-            <a:endParaRPr lang="en-US" sz="2800" b="1" dirty="0"/>
+              <a:t>)</a:t>
+            </a:r>
           </a:p>
         </p:txBody>
       </p:sp>
@@ -9321,8 +9237,8 @@
         </p:nvSpPr>
         <p:spPr>
           <a:xfrm>
-            <a:off x="304800" y="990600"/>
-            <a:ext cx="8458200" cy="5262979"/>
+            <a:off x="457200" y="990600"/>
+            <a:ext cx="8153400" cy="6463308"/>
           </a:xfrm>
           <a:prstGeom prst="rect">
             <a:avLst/>
@@ -9341,14 +9257,45 @@
             </a:pPr>
             <a:r>
               <a:rPr lang="en-US" sz="2400" dirty="0" smtClean="0"/>
-              <a:t> The analyzer module is used to predict the next move of the player with the data collected from the previous games.</a:t>
-            </a:r>
+              <a:t> OTHER SYNCHRONIZATION REQUIRED :</a:t>
+            </a:r>
+          </a:p>
+          <a:p>
+            <a:r>
+              <a:rPr lang="en-US" sz="2400" dirty="0" smtClean="0"/>
+              <a:t>	1. Snake position synchronization</a:t>
+            </a:r>
+          </a:p>
+          <a:p>
+            <a:r>
+              <a:rPr lang="en-US" sz="2400" dirty="0" smtClean="0"/>
+              <a:t>	2. Body part change synchronization</a:t>
+            </a:r>
+          </a:p>
+          <a:p>
+            <a:r>
+              <a:rPr lang="en-US" sz="2400" dirty="0" smtClean="0"/>
+              <a:t>	3. Food Synchronization</a:t>
+            </a:r>
+          </a:p>
+          <a:p>
+            <a:endParaRPr lang="en-US" sz="2400" dirty="0" smtClean="0"/>
           </a:p>
           <a:p>
             <a:pPr>
               <a:buFont typeface="Arial" pitchFamily="34" charset="0"/>
               <a:buChar char="•"/>
             </a:pPr>
+            <a:r>
+              <a:rPr lang="en-US" sz="2400" dirty="0" smtClean="0"/>
+              <a:t> Every synchronization happens by flags .</a:t>
+            </a:r>
+          </a:p>
+          <a:p>
+            <a:pPr>
+              <a:buFont typeface="Arial" pitchFamily="34" charset="0"/>
+              <a:buChar char="•"/>
+            </a:pPr>
             <a:endParaRPr lang="en-US" sz="2400" dirty="0" smtClean="0"/>
           </a:p>
           <a:p>
@@ -9358,7 +9305,7 @@
             </a:pPr>
             <a:r>
               <a:rPr lang="en-US" sz="2400" dirty="0" smtClean="0"/>
-              <a:t> The analyzer module returns the next predicted move of the player if possible else it will return ‘ -1 ’.</a:t>
+              <a:t> Both Snake position and body parts are synchronized by flag values and event stream sent by the server.</a:t>
             </a:r>
           </a:p>
           <a:p>
@@ -9375,7 +9322,15 @@
             </a:pPr>
             <a:r>
               <a:rPr lang="en-US" sz="2400" dirty="0" smtClean="0"/>
-              <a:t> On the client side the computer’s snake maintains an imaginary boundary around it to detect the opponent snake’s existence near it.</a:t>
+              <a:t>But the food Synchronization is not implement using flag values it is fully dependent on the start time calibration ,incase of the timestamp not synchronized  then the game will be paused for both and will be started again once timestamp gets </a:t>
+            </a:r>
+            <a:r>
+              <a:rPr lang="en-US" sz="2400" dirty="0" err="1" smtClean="0"/>
+              <a:t>synxhronized</a:t>
+            </a:r>
+            <a:r>
+              <a:rPr lang="en-US" sz="2400" dirty="0" smtClean="0"/>
+              <a:t>.</a:t>
             </a:r>
           </a:p>
           <a:p>
@@ -9383,35 +9338,17 @@
               <a:buFont typeface="Arial" pitchFamily="34" charset="0"/>
               <a:buChar char="•"/>
             </a:pPr>
-            <a:endParaRPr lang="en-US" sz="2400" dirty="0" smtClean="0"/>
+            <a:endParaRPr lang="en-US" dirty="0" smtClean="0"/>
           </a:p>
           <a:p>
             <a:pPr>
               <a:buFont typeface="Arial" pitchFamily="34" charset="0"/>
               <a:buChar char="•"/>
             </a:pPr>
-            <a:r>
-              <a:rPr lang="en-US" sz="2400" dirty="0" smtClean="0"/>
-              <a:t> Once the  opponent is detected within the boundary it send the current game board situation and gets the predicted move.</a:t>
-            </a:r>
-          </a:p>
-          <a:p>
-            <a:pPr>
-              <a:buFont typeface="Arial" pitchFamily="34" charset="0"/>
-              <a:buChar char="•"/>
-            </a:pPr>
-            <a:endParaRPr lang="en-US" sz="2400" dirty="0" smtClean="0"/>
-          </a:p>
-          <a:p>
-            <a:pPr>
-              <a:buFont typeface="Arial" pitchFamily="34" charset="0"/>
-              <a:buChar char="•"/>
-            </a:pPr>
-            <a:r>
-              <a:rPr lang="en-US" sz="2400" dirty="0" smtClean="0"/>
-              <a:t> The prediction is purely based on the probability values .</a:t>
-            </a:r>
-            <a:endParaRPr lang="en-US" sz="2400" dirty="0"/>
+            <a:endParaRPr lang="en-US" dirty="0" smtClean="0"/>
+          </a:p>
+          <a:p>
+            <a:endParaRPr lang="en-US" dirty="0"/>
           </a:p>
         </p:txBody>
       </p:sp>
@@ -9455,8 +9392,8 @@
         </p:nvSpPr>
         <p:spPr>
           <a:xfrm>
-            <a:off x="457200" y="381000"/>
-            <a:ext cx="7467600" cy="523220"/>
+            <a:off x="685800" y="304800"/>
+            <a:ext cx="7772400" cy="523220"/>
           </a:xfrm>
           <a:prstGeom prst="rect">
             <a:avLst/>
@@ -9472,33 +9409,22 @@
             <a:pPr algn="ctr"/>
             <a:r>
               <a:rPr lang="en-US" sz="2800" b="1" dirty="0" smtClean="0"/>
-              <a:t>PREDICTION </a:t>
-            </a:r>
-            <a:r>
-              <a:rPr lang="en-US" sz="2800" b="1" dirty="0" smtClean="0"/>
-              <a:t>MODULE (</a:t>
-            </a:r>
-            <a:r>
-              <a:rPr lang="en-US" sz="2800" b="1" dirty="0" err="1" smtClean="0"/>
-              <a:t>Contd</a:t>
-            </a:r>
-            <a:r>
-              <a:rPr lang="en-US" sz="2800" b="1" dirty="0" smtClean="0"/>
-              <a:t>)</a:t>
-            </a:r>
-          </a:p>
-        </p:txBody>
-      </p:sp>
-      <p:sp>
-        <p:nvSpPr>
-          <p:cNvPr id="4" name="TextBox 3"/>
+              <a:t>DATA COLLECTION MODULE</a:t>
+            </a:r>
+            <a:endParaRPr lang="en-US" sz="2800" b="1" dirty="0"/>
+          </a:p>
+        </p:txBody>
+      </p:sp>
+      <p:sp>
+        <p:nvSpPr>
+          <p:cNvPr id="3" name="TextBox 2"/>
           <p:cNvSpPr txBox="1"/>
           <p:nvPr/>
         </p:nvSpPr>
         <p:spPr>
           <a:xfrm>
-            <a:off x="381000" y="990600"/>
-            <a:ext cx="7848600" cy="4339650"/>
+            <a:off x="228600" y="838200"/>
+            <a:ext cx="8686800" cy="6001643"/>
           </a:xfrm>
           <a:prstGeom prst="rect">
             <a:avLst/>
@@ -9517,15 +9443,49 @@
             </a:pPr>
             <a:r>
               <a:rPr lang="en-US" sz="2400" dirty="0" smtClean="0"/>
-              <a:t> The Analyzer Module uses the Naïve the </a:t>
+              <a:t> The data collection module is a important module since the main objective of the project only on a good dataset..</a:t>
+            </a:r>
+          </a:p>
+          <a:p>
+            <a:pPr>
+              <a:buFont typeface="Arial" pitchFamily="34" charset="0"/>
+              <a:buChar char="•"/>
+            </a:pPr>
+            <a:endParaRPr lang="en-US" sz="2400" dirty="0" smtClean="0"/>
+          </a:p>
+          <a:p>
+            <a:pPr>
+              <a:buFont typeface="Arial" pitchFamily="34" charset="0"/>
+              <a:buChar char="•"/>
+            </a:pPr>
+            <a:r>
+              <a:rPr lang="en-US" sz="2400" dirty="0" smtClean="0"/>
+              <a:t> The data is collected every time when a player presses any of the arrow keys.</a:t>
+            </a:r>
+          </a:p>
+          <a:p>
+            <a:pPr>
+              <a:buFont typeface="Arial" pitchFamily="34" charset="0"/>
+              <a:buChar char="•"/>
+            </a:pPr>
+            <a:endParaRPr lang="en-US" sz="2400" dirty="0" smtClean="0"/>
+          </a:p>
+          <a:p>
+            <a:pPr>
+              <a:buFont typeface="Arial" pitchFamily="34" charset="0"/>
+              <a:buChar char="•"/>
+            </a:pPr>
+            <a:r>
+              <a:rPr lang="en-US" sz="2400" dirty="0" smtClean="0"/>
+              <a:t> Once the arrow key pressed the snake’s data and the food data is sent to </a:t>
             </a:r>
             <a:r>
               <a:rPr lang="en-US" sz="2400" dirty="0" err="1" smtClean="0"/>
-              <a:t>Bais</a:t>
+              <a:t>getid</a:t>
             </a:r>
             <a:r>
               <a:rPr lang="en-US" sz="2400" dirty="0" smtClean="0"/>
-              <a:t> Classifier to predict the next move of the player with the given parameter value.</a:t>
+              <a:t> module with a operation code ‘ 6 ’.</a:t>
             </a:r>
           </a:p>
           <a:p>
@@ -9536,13 +9496,26 @@
             <a:endParaRPr lang="en-US" sz="2400" dirty="0" smtClean="0"/>
           </a:p>
           <a:p>
+            <a:r>
+              <a:rPr lang="en-US" sz="2400" dirty="0" smtClean="0"/>
+              <a:t>METHOD USED TO RECORD THE USER’S NEXT MOVE IN TABLE</a:t>
+            </a:r>
+          </a:p>
+          <a:p>
             <a:pPr>
               <a:buFont typeface="Arial" pitchFamily="34" charset="0"/>
               <a:buChar char="•"/>
             </a:pPr>
+            <a:endParaRPr lang="en-US" sz="2400" dirty="0" smtClean="0"/>
+          </a:p>
+          <a:p>
+            <a:pPr>
+              <a:buFont typeface="Arial" pitchFamily="34" charset="0"/>
+              <a:buChar char="•"/>
+            </a:pPr>
             <a:r>
               <a:rPr lang="en-US" sz="2400" dirty="0" smtClean="0"/>
-              <a:t> This predictor uses the 8(eight) parameters to classify the new data entering the module.</a:t>
+              <a:t>Initially the next move column is set as ‘ -1 ’.</a:t>
             </a:r>
           </a:p>
           <a:p>
@@ -9559,25 +9532,8 @@
             </a:pPr>
             <a:r>
               <a:rPr lang="en-US" sz="2400" dirty="0" smtClean="0"/>
-              <a:t> If the data is sufficient then it will compare the probability value and give the classification  result back to the client.</a:t>
-            </a:r>
-          </a:p>
-          <a:p>
-            <a:pPr>
-              <a:buFont typeface="Arial" pitchFamily="34" charset="0"/>
-              <a:buChar char="•"/>
-            </a:pPr>
-            <a:endParaRPr lang="en-US" sz="2400" dirty="0" smtClean="0"/>
-          </a:p>
-          <a:p>
-            <a:pPr marL="800100" lvl="1" indent="-342900"/>
-            <a:endParaRPr lang="en-US" dirty="0" smtClean="0"/>
-          </a:p>
-          <a:p>
-            <a:pPr marL="800100" lvl="1" indent="-342900">
-              <a:buAutoNum type="arabicPeriod"/>
-            </a:pPr>
-            <a:endParaRPr lang="en-US" dirty="0"/>
+              <a:t> Once the press any of the arrow key ,the server set update the table with the current direction value where the next move was set as ‘ -1 ’.</a:t>
+            </a:r>
           </a:p>
         </p:txBody>
       </p:sp>
@@ -9638,19 +9594,7 @@
             <a:pPr algn="ctr"/>
             <a:r>
               <a:rPr lang="en-US" sz="2800" b="1" dirty="0" smtClean="0"/>
-              <a:t>PREDICTION </a:t>
-            </a:r>
-            <a:r>
-              <a:rPr lang="en-US" sz="2800" b="1" dirty="0" smtClean="0"/>
-              <a:t>MODULE (</a:t>
-            </a:r>
-            <a:r>
-              <a:rPr lang="en-US" sz="2800" b="1" dirty="0" err="1" smtClean="0"/>
-              <a:t>Contd</a:t>
-            </a:r>
-            <a:r>
-              <a:rPr lang="en-US" sz="2800" b="1" dirty="0" smtClean="0"/>
-              <a:t>)</a:t>
+              <a:t>PREDICTION MODULE</a:t>
             </a:r>
             <a:endParaRPr lang="en-US" sz="2800" b="1" dirty="0"/>
           </a:p>
@@ -9664,8 +9608,8 @@
         </p:nvSpPr>
         <p:spPr>
           <a:xfrm>
-            <a:off x="304800" y="914400"/>
-            <a:ext cx="8382000" cy="3693319"/>
+            <a:off x="304800" y="990600"/>
+            <a:ext cx="8458200" cy="5262979"/>
           </a:xfrm>
           <a:prstGeom prst="rect">
             <a:avLst/>
@@ -9684,7 +9628,7 @@
             </a:pPr>
             <a:r>
               <a:rPr lang="en-US" sz="2400" dirty="0" smtClean="0"/>
-              <a:t> If the data is not sufficient then it return ‘ -1 ’</a:t>
+              <a:t> The analyzer module is used to predict the next move of the player with the data collected from the previous games.</a:t>
             </a:r>
           </a:p>
           <a:p>
@@ -9701,66 +9645,60 @@
             </a:pPr>
             <a:r>
               <a:rPr lang="en-US" sz="2400" dirty="0" smtClean="0"/>
-              <a:t> The following Parameters are used to classify the test data.</a:t>
-            </a:r>
-          </a:p>
-          <a:p>
-            <a:pPr marL="800100" lvl="1" indent="-342900">
-              <a:buAutoNum type="arabicPeriod"/>
+              <a:t> The analyzer module returns the next predicted move of the player if possible else it will return ‘ -1 ’.</a:t>
+            </a:r>
+          </a:p>
+          <a:p>
+            <a:pPr>
+              <a:buFont typeface="Arial" pitchFamily="34" charset="0"/>
+              <a:buChar char="•"/>
+            </a:pPr>
+            <a:endParaRPr lang="en-US" sz="2400" dirty="0" smtClean="0"/>
+          </a:p>
+          <a:p>
+            <a:pPr>
+              <a:buFont typeface="Arial" pitchFamily="34" charset="0"/>
+              <a:buChar char="•"/>
             </a:pPr>
             <a:r>
               <a:rPr lang="en-US" sz="2400" dirty="0" smtClean="0"/>
-              <a:t>Head position of opponent</a:t>
-            </a:r>
-          </a:p>
-          <a:p>
-            <a:pPr marL="800100" lvl="1" indent="-342900">
-              <a:buAutoNum type="arabicPeriod"/>
+              <a:t> On the client side the computer’s snake maintains an imaginary boundary around it to detect the opponent snake’s existence near it.</a:t>
+            </a:r>
+          </a:p>
+          <a:p>
+            <a:pPr>
+              <a:buFont typeface="Arial" pitchFamily="34" charset="0"/>
+              <a:buChar char="•"/>
+            </a:pPr>
+            <a:endParaRPr lang="en-US" sz="2400" dirty="0" smtClean="0"/>
+          </a:p>
+          <a:p>
+            <a:pPr>
+              <a:buFont typeface="Arial" pitchFamily="34" charset="0"/>
+              <a:buChar char="•"/>
             </a:pPr>
             <a:r>
               <a:rPr lang="en-US" sz="2400" dirty="0" smtClean="0"/>
-              <a:t>Length of the opponent </a:t>
-            </a:r>
-          </a:p>
-          <a:p>
-            <a:pPr marL="800100" lvl="1" indent="-342900">
-              <a:buAutoNum type="arabicPeriod"/>
+              <a:t> Once the  opponent is detected within the boundary it send the current game board situation and gets the predicted move.</a:t>
+            </a:r>
+          </a:p>
+          <a:p>
+            <a:pPr>
+              <a:buFont typeface="Arial" pitchFamily="34" charset="0"/>
+              <a:buChar char="•"/>
+            </a:pPr>
+            <a:endParaRPr lang="en-US" sz="2400" dirty="0" smtClean="0"/>
+          </a:p>
+          <a:p>
+            <a:pPr>
+              <a:buFont typeface="Arial" pitchFamily="34" charset="0"/>
+              <a:buChar char="•"/>
             </a:pPr>
             <a:r>
               <a:rPr lang="en-US" sz="2400" dirty="0" smtClean="0"/>
-              <a:t>Food position</a:t>
-            </a:r>
-          </a:p>
-          <a:p>
-            <a:pPr marL="800100" lvl="1" indent="-342900">
-              <a:buAutoNum type="arabicPeriod"/>
-            </a:pPr>
-            <a:r>
-              <a:rPr lang="en-US" sz="2400" dirty="0" smtClean="0"/>
-              <a:t>Current direction of the opponent</a:t>
-            </a:r>
-          </a:p>
-          <a:p>
-            <a:pPr marL="800100" lvl="1" indent="-342900">
-              <a:buAutoNum type="arabicPeriod"/>
-            </a:pPr>
-            <a:r>
-              <a:rPr lang="en-US" sz="2400" dirty="0" smtClean="0"/>
-              <a:t>Distance between opponent and food</a:t>
-            </a:r>
-          </a:p>
-          <a:p>
-            <a:pPr marL="800100" lvl="1" indent="-342900">
-              <a:buFontTx/>
-              <a:buAutoNum type="arabicPeriod"/>
-            </a:pPr>
-            <a:r>
-              <a:rPr lang="en-US" sz="2400" dirty="0" smtClean="0"/>
-              <a:t>Distance between opponent and  computer snake</a:t>
-            </a:r>
-          </a:p>
-          <a:p>
-            <a:endParaRPr lang="en-US" dirty="0"/>
+              <a:t> The prediction is purely based on the probability values .</a:t>
+            </a:r>
+            <a:endParaRPr lang="en-US" sz="2400" dirty="0"/>
           </a:p>
         </p:txBody>
       </p:sp>
@@ -9769,6 +9707,13 @@
   <p:clrMapOvr>
     <a:masterClrMapping/>
   </p:clrMapOvr>
+  <p:timing>
+    <p:tnLst>
+      <p:par>
+        <p:cTn id="1" dur="indefinite" restart="never" nodeType="tmRoot"/>
+      </p:par>
+    </p:tnLst>
+  </p:timing>
 </p:sld>
 </file>
 
@@ -9791,85 +9736,14 @@
       </p:grpSpPr>
       <p:sp>
         <p:nvSpPr>
-          <p:cNvPr id="2" name="Title 1"/>
-          <p:cNvSpPr>
-            <a:spLocks noGrp="1"/>
-          </p:cNvSpPr>
-          <p:nvPr>
-            <p:ph type="title"/>
-          </p:nvPr>
-        </p:nvSpPr>
-        <p:spPr/>
-        <p:txBody>
-          <a:bodyPr>
-            <a:normAutofit/>
-          </a:bodyPr>
-          <a:lstStyle/>
-          <a:p>
-            <a:r>
-              <a:rPr lang="en-US" sz="2800" b="1" dirty="0" smtClean="0"/>
-              <a:t>SNAPSHOT</a:t>
-            </a:r>
-            <a:endParaRPr lang="en-US" sz="2800" b="1" dirty="0"/>
-          </a:p>
-        </p:txBody>
-      </p:sp>
-      <p:pic>
-        <p:nvPicPr>
-          <p:cNvPr id="5" name="Content Placeholder 4" descr="home_page.PNG"/>
-          <p:cNvPicPr>
-            <a:picLocks noGrp="1" noChangeAspect="1"/>
-          </p:cNvPicPr>
-          <p:nvPr>
-            <p:ph sz="half" idx="1"/>
-          </p:nvPr>
-        </p:nvPicPr>
-        <p:blipFill>
-          <a:blip r:embed="rId2"/>
-          <a:stretch>
-            <a:fillRect/>
-          </a:stretch>
-        </p:blipFill>
-        <p:spPr>
-          <a:xfrm>
-            <a:off x="457200" y="1600201"/>
-            <a:ext cx="4038600" cy="3809999"/>
-          </a:xfrm>
-        </p:spPr>
-      </p:pic>
-      <p:pic>
-        <p:nvPicPr>
-          <p:cNvPr id="6" name="Content Placeholder 5" descr="getting ID.PNG"/>
-          <p:cNvPicPr>
-            <a:picLocks noGrp="1" noChangeAspect="1"/>
-          </p:cNvPicPr>
-          <p:nvPr>
-            <p:ph sz="half" idx="2"/>
-          </p:nvPr>
-        </p:nvPicPr>
-        <p:blipFill>
-          <a:blip r:embed="rId3"/>
-          <a:stretch>
-            <a:fillRect/>
-          </a:stretch>
-        </p:blipFill>
-        <p:spPr>
-          <a:xfrm>
-            <a:off x="4648200" y="1600200"/>
-            <a:ext cx="4267200" cy="3810000"/>
-          </a:xfrm>
-        </p:spPr>
-      </p:pic>
-      <p:sp>
-        <p:nvSpPr>
-          <p:cNvPr id="7" name="TextBox 6"/>
+          <p:cNvPr id="2" name="TextBox 1"/>
           <p:cNvSpPr txBox="1"/>
           <p:nvPr/>
         </p:nvSpPr>
         <p:spPr>
           <a:xfrm>
-            <a:off x="457200" y="5638800"/>
-            <a:ext cx="3962400" cy="461665"/>
+            <a:off x="457200" y="381000"/>
+            <a:ext cx="7467600" cy="523220"/>
           </a:xfrm>
           <a:prstGeom prst="rect">
             <a:avLst/>
@@ -9884,23 +9758,30 @@
           <a:p>
             <a:pPr algn="ctr"/>
             <a:r>
-              <a:rPr lang="en-US" sz="2400" dirty="0" smtClean="0"/>
-              <a:t>Home page</a:t>
-            </a:r>
-            <a:endParaRPr lang="en-US" sz="2400" dirty="0"/>
-          </a:p>
-        </p:txBody>
-      </p:sp>
-      <p:sp>
-        <p:nvSpPr>
-          <p:cNvPr id="8" name="TextBox 7"/>
+              <a:rPr lang="en-US" sz="2800" b="1" dirty="0" smtClean="0"/>
+              <a:t>PREDICTION MODULE (</a:t>
+            </a:r>
+            <a:r>
+              <a:rPr lang="en-US" sz="2800" b="1" dirty="0" err="1" smtClean="0"/>
+              <a:t>Contd</a:t>
+            </a:r>
+            <a:r>
+              <a:rPr lang="en-US" sz="2800" b="1" dirty="0" smtClean="0"/>
+              <a:t>)</a:t>
+            </a:r>
+          </a:p>
+        </p:txBody>
+      </p:sp>
+      <p:sp>
+        <p:nvSpPr>
+          <p:cNvPr id="4" name="TextBox 3"/>
           <p:cNvSpPr txBox="1"/>
           <p:nvPr/>
         </p:nvSpPr>
         <p:spPr>
           <a:xfrm>
-            <a:off x="4724400" y="5638800"/>
-            <a:ext cx="3962400" cy="461665"/>
+            <a:off x="381000" y="990600"/>
+            <a:ext cx="7848600" cy="4339650"/>
           </a:xfrm>
           <a:prstGeom prst="rect">
             <a:avLst/>
@@ -9913,12 +9794,73 @@
           </a:bodyPr>
           <a:lstStyle/>
           <a:p>
-            <a:pPr algn="ctr"/>
+            <a:pPr>
+              <a:buFont typeface="Arial" pitchFamily="34" charset="0"/>
+              <a:buChar char="•"/>
+            </a:pPr>
             <a:r>
               <a:rPr lang="en-US" sz="2400" dirty="0" smtClean="0"/>
-              <a:t>Getting ID</a:t>
-            </a:r>
-            <a:endParaRPr lang="en-US" sz="2400" dirty="0"/>
+              <a:t> The Analyzer Module uses the Naïve the </a:t>
+            </a:r>
+            <a:r>
+              <a:rPr lang="en-US" sz="2400" dirty="0" err="1" smtClean="0"/>
+              <a:t>Bais</a:t>
+            </a:r>
+            <a:r>
+              <a:rPr lang="en-US" sz="2400" dirty="0" smtClean="0"/>
+              <a:t> Classifier to predict the next move of the player with the given parameter value.</a:t>
+            </a:r>
+          </a:p>
+          <a:p>
+            <a:pPr>
+              <a:buFont typeface="Arial" pitchFamily="34" charset="0"/>
+              <a:buChar char="•"/>
+            </a:pPr>
+            <a:endParaRPr lang="en-US" sz="2400" dirty="0" smtClean="0"/>
+          </a:p>
+          <a:p>
+            <a:pPr>
+              <a:buFont typeface="Arial" pitchFamily="34" charset="0"/>
+              <a:buChar char="•"/>
+            </a:pPr>
+            <a:r>
+              <a:rPr lang="en-US" sz="2400" dirty="0" smtClean="0"/>
+              <a:t> This predictor uses the 8(eight) parameters to classify the new data entering the module.</a:t>
+            </a:r>
+          </a:p>
+          <a:p>
+            <a:pPr>
+              <a:buFont typeface="Arial" pitchFamily="34" charset="0"/>
+              <a:buChar char="•"/>
+            </a:pPr>
+            <a:endParaRPr lang="en-US" sz="2400" dirty="0" smtClean="0"/>
+          </a:p>
+          <a:p>
+            <a:pPr>
+              <a:buFont typeface="Arial" pitchFamily="34" charset="0"/>
+              <a:buChar char="•"/>
+            </a:pPr>
+            <a:r>
+              <a:rPr lang="en-US" sz="2400" dirty="0" smtClean="0"/>
+              <a:t> If the data is sufficient then it will compare the probability value and give the classification  result back to the client.</a:t>
+            </a:r>
+          </a:p>
+          <a:p>
+            <a:pPr>
+              <a:buFont typeface="Arial" pitchFamily="34" charset="0"/>
+              <a:buChar char="•"/>
+            </a:pPr>
+            <a:endParaRPr lang="en-US" sz="2400" dirty="0" smtClean="0"/>
+          </a:p>
+          <a:p>
+            <a:pPr marL="800100" lvl="1" indent="-342900"/>
+            <a:endParaRPr lang="en-US" dirty="0" smtClean="0"/>
+          </a:p>
+          <a:p>
+            <a:pPr marL="800100" lvl="1" indent="-342900">
+              <a:buAutoNum type="arabicPeriod"/>
+            </a:pPr>
+            <a:endParaRPr lang="en-US" dirty="0"/>
           </a:p>
         </p:txBody>
       </p:sp>
@@ -9927,6 +9869,13 @@
   <p:clrMapOvr>
     <a:masterClrMapping/>
   </p:clrMapOvr>
+  <p:timing>
+    <p:tnLst>
+      <p:par>
+        <p:cTn id="1" dur="indefinite" restart="never" nodeType="tmRoot"/>
+      </p:par>
+    </p:tnLst>
+  </p:timing>
 </p:sld>
 </file>
 
@@ -9949,383 +9898,147 @@
       </p:grpSpPr>
       <p:sp>
         <p:nvSpPr>
-          <p:cNvPr id="2" name="Title 1"/>
-          <p:cNvSpPr>
-            <a:spLocks noGrp="1"/>
-          </p:cNvSpPr>
-          <p:nvPr>
-            <p:ph type="title"/>
-          </p:nvPr>
-        </p:nvSpPr>
-        <p:spPr/>
-        <p:txBody>
-          <a:bodyPr>
-            <a:normAutofit/>
-          </a:bodyPr>
-          <a:lstStyle/>
-          <a:p>
-            <a:r>
-              <a:rPr lang="en-US" sz="2800" b="1" dirty="0" smtClean="0"/>
-              <a:t>SNAPSHOT</a:t>
-            </a:r>
-            <a:endParaRPr lang="en-US" sz="2800" b="1" dirty="0"/>
-          </a:p>
-        </p:txBody>
-      </p:sp>
-      <p:pic>
-        <p:nvPicPr>
-          <p:cNvPr id="5" name="Content Placeholder 4" descr="live_user_lister.PNG"/>
-          <p:cNvPicPr>
-            <a:picLocks noGrp="1" noChangeAspect="1"/>
-          </p:cNvPicPr>
-          <p:nvPr>
-            <p:ph sz="half" idx="1"/>
-          </p:nvPr>
-        </p:nvPicPr>
-        <p:blipFill>
-          <a:blip r:embed="rId2"/>
-          <a:stretch>
-            <a:fillRect/>
-          </a:stretch>
-        </p:blipFill>
-        <p:spPr>
-          <a:xfrm>
-            <a:off x="457201" y="1600201"/>
-            <a:ext cx="3815927" cy="3813048"/>
-          </a:xfrm>
-        </p:spPr>
-      </p:pic>
-      <p:pic>
-        <p:nvPicPr>
-          <p:cNvPr id="6" name="Content Placeholder 5" descr="request_lister.PNG"/>
-          <p:cNvPicPr>
-            <a:picLocks noGrp="1" noChangeAspect="1"/>
-          </p:cNvPicPr>
-          <p:nvPr>
-            <p:ph sz="half" idx="2"/>
-          </p:nvPr>
-        </p:nvPicPr>
-        <p:blipFill>
-          <a:blip r:embed="rId3"/>
-          <a:stretch>
-            <a:fillRect/>
-          </a:stretch>
-        </p:blipFill>
-        <p:spPr>
-          <a:xfrm>
-            <a:off x="4343400" y="1600200"/>
-            <a:ext cx="4041648" cy="3657600"/>
-          </a:xfrm>
-        </p:spPr>
-      </p:pic>
-      <p:sp>
-        <p:nvSpPr>
-          <p:cNvPr id="7" name="Rectangle 6"/>
-          <p:cNvSpPr/>
+          <p:cNvPr id="2" name="TextBox 1"/>
+          <p:cNvSpPr txBox="1"/>
           <p:nvPr/>
         </p:nvSpPr>
         <p:spPr>
           <a:xfrm>
-            <a:off x="457200" y="1905000"/>
-            <a:ext cx="1828800" cy="533400"/>
+            <a:off x="533400" y="304800"/>
+            <a:ext cx="7848600" cy="523220"/>
           </a:xfrm>
           <a:prstGeom prst="rect">
             <a:avLst/>
           </a:prstGeom>
           <a:noFill/>
         </p:spPr>
-        <p:style>
-          <a:lnRef idx="2">
-            <a:schemeClr val="dk1"/>
-          </a:lnRef>
-          <a:fillRef idx="1">
-            <a:schemeClr val="lt1"/>
-          </a:fillRef>
-          <a:effectRef idx="0">
-            <a:schemeClr val="dk1"/>
-          </a:effectRef>
-          <a:fontRef idx="minor">
-            <a:schemeClr val="dk1"/>
-          </a:fontRef>
-        </p:style>
-        <p:txBody>
-          <a:bodyPr rtlCol="0" anchor="ctr"/>
+        <p:txBody>
+          <a:bodyPr wrap="square" rtlCol="0">
+            <a:spAutoFit/>
+          </a:bodyPr>
           <a:lstStyle/>
           <a:p>
             <a:pPr algn="ctr"/>
-            <a:endParaRPr lang="en-US"/>
-          </a:p>
-        </p:txBody>
-      </p:sp>
-      <p:sp>
-        <p:nvSpPr>
-          <p:cNvPr id="9" name="Rounded Rectangle 8"/>
-          <p:cNvSpPr/>
+            <a:r>
+              <a:rPr lang="en-US" sz="2800" b="1" dirty="0" smtClean="0"/>
+              <a:t>PREDICTION MODULE (</a:t>
+            </a:r>
+            <a:r>
+              <a:rPr lang="en-US" sz="2800" b="1" dirty="0" err="1" smtClean="0"/>
+              <a:t>Contd</a:t>
+            </a:r>
+            <a:r>
+              <a:rPr lang="en-US" sz="2800" b="1" dirty="0" smtClean="0"/>
+              <a:t>)</a:t>
+            </a:r>
+            <a:endParaRPr lang="en-US" sz="2800" b="1" dirty="0"/>
+          </a:p>
+        </p:txBody>
+      </p:sp>
+      <p:sp>
+        <p:nvSpPr>
+          <p:cNvPr id="3" name="TextBox 2"/>
+          <p:cNvSpPr txBox="1"/>
           <p:nvPr/>
         </p:nvSpPr>
         <p:spPr>
           <a:xfrm>
-            <a:off x="2819400" y="1981200"/>
-            <a:ext cx="1447800" cy="457200"/>
-          </a:xfrm>
-          <a:prstGeom prst="roundRect">
-            <a:avLst>
-              <a:gd name="adj" fmla="val 24286"/>
-            </a:avLst>
-          </a:prstGeom>
-        </p:spPr>
-        <p:style>
-          <a:lnRef idx="2">
-            <a:schemeClr val="dk1"/>
-          </a:lnRef>
-          <a:fillRef idx="1">
-            <a:schemeClr val="lt1"/>
-          </a:fillRef>
-          <a:effectRef idx="0">
-            <a:schemeClr val="dk1"/>
-          </a:effectRef>
-          <a:fontRef idx="minor">
-            <a:schemeClr val="dk1"/>
-          </a:fontRef>
-        </p:style>
-        <p:txBody>
-          <a:bodyPr rtlCol="0" anchor="ctr"/>
-          <a:lstStyle/>
-          <a:p>
-            <a:pPr algn="ctr"/>
-            <a:r>
-              <a:rPr lang="en-US" sz="1600" dirty="0" smtClean="0">
-                <a:solidFill>
-                  <a:srgbClr val="FF0000"/>
-                </a:solidFill>
-              </a:rPr>
-              <a:t>LIVE LISTER BAR</a:t>
-            </a:r>
-            <a:endParaRPr lang="en-US" sz="1600" dirty="0">
-              <a:solidFill>
-                <a:srgbClr val="FF0000"/>
-              </a:solidFill>
-            </a:endParaRPr>
-          </a:p>
-        </p:txBody>
-      </p:sp>
-      <p:cxnSp>
-        <p:nvCxnSpPr>
-          <p:cNvPr id="11" name="Straight Arrow Connector 10"/>
-          <p:cNvCxnSpPr>
-            <a:stCxn id="7" idx="3"/>
-            <a:endCxn id="9" idx="1"/>
-          </p:cNvCxnSpPr>
-          <p:nvPr/>
-        </p:nvCxnSpPr>
-        <p:spPr>
-          <a:xfrm>
-            <a:off x="2286000" y="2171700"/>
-            <a:ext cx="533400" cy="38100"/>
-          </a:xfrm>
-          <a:prstGeom prst="straightConnector1">
-            <a:avLst/>
-          </a:prstGeom>
-          <a:ln>
-            <a:tailEnd type="arrow"/>
-          </a:ln>
-        </p:spPr>
-        <p:style>
-          <a:lnRef idx="1">
-            <a:schemeClr val="accent1"/>
-          </a:lnRef>
-          <a:fillRef idx="0">
-            <a:schemeClr val="accent1"/>
-          </a:fillRef>
-          <a:effectRef idx="0">
-            <a:schemeClr val="accent1"/>
-          </a:effectRef>
-          <a:fontRef idx="minor">
-            <a:schemeClr val="tx1"/>
-          </a:fontRef>
-        </p:style>
-      </p:cxnSp>
-      <p:sp>
-        <p:nvSpPr>
-          <p:cNvPr id="12" name="Rectangle 11"/>
-          <p:cNvSpPr/>
-          <p:nvPr/>
-        </p:nvSpPr>
-        <p:spPr>
-          <a:xfrm>
-            <a:off x="4419600" y="2590800"/>
-            <a:ext cx="990600" cy="381000"/>
+            <a:off x="304800" y="914400"/>
+            <a:ext cx="8382000" cy="3693319"/>
           </a:xfrm>
           <a:prstGeom prst="rect">
             <a:avLst/>
           </a:prstGeom>
           <a:noFill/>
         </p:spPr>
-        <p:style>
-          <a:lnRef idx="2">
-            <a:schemeClr val="dk1"/>
-          </a:lnRef>
-          <a:fillRef idx="1">
-            <a:schemeClr val="lt1"/>
-          </a:fillRef>
-          <a:effectRef idx="0">
-            <a:schemeClr val="dk1"/>
-          </a:effectRef>
-          <a:fontRef idx="minor">
-            <a:schemeClr val="dk1"/>
-          </a:fontRef>
-        </p:style>
-        <p:txBody>
-          <a:bodyPr rtlCol="0" anchor="ctr"/>
-          <a:lstStyle/>
-          <a:p>
-            <a:pPr algn="ctr"/>
-            <a:endParaRPr lang="en-US"/>
-          </a:p>
-        </p:txBody>
-      </p:sp>
-      <p:sp>
-        <p:nvSpPr>
-          <p:cNvPr id="13" name="Rounded Rectangle 12"/>
-          <p:cNvSpPr/>
-          <p:nvPr/>
-        </p:nvSpPr>
-        <p:spPr>
-          <a:xfrm>
-            <a:off x="6324600" y="2743200"/>
-            <a:ext cx="1905000" cy="685800"/>
-          </a:xfrm>
-          <a:prstGeom prst="roundRect">
-            <a:avLst/>
-          </a:prstGeom>
-        </p:spPr>
-        <p:style>
-          <a:lnRef idx="2">
-            <a:schemeClr val="dk1"/>
-          </a:lnRef>
-          <a:fillRef idx="1">
-            <a:schemeClr val="lt1"/>
-          </a:fillRef>
-          <a:effectRef idx="0">
-            <a:schemeClr val="dk1"/>
-          </a:effectRef>
-          <a:fontRef idx="minor">
-            <a:schemeClr val="dk1"/>
-          </a:fontRef>
-        </p:style>
-        <p:txBody>
-          <a:bodyPr rtlCol="0" anchor="ctr"/>
-          <a:lstStyle/>
-          <a:p>
-            <a:pPr algn="ctr"/>
-            <a:r>
-              <a:rPr lang="en-US" sz="1600" dirty="0" smtClean="0">
-                <a:solidFill>
-                  <a:srgbClr val="FF0000"/>
-                </a:solidFill>
-              </a:rPr>
-              <a:t>REQUEST BAR</a:t>
-            </a:r>
-            <a:endParaRPr lang="en-US" sz="1600" dirty="0">
-              <a:solidFill>
-                <a:srgbClr val="FF0000"/>
-              </a:solidFill>
-            </a:endParaRPr>
-          </a:p>
-        </p:txBody>
-      </p:sp>
-      <p:cxnSp>
-        <p:nvCxnSpPr>
-          <p:cNvPr id="15" name="Straight Arrow Connector 14"/>
-          <p:cNvCxnSpPr>
-            <a:stCxn id="12" idx="3"/>
-            <a:endCxn id="13" idx="1"/>
-          </p:cNvCxnSpPr>
-          <p:nvPr/>
-        </p:nvCxnSpPr>
-        <p:spPr>
-          <a:xfrm>
-            <a:off x="5410200" y="2781300"/>
-            <a:ext cx="914400" cy="304800"/>
-          </a:xfrm>
-          <a:prstGeom prst="straightConnector1">
-            <a:avLst/>
-          </a:prstGeom>
-          <a:ln>
-            <a:tailEnd type="arrow"/>
-          </a:ln>
-        </p:spPr>
-        <p:style>
-          <a:lnRef idx="1">
-            <a:schemeClr val="accent1"/>
-          </a:lnRef>
-          <a:fillRef idx="0">
-            <a:schemeClr val="accent1"/>
-          </a:fillRef>
-          <a:effectRef idx="0">
-            <a:schemeClr val="accent1"/>
-          </a:effectRef>
-          <a:fontRef idx="minor">
-            <a:schemeClr val="tx1"/>
-          </a:fontRef>
-        </p:style>
-      </p:cxnSp>
-      <p:sp>
-        <p:nvSpPr>
-          <p:cNvPr id="16" name="TextBox 15"/>
-          <p:cNvSpPr txBox="1"/>
-          <p:nvPr/>
-        </p:nvSpPr>
-        <p:spPr>
-          <a:xfrm>
-            <a:off x="609600" y="5410200"/>
-            <a:ext cx="3505200" cy="369332"/>
-          </a:xfrm>
-          <a:prstGeom prst="rect">
-            <a:avLst/>
-          </a:prstGeom>
-          <a:noFill/>
-        </p:spPr>
         <p:txBody>
           <a:bodyPr wrap="square" rtlCol="0">
             <a:spAutoFit/>
           </a:bodyPr>
           <a:lstStyle/>
           <a:p>
-            <a:r>
-              <a:rPr lang="en-US" dirty="0" smtClean="0"/>
-              <a:t>User U1 -&gt; live user bar</a:t>
-            </a:r>
-            <a:endParaRPr lang="en-US" dirty="0"/>
-          </a:p>
-        </p:txBody>
-      </p:sp>
-      <p:sp>
-        <p:nvSpPr>
-          <p:cNvPr id="17" name="TextBox 16"/>
-          <p:cNvSpPr txBox="1"/>
-          <p:nvPr/>
-        </p:nvSpPr>
-        <p:spPr>
-          <a:xfrm>
-            <a:off x="4648200" y="5410200"/>
-            <a:ext cx="3505200" cy="369332"/>
-          </a:xfrm>
-          <a:prstGeom prst="rect">
-            <a:avLst/>
-          </a:prstGeom>
-          <a:noFill/>
-        </p:spPr>
-        <p:txBody>
-          <a:bodyPr wrap="square" rtlCol="0">
-            <a:spAutoFit/>
-          </a:bodyPr>
-          <a:lstStyle/>
-          <a:p>
-            <a:r>
-              <a:rPr lang="en-US" dirty="0" smtClean="0"/>
-              <a:t>User U2-&gt; request bar</a:t>
-            </a:r>
+            <a:pPr>
+              <a:buFont typeface="Arial" pitchFamily="34" charset="0"/>
+              <a:buChar char="•"/>
+            </a:pPr>
+            <a:r>
+              <a:rPr lang="en-US" sz="2400" dirty="0" smtClean="0"/>
+              <a:t> If the data is not sufficient then it return ‘ -1 ’</a:t>
+            </a:r>
+          </a:p>
+          <a:p>
+            <a:pPr>
+              <a:buFont typeface="Arial" pitchFamily="34" charset="0"/>
+              <a:buChar char="•"/>
+            </a:pPr>
+            <a:endParaRPr lang="en-US" sz="2400" dirty="0" smtClean="0"/>
+          </a:p>
+          <a:p>
+            <a:pPr>
+              <a:buFont typeface="Arial" pitchFamily="34" charset="0"/>
+              <a:buChar char="•"/>
+            </a:pPr>
+            <a:r>
+              <a:rPr lang="en-US" sz="2400" dirty="0" smtClean="0"/>
+              <a:t> The following Parameters are used to classify the test data.</a:t>
+            </a:r>
+          </a:p>
+          <a:p>
+            <a:pPr marL="800100" lvl="1" indent="-342900">
+              <a:buAutoNum type="arabicPeriod"/>
+            </a:pPr>
+            <a:r>
+              <a:rPr lang="en-US" sz="2400" dirty="0" smtClean="0"/>
+              <a:t>Head position of opponent</a:t>
+            </a:r>
+          </a:p>
+          <a:p>
+            <a:pPr marL="800100" lvl="1" indent="-342900">
+              <a:buAutoNum type="arabicPeriod"/>
+            </a:pPr>
+            <a:r>
+              <a:rPr lang="en-US" sz="2400" dirty="0" smtClean="0"/>
+              <a:t>Length of the opponent </a:t>
+            </a:r>
+          </a:p>
+          <a:p>
+            <a:pPr marL="800100" lvl="1" indent="-342900">
+              <a:buAutoNum type="arabicPeriod"/>
+            </a:pPr>
+            <a:r>
+              <a:rPr lang="en-US" sz="2400" dirty="0" smtClean="0"/>
+              <a:t>Food position</a:t>
+            </a:r>
+          </a:p>
+          <a:p>
+            <a:pPr marL="800100" lvl="1" indent="-342900">
+              <a:buAutoNum type="arabicPeriod"/>
+            </a:pPr>
+            <a:r>
+              <a:rPr lang="en-US" sz="2400" dirty="0" smtClean="0"/>
+              <a:t>Current direction of the opponent</a:t>
+            </a:r>
+          </a:p>
+          <a:p>
+            <a:pPr marL="800100" lvl="1" indent="-342900">
+              <a:buAutoNum type="arabicPeriod"/>
+            </a:pPr>
+            <a:r>
+              <a:rPr lang="en-US" sz="2400" dirty="0" smtClean="0"/>
+              <a:t>Distance between opponent and food</a:t>
+            </a:r>
+          </a:p>
+          <a:p>
+            <a:pPr marL="800100" lvl="1" indent="-342900">
+              <a:buFontTx/>
+              <a:buAutoNum type="arabicPeriod"/>
+            </a:pPr>
+            <a:r>
+              <a:rPr lang="en-US" sz="2400" dirty="0" smtClean="0"/>
+              <a:t>Distance between opponent and  computer snake</a:t>
+            </a:r>
+          </a:p>
+          <a:p>
             <a:endParaRPr lang="en-US" dirty="0"/>
           </a:p>
         </p:txBody>
@@ -10382,7 +10095,7 @@
       </p:sp>
       <p:pic>
         <p:nvPicPr>
-          <p:cNvPr id="5" name="Content Placeholder 4" descr="calibration time.PNG"/>
+          <p:cNvPr id="5" name="Content Placeholder 4" descr="home_page.PNG"/>
           <p:cNvPicPr>
             <a:picLocks noGrp="1" noChangeAspect="1"/>
           </p:cNvPicPr>
@@ -10398,14 +10111,14 @@
         </p:blipFill>
         <p:spPr>
           <a:xfrm>
-            <a:off x="457200" y="1600200"/>
-            <a:ext cx="4038600" cy="3962400"/>
+            <a:off x="457200" y="1600201"/>
+            <a:ext cx="4038600" cy="3809999"/>
           </a:xfrm>
         </p:spPr>
       </p:pic>
       <p:pic>
         <p:nvPicPr>
-          <p:cNvPr id="6" name="Content Placeholder 5" descr="win.PNG"/>
+          <p:cNvPr id="6" name="Content Placeholder 5" descr="getting ID.PNG"/>
           <p:cNvPicPr>
             <a:picLocks noGrp="1" noChangeAspect="1"/>
           </p:cNvPicPr>
@@ -10421,8 +10134,8 @@
         </p:blipFill>
         <p:spPr>
           <a:xfrm>
-            <a:off x="4648200" y="1676400"/>
-            <a:ext cx="4038600" cy="3810000"/>
+            <a:off x="4648200" y="1600200"/>
+            <a:ext cx="4267200" cy="3810000"/>
           </a:xfrm>
         </p:spPr>
       </p:pic>
@@ -10434,8 +10147,8 @@
         </p:nvSpPr>
         <p:spPr>
           <a:xfrm>
-            <a:off x="533400" y="5867400"/>
-            <a:ext cx="3886200" cy="369332"/>
+            <a:off x="457200" y="5638800"/>
+            <a:ext cx="3962400" cy="461665"/>
           </a:xfrm>
           <a:prstGeom prst="rect">
             <a:avLst/>
@@ -10450,10 +10163,10 @@
           <a:p>
             <a:pPr algn="ctr"/>
             <a:r>
-              <a:rPr lang="en-US" dirty="0" smtClean="0"/>
-              <a:t>Calibration of the game board</a:t>
-            </a:r>
-            <a:endParaRPr lang="en-US" dirty="0"/>
+              <a:rPr lang="en-US" sz="2400" dirty="0" smtClean="0"/>
+              <a:t>Home page</a:t>
+            </a:r>
+            <a:endParaRPr lang="en-US" sz="2400" dirty="0"/>
           </a:p>
         </p:txBody>
       </p:sp>
@@ -10465,8 +10178,8 @@
         </p:nvSpPr>
         <p:spPr>
           <a:xfrm>
-            <a:off x="4724400" y="5867400"/>
-            <a:ext cx="3886200" cy="369332"/>
+            <a:off x="4724400" y="5638800"/>
+            <a:ext cx="3962400" cy="461665"/>
           </a:xfrm>
           <a:prstGeom prst="rect">
             <a:avLst/>
@@ -10481,10 +10194,10 @@
           <a:p>
             <a:pPr algn="ctr"/>
             <a:r>
-              <a:rPr lang="en-US" dirty="0" smtClean="0"/>
-              <a:t>Game end</a:t>
-            </a:r>
-            <a:endParaRPr lang="en-US" dirty="0"/>
+              <a:rPr lang="en-US" sz="2400" dirty="0" smtClean="0"/>
+              <a:t>Getting ID</a:t>
+            </a:r>
+            <a:endParaRPr lang="en-US" sz="2400" dirty="0"/>
           </a:p>
         </p:txBody>
       </p:sp>
@@ -10515,51 +10228,343 @@
       </p:grpSpPr>
       <p:sp>
         <p:nvSpPr>
-          <p:cNvPr id="2" name="TextBox 1"/>
-          <p:cNvSpPr txBox="1"/>
+          <p:cNvPr id="2" name="Title 1"/>
+          <p:cNvSpPr>
+            <a:spLocks noGrp="1"/>
+          </p:cNvSpPr>
+          <p:nvPr>
+            <p:ph type="title"/>
+          </p:nvPr>
+        </p:nvSpPr>
+        <p:spPr/>
+        <p:txBody>
+          <a:bodyPr>
+            <a:normAutofit/>
+          </a:bodyPr>
+          <a:lstStyle/>
+          <a:p>
+            <a:r>
+              <a:rPr lang="en-US" sz="2800" b="1" dirty="0" smtClean="0"/>
+              <a:t>SNAPSHOT</a:t>
+            </a:r>
+            <a:endParaRPr lang="en-US" sz="2800" b="1" dirty="0"/>
+          </a:p>
+        </p:txBody>
+      </p:sp>
+      <p:pic>
+        <p:nvPicPr>
+          <p:cNvPr id="5" name="Content Placeholder 4" descr="live_user_lister.PNG"/>
+          <p:cNvPicPr>
+            <a:picLocks noGrp="1" noChangeAspect="1"/>
+          </p:cNvPicPr>
+          <p:nvPr>
+            <p:ph sz="half" idx="1"/>
+          </p:nvPr>
+        </p:nvPicPr>
+        <p:blipFill>
+          <a:blip r:embed="rId2"/>
+          <a:stretch>
+            <a:fillRect/>
+          </a:stretch>
+        </p:blipFill>
+        <p:spPr>
+          <a:xfrm>
+            <a:off x="457201" y="1600201"/>
+            <a:ext cx="3815927" cy="3813048"/>
+          </a:xfrm>
+        </p:spPr>
+      </p:pic>
+      <p:pic>
+        <p:nvPicPr>
+          <p:cNvPr id="6" name="Content Placeholder 5" descr="request_lister.PNG"/>
+          <p:cNvPicPr>
+            <a:picLocks noGrp="1" noChangeAspect="1"/>
+          </p:cNvPicPr>
+          <p:nvPr>
+            <p:ph sz="half" idx="2"/>
+          </p:nvPr>
+        </p:nvPicPr>
+        <p:blipFill>
+          <a:blip r:embed="rId3"/>
+          <a:stretch>
+            <a:fillRect/>
+          </a:stretch>
+        </p:blipFill>
+        <p:spPr>
+          <a:xfrm>
+            <a:off x="4343400" y="1600200"/>
+            <a:ext cx="4041648" cy="3657600"/>
+          </a:xfrm>
+        </p:spPr>
+      </p:pic>
+      <p:sp>
+        <p:nvSpPr>
+          <p:cNvPr id="7" name="Rectangle 6"/>
+          <p:cNvSpPr/>
           <p:nvPr/>
         </p:nvSpPr>
         <p:spPr>
           <a:xfrm>
-            <a:off x="609600" y="381000"/>
-            <a:ext cx="7543800" cy="523220"/>
+            <a:off x="457200" y="1905000"/>
+            <a:ext cx="1828800" cy="533400"/>
           </a:xfrm>
           <a:prstGeom prst="rect">
             <a:avLst/>
           </a:prstGeom>
           <a:noFill/>
         </p:spPr>
-        <p:txBody>
-          <a:bodyPr wrap="square" rtlCol="0">
-            <a:spAutoFit/>
-          </a:bodyPr>
+        <p:style>
+          <a:lnRef idx="2">
+            <a:schemeClr val="dk1"/>
+          </a:lnRef>
+          <a:fillRef idx="1">
+            <a:schemeClr val="lt1"/>
+          </a:fillRef>
+          <a:effectRef idx="0">
+            <a:schemeClr val="dk1"/>
+          </a:effectRef>
+          <a:fontRef idx="minor">
+            <a:schemeClr val="dk1"/>
+          </a:fontRef>
+        </p:style>
+        <p:txBody>
+          <a:bodyPr rtlCol="0" anchor="ctr"/>
           <a:lstStyle/>
           <a:p>
             <a:pPr algn="ctr"/>
-            <a:r>
-              <a:rPr lang="en-US" sz="2800" b="1" dirty="0" smtClean="0"/>
-              <a:t>CONCLUSION AND FUTURE WORK</a:t>
-            </a:r>
-            <a:endParaRPr lang="en-US" sz="2800" b="1" dirty="0"/>
-          </a:p>
-        </p:txBody>
-      </p:sp>
-      <p:sp>
-        <p:nvSpPr>
-          <p:cNvPr id="3" name="TextBox 2"/>
-          <p:cNvSpPr txBox="1"/>
+            <a:endParaRPr lang="en-US"/>
+          </a:p>
+        </p:txBody>
+      </p:sp>
+      <p:sp>
+        <p:nvSpPr>
+          <p:cNvPr id="9" name="Rounded Rectangle 8"/>
+          <p:cNvSpPr/>
           <p:nvPr/>
         </p:nvSpPr>
         <p:spPr>
           <a:xfrm>
-            <a:off x="381000" y="838200"/>
-            <a:ext cx="8305800" cy="5139869"/>
+            <a:off x="2819400" y="1981200"/>
+            <a:ext cx="1447800" cy="457200"/>
+          </a:xfrm>
+          <a:prstGeom prst="roundRect">
+            <a:avLst>
+              <a:gd name="adj" fmla="val 24286"/>
+            </a:avLst>
+          </a:prstGeom>
+        </p:spPr>
+        <p:style>
+          <a:lnRef idx="2">
+            <a:schemeClr val="dk1"/>
+          </a:lnRef>
+          <a:fillRef idx="1">
+            <a:schemeClr val="lt1"/>
+          </a:fillRef>
+          <a:effectRef idx="0">
+            <a:schemeClr val="dk1"/>
+          </a:effectRef>
+          <a:fontRef idx="minor">
+            <a:schemeClr val="dk1"/>
+          </a:fontRef>
+        </p:style>
+        <p:txBody>
+          <a:bodyPr rtlCol="0" anchor="ctr"/>
+          <a:lstStyle/>
+          <a:p>
+            <a:pPr algn="ctr"/>
+            <a:r>
+              <a:rPr lang="en-US" sz="1600" dirty="0" smtClean="0">
+                <a:solidFill>
+                  <a:srgbClr val="FF0000"/>
+                </a:solidFill>
+              </a:rPr>
+              <a:t>LIVE LISTER BAR</a:t>
+            </a:r>
+            <a:endParaRPr lang="en-US" sz="1600" dirty="0">
+              <a:solidFill>
+                <a:srgbClr val="FF0000"/>
+              </a:solidFill>
+            </a:endParaRPr>
+          </a:p>
+        </p:txBody>
+      </p:sp>
+      <p:cxnSp>
+        <p:nvCxnSpPr>
+          <p:cNvPr id="11" name="Straight Arrow Connector 10"/>
+          <p:cNvCxnSpPr>
+            <a:stCxn id="7" idx="3"/>
+            <a:endCxn id="9" idx="1"/>
+          </p:cNvCxnSpPr>
+          <p:nvPr/>
+        </p:nvCxnSpPr>
+        <p:spPr>
+          <a:xfrm>
+            <a:off x="2286000" y="2171700"/>
+            <a:ext cx="533400" cy="38100"/>
+          </a:xfrm>
+          <a:prstGeom prst="straightConnector1">
+            <a:avLst/>
+          </a:prstGeom>
+          <a:ln>
+            <a:tailEnd type="arrow"/>
+          </a:ln>
+        </p:spPr>
+        <p:style>
+          <a:lnRef idx="1">
+            <a:schemeClr val="accent1"/>
+          </a:lnRef>
+          <a:fillRef idx="0">
+            <a:schemeClr val="accent1"/>
+          </a:fillRef>
+          <a:effectRef idx="0">
+            <a:schemeClr val="accent1"/>
+          </a:effectRef>
+          <a:fontRef idx="minor">
+            <a:schemeClr val="tx1"/>
+          </a:fontRef>
+        </p:style>
+      </p:cxnSp>
+      <p:sp>
+        <p:nvSpPr>
+          <p:cNvPr id="12" name="Rectangle 11"/>
+          <p:cNvSpPr/>
+          <p:nvPr/>
+        </p:nvSpPr>
+        <p:spPr>
+          <a:xfrm>
+            <a:off x="4419600" y="2590800"/>
+            <a:ext cx="990600" cy="381000"/>
           </a:xfrm>
           <a:prstGeom prst="rect">
             <a:avLst/>
           </a:prstGeom>
           <a:noFill/>
         </p:spPr>
+        <p:style>
+          <a:lnRef idx="2">
+            <a:schemeClr val="dk1"/>
+          </a:lnRef>
+          <a:fillRef idx="1">
+            <a:schemeClr val="lt1"/>
+          </a:fillRef>
+          <a:effectRef idx="0">
+            <a:schemeClr val="dk1"/>
+          </a:effectRef>
+          <a:fontRef idx="minor">
+            <a:schemeClr val="dk1"/>
+          </a:fontRef>
+        </p:style>
+        <p:txBody>
+          <a:bodyPr rtlCol="0" anchor="ctr"/>
+          <a:lstStyle/>
+          <a:p>
+            <a:pPr algn="ctr"/>
+            <a:endParaRPr lang="en-US"/>
+          </a:p>
+        </p:txBody>
+      </p:sp>
+      <p:sp>
+        <p:nvSpPr>
+          <p:cNvPr id="13" name="Rounded Rectangle 12"/>
+          <p:cNvSpPr/>
+          <p:nvPr/>
+        </p:nvSpPr>
+        <p:spPr>
+          <a:xfrm>
+            <a:off x="6324600" y="2743200"/>
+            <a:ext cx="1905000" cy="685800"/>
+          </a:xfrm>
+          <a:prstGeom prst="roundRect">
+            <a:avLst/>
+          </a:prstGeom>
+        </p:spPr>
+        <p:style>
+          <a:lnRef idx="2">
+            <a:schemeClr val="dk1"/>
+          </a:lnRef>
+          <a:fillRef idx="1">
+            <a:schemeClr val="lt1"/>
+          </a:fillRef>
+          <a:effectRef idx="0">
+            <a:schemeClr val="dk1"/>
+          </a:effectRef>
+          <a:fontRef idx="minor">
+            <a:schemeClr val="dk1"/>
+          </a:fontRef>
+        </p:style>
+        <p:txBody>
+          <a:bodyPr rtlCol="0" anchor="ctr"/>
+          <a:lstStyle/>
+          <a:p>
+            <a:pPr algn="ctr"/>
+            <a:r>
+              <a:rPr lang="en-US" sz="1600" dirty="0" smtClean="0">
+                <a:solidFill>
+                  <a:srgbClr val="FF0000"/>
+                </a:solidFill>
+              </a:rPr>
+              <a:t>REQUEST BAR</a:t>
+            </a:r>
+            <a:endParaRPr lang="en-US" sz="1600" dirty="0">
+              <a:solidFill>
+                <a:srgbClr val="FF0000"/>
+              </a:solidFill>
+            </a:endParaRPr>
+          </a:p>
+        </p:txBody>
+      </p:sp>
+      <p:cxnSp>
+        <p:nvCxnSpPr>
+          <p:cNvPr id="15" name="Straight Arrow Connector 14"/>
+          <p:cNvCxnSpPr>
+            <a:stCxn id="12" idx="3"/>
+            <a:endCxn id="13" idx="1"/>
+          </p:cNvCxnSpPr>
+          <p:nvPr/>
+        </p:nvCxnSpPr>
+        <p:spPr>
+          <a:xfrm>
+            <a:off x="5410200" y="2781300"/>
+            <a:ext cx="914400" cy="304800"/>
+          </a:xfrm>
+          <a:prstGeom prst="straightConnector1">
+            <a:avLst/>
+          </a:prstGeom>
+          <a:ln>
+            <a:tailEnd type="arrow"/>
+          </a:ln>
+        </p:spPr>
+        <p:style>
+          <a:lnRef idx="1">
+            <a:schemeClr val="accent1"/>
+          </a:lnRef>
+          <a:fillRef idx="0">
+            <a:schemeClr val="accent1"/>
+          </a:fillRef>
+          <a:effectRef idx="0">
+            <a:schemeClr val="accent1"/>
+          </a:effectRef>
+          <a:fontRef idx="minor">
+            <a:schemeClr val="tx1"/>
+          </a:fontRef>
+        </p:style>
+      </p:cxnSp>
+      <p:sp>
+        <p:nvSpPr>
+          <p:cNvPr id="16" name="TextBox 15"/>
+          <p:cNvSpPr txBox="1"/>
+          <p:nvPr/>
+        </p:nvSpPr>
+        <p:spPr>
+          <a:xfrm>
+            <a:off x="609600" y="5410200"/>
+            <a:ext cx="3505200" cy="369332"/>
+          </a:xfrm>
+          <a:prstGeom prst="rect">
+            <a:avLst/>
+          </a:prstGeom>
+          <a:noFill/>
+        </p:spPr>
         <p:txBody>
           <a:bodyPr wrap="square" rtlCol="0">
             <a:spAutoFit/>
@@ -10567,67 +10572,40 @@
           <a:lstStyle/>
           <a:p>
             <a:r>
-              <a:rPr lang="en-US" sz="2400" dirty="0" smtClean="0"/>
-              <a:t>CONCLUSION :</a:t>
-            </a:r>
-          </a:p>
-          <a:p>
-            <a:r>
-              <a:rPr lang="en-US" sz="2000" dirty="0" smtClean="0"/>
-              <a:t>	1. Thus a game with could be played in multiplayer mode from separate 	devices is developed </a:t>
-            </a:r>
-          </a:p>
-          <a:p>
-            <a:endParaRPr lang="en-US" sz="2000" dirty="0" smtClean="0"/>
-          </a:p>
-          <a:p>
-            <a:r>
-              <a:rPr lang="en-US" sz="2000" dirty="0" smtClean="0"/>
-              <a:t>	2. Collected the user moves data.</a:t>
-            </a:r>
-          </a:p>
-          <a:p>
-            <a:endParaRPr lang="en-US" sz="2000" dirty="0" smtClean="0"/>
-          </a:p>
-          <a:p>
-            <a:r>
-              <a:rPr lang="en-US" sz="2000" dirty="0" smtClean="0"/>
-              <a:t>	3. Did a prediction on collected data for  helping the computer snake to have a better moves again the human a opponent.</a:t>
-            </a:r>
-          </a:p>
-          <a:p>
-            <a:endParaRPr lang="en-US" sz="2000" dirty="0" smtClean="0"/>
-          </a:p>
-          <a:p>
-            <a:r>
-              <a:rPr lang="en-US" sz="2400" dirty="0" smtClean="0"/>
-              <a:t>FUTURE WORKS :</a:t>
-            </a:r>
-          </a:p>
-          <a:p>
-            <a:r>
-              <a:rPr lang="en-US" sz="2000" dirty="0" smtClean="0"/>
-              <a:t>	1. Construct a more efficient model to predict a more personalized user move</a:t>
-            </a:r>
-          </a:p>
-          <a:p>
-            <a:endParaRPr lang="en-US" sz="2000" dirty="0" smtClean="0"/>
-          </a:p>
-          <a:p>
-            <a:r>
-              <a:rPr lang="en-US" sz="2000" dirty="0" smtClean="0"/>
-              <a:t>	2. Enabling more than two players to play on a single game board.</a:t>
-            </a:r>
-          </a:p>
-          <a:p>
-            <a:endParaRPr lang="en-US" sz="2000" dirty="0" smtClean="0"/>
-          </a:p>
-          <a:p>
-            <a:r>
-              <a:rPr lang="en-US" sz="2000" dirty="0" smtClean="0"/>
-              <a:t>	3.Enabling the dynamic game board size.</a:t>
-            </a:r>
-            <a:endParaRPr lang="en-US" sz="2000" dirty="0"/>
+              <a:rPr lang="en-US" dirty="0" smtClean="0"/>
+              <a:t>User U1 -&gt; live user bar</a:t>
+            </a:r>
+            <a:endParaRPr lang="en-US" dirty="0"/>
+          </a:p>
+        </p:txBody>
+      </p:sp>
+      <p:sp>
+        <p:nvSpPr>
+          <p:cNvPr id="17" name="TextBox 16"/>
+          <p:cNvSpPr txBox="1"/>
+          <p:nvPr/>
+        </p:nvSpPr>
+        <p:spPr>
+          <a:xfrm>
+            <a:off x="4648200" y="5410200"/>
+            <a:ext cx="3505200" cy="369332"/>
+          </a:xfrm>
+          <a:prstGeom prst="rect">
+            <a:avLst/>
+          </a:prstGeom>
+          <a:noFill/>
+        </p:spPr>
+        <p:txBody>
+          <a:bodyPr wrap="square" rtlCol="0">
+            <a:spAutoFit/>
+          </a:bodyPr>
+          <a:lstStyle/>
+          <a:p>
+            <a:r>
+              <a:rPr lang="en-US" dirty="0" smtClean="0"/>
+              <a:t>User U2-&gt; request bar</a:t>
+            </a:r>
+            <a:endParaRPr lang="en-US" dirty="0"/>
           </a:p>
         </p:txBody>
       </p:sp>
@@ -10640,6 +10618,307 @@
 </file>
 
 <file path=ppt/slides/slide37.xml><?xml version="1.0" encoding="utf-8"?>
+<p:sld xmlns:a="http://schemas.openxmlformats.org/drawingml/2006/main" xmlns:r="http://schemas.openxmlformats.org/officeDocument/2006/relationships" xmlns:p="http://schemas.openxmlformats.org/presentationml/2006/main">
+  <p:cSld>
+    <p:spTree>
+      <p:nvGrpSpPr>
+        <p:cNvPr id="1" name=""/>
+        <p:cNvGrpSpPr/>
+        <p:nvPr/>
+      </p:nvGrpSpPr>
+      <p:grpSpPr>
+        <a:xfrm>
+          <a:off x="0" y="0"/>
+          <a:ext cx="0" cy="0"/>
+          <a:chOff x="0" y="0"/>
+          <a:chExt cx="0" cy="0"/>
+        </a:xfrm>
+      </p:grpSpPr>
+      <p:sp>
+        <p:nvSpPr>
+          <p:cNvPr id="2" name="Title 1"/>
+          <p:cNvSpPr>
+            <a:spLocks noGrp="1"/>
+          </p:cNvSpPr>
+          <p:nvPr>
+            <p:ph type="title"/>
+          </p:nvPr>
+        </p:nvSpPr>
+        <p:spPr/>
+        <p:txBody>
+          <a:bodyPr>
+            <a:normAutofit/>
+          </a:bodyPr>
+          <a:lstStyle/>
+          <a:p>
+            <a:r>
+              <a:rPr lang="en-US" sz="2800" b="1" dirty="0" smtClean="0"/>
+              <a:t>SNAPSHOT</a:t>
+            </a:r>
+            <a:endParaRPr lang="en-US" sz="2800" b="1" dirty="0"/>
+          </a:p>
+        </p:txBody>
+      </p:sp>
+      <p:pic>
+        <p:nvPicPr>
+          <p:cNvPr id="5" name="Content Placeholder 4" descr="calibration time.PNG"/>
+          <p:cNvPicPr>
+            <a:picLocks noGrp="1" noChangeAspect="1"/>
+          </p:cNvPicPr>
+          <p:nvPr>
+            <p:ph sz="half" idx="1"/>
+          </p:nvPr>
+        </p:nvPicPr>
+        <p:blipFill>
+          <a:blip r:embed="rId2"/>
+          <a:stretch>
+            <a:fillRect/>
+          </a:stretch>
+        </p:blipFill>
+        <p:spPr>
+          <a:xfrm>
+            <a:off x="457200" y="1600200"/>
+            <a:ext cx="4038600" cy="3962400"/>
+          </a:xfrm>
+        </p:spPr>
+      </p:pic>
+      <p:pic>
+        <p:nvPicPr>
+          <p:cNvPr id="6" name="Content Placeholder 5" descr="win.PNG"/>
+          <p:cNvPicPr>
+            <a:picLocks noGrp="1" noChangeAspect="1"/>
+          </p:cNvPicPr>
+          <p:nvPr>
+            <p:ph sz="half" idx="2"/>
+          </p:nvPr>
+        </p:nvPicPr>
+        <p:blipFill>
+          <a:blip r:embed="rId3"/>
+          <a:stretch>
+            <a:fillRect/>
+          </a:stretch>
+        </p:blipFill>
+        <p:spPr>
+          <a:xfrm>
+            <a:off x="4648200" y="1676400"/>
+            <a:ext cx="4038600" cy="3810000"/>
+          </a:xfrm>
+        </p:spPr>
+      </p:pic>
+      <p:sp>
+        <p:nvSpPr>
+          <p:cNvPr id="7" name="TextBox 6"/>
+          <p:cNvSpPr txBox="1"/>
+          <p:nvPr/>
+        </p:nvSpPr>
+        <p:spPr>
+          <a:xfrm>
+            <a:off x="533400" y="5867400"/>
+            <a:ext cx="3886200" cy="369332"/>
+          </a:xfrm>
+          <a:prstGeom prst="rect">
+            <a:avLst/>
+          </a:prstGeom>
+          <a:noFill/>
+        </p:spPr>
+        <p:txBody>
+          <a:bodyPr wrap="square" rtlCol="0">
+            <a:spAutoFit/>
+          </a:bodyPr>
+          <a:lstStyle/>
+          <a:p>
+            <a:pPr algn="ctr"/>
+            <a:r>
+              <a:rPr lang="en-US" dirty="0" smtClean="0"/>
+              <a:t>Calibration of the game board</a:t>
+            </a:r>
+            <a:endParaRPr lang="en-US" dirty="0"/>
+          </a:p>
+        </p:txBody>
+      </p:sp>
+      <p:sp>
+        <p:nvSpPr>
+          <p:cNvPr id="8" name="TextBox 7"/>
+          <p:cNvSpPr txBox="1"/>
+          <p:nvPr/>
+        </p:nvSpPr>
+        <p:spPr>
+          <a:xfrm>
+            <a:off x="4724400" y="5867400"/>
+            <a:ext cx="3886200" cy="369332"/>
+          </a:xfrm>
+          <a:prstGeom prst="rect">
+            <a:avLst/>
+          </a:prstGeom>
+          <a:noFill/>
+        </p:spPr>
+        <p:txBody>
+          <a:bodyPr wrap="square" rtlCol="0">
+            <a:spAutoFit/>
+          </a:bodyPr>
+          <a:lstStyle/>
+          <a:p>
+            <a:pPr algn="ctr"/>
+            <a:r>
+              <a:rPr lang="en-US" dirty="0" smtClean="0"/>
+              <a:t>Game end</a:t>
+            </a:r>
+            <a:endParaRPr lang="en-US" dirty="0"/>
+          </a:p>
+        </p:txBody>
+      </p:sp>
+    </p:spTree>
+  </p:cSld>
+  <p:clrMapOvr>
+    <a:masterClrMapping/>
+  </p:clrMapOvr>
+</p:sld>
+</file>
+
+<file path=ppt/slides/slide38.xml><?xml version="1.0" encoding="utf-8"?>
+<p:sld xmlns:a="http://schemas.openxmlformats.org/drawingml/2006/main" xmlns:r="http://schemas.openxmlformats.org/officeDocument/2006/relationships" xmlns:p="http://schemas.openxmlformats.org/presentationml/2006/main">
+  <p:cSld>
+    <p:spTree>
+      <p:nvGrpSpPr>
+        <p:cNvPr id="1" name=""/>
+        <p:cNvGrpSpPr/>
+        <p:nvPr/>
+      </p:nvGrpSpPr>
+      <p:grpSpPr>
+        <a:xfrm>
+          <a:off x="0" y="0"/>
+          <a:ext cx="0" cy="0"/>
+          <a:chOff x="0" y="0"/>
+          <a:chExt cx="0" cy="0"/>
+        </a:xfrm>
+      </p:grpSpPr>
+      <p:sp>
+        <p:nvSpPr>
+          <p:cNvPr id="2" name="TextBox 1"/>
+          <p:cNvSpPr txBox="1"/>
+          <p:nvPr/>
+        </p:nvSpPr>
+        <p:spPr>
+          <a:xfrm>
+            <a:off x="609600" y="381000"/>
+            <a:ext cx="7543800" cy="523220"/>
+          </a:xfrm>
+          <a:prstGeom prst="rect">
+            <a:avLst/>
+          </a:prstGeom>
+          <a:noFill/>
+        </p:spPr>
+        <p:txBody>
+          <a:bodyPr wrap="square" rtlCol="0">
+            <a:spAutoFit/>
+          </a:bodyPr>
+          <a:lstStyle/>
+          <a:p>
+            <a:pPr algn="ctr"/>
+            <a:r>
+              <a:rPr lang="en-US" sz="2800" b="1" dirty="0" smtClean="0"/>
+              <a:t>CONCLUSION AND FUTURE WORK</a:t>
+            </a:r>
+            <a:endParaRPr lang="en-US" sz="2800" b="1" dirty="0"/>
+          </a:p>
+        </p:txBody>
+      </p:sp>
+      <p:sp>
+        <p:nvSpPr>
+          <p:cNvPr id="3" name="TextBox 2"/>
+          <p:cNvSpPr txBox="1"/>
+          <p:nvPr/>
+        </p:nvSpPr>
+        <p:spPr>
+          <a:xfrm>
+            <a:off x="381000" y="838200"/>
+            <a:ext cx="8305800" cy="5139869"/>
+          </a:xfrm>
+          <a:prstGeom prst="rect">
+            <a:avLst/>
+          </a:prstGeom>
+          <a:noFill/>
+        </p:spPr>
+        <p:txBody>
+          <a:bodyPr wrap="square" rtlCol="0">
+            <a:spAutoFit/>
+          </a:bodyPr>
+          <a:lstStyle/>
+          <a:p>
+            <a:r>
+              <a:rPr lang="en-US" sz="2400" dirty="0" smtClean="0"/>
+              <a:t>CONCLUSION :</a:t>
+            </a:r>
+          </a:p>
+          <a:p>
+            <a:r>
+              <a:rPr lang="en-US" sz="2000" dirty="0" smtClean="0"/>
+              <a:t>	1. Thus a game with could be played in multiplayer mode from separate 	devices is developed </a:t>
+            </a:r>
+          </a:p>
+          <a:p>
+            <a:endParaRPr lang="en-US" sz="2000" dirty="0" smtClean="0"/>
+          </a:p>
+          <a:p>
+            <a:r>
+              <a:rPr lang="en-US" sz="2000" dirty="0" smtClean="0"/>
+              <a:t>	2. Collected the user moves data.</a:t>
+            </a:r>
+          </a:p>
+          <a:p>
+            <a:endParaRPr lang="en-US" sz="2000" dirty="0" smtClean="0"/>
+          </a:p>
+          <a:p>
+            <a:r>
+              <a:rPr lang="en-US" sz="2000" dirty="0" smtClean="0"/>
+              <a:t>	3. Did a prediction on collected data for  helping the computer snake to have a better moves again the human a opponent.</a:t>
+            </a:r>
+          </a:p>
+          <a:p>
+            <a:endParaRPr lang="en-US" sz="2000" dirty="0" smtClean="0"/>
+          </a:p>
+          <a:p>
+            <a:r>
+              <a:rPr lang="en-US" sz="2400" dirty="0" smtClean="0"/>
+              <a:t>FUTURE WORKS :</a:t>
+            </a:r>
+          </a:p>
+          <a:p>
+            <a:r>
+              <a:rPr lang="en-US" sz="2000" dirty="0" smtClean="0"/>
+              <a:t>	1. Construct a more efficient model to predict a more personalized user move</a:t>
+            </a:r>
+          </a:p>
+          <a:p>
+            <a:endParaRPr lang="en-US" sz="2000" dirty="0" smtClean="0"/>
+          </a:p>
+          <a:p>
+            <a:r>
+              <a:rPr lang="en-US" sz="2000" dirty="0" smtClean="0"/>
+              <a:t>	2. Enabling more than two players to play on a single game board.</a:t>
+            </a:r>
+          </a:p>
+          <a:p>
+            <a:endParaRPr lang="en-US" sz="2000" dirty="0" smtClean="0"/>
+          </a:p>
+          <a:p>
+            <a:r>
+              <a:rPr lang="en-US" sz="2000" dirty="0" smtClean="0"/>
+              <a:t>	3.Enabling the dynamic game board size.</a:t>
+            </a:r>
+            <a:endParaRPr lang="en-US" sz="2000" dirty="0"/>
+          </a:p>
+        </p:txBody>
+      </p:sp>
+    </p:spTree>
+  </p:cSld>
+  <p:clrMapOvr>
+    <a:masterClrMapping/>
+  </p:clrMapOvr>
+</p:sld>
+</file>
+
+<file path=ppt/slides/slide39.xml><?xml version="1.0" encoding="utf-8"?>
 <p:sld xmlns:a="http://schemas.openxmlformats.org/drawingml/2006/main" xmlns:r="http://schemas.openxmlformats.org/officeDocument/2006/relationships" xmlns:p="http://schemas.openxmlformats.org/presentationml/2006/main">
   <p:cSld>
     <p:spTree>
@@ -10743,31 +11022,31 @@
       </p:grpSpPr>
       <p:sp>
         <p:nvSpPr>
-          <p:cNvPr id="2" name="Title 1"/>
-          <p:cNvSpPr>
-            <a:spLocks noGrp="1"/>
-          </p:cNvSpPr>
-          <p:nvPr>
-            <p:ph type="title"/>
-          </p:nvPr>
-        </p:nvSpPr>
-        <p:spPr>
-          <a:xfrm>
-            <a:off x="457200" y="2743200"/>
-            <a:ext cx="8229600" cy="1143000"/>
-          </a:xfrm>
-        </p:spPr>
-        <p:txBody>
-          <a:bodyPr>
-            <a:normAutofit/>
+          <p:cNvPr id="2" name="TextBox 1"/>
+          <p:cNvSpPr txBox="1"/>
+          <p:nvPr/>
+        </p:nvSpPr>
+        <p:spPr>
+          <a:xfrm>
+            <a:off x="838200" y="381000"/>
+            <a:ext cx="7315200" cy="523220"/>
+          </a:xfrm>
+          <a:prstGeom prst="rect">
+            <a:avLst/>
+          </a:prstGeom>
+          <a:noFill/>
+        </p:spPr>
+        <p:txBody>
+          <a:bodyPr wrap="square" rtlCol="0">
+            <a:spAutoFit/>
           </a:bodyPr>
           <a:lstStyle/>
           <a:p>
             <a:r>
-              <a:rPr lang="en-US" sz="6600" b="1" dirty="0" smtClean="0"/>
-              <a:t>INTRODUCTION</a:t>
-            </a:r>
-            <a:endParaRPr lang="en-US" sz="6600" b="1" dirty="0"/>
+              <a:rPr lang="en-US" sz="2800" dirty="0" smtClean="0"/>
+              <a:t>PROBLEM STATEMENT</a:t>
+            </a:r>
+            <a:endParaRPr lang="en-US" sz="2800" dirty="0"/>
           </a:p>
         </p:txBody>
       </p:sp>
@@ -10776,13 +11055,6 @@
   <p:clrMapOvr>
     <a:masterClrMapping/>
   </p:clrMapOvr>
-  <p:timing>
-    <p:tnLst>
-      <p:par>
-        <p:cTn id="1" dur="indefinite" restart="never" nodeType="tmRoot"/>
-      </p:par>
-    </p:tnLst>
-  </p:timing>
 </p:sld>
 </file>
 
@@ -10805,142 +11077,74 @@
       </p:grpSpPr>
       <p:sp>
         <p:nvSpPr>
-          <p:cNvPr id="2" name="TextBox 1"/>
-          <p:cNvSpPr txBox="1"/>
-          <p:nvPr/>
-        </p:nvSpPr>
-        <p:spPr>
-          <a:xfrm>
-            <a:off x="304800" y="304800"/>
-            <a:ext cx="8458200" cy="523220"/>
-          </a:xfrm>
-          <a:prstGeom prst="rect">
-            <a:avLst/>
-          </a:prstGeom>
-          <a:noFill/>
-          <a:ln>
-            <a:noFill/>
-          </a:ln>
-        </p:spPr>
-        <p:style>
-          <a:lnRef idx="2">
-            <a:schemeClr val="dk1"/>
-          </a:lnRef>
-          <a:fillRef idx="1">
-            <a:schemeClr val="lt1"/>
-          </a:fillRef>
-          <a:effectRef idx="0">
-            <a:schemeClr val="dk1"/>
-          </a:effectRef>
-          <a:fontRef idx="minor">
-            <a:schemeClr val="dk1"/>
-          </a:fontRef>
-        </p:style>
-        <p:txBody>
-          <a:bodyPr wrap="square" rtlCol="0">
-            <a:spAutoFit/>
+          <p:cNvPr id="2" name="Title 1"/>
+          <p:cNvSpPr>
+            <a:spLocks noGrp="1"/>
+          </p:cNvSpPr>
+          <p:nvPr>
+            <p:ph type="title"/>
+          </p:nvPr>
+        </p:nvSpPr>
+        <p:spPr/>
+        <p:txBody>
+          <a:bodyPr/>
+          <a:lstStyle/>
+          <a:p>
+            <a:pPr algn="l"/>
+            <a:r>
+              <a:rPr lang="en-US" dirty="0" smtClean="0"/>
+              <a:t>SCOPE AND JUSTIFICATION</a:t>
+            </a:r>
+            <a:endParaRPr lang="en-US" dirty="0"/>
+          </a:p>
+        </p:txBody>
+      </p:sp>
+      <p:sp>
+        <p:nvSpPr>
+          <p:cNvPr id="3" name="Content Placeholder 2"/>
+          <p:cNvSpPr>
+            <a:spLocks noGrp="1"/>
+          </p:cNvSpPr>
+          <p:nvPr>
+            <p:ph idx="1"/>
+          </p:nvPr>
+        </p:nvSpPr>
+        <p:spPr/>
+        <p:txBody>
+          <a:bodyPr>
+            <a:normAutofit lnSpcReduction="10000"/>
           </a:bodyPr>
           <a:lstStyle/>
           <a:p>
-            <a:r>
-              <a:rPr lang="en-US" sz="2800" b="1" dirty="0" smtClean="0"/>
-              <a:t>SINGLE PLAYER SNAKE GAME:</a:t>
-            </a:r>
-            <a:endParaRPr lang="en-US" sz="2800" b="1" dirty="0"/>
-          </a:p>
-        </p:txBody>
-      </p:sp>
-      <p:sp>
-        <p:nvSpPr>
-          <p:cNvPr id="3" name="TextBox 2"/>
-          <p:cNvSpPr txBox="1"/>
-          <p:nvPr/>
-        </p:nvSpPr>
-        <p:spPr>
-          <a:xfrm>
-            <a:off x="381000" y="1143000"/>
-            <a:ext cx="8305800" cy="4893647"/>
-          </a:xfrm>
-          <a:prstGeom prst="rect">
-            <a:avLst/>
-          </a:prstGeom>
-          <a:noFill/>
-        </p:spPr>
-        <p:txBody>
-          <a:bodyPr wrap="square" rtlCol="0">
-            <a:spAutoFit/>
-          </a:bodyPr>
-          <a:lstStyle/>
-          <a:p>
-            <a:pPr>
-              <a:buFont typeface="Arial" pitchFamily="34" charset="0"/>
-              <a:buChar char="•"/>
-            </a:pPr>
-            <a:r>
-              <a:rPr lang="en-US" sz="2400" dirty="0" smtClean="0"/>
-              <a:t> Game board  consist of 2 dimensional space which has walls at the borders.</a:t>
-            </a:r>
-          </a:p>
-          <a:p>
-            <a:endParaRPr lang="en-US" sz="2400" dirty="0" smtClean="0"/>
-          </a:p>
-          <a:p>
-            <a:pPr>
-              <a:buFont typeface="Arial" pitchFamily="34" charset="0"/>
-              <a:buChar char="•"/>
-            </a:pPr>
-            <a:r>
-              <a:rPr lang="en-US" sz="2400" dirty="0" smtClean="0"/>
-              <a:t> An User’s Snake is allowed to move around the 2-D space without dashing the wall.</a:t>
-            </a:r>
-          </a:p>
-          <a:p>
-            <a:endParaRPr lang="en-US" sz="2400" dirty="0" smtClean="0"/>
-          </a:p>
-          <a:p>
-            <a:pPr>
-              <a:buFont typeface="Arial" pitchFamily="34" charset="0"/>
-              <a:buChar char="•"/>
-            </a:pPr>
-            <a:r>
-              <a:rPr lang="en-US" sz="2400" dirty="0" smtClean="0"/>
-              <a:t> A symbol denoting the food will randomly paced anywhere in the 2-D space.</a:t>
-            </a:r>
-          </a:p>
-          <a:p>
-            <a:endParaRPr lang="en-US" sz="2400" dirty="0" smtClean="0"/>
-          </a:p>
-          <a:p>
-            <a:pPr>
-              <a:buFont typeface="Arial" pitchFamily="34" charset="0"/>
-              <a:buChar char="•"/>
-            </a:pPr>
-            <a:r>
-              <a:rPr lang="en-US" sz="2400" dirty="0"/>
-              <a:t> </a:t>
-            </a:r>
-            <a:r>
-              <a:rPr lang="en-US" sz="2400" dirty="0" smtClean="0"/>
-              <a:t>If the user catch the food, length of the snake body increases</a:t>
-            </a:r>
-          </a:p>
-          <a:p>
-            <a:endParaRPr lang="en-US" sz="2400" dirty="0" smtClean="0"/>
-          </a:p>
-          <a:p>
-            <a:pPr>
-              <a:buFont typeface="Arial" pitchFamily="34" charset="0"/>
-              <a:buChar char="•"/>
-            </a:pPr>
-            <a:r>
-              <a:rPr lang="en-US" sz="2400" dirty="0"/>
-              <a:t> </a:t>
-            </a:r>
-            <a:r>
-              <a:rPr lang="en-US" sz="2400" dirty="0" smtClean="0"/>
-              <a:t>The food will be available only for few seconds.</a:t>
-            </a:r>
-            <a:endParaRPr lang="en-US" sz="2400" dirty="0"/>
+            <a:pPr lvl="1">
+              <a:buFont typeface="Arial" pitchFamily="34" charset="0"/>
+              <a:buChar char="•"/>
+            </a:pPr>
+            <a:r>
+              <a:rPr lang="en-US" dirty="0" smtClean="0"/>
+              <a:t>To collect the data from user using a snake game and develop computer that plays like a human player </a:t>
+            </a:r>
+          </a:p>
+          <a:p>
+            <a:pPr lvl="1">
+              <a:buFont typeface="Arial" pitchFamily="34" charset="0"/>
+              <a:buChar char="•"/>
+            </a:pPr>
+            <a:r>
+              <a:rPr lang="en-US" dirty="0" smtClean="0"/>
+              <a:t>In this project the snake can detect shortest the path to the co-ordinates of the food and can predict the opponents move make a counter move escape from players attack.</a:t>
+            </a:r>
+          </a:p>
+          <a:p>
+            <a:pPr lvl="1">
+              <a:buFont typeface="Arial" pitchFamily="34" charset="0"/>
+              <a:buChar char="•"/>
+            </a:pPr>
+            <a:r>
+              <a:rPr lang="en-US" dirty="0" smtClean="0"/>
+              <a:t>The need to implement this project is to add feature to game by introducing a computer snake which can make more interesting.</a:t>
+            </a:r>
+            <a:endParaRPr lang="en-US" dirty="0"/>
           </a:p>
         </p:txBody>
       </p:sp>
@@ -10978,106 +11182,31 @@
       </p:grpSpPr>
       <p:sp>
         <p:nvSpPr>
-          <p:cNvPr id="2" name="TextBox 1"/>
-          <p:cNvSpPr txBox="1"/>
-          <p:nvPr/>
-        </p:nvSpPr>
-        <p:spPr>
-          <a:xfrm>
-            <a:off x="457200" y="381000"/>
-            <a:ext cx="8001000" cy="461665"/>
-          </a:xfrm>
-          <a:prstGeom prst="rect">
-            <a:avLst/>
-          </a:prstGeom>
-          <a:ln>
-            <a:noFill/>
-          </a:ln>
-        </p:spPr>
-        <p:style>
-          <a:lnRef idx="2">
-            <a:schemeClr val="dk1"/>
-          </a:lnRef>
-          <a:fillRef idx="1">
-            <a:schemeClr val="lt1"/>
-          </a:fillRef>
-          <a:effectRef idx="0">
-            <a:schemeClr val="dk1"/>
-          </a:effectRef>
-          <a:fontRef idx="minor">
-            <a:schemeClr val="dk1"/>
-          </a:fontRef>
-        </p:style>
-        <p:txBody>
-          <a:bodyPr wrap="square" rtlCol="0">
-            <a:spAutoFit/>
+          <p:cNvPr id="2" name="Title 1"/>
+          <p:cNvSpPr>
+            <a:spLocks noGrp="1"/>
+          </p:cNvSpPr>
+          <p:nvPr>
+            <p:ph type="title"/>
+          </p:nvPr>
+        </p:nvSpPr>
+        <p:spPr>
+          <a:xfrm>
+            <a:off x="457200" y="2743200"/>
+            <a:ext cx="8229600" cy="1143000"/>
+          </a:xfrm>
+        </p:spPr>
+        <p:txBody>
+          <a:bodyPr>
+            <a:normAutofit/>
           </a:bodyPr>
           <a:lstStyle/>
           <a:p>
             <a:r>
-              <a:rPr lang="en-US" sz="2400" b="1" dirty="0" smtClean="0">
-                <a:solidFill>
-                  <a:schemeClr val="tx1"/>
-                </a:solidFill>
-              </a:rPr>
-              <a:t>WINNING STAGE FOR SINGLE PLAYER GAME MODE</a:t>
-            </a:r>
-            <a:endParaRPr lang="en-US" sz="2400" b="1" dirty="0">
-              <a:solidFill>
-                <a:schemeClr val="tx1"/>
-              </a:solidFill>
-            </a:endParaRPr>
-          </a:p>
-        </p:txBody>
-      </p:sp>
-      <p:sp>
-        <p:nvSpPr>
-          <p:cNvPr id="3" name="TextBox 2"/>
-          <p:cNvSpPr txBox="1"/>
-          <p:nvPr/>
-        </p:nvSpPr>
-        <p:spPr>
-          <a:xfrm>
-            <a:off x="457200" y="1295400"/>
-            <a:ext cx="8001000" cy="1938992"/>
-          </a:xfrm>
-          <a:prstGeom prst="rect">
-            <a:avLst/>
-          </a:prstGeom>
-          <a:noFill/>
-        </p:spPr>
-        <p:txBody>
-          <a:bodyPr wrap="square" rtlCol="0">
-            <a:spAutoFit/>
-          </a:bodyPr>
-          <a:lstStyle/>
-          <a:p>
-            <a:pPr>
-              <a:buFont typeface="Arial" pitchFamily="34" charset="0"/>
-              <a:buChar char="•"/>
-            </a:pPr>
-            <a:r>
-              <a:rPr lang="en-US" sz="2000" dirty="0" smtClean="0"/>
-              <a:t> There is no exact ending point for this mode ,The player can continue playing as long as he did not hit the wall or bites his own snake body.</a:t>
-            </a:r>
-          </a:p>
-          <a:p>
-            <a:pPr>
-              <a:buFont typeface="Arial" pitchFamily="34" charset="0"/>
-              <a:buChar char="•"/>
-            </a:pPr>
-            <a:endParaRPr lang="en-US" sz="2000" dirty="0" smtClean="0"/>
-          </a:p>
-          <a:p>
-            <a:pPr>
-              <a:buFont typeface="Arial" pitchFamily="34" charset="0"/>
-              <a:buChar char="•"/>
-            </a:pPr>
-            <a:r>
-              <a:rPr lang="en-US" sz="2000" dirty="0" smtClean="0"/>
-              <a:t> So the major challenge in this type of game is to decide the correct path to get the food and to continue survival.</a:t>
-            </a:r>
-            <a:endParaRPr lang="en-US" sz="2000" dirty="0"/>
+              <a:rPr lang="en-US" sz="6600" b="1" dirty="0" smtClean="0"/>
+              <a:t>INTRODUCTION</a:t>
+            </a:r>
+            <a:endParaRPr lang="en-US" sz="6600" b="1" dirty="0"/>
           </a:p>
         </p:txBody>
       </p:sp>
@@ -11122,11 +11251,12 @@
         <p:spPr>
           <a:xfrm>
             <a:off x="304800" y="304800"/>
-            <a:ext cx="7772400" cy="461665"/>
+            <a:ext cx="8458200" cy="523220"/>
           </a:xfrm>
           <a:prstGeom prst="rect">
             <a:avLst/>
           </a:prstGeom>
+          <a:noFill/>
           <a:ln>
             <a:noFill/>
           </a:ln>
@@ -11152,10 +11282,10 @@
           <a:lstStyle/>
           <a:p>
             <a:r>
-              <a:rPr lang="en-US" sz="2400" b="1" dirty="0" smtClean="0"/>
-              <a:t>ROLE OF AI IN SINGLE PLAYERE MODE</a:t>
-            </a:r>
-            <a:endParaRPr lang="en-US" sz="2400" b="1" dirty="0"/>
+              <a:rPr lang="en-US" sz="2800" b="1" dirty="0" smtClean="0"/>
+              <a:t>SINGLE PLAYER SNAKE GAME:</a:t>
+            </a:r>
+            <a:endParaRPr lang="en-US" sz="2800" b="1" dirty="0"/>
           </a:p>
         </p:txBody>
       </p:sp>
@@ -11167,8 +11297,8 @@
         </p:nvSpPr>
         <p:spPr>
           <a:xfrm>
-            <a:off x="381000" y="1066800"/>
-            <a:ext cx="8001000" cy="3046988"/>
+            <a:off x="381000" y="1143000"/>
+            <a:ext cx="8305800" cy="4893647"/>
           </a:xfrm>
           <a:prstGeom prst="rect">
             <a:avLst/>
@@ -11187,15 +11317,24 @@
             </a:pPr>
             <a:r>
               <a:rPr lang="en-US" sz="2400" dirty="0" smtClean="0"/>
-              <a:t> To find the optimal path to reach the food Co-ordinate with out hitting the wall or biting the body.</a:t>
-            </a:r>
+              <a:t> Game board  consist of 2 dimensional space which has walls at the borders.</a:t>
+            </a:r>
+          </a:p>
+          <a:p>
+            <a:endParaRPr lang="en-US" sz="2400" dirty="0" smtClean="0"/>
           </a:p>
           <a:p>
             <a:pPr>
               <a:buFont typeface="Arial" pitchFamily="34" charset="0"/>
               <a:buChar char="•"/>
             </a:pPr>
-            <a:endParaRPr lang="en-US" sz="2400" dirty="0"/>
+            <a:r>
+              <a:rPr lang="en-US" sz="2400" dirty="0" smtClean="0"/>
+              <a:t> An User’s Snake is allowed to move around the 2-D space without dashing the wall.</a:t>
+            </a:r>
+          </a:p>
+          <a:p>
+            <a:endParaRPr lang="en-US" sz="2400" dirty="0" smtClean="0"/>
           </a:p>
           <a:p>
             <a:pPr>
@@ -11204,15 +11343,28 @@
             </a:pPr>
             <a:r>
               <a:rPr lang="en-US" sz="2400" dirty="0" smtClean="0"/>
-              <a:t> To avoid the failing situations and to increase the survival time .</a:t>
-            </a:r>
+              <a:t> A symbol denoting the food will randomly paced anywhere in the 2-D space.</a:t>
+            </a:r>
+          </a:p>
+          <a:p>
+            <a:endParaRPr lang="en-US" sz="2400" dirty="0" smtClean="0"/>
           </a:p>
           <a:p>
             <a:pPr>
               <a:buFont typeface="Arial" pitchFamily="34" charset="0"/>
               <a:buChar char="•"/>
             </a:pPr>
-            <a:endParaRPr lang="en-US" sz="2400" dirty="0"/>
+            <a:r>
+              <a:rPr lang="en-US" sz="2400" dirty="0"/>
+              <a:t> </a:t>
+            </a:r>
+            <a:r>
+              <a:rPr lang="en-US" sz="2400" dirty="0" smtClean="0"/>
+              <a:t>If the user catch the food, length of the snake body increases</a:t>
+            </a:r>
+          </a:p>
+          <a:p>
+            <a:endParaRPr lang="en-US" sz="2400" dirty="0" smtClean="0"/>
           </a:p>
           <a:p>
             <a:pPr>
@@ -11220,8 +11372,12 @@
               <a:buChar char="•"/>
             </a:pPr>
             <a:r>
+              <a:rPr lang="en-US" sz="2400" dirty="0"/>
+              <a:t> </a:t>
+            </a:r>
+            <a:r>
               <a:rPr lang="en-US" sz="2400" dirty="0" smtClean="0"/>
-              <a:t> To find a path that leads the snake to food by avoiding the obstacles.</a:t>
+              <a:t>The food will be available only for few seconds.</a:t>
             </a:r>
             <a:endParaRPr lang="en-US" sz="2400" dirty="0"/>
           </a:p>
@@ -11267,8 +11423,8 @@
         </p:nvSpPr>
         <p:spPr>
           <a:xfrm>
-            <a:off x="228600" y="381000"/>
-            <a:ext cx="8229600" cy="523220"/>
+            <a:off x="457200" y="381000"/>
+            <a:ext cx="8001000" cy="461665"/>
           </a:xfrm>
           <a:prstGeom prst="rect">
             <a:avLst/>
@@ -11298,10 +11454,18 @@
           <a:lstStyle/>
           <a:p>
             <a:r>
-              <a:rPr lang="en-US" sz="2800" dirty="0" smtClean="0"/>
-              <a:t>ALGORITHMS TO FIND SHORTEST PATH </a:t>
-            </a:r>
-            <a:endParaRPr lang="en-US" sz="2800" dirty="0"/>
+              <a:rPr lang="en-US" sz="2400" b="1" dirty="0" smtClean="0">
+                <a:solidFill>
+                  <a:schemeClr val="tx1"/>
+                </a:solidFill>
+              </a:rPr>
+              <a:t>WINNING STAGE FOR SINGLE PLAYER GAME MODE</a:t>
+            </a:r>
+            <a:endParaRPr lang="en-US" sz="2400" b="1" dirty="0">
+              <a:solidFill>
+                <a:schemeClr val="tx1"/>
+              </a:solidFill>
+            </a:endParaRPr>
           </a:p>
         </p:txBody>
       </p:sp>
@@ -11313,8 +11477,8 @@
         </p:nvSpPr>
         <p:spPr>
           <a:xfrm>
-            <a:off x="304800" y="1295400"/>
-            <a:ext cx="8382000" cy="4154984"/>
+            <a:off x="457200" y="1295400"/>
+            <a:ext cx="8001000" cy="1938992"/>
           </a:xfrm>
           <a:prstGeom prst="rect">
             <a:avLst/>
@@ -11327,100 +11491,32 @@
           </a:bodyPr>
           <a:lstStyle/>
           <a:p>
-            <a:pPr marL="342900" indent="-342900">
-              <a:buFont typeface="+mj-lt"/>
-              <a:buAutoNum type="arabicPeriod"/>
-            </a:pPr>
-            <a:r>
-              <a:rPr lang="en-US" sz="2400" dirty="0"/>
-              <a:t> </a:t>
-            </a:r>
-            <a:r>
-              <a:rPr lang="en-US" sz="2400" dirty="0" smtClean="0"/>
-              <a:t>Greedy Path Finder</a:t>
-            </a:r>
-          </a:p>
-          <a:p>
-            <a:pPr marL="342900" indent="-342900"/>
-            <a:endParaRPr lang="en-US" sz="2400" dirty="0" smtClean="0"/>
-          </a:p>
-          <a:p>
-            <a:pPr marL="342900" indent="-342900"/>
-            <a:r>
-              <a:rPr lang="en-US" sz="2400" dirty="0" smtClean="0"/>
-              <a:t>2.  Hamilton Path finder</a:t>
-            </a:r>
-          </a:p>
-          <a:p>
-            <a:pPr marL="342900" indent="-342900"/>
-            <a:endParaRPr lang="en-US" sz="2400" dirty="0" smtClean="0"/>
-          </a:p>
-          <a:p>
-            <a:pPr marL="457200" indent="-457200">
-              <a:buAutoNum type="arabicPeriod" startAt="3"/>
-            </a:pPr>
-            <a:r>
-              <a:rPr lang="en-US" sz="2400" dirty="0" smtClean="0"/>
-              <a:t>DQN </a:t>
-            </a:r>
-            <a:r>
-              <a:rPr lang="en-US" sz="2400" dirty="0" smtClean="0"/>
-              <a:t>Path </a:t>
-            </a:r>
-            <a:r>
-              <a:rPr lang="en-US" sz="2400" dirty="0" smtClean="0"/>
-              <a:t>Finder</a:t>
-            </a:r>
-          </a:p>
-          <a:p>
-            <a:pPr marL="457200" indent="-457200">
-              <a:buAutoNum type="arabicPeriod" startAt="3"/>
-            </a:pPr>
-            <a:endParaRPr lang="en-US" sz="2400" dirty="0" smtClean="0"/>
-          </a:p>
-          <a:p>
-            <a:pPr marL="457200" indent="-457200">
-              <a:buAutoNum type="arabicPeriod" startAt="3"/>
-            </a:pPr>
-            <a:r>
-              <a:rPr lang="en-US" sz="2400" dirty="0" smtClean="0"/>
-              <a:t>Breadth First  Search</a:t>
-            </a:r>
-          </a:p>
-          <a:p>
-            <a:pPr marL="457200" indent="-457200">
-              <a:buAutoNum type="arabicPeriod" startAt="3"/>
-            </a:pPr>
-            <a:endParaRPr lang="en-US" sz="2400" dirty="0" smtClean="0"/>
-          </a:p>
-          <a:p>
-            <a:pPr marL="457200" indent="-457200">
-              <a:buAutoNum type="arabicPeriod" startAt="3"/>
-            </a:pPr>
-            <a:r>
-              <a:rPr lang="en-US" sz="2400" dirty="0" smtClean="0"/>
-              <a:t>Best First Search</a:t>
-            </a:r>
-          </a:p>
-          <a:p>
-            <a:pPr marL="457200" indent="-457200">
-              <a:buAutoNum type="arabicPeriod" startAt="3"/>
-            </a:pPr>
-            <a:endParaRPr lang="en-US" sz="2400" dirty="0" smtClean="0"/>
-          </a:p>
-          <a:p>
-            <a:pPr marL="457200" indent="-457200">
-              <a:buAutoNum type="arabicPeriod" startAt="3"/>
-            </a:pPr>
-            <a:r>
-              <a:rPr lang="en-US" sz="2400" dirty="0" err="1" smtClean="0"/>
-              <a:t>Dijkstra</a:t>
-            </a:r>
-            <a:r>
-              <a:rPr lang="en-US" sz="2400" dirty="0" smtClean="0"/>
-              <a:t> </a:t>
-            </a:r>
-            <a:endParaRPr lang="en-US" sz="2400" dirty="0"/>
+            <a:pPr>
+              <a:buFont typeface="Arial" pitchFamily="34" charset="0"/>
+              <a:buChar char="•"/>
+            </a:pPr>
+            <a:r>
+              <a:rPr lang="en-US" sz="2000" dirty="0" smtClean="0"/>
+              <a:t> There is no exact ending point for this mode ,The player can continue playing as long as he did not hit the wall or bites his own snake body.</a:t>
+            </a:r>
+          </a:p>
+          <a:p>
+            <a:pPr>
+              <a:buFont typeface="Arial" pitchFamily="34" charset="0"/>
+              <a:buChar char="•"/>
+            </a:pPr>
+            <a:endParaRPr lang="en-US" sz="2000" dirty="0" smtClean="0"/>
+          </a:p>
+          <a:p>
+            <a:pPr>
+              <a:buFont typeface="Arial" pitchFamily="34" charset="0"/>
+              <a:buChar char="•"/>
+            </a:pPr>
+            <a:r>
+              <a:rPr lang="en-US" sz="2000" dirty="0" smtClean="0"/>
+              <a:t> So the major challenge in this type of game is to decide the correct path to get the food and to continue survival.</a:t>
+            </a:r>
+            <a:endParaRPr lang="en-US" sz="2000" dirty="0"/>
           </a:p>
         </p:txBody>
       </p:sp>
@@ -11464,8 +11560,54 @@
         </p:nvSpPr>
         <p:spPr>
           <a:xfrm>
-            <a:off x="609600" y="533400"/>
-            <a:ext cx="7543800" cy="523220"/>
+            <a:off x="304800" y="304800"/>
+            <a:ext cx="7772400" cy="461665"/>
+          </a:xfrm>
+          <a:prstGeom prst="rect">
+            <a:avLst/>
+          </a:prstGeom>
+          <a:ln>
+            <a:noFill/>
+          </a:ln>
+        </p:spPr>
+        <p:style>
+          <a:lnRef idx="2">
+            <a:schemeClr val="dk1"/>
+          </a:lnRef>
+          <a:fillRef idx="1">
+            <a:schemeClr val="lt1"/>
+          </a:fillRef>
+          <a:effectRef idx="0">
+            <a:schemeClr val="dk1"/>
+          </a:effectRef>
+          <a:fontRef idx="minor">
+            <a:schemeClr val="dk1"/>
+          </a:fontRef>
+        </p:style>
+        <p:txBody>
+          <a:bodyPr wrap="square" rtlCol="0">
+            <a:spAutoFit/>
+          </a:bodyPr>
+          <a:lstStyle/>
+          <a:p>
+            <a:r>
+              <a:rPr lang="en-US" sz="2400" b="1" dirty="0" smtClean="0"/>
+              <a:t>ROLE OF AI IN SINGLE PLAYERE MODE</a:t>
+            </a:r>
+            <a:endParaRPr lang="en-US" sz="2400" b="1" dirty="0"/>
+          </a:p>
+        </p:txBody>
+      </p:sp>
+      <p:sp>
+        <p:nvSpPr>
+          <p:cNvPr id="3" name="TextBox 2"/>
+          <p:cNvSpPr txBox="1"/>
+          <p:nvPr/>
+        </p:nvSpPr>
+        <p:spPr>
+          <a:xfrm>
+            <a:off x="381000" y="1066800"/>
+            <a:ext cx="8001000" cy="3046988"/>
           </a:xfrm>
           <a:prstGeom prst="rect">
             <a:avLst/>
@@ -11478,90 +11620,13 @@
           </a:bodyPr>
           <a:lstStyle/>
           <a:p>
-            <a:r>
-              <a:rPr lang="en-US" sz="2800" b="1" dirty="0" smtClean="0"/>
-              <a:t>PATH FINDER</a:t>
-            </a:r>
-            <a:endParaRPr lang="en-US" sz="2800" b="1" dirty="0"/>
-          </a:p>
-        </p:txBody>
-      </p:sp>
-      <p:sp>
-        <p:nvSpPr>
-          <p:cNvPr id="3" name="TextBox 2"/>
-          <p:cNvSpPr txBox="1"/>
-          <p:nvPr/>
-        </p:nvSpPr>
-        <p:spPr>
-          <a:xfrm>
-            <a:off x="457200" y="1524000"/>
-            <a:ext cx="8001000" cy="4339650"/>
-          </a:xfrm>
-          <a:prstGeom prst="rect">
-            <a:avLst/>
-          </a:prstGeom>
-          <a:noFill/>
-        </p:spPr>
-        <p:txBody>
-          <a:bodyPr wrap="square" rtlCol="0">
-            <a:spAutoFit/>
-          </a:bodyPr>
-          <a:lstStyle/>
-          <a:p>
-            <a:r>
-              <a:rPr lang="en-US" sz="2000" dirty="0" smtClean="0"/>
-              <a:t>This project uses the BFS Algorithm for finding the path in the game board grid</a:t>
-            </a:r>
-          </a:p>
-          <a:p>
-            <a:endParaRPr lang="en-US" sz="2000" dirty="0" smtClean="0"/>
-          </a:p>
-          <a:p>
-            <a:r>
-              <a:rPr lang="en-US" sz="2400" b="1" dirty="0" smtClean="0"/>
-              <a:t>Reasons to use the BFS :</a:t>
-            </a:r>
-          </a:p>
-          <a:p>
-            <a:r>
-              <a:rPr lang="en-US" sz="2000" b="1" dirty="0" smtClean="0"/>
-              <a:t>	</a:t>
-            </a:r>
-            <a:r>
-              <a:rPr lang="en-US" sz="2000" dirty="0" smtClean="0"/>
-              <a:t>The important reason to use the BFS algorithm is to maintain the movement of the computer snake. </a:t>
-            </a:r>
-            <a:endParaRPr lang="en-US" sz="2000" b="1" dirty="0" smtClean="0"/>
-          </a:p>
-          <a:p>
-            <a:endParaRPr lang="en-US" sz="2400" b="1" dirty="0" smtClean="0"/>
-          </a:p>
-          <a:p>
-            <a:r>
-              <a:rPr lang="en-US" sz="2400" b="1" dirty="0" smtClean="0"/>
-              <a:t>Reasons to use the BFS </a:t>
-            </a:r>
-            <a:r>
-              <a:rPr lang="en-US" sz="2400" b="1" dirty="0" smtClean="0"/>
-              <a:t>:</a:t>
-            </a:r>
-          </a:p>
-          <a:p>
             <a:pPr>
               <a:buFont typeface="Arial" pitchFamily="34" charset="0"/>
               <a:buChar char="•"/>
             </a:pPr>
             <a:r>
-              <a:rPr lang="en-US" sz="2400" b="1" dirty="0" smtClean="0"/>
-              <a:t> </a:t>
-            </a:r>
-            <a:r>
-              <a:rPr lang="en-US" sz="2400" b="1" dirty="0" smtClean="0"/>
-              <a:t> </a:t>
-            </a:r>
-            <a:r>
-              <a:rPr lang="en-US" dirty="0" smtClean="0"/>
-              <a:t>BFS provide the guaranteed  path if it exist.</a:t>
+              <a:rPr lang="en-US" sz="2400" dirty="0" smtClean="0"/>
+              <a:t> To find the optimal path to reach the food Co-ordinate with out hitting the wall or biting the body.</a:t>
             </a:r>
           </a:p>
           <a:p>
@@ -11569,7 +11634,7 @@
               <a:buFont typeface="Arial" pitchFamily="34" charset="0"/>
               <a:buChar char="•"/>
             </a:pPr>
-            <a:endParaRPr lang="en-US" sz="2000" b="1" dirty="0" smtClean="0"/>
+            <a:endParaRPr lang="en-US" sz="2400" dirty="0"/>
           </a:p>
           <a:p>
             <a:pPr>
@@ -11577,16 +11642,8 @@
               <a:buChar char="•"/>
             </a:pPr>
             <a:r>
-              <a:rPr lang="en-US" sz="2000" b="1" dirty="0" smtClean="0"/>
-              <a:t> </a:t>
-            </a:r>
-            <a:r>
-              <a:rPr lang="en-US" sz="2000" b="1" dirty="0" smtClean="0"/>
-              <a:t> </a:t>
-            </a:r>
-            <a:r>
-              <a:rPr lang="en-US" sz="2000" dirty="0" smtClean="0"/>
-              <a:t>It checks every possible path to reach the target.</a:t>
+              <a:rPr lang="en-US" sz="2400" dirty="0" smtClean="0"/>
+              <a:t> To avoid the failing situations and to increase the survival time .</a:t>
             </a:r>
           </a:p>
           <a:p>
@@ -11594,7 +11651,7 @@
               <a:buFont typeface="Arial" pitchFamily="34" charset="0"/>
               <a:buChar char="•"/>
             </a:pPr>
-            <a:endParaRPr lang="en-US" sz="2000" b="1" dirty="0" smtClean="0"/>
+            <a:endParaRPr lang="en-US" sz="2400" dirty="0"/>
           </a:p>
           <a:p>
             <a:pPr>
@@ -11602,18 +11659,10 @@
               <a:buChar char="•"/>
             </a:pPr>
             <a:r>
-              <a:rPr lang="en-US" sz="2000" b="1" dirty="0" smtClean="0"/>
-              <a:t> </a:t>
-            </a:r>
-            <a:r>
-              <a:rPr lang="en-US" sz="2000" b="1" dirty="0" smtClean="0"/>
-              <a:t> </a:t>
-            </a:r>
-            <a:r>
-              <a:rPr lang="en-US" sz="2000" dirty="0" smtClean="0"/>
-              <a:t>The first path found by this algorithm will be optimistic solution.</a:t>
-            </a:r>
-            <a:endParaRPr lang="en-US" sz="2000" b="1" dirty="0"/>
+              <a:rPr lang="en-US" sz="2400" dirty="0" smtClean="0"/>
+              <a:t> To find a path that leads the snake to food by avoiding the obstacles.</a:t>
+            </a:r>
+            <a:endParaRPr lang="en-US" sz="2400" dirty="0"/>
           </a:p>
         </p:txBody>
       </p:sp>
@@ -11622,6 +11671,13 @@
   <p:clrMapOvr>
     <a:masterClrMapping/>
   </p:clrMapOvr>
+  <p:timing>
+    <p:tnLst>
+      <p:par>
+        <p:cTn id="1" dur="indefinite" restart="never" nodeType="tmRoot"/>
+      </p:par>
+    </p:tnLst>
+  </p:timing>
 </p:sld>
 </file>
 

--- a/presentation/AI BASED MULTIPLAYER SNAKE GAME(mini project).pptx
+++ b/presentation/AI BASED MULTIPLAYER SNAKE GAME(mini project).pptx
@@ -4,6 +4,9 @@
   <p:sldMasterIdLst>
     <p:sldMasterId id="2147483684" r:id="rId1"/>
   </p:sldMasterIdLst>
+  <p:notesMasterIdLst>
+    <p:notesMasterId r:id="rId41"/>
+  </p:notesMasterIdLst>
   <p:sldIdLst>
     <p:sldId id="256" r:id="rId2"/>
     <p:sldId id="265" r:id="rId3"/>
@@ -143,6 +146,434 @@
     </a:lvl9pPr>
   </p:defaultTextStyle>
 </p:presentation>
+</file>
+
+<file path=ppt/notesMasters/notesMaster1.xml><?xml version="1.0" encoding="utf-8"?>
+<p:notesMaster xmlns:a="http://schemas.openxmlformats.org/drawingml/2006/main" xmlns:r="http://schemas.openxmlformats.org/officeDocument/2006/relationships" xmlns:p="http://schemas.openxmlformats.org/presentationml/2006/main">
+  <p:cSld>
+    <p:bg>
+      <p:bgRef idx="1001">
+        <a:schemeClr val="bg1"/>
+      </p:bgRef>
+    </p:bg>
+    <p:spTree>
+      <p:nvGrpSpPr>
+        <p:cNvPr id="1" name=""/>
+        <p:cNvGrpSpPr/>
+        <p:nvPr/>
+      </p:nvGrpSpPr>
+      <p:grpSpPr>
+        <a:xfrm>
+          <a:off x="0" y="0"/>
+          <a:ext cx="0" cy="0"/>
+          <a:chOff x="0" y="0"/>
+          <a:chExt cx="0" cy="0"/>
+        </a:xfrm>
+      </p:grpSpPr>
+      <p:sp>
+        <p:nvSpPr>
+          <p:cNvPr id="2" name="Header Placeholder 1"/>
+          <p:cNvSpPr>
+            <a:spLocks noGrp="1"/>
+          </p:cNvSpPr>
+          <p:nvPr>
+            <p:ph type="hdr" sz="quarter"/>
+          </p:nvPr>
+        </p:nvSpPr>
+        <p:spPr>
+          <a:xfrm>
+            <a:off x="0" y="0"/>
+            <a:ext cx="2971800" cy="457200"/>
+          </a:xfrm>
+          <a:prstGeom prst="rect">
+            <a:avLst/>
+          </a:prstGeom>
+        </p:spPr>
+        <p:txBody>
+          <a:bodyPr vert="horz" lIns="91440" tIns="45720" rIns="91440" bIns="45720" rtlCol="0"/>
+          <a:lstStyle>
+            <a:lvl1pPr algn="l">
+              <a:defRPr sz="1200"/>
+            </a:lvl1pPr>
+          </a:lstStyle>
+          <a:p>
+            <a:endParaRPr lang="en-US"/>
+          </a:p>
+        </p:txBody>
+      </p:sp>
+      <p:sp>
+        <p:nvSpPr>
+          <p:cNvPr id="3" name="Date Placeholder 2"/>
+          <p:cNvSpPr>
+            <a:spLocks noGrp="1"/>
+          </p:cNvSpPr>
+          <p:nvPr>
+            <p:ph type="dt" idx="1"/>
+          </p:nvPr>
+        </p:nvSpPr>
+        <p:spPr>
+          <a:xfrm>
+            <a:off x="3884613" y="0"/>
+            <a:ext cx="2971800" cy="457200"/>
+          </a:xfrm>
+          <a:prstGeom prst="rect">
+            <a:avLst/>
+          </a:prstGeom>
+        </p:spPr>
+        <p:txBody>
+          <a:bodyPr vert="horz" lIns="91440" tIns="45720" rIns="91440" bIns="45720" rtlCol="0"/>
+          <a:lstStyle>
+            <a:lvl1pPr algn="r">
+              <a:defRPr sz="1200"/>
+            </a:lvl1pPr>
+          </a:lstStyle>
+          <a:p>
+            <a:fld id="{F3F000B4-AEA5-43AE-BF87-57474C48F9CE}" type="datetimeFigureOut">
+              <a:rPr lang="en-US" smtClean="0"/>
+              <a:t>14-10-2019</a:t>
+            </a:fld>
+            <a:endParaRPr lang="en-US"/>
+          </a:p>
+        </p:txBody>
+      </p:sp>
+      <p:sp>
+        <p:nvSpPr>
+          <p:cNvPr id="4" name="Slide Image Placeholder 3"/>
+          <p:cNvSpPr>
+            <a:spLocks noGrp="1" noRot="1" noChangeAspect="1"/>
+          </p:cNvSpPr>
+          <p:nvPr>
+            <p:ph type="sldImg" idx="2"/>
+          </p:nvPr>
+        </p:nvSpPr>
+        <p:spPr>
+          <a:xfrm>
+            <a:off x="1143000" y="685800"/>
+            <a:ext cx="4572000" cy="3429000"/>
+          </a:xfrm>
+          <a:prstGeom prst="rect">
+            <a:avLst/>
+          </a:prstGeom>
+          <a:noFill/>
+          <a:ln w="12700">
+            <a:solidFill>
+              <a:prstClr val="black"/>
+            </a:solidFill>
+          </a:ln>
+        </p:spPr>
+        <p:txBody>
+          <a:bodyPr vert="horz" lIns="91440" tIns="45720" rIns="91440" bIns="45720" rtlCol="0" anchor="ctr"/>
+          <a:lstStyle/>
+          <a:p>
+            <a:endParaRPr lang="en-US"/>
+          </a:p>
+        </p:txBody>
+      </p:sp>
+      <p:sp>
+        <p:nvSpPr>
+          <p:cNvPr id="5" name="Notes Placeholder 4"/>
+          <p:cNvSpPr>
+            <a:spLocks noGrp="1"/>
+          </p:cNvSpPr>
+          <p:nvPr>
+            <p:ph type="body" sz="quarter" idx="3"/>
+          </p:nvPr>
+        </p:nvSpPr>
+        <p:spPr>
+          <a:xfrm>
+            <a:off x="685800" y="4343400"/>
+            <a:ext cx="5486400" cy="4114800"/>
+          </a:xfrm>
+          <a:prstGeom prst="rect">
+            <a:avLst/>
+          </a:prstGeom>
+        </p:spPr>
+        <p:txBody>
+          <a:bodyPr vert="horz" lIns="91440" tIns="45720" rIns="91440" bIns="45720" rtlCol="0">
+            <a:normAutofit/>
+          </a:bodyPr>
+          <a:lstStyle/>
+          <a:p>
+            <a:pPr lvl="0"/>
+            <a:r>
+              <a:rPr lang="en-US" smtClean="0"/>
+              <a:t>Click to edit Master text styles</a:t>
+            </a:r>
+          </a:p>
+          <a:p>
+            <a:pPr lvl="1"/>
+            <a:r>
+              <a:rPr lang="en-US" smtClean="0"/>
+              <a:t>Second level</a:t>
+            </a:r>
+          </a:p>
+          <a:p>
+            <a:pPr lvl="2"/>
+            <a:r>
+              <a:rPr lang="en-US" smtClean="0"/>
+              <a:t>Third level</a:t>
+            </a:r>
+          </a:p>
+          <a:p>
+            <a:pPr lvl="3"/>
+            <a:r>
+              <a:rPr lang="en-US" smtClean="0"/>
+              <a:t>Fourth level</a:t>
+            </a:r>
+          </a:p>
+          <a:p>
+            <a:pPr lvl="4"/>
+            <a:r>
+              <a:rPr lang="en-US" smtClean="0"/>
+              <a:t>Fifth level</a:t>
+            </a:r>
+            <a:endParaRPr lang="en-US"/>
+          </a:p>
+        </p:txBody>
+      </p:sp>
+      <p:sp>
+        <p:nvSpPr>
+          <p:cNvPr id="6" name="Footer Placeholder 5"/>
+          <p:cNvSpPr>
+            <a:spLocks noGrp="1"/>
+          </p:cNvSpPr>
+          <p:nvPr>
+            <p:ph type="ftr" sz="quarter" idx="4"/>
+          </p:nvPr>
+        </p:nvSpPr>
+        <p:spPr>
+          <a:xfrm>
+            <a:off x="0" y="8685213"/>
+            <a:ext cx="2971800" cy="457200"/>
+          </a:xfrm>
+          <a:prstGeom prst="rect">
+            <a:avLst/>
+          </a:prstGeom>
+        </p:spPr>
+        <p:txBody>
+          <a:bodyPr vert="horz" lIns="91440" tIns="45720" rIns="91440" bIns="45720" rtlCol="0" anchor="b"/>
+          <a:lstStyle>
+            <a:lvl1pPr algn="l">
+              <a:defRPr sz="1200"/>
+            </a:lvl1pPr>
+          </a:lstStyle>
+          <a:p>
+            <a:endParaRPr lang="en-US"/>
+          </a:p>
+        </p:txBody>
+      </p:sp>
+      <p:sp>
+        <p:nvSpPr>
+          <p:cNvPr id="7" name="Slide Number Placeholder 6"/>
+          <p:cNvSpPr>
+            <a:spLocks noGrp="1"/>
+          </p:cNvSpPr>
+          <p:nvPr>
+            <p:ph type="sldNum" sz="quarter" idx="5"/>
+          </p:nvPr>
+        </p:nvSpPr>
+        <p:spPr>
+          <a:xfrm>
+            <a:off x="3884613" y="8685213"/>
+            <a:ext cx="2971800" cy="457200"/>
+          </a:xfrm>
+          <a:prstGeom prst="rect">
+            <a:avLst/>
+          </a:prstGeom>
+        </p:spPr>
+        <p:txBody>
+          <a:bodyPr vert="horz" lIns="91440" tIns="45720" rIns="91440" bIns="45720" rtlCol="0" anchor="b"/>
+          <a:lstStyle>
+            <a:lvl1pPr algn="r">
+              <a:defRPr sz="1200"/>
+            </a:lvl1pPr>
+          </a:lstStyle>
+          <a:p>
+            <a:fld id="{2802FF9E-4DB1-4F52-8A6C-7AEBED0A8C33}" type="slidenum">
+              <a:rPr lang="en-US" smtClean="0"/>
+              <a:t>‹#›</a:t>
+            </a:fld>
+            <a:endParaRPr lang="en-US"/>
+          </a:p>
+        </p:txBody>
+      </p:sp>
+    </p:spTree>
+  </p:cSld>
+  <p:clrMap bg1="lt1" tx1="dk1" bg2="lt2" tx2="dk2" accent1="accent1" accent2="accent2" accent3="accent3" accent4="accent4" accent5="accent5" accent6="accent6" hlink="hlink" folHlink="folHlink"/>
+  <p:notesStyle>
+    <a:lvl1pPr marL="0" algn="l" defTabSz="914400" rtl="0" eaLnBrk="1" latinLnBrk="0" hangingPunct="1">
+      <a:defRPr sz="1200" kern="1200">
+        <a:solidFill>
+          <a:schemeClr val="tx1"/>
+        </a:solidFill>
+        <a:latin typeface="+mn-lt"/>
+        <a:ea typeface="+mn-ea"/>
+        <a:cs typeface="+mn-cs"/>
+      </a:defRPr>
+    </a:lvl1pPr>
+    <a:lvl2pPr marL="457200" algn="l" defTabSz="914400" rtl="0" eaLnBrk="1" latinLnBrk="0" hangingPunct="1">
+      <a:defRPr sz="1200" kern="1200">
+        <a:solidFill>
+          <a:schemeClr val="tx1"/>
+        </a:solidFill>
+        <a:latin typeface="+mn-lt"/>
+        <a:ea typeface="+mn-ea"/>
+        <a:cs typeface="+mn-cs"/>
+      </a:defRPr>
+    </a:lvl2pPr>
+    <a:lvl3pPr marL="914400" algn="l" defTabSz="914400" rtl="0" eaLnBrk="1" latinLnBrk="0" hangingPunct="1">
+      <a:defRPr sz="1200" kern="1200">
+        <a:solidFill>
+          <a:schemeClr val="tx1"/>
+        </a:solidFill>
+        <a:latin typeface="+mn-lt"/>
+        <a:ea typeface="+mn-ea"/>
+        <a:cs typeface="+mn-cs"/>
+      </a:defRPr>
+    </a:lvl3pPr>
+    <a:lvl4pPr marL="1371600" algn="l" defTabSz="914400" rtl="0" eaLnBrk="1" latinLnBrk="0" hangingPunct="1">
+      <a:defRPr sz="1200" kern="1200">
+        <a:solidFill>
+          <a:schemeClr val="tx1"/>
+        </a:solidFill>
+        <a:latin typeface="+mn-lt"/>
+        <a:ea typeface="+mn-ea"/>
+        <a:cs typeface="+mn-cs"/>
+      </a:defRPr>
+    </a:lvl4pPr>
+    <a:lvl5pPr marL="1828800" algn="l" defTabSz="914400" rtl="0" eaLnBrk="1" latinLnBrk="0" hangingPunct="1">
+      <a:defRPr sz="1200" kern="1200">
+        <a:solidFill>
+          <a:schemeClr val="tx1"/>
+        </a:solidFill>
+        <a:latin typeface="+mn-lt"/>
+        <a:ea typeface="+mn-ea"/>
+        <a:cs typeface="+mn-cs"/>
+      </a:defRPr>
+    </a:lvl5pPr>
+    <a:lvl6pPr marL="2286000" algn="l" defTabSz="914400" rtl="0" eaLnBrk="1" latinLnBrk="0" hangingPunct="1">
+      <a:defRPr sz="1200" kern="1200">
+        <a:solidFill>
+          <a:schemeClr val="tx1"/>
+        </a:solidFill>
+        <a:latin typeface="+mn-lt"/>
+        <a:ea typeface="+mn-ea"/>
+        <a:cs typeface="+mn-cs"/>
+      </a:defRPr>
+    </a:lvl6pPr>
+    <a:lvl7pPr marL="2743200" algn="l" defTabSz="914400" rtl="0" eaLnBrk="1" latinLnBrk="0" hangingPunct="1">
+      <a:defRPr sz="1200" kern="1200">
+        <a:solidFill>
+          <a:schemeClr val="tx1"/>
+        </a:solidFill>
+        <a:latin typeface="+mn-lt"/>
+        <a:ea typeface="+mn-ea"/>
+        <a:cs typeface="+mn-cs"/>
+      </a:defRPr>
+    </a:lvl7pPr>
+    <a:lvl8pPr marL="3200400" algn="l" defTabSz="914400" rtl="0" eaLnBrk="1" latinLnBrk="0" hangingPunct="1">
+      <a:defRPr sz="1200" kern="1200">
+        <a:solidFill>
+          <a:schemeClr val="tx1"/>
+        </a:solidFill>
+        <a:latin typeface="+mn-lt"/>
+        <a:ea typeface="+mn-ea"/>
+        <a:cs typeface="+mn-cs"/>
+      </a:defRPr>
+    </a:lvl8pPr>
+    <a:lvl9pPr marL="3657600" algn="l" defTabSz="914400" rtl="0" eaLnBrk="1" latinLnBrk="0" hangingPunct="1">
+      <a:defRPr sz="1200" kern="1200">
+        <a:solidFill>
+          <a:schemeClr val="tx1"/>
+        </a:solidFill>
+        <a:latin typeface="+mn-lt"/>
+        <a:ea typeface="+mn-ea"/>
+        <a:cs typeface="+mn-cs"/>
+      </a:defRPr>
+    </a:lvl9pPr>
+  </p:notesStyle>
+</p:notesMaster>
+</file>
+
+<file path=ppt/notesSlides/notesSlide1.xml><?xml version="1.0" encoding="utf-8"?>
+<p:notes xmlns:a="http://schemas.openxmlformats.org/drawingml/2006/main" xmlns:r="http://schemas.openxmlformats.org/officeDocument/2006/relationships" xmlns:p="http://schemas.openxmlformats.org/presentationml/2006/main">
+  <p:cSld>
+    <p:spTree>
+      <p:nvGrpSpPr>
+        <p:cNvPr id="1" name=""/>
+        <p:cNvGrpSpPr/>
+        <p:nvPr/>
+      </p:nvGrpSpPr>
+      <p:grpSpPr>
+        <a:xfrm>
+          <a:off x="0" y="0"/>
+          <a:ext cx="0" cy="0"/>
+          <a:chOff x="0" y="0"/>
+          <a:chExt cx="0" cy="0"/>
+        </a:xfrm>
+      </p:grpSpPr>
+      <p:sp>
+        <p:nvSpPr>
+          <p:cNvPr id="2" name="Slide Image Placeholder 1"/>
+          <p:cNvSpPr>
+            <a:spLocks noGrp="1" noRot="1" noChangeAspect="1"/>
+          </p:cNvSpPr>
+          <p:nvPr>
+            <p:ph type="sldImg"/>
+          </p:nvPr>
+        </p:nvSpPr>
+        <p:spPr/>
+      </p:sp>
+      <p:sp>
+        <p:nvSpPr>
+          <p:cNvPr id="3" name="Notes Placeholder 2"/>
+          <p:cNvSpPr>
+            <a:spLocks noGrp="1"/>
+          </p:cNvSpPr>
+          <p:nvPr>
+            <p:ph type="body" idx="1"/>
+          </p:nvPr>
+        </p:nvSpPr>
+        <p:spPr/>
+        <p:txBody>
+          <a:bodyPr>
+            <a:normAutofit/>
+          </a:bodyPr>
+          <a:lstStyle/>
+          <a:p>
+            <a:endParaRPr lang="en-US" dirty="0"/>
+          </a:p>
+        </p:txBody>
+      </p:sp>
+      <p:sp>
+        <p:nvSpPr>
+          <p:cNvPr id="4" name="Slide Number Placeholder 3"/>
+          <p:cNvSpPr>
+            <a:spLocks noGrp="1"/>
+          </p:cNvSpPr>
+          <p:nvPr>
+            <p:ph type="sldNum" sz="quarter" idx="10"/>
+          </p:nvPr>
+        </p:nvSpPr>
+        <p:spPr/>
+        <p:txBody>
+          <a:bodyPr/>
+          <a:lstStyle/>
+          <a:p>
+            <a:fld id="{2802FF9E-4DB1-4F52-8A6C-7AEBED0A8C33}" type="slidenum">
+              <a:rPr lang="en-US" smtClean="0"/>
+              <a:t>8</a:t>
+            </a:fld>
+            <a:endParaRPr lang="en-US"/>
+          </a:p>
+        </p:txBody>
+      </p:sp>
+    </p:spTree>
+  </p:cSld>
+  <p:clrMapOvr>
+    <a:masterClrMapping/>
+  </p:clrMapOvr>
+</p:notes>
 </file>
 
 <file path=ppt/slideLayouts/slideLayout1.xml><?xml version="1.0" encoding="utf-8"?>
@@ -3109,7 +3540,7 @@
         </p:nvSpPr>
         <p:spPr>
           <a:xfrm>
-            <a:off x="1371600" y="762000"/>
+            <a:off x="1371600" y="228600"/>
             <a:ext cx="6172200" cy="914399"/>
           </a:xfrm>
         </p:spPr>
@@ -3186,7 +3617,7 @@
           <p:nvPr/>
         </p:nvGraphicFramePr>
         <p:xfrm>
-          <a:off x="1600200" y="2819400"/>
+          <a:off x="1600200" y="2057400"/>
           <a:ext cx="6154475" cy="914340"/>
         </p:xfrm>
         <a:graphic>
@@ -11050,6 +11481,140 @@
           </a:p>
         </p:txBody>
       </p:sp>
+      <p:sp>
+        <p:nvSpPr>
+          <p:cNvPr id="3" name="TextBox 2"/>
+          <p:cNvSpPr txBox="1"/>
+          <p:nvPr/>
+        </p:nvSpPr>
+        <p:spPr>
+          <a:xfrm>
+            <a:off x="762000" y="1371600"/>
+            <a:ext cx="7772400" cy="4708981"/>
+          </a:xfrm>
+          <a:prstGeom prst="rect">
+            <a:avLst/>
+          </a:prstGeom>
+          <a:noFill/>
+        </p:spPr>
+        <p:txBody>
+          <a:bodyPr wrap="square" rtlCol="0">
+            <a:spAutoFit/>
+          </a:bodyPr>
+          <a:lstStyle/>
+          <a:p>
+            <a:r>
+              <a:rPr lang="en-US" sz="2000" dirty="0" smtClean="0"/>
+              <a:t>To develop an multiplayer snake game to facilitate the user to play with other users as well as with the computer .</a:t>
+            </a:r>
+          </a:p>
+          <a:p>
+            <a:endParaRPr lang="en-US" sz="2000" dirty="0" smtClean="0"/>
+          </a:p>
+          <a:p>
+            <a:endParaRPr lang="en-US" sz="2000" dirty="0" smtClean="0"/>
+          </a:p>
+          <a:p>
+            <a:r>
+              <a:rPr lang="en-US" sz="2000" b="1" dirty="0" smtClean="0"/>
+              <a:t>Why multiplayer </a:t>
+            </a:r>
+            <a:r>
+              <a:rPr lang="en-US" sz="2000" b="1" dirty="0" smtClean="0"/>
+              <a:t>snake game </a:t>
+            </a:r>
+            <a:r>
+              <a:rPr lang="en-US" sz="2000" b="1" dirty="0" smtClean="0"/>
+              <a:t>?</a:t>
+            </a:r>
+          </a:p>
+          <a:p>
+            <a:endParaRPr lang="en-US" sz="2000" dirty="0" smtClean="0"/>
+          </a:p>
+          <a:p>
+            <a:pPr>
+              <a:buFont typeface="Arial" pitchFamily="34" charset="0"/>
+              <a:buChar char="•"/>
+            </a:pPr>
+            <a:r>
+              <a:rPr lang="en-US" sz="2000" dirty="0" smtClean="0"/>
+              <a:t> I</a:t>
+            </a:r>
+            <a:r>
+              <a:rPr lang="en-US" sz="2000" dirty="0" smtClean="0"/>
+              <a:t>t is one of the popular game in the earlier models of mobile phones.</a:t>
+            </a:r>
+          </a:p>
+          <a:p>
+            <a:pPr>
+              <a:buFont typeface="Arial" pitchFamily="34" charset="0"/>
+              <a:buChar char="•"/>
+            </a:pPr>
+            <a:r>
+              <a:rPr lang="en-US" sz="2000" dirty="0" smtClean="0"/>
+              <a:t> </a:t>
+            </a:r>
+            <a:r>
+              <a:rPr lang="en-US" sz="2000" dirty="0" smtClean="0"/>
+              <a:t>Still many people are trying to develop the newer version of this game.</a:t>
+            </a:r>
+          </a:p>
+          <a:p>
+            <a:pPr>
+              <a:buFont typeface="Arial" pitchFamily="34" charset="0"/>
+              <a:buChar char="•"/>
+            </a:pPr>
+            <a:endParaRPr lang="en-US" sz="2000" dirty="0" smtClean="0"/>
+          </a:p>
+          <a:p>
+            <a:r>
+              <a:rPr lang="en-US" sz="2000" b="1" dirty="0" smtClean="0"/>
+              <a:t>Why multiplayer snake game ?</a:t>
+            </a:r>
+          </a:p>
+          <a:p>
+            <a:endParaRPr lang="en-US" sz="2000" b="1" dirty="0" smtClean="0"/>
+          </a:p>
+          <a:p>
+            <a:pPr>
+              <a:buFont typeface="Wingdings" pitchFamily="2" charset="2"/>
+              <a:buChar char="§"/>
+            </a:pPr>
+            <a:r>
+              <a:rPr lang="en-US" sz="2000" b="1" dirty="0" smtClean="0"/>
+              <a:t> </a:t>
+            </a:r>
+            <a:r>
+              <a:rPr lang="en-US" sz="2000" dirty="0" smtClean="0"/>
+              <a:t>It is more competitive than a single player snake game .</a:t>
+            </a:r>
+          </a:p>
+          <a:p>
+            <a:pPr>
+              <a:buFont typeface="Wingdings" pitchFamily="2" charset="2"/>
+              <a:buChar char="§"/>
+            </a:pPr>
+            <a:r>
+              <a:rPr lang="en-US" sz="2000" dirty="0" smtClean="0"/>
+              <a:t> The player has more interest in playing with other players or friends .</a:t>
+            </a:r>
+          </a:p>
+          <a:p>
+            <a:pPr>
+              <a:buFont typeface="Wingdings" pitchFamily="2" charset="2"/>
+              <a:buChar char="§"/>
+            </a:pPr>
+            <a:endParaRPr lang="en-US" sz="2000" b="1" dirty="0" smtClean="0"/>
+          </a:p>
+          <a:p>
+            <a:pPr>
+              <a:buFont typeface="Wingdings" pitchFamily="2" charset="2"/>
+              <a:buChar char="§"/>
+            </a:pPr>
+            <a:endParaRPr lang="en-US" sz="2000" b="1" dirty="0" smtClean="0"/>
+          </a:p>
+        </p:txBody>
+      </p:sp>
     </p:spTree>
   </p:cSld>
   <p:clrMapOvr>
@@ -11478,7 +12043,7 @@
         <p:spPr>
           <a:xfrm>
             <a:off x="457200" y="1295400"/>
-            <a:ext cx="8001000" cy="1938992"/>
+            <a:ext cx="8001000" cy="4093428"/>
           </a:xfrm>
           <a:prstGeom prst="rect">
             <a:avLst/>
@@ -11514,7 +12079,61 @@
             </a:pPr>
             <a:r>
               <a:rPr lang="en-US" sz="2000" dirty="0" smtClean="0"/>
-              <a:t> So the major challenge in this type of game is to decide the correct path to get the food and to continue survival.</a:t>
+              <a:t> So the major challenge in this type of game is to decide the correct path to get the food and to continue survival</a:t>
+            </a:r>
+            <a:r>
+              <a:rPr lang="en-US" sz="2000" dirty="0" smtClean="0"/>
+              <a:t>.</a:t>
+            </a:r>
+          </a:p>
+          <a:p>
+            <a:pPr>
+              <a:buFont typeface="Arial" pitchFamily="34" charset="0"/>
+              <a:buChar char="•"/>
+            </a:pPr>
+            <a:endParaRPr lang="en-US" sz="2000" dirty="0" smtClean="0"/>
+          </a:p>
+          <a:p>
+            <a:pPr>
+              <a:buFont typeface="Arial" pitchFamily="34" charset="0"/>
+              <a:buChar char="•"/>
+            </a:pPr>
+            <a:endParaRPr lang="en-US" sz="2000" dirty="0" smtClean="0"/>
+          </a:p>
+          <a:p>
+            <a:r>
+              <a:rPr lang="en-US" sz="2000" b="1" dirty="0" smtClean="0"/>
+              <a:t>CHALLENGES IN SINGLE PLAYER MODE GAME:</a:t>
+            </a:r>
+          </a:p>
+          <a:p>
+            <a:endParaRPr lang="en-US" sz="2000" b="1" dirty="0" smtClean="0"/>
+          </a:p>
+          <a:p>
+            <a:pPr>
+              <a:buFont typeface="Arial" pitchFamily="34" charset="0"/>
+              <a:buChar char="•"/>
+            </a:pPr>
+            <a:r>
+              <a:rPr lang="en-US" sz="2000" dirty="0" smtClean="0"/>
+              <a:t> Keeping the survival rate of the snake is difficult</a:t>
+            </a:r>
+          </a:p>
+          <a:p>
+            <a:pPr>
+              <a:buFont typeface="Arial" pitchFamily="34" charset="0"/>
+              <a:buChar char="•"/>
+            </a:pPr>
+            <a:endParaRPr lang="en-US" sz="2000" dirty="0" smtClean="0"/>
+          </a:p>
+          <a:p>
+            <a:pPr>
+              <a:buFont typeface="Arial" pitchFamily="34" charset="0"/>
+              <a:buChar char="•"/>
+            </a:pPr>
+            <a:r>
+              <a:rPr lang="en-US" sz="2000" dirty="0" smtClean="0"/>
+              <a:t> Finding  a  best path to reach the target without compromising the survival rate</a:t>
             </a:r>
             <a:endParaRPr lang="en-US" sz="2000" dirty="0"/>
           </a:p>
@@ -11962,4 +12581,287 @@
   <a:objectDefaults/>
   <a:extraClrSchemeLst/>
 </a:theme>
+</file>
+
+<file path=ppt/theme/theme2.xml><?xml version="1.0" encoding="utf-8"?>
+<a:theme xmlns:a="http://schemas.openxmlformats.org/drawingml/2006/main" name="Office Theme">
+  <a:themeElements>
+    <a:clrScheme name="Office">
+      <a:dk1>
+        <a:sysClr val="windowText" lastClr="000000"/>
+      </a:dk1>
+      <a:lt1>
+        <a:sysClr val="window" lastClr="FFFFFF"/>
+      </a:lt1>
+      <a:dk2>
+        <a:srgbClr val="1F497D"/>
+      </a:dk2>
+      <a:lt2>
+        <a:srgbClr val="EEECE1"/>
+      </a:lt2>
+      <a:accent1>
+        <a:srgbClr val="4F81BD"/>
+      </a:accent1>
+      <a:accent2>
+        <a:srgbClr val="C0504D"/>
+      </a:accent2>
+      <a:accent3>
+        <a:srgbClr val="9BBB59"/>
+      </a:accent3>
+      <a:accent4>
+        <a:srgbClr val="8064A2"/>
+      </a:accent4>
+      <a:accent5>
+        <a:srgbClr val="4BACC6"/>
+      </a:accent5>
+      <a:accent6>
+        <a:srgbClr val="F79646"/>
+      </a:accent6>
+      <a:hlink>
+        <a:srgbClr val="0000FF"/>
+      </a:hlink>
+      <a:folHlink>
+        <a:srgbClr val="800080"/>
+      </a:folHlink>
+    </a:clrScheme>
+    <a:fontScheme name="Office">
+      <a:majorFont>
+        <a:latin typeface="Calibri"/>
+        <a:ea typeface=""/>
+        <a:cs typeface=""/>
+        <a:font script="Jpan" typeface="ＭＳ Ｐゴシック"/>
+        <a:font script="Hang" typeface="맑은 고딕"/>
+        <a:font script="Hans" typeface="宋体"/>
+        <a:font script="Hant" typeface="新細明體"/>
+        <a:font script="Arab" typeface="Times New Roman"/>
+        <a:font script="Hebr" typeface="Times New Roman"/>
+        <a:font script="Thai" typeface="Angsana New"/>
+        <a:font script="Ethi" typeface="Nyala"/>
+        <a:font script="Beng" typeface="Vrinda"/>
+        <a:font script="Gujr" typeface="Shruti"/>
+        <a:font script="Khmr" typeface="MoolBoran"/>
+        <a:font script="Knda" typeface="Tunga"/>
+        <a:font script="Guru" typeface="Raavi"/>
+        <a:font script="Cans" typeface="Euphemia"/>
+        <a:font script="Cher" typeface="Plantagenet Cherokee"/>
+        <a:font script="Yiii" typeface="Microsoft Yi Baiti"/>
+        <a:font script="Tibt" typeface="Microsoft Himalaya"/>
+        <a:font script="Thaa" typeface="MV Boli"/>
+        <a:font script="Deva" typeface="Mangal"/>
+        <a:font script="Telu" typeface="Gautami"/>
+        <a:font script="Taml" typeface="Latha"/>
+        <a:font script="Syrc" typeface="Estrangelo Edessa"/>
+        <a:font script="Orya" typeface="Kalinga"/>
+        <a:font script="Mlym" typeface="Kartika"/>
+        <a:font script="Laoo" typeface="DokChampa"/>
+        <a:font script="Sinh" typeface="Iskoola Pota"/>
+        <a:font script="Mong" typeface="Mongolian Baiti"/>
+        <a:font script="Viet" typeface="Times New Roman"/>
+        <a:font script="Uigh" typeface="Microsoft Uighur"/>
+      </a:majorFont>
+      <a:minorFont>
+        <a:latin typeface="Calibri"/>
+        <a:ea typeface=""/>
+        <a:cs typeface=""/>
+        <a:font script="Jpan" typeface="ＭＳ Ｐゴシック"/>
+        <a:font script="Hang" typeface="맑은 고딕"/>
+        <a:font script="Hans" typeface="宋体"/>
+        <a:font script="Hant" typeface="新細明體"/>
+        <a:font script="Arab" typeface="Arial"/>
+        <a:font script="Hebr" typeface="Arial"/>
+        <a:font script="Thai" typeface="Cordia New"/>
+        <a:font script="Ethi" typeface="Nyala"/>
+        <a:font script="Beng" typeface="Vrinda"/>
+        <a:font script="Gujr" typeface="Shruti"/>
+        <a:font script="Khmr" typeface="DaunPenh"/>
+        <a:font script="Knda" typeface="Tunga"/>
+        <a:font script="Guru" typeface="Raavi"/>
+        <a:font script="Cans" typeface="Euphemia"/>
+        <a:font script="Cher" typeface="Plantagenet Cherokee"/>
+        <a:font script="Yiii" typeface="Microsoft Yi Baiti"/>
+        <a:font script="Tibt" typeface="Microsoft Himalaya"/>
+        <a:font script="Thaa" typeface="MV Boli"/>
+        <a:font script="Deva" typeface="Mangal"/>
+        <a:font script="Telu" typeface="Gautami"/>
+        <a:font script="Taml" typeface="Latha"/>
+        <a:font script="Syrc" typeface="Estrangelo Edessa"/>
+        <a:font script="Orya" typeface="Kalinga"/>
+        <a:font script="Mlym" typeface="Kartika"/>
+        <a:font script="Laoo" typeface="DokChampa"/>
+        <a:font script="Sinh" typeface="Iskoola Pota"/>
+        <a:font script="Mong" typeface="Mongolian Baiti"/>
+        <a:font script="Viet" typeface="Arial"/>
+        <a:font script="Uigh" typeface="Microsoft Uighur"/>
+      </a:minorFont>
+    </a:fontScheme>
+    <a:fmtScheme name="Office">
+      <a:fillStyleLst>
+        <a:solidFill>
+          <a:schemeClr val="phClr"/>
+        </a:solidFill>
+        <a:gradFill rotWithShape="1">
+          <a:gsLst>
+            <a:gs pos="0">
+              <a:schemeClr val="phClr">
+                <a:tint val="50000"/>
+                <a:satMod val="300000"/>
+              </a:schemeClr>
+            </a:gs>
+            <a:gs pos="35000">
+              <a:schemeClr val="phClr">
+                <a:tint val="37000"/>
+                <a:satMod val="300000"/>
+              </a:schemeClr>
+            </a:gs>
+            <a:gs pos="100000">
+              <a:schemeClr val="phClr">
+                <a:tint val="15000"/>
+                <a:satMod val="350000"/>
+              </a:schemeClr>
+            </a:gs>
+          </a:gsLst>
+          <a:lin ang="16200000" scaled="1"/>
+        </a:gradFill>
+        <a:gradFill rotWithShape="1">
+          <a:gsLst>
+            <a:gs pos="0">
+              <a:schemeClr val="phClr">
+                <a:shade val="51000"/>
+                <a:satMod val="130000"/>
+              </a:schemeClr>
+            </a:gs>
+            <a:gs pos="80000">
+              <a:schemeClr val="phClr">
+                <a:shade val="93000"/>
+                <a:satMod val="130000"/>
+              </a:schemeClr>
+            </a:gs>
+            <a:gs pos="100000">
+              <a:schemeClr val="phClr">
+                <a:shade val="94000"/>
+                <a:satMod val="135000"/>
+              </a:schemeClr>
+            </a:gs>
+          </a:gsLst>
+          <a:lin ang="16200000" scaled="0"/>
+        </a:gradFill>
+      </a:fillStyleLst>
+      <a:lnStyleLst>
+        <a:ln w="9525" cap="flat" cmpd="sng" algn="ctr">
+          <a:solidFill>
+            <a:schemeClr val="phClr">
+              <a:shade val="95000"/>
+              <a:satMod val="105000"/>
+            </a:schemeClr>
+          </a:solidFill>
+          <a:prstDash val="solid"/>
+        </a:ln>
+        <a:ln w="25400" cap="flat" cmpd="sng" algn="ctr">
+          <a:solidFill>
+            <a:schemeClr val="phClr"/>
+          </a:solidFill>
+          <a:prstDash val="solid"/>
+        </a:ln>
+        <a:ln w="38100" cap="flat" cmpd="sng" algn="ctr">
+          <a:solidFill>
+            <a:schemeClr val="phClr"/>
+          </a:solidFill>
+          <a:prstDash val="solid"/>
+        </a:ln>
+      </a:lnStyleLst>
+      <a:effectStyleLst>
+        <a:effectStyle>
+          <a:effectLst>
+            <a:outerShdw blurRad="40000" dist="20000" dir="5400000" rotWithShape="0">
+              <a:srgbClr val="000000">
+                <a:alpha val="38000"/>
+              </a:srgbClr>
+            </a:outerShdw>
+          </a:effectLst>
+        </a:effectStyle>
+        <a:effectStyle>
+          <a:effectLst>
+            <a:outerShdw blurRad="40000" dist="23000" dir="5400000" rotWithShape="0">
+              <a:srgbClr val="000000">
+                <a:alpha val="35000"/>
+              </a:srgbClr>
+            </a:outerShdw>
+          </a:effectLst>
+        </a:effectStyle>
+        <a:effectStyle>
+          <a:effectLst>
+            <a:outerShdw blurRad="40000" dist="23000" dir="5400000" rotWithShape="0">
+              <a:srgbClr val="000000">
+                <a:alpha val="35000"/>
+              </a:srgbClr>
+            </a:outerShdw>
+          </a:effectLst>
+          <a:scene3d>
+            <a:camera prst="orthographicFront">
+              <a:rot lat="0" lon="0" rev="0"/>
+            </a:camera>
+            <a:lightRig rig="threePt" dir="t">
+              <a:rot lat="0" lon="0" rev="1200000"/>
+            </a:lightRig>
+          </a:scene3d>
+          <a:sp3d>
+            <a:bevelT w="63500" h="25400"/>
+          </a:sp3d>
+        </a:effectStyle>
+      </a:effectStyleLst>
+      <a:bgFillStyleLst>
+        <a:solidFill>
+          <a:schemeClr val="phClr"/>
+        </a:solidFill>
+        <a:gradFill rotWithShape="1">
+          <a:gsLst>
+            <a:gs pos="0">
+              <a:schemeClr val="phClr">
+                <a:tint val="40000"/>
+                <a:satMod val="350000"/>
+              </a:schemeClr>
+            </a:gs>
+            <a:gs pos="40000">
+              <a:schemeClr val="phClr">
+                <a:tint val="45000"/>
+                <a:shade val="99000"/>
+                <a:satMod val="350000"/>
+              </a:schemeClr>
+            </a:gs>
+            <a:gs pos="100000">
+              <a:schemeClr val="phClr">
+                <a:shade val="20000"/>
+                <a:satMod val="255000"/>
+              </a:schemeClr>
+            </a:gs>
+          </a:gsLst>
+          <a:path path="circle">
+            <a:fillToRect l="50000" t="-80000" r="50000" b="180000"/>
+          </a:path>
+        </a:gradFill>
+        <a:gradFill rotWithShape="1">
+          <a:gsLst>
+            <a:gs pos="0">
+              <a:schemeClr val="phClr">
+                <a:tint val="80000"/>
+                <a:satMod val="300000"/>
+              </a:schemeClr>
+            </a:gs>
+            <a:gs pos="100000">
+              <a:schemeClr val="phClr">
+                <a:shade val="30000"/>
+                <a:satMod val="200000"/>
+              </a:schemeClr>
+            </a:gs>
+          </a:gsLst>
+          <a:path path="circle">
+            <a:fillToRect l="50000" t="50000" r="50000" b="50000"/>
+          </a:path>
+        </a:gradFill>
+      </a:bgFillStyleLst>
+    </a:fmtScheme>
+  </a:themeElements>
+  <a:objectDefaults/>
+  <a:extraClrSchemeLst/>
+</a:theme>
 </file>
--- a/presentation/AI BASED MULTIPLAYER SNAKE GAME(mini project).pptx
+++ b/presentation/AI BASED MULTIPLAYER SNAKE GAME(mini project).pptx
@@ -230,7 +230,8 @@
           <a:p>
             <a:fld id="{F3F000B4-AEA5-43AE-BF87-57474C48F9CE}" type="datetimeFigureOut">
               <a:rPr lang="en-US" smtClean="0"/>
-              <a:t>14-10-2019</a:t>
+              <a:pPr/>
+              <a:t>14-Oct-19</a:t>
             </a:fld>
             <a:endParaRPr lang="en-US"/>
           </a:p>
@@ -391,6 +392,7 @@
           <a:p>
             <a:fld id="{2802FF9E-4DB1-4F52-8A6C-7AEBED0A8C33}" type="slidenum">
               <a:rPr lang="en-US" smtClean="0"/>
+              <a:pPr/>
               <a:t>‹#›</a:t>
             </a:fld>
             <a:endParaRPr lang="en-US"/>
@@ -562,6 +564,7 @@
           <a:p>
             <a:fld id="{2802FF9E-4DB1-4F52-8A6C-7AEBED0A8C33}" type="slidenum">
               <a:rPr lang="en-US" smtClean="0"/>
+              <a:pPr/>
               <a:t>8</a:t>
             </a:fld>
             <a:endParaRPr lang="en-US"/>
@@ -758,7 +761,7 @@
             <a:fld id="{08C12724-62BB-4F65-8CA4-4E731AE132FF}" type="datetimeFigureOut">
               <a:rPr lang="en-US" smtClean="0"/>
               <a:pPr/>
-              <a:t>14-10-2019</a:t>
+              <a:t>14-Oct-19</a:t>
             </a:fld>
             <a:endParaRPr lang="en-US" dirty="0"/>
           </a:p>
@@ -925,7 +928,7 @@
             <a:fld id="{08C12724-62BB-4F65-8CA4-4E731AE132FF}" type="datetimeFigureOut">
               <a:rPr lang="en-US" smtClean="0"/>
               <a:pPr/>
-              <a:t>14-10-2019</a:t>
+              <a:t>14-Oct-19</a:t>
             </a:fld>
             <a:endParaRPr lang="en-US" dirty="0"/>
           </a:p>
@@ -1102,7 +1105,7 @@
             <a:fld id="{08C12724-62BB-4F65-8CA4-4E731AE132FF}" type="datetimeFigureOut">
               <a:rPr lang="en-US" smtClean="0"/>
               <a:pPr/>
-              <a:t>14-10-2019</a:t>
+              <a:t>14-Oct-19</a:t>
             </a:fld>
             <a:endParaRPr lang="en-US" dirty="0"/>
           </a:p>
@@ -1269,7 +1272,7 @@
             <a:fld id="{08C12724-62BB-4F65-8CA4-4E731AE132FF}" type="datetimeFigureOut">
               <a:rPr lang="en-US" smtClean="0"/>
               <a:pPr/>
-              <a:t>14-10-2019</a:t>
+              <a:t>14-Oct-19</a:t>
             </a:fld>
             <a:endParaRPr lang="en-US" dirty="0"/>
           </a:p>
@@ -1512,7 +1515,7 @@
             <a:fld id="{08C12724-62BB-4F65-8CA4-4E731AE132FF}" type="datetimeFigureOut">
               <a:rPr lang="en-US" smtClean="0"/>
               <a:pPr/>
-              <a:t>14-10-2019</a:t>
+              <a:t>14-Oct-19</a:t>
             </a:fld>
             <a:endParaRPr lang="en-US" dirty="0"/>
           </a:p>
@@ -1797,7 +1800,7 @@
             <a:fld id="{08C12724-62BB-4F65-8CA4-4E731AE132FF}" type="datetimeFigureOut">
               <a:rPr lang="en-US" smtClean="0"/>
               <a:pPr/>
-              <a:t>14-10-2019</a:t>
+              <a:t>14-Oct-19</a:t>
             </a:fld>
             <a:endParaRPr lang="en-US" dirty="0"/>
           </a:p>
@@ -2216,7 +2219,7 @@
             <a:fld id="{08C12724-62BB-4F65-8CA4-4E731AE132FF}" type="datetimeFigureOut">
               <a:rPr lang="en-US" smtClean="0"/>
               <a:pPr/>
-              <a:t>14-10-2019</a:t>
+              <a:t>14-Oct-19</a:t>
             </a:fld>
             <a:endParaRPr lang="en-US" dirty="0"/>
           </a:p>
@@ -2331,7 +2334,7 @@
             <a:fld id="{08C12724-62BB-4F65-8CA4-4E731AE132FF}" type="datetimeFigureOut">
               <a:rPr lang="en-US" smtClean="0"/>
               <a:pPr/>
-              <a:t>14-10-2019</a:t>
+              <a:t>14-Oct-19</a:t>
             </a:fld>
             <a:endParaRPr lang="en-US" dirty="0"/>
           </a:p>
@@ -2423,7 +2426,7 @@
             <a:fld id="{08C12724-62BB-4F65-8CA4-4E731AE132FF}" type="datetimeFigureOut">
               <a:rPr lang="en-US" smtClean="0"/>
               <a:pPr/>
-              <a:t>14-10-2019</a:t>
+              <a:t>14-Oct-19</a:t>
             </a:fld>
             <a:endParaRPr lang="en-US" dirty="0"/>
           </a:p>
@@ -2697,7 +2700,7 @@
             <a:fld id="{08C12724-62BB-4F65-8CA4-4E731AE132FF}" type="datetimeFigureOut">
               <a:rPr lang="en-US" smtClean="0"/>
               <a:pPr/>
-              <a:t>14-10-2019</a:t>
+              <a:t>14-Oct-19</a:t>
             </a:fld>
             <a:endParaRPr lang="en-US" dirty="0"/>
           </a:p>
@@ -2947,7 +2950,7 @@
             <a:fld id="{08C12724-62BB-4F65-8CA4-4E731AE132FF}" type="datetimeFigureOut">
               <a:rPr lang="en-US" smtClean="0"/>
               <a:pPr/>
-              <a:t>14-10-2019</a:t>
+              <a:t>14-Oct-19</a:t>
             </a:fld>
             <a:endParaRPr lang="en-US" dirty="0"/>
           </a:p>
@@ -3157,7 +3160,7 @@
             <a:fld id="{08C12724-62BB-4F65-8CA4-4E731AE132FF}" type="datetimeFigureOut">
               <a:rPr lang="en-US" smtClean="0"/>
               <a:pPr/>
-              <a:t>14-10-2019</a:t>
+              <a:t>14-Oct-19</a:t>
             </a:fld>
             <a:endParaRPr lang="en-US" dirty="0"/>
           </a:p>
@@ -7483,7 +7486,19 @@
             </a:pPr>
             <a:r>
               <a:rPr lang="en-US" sz="2400" dirty="0" smtClean="0"/>
-              <a:t>record the player move in a one on one battle with each and</a:t>
+              <a:t>record the </a:t>
+            </a:r>
+            <a:r>
+              <a:rPr lang="en-US" sz="2400" dirty="0" smtClean="0"/>
+              <a:t>player’s </a:t>
+            </a:r>
+            <a:r>
+              <a:rPr lang="en-US" sz="2400" dirty="0" smtClean="0"/>
+              <a:t>move in a one on one battle with </a:t>
+            </a:r>
+            <a:r>
+              <a:rPr lang="en-US" sz="2400" dirty="0" smtClean="0"/>
+              <a:t>each other</a:t>
             </a:r>
           </a:p>
           <a:p>
@@ -7492,7 +7507,23 @@
             </a:pPr>
             <a:r>
               <a:rPr lang="en-US" sz="2400" dirty="0" smtClean="0"/>
-              <a:t>tries to use the previous player’s move. The computer uses the</a:t>
+              <a:t>And</a:t>
+            </a:r>
+            <a:r>
+              <a:rPr lang="en-US" sz="2400" dirty="0" smtClean="0"/>
+              <a:t> </a:t>
+            </a:r>
+            <a:r>
+              <a:rPr lang="en-US" sz="2400" dirty="0" smtClean="0"/>
+              <a:t>tries </a:t>
+            </a:r>
+            <a:r>
+              <a:rPr lang="en-US" sz="2400" dirty="0" smtClean="0"/>
+              <a:t>to use the previous player’s move. The computer </a:t>
+            </a:r>
+            <a:r>
+              <a:rPr lang="en-US" sz="2400" dirty="0" smtClean="0"/>
+              <a:t>uses</a:t>
             </a:r>
           </a:p>
           <a:p>
@@ -7501,7 +7532,23 @@
             </a:pPr>
             <a:r>
               <a:rPr lang="en-US" sz="2400" dirty="0" smtClean="0"/>
-              <a:t>shortest path algorithm to reach the target with out having self</a:t>
+              <a:t>the</a:t>
+            </a:r>
+            <a:r>
+              <a:rPr lang="en-US" sz="2400" dirty="0" smtClean="0"/>
+              <a:t> </a:t>
+            </a:r>
+            <a:r>
+              <a:rPr lang="en-US" sz="2400" dirty="0" smtClean="0"/>
+              <a:t>shortest </a:t>
+            </a:r>
+            <a:r>
+              <a:rPr lang="en-US" sz="2400" dirty="0" smtClean="0"/>
+              <a:t>path algorithm to reach the target with out </a:t>
+            </a:r>
+            <a:r>
+              <a:rPr lang="en-US" sz="2400" dirty="0" smtClean="0"/>
+              <a:t>having</a:t>
             </a:r>
           </a:p>
           <a:p>
@@ -7510,7 +7557,19 @@
             </a:pPr>
             <a:r>
               <a:rPr lang="en-US" sz="2400" dirty="0" smtClean="0"/>
-              <a:t>Destructive moves and tries to escape from the opponent’s</a:t>
+              <a:t>self</a:t>
+            </a:r>
+            <a:r>
+              <a:rPr lang="en-US" sz="2400" dirty="0" smtClean="0"/>
+              <a:t> </a:t>
+            </a:r>
+            <a:r>
+              <a:rPr lang="en-US" sz="2400" dirty="0" smtClean="0"/>
+              <a:t>Destructive </a:t>
+            </a:r>
+            <a:r>
+              <a:rPr lang="en-US" sz="2400" dirty="0" smtClean="0"/>
+              <a:t>moves and tries to escape from the opponent’s</a:t>
             </a:r>
           </a:p>
           <a:p>
@@ -9602,6 +9661,13 @@
   <p:clrMapOvr>
     <a:masterClrMapping/>
   </p:clrMapOvr>
+  <p:timing>
+    <p:tnLst>
+      <p:par>
+        <p:cTn id="1" dur="indefinite" restart="never" nodeType="tmRoot"/>
+      </p:par>
+    </p:tnLst>
+  </p:timing>
 </p:sld>
 </file>
 
@@ -11517,15 +11583,7 @@
           <a:p>
             <a:r>
               <a:rPr lang="en-US" sz="2000" b="1" dirty="0" smtClean="0"/>
-              <a:t>Why multiplayer </a:t>
-            </a:r>
-            <a:r>
-              <a:rPr lang="en-US" sz="2000" b="1" dirty="0" smtClean="0"/>
-              <a:t>snake game </a:t>
-            </a:r>
-            <a:r>
-              <a:rPr lang="en-US" sz="2000" b="1" dirty="0" smtClean="0"/>
-              <a:t>?</a:t>
+              <a:t>Why multiplayer snake game ?</a:t>
             </a:r>
           </a:p>
           <a:p>
@@ -11538,25 +11596,17 @@
             </a:pPr>
             <a:r>
               <a:rPr lang="en-US" sz="2000" dirty="0" smtClean="0"/>
-              <a:t> I</a:t>
-            </a:r>
+              <a:t> It is one of the popular game in the earlier models of mobile phones.</a:t>
+            </a:r>
+          </a:p>
+          <a:p>
+            <a:pPr>
+              <a:buFont typeface="Arial" pitchFamily="34" charset="0"/>
+              <a:buChar char="•"/>
+            </a:pPr>
             <a:r>
               <a:rPr lang="en-US" sz="2000" dirty="0" smtClean="0"/>
-              <a:t>t is one of the popular game in the earlier models of mobile phones.</a:t>
-            </a:r>
-          </a:p>
-          <a:p>
-            <a:pPr>
-              <a:buFont typeface="Arial" pitchFamily="34" charset="0"/>
-              <a:buChar char="•"/>
-            </a:pPr>
-            <a:r>
-              <a:rPr lang="en-US" sz="2000" dirty="0" smtClean="0"/>
-              <a:t> </a:t>
-            </a:r>
-            <a:r>
-              <a:rPr lang="en-US" sz="2000" dirty="0" smtClean="0"/>
-              <a:t>Still many people are trying to develop the newer version of this game.</a:t>
+              <a:t> Still many people are trying to develop the newer version of this game.</a:t>
             </a:r>
           </a:p>
           <a:p>
@@ -12079,11 +12129,7 @@
             </a:pPr>
             <a:r>
               <a:rPr lang="en-US" sz="2000" dirty="0" smtClean="0"/>
-              <a:t> So the major challenge in this type of game is to decide the correct path to get the food and to continue survival</a:t>
-            </a:r>
-            <a:r>
-              <a:rPr lang="en-US" sz="2000" dirty="0" smtClean="0"/>
-              <a:t>.</a:t>
+              <a:t> So the major challenge in this type of game is to decide the correct path to get the food and to continue survival.</a:t>
             </a:r>
           </a:p>
           <a:p>

--- a/presentation/AI BASED MULTIPLAYER SNAKE GAME(mini project).pptx
+++ b/presentation/AI BASED MULTIPLAYER SNAKE GAME(mini project).pptx
@@ -231,7 +231,7 @@
             <a:fld id="{F3F000B4-AEA5-43AE-BF87-57474C48F9CE}" type="datetimeFigureOut">
               <a:rPr lang="en-US" smtClean="0"/>
               <a:pPr/>
-              <a:t>14-Oct-19</a:t>
+              <a:t>15-10-2019</a:t>
             </a:fld>
             <a:endParaRPr lang="en-US"/>
           </a:p>
@@ -761,7 +761,7 @@
             <a:fld id="{08C12724-62BB-4F65-8CA4-4E731AE132FF}" type="datetimeFigureOut">
               <a:rPr lang="en-US" smtClean="0"/>
               <a:pPr/>
-              <a:t>14-Oct-19</a:t>
+              <a:t>15-10-2019</a:t>
             </a:fld>
             <a:endParaRPr lang="en-US" dirty="0"/>
           </a:p>
@@ -928,7 +928,7 @@
             <a:fld id="{08C12724-62BB-4F65-8CA4-4E731AE132FF}" type="datetimeFigureOut">
               <a:rPr lang="en-US" smtClean="0"/>
               <a:pPr/>
-              <a:t>14-Oct-19</a:t>
+              <a:t>15-10-2019</a:t>
             </a:fld>
             <a:endParaRPr lang="en-US" dirty="0"/>
           </a:p>
@@ -1105,7 +1105,7 @@
             <a:fld id="{08C12724-62BB-4F65-8CA4-4E731AE132FF}" type="datetimeFigureOut">
               <a:rPr lang="en-US" smtClean="0"/>
               <a:pPr/>
-              <a:t>14-Oct-19</a:t>
+              <a:t>15-10-2019</a:t>
             </a:fld>
             <a:endParaRPr lang="en-US" dirty="0"/>
           </a:p>
@@ -1272,7 +1272,7 @@
             <a:fld id="{08C12724-62BB-4F65-8CA4-4E731AE132FF}" type="datetimeFigureOut">
               <a:rPr lang="en-US" smtClean="0"/>
               <a:pPr/>
-              <a:t>14-Oct-19</a:t>
+              <a:t>15-10-2019</a:t>
             </a:fld>
             <a:endParaRPr lang="en-US" dirty="0"/>
           </a:p>
@@ -1515,7 +1515,7 @@
             <a:fld id="{08C12724-62BB-4F65-8CA4-4E731AE132FF}" type="datetimeFigureOut">
               <a:rPr lang="en-US" smtClean="0"/>
               <a:pPr/>
-              <a:t>14-Oct-19</a:t>
+              <a:t>15-10-2019</a:t>
             </a:fld>
             <a:endParaRPr lang="en-US" dirty="0"/>
           </a:p>
@@ -1800,7 +1800,7 @@
             <a:fld id="{08C12724-62BB-4F65-8CA4-4E731AE132FF}" type="datetimeFigureOut">
               <a:rPr lang="en-US" smtClean="0"/>
               <a:pPr/>
-              <a:t>14-Oct-19</a:t>
+              <a:t>15-10-2019</a:t>
             </a:fld>
             <a:endParaRPr lang="en-US" dirty="0"/>
           </a:p>
@@ -2219,7 +2219,7 @@
             <a:fld id="{08C12724-62BB-4F65-8CA4-4E731AE132FF}" type="datetimeFigureOut">
               <a:rPr lang="en-US" smtClean="0"/>
               <a:pPr/>
-              <a:t>14-Oct-19</a:t>
+              <a:t>15-10-2019</a:t>
             </a:fld>
             <a:endParaRPr lang="en-US" dirty="0"/>
           </a:p>
@@ -2334,7 +2334,7 @@
             <a:fld id="{08C12724-62BB-4F65-8CA4-4E731AE132FF}" type="datetimeFigureOut">
               <a:rPr lang="en-US" smtClean="0"/>
               <a:pPr/>
-              <a:t>14-Oct-19</a:t>
+              <a:t>15-10-2019</a:t>
             </a:fld>
             <a:endParaRPr lang="en-US" dirty="0"/>
           </a:p>
@@ -2426,7 +2426,7 @@
             <a:fld id="{08C12724-62BB-4F65-8CA4-4E731AE132FF}" type="datetimeFigureOut">
               <a:rPr lang="en-US" smtClean="0"/>
               <a:pPr/>
-              <a:t>14-Oct-19</a:t>
+              <a:t>15-10-2019</a:t>
             </a:fld>
             <a:endParaRPr lang="en-US" dirty="0"/>
           </a:p>
@@ -2700,7 +2700,7 @@
             <a:fld id="{08C12724-62BB-4F65-8CA4-4E731AE132FF}" type="datetimeFigureOut">
               <a:rPr lang="en-US" smtClean="0"/>
               <a:pPr/>
-              <a:t>14-Oct-19</a:t>
+              <a:t>15-10-2019</a:t>
             </a:fld>
             <a:endParaRPr lang="en-US" dirty="0"/>
           </a:p>
@@ -2950,7 +2950,7 @@
             <a:fld id="{08C12724-62BB-4F65-8CA4-4E731AE132FF}" type="datetimeFigureOut">
               <a:rPr lang="en-US" smtClean="0"/>
               <a:pPr/>
-              <a:t>14-Oct-19</a:t>
+              <a:t>15-10-2019</a:t>
             </a:fld>
             <a:endParaRPr lang="en-US" dirty="0"/>
           </a:p>
@@ -3160,7 +3160,7 @@
             <a:fld id="{08C12724-62BB-4F65-8CA4-4E731AE132FF}" type="datetimeFigureOut">
               <a:rPr lang="en-US" smtClean="0"/>
               <a:pPr/>
-              <a:t>14-Oct-19</a:t>
+              <a:t>15-10-2019</a:t>
             </a:fld>
             <a:endParaRPr lang="en-US" dirty="0"/>
           </a:p>
@@ -4207,7 +4207,7 @@
                         <a:buNone/>
                       </a:pPr>
                       <a:r>
-                        <a:rPr lang="en-US" dirty="0" smtClean="0">
+                        <a:rPr lang="en-US" smtClean="0">
                           <a:solidFill>
                             <a:schemeClr val="dk1"/>
                           </a:solidFill>
@@ -4219,7 +4219,7 @@
                         <a:t>Artificial</a:t>
                       </a:r>
                       <a:r>
-                        <a:rPr lang="en-US" baseline="0" dirty="0" smtClean="0">
+                        <a:rPr lang="en-US" baseline="0" smtClean="0">
                           <a:solidFill>
                             <a:schemeClr val="dk1"/>
                           </a:solidFill>
@@ -4387,6 +4387,15 @@
                         <a:buFont typeface="Arial"/>
                         <a:buNone/>
                       </a:pPr>
+                      <a:r>
+                        <a:rPr lang="en-US" dirty="0" smtClean="0">
+                          <a:latin typeface="Cambria"/>
+                          <a:ea typeface="Cambria"/>
+                          <a:cs typeface="Cambria"/>
+                          <a:sym typeface="Cambria"/>
+                        </a:rPr>
+                        <a:t>15.10.2019</a:t>
+                      </a:r>
                       <a:endParaRPr>
                         <a:latin typeface="Cambria"/>
                         <a:ea typeface="Cambria"/>
@@ -5006,12 +5015,23 @@
             <a:endParaRPr lang="en-US" sz="2400" dirty="0" smtClean="0"/>
           </a:p>
           <a:p>
+            <a:pPr marL="457200" indent="-457200"/>
+            <a:r>
+              <a:rPr lang="en-US" sz="2400" dirty="0" smtClean="0"/>
+              <a:t>3.  DQN Path Finder</a:t>
+            </a:r>
+          </a:p>
+          <a:p>
             <a:pPr marL="457200" indent="-457200">
               <a:buAutoNum type="arabicPeriod" startAt="3"/>
             </a:pPr>
+            <a:endParaRPr lang="en-US" sz="2400" dirty="0" smtClean="0"/>
+          </a:p>
+          <a:p>
+            <a:pPr marL="457200" indent="-457200"/>
             <a:r>
               <a:rPr lang="en-US" sz="2400" dirty="0" smtClean="0"/>
-              <a:t>DQN Path Finder</a:t>
+              <a:t>4.  Breadth First  Search</a:t>
             </a:r>
           </a:p>
           <a:p>
@@ -5021,39 +5041,24 @@
             <a:endParaRPr lang="en-US" sz="2400" dirty="0" smtClean="0"/>
           </a:p>
           <a:p>
+            <a:pPr marL="457200" indent="-457200"/>
+            <a:r>
+              <a:rPr lang="en-US" sz="2400" dirty="0" smtClean="0"/>
+              <a:t>5.  Best First Search</a:t>
+            </a:r>
+          </a:p>
+          <a:p>
             <a:pPr marL="457200" indent="-457200">
               <a:buAutoNum type="arabicPeriod" startAt="3"/>
             </a:pPr>
+            <a:endParaRPr lang="en-US" sz="2400" dirty="0" smtClean="0"/>
+          </a:p>
+          <a:p>
+            <a:pPr marL="457200" indent="-457200"/>
             <a:r>
               <a:rPr lang="en-US" sz="2400" dirty="0" smtClean="0"/>
-              <a:t>Breadth First  Search</a:t>
-            </a:r>
-          </a:p>
-          <a:p>
-            <a:pPr marL="457200" indent="-457200">
-              <a:buAutoNum type="arabicPeriod" startAt="3"/>
-            </a:pPr>
-            <a:endParaRPr lang="en-US" sz="2400" dirty="0" smtClean="0"/>
-          </a:p>
-          <a:p>
-            <a:pPr marL="457200" indent="-457200">
-              <a:buAutoNum type="arabicPeriod" startAt="3"/>
-            </a:pPr>
-            <a:r>
-              <a:rPr lang="en-US" sz="2400" dirty="0" smtClean="0"/>
-              <a:t>Best First Search</a:t>
-            </a:r>
-          </a:p>
-          <a:p>
-            <a:pPr marL="457200" indent="-457200">
-              <a:buAutoNum type="arabicPeriod" startAt="3"/>
-            </a:pPr>
-            <a:endParaRPr lang="en-US" sz="2400" dirty="0" smtClean="0"/>
-          </a:p>
-          <a:p>
-            <a:pPr marL="457200" indent="-457200">
-              <a:buAutoNum type="arabicPeriod" startAt="3"/>
-            </a:pPr>
+              <a:t>6.  </a:t>
+            </a:r>
             <a:r>
               <a:rPr lang="en-US" sz="2400" dirty="0" err="1" smtClean="0"/>
               <a:t>Dijkstra</a:t>
@@ -5137,7 +5142,7 @@
         <p:spPr>
           <a:xfrm>
             <a:off x="457200" y="1524000"/>
-            <a:ext cx="8001000" cy="4339650"/>
+            <a:ext cx="8001000" cy="4401205"/>
           </a:xfrm>
           <a:prstGeom prst="rect">
             <a:avLst/>
@@ -5161,7 +5166,7 @@
           <a:p>
             <a:r>
               <a:rPr lang="en-US" sz="2400" b="1" dirty="0" smtClean="0"/>
-              <a:t>Reasons to use the BFS :</a:t>
+              <a:t>Reasons to use BFS :</a:t>
             </a:r>
           </a:p>
           <a:p>
@@ -5181,7 +5186,7 @@
           <a:p>
             <a:r>
               <a:rPr lang="en-US" sz="2400" b="1" dirty="0" smtClean="0"/>
-              <a:t>Reasons to use the BFS :</a:t>
+              <a:t>Advantages of  BFS :</a:t>
             </a:r>
           </a:p>
           <a:p>
@@ -5190,11 +5195,11 @@
               <a:buChar char="•"/>
             </a:pPr>
             <a:r>
-              <a:rPr lang="en-US" sz="2400" b="1" dirty="0" smtClean="0"/>
+              <a:rPr lang="en-US" sz="2800" b="1" dirty="0" smtClean="0"/>
               <a:t>  </a:t>
             </a:r>
             <a:r>
-              <a:rPr lang="en-US" dirty="0" smtClean="0"/>
+              <a:rPr lang="en-US" sz="2000" dirty="0" smtClean="0"/>
               <a:t>BFS provide the guaranteed  path if it exist.</a:t>
             </a:r>
           </a:p>
@@ -5211,8 +5216,12 @@
               <a:buChar char="•"/>
             </a:pPr>
             <a:r>
+              <a:rPr lang="en-US" sz="2000" dirty="0" smtClean="0"/>
+              <a:t>   </a:t>
+            </a:r>
+            <a:r>
               <a:rPr lang="en-US" sz="2000" b="1" dirty="0" smtClean="0"/>
-              <a:t>  </a:t>
+              <a:t> </a:t>
             </a:r>
             <a:r>
               <a:rPr lang="en-US" sz="2000" dirty="0" smtClean="0"/>
@@ -5376,15 +5385,7 @@
             </a:pPr>
             <a:r>
               <a:rPr lang="en-US" sz="2400" dirty="0" smtClean="0"/>
-              <a:t> Advantage of the multiplayer over single player is that it has game bound  </a:t>
-            </a:r>
-            <a:r>
-              <a:rPr lang="en-US" sz="2400" dirty="0" err="1" smtClean="0"/>
-              <a:t>i.e</a:t>
-            </a:r>
-            <a:r>
-              <a:rPr lang="en-US" sz="2400" dirty="0" smtClean="0"/>
-              <a:t> when a snake bites the another snake’s head it wins.</a:t>
+              <a:t> Advantage of the multiplayer over single player is that it has game bound  that is  when a snake bites the another snake’s head it wins.</a:t>
             </a:r>
             <a:endParaRPr lang="en-US" sz="2400" dirty="0"/>
           </a:p>
@@ -6074,7 +6075,7 @@
         <p:spPr>
           <a:xfrm>
             <a:off x="228600" y="2438400"/>
-            <a:ext cx="4191000" cy="4114800"/>
+            <a:ext cx="4343400" cy="4114800"/>
           </a:xfrm>
           <a:prstGeom prst="roundRect">
             <a:avLst/>
@@ -6144,12 +6145,8 @@
           <a:p>
             <a:pPr algn="ctr"/>
             <a:r>
-              <a:rPr lang="en-US" b="1" dirty="0" err="1" smtClean="0"/>
-              <a:t>GameBoard</a:t>
-            </a:r>
-            <a:r>
               <a:rPr lang="en-US" b="1" dirty="0" smtClean="0"/>
-              <a:t> Controller</a:t>
+              <a:t>Game Board Controller</a:t>
             </a:r>
             <a:endParaRPr lang="en-US" b="1" dirty="0"/>
           </a:p>
@@ -6247,8 +6244,8 @@
         </p:nvSpPr>
         <p:spPr>
           <a:xfrm>
-            <a:off x="1066800" y="2590800"/>
-            <a:ext cx="2438400" cy="609600"/>
+            <a:off x="533400" y="2590800"/>
+            <a:ext cx="3429000" cy="1447800"/>
           </a:xfrm>
           <a:prstGeom prst="roundRect">
             <a:avLst/>
@@ -6273,6 +6270,18 @@
           <a:lstStyle/>
           <a:p>
             <a:pPr algn="ctr"/>
+            <a:endParaRPr lang="en-US" dirty="0" smtClean="0"/>
+          </a:p>
+          <a:p>
+            <a:pPr algn="ctr"/>
+            <a:endParaRPr lang="en-US" dirty="0" smtClean="0"/>
+          </a:p>
+          <a:p>
+            <a:pPr algn="ctr"/>
+            <a:endParaRPr lang="en-US" dirty="0" smtClean="0"/>
+          </a:p>
+          <a:p>
+            <a:pPr algn="ctr"/>
             <a:r>
               <a:rPr lang="en-US" dirty="0" smtClean="0"/>
               <a:t>Game Board Manager</a:t>
@@ -6289,7 +6298,7 @@
         </p:nvSpPr>
         <p:spPr>
           <a:xfrm>
-            <a:off x="990600" y="3581400"/>
+            <a:off x="1066800" y="4343400"/>
             <a:ext cx="2438400" cy="609600"/>
           </a:xfrm>
           <a:prstGeom prst="roundRect">
@@ -6331,7 +6340,7 @@
         </p:nvSpPr>
         <p:spPr>
           <a:xfrm>
-            <a:off x="990600" y="4495800"/>
+            <a:off x="1066800" y="5105400"/>
             <a:ext cx="2438400" cy="609600"/>
           </a:xfrm>
           <a:prstGeom prst="roundRect">
@@ -6376,8 +6385,8 @@
         </p:nvCxnSpPr>
         <p:spPr>
           <a:xfrm>
-            <a:off x="3429000" y="4800600"/>
-            <a:ext cx="2438400" cy="723900"/>
+            <a:off x="3505200" y="5410200"/>
+            <a:ext cx="2362200" cy="114300"/>
           </a:xfrm>
           <a:prstGeom prst="straightConnector1">
             <a:avLst/>
@@ -6412,9 +6421,9 @@
           <p:nvPr/>
         </p:nvCxnSpPr>
         <p:spPr>
-          <a:xfrm rot="5400000">
-            <a:off x="2057400" y="3352800"/>
-            <a:ext cx="381000" cy="76200"/>
+          <a:xfrm rot="16200000" flipH="1">
+            <a:off x="2114550" y="4171950"/>
+            <a:ext cx="304800" cy="38100"/>
           </a:xfrm>
           <a:prstGeom prst="straightConnector1">
             <a:avLst/>
@@ -6449,8 +6458,8 @@
         </p:nvCxnSpPr>
         <p:spPr>
           <a:xfrm>
-            <a:off x="3429000" y="3886200"/>
-            <a:ext cx="2438400" cy="1638300"/>
+            <a:off x="3505200" y="4648200"/>
+            <a:ext cx="2362200" cy="876300"/>
           </a:xfrm>
           <a:prstGeom prst="straightConnector1">
             <a:avLst/>
@@ -6485,13 +6494,13 @@
           <p:nvPr/>
         </p:nvCxnSpPr>
         <p:spPr>
-          <a:xfrm rot="10800000" flipH="1">
-            <a:off x="990600" y="2895600"/>
-            <a:ext cx="76200" cy="1905000"/>
+          <a:xfrm rot="10800000">
+            <a:off x="533400" y="3314700"/>
+            <a:ext cx="533400" cy="2095500"/>
           </a:xfrm>
           <a:prstGeom prst="curvedConnector3">
             <a:avLst>
-              <a:gd name="adj1" fmla="val -300000"/>
+              <a:gd name="adj1" fmla="val 142857"/>
             </a:avLst>
           </a:prstGeom>
           <a:ln>
@@ -6525,8 +6534,8 @@
         </p:nvCxnSpPr>
         <p:spPr>
           <a:xfrm rot="5400000" flipH="1" flipV="1">
-            <a:off x="1847850" y="2114550"/>
-            <a:ext cx="914400" cy="38100"/>
+            <a:off x="1828800" y="2095500"/>
+            <a:ext cx="914400" cy="76200"/>
           </a:xfrm>
           <a:prstGeom prst="straightConnector1">
             <a:avLst/>
@@ -6561,8 +6570,8 @@
         </p:nvCxnSpPr>
         <p:spPr>
           <a:xfrm flipV="1">
-            <a:off x="3505200" y="2857500"/>
-            <a:ext cx="1600200" cy="38100"/>
+            <a:off x="3962400" y="2857500"/>
+            <a:ext cx="1143000" cy="457200"/>
           </a:xfrm>
           <a:prstGeom prst="straightConnector1">
             <a:avLst/>
@@ -6581,6 +6590,138 @@
           </a:fillRef>
           <a:effectRef idx="1">
             <a:schemeClr val="dk1"/>
+          </a:effectRef>
+          <a:fontRef idx="minor">
+            <a:schemeClr val="tx1"/>
+          </a:fontRef>
+        </p:style>
+      </p:cxnSp>
+      <p:sp>
+        <p:nvSpPr>
+          <p:cNvPr id="48" name="Oval 47"/>
+          <p:cNvSpPr/>
+          <p:nvPr/>
+        </p:nvSpPr>
+        <p:spPr>
+          <a:xfrm>
+            <a:off x="838200" y="2743200"/>
+            <a:ext cx="2590800" cy="685800"/>
+          </a:xfrm>
+          <a:prstGeom prst="ellipse">
+            <a:avLst/>
+          </a:prstGeom>
+          <a:noFill/>
+          <a:ln>
+            <a:solidFill>
+              <a:schemeClr val="tx1"/>
+            </a:solidFill>
+          </a:ln>
+        </p:spPr>
+        <p:style>
+          <a:lnRef idx="2">
+            <a:schemeClr val="accent1">
+              <a:shade val="50000"/>
+            </a:schemeClr>
+          </a:lnRef>
+          <a:fillRef idx="1">
+            <a:schemeClr val="accent1"/>
+          </a:fillRef>
+          <a:effectRef idx="0">
+            <a:schemeClr val="accent1"/>
+          </a:effectRef>
+          <a:fontRef idx="minor">
+            <a:schemeClr val="lt1"/>
+          </a:fontRef>
+        </p:style>
+        <p:txBody>
+          <a:bodyPr rtlCol="0" anchor="ctr"/>
+          <a:lstStyle/>
+          <a:p>
+            <a:pPr algn="ctr"/>
+            <a:r>
+              <a:rPr lang="en-US" dirty="0" smtClean="0">
+                <a:solidFill>
+                  <a:schemeClr val="tx1"/>
+                </a:solidFill>
+              </a:rPr>
+              <a:t>Instance of the game board</a:t>
+            </a:r>
+            <a:endParaRPr lang="en-US" dirty="0">
+              <a:solidFill>
+                <a:schemeClr val="tx1"/>
+              </a:solidFill>
+            </a:endParaRPr>
+          </a:p>
+        </p:txBody>
+      </p:sp>
+      <p:cxnSp>
+        <p:nvCxnSpPr>
+          <p:cNvPr id="56" name="Straight Arrow Connector 55"/>
+          <p:cNvCxnSpPr>
+            <a:stCxn id="48" idx="7"/>
+            <a:endCxn id="31" idx="2"/>
+          </p:cNvCxnSpPr>
+          <p:nvPr/>
+        </p:nvCxnSpPr>
+        <p:spPr>
+          <a:xfrm rot="16200000" flipV="1">
+            <a:off x="2103227" y="1897274"/>
+            <a:ext cx="1167233" cy="725486"/>
+          </a:xfrm>
+          <a:prstGeom prst="straightConnector1">
+            <a:avLst/>
+          </a:prstGeom>
+          <a:ln>
+            <a:headEnd type="arrow"/>
+            <a:tailEnd type="arrow"/>
+          </a:ln>
+        </p:spPr>
+        <p:style>
+          <a:lnRef idx="1">
+            <a:schemeClr val="accent1"/>
+          </a:lnRef>
+          <a:fillRef idx="0">
+            <a:schemeClr val="accent1"/>
+          </a:fillRef>
+          <a:effectRef idx="0">
+            <a:schemeClr val="accent1"/>
+          </a:effectRef>
+          <a:fontRef idx="minor">
+            <a:schemeClr val="tx1"/>
+          </a:fontRef>
+        </p:style>
+      </p:cxnSp>
+      <p:cxnSp>
+        <p:nvCxnSpPr>
+          <p:cNvPr id="60" name="Straight Arrow Connector 59"/>
+          <p:cNvCxnSpPr>
+            <a:stCxn id="48" idx="7"/>
+            <a:endCxn id="3" idx="2"/>
+          </p:cNvCxnSpPr>
+          <p:nvPr/>
+        </p:nvCxnSpPr>
+        <p:spPr>
+          <a:xfrm rot="5400000" flipH="1" flipV="1">
+            <a:off x="3284327" y="1441660"/>
+            <a:ext cx="1167233" cy="1636714"/>
+          </a:xfrm>
+          <a:prstGeom prst="straightConnector1">
+            <a:avLst/>
+          </a:prstGeom>
+          <a:ln>
+            <a:headEnd type="arrow"/>
+            <a:tailEnd type="arrow"/>
+          </a:ln>
+        </p:spPr>
+        <p:style>
+          <a:lnRef idx="1">
+            <a:schemeClr val="accent1"/>
+          </a:lnRef>
+          <a:fillRef idx="0">
+            <a:schemeClr val="accent1"/>
+          </a:fillRef>
+          <a:effectRef idx="0">
+            <a:schemeClr val="accent1"/>
           </a:effectRef>
           <a:fontRef idx="minor">
             <a:schemeClr val="tx1"/>
@@ -6899,7 +7040,7 @@
             </a:pPr>
             <a:r>
               <a:rPr lang="en-US" dirty="0" smtClean="0"/>
-              <a:t> Data collection happens when a user changes his snake current moving direction.</a:t>
+              <a:t> Data collection happens when a user changes his snake’s current moving direction.</a:t>
             </a:r>
           </a:p>
           <a:p>
@@ -7199,7 +7340,7 @@
         <p:spPr>
           <a:xfrm>
             <a:off x="381000" y="1066800"/>
-            <a:ext cx="8305800" cy="3724096"/>
+            <a:ext cx="8305800" cy="4370427"/>
           </a:xfrm>
           <a:prstGeom prst="rect">
             <a:avLst/>
@@ -7229,11 +7370,36 @@
             </a:r>
           </a:p>
           <a:p>
-            <a:pPr marL="800100" lvl="1" indent="-342900"/>
+            <a:pPr marL="914400" lvl="1" indent="-457200"/>
             <a:r>
               <a:rPr lang="en-US" sz="2000" dirty="0" smtClean="0"/>
-              <a:t>2.  PROCESSOR : 2.50 GHz</a:t>
-            </a:r>
+              <a:t>2.  PROCESSOR </a:t>
+            </a:r>
+            <a:r>
+              <a:rPr lang="en-US" sz="2000" smtClean="0"/>
+              <a:t>: </a:t>
+            </a:r>
+            <a:r>
+              <a:rPr lang="en-US" sz="2000" smtClean="0"/>
+              <a:t>AMD A4-4300 2.50 </a:t>
+            </a:r>
+            <a:r>
+              <a:rPr lang="en-US" sz="2000" dirty="0" smtClean="0"/>
+              <a:t>GHz</a:t>
+            </a:r>
+          </a:p>
+          <a:p>
+            <a:pPr marL="914400" lvl="1" indent="-457200"/>
+            <a:r>
+              <a:rPr lang="en-US" sz="2000" dirty="0" smtClean="0"/>
+              <a:t>3.  GRAPHIC CARD :  NOT REQUIRED</a:t>
+            </a:r>
+          </a:p>
+          <a:p>
+            <a:pPr marL="914400" lvl="1" indent="-457200">
+              <a:buAutoNum type="arabicPeriod" startAt="2"/>
+            </a:pPr>
+            <a:endParaRPr lang="en-US" sz="2000" dirty="0" smtClean="0"/>
           </a:p>
           <a:p>
             <a:pPr marL="800100" lvl="1" indent="-342900"/>
@@ -7256,8 +7422,17 @@
             </a:pPr>
             <a:r>
               <a:rPr lang="en-US" sz="2000" dirty="0" smtClean="0"/>
-              <a:t> Java V1.8</a:t>
-            </a:r>
+              <a:t> </a:t>
+            </a:r>
+            <a:r>
+              <a:rPr lang="en-US" sz="2000" smtClean="0"/>
+              <a:t>Java </a:t>
+            </a:r>
+            <a:r>
+              <a:rPr lang="en-US" sz="2000" smtClean="0"/>
+              <a:t>V 1.8</a:t>
+            </a:r>
+            <a:endParaRPr lang="en-US" sz="2000" dirty="0" smtClean="0"/>
           </a:p>
           <a:p>
             <a:pPr marL="800100" lvl="1" indent="-342900">
@@ -7486,19 +7661,7 @@
             </a:pPr>
             <a:r>
               <a:rPr lang="en-US" sz="2400" dirty="0" smtClean="0"/>
-              <a:t>record the </a:t>
-            </a:r>
-            <a:r>
-              <a:rPr lang="en-US" sz="2400" dirty="0" smtClean="0"/>
-              <a:t>player’s </a:t>
-            </a:r>
-            <a:r>
-              <a:rPr lang="en-US" sz="2400" dirty="0" smtClean="0"/>
-              <a:t>move in a one on one battle with </a:t>
-            </a:r>
-            <a:r>
-              <a:rPr lang="en-US" sz="2400" dirty="0" smtClean="0"/>
-              <a:t>each other</a:t>
+              <a:t>record the player’s move in a one on one battle with each other</a:t>
             </a:r>
           </a:p>
           <a:p>
@@ -7507,23 +7670,7 @@
             </a:pPr>
             <a:r>
               <a:rPr lang="en-US" sz="2400" dirty="0" smtClean="0"/>
-              <a:t>And</a:t>
-            </a:r>
-            <a:r>
-              <a:rPr lang="en-US" sz="2400" dirty="0" smtClean="0"/>
-              <a:t> </a:t>
-            </a:r>
-            <a:r>
-              <a:rPr lang="en-US" sz="2400" dirty="0" smtClean="0"/>
-              <a:t>tries </a:t>
-            </a:r>
-            <a:r>
-              <a:rPr lang="en-US" sz="2400" dirty="0" smtClean="0"/>
-              <a:t>to use the previous player’s move. The computer </a:t>
-            </a:r>
-            <a:r>
-              <a:rPr lang="en-US" sz="2400" dirty="0" smtClean="0"/>
-              <a:t>uses</a:t>
+              <a:t>And tries to use the previous player’s move. The computer uses</a:t>
             </a:r>
           </a:p>
           <a:p>
@@ -7532,23 +7679,7 @@
             </a:pPr>
             <a:r>
               <a:rPr lang="en-US" sz="2400" dirty="0" smtClean="0"/>
-              <a:t>the</a:t>
-            </a:r>
-            <a:r>
-              <a:rPr lang="en-US" sz="2400" dirty="0" smtClean="0"/>
-              <a:t> </a:t>
-            </a:r>
-            <a:r>
-              <a:rPr lang="en-US" sz="2400" dirty="0" smtClean="0"/>
-              <a:t>shortest </a:t>
-            </a:r>
-            <a:r>
-              <a:rPr lang="en-US" sz="2400" dirty="0" smtClean="0"/>
-              <a:t>path algorithm to reach the target with out </a:t>
-            </a:r>
-            <a:r>
-              <a:rPr lang="en-US" sz="2400" dirty="0" smtClean="0"/>
-              <a:t>having</a:t>
+              <a:t>the shortest path algorithm to reach the target with out having</a:t>
             </a:r>
           </a:p>
           <a:p>
@@ -7557,19 +7688,7 @@
             </a:pPr>
             <a:r>
               <a:rPr lang="en-US" sz="2400" dirty="0" smtClean="0"/>
-              <a:t>self</a:t>
-            </a:r>
-            <a:r>
-              <a:rPr lang="en-US" sz="2400" dirty="0" smtClean="0"/>
-              <a:t> </a:t>
-            </a:r>
-            <a:r>
-              <a:rPr lang="en-US" sz="2400" dirty="0" smtClean="0"/>
-              <a:t>Destructive </a:t>
-            </a:r>
-            <a:r>
-              <a:rPr lang="en-US" sz="2400" dirty="0" smtClean="0"/>
-              <a:t>moves and tries to escape from the opponent’s</a:t>
+              <a:t>self Destructive moves and tries to escape from the opponent’s</a:t>
             </a:r>
           </a:p>
           <a:p>
@@ -10125,7 +10244,7 @@
             </a:pPr>
             <a:r>
               <a:rPr lang="en-US" sz="2400" dirty="0" smtClean="0"/>
-              <a:t> The analyzer module is used to predict the next move of the player with the data collected from the previous games.</a:t>
+              <a:t> The prediction module is used to predict the next move of the player with the data collected from the previous games.</a:t>
             </a:r>
           </a:p>
           <a:p>
@@ -11350,7 +11469,7 @@
           <a:p>
             <a:r>
               <a:rPr lang="en-US" sz="2000" dirty="0" smtClean="0"/>
-              <a:t>	1. Thus a game with could be played in multiplayer mode from separate 	devices is developed </a:t>
+              <a:t>	1. Thus a game with could be played in multiplayer mode from 	separate devices is developed </a:t>
             </a:r>
           </a:p>
           <a:p>
@@ -11368,7 +11487,7 @@
           <a:p>
             <a:r>
               <a:rPr lang="en-US" sz="2000" dirty="0" smtClean="0"/>
-              <a:t>	3. Did a prediction on collected data for  helping the computer snake to have a better moves again the human a opponent.</a:t>
+              <a:t>	3. Did a prediction on collected data for  helping the computer snake 	to have a better moves again the human a opponent.</a:t>
             </a:r>
           </a:p>
           <a:p>
@@ -11383,7 +11502,7 @@
           <a:p>
             <a:r>
               <a:rPr lang="en-US" sz="2000" dirty="0" smtClean="0"/>
-              <a:t>	1. Construct a more efficient model to predict a more personalized user move</a:t>
+              <a:t>	1. Construct a more efficient model to predict a more personalized 	user move</a:t>
             </a:r>
           </a:p>
           <a:p>
@@ -11440,7 +11559,7 @@
         </p:nvSpPr>
         <p:spPr>
           <a:xfrm>
-            <a:off x="381000" y="2895600"/>
+            <a:off x="381000" y="2819400"/>
             <a:ext cx="8153400" cy="1107996"/>
           </a:xfrm>
           <a:prstGeom prst="rect">
@@ -11556,7 +11675,7 @@
         <p:spPr>
           <a:xfrm>
             <a:off x="762000" y="1371600"/>
-            <a:ext cx="7772400" cy="4708981"/>
+            <a:ext cx="7772400" cy="5016758"/>
           </a:xfrm>
           <a:prstGeom prst="rect">
             <a:avLst/>
@@ -11646,7 +11765,7 @@
             </a:pPr>
             <a:r>
               <a:rPr lang="en-US" sz="2000" dirty="0" smtClean="0"/>
-              <a:t> The player has more interest in playing with other players or friends .</a:t>
+              <a:t> The player has more interest in playing with other players or their friends .</a:t>
             </a:r>
           </a:p>
           <a:p>
@@ -11747,7 +11866,7 @@
             </a:pPr>
             <a:r>
               <a:rPr lang="en-US" dirty="0" smtClean="0"/>
-              <a:t>In this project the snake can detect shortest the path to the co-ordinates of the food and can predict the opponents move make a counter move escape from players attack.</a:t>
+              <a:t>In this project the snake can detect shortest the path to the co-ordinates of the food and can predict the opponents move make a counter move to escape from players attack.</a:t>
             </a:r>
           </a:p>
           <a:p>

--- a/presentation/AI BASED MULTIPLAYER SNAKE GAME(mini project).pptx
+++ b/presentation/AI BASED MULTIPLAYER SNAKE GAME(mini project).pptx
@@ -231,7 +231,7 @@
             <a:fld id="{F3F000B4-AEA5-43AE-BF87-57474C48F9CE}" type="datetimeFigureOut">
               <a:rPr lang="en-US" smtClean="0"/>
               <a:pPr/>
-              <a:t>15-10-2019</a:t>
+              <a:t>30-10-2019</a:t>
             </a:fld>
             <a:endParaRPr lang="en-US"/>
           </a:p>
@@ -761,7 +761,7 @@
             <a:fld id="{08C12724-62BB-4F65-8CA4-4E731AE132FF}" type="datetimeFigureOut">
               <a:rPr lang="en-US" smtClean="0"/>
               <a:pPr/>
-              <a:t>15-10-2019</a:t>
+              <a:t>30-10-2019</a:t>
             </a:fld>
             <a:endParaRPr lang="en-US" dirty="0"/>
           </a:p>
@@ -928,7 +928,7 @@
             <a:fld id="{08C12724-62BB-4F65-8CA4-4E731AE132FF}" type="datetimeFigureOut">
               <a:rPr lang="en-US" smtClean="0"/>
               <a:pPr/>
-              <a:t>15-10-2019</a:t>
+              <a:t>30-10-2019</a:t>
             </a:fld>
             <a:endParaRPr lang="en-US" dirty="0"/>
           </a:p>
@@ -1105,7 +1105,7 @@
             <a:fld id="{08C12724-62BB-4F65-8CA4-4E731AE132FF}" type="datetimeFigureOut">
               <a:rPr lang="en-US" smtClean="0"/>
               <a:pPr/>
-              <a:t>15-10-2019</a:t>
+              <a:t>30-10-2019</a:t>
             </a:fld>
             <a:endParaRPr lang="en-US" dirty="0"/>
           </a:p>
@@ -1272,7 +1272,7 @@
             <a:fld id="{08C12724-62BB-4F65-8CA4-4E731AE132FF}" type="datetimeFigureOut">
               <a:rPr lang="en-US" smtClean="0"/>
               <a:pPr/>
-              <a:t>15-10-2019</a:t>
+              <a:t>30-10-2019</a:t>
             </a:fld>
             <a:endParaRPr lang="en-US" dirty="0"/>
           </a:p>
@@ -1515,7 +1515,7 @@
             <a:fld id="{08C12724-62BB-4F65-8CA4-4E731AE132FF}" type="datetimeFigureOut">
               <a:rPr lang="en-US" smtClean="0"/>
               <a:pPr/>
-              <a:t>15-10-2019</a:t>
+              <a:t>30-10-2019</a:t>
             </a:fld>
             <a:endParaRPr lang="en-US" dirty="0"/>
           </a:p>
@@ -1800,7 +1800,7 @@
             <a:fld id="{08C12724-62BB-4F65-8CA4-4E731AE132FF}" type="datetimeFigureOut">
               <a:rPr lang="en-US" smtClean="0"/>
               <a:pPr/>
-              <a:t>15-10-2019</a:t>
+              <a:t>30-10-2019</a:t>
             </a:fld>
             <a:endParaRPr lang="en-US" dirty="0"/>
           </a:p>
@@ -2219,7 +2219,7 @@
             <a:fld id="{08C12724-62BB-4F65-8CA4-4E731AE132FF}" type="datetimeFigureOut">
               <a:rPr lang="en-US" smtClean="0"/>
               <a:pPr/>
-              <a:t>15-10-2019</a:t>
+              <a:t>30-10-2019</a:t>
             </a:fld>
             <a:endParaRPr lang="en-US" dirty="0"/>
           </a:p>
@@ -2334,7 +2334,7 @@
             <a:fld id="{08C12724-62BB-4F65-8CA4-4E731AE132FF}" type="datetimeFigureOut">
               <a:rPr lang="en-US" smtClean="0"/>
               <a:pPr/>
-              <a:t>15-10-2019</a:t>
+              <a:t>30-10-2019</a:t>
             </a:fld>
             <a:endParaRPr lang="en-US" dirty="0"/>
           </a:p>
@@ -2426,7 +2426,7 @@
             <a:fld id="{08C12724-62BB-4F65-8CA4-4E731AE132FF}" type="datetimeFigureOut">
               <a:rPr lang="en-US" smtClean="0"/>
               <a:pPr/>
-              <a:t>15-10-2019</a:t>
+              <a:t>30-10-2019</a:t>
             </a:fld>
             <a:endParaRPr lang="en-US" dirty="0"/>
           </a:p>
@@ -2700,7 +2700,7 @@
             <a:fld id="{08C12724-62BB-4F65-8CA4-4E731AE132FF}" type="datetimeFigureOut">
               <a:rPr lang="en-US" smtClean="0"/>
               <a:pPr/>
-              <a:t>15-10-2019</a:t>
+              <a:t>30-10-2019</a:t>
             </a:fld>
             <a:endParaRPr lang="en-US" dirty="0"/>
           </a:p>
@@ -2950,7 +2950,7 @@
             <a:fld id="{08C12724-62BB-4F65-8CA4-4E731AE132FF}" type="datetimeFigureOut">
               <a:rPr lang="en-US" smtClean="0"/>
               <a:pPr/>
-              <a:t>15-10-2019</a:t>
+              <a:t>30-10-2019</a:t>
             </a:fld>
             <a:endParaRPr lang="en-US" dirty="0"/>
           </a:p>
@@ -3160,7 +3160,7 @@
             <a:fld id="{08C12724-62BB-4F65-8CA4-4E731AE132FF}" type="datetimeFigureOut">
               <a:rPr lang="en-US" smtClean="0"/>
               <a:pPr/>
-              <a:t>15-10-2019</a:t>
+              <a:t>30-10-2019</a:t>
             </a:fld>
             <a:endParaRPr lang="en-US" dirty="0"/>
           </a:p>
@@ -4388,13 +4388,13 @@
                         <a:buNone/>
                       </a:pPr>
                       <a:r>
-                        <a:rPr lang="en-US" dirty="0" smtClean="0">
+                        <a:rPr lang="en-US" smtClean="0">
                           <a:latin typeface="Cambria"/>
                           <a:ea typeface="Cambria"/>
                           <a:cs typeface="Cambria"/>
                           <a:sym typeface="Cambria"/>
                         </a:rPr>
-                        <a:t>15.10.2019</a:t>
+                        <a:t>31.10.2019</a:t>
                       </a:r>
                       <a:endParaRPr>
                         <a:latin typeface="Cambria"/>
@@ -4986,7 +4986,7 @@
           </a:bodyPr>
           <a:lstStyle/>
           <a:p>
-            <a:pPr marL="342900" indent="-342900">
+            <a:pPr marL="342900" indent="-342900" algn="just">
               <a:buFont typeface="+mj-lt"/>
               <a:buAutoNum type="arabicPeriod"/>
             </a:pPr>
@@ -5000,61 +5000,61 @@
             </a:r>
           </a:p>
           <a:p>
-            <a:pPr marL="342900" indent="-342900"/>
+            <a:pPr marL="342900" indent="-342900" algn="just"/>
             <a:endParaRPr lang="en-US" sz="2400" dirty="0" smtClean="0"/>
           </a:p>
           <a:p>
-            <a:pPr marL="342900" indent="-342900"/>
+            <a:pPr marL="342900" indent="-342900" algn="just"/>
             <a:r>
               <a:rPr lang="en-US" sz="2400" dirty="0" smtClean="0"/>
               <a:t>2.  Hamilton Path finder</a:t>
             </a:r>
           </a:p>
           <a:p>
-            <a:pPr marL="342900" indent="-342900"/>
+            <a:pPr marL="342900" indent="-342900" algn="just"/>
             <a:endParaRPr lang="en-US" sz="2400" dirty="0" smtClean="0"/>
           </a:p>
           <a:p>
-            <a:pPr marL="457200" indent="-457200"/>
+            <a:pPr marL="457200" indent="-457200" algn="just"/>
             <a:r>
               <a:rPr lang="en-US" sz="2400" dirty="0" smtClean="0"/>
               <a:t>3.  DQN Path Finder</a:t>
             </a:r>
           </a:p>
           <a:p>
-            <a:pPr marL="457200" indent="-457200">
+            <a:pPr marL="457200" indent="-457200" algn="just">
               <a:buAutoNum type="arabicPeriod" startAt="3"/>
             </a:pPr>
             <a:endParaRPr lang="en-US" sz="2400" dirty="0" smtClean="0"/>
           </a:p>
           <a:p>
-            <a:pPr marL="457200" indent="-457200"/>
+            <a:pPr marL="457200" indent="-457200" algn="just"/>
             <a:r>
               <a:rPr lang="en-US" sz="2400" dirty="0" smtClean="0"/>
               <a:t>4.  Breadth First  Search</a:t>
             </a:r>
           </a:p>
           <a:p>
-            <a:pPr marL="457200" indent="-457200">
+            <a:pPr marL="457200" indent="-457200" algn="just">
               <a:buAutoNum type="arabicPeriod" startAt="3"/>
             </a:pPr>
             <a:endParaRPr lang="en-US" sz="2400" dirty="0" smtClean="0"/>
           </a:p>
           <a:p>
-            <a:pPr marL="457200" indent="-457200"/>
+            <a:pPr marL="457200" indent="-457200" algn="just"/>
             <a:r>
               <a:rPr lang="en-US" sz="2400" dirty="0" smtClean="0"/>
               <a:t>5.  Best First Search</a:t>
             </a:r>
           </a:p>
           <a:p>
-            <a:pPr marL="457200" indent="-457200">
+            <a:pPr marL="457200" indent="-457200" algn="just">
               <a:buAutoNum type="arabicPeriod" startAt="3"/>
             </a:pPr>
             <a:endParaRPr lang="en-US" sz="2400" dirty="0" smtClean="0"/>
           </a:p>
           <a:p>
-            <a:pPr marL="457200" indent="-457200"/>
+            <a:pPr marL="457200" indent="-457200" algn="just"/>
             <a:r>
               <a:rPr lang="en-US" sz="2400" dirty="0" smtClean="0"/>
               <a:t>6.  </a:t>
@@ -5155,21 +5155,25 @@
           </a:bodyPr>
           <a:lstStyle/>
           <a:p>
+            <a:pPr algn="just"/>
             <a:r>
               <a:rPr lang="en-US" sz="2000" dirty="0" smtClean="0"/>
               <a:t>This project uses the BFS Algorithm for finding the path in the game board grid</a:t>
             </a:r>
           </a:p>
           <a:p>
+            <a:pPr algn="just"/>
             <a:endParaRPr lang="en-US" sz="2000" dirty="0" smtClean="0"/>
           </a:p>
           <a:p>
+            <a:pPr algn="just"/>
             <a:r>
               <a:rPr lang="en-US" sz="2400" b="1" dirty="0" smtClean="0"/>
               <a:t>Reasons to use BFS :</a:t>
             </a:r>
           </a:p>
           <a:p>
+            <a:pPr algn="just"/>
             <a:r>
               <a:rPr lang="en-US" sz="2000" b="1" dirty="0" smtClean="0"/>
               <a:t>	</a:t>
@@ -5181,16 +5185,18 @@
             <a:endParaRPr lang="en-US" sz="2000" b="1" dirty="0" smtClean="0"/>
           </a:p>
           <a:p>
+            <a:pPr algn="just"/>
             <a:endParaRPr lang="en-US" sz="2400" b="1" dirty="0" smtClean="0"/>
           </a:p>
           <a:p>
+            <a:pPr algn="just"/>
             <a:r>
               <a:rPr lang="en-US" sz="2400" b="1" dirty="0" smtClean="0"/>
               <a:t>Advantages of  BFS :</a:t>
             </a:r>
           </a:p>
           <a:p>
-            <a:pPr>
+            <a:pPr algn="just">
               <a:buFont typeface="Arial" pitchFamily="34" charset="0"/>
               <a:buChar char="•"/>
             </a:pPr>
@@ -5204,14 +5210,14 @@
             </a:r>
           </a:p>
           <a:p>
-            <a:pPr>
+            <a:pPr algn="just">
               <a:buFont typeface="Arial" pitchFamily="34" charset="0"/>
               <a:buChar char="•"/>
             </a:pPr>
             <a:endParaRPr lang="en-US" sz="2000" b="1" dirty="0" smtClean="0"/>
           </a:p>
           <a:p>
-            <a:pPr>
+            <a:pPr algn="just">
               <a:buFont typeface="Arial" pitchFamily="34" charset="0"/>
               <a:buChar char="•"/>
             </a:pPr>
@@ -5229,14 +5235,14 @@
             </a:r>
           </a:p>
           <a:p>
-            <a:pPr>
+            <a:pPr algn="just">
               <a:buFont typeface="Arial" pitchFamily="34" charset="0"/>
               <a:buChar char="•"/>
             </a:pPr>
             <a:endParaRPr lang="en-US" sz="2000" b="1" dirty="0" smtClean="0"/>
           </a:p>
           <a:p>
-            <a:pPr>
+            <a:pPr algn="just">
               <a:buFont typeface="Arial" pitchFamily="34" charset="0"/>
               <a:buChar char="•"/>
             </a:pPr>
@@ -5345,7 +5351,7 @@
           </a:bodyPr>
           <a:lstStyle/>
           <a:p>
-            <a:pPr>
+            <a:pPr algn="just">
               <a:buFont typeface="Arial" pitchFamily="34" charset="0"/>
               <a:buChar char="•"/>
             </a:pPr>
@@ -5355,14 +5361,14 @@
             </a:r>
           </a:p>
           <a:p>
-            <a:pPr>
+            <a:pPr algn="just">
               <a:buFont typeface="Arial" pitchFamily="34" charset="0"/>
               <a:buChar char="•"/>
             </a:pPr>
             <a:endParaRPr lang="en-US" sz="2400" dirty="0" smtClean="0"/>
           </a:p>
           <a:p>
-            <a:pPr>
+            <a:pPr algn="just">
               <a:buFont typeface="Arial" pitchFamily="34" charset="0"/>
               <a:buChar char="•"/>
             </a:pPr>
@@ -5372,14 +5378,14 @@
             </a:r>
           </a:p>
           <a:p>
-            <a:pPr>
+            <a:pPr algn="just">
               <a:buFont typeface="Arial" pitchFamily="34" charset="0"/>
               <a:buChar char="•"/>
             </a:pPr>
             <a:endParaRPr lang="en-US" sz="2400" dirty="0" smtClean="0"/>
           </a:p>
           <a:p>
-            <a:pPr>
+            <a:pPr algn="just">
               <a:buFont typeface="Arial" pitchFamily="34" charset="0"/>
               <a:buChar char="•"/>
             </a:pPr>
@@ -5491,7 +5497,7 @@
           </a:bodyPr>
           <a:lstStyle/>
           <a:p>
-            <a:pPr>
+            <a:pPr algn="just">
               <a:buFont typeface="Arial" pitchFamily="34" charset="0"/>
               <a:buChar char="•"/>
             </a:pPr>
@@ -5501,14 +5507,14 @@
             </a:r>
           </a:p>
           <a:p>
-            <a:pPr>
+            <a:pPr algn="just">
               <a:buFont typeface="Arial" pitchFamily="34" charset="0"/>
               <a:buChar char="•"/>
             </a:pPr>
             <a:endParaRPr lang="en-US" sz="2400" dirty="0" smtClean="0"/>
           </a:p>
           <a:p>
-            <a:pPr>
+            <a:pPr algn="just">
               <a:buFont typeface="Arial" pitchFamily="34" charset="0"/>
               <a:buChar char="•"/>
             </a:pPr>
@@ -5518,14 +5524,14 @@
             </a:r>
           </a:p>
           <a:p>
-            <a:pPr>
+            <a:pPr algn="just">
               <a:buFont typeface="Arial" pitchFamily="34" charset="0"/>
               <a:buChar char="•"/>
             </a:pPr>
             <a:endParaRPr lang="en-US" sz="2400" dirty="0" smtClean="0"/>
           </a:p>
           <a:p>
-            <a:pPr>
+            <a:pPr algn="just">
               <a:buFont typeface="Arial" pitchFamily="34" charset="0"/>
               <a:buChar char="•"/>
             </a:pPr>
@@ -5535,10 +5541,11 @@
             </a:r>
           </a:p>
           <a:p>
+            <a:pPr algn="just"/>
             <a:endParaRPr lang="en-US" dirty="0" smtClean="0"/>
           </a:p>
           <a:p>
-            <a:pPr>
+            <a:pPr algn="just">
               <a:buFont typeface="Arial" pitchFamily="34" charset="0"/>
               <a:buChar char="•"/>
             </a:pPr>
@@ -6876,7 +6883,7 @@
           </a:bodyPr>
           <a:lstStyle/>
           <a:p>
-            <a:pPr marL="342900" indent="-342900">
+            <a:pPr marL="342900" indent="-342900" algn="just">
               <a:buFont typeface="+mj-lt"/>
               <a:buAutoNum type="arabicPeriod"/>
             </a:pPr>
@@ -6886,66 +6893,66 @@
             </a:r>
           </a:p>
           <a:p>
-            <a:pPr marL="342900" indent="-342900"/>
+            <a:pPr marL="342900" indent="-342900" algn="just"/>
             <a:endParaRPr lang="en-US" sz="2400" dirty="0" smtClean="0"/>
           </a:p>
           <a:p>
-            <a:pPr marL="342900" indent="-342900"/>
+            <a:pPr marL="342900" indent="-342900" algn="just"/>
             <a:r>
               <a:rPr lang="en-US" sz="2400" dirty="0" smtClean="0"/>
               <a:t>2. Game Controller Module</a:t>
             </a:r>
           </a:p>
           <a:p>
-            <a:pPr marL="342900" indent="-342900"/>
+            <a:pPr marL="342900" indent="-342900" algn="just"/>
             <a:endParaRPr lang="en-US" sz="2400" dirty="0" smtClean="0"/>
           </a:p>
           <a:p>
-            <a:pPr marL="342900" indent="-342900"/>
+            <a:pPr marL="342900" indent="-342900" algn="just"/>
             <a:r>
               <a:rPr lang="en-US" sz="2400" dirty="0" smtClean="0"/>
               <a:t>3. User snake Controller Module</a:t>
             </a:r>
           </a:p>
           <a:p>
-            <a:pPr marL="342900" indent="-342900"/>
+            <a:pPr marL="342900" indent="-342900" algn="just"/>
             <a:endParaRPr lang="en-US" sz="2400" dirty="0" smtClean="0"/>
           </a:p>
           <a:p>
-            <a:pPr marL="342900" indent="-342900"/>
+            <a:pPr marL="342900" indent="-342900" algn="just"/>
             <a:r>
               <a:rPr lang="en-US" sz="2400" dirty="0" smtClean="0"/>
               <a:t>4. Game Synchronizer Module.</a:t>
             </a:r>
           </a:p>
           <a:p>
-            <a:pPr marL="342900" indent="-342900"/>
+            <a:pPr marL="342900" indent="-342900" algn="just"/>
             <a:endParaRPr lang="en-US" sz="2400" dirty="0" smtClean="0"/>
           </a:p>
           <a:p>
-            <a:pPr marL="342900" indent="-342900"/>
+            <a:pPr marL="342900" indent="-342900" algn="just"/>
             <a:r>
               <a:rPr lang="en-US" sz="2400" dirty="0" smtClean="0"/>
               <a:t>5. Data Collection Module.</a:t>
             </a:r>
           </a:p>
           <a:p>
-            <a:pPr marL="342900" indent="-342900"/>
+            <a:pPr marL="342900" indent="-342900" algn="just"/>
             <a:endParaRPr lang="en-US" sz="2400" dirty="0" smtClean="0"/>
           </a:p>
           <a:p>
-            <a:pPr marL="342900" indent="-342900"/>
+            <a:pPr marL="342900" indent="-342900" algn="just"/>
             <a:r>
               <a:rPr lang="en-US" sz="2400" dirty="0" smtClean="0"/>
               <a:t>6. Prediction Module</a:t>
             </a:r>
           </a:p>
           <a:p>
-            <a:pPr marL="342900" indent="-342900"/>
+            <a:pPr marL="342900" indent="-342900" algn="just"/>
             <a:endParaRPr lang="en-US" sz="2400" dirty="0" smtClean="0"/>
           </a:p>
           <a:p>
-            <a:pPr marL="342900" indent="-342900"/>
+            <a:pPr marL="342900" indent="-342900" algn="just"/>
             <a:endParaRPr lang="en-US" sz="2400" dirty="0" smtClean="0"/>
           </a:p>
         </p:txBody>
@@ -7020,7 +7027,7 @@
         </p:nvSpPr>
         <p:spPr>
           <a:xfrm>
-            <a:off x="304800" y="948690"/>
+            <a:off x="304800" y="990600"/>
             <a:ext cx="8305800" cy="5909310"/>
           </a:xfrm>
           <a:prstGeom prst="rect">
@@ -7034,7 +7041,7 @@
           </a:bodyPr>
           <a:lstStyle/>
           <a:p>
-            <a:pPr>
+            <a:pPr algn="just">
               <a:buFont typeface="Arial" pitchFamily="34" charset="0"/>
               <a:buChar char="•"/>
             </a:pPr>
@@ -7044,14 +7051,14 @@
             </a:r>
           </a:p>
           <a:p>
-            <a:pPr>
+            <a:pPr algn="just">
               <a:buFont typeface="Arial" pitchFamily="34" charset="0"/>
               <a:buChar char="•"/>
             </a:pPr>
             <a:endParaRPr lang="en-US" dirty="0" smtClean="0"/>
           </a:p>
           <a:p>
-            <a:pPr>
+            <a:pPr algn="just">
               <a:buFont typeface="Arial" pitchFamily="34" charset="0"/>
               <a:buChar char="•"/>
             </a:pPr>
@@ -7061,14 +7068,14 @@
             </a:r>
           </a:p>
           <a:p>
-            <a:pPr>
+            <a:pPr algn="just">
               <a:buFont typeface="Arial" pitchFamily="34" charset="0"/>
               <a:buChar char="•"/>
             </a:pPr>
             <a:endParaRPr lang="en-US" dirty="0" smtClean="0"/>
           </a:p>
           <a:p>
-            <a:pPr>
+            <a:pPr algn="just">
               <a:buFont typeface="Arial" pitchFamily="34" charset="0"/>
               <a:buChar char="•"/>
             </a:pPr>
@@ -7078,14 +7085,14 @@
             </a:r>
           </a:p>
           <a:p>
-            <a:pPr>
+            <a:pPr algn="just">
               <a:buFont typeface="Arial" pitchFamily="34" charset="0"/>
               <a:buChar char="•"/>
             </a:pPr>
             <a:endParaRPr lang="en-US" dirty="0" smtClean="0"/>
           </a:p>
           <a:p>
-            <a:pPr marL="800100" lvl="1" indent="-342900">
+            <a:pPr marL="800100" lvl="1" indent="-342900" algn="just">
               <a:buFont typeface="+mj-lt"/>
               <a:buAutoNum type="arabicPeriod"/>
             </a:pPr>
@@ -7095,7 +7102,7 @@
             </a:r>
           </a:p>
           <a:p>
-            <a:pPr marL="800100" lvl="1" indent="-342900">
+            <a:pPr marL="800100" lvl="1" indent="-342900" algn="just">
               <a:buFont typeface="+mj-lt"/>
               <a:buAutoNum type="arabicPeriod"/>
             </a:pPr>
@@ -7105,7 +7112,7 @@
             </a:r>
           </a:p>
           <a:p>
-            <a:pPr marL="800100" lvl="1" indent="-342900">
+            <a:pPr marL="800100" lvl="1" indent="-342900" algn="just">
               <a:buFont typeface="+mj-lt"/>
               <a:buAutoNum type="arabicPeriod"/>
             </a:pPr>
@@ -7115,7 +7122,7 @@
             </a:r>
           </a:p>
           <a:p>
-            <a:pPr marL="800100" lvl="1" indent="-342900">
+            <a:pPr marL="800100" lvl="1" indent="-342900" algn="just">
               <a:buFont typeface="+mj-lt"/>
               <a:buAutoNum type="arabicPeriod"/>
             </a:pPr>
@@ -7125,7 +7132,7 @@
             </a:r>
           </a:p>
           <a:p>
-            <a:pPr marL="800100" lvl="1" indent="-342900">
+            <a:pPr marL="800100" lvl="1" indent="-342900" algn="just">
               <a:buFont typeface="+mj-lt"/>
               <a:buAutoNum type="arabicPeriod"/>
             </a:pPr>
@@ -7135,7 +7142,7 @@
             </a:r>
           </a:p>
           <a:p>
-            <a:pPr marL="800100" lvl="1" indent="-342900">
+            <a:pPr marL="800100" lvl="1" indent="-342900" algn="just">
               <a:buFont typeface="+mj-lt"/>
               <a:buAutoNum type="arabicPeriod"/>
             </a:pPr>
@@ -7145,7 +7152,7 @@
             </a:r>
           </a:p>
           <a:p>
-            <a:pPr marL="800100" lvl="1" indent="-342900">
+            <a:pPr marL="800100" lvl="1" indent="-342900" algn="just">
               <a:buFont typeface="+mj-lt"/>
               <a:buAutoNum type="arabicPeriod"/>
             </a:pPr>
@@ -7155,7 +7162,7 @@
             </a:r>
           </a:p>
           <a:p>
-            <a:pPr marL="800100" lvl="1" indent="-342900">
+            <a:pPr marL="800100" lvl="1" indent="-342900" algn="just">
               <a:buFont typeface="+mj-lt"/>
               <a:buAutoNum type="arabicPeriod"/>
             </a:pPr>
@@ -7165,7 +7172,7 @@
             </a:r>
           </a:p>
           <a:p>
-            <a:pPr marL="800100" lvl="1" indent="-342900">
+            <a:pPr marL="800100" lvl="1" indent="-342900" algn="just">
               <a:buFont typeface="+mj-lt"/>
               <a:buAutoNum type="arabicPeriod"/>
             </a:pPr>
@@ -7175,25 +7182,25 @@
             </a:r>
           </a:p>
           <a:p>
-            <a:pPr marL="800100" lvl="1" indent="-342900"/>
+            <a:pPr marL="800100" lvl="1" indent="-342900" algn="just"/>
             <a:endParaRPr lang="en-US" dirty="0" smtClean="0"/>
           </a:p>
           <a:p>
-            <a:pPr marL="800100" lvl="1" indent="-342900">
+            <a:pPr marL="800100" lvl="1" indent="-342900" algn="just">
               <a:buFont typeface="Arial" pitchFamily="34" charset="0"/>
               <a:buChar char="•"/>
             </a:pPr>
             <a:endParaRPr lang="en-US" dirty="0" smtClean="0"/>
           </a:p>
           <a:p>
-            <a:pPr marL="800100" lvl="1" indent="-342900">
+            <a:pPr marL="800100" lvl="1" indent="-342900" algn="just">
               <a:buFont typeface="+mj-lt"/>
               <a:buAutoNum type="arabicPeriod"/>
             </a:pPr>
             <a:endParaRPr lang="en-US" dirty="0" smtClean="0"/>
           </a:p>
           <a:p>
-            <a:pPr marL="800100" lvl="1" indent="-342900">
+            <a:pPr marL="800100" lvl="1" indent="-342900" algn="just">
               <a:buFont typeface="+mj-lt"/>
               <a:buAutoNum type="arabicPeriod"/>
             </a:pPr>
@@ -7353,7 +7360,7 @@
           </a:bodyPr>
           <a:lstStyle/>
           <a:p>
-            <a:pPr>
+            <a:pPr algn="just">
               <a:buFont typeface="Arial" pitchFamily="34" charset="0"/>
               <a:buChar char="•"/>
             </a:pPr>
@@ -7363,50 +7370,38 @@
             </a:r>
           </a:p>
           <a:p>
-            <a:pPr lvl="1"/>
+            <a:pPr lvl="1" algn="just"/>
             <a:r>
               <a:rPr lang="en-US" sz="2000" dirty="0" smtClean="0"/>
               <a:t>1.  RAM:2GB</a:t>
             </a:r>
           </a:p>
           <a:p>
-            <a:pPr marL="914400" lvl="1" indent="-457200"/>
+            <a:pPr marL="914400" lvl="1" indent="-457200" algn="just"/>
             <a:r>
               <a:rPr lang="en-US" sz="2000" dirty="0" smtClean="0"/>
-              <a:t>2.  PROCESSOR </a:t>
-            </a:r>
-            <a:r>
-              <a:rPr lang="en-US" sz="2000" smtClean="0"/>
-              <a:t>: </a:t>
-            </a:r>
-            <a:r>
-              <a:rPr lang="en-US" sz="2000" smtClean="0"/>
-              <a:t>AMD A4-4300 2.50 </a:t>
-            </a:r>
-            <a:r>
-              <a:rPr lang="en-US" sz="2000" dirty="0" smtClean="0"/>
-              <a:t>GHz</a:t>
-            </a:r>
-          </a:p>
-          <a:p>
-            <a:pPr marL="914400" lvl="1" indent="-457200"/>
+              <a:t>2.  PROCESSOR : AMD A4-4300 2.50 GHz</a:t>
+            </a:r>
+          </a:p>
+          <a:p>
+            <a:pPr marL="914400" lvl="1" indent="-457200" algn="just"/>
             <a:r>
               <a:rPr lang="en-US" sz="2000" dirty="0" smtClean="0"/>
               <a:t>3.  GRAPHIC CARD :  NOT REQUIRED</a:t>
             </a:r>
           </a:p>
           <a:p>
-            <a:pPr marL="914400" lvl="1" indent="-457200">
+            <a:pPr marL="914400" lvl="1" indent="-457200" algn="just">
               <a:buAutoNum type="arabicPeriod" startAt="2"/>
             </a:pPr>
             <a:endParaRPr lang="en-US" sz="2000" dirty="0" smtClean="0"/>
           </a:p>
           <a:p>
-            <a:pPr marL="800100" lvl="1" indent="-342900"/>
+            <a:pPr marL="800100" lvl="1" indent="-342900" algn="just"/>
             <a:endParaRPr lang="en-US" sz="2000" dirty="0" smtClean="0"/>
           </a:p>
           <a:p>
-            <a:pPr>
+            <a:pPr algn="just">
               <a:buFont typeface="Arial" pitchFamily="34" charset="0"/>
               <a:buChar char="•"/>
             </a:pPr>
@@ -7416,26 +7411,17 @@
             </a:r>
           </a:p>
           <a:p>
-            <a:pPr marL="800100" lvl="1" indent="-342900">
+            <a:pPr marL="800100" lvl="1" indent="-342900" algn="just">
               <a:buFont typeface="+mj-lt"/>
               <a:buAutoNum type="arabicPeriod"/>
             </a:pPr>
             <a:r>
               <a:rPr lang="en-US" sz="2000" dirty="0" smtClean="0"/>
-              <a:t> </a:t>
-            </a:r>
-            <a:r>
-              <a:rPr lang="en-US" sz="2000" smtClean="0"/>
-              <a:t>Java </a:t>
-            </a:r>
-            <a:r>
-              <a:rPr lang="en-US" sz="2000" smtClean="0"/>
-              <a:t>V 1.8</a:t>
-            </a:r>
-            <a:endParaRPr lang="en-US" sz="2000" dirty="0" smtClean="0"/>
-          </a:p>
-          <a:p>
-            <a:pPr marL="800100" lvl="1" indent="-342900">
+              <a:t> Java V 1.8</a:t>
+            </a:r>
+          </a:p>
+          <a:p>
+            <a:pPr marL="800100" lvl="1" indent="-342900" algn="just">
               <a:buFont typeface="+mj-lt"/>
               <a:buAutoNum type="arabicPeriod"/>
             </a:pPr>
@@ -7445,7 +7431,7 @@
             </a:r>
           </a:p>
           <a:p>
-            <a:pPr marL="800100" lvl="1" indent="-342900">
+            <a:pPr marL="800100" lvl="1" indent="-342900" algn="just">
               <a:buFont typeface="+mj-lt"/>
               <a:buAutoNum type="arabicPeriod"/>
             </a:pPr>
@@ -7459,7 +7445,7 @@
             </a:r>
           </a:p>
           <a:p>
-            <a:pPr marL="800100" lvl="1" indent="-342900">
+            <a:pPr marL="800100" lvl="1" indent="-342900" algn="just">
               <a:buFont typeface="+mj-lt"/>
               <a:buAutoNum type="arabicPeriod"/>
             </a:pPr>
@@ -7481,7 +7467,7 @@
             </a:r>
           </a:p>
           <a:p>
-            <a:pPr marL="800100" lvl="1" indent="-342900">
+            <a:pPr marL="800100" lvl="1" indent="-342900" algn="just">
               <a:buFont typeface="+mj-lt"/>
               <a:buAutoNum type="arabicPeriod"/>
             </a:pPr>
@@ -7495,7 +7481,7 @@
             </a:r>
           </a:p>
           <a:p>
-            <a:pPr marL="800100" lvl="1" indent="-342900">
+            <a:pPr marL="800100" lvl="1" indent="-342900" algn="just">
               <a:buFont typeface="+mj-lt"/>
               <a:buAutoNum type="arabicPeriod"/>
             </a:pPr>
@@ -7509,7 +7495,7 @@
             </a:r>
           </a:p>
           <a:p>
-            <a:pPr marL="800100" lvl="1" indent="-342900">
+            <a:pPr marL="800100" lvl="1" indent="-342900" algn="just">
               <a:buFont typeface="+mj-lt"/>
               <a:buAutoNum type="arabicPeriod"/>
             </a:pPr>
@@ -7862,13 +7848,14 @@
           </a:bodyPr>
           <a:lstStyle/>
           <a:p>
+            <a:pPr algn="just"/>
             <a:r>
               <a:rPr lang="en-US" sz="2400" dirty="0" smtClean="0"/>
               <a:t>Live User Listing Module :</a:t>
             </a:r>
           </a:p>
           <a:p>
-            <a:pPr lvl="1">
+            <a:pPr lvl="1" algn="just">
               <a:buFont typeface="Arial" pitchFamily="34" charset="0"/>
               <a:buChar char="•"/>
             </a:pPr>
@@ -7878,11 +7865,11 @@
             </a:r>
           </a:p>
           <a:p>
-            <a:pPr lvl="1"/>
+            <a:pPr lvl="1" algn="just"/>
             <a:endParaRPr lang="en-US" sz="2400" dirty="0" smtClean="0"/>
           </a:p>
           <a:p>
-            <a:pPr lvl="1">
+            <a:pPr lvl="1" algn="just">
               <a:buFont typeface="Arial" pitchFamily="34" charset="0"/>
               <a:buChar char="•"/>
             </a:pPr>
@@ -7892,11 +7879,11 @@
             </a:r>
           </a:p>
           <a:p>
-            <a:pPr lvl="1"/>
+            <a:pPr lvl="1" algn="just"/>
             <a:endParaRPr lang="en-US" sz="2400" dirty="0" smtClean="0"/>
           </a:p>
           <a:p>
-            <a:pPr lvl="1">
+            <a:pPr lvl="1" algn="just">
               <a:buFont typeface="Arial" pitchFamily="34" charset="0"/>
               <a:buChar char="•"/>
             </a:pPr>
@@ -7906,10 +7893,11 @@
             </a:r>
           </a:p>
           <a:p>
-            <a:pPr lvl="1"/>
+            <a:pPr lvl="1" algn="just"/>
             <a:endParaRPr lang="en-US" sz="2400" dirty="0" smtClean="0"/>
           </a:p>
           <a:p>
+            <a:pPr algn="just"/>
             <a:r>
               <a:rPr lang="en-US" sz="2400" dirty="0" smtClean="0"/>
               <a:t>	</a:t>
@@ -8189,7 +8177,7 @@
           </a:bodyPr>
           <a:lstStyle/>
           <a:p>
-            <a:pPr>
+            <a:pPr algn="just">
               <a:buFont typeface="Arial" pitchFamily="34" charset="0"/>
               <a:buChar char="•"/>
             </a:pPr>
@@ -8199,14 +8187,14 @@
             </a:r>
           </a:p>
           <a:p>
-            <a:pPr>
+            <a:pPr algn="just">
               <a:buFont typeface="Arial" pitchFamily="34" charset="0"/>
               <a:buChar char="•"/>
             </a:pPr>
             <a:endParaRPr lang="en-US" sz="2400" dirty="0" smtClean="0"/>
           </a:p>
           <a:p>
-            <a:pPr>
+            <a:pPr algn="just">
               <a:buFont typeface="Arial" pitchFamily="34" charset="0"/>
               <a:buChar char="•"/>
             </a:pPr>
@@ -8216,14 +8204,14 @@
             </a:r>
           </a:p>
           <a:p>
-            <a:pPr>
+            <a:pPr algn="just">
               <a:buFont typeface="Arial" pitchFamily="34" charset="0"/>
               <a:buChar char="•"/>
             </a:pPr>
             <a:endParaRPr lang="en-US" sz="2400" dirty="0" smtClean="0"/>
           </a:p>
           <a:p>
-            <a:pPr>
+            <a:pPr algn="just">
               <a:buFont typeface="Arial" pitchFamily="34" charset="0"/>
               <a:buChar char="•"/>
             </a:pPr>
@@ -8233,14 +8221,14 @@
             </a:r>
           </a:p>
           <a:p>
-            <a:pPr>
+            <a:pPr algn="just">
               <a:buFont typeface="Arial" pitchFamily="34" charset="0"/>
               <a:buChar char="•"/>
             </a:pPr>
             <a:endParaRPr lang="en-US" sz="2400" dirty="0" smtClean="0"/>
           </a:p>
           <a:p>
-            <a:pPr>
+            <a:pPr algn="just">
               <a:buFont typeface="Arial" pitchFamily="34" charset="0"/>
               <a:buChar char="•"/>
             </a:pPr>
@@ -8250,7 +8238,7 @@
             </a:r>
           </a:p>
           <a:p>
-            <a:pPr>
+            <a:pPr algn="just">
               <a:buFont typeface="Arial" pitchFamily="34" charset="0"/>
               <a:buChar char="•"/>
             </a:pPr>
@@ -8337,7 +8325,7 @@
         </p:nvSpPr>
         <p:spPr>
           <a:xfrm>
-            <a:off x="609600" y="1066800"/>
+            <a:off x="609600" y="1126153"/>
             <a:ext cx="7543800" cy="4893647"/>
           </a:xfrm>
           <a:prstGeom prst="rect">
@@ -8351,7 +8339,7 @@
           </a:bodyPr>
           <a:lstStyle/>
           <a:p>
-            <a:pPr>
+            <a:pPr algn="just">
               <a:buFont typeface="Arial" pitchFamily="34" charset="0"/>
               <a:buChar char="•"/>
             </a:pPr>
@@ -8365,14 +8353,14 @@
             </a:r>
           </a:p>
           <a:p>
-            <a:pPr>
+            <a:pPr algn="just">
               <a:buFont typeface="Arial" pitchFamily="34" charset="0"/>
               <a:buChar char="•"/>
             </a:pPr>
             <a:endParaRPr lang="en-US" sz="2400" dirty="0" smtClean="0"/>
           </a:p>
           <a:p>
-            <a:pPr>
+            <a:pPr algn="just">
               <a:buFont typeface="Arial" pitchFamily="34" charset="0"/>
               <a:buChar char="•"/>
             </a:pPr>
@@ -8382,14 +8370,14 @@
             </a:r>
           </a:p>
           <a:p>
-            <a:pPr>
+            <a:pPr algn="just">
               <a:buFont typeface="Arial" pitchFamily="34" charset="0"/>
               <a:buChar char="•"/>
             </a:pPr>
             <a:endParaRPr lang="en-US" sz="2400" dirty="0" smtClean="0"/>
           </a:p>
           <a:p>
-            <a:pPr>
+            <a:pPr algn="just">
               <a:buFont typeface="Arial" pitchFamily="34" charset="0"/>
               <a:buChar char="•"/>
             </a:pPr>
@@ -8399,7 +8387,7 @@
             </a:r>
           </a:p>
           <a:p>
-            <a:pPr marL="914400" lvl="1" indent="-457200">
+            <a:pPr marL="914400" lvl="1" indent="-457200" algn="just">
               <a:buFont typeface="+mj-lt"/>
               <a:buAutoNum type="arabicPeriod"/>
             </a:pPr>
@@ -8409,7 +8397,7 @@
             </a:r>
           </a:p>
           <a:p>
-            <a:pPr marL="914400" lvl="1" indent="-457200">
+            <a:pPr marL="914400" lvl="1" indent="-457200" algn="just">
               <a:buFont typeface="+mj-lt"/>
               <a:buAutoNum type="arabicPeriod"/>
             </a:pPr>
@@ -8424,7 +8412,7 @@
             <a:endParaRPr lang="en-US" sz="2400" dirty="0" smtClean="0"/>
           </a:p>
           <a:p>
-            <a:pPr marL="914400" lvl="1" indent="-457200">
+            <a:pPr marL="914400" lvl="1" indent="-457200" algn="just">
               <a:buFont typeface="+mj-lt"/>
               <a:buAutoNum type="arabicPeriod"/>
             </a:pPr>
@@ -8434,7 +8422,7 @@
             </a:r>
           </a:p>
           <a:p>
-            <a:pPr marL="914400" lvl="1" indent="-457200">
+            <a:pPr marL="914400" lvl="1" indent="-457200" algn="just">
               <a:buFont typeface="+mj-lt"/>
               <a:buAutoNum type="arabicPeriod"/>
             </a:pPr>
@@ -8542,7 +8530,7 @@
           </a:bodyPr>
           <a:lstStyle/>
           <a:p>
-            <a:pPr>
+            <a:pPr algn="just">
               <a:buFont typeface="Arial" pitchFamily="34" charset="0"/>
               <a:buChar char="•"/>
             </a:pPr>
@@ -8552,7 +8540,7 @@
             </a:r>
           </a:p>
           <a:p>
-            <a:pPr>
+            <a:pPr algn="just">
               <a:buFont typeface="Arial" pitchFamily="34" charset="0"/>
               <a:buChar char="•"/>
             </a:pPr>
@@ -8570,7 +8558,7 @@
             </a:r>
           </a:p>
           <a:p>
-            <a:pPr>
+            <a:pPr algn="just">
               <a:buFont typeface="Arial" pitchFamily="34" charset="0"/>
               <a:buChar char="•"/>
             </a:pPr>
@@ -9025,7 +9013,7 @@
           </a:bodyPr>
           <a:lstStyle/>
           <a:p>
-            <a:pPr>
+            <a:pPr algn="just">
               <a:buFont typeface="Arial" pitchFamily="34" charset="0"/>
               <a:buChar char="•"/>
             </a:pPr>
@@ -9035,14 +9023,14 @@
             </a:r>
           </a:p>
           <a:p>
-            <a:pPr>
+            <a:pPr algn="just">
               <a:buFont typeface="Arial" pitchFamily="34" charset="0"/>
               <a:buChar char="•"/>
             </a:pPr>
             <a:endParaRPr lang="en-US" sz="2400" dirty="0" smtClean="0"/>
           </a:p>
           <a:p>
-            <a:pPr>
+            <a:pPr algn="just">
               <a:buFont typeface="Arial" pitchFamily="34" charset="0"/>
               <a:buChar char="•"/>
             </a:pPr>
@@ -9052,14 +9040,14 @@
             </a:r>
           </a:p>
           <a:p>
-            <a:pPr>
+            <a:pPr algn="just">
               <a:buFont typeface="Arial" pitchFamily="34" charset="0"/>
               <a:buChar char="•"/>
             </a:pPr>
             <a:endParaRPr lang="en-US" sz="2400" dirty="0" smtClean="0"/>
           </a:p>
           <a:p>
-            <a:pPr>
+            <a:pPr algn="just">
               <a:buFont typeface="Arial" pitchFamily="34" charset="0"/>
               <a:buChar char="•"/>
             </a:pPr>
@@ -9077,7 +9065,7 @@
             </a:r>
           </a:p>
           <a:p>
-            <a:pPr>
+            <a:pPr algn="just">
               <a:buFont typeface="Arial" pitchFamily="34" charset="0"/>
               <a:buChar char="•"/>
             </a:pPr>
@@ -9170,7 +9158,7 @@
           </a:bodyPr>
           <a:lstStyle/>
           <a:p>
-            <a:pPr>
+            <a:pPr algn="just">
               <a:buFont typeface="Arial" pitchFamily="34" charset="0"/>
               <a:buChar char="•"/>
             </a:pPr>
@@ -9180,14 +9168,14 @@
             </a:r>
           </a:p>
           <a:p>
-            <a:pPr>
+            <a:pPr algn="just">
               <a:buFont typeface="Arial" pitchFamily="34" charset="0"/>
               <a:buChar char="•"/>
             </a:pPr>
             <a:endParaRPr lang="en-US" sz="2400" dirty="0" smtClean="0"/>
           </a:p>
           <a:p>
-            <a:pPr>
+            <a:pPr algn="just">
               <a:buFont typeface="Arial" pitchFamily="34" charset="0"/>
               <a:buChar char="•"/>
             </a:pPr>
@@ -9197,14 +9185,14 @@
             </a:r>
           </a:p>
           <a:p>
-            <a:pPr lvl="1">
+            <a:pPr lvl="1" algn="just">
               <a:buFont typeface="Arial" pitchFamily="34" charset="0"/>
               <a:buChar char="•"/>
             </a:pPr>
             <a:endParaRPr lang="en-US" sz="2400" dirty="0" smtClean="0"/>
           </a:p>
           <a:p>
-            <a:pPr marL="1257300" lvl="2" indent="-342900">
+            <a:pPr marL="1257300" lvl="2" indent="-342900" algn="just">
               <a:buFont typeface="+mj-lt"/>
               <a:buAutoNum type="arabicPeriod"/>
             </a:pPr>
@@ -9214,7 +9202,7 @@
             </a:r>
           </a:p>
           <a:p>
-            <a:pPr marL="1257300" lvl="2" indent="-342900">
+            <a:pPr marL="1257300" lvl="2" indent="-342900" algn="just">
               <a:buFont typeface="+mj-lt"/>
               <a:buAutoNum type="arabicPeriod"/>
             </a:pPr>
@@ -9224,7 +9212,7 @@
             </a:r>
           </a:p>
           <a:p>
-            <a:pPr marL="1257300" lvl="2" indent="-342900">
+            <a:pPr marL="1257300" lvl="2" indent="-342900" algn="just">
               <a:buFont typeface="+mj-lt"/>
               <a:buAutoNum type="arabicPeriod"/>
             </a:pPr>
@@ -9234,7 +9222,7 @@
             </a:r>
           </a:p>
           <a:p>
-            <a:pPr marL="1257300" lvl="2" indent="-342900">
+            <a:pPr marL="1257300" lvl="2" indent="-342900" algn="just">
               <a:buFont typeface="+mj-lt"/>
               <a:buAutoNum type="arabicPeriod"/>
             </a:pPr>
@@ -9244,6 +9232,7 @@
             </a:r>
           </a:p>
           <a:p>
+            <a:pPr algn="just"/>
             <a:endParaRPr lang="en-US" dirty="0"/>
           </a:p>
         </p:txBody>
@@ -9333,7 +9322,7 @@
           </a:bodyPr>
           <a:lstStyle/>
           <a:p>
-            <a:pPr>
+            <a:pPr algn="just">
               <a:buFont typeface="Arial" pitchFamily="34" charset="0"/>
               <a:buChar char="•"/>
             </a:pPr>
@@ -9343,14 +9332,14 @@
             </a:r>
           </a:p>
           <a:p>
-            <a:pPr>
+            <a:pPr algn="just">
               <a:buFont typeface="Arial" pitchFamily="34" charset="0"/>
               <a:buChar char="•"/>
             </a:pPr>
             <a:endParaRPr lang="en-US" sz="2400" dirty="0" smtClean="0"/>
           </a:p>
           <a:p>
-            <a:pPr>
+            <a:pPr algn="just">
               <a:buFont typeface="Arial" pitchFamily="34" charset="0"/>
               <a:buChar char="•"/>
             </a:pPr>
@@ -9360,14 +9349,14 @@
             </a:r>
           </a:p>
           <a:p>
-            <a:pPr>
+            <a:pPr algn="just">
               <a:buFont typeface="Arial" pitchFamily="34" charset="0"/>
               <a:buChar char="•"/>
             </a:pPr>
             <a:endParaRPr lang="en-US" sz="2400" dirty="0" smtClean="0"/>
           </a:p>
           <a:p>
-            <a:pPr>
+            <a:pPr algn="just">
               <a:buFont typeface="Arial" pitchFamily="34" charset="0"/>
               <a:buChar char="•"/>
             </a:pPr>
@@ -9377,14 +9366,14 @@
             </a:r>
           </a:p>
           <a:p>
-            <a:pPr>
+            <a:pPr algn="just">
               <a:buFont typeface="Arial" pitchFamily="34" charset="0"/>
               <a:buChar char="•"/>
             </a:pPr>
             <a:endParaRPr lang="en-US" sz="2400" dirty="0" smtClean="0"/>
           </a:p>
           <a:p>
-            <a:pPr>
+            <a:pPr algn="just">
               <a:buFont typeface="Arial" pitchFamily="34" charset="0"/>
               <a:buChar char="•"/>
             </a:pPr>
@@ -9487,7 +9476,7 @@
           </a:bodyPr>
           <a:lstStyle/>
           <a:p>
-            <a:pPr>
+            <a:pPr algn="just">
               <a:buFont typeface="Arial" pitchFamily="34" charset="0"/>
               <a:buChar char="•"/>
             </a:pPr>
@@ -9501,14 +9490,14 @@
             </a:r>
           </a:p>
           <a:p>
-            <a:pPr>
+            <a:pPr algn="just">
               <a:buFont typeface="Arial" pitchFamily="34" charset="0"/>
               <a:buChar char="•"/>
             </a:pPr>
             <a:endParaRPr lang="en-US" sz="2000" b="1" dirty="0" smtClean="0"/>
           </a:p>
           <a:p>
-            <a:pPr>
+            <a:pPr algn="just">
               <a:buFont typeface="Arial" pitchFamily="34" charset="0"/>
               <a:buChar char="•"/>
             </a:pPr>
@@ -9518,7 +9507,7 @@
             </a:r>
           </a:p>
           <a:p>
-            <a:pPr lvl="1">
+            <a:pPr lvl="1" algn="just">
               <a:buFont typeface="Arial" pitchFamily="34" charset="0"/>
               <a:buChar char="•"/>
             </a:pPr>
@@ -9532,14 +9521,14 @@
             </a:r>
           </a:p>
           <a:p>
-            <a:pPr lvl="1">
+            <a:pPr lvl="1" algn="just">
               <a:buFont typeface="Arial" pitchFamily="34" charset="0"/>
               <a:buChar char="•"/>
             </a:pPr>
             <a:endParaRPr lang="en-US" sz="2400" b="1" dirty="0" smtClean="0"/>
           </a:p>
           <a:p>
-            <a:pPr lvl="1">
+            <a:pPr lvl="1" algn="just">
               <a:buFont typeface="Arial" pitchFamily="34" charset="0"/>
               <a:buChar char="•"/>
             </a:pPr>
@@ -9549,14 +9538,14 @@
             </a:r>
           </a:p>
           <a:p>
-            <a:pPr lvl="1">
+            <a:pPr lvl="1" algn="just">
               <a:buFont typeface="Arial" pitchFamily="34" charset="0"/>
               <a:buChar char="•"/>
             </a:pPr>
             <a:endParaRPr lang="en-US" sz="2400" dirty="0" smtClean="0"/>
           </a:p>
           <a:p>
-            <a:pPr lvl="1">
+            <a:pPr lvl="1" algn="just">
               <a:buFont typeface="Arial" pitchFamily="34" charset="0"/>
               <a:buChar char="•"/>
             </a:pPr>
@@ -9582,14 +9571,14 @@
             </a:r>
           </a:p>
           <a:p>
-            <a:pPr lvl="1">
+            <a:pPr lvl="1" algn="just">
               <a:buFont typeface="Arial" pitchFamily="34" charset="0"/>
               <a:buChar char="•"/>
             </a:pPr>
             <a:endParaRPr lang="en-US" sz="2400" dirty="0" smtClean="0"/>
           </a:p>
           <a:p>
-            <a:pPr lvl="1">
+            <a:pPr lvl="1" algn="just">
               <a:buFont typeface="Arial" pitchFamily="34" charset="0"/>
               <a:buChar char="•"/>
             </a:pPr>
@@ -9867,7 +9856,7 @@
           </a:bodyPr>
           <a:lstStyle/>
           <a:p>
-            <a:pPr>
+            <a:pPr algn="just">
               <a:buFont typeface="Arial" pitchFamily="34" charset="0"/>
               <a:buChar char="•"/>
             </a:pPr>
@@ -9877,28 +9866,32 @@
             </a:r>
           </a:p>
           <a:p>
+            <a:pPr algn="just"/>
             <a:r>
               <a:rPr lang="en-US" sz="2400" dirty="0" smtClean="0"/>
               <a:t>	1. Snake position synchronization</a:t>
             </a:r>
           </a:p>
           <a:p>
+            <a:pPr algn="just"/>
             <a:r>
               <a:rPr lang="en-US" sz="2400" dirty="0" smtClean="0"/>
               <a:t>	2. Body part change synchronization</a:t>
             </a:r>
           </a:p>
           <a:p>
+            <a:pPr algn="just"/>
             <a:r>
               <a:rPr lang="en-US" sz="2400" dirty="0" smtClean="0"/>
               <a:t>	3. Food Synchronization</a:t>
             </a:r>
           </a:p>
           <a:p>
+            <a:pPr algn="just"/>
             <a:endParaRPr lang="en-US" sz="2400" dirty="0" smtClean="0"/>
           </a:p>
           <a:p>
-            <a:pPr>
+            <a:pPr algn="just">
               <a:buFont typeface="Arial" pitchFamily="34" charset="0"/>
               <a:buChar char="•"/>
             </a:pPr>
@@ -9908,14 +9901,14 @@
             </a:r>
           </a:p>
           <a:p>
-            <a:pPr>
+            <a:pPr algn="just">
               <a:buFont typeface="Arial" pitchFamily="34" charset="0"/>
               <a:buChar char="•"/>
             </a:pPr>
             <a:endParaRPr lang="en-US" sz="2400" dirty="0" smtClean="0"/>
           </a:p>
           <a:p>
-            <a:pPr>
+            <a:pPr algn="just">
               <a:buFont typeface="Arial" pitchFamily="34" charset="0"/>
               <a:buChar char="•"/>
             </a:pPr>
@@ -9925,14 +9918,14 @@
             </a:r>
           </a:p>
           <a:p>
-            <a:pPr>
+            <a:pPr algn="just">
               <a:buFont typeface="Arial" pitchFamily="34" charset="0"/>
               <a:buChar char="•"/>
             </a:pPr>
             <a:endParaRPr lang="en-US" sz="2400" dirty="0" smtClean="0"/>
           </a:p>
           <a:p>
-            <a:pPr>
+            <a:pPr algn="just">
               <a:buFont typeface="Arial" pitchFamily="34" charset="0"/>
               <a:buChar char="•"/>
             </a:pPr>
@@ -9950,20 +9943,21 @@
             </a:r>
           </a:p>
           <a:p>
-            <a:pPr>
+            <a:pPr algn="just">
               <a:buFont typeface="Arial" pitchFamily="34" charset="0"/>
               <a:buChar char="•"/>
             </a:pPr>
             <a:endParaRPr lang="en-US" dirty="0" smtClean="0"/>
           </a:p>
           <a:p>
-            <a:pPr>
+            <a:pPr algn="just">
               <a:buFont typeface="Arial" pitchFamily="34" charset="0"/>
               <a:buChar char="•"/>
             </a:pPr>
             <a:endParaRPr lang="en-US" dirty="0" smtClean="0"/>
           </a:p>
           <a:p>
+            <a:pPr algn="just"/>
             <a:endParaRPr lang="en-US" dirty="0"/>
           </a:p>
         </p:txBody>
@@ -10053,7 +10047,7 @@
           </a:bodyPr>
           <a:lstStyle/>
           <a:p>
-            <a:pPr>
+            <a:pPr algn="just">
               <a:buFont typeface="Arial" pitchFamily="34" charset="0"/>
               <a:buChar char="•"/>
             </a:pPr>
@@ -10063,14 +10057,14 @@
             </a:r>
           </a:p>
           <a:p>
-            <a:pPr>
+            <a:pPr algn="just">
               <a:buFont typeface="Arial" pitchFamily="34" charset="0"/>
               <a:buChar char="•"/>
             </a:pPr>
             <a:endParaRPr lang="en-US" sz="2400" dirty="0" smtClean="0"/>
           </a:p>
           <a:p>
-            <a:pPr>
+            <a:pPr algn="just">
               <a:buFont typeface="Arial" pitchFamily="34" charset="0"/>
               <a:buChar char="•"/>
             </a:pPr>
@@ -10080,14 +10074,14 @@
             </a:r>
           </a:p>
           <a:p>
-            <a:pPr>
+            <a:pPr algn="just">
               <a:buFont typeface="Arial" pitchFamily="34" charset="0"/>
               <a:buChar char="•"/>
             </a:pPr>
             <a:endParaRPr lang="en-US" sz="2400" dirty="0" smtClean="0"/>
           </a:p>
           <a:p>
-            <a:pPr>
+            <a:pPr algn="just">
               <a:buFont typeface="Arial" pitchFamily="34" charset="0"/>
               <a:buChar char="•"/>
             </a:pPr>
@@ -10105,27 +10099,28 @@
             </a:r>
           </a:p>
           <a:p>
-            <a:pPr>
+            <a:pPr algn="just">
               <a:buFont typeface="Arial" pitchFamily="34" charset="0"/>
               <a:buChar char="•"/>
             </a:pPr>
             <a:endParaRPr lang="en-US" sz="2400" dirty="0" smtClean="0"/>
           </a:p>
           <a:p>
+            <a:pPr algn="just"/>
             <a:r>
               <a:rPr lang="en-US" sz="2400" dirty="0" smtClean="0"/>
               <a:t>METHOD USED TO RECORD THE USER’S NEXT MOVE IN TABLE</a:t>
             </a:r>
           </a:p>
           <a:p>
-            <a:pPr>
+            <a:pPr algn="just">
               <a:buFont typeface="Arial" pitchFamily="34" charset="0"/>
               <a:buChar char="•"/>
             </a:pPr>
             <a:endParaRPr lang="en-US" sz="2400" dirty="0" smtClean="0"/>
           </a:p>
           <a:p>
-            <a:pPr>
+            <a:pPr algn="just">
               <a:buFont typeface="Arial" pitchFamily="34" charset="0"/>
               <a:buChar char="•"/>
             </a:pPr>
@@ -10135,14 +10130,14 @@
             </a:r>
           </a:p>
           <a:p>
-            <a:pPr>
+            <a:pPr algn="just">
               <a:buFont typeface="Arial" pitchFamily="34" charset="0"/>
               <a:buChar char="•"/>
             </a:pPr>
             <a:endParaRPr lang="en-US" sz="2400" dirty="0" smtClean="0"/>
           </a:p>
           <a:p>
-            <a:pPr>
+            <a:pPr algn="just">
               <a:buFont typeface="Arial" pitchFamily="34" charset="0"/>
               <a:buChar char="•"/>
             </a:pPr>
@@ -10238,7 +10233,7 @@
           </a:bodyPr>
           <a:lstStyle/>
           <a:p>
-            <a:pPr>
+            <a:pPr algn="just">
               <a:buFont typeface="Arial" pitchFamily="34" charset="0"/>
               <a:buChar char="•"/>
             </a:pPr>
@@ -10248,14 +10243,14 @@
             </a:r>
           </a:p>
           <a:p>
-            <a:pPr>
+            <a:pPr algn="just">
               <a:buFont typeface="Arial" pitchFamily="34" charset="0"/>
               <a:buChar char="•"/>
             </a:pPr>
             <a:endParaRPr lang="en-US" sz="2400" dirty="0" smtClean="0"/>
           </a:p>
           <a:p>
-            <a:pPr>
+            <a:pPr algn="just">
               <a:buFont typeface="Arial" pitchFamily="34" charset="0"/>
               <a:buChar char="•"/>
             </a:pPr>
@@ -10265,14 +10260,14 @@
             </a:r>
           </a:p>
           <a:p>
-            <a:pPr>
+            <a:pPr algn="just">
               <a:buFont typeface="Arial" pitchFamily="34" charset="0"/>
               <a:buChar char="•"/>
             </a:pPr>
             <a:endParaRPr lang="en-US" sz="2400" dirty="0" smtClean="0"/>
           </a:p>
           <a:p>
-            <a:pPr>
+            <a:pPr algn="just">
               <a:buFont typeface="Arial" pitchFamily="34" charset="0"/>
               <a:buChar char="•"/>
             </a:pPr>
@@ -10282,14 +10277,14 @@
             </a:r>
           </a:p>
           <a:p>
-            <a:pPr>
+            <a:pPr algn="just">
               <a:buFont typeface="Arial" pitchFamily="34" charset="0"/>
               <a:buChar char="•"/>
             </a:pPr>
             <a:endParaRPr lang="en-US" sz="2400" dirty="0" smtClean="0"/>
           </a:p>
           <a:p>
-            <a:pPr>
+            <a:pPr algn="just">
               <a:buFont typeface="Arial" pitchFamily="34" charset="0"/>
               <a:buChar char="•"/>
             </a:pPr>
@@ -10299,14 +10294,14 @@
             </a:r>
           </a:p>
           <a:p>
-            <a:pPr>
+            <a:pPr algn="just">
               <a:buFont typeface="Arial" pitchFamily="34" charset="0"/>
               <a:buChar char="•"/>
             </a:pPr>
             <a:endParaRPr lang="en-US" sz="2400" dirty="0" smtClean="0"/>
           </a:p>
           <a:p>
-            <a:pPr>
+            <a:pPr algn="just">
               <a:buFont typeface="Arial" pitchFamily="34" charset="0"/>
               <a:buChar char="•"/>
             </a:pPr>
@@ -10410,7 +10405,7 @@
           </a:bodyPr>
           <a:lstStyle/>
           <a:p>
-            <a:pPr>
+            <a:pPr algn="just">
               <a:buFont typeface="Arial" pitchFamily="34" charset="0"/>
               <a:buChar char="•"/>
             </a:pPr>
@@ -10428,14 +10423,14 @@
             </a:r>
           </a:p>
           <a:p>
-            <a:pPr>
+            <a:pPr algn="just">
               <a:buFont typeface="Arial" pitchFamily="34" charset="0"/>
               <a:buChar char="•"/>
             </a:pPr>
             <a:endParaRPr lang="en-US" sz="2400" dirty="0" smtClean="0"/>
           </a:p>
           <a:p>
-            <a:pPr>
+            <a:pPr algn="just">
               <a:buFont typeface="Arial" pitchFamily="34" charset="0"/>
               <a:buChar char="•"/>
             </a:pPr>
@@ -10445,14 +10440,14 @@
             </a:r>
           </a:p>
           <a:p>
-            <a:pPr>
+            <a:pPr algn="just">
               <a:buFont typeface="Arial" pitchFamily="34" charset="0"/>
               <a:buChar char="•"/>
             </a:pPr>
             <a:endParaRPr lang="en-US" sz="2400" dirty="0" smtClean="0"/>
           </a:p>
           <a:p>
-            <a:pPr>
+            <a:pPr algn="just">
               <a:buFont typeface="Arial" pitchFamily="34" charset="0"/>
               <a:buChar char="•"/>
             </a:pPr>
@@ -10462,18 +10457,18 @@
             </a:r>
           </a:p>
           <a:p>
-            <a:pPr>
+            <a:pPr algn="just">
               <a:buFont typeface="Arial" pitchFamily="34" charset="0"/>
               <a:buChar char="•"/>
             </a:pPr>
             <a:endParaRPr lang="en-US" sz="2400" dirty="0" smtClean="0"/>
           </a:p>
           <a:p>
-            <a:pPr marL="800100" lvl="1" indent="-342900"/>
+            <a:pPr marL="800100" lvl="1" indent="-342900" algn="just"/>
             <a:endParaRPr lang="en-US" dirty="0" smtClean="0"/>
           </a:p>
           <a:p>
-            <a:pPr marL="800100" lvl="1" indent="-342900">
+            <a:pPr marL="800100" lvl="1" indent="-342900" algn="just">
               <a:buAutoNum type="arabicPeriod"/>
             </a:pPr>
             <a:endParaRPr lang="en-US" dirty="0"/>
@@ -10573,7 +10568,7 @@
           </a:bodyPr>
           <a:lstStyle/>
           <a:p>
-            <a:pPr>
+            <a:pPr algn="just">
               <a:buFont typeface="Arial" pitchFamily="34" charset="0"/>
               <a:buChar char="•"/>
             </a:pPr>
@@ -10583,14 +10578,14 @@
             </a:r>
           </a:p>
           <a:p>
-            <a:pPr>
+            <a:pPr algn="just">
               <a:buFont typeface="Arial" pitchFamily="34" charset="0"/>
               <a:buChar char="•"/>
             </a:pPr>
             <a:endParaRPr lang="en-US" sz="2400" dirty="0" smtClean="0"/>
           </a:p>
           <a:p>
-            <a:pPr>
+            <a:pPr algn="just">
               <a:buFont typeface="Arial" pitchFamily="34" charset="0"/>
               <a:buChar char="•"/>
             </a:pPr>
@@ -10600,7 +10595,7 @@
             </a:r>
           </a:p>
           <a:p>
-            <a:pPr marL="800100" lvl="1" indent="-342900">
+            <a:pPr marL="800100" lvl="1" indent="-342900" algn="just">
               <a:buAutoNum type="arabicPeriod"/>
             </a:pPr>
             <a:r>
@@ -10609,7 +10604,7 @@
             </a:r>
           </a:p>
           <a:p>
-            <a:pPr marL="800100" lvl="1" indent="-342900">
+            <a:pPr marL="800100" lvl="1" indent="-342900" algn="just">
               <a:buAutoNum type="arabicPeriod"/>
             </a:pPr>
             <a:r>
@@ -10618,7 +10613,7 @@
             </a:r>
           </a:p>
           <a:p>
-            <a:pPr marL="800100" lvl="1" indent="-342900">
+            <a:pPr marL="800100" lvl="1" indent="-342900" algn="just">
               <a:buAutoNum type="arabicPeriod"/>
             </a:pPr>
             <a:r>
@@ -10627,7 +10622,7 @@
             </a:r>
           </a:p>
           <a:p>
-            <a:pPr marL="800100" lvl="1" indent="-342900">
+            <a:pPr marL="800100" lvl="1" indent="-342900" algn="just">
               <a:buAutoNum type="arabicPeriod"/>
             </a:pPr>
             <a:r>
@@ -10636,7 +10631,7 @@
             </a:r>
           </a:p>
           <a:p>
-            <a:pPr marL="800100" lvl="1" indent="-342900">
+            <a:pPr marL="800100" lvl="1" indent="-342900" algn="just">
               <a:buAutoNum type="arabicPeriod"/>
             </a:pPr>
             <a:r>
@@ -10645,7 +10640,7 @@
             </a:r>
           </a:p>
           <a:p>
-            <a:pPr marL="800100" lvl="1" indent="-342900">
+            <a:pPr marL="800100" lvl="1" indent="-342900" algn="just">
               <a:buFontTx/>
               <a:buAutoNum type="arabicPeriod"/>
             </a:pPr>
@@ -10655,6 +10650,7 @@
             </a:r>
           </a:p>
           <a:p>
+            <a:pPr algn="just"/>
             <a:endParaRPr lang="en-US" dirty="0"/>
           </a:p>
         </p:txBody>
@@ -11461,63 +11457,76 @@
           </a:bodyPr>
           <a:lstStyle/>
           <a:p>
+            <a:pPr algn="just"/>
             <a:r>
               <a:rPr lang="en-US" sz="2400" dirty="0" smtClean="0"/>
               <a:t>CONCLUSION :</a:t>
             </a:r>
           </a:p>
           <a:p>
+            <a:pPr algn="just"/>
             <a:r>
               <a:rPr lang="en-US" sz="2000" dirty="0" smtClean="0"/>
               <a:t>	1. Thus a game with could be played in multiplayer mode from 	separate devices is developed </a:t>
             </a:r>
           </a:p>
           <a:p>
+            <a:pPr algn="just"/>
             <a:endParaRPr lang="en-US" sz="2000" dirty="0" smtClean="0"/>
           </a:p>
           <a:p>
+            <a:pPr algn="just"/>
             <a:r>
               <a:rPr lang="en-US" sz="2000" dirty="0" smtClean="0"/>
               <a:t>	2. Collected the user moves data.</a:t>
             </a:r>
           </a:p>
           <a:p>
+            <a:pPr algn="just"/>
             <a:endParaRPr lang="en-US" sz="2000" dirty="0" smtClean="0"/>
           </a:p>
           <a:p>
+            <a:pPr algn="just"/>
             <a:r>
               <a:rPr lang="en-US" sz="2000" dirty="0" smtClean="0"/>
               <a:t>	3. Did a prediction on collected data for  helping the computer snake 	to have a better moves again the human a opponent.</a:t>
             </a:r>
           </a:p>
           <a:p>
+            <a:pPr algn="just"/>
             <a:endParaRPr lang="en-US" sz="2000" dirty="0" smtClean="0"/>
           </a:p>
           <a:p>
+            <a:pPr algn="just"/>
             <a:r>
               <a:rPr lang="en-US" sz="2400" dirty="0" smtClean="0"/>
               <a:t>FUTURE WORKS :</a:t>
             </a:r>
           </a:p>
           <a:p>
+            <a:pPr algn="just"/>
             <a:r>
               <a:rPr lang="en-US" sz="2000" dirty="0" smtClean="0"/>
               <a:t>	1. Construct a more efficient model to predict a more personalized 	user move</a:t>
             </a:r>
           </a:p>
           <a:p>
+            <a:pPr algn="just"/>
             <a:endParaRPr lang="en-US" sz="2000" dirty="0" smtClean="0"/>
           </a:p>
           <a:p>
+            <a:pPr algn="just"/>
             <a:r>
               <a:rPr lang="en-US" sz="2000" dirty="0" smtClean="0"/>
               <a:t>	2. Enabling more than two players to play on a single game board.</a:t>
             </a:r>
           </a:p>
           <a:p>
+            <a:pPr algn="just"/>
             <a:endParaRPr lang="en-US" sz="2000" dirty="0" smtClean="0"/>
           </a:p>
           <a:p>
+            <a:pPr algn="just"/>
             <a:r>
               <a:rPr lang="en-US" sz="2000" dirty="0" smtClean="0"/>
               <a:t>	3.Enabling the dynamic game board size.</a:t>
@@ -11688,28 +11697,33 @@
           </a:bodyPr>
           <a:lstStyle/>
           <a:p>
+            <a:pPr algn="just"/>
             <a:r>
               <a:rPr lang="en-US" sz="2000" dirty="0" smtClean="0"/>
               <a:t>To develop an multiplayer snake game to facilitate the user to play with other users as well as with the computer .</a:t>
             </a:r>
           </a:p>
           <a:p>
+            <a:pPr algn="just"/>
             <a:endParaRPr lang="en-US" sz="2000" dirty="0" smtClean="0"/>
           </a:p>
           <a:p>
+            <a:pPr algn="just"/>
             <a:endParaRPr lang="en-US" sz="2000" dirty="0" smtClean="0"/>
           </a:p>
           <a:p>
+            <a:pPr algn="just"/>
             <a:r>
               <a:rPr lang="en-US" sz="2000" b="1" dirty="0" smtClean="0"/>
               <a:t>Why multiplayer snake game ?</a:t>
             </a:r>
           </a:p>
           <a:p>
+            <a:pPr algn="just"/>
             <a:endParaRPr lang="en-US" sz="2000" dirty="0" smtClean="0"/>
           </a:p>
           <a:p>
-            <a:pPr>
+            <a:pPr algn="just">
               <a:buFont typeface="Arial" pitchFamily="34" charset="0"/>
               <a:buChar char="•"/>
             </a:pPr>
@@ -11719,7 +11733,7 @@
             </a:r>
           </a:p>
           <a:p>
-            <a:pPr>
+            <a:pPr algn="just">
               <a:buFont typeface="Arial" pitchFamily="34" charset="0"/>
               <a:buChar char="•"/>
             </a:pPr>
@@ -11729,23 +11743,25 @@
             </a:r>
           </a:p>
           <a:p>
-            <a:pPr>
+            <a:pPr algn="just">
               <a:buFont typeface="Arial" pitchFamily="34" charset="0"/>
               <a:buChar char="•"/>
             </a:pPr>
             <a:endParaRPr lang="en-US" sz="2000" dirty="0" smtClean="0"/>
           </a:p>
           <a:p>
+            <a:pPr algn="just"/>
             <a:r>
               <a:rPr lang="en-US" sz="2000" b="1" dirty="0" smtClean="0"/>
               <a:t>Why multiplayer snake game ?</a:t>
             </a:r>
           </a:p>
           <a:p>
+            <a:pPr algn="just"/>
             <a:endParaRPr lang="en-US" sz="2000" b="1" dirty="0" smtClean="0"/>
           </a:p>
           <a:p>
-            <a:pPr>
+            <a:pPr algn="just">
               <a:buFont typeface="Wingdings" pitchFamily="2" charset="2"/>
               <a:buChar char="§"/>
             </a:pPr>
@@ -11759,7 +11775,7 @@
             </a:r>
           </a:p>
           <a:p>
-            <a:pPr>
+            <a:pPr algn="just">
               <a:buFont typeface="Wingdings" pitchFamily="2" charset="2"/>
               <a:buChar char="§"/>
             </a:pPr>
@@ -11769,14 +11785,14 @@
             </a:r>
           </a:p>
           <a:p>
-            <a:pPr>
+            <a:pPr algn="just">
               <a:buFont typeface="Wingdings" pitchFamily="2" charset="2"/>
               <a:buChar char="§"/>
             </a:pPr>
             <a:endParaRPr lang="en-US" sz="2000" b="1" dirty="0" smtClean="0"/>
           </a:p>
           <a:p>
-            <a:pPr>
+            <a:pPr algn="just">
               <a:buFont typeface="Wingdings" pitchFamily="2" charset="2"/>
               <a:buChar char="§"/>
             </a:pPr>
@@ -11789,6 +11805,13 @@
   <p:clrMapOvr>
     <a:masterClrMapping/>
   </p:clrMapOvr>
+  <p:timing>
+    <p:tnLst>
+      <p:par>
+        <p:cTn id="1" dur="indefinite" restart="never" nodeType="tmRoot"/>
+      </p:par>
+    </p:tnLst>
+  </p:timing>
 </p:sld>
 </file>
 
@@ -11850,7 +11873,7 @@
           </a:bodyPr>
           <a:lstStyle/>
           <a:p>
-            <a:pPr lvl="1">
+            <a:pPr lvl="1" algn="just">
               <a:buFont typeface="Arial" pitchFamily="34" charset="0"/>
               <a:buChar char="•"/>
             </a:pPr>
@@ -11860,7 +11883,7 @@
             </a:r>
           </a:p>
           <a:p>
-            <a:pPr lvl="1">
+            <a:pPr lvl="1" algn="just">
               <a:buFont typeface="Arial" pitchFamily="34" charset="0"/>
               <a:buChar char="•"/>
             </a:pPr>
@@ -11870,7 +11893,7 @@
             </a:r>
           </a:p>
           <a:p>
-            <a:pPr lvl="1">
+            <a:pPr lvl="1" algn="just">
               <a:buFont typeface="Arial" pitchFamily="34" charset="0"/>
               <a:buChar char="•"/>
             </a:pPr>
@@ -12032,7 +12055,7 @@
         <p:spPr>
           <a:xfrm>
             <a:off x="381000" y="1143000"/>
-            <a:ext cx="8305800" cy="4893647"/>
+            <a:ext cx="8305800" cy="4524315"/>
           </a:xfrm>
           <a:prstGeom prst="rect">
             <a:avLst/>
@@ -12045,7 +12068,7 @@
           </a:bodyPr>
           <a:lstStyle/>
           <a:p>
-            <a:pPr>
+            <a:pPr algn="just">
               <a:buFont typeface="Arial" pitchFamily="34" charset="0"/>
               <a:buChar char="•"/>
             </a:pPr>
@@ -12055,10 +12078,11 @@
             </a:r>
           </a:p>
           <a:p>
+            <a:pPr algn="just"/>
             <a:endParaRPr lang="en-US" sz="2400" dirty="0" smtClean="0"/>
           </a:p>
           <a:p>
-            <a:pPr>
+            <a:pPr algn="just">
               <a:buFont typeface="Arial" pitchFamily="34" charset="0"/>
               <a:buChar char="•"/>
             </a:pPr>
@@ -12068,10 +12092,11 @@
             </a:r>
           </a:p>
           <a:p>
+            <a:pPr algn="just"/>
             <a:endParaRPr lang="en-US" sz="2400" dirty="0" smtClean="0"/>
           </a:p>
           <a:p>
-            <a:pPr>
+            <a:pPr algn="just">
               <a:buFont typeface="Arial" pitchFamily="34" charset="0"/>
               <a:buChar char="•"/>
             </a:pPr>
@@ -12081,10 +12106,11 @@
             </a:r>
           </a:p>
           <a:p>
+            <a:pPr algn="just"/>
             <a:endParaRPr lang="en-US" sz="2400" dirty="0" smtClean="0"/>
           </a:p>
           <a:p>
-            <a:pPr>
+            <a:pPr algn="just">
               <a:buFont typeface="Arial" pitchFamily="34" charset="0"/>
               <a:buChar char="•"/>
             </a:pPr>
@@ -12098,10 +12124,11 @@
             </a:r>
           </a:p>
           <a:p>
+            <a:pPr algn="just"/>
             <a:endParaRPr lang="en-US" sz="2400" dirty="0" smtClean="0"/>
           </a:p>
           <a:p>
-            <a:pPr>
+            <a:pPr algn="just">
               <a:buFont typeface="Arial" pitchFamily="34" charset="0"/>
               <a:buChar char="•"/>
             </a:pPr>
@@ -12225,7 +12252,7 @@
           </a:bodyPr>
           <a:lstStyle/>
           <a:p>
-            <a:pPr>
+            <a:pPr algn="just">
               <a:buFont typeface="Arial" pitchFamily="34" charset="0"/>
               <a:buChar char="•"/>
             </a:pPr>
@@ -12235,14 +12262,14 @@
             </a:r>
           </a:p>
           <a:p>
-            <a:pPr>
+            <a:pPr algn="just">
               <a:buFont typeface="Arial" pitchFamily="34" charset="0"/>
               <a:buChar char="•"/>
             </a:pPr>
             <a:endParaRPr lang="en-US" sz="2000" dirty="0" smtClean="0"/>
           </a:p>
           <a:p>
-            <a:pPr>
+            <a:pPr algn="just">
               <a:buFont typeface="Arial" pitchFamily="34" charset="0"/>
               <a:buChar char="•"/>
             </a:pPr>
@@ -12252,30 +12279,32 @@
             </a:r>
           </a:p>
           <a:p>
-            <a:pPr>
+            <a:pPr algn="just">
               <a:buFont typeface="Arial" pitchFamily="34" charset="0"/>
               <a:buChar char="•"/>
             </a:pPr>
             <a:endParaRPr lang="en-US" sz="2000" dirty="0" smtClean="0"/>
           </a:p>
           <a:p>
-            <a:pPr>
+            <a:pPr algn="just">
               <a:buFont typeface="Arial" pitchFamily="34" charset="0"/>
               <a:buChar char="•"/>
             </a:pPr>
             <a:endParaRPr lang="en-US" sz="2000" dirty="0" smtClean="0"/>
           </a:p>
           <a:p>
+            <a:pPr algn="just"/>
             <a:r>
               <a:rPr lang="en-US" sz="2000" b="1" dirty="0" smtClean="0"/>
               <a:t>CHALLENGES IN SINGLE PLAYER MODE GAME:</a:t>
             </a:r>
           </a:p>
           <a:p>
+            <a:pPr algn="just"/>
             <a:endParaRPr lang="en-US" sz="2000" b="1" dirty="0" smtClean="0"/>
           </a:p>
           <a:p>
-            <a:pPr>
+            <a:pPr algn="just">
               <a:buFont typeface="Arial" pitchFamily="34" charset="0"/>
               <a:buChar char="•"/>
             </a:pPr>
@@ -12285,14 +12314,14 @@
             </a:r>
           </a:p>
           <a:p>
-            <a:pPr>
+            <a:pPr algn="just">
               <a:buFont typeface="Arial" pitchFamily="34" charset="0"/>
               <a:buChar char="•"/>
             </a:pPr>
             <a:endParaRPr lang="en-US" sz="2000" dirty="0" smtClean="0"/>
           </a:p>
           <a:p>
-            <a:pPr>
+            <a:pPr algn="just">
               <a:buFont typeface="Arial" pitchFamily="34" charset="0"/>
               <a:buChar char="•"/>
             </a:pPr>
@@ -12404,7 +12433,7 @@
           </a:bodyPr>
           <a:lstStyle/>
           <a:p>
-            <a:pPr>
+            <a:pPr algn="just">
               <a:buFont typeface="Arial" pitchFamily="34" charset="0"/>
               <a:buChar char="•"/>
             </a:pPr>
@@ -12414,14 +12443,14 @@
             </a:r>
           </a:p>
           <a:p>
-            <a:pPr>
+            <a:pPr algn="just">
               <a:buFont typeface="Arial" pitchFamily="34" charset="0"/>
               <a:buChar char="•"/>
             </a:pPr>
             <a:endParaRPr lang="en-US" sz="2400" dirty="0"/>
           </a:p>
           <a:p>
-            <a:pPr>
+            <a:pPr algn="just">
               <a:buFont typeface="Arial" pitchFamily="34" charset="0"/>
               <a:buChar char="•"/>
             </a:pPr>
@@ -12431,14 +12460,14 @@
             </a:r>
           </a:p>
           <a:p>
-            <a:pPr>
+            <a:pPr algn="just">
               <a:buFont typeface="Arial" pitchFamily="34" charset="0"/>
               <a:buChar char="•"/>
             </a:pPr>
             <a:endParaRPr lang="en-US" sz="2400" dirty="0"/>
           </a:p>
           <a:p>
-            <a:pPr>
+            <a:pPr algn="just">
               <a:buFont typeface="Arial" pitchFamily="34" charset="0"/>
               <a:buChar char="•"/>
             </a:pPr>
